--- a/ppt.pptx
+++ b/ppt.pptx
@@ -6,10 +6,11 @@
   </p:sldMasterIdLst>
   <p:sldIdLst>
     <p:sldId id="256" r:id="rId3"/>
-    <p:sldId id="257" r:id="rId4"/>
-    <p:sldId id="258" r:id="rId5"/>
-    <p:sldId id="259" r:id="rId6"/>
-    <p:sldId id="260" r:id="rId7"/>
+    <p:sldId id="261" r:id="rId4"/>
+    <p:sldId id="257" r:id="rId5"/>
+    <p:sldId id="258" r:id="rId6"/>
+    <p:sldId id="259" r:id="rId7"/>
+    <p:sldId id="260" r:id="rId8"/>
   </p:sldIdLst>
   <p:sldSz cx="12192000" cy="6858000"/>
   <p:notesSz cx="6858000" cy="9144000"/>
@@ -2972,141 +2973,897 @@
         <p:nvPr/>
       </p:nvGrpSpPr>
       <p:grpSpPr/>
-      <p:pic>
-        <p:nvPicPr>
-          <p:cNvPr id="4" name="图片 3"/>
-          <p:cNvPicPr>
-            <a:picLocks noChangeAspect="1"/>
-          </p:cNvPicPr>
+      <p:graphicFrame>
+        <p:nvGraphicFramePr>
+          <p:cNvPr id="284" name="Shape 284"/>
+          <p:cNvGraphicFramePr/>
           <p:nvPr/>
-        </p:nvPicPr>
-        <p:blipFill>
-          <a:blip r:embed="rId1"/>
-          <a:stretch>
-            <a:fillRect/>
-          </a:stretch>
-        </p:blipFill>
-        <p:spPr>
-          <a:xfrm>
-            <a:off x="2499360" y="3711575"/>
-            <a:ext cx="3931285" cy="3058795"/>
-          </a:xfrm>
-          <a:prstGeom prst="rect">
-            <a:avLst/>
-          </a:prstGeom>
-        </p:spPr>
-      </p:pic>
-      <p:pic>
-        <p:nvPicPr>
-          <p:cNvPr id="5" name="图片 4"/>
-          <p:cNvPicPr>
-            <a:picLocks noChangeAspect="1"/>
-          </p:cNvPicPr>
-          <p:nvPr/>
-        </p:nvPicPr>
-        <p:blipFill>
-          <a:blip r:embed="rId2"/>
-          <a:stretch>
-            <a:fillRect/>
-          </a:stretch>
-        </p:blipFill>
-        <p:spPr>
-          <a:xfrm>
-            <a:off x="882015" y="156210"/>
-            <a:ext cx="2135505" cy="2773045"/>
-          </a:xfrm>
-          <a:prstGeom prst="rect">
-            <a:avLst/>
-          </a:prstGeom>
-        </p:spPr>
-      </p:pic>
-      <p:pic>
-        <p:nvPicPr>
-          <p:cNvPr id="6" name="图片 5"/>
-          <p:cNvPicPr>
-            <a:picLocks noChangeAspect="1"/>
-          </p:cNvPicPr>
-          <p:nvPr/>
-        </p:nvPicPr>
-        <p:blipFill>
-          <a:blip r:embed="rId3"/>
-          <a:stretch>
-            <a:fillRect/>
-          </a:stretch>
-        </p:blipFill>
-        <p:spPr>
-          <a:xfrm>
-            <a:off x="3435350" y="156210"/>
-            <a:ext cx="2062480" cy="2773680"/>
-          </a:xfrm>
-          <a:prstGeom prst="rect">
-            <a:avLst/>
-          </a:prstGeom>
-        </p:spPr>
-      </p:pic>
-      <p:pic>
-        <p:nvPicPr>
-          <p:cNvPr id="7" name="图片 6"/>
-          <p:cNvPicPr>
-            <a:picLocks noChangeAspect="1"/>
-          </p:cNvPicPr>
-          <p:nvPr/>
-        </p:nvPicPr>
-        <p:blipFill>
-          <a:blip r:embed="rId4"/>
-          <a:stretch>
-            <a:fillRect/>
-          </a:stretch>
-        </p:blipFill>
-        <p:spPr>
-          <a:xfrm>
-            <a:off x="5981065" y="156210"/>
-            <a:ext cx="1846580" cy="2772410"/>
-          </a:xfrm>
-          <a:prstGeom prst="rect">
-            <a:avLst/>
-          </a:prstGeom>
-        </p:spPr>
-      </p:pic>
-      <p:sp>
-        <p:nvSpPr>
-          <p:cNvPr id="8" name="下箭头 7"/>
-          <p:cNvSpPr/>
-          <p:nvPr/>
-        </p:nvSpPr>
-        <p:spPr>
-          <a:xfrm>
-            <a:off x="4140200" y="3024505"/>
-            <a:ext cx="536575" cy="601980"/>
-          </a:xfrm>
-          <a:prstGeom prst="downArrow">
-            <a:avLst/>
-          </a:prstGeom>
-        </p:spPr>
-        <p:style>
-          <a:lnRef idx="2">
-            <a:schemeClr val="accent1">
-              <a:shade val="50000"/>
-            </a:schemeClr>
-          </a:lnRef>
-          <a:fillRef idx="1">
-            <a:schemeClr val="accent1"/>
-          </a:fillRef>
-          <a:effectRef idx="0">
-            <a:schemeClr val="accent1"/>
-          </a:effectRef>
-          <a:fontRef idx="minor">
-            <a:schemeClr val="lt1"/>
-          </a:fontRef>
-        </p:style>
-        <p:txBody>
-          <a:bodyPr rtlCol="0" anchor="ctr"/>
-          <a:p>
-            <a:pPr algn="ctr"/>
-            <a:endParaRPr lang="zh-CN" altLang="en-US"/>
-          </a:p>
-        </p:txBody>
-      </p:sp>
+        </p:nvGraphicFramePr>
+        <p:xfrm>
+          <a:off x="1741170" y="1845309"/>
+          <a:ext cx="7845425" cy="2384425"/>
+        </p:xfrm>
+        <a:graphic>
+          <a:graphicData uri="http://schemas.openxmlformats.org/drawingml/2006/table">
+            <a:tbl>
+              <a:tblPr firstRow="1" bandRow="1">
+                <a:noFill/>
+                <a:tableStyleId>{C32DE16D-C30A-451B-AD78-78F5EB1C75D9}</a:tableStyleId>
+              </a:tblPr>
+              <a:tblGrid>
+                <a:gridCol w="1120775"/>
+                <a:gridCol w="1120775"/>
+                <a:gridCol w="1120775"/>
+                <a:gridCol w="1120775"/>
+                <a:gridCol w="1120775"/>
+                <a:gridCol w="1120775"/>
+              </a:tblGrid>
+              <a:tr h="476885">
+                <a:tc>
+                  <a:txBody>
+                    <a:bodyPr/>
+                    <a:p>
+                      <a:pPr marL="0" marR="0" lvl="0" indent="0" algn="l" rtl="0">
+                        <a:lnSpc>
+                          <a:spcPct val="100000"/>
+                        </a:lnSpc>
+                        <a:spcBef>
+                          <a:spcPts val="0"/>
+                        </a:spcBef>
+                        <a:spcAft>
+                          <a:spcPts val="0"/>
+                        </a:spcAft>
+                        <a:buClr>
+                          <a:schemeClr val="dk1"/>
+                        </a:buClr>
+                        <a:buSzPct val="25000"/>
+                        <a:buFont typeface="Calibri" panose="020F0502020204030204"/>
+                        <a:buNone/>
+                      </a:pPr>
+                      <a:endParaRPr sz="1800" u="none" strike="noStrike" cap="none" dirty="0"/>
+                    </a:p>
+                  </a:txBody>
+                  <a:tcPr marL="91450" marR="91450" marT="45725" marB="45725"/>
+                </a:tc>
+                <a:tc>
+                  <a:txBody>
+                    <a:bodyPr/>
+                    <a:p>
+                      <a:pPr marL="0" marR="0" lvl="0" indent="0" algn="l" rtl="0">
+                        <a:lnSpc>
+                          <a:spcPct val="100000"/>
+                        </a:lnSpc>
+                        <a:spcBef>
+                          <a:spcPts val="0"/>
+                        </a:spcBef>
+                        <a:spcAft>
+                          <a:spcPts val="0"/>
+                        </a:spcAft>
+                        <a:buClr>
+                          <a:schemeClr val="dk1"/>
+                        </a:buClr>
+                        <a:buSzPct val="25000"/>
+                        <a:buFont typeface="Calibri" panose="020F0502020204030204"/>
+                        <a:buNone/>
+                      </a:pPr>
+                      <a:r>
+                        <a:rPr lang="en-US" altLang="ja-JP" sz="1800" u="none" strike="noStrike" cap="none" dirty="0" smtClean="0"/>
+                        <a:t>Item1</a:t>
+                      </a:r>
+                      <a:endParaRPr lang="ja-JP" sz="1800" u="none" strike="noStrike" cap="none" dirty="0"/>
+                    </a:p>
+                  </a:txBody>
+                  <a:tcPr marL="91450" marR="91450" marT="45725" marB="45725"/>
+                </a:tc>
+                <a:tc>
+                  <a:txBody>
+                    <a:bodyPr/>
+                    <a:p>
+                      <a:pPr marL="0" marR="0" lvl="0" indent="0" algn="l" rtl="0">
+                        <a:lnSpc>
+                          <a:spcPct val="100000"/>
+                        </a:lnSpc>
+                        <a:spcBef>
+                          <a:spcPts val="0"/>
+                        </a:spcBef>
+                        <a:spcAft>
+                          <a:spcPts val="0"/>
+                        </a:spcAft>
+                        <a:buClr>
+                          <a:schemeClr val="dk1"/>
+                        </a:buClr>
+                        <a:buSzPct val="25000"/>
+                        <a:buFont typeface="Calibri" panose="020F0502020204030204"/>
+                        <a:buNone/>
+                      </a:pPr>
+                      <a:r>
+                        <a:rPr lang="en-US" altLang="ja-JP" sz="1800" u="none" strike="noStrike" cap="none" dirty="0" smtClean="0"/>
+                        <a:t>Item2</a:t>
+                      </a:r>
+                      <a:endParaRPr lang="ja-JP" sz="1800" u="none" strike="noStrike" cap="none" dirty="0"/>
+                    </a:p>
+                  </a:txBody>
+                  <a:tcPr marL="91450" marR="91450" marT="45725" marB="45725"/>
+                </a:tc>
+                <a:tc>
+                  <a:txBody>
+                    <a:bodyPr/>
+                    <a:p>
+                      <a:pPr marL="0" marR="0" lvl="0" indent="0" algn="l" rtl="0">
+                        <a:lnSpc>
+                          <a:spcPct val="100000"/>
+                        </a:lnSpc>
+                        <a:spcBef>
+                          <a:spcPts val="0"/>
+                        </a:spcBef>
+                        <a:spcAft>
+                          <a:spcPts val="0"/>
+                        </a:spcAft>
+                        <a:buClr>
+                          <a:schemeClr val="dk1"/>
+                        </a:buClr>
+                        <a:buSzPct val="25000"/>
+                        <a:buFont typeface="Calibri" panose="020F0502020204030204"/>
+                        <a:buNone/>
+                      </a:pPr>
+                      <a:r>
+                        <a:rPr lang="en-US" altLang="ja-JP" sz="1800" u="none" strike="noStrike" cap="none" dirty="0" smtClean="0"/>
+                        <a:t>Item3</a:t>
+                      </a:r>
+                      <a:endParaRPr lang="ja-JP" sz="1800" u="none" strike="noStrike" cap="none" dirty="0"/>
+                    </a:p>
+                  </a:txBody>
+                  <a:tcPr marL="91450" marR="91450" marT="45725" marB="45725"/>
+                </a:tc>
+                <a:tc>
+                  <a:txBody>
+                    <a:bodyPr/>
+                    <a:p>
+                      <a:pPr marL="0" marR="0" lvl="0" indent="0" algn="l" rtl="0">
+                        <a:lnSpc>
+                          <a:spcPct val="100000"/>
+                        </a:lnSpc>
+                        <a:spcBef>
+                          <a:spcPts val="0"/>
+                        </a:spcBef>
+                        <a:spcAft>
+                          <a:spcPts val="0"/>
+                        </a:spcAft>
+                        <a:buClr>
+                          <a:schemeClr val="dk1"/>
+                        </a:buClr>
+                        <a:buSzPct val="25000"/>
+                        <a:buFont typeface="Calibri" panose="020F0502020204030204"/>
+                        <a:buNone/>
+                      </a:pPr>
+                      <a:r>
+                        <a:rPr lang="en-US" altLang="ja-JP" sz="1800" u="none" strike="noStrike" cap="none" dirty="0" smtClean="0"/>
+                        <a:t>Item4</a:t>
+                      </a:r>
+                      <a:endParaRPr lang="ja-JP" sz="1800" u="none" strike="noStrike" cap="none" dirty="0"/>
+                    </a:p>
+                  </a:txBody>
+                  <a:tcPr marL="91450" marR="91450" marT="45725" marB="45725"/>
+                </a:tc>
+                <a:tc>
+                  <a:txBody>
+                    <a:bodyPr/>
+                    <a:p>
+                      <a:pPr marL="0" marR="0" lvl="0" indent="0" algn="l" rtl="0">
+                        <a:lnSpc>
+                          <a:spcPct val="100000"/>
+                        </a:lnSpc>
+                        <a:spcBef>
+                          <a:spcPts val="0"/>
+                        </a:spcBef>
+                        <a:spcAft>
+                          <a:spcPts val="0"/>
+                        </a:spcAft>
+                        <a:buClr>
+                          <a:schemeClr val="dk1"/>
+                        </a:buClr>
+                        <a:buSzPct val="25000"/>
+                        <a:buFont typeface="Calibri" panose="020F0502020204030204"/>
+                        <a:buNone/>
+                      </a:pPr>
+                      <a:r>
+                        <a:rPr lang="en-US" altLang="ja-JP" sz="1800" u="none" strike="noStrike" cap="none" dirty="0" smtClean="0"/>
+                        <a:t>Item5</a:t>
+                      </a:r>
+                      <a:endParaRPr lang="ja-JP" sz="1800" u="none" strike="noStrike" cap="none" dirty="0"/>
+                    </a:p>
+                  </a:txBody>
+                  <a:tcPr marL="91450" marR="91450" marT="45725" marB="45725"/>
+                </a:tc>
+              </a:tr>
+              <a:tr h="476885">
+                <a:tc>
+                  <a:txBody>
+                    <a:bodyPr/>
+                    <a:p>
+                      <a:pPr marL="0" marR="0" lvl="0" indent="0" algn="l" rtl="0">
+                        <a:lnSpc>
+                          <a:spcPct val="100000"/>
+                        </a:lnSpc>
+                        <a:spcBef>
+                          <a:spcPts val="0"/>
+                        </a:spcBef>
+                        <a:spcAft>
+                          <a:spcPts val="0"/>
+                        </a:spcAft>
+                        <a:buClr>
+                          <a:schemeClr val="dk1"/>
+                        </a:buClr>
+                        <a:buSzPct val="25000"/>
+                        <a:buFont typeface="Calibri" panose="020F0502020204030204"/>
+                        <a:buNone/>
+                      </a:pPr>
+                      <a:r>
+                        <a:rPr lang="ja-JP" sz="1800" u="none" strike="noStrike" cap="none"/>
+                        <a:t>UserA</a:t>
+                      </a:r>
+                      <a:endParaRPr lang="ja-JP" sz="1800" u="none" strike="noStrike" cap="none"/>
+                    </a:p>
+                  </a:txBody>
+                  <a:tcPr marL="91450" marR="91450" marT="45725" marB="45725"/>
+                </a:tc>
+                <a:tc>
+                  <a:txBody>
+                    <a:bodyPr/>
+                    <a:p>
+                      <a:pPr marL="0" marR="0" lvl="0" indent="0" algn="l" rtl="0">
+                        <a:lnSpc>
+                          <a:spcPct val="100000"/>
+                        </a:lnSpc>
+                        <a:spcBef>
+                          <a:spcPts val="0"/>
+                        </a:spcBef>
+                        <a:spcAft>
+                          <a:spcPts val="0"/>
+                        </a:spcAft>
+                        <a:buClr>
+                          <a:schemeClr val="dk1"/>
+                        </a:buClr>
+                        <a:buSzPct val="25000"/>
+                        <a:buFont typeface="Calibri" panose="020F0502020204030204"/>
+                        <a:buNone/>
+                      </a:pPr>
+                      <a:r>
+                        <a:rPr lang="ja-JP" sz="1800" u="none" strike="noStrike" cap="none" dirty="0"/>
+                        <a:t>1</a:t>
+                      </a:r>
+                      <a:endParaRPr lang="ja-JP" sz="1800" u="none" strike="noStrike" cap="none" dirty="0"/>
+                    </a:p>
+                  </a:txBody>
+                  <a:tcPr marL="91450" marR="91450" marT="45725" marB="45725"/>
+                </a:tc>
+                <a:tc>
+                  <a:txBody>
+                    <a:bodyPr/>
+                    <a:p>
+                      <a:pPr marL="0" marR="0" lvl="0" indent="0" algn="l" rtl="0">
+                        <a:lnSpc>
+                          <a:spcPct val="100000"/>
+                        </a:lnSpc>
+                        <a:spcBef>
+                          <a:spcPts val="0"/>
+                        </a:spcBef>
+                        <a:spcAft>
+                          <a:spcPts val="0"/>
+                        </a:spcAft>
+                        <a:buClr>
+                          <a:schemeClr val="dk1"/>
+                        </a:buClr>
+                        <a:buSzPct val="25000"/>
+                        <a:buFont typeface="Calibri" panose="020F0502020204030204"/>
+                        <a:buNone/>
+                      </a:pPr>
+                      <a:endParaRPr lang="ja-JP" sz="1800" u="none" strike="noStrike" cap="none"/>
+                    </a:p>
+                  </a:txBody>
+                  <a:tcPr marL="91450" marR="91450" marT="45725" marB="45725"/>
+                </a:tc>
+                <a:tc>
+                  <a:txBody>
+                    <a:bodyPr/>
+                    <a:p>
+                      <a:pPr marL="0" marR="0" lvl="0" indent="0" algn="l" rtl="0">
+                        <a:lnSpc>
+                          <a:spcPct val="100000"/>
+                        </a:lnSpc>
+                        <a:spcBef>
+                          <a:spcPts val="0"/>
+                        </a:spcBef>
+                        <a:spcAft>
+                          <a:spcPts val="0"/>
+                        </a:spcAft>
+                        <a:buClr>
+                          <a:schemeClr val="dk1"/>
+                        </a:buClr>
+                        <a:buSzPct val="25000"/>
+                        <a:buFont typeface="Calibri" panose="020F0502020204030204"/>
+                        <a:buNone/>
+                      </a:pPr>
+                      <a:r>
+                        <a:rPr lang="ja-JP" sz="1800" u="none" strike="noStrike" cap="none"/>
+                        <a:t>1</a:t>
+                      </a:r>
+                      <a:endParaRPr lang="ja-JP" sz="1800" u="none" strike="noStrike" cap="none"/>
+                    </a:p>
+                  </a:txBody>
+                  <a:tcPr marL="91450" marR="91450" marT="45725" marB="45725"/>
+                </a:tc>
+                <a:tc>
+                  <a:txBody>
+                    <a:bodyPr/>
+                    <a:p>
+                      <a:pPr marL="0" marR="0" lvl="0" indent="0" algn="l" rtl="0">
+                        <a:lnSpc>
+                          <a:spcPct val="100000"/>
+                        </a:lnSpc>
+                        <a:spcBef>
+                          <a:spcPts val="0"/>
+                        </a:spcBef>
+                        <a:spcAft>
+                          <a:spcPts val="0"/>
+                        </a:spcAft>
+                        <a:buClr>
+                          <a:schemeClr val="dk1"/>
+                        </a:buClr>
+                        <a:buSzPct val="25000"/>
+                        <a:buFont typeface="Calibri" panose="020F0502020204030204"/>
+                        <a:buNone/>
+                      </a:pPr>
+                      <a:endParaRPr lang="ja-JP" sz="1800" u="none" strike="noStrike" cap="none"/>
+                    </a:p>
+                  </a:txBody>
+                  <a:tcPr marL="91450" marR="91450" marT="45725" marB="45725"/>
+                </a:tc>
+                <a:tc>
+                  <a:txBody>
+                    <a:bodyPr/>
+                    <a:p>
+                      <a:pPr marL="0" marR="0" lvl="0" indent="0" algn="l" rtl="0">
+                        <a:lnSpc>
+                          <a:spcPct val="100000"/>
+                        </a:lnSpc>
+                        <a:spcBef>
+                          <a:spcPts val="0"/>
+                        </a:spcBef>
+                        <a:spcAft>
+                          <a:spcPts val="0"/>
+                        </a:spcAft>
+                        <a:buClr>
+                          <a:schemeClr val="dk1"/>
+                        </a:buClr>
+                        <a:buSzPct val="25000"/>
+                        <a:buFont typeface="Calibri" panose="020F0502020204030204"/>
+                        <a:buNone/>
+                      </a:pPr>
+                      <a:r>
+                        <a:rPr lang="ja-JP" sz="1800" u="none" strike="noStrike" cap="none"/>
+                        <a:t>1</a:t>
+                      </a:r>
+                      <a:endParaRPr lang="ja-JP" sz="1800" u="none" strike="noStrike" cap="none"/>
+                    </a:p>
+                  </a:txBody>
+                  <a:tcPr marL="91450" marR="91450" marT="45725" marB="45725"/>
+                </a:tc>
+              </a:tr>
+              <a:tr h="476885">
+                <a:tc>
+                  <a:txBody>
+                    <a:bodyPr/>
+                    <a:p>
+                      <a:pPr marL="0" marR="0" lvl="0" indent="0" algn="l" rtl="0">
+                        <a:lnSpc>
+                          <a:spcPct val="100000"/>
+                        </a:lnSpc>
+                        <a:spcBef>
+                          <a:spcPts val="0"/>
+                        </a:spcBef>
+                        <a:spcAft>
+                          <a:spcPts val="0"/>
+                        </a:spcAft>
+                        <a:buClr>
+                          <a:schemeClr val="dk1"/>
+                        </a:buClr>
+                        <a:buSzPct val="25000"/>
+                        <a:buFont typeface="Calibri" panose="020F0502020204030204"/>
+                        <a:buNone/>
+                      </a:pPr>
+                      <a:r>
+                        <a:rPr lang="ja-JP" sz="1800" u="none" strike="noStrike" cap="none"/>
+                        <a:t>UserB</a:t>
+                      </a:r>
+                      <a:endParaRPr lang="ja-JP" sz="1800" u="none" strike="noStrike" cap="none"/>
+                    </a:p>
+                  </a:txBody>
+                  <a:tcPr marL="91450" marR="91450" marT="45725" marB="45725"/>
+                </a:tc>
+                <a:tc>
+                  <a:txBody>
+                    <a:bodyPr/>
+                    <a:p>
+                      <a:pPr marL="0" marR="0" lvl="0" indent="0" algn="l" rtl="0">
+                        <a:lnSpc>
+                          <a:spcPct val="100000"/>
+                        </a:lnSpc>
+                        <a:spcBef>
+                          <a:spcPts val="0"/>
+                        </a:spcBef>
+                        <a:spcAft>
+                          <a:spcPts val="0"/>
+                        </a:spcAft>
+                        <a:buClr>
+                          <a:schemeClr val="dk1"/>
+                        </a:buClr>
+                        <a:buSzPct val="25000"/>
+                        <a:buFont typeface="Calibri" panose="020F0502020204030204"/>
+                        <a:buNone/>
+                      </a:pPr>
+                      <a:endParaRPr lang="ja-JP" sz="1800" u="none" strike="noStrike" cap="none"/>
+                    </a:p>
+                  </a:txBody>
+                  <a:tcPr marL="91450" marR="91450" marT="45725" marB="45725"/>
+                </a:tc>
+                <a:tc>
+                  <a:txBody>
+                    <a:bodyPr/>
+                    <a:p>
+                      <a:pPr marL="0" marR="0" lvl="0" indent="0" algn="l" rtl="0">
+                        <a:lnSpc>
+                          <a:spcPct val="100000"/>
+                        </a:lnSpc>
+                        <a:spcBef>
+                          <a:spcPts val="0"/>
+                        </a:spcBef>
+                        <a:spcAft>
+                          <a:spcPts val="0"/>
+                        </a:spcAft>
+                        <a:buClr>
+                          <a:schemeClr val="dk1"/>
+                        </a:buClr>
+                        <a:buSzPct val="25000"/>
+                        <a:buFont typeface="Calibri" panose="020F0502020204030204"/>
+                        <a:buNone/>
+                      </a:pPr>
+                      <a:r>
+                        <a:rPr lang="ja-JP" sz="1800" u="none" strike="noStrike" cap="none"/>
+                        <a:t>1</a:t>
+                      </a:r>
+                      <a:endParaRPr lang="ja-JP" sz="1800" u="none" strike="noStrike" cap="none"/>
+                    </a:p>
+                  </a:txBody>
+                  <a:tcPr marL="91450" marR="91450" marT="45725" marB="45725"/>
+                </a:tc>
+                <a:tc>
+                  <a:txBody>
+                    <a:bodyPr/>
+                    <a:p>
+                      <a:pPr marL="0" marR="0" lvl="0" indent="0" algn="l" rtl="0">
+                        <a:lnSpc>
+                          <a:spcPct val="100000"/>
+                        </a:lnSpc>
+                        <a:spcBef>
+                          <a:spcPts val="0"/>
+                        </a:spcBef>
+                        <a:spcAft>
+                          <a:spcPts val="0"/>
+                        </a:spcAft>
+                        <a:buClr>
+                          <a:schemeClr val="dk1"/>
+                        </a:buClr>
+                        <a:buSzPct val="25000"/>
+                        <a:buFont typeface="Calibri" panose="020F0502020204030204"/>
+                        <a:buNone/>
+                      </a:pPr>
+                      <a:r>
+                        <a:rPr lang="ja-JP" sz="1800" u="none" strike="noStrike" cap="none"/>
+                        <a:t>1</a:t>
+                      </a:r>
+                      <a:endParaRPr lang="ja-JP" sz="1800" u="none" strike="noStrike" cap="none"/>
+                    </a:p>
+                  </a:txBody>
+                  <a:tcPr marL="91450" marR="91450" marT="45725" marB="45725"/>
+                </a:tc>
+                <a:tc>
+                  <a:txBody>
+                    <a:bodyPr/>
+                    <a:p>
+                      <a:pPr marL="0" marR="0" lvl="0" indent="0" algn="l" rtl="0">
+                        <a:lnSpc>
+                          <a:spcPct val="100000"/>
+                        </a:lnSpc>
+                        <a:spcBef>
+                          <a:spcPts val="0"/>
+                        </a:spcBef>
+                        <a:spcAft>
+                          <a:spcPts val="0"/>
+                        </a:spcAft>
+                        <a:buClr>
+                          <a:schemeClr val="dk1"/>
+                        </a:buClr>
+                        <a:buSzPct val="25000"/>
+                        <a:buFont typeface="Calibri" panose="020F0502020204030204"/>
+                        <a:buNone/>
+                      </a:pPr>
+                      <a:endParaRPr lang="ja-JP" sz="1800" u="none" strike="noStrike" cap="none"/>
+                    </a:p>
+                  </a:txBody>
+                  <a:tcPr marL="91450" marR="91450" marT="45725" marB="45725"/>
+                </a:tc>
+                <a:tc>
+                  <a:txBody>
+                    <a:bodyPr/>
+                    <a:p>
+                      <a:pPr marL="0" marR="0" lvl="0" indent="0" algn="l" rtl="0">
+                        <a:lnSpc>
+                          <a:spcPct val="100000"/>
+                        </a:lnSpc>
+                        <a:spcBef>
+                          <a:spcPts val="0"/>
+                        </a:spcBef>
+                        <a:spcAft>
+                          <a:spcPts val="0"/>
+                        </a:spcAft>
+                        <a:buClr>
+                          <a:schemeClr val="dk1"/>
+                        </a:buClr>
+                        <a:buSzPct val="25000"/>
+                        <a:buFont typeface="Calibri" panose="020F0502020204030204"/>
+                        <a:buNone/>
+                      </a:pPr>
+                      <a:r>
+                        <a:rPr lang="ja-JP" sz="1800" u="none" strike="noStrike" cap="none"/>
+                        <a:t>1</a:t>
+                      </a:r>
+                      <a:endParaRPr lang="ja-JP" sz="1800" u="none" strike="noStrike" cap="none"/>
+                    </a:p>
+                  </a:txBody>
+                  <a:tcPr marL="91450" marR="91450" marT="45725" marB="45725"/>
+                </a:tc>
+              </a:tr>
+              <a:tr h="476885">
+                <a:tc>
+                  <a:txBody>
+                    <a:bodyPr/>
+                    <a:p>
+                      <a:pPr marL="0" marR="0" lvl="0" indent="0" algn="l" rtl="0">
+                        <a:lnSpc>
+                          <a:spcPct val="100000"/>
+                        </a:lnSpc>
+                        <a:spcBef>
+                          <a:spcPts val="0"/>
+                        </a:spcBef>
+                        <a:spcAft>
+                          <a:spcPts val="0"/>
+                        </a:spcAft>
+                        <a:buClr>
+                          <a:schemeClr val="dk1"/>
+                        </a:buClr>
+                        <a:buSzPct val="25000"/>
+                        <a:buFont typeface="Calibri" panose="020F0502020204030204"/>
+                        <a:buNone/>
+                      </a:pPr>
+                      <a:r>
+                        <a:rPr lang="ja-JP" sz="1800" u="none" strike="noStrike" cap="none"/>
+                        <a:t>UserC</a:t>
+                      </a:r>
+                      <a:endParaRPr lang="ja-JP" sz="1800" u="none" strike="noStrike" cap="none"/>
+                    </a:p>
+                  </a:txBody>
+                  <a:tcPr marL="91450" marR="91450" marT="45725" marB="45725"/>
+                </a:tc>
+                <a:tc>
+                  <a:txBody>
+                    <a:bodyPr/>
+                    <a:p>
+                      <a:pPr marL="0" marR="0" lvl="0" indent="0" algn="l" rtl="0">
+                        <a:lnSpc>
+                          <a:spcPct val="100000"/>
+                        </a:lnSpc>
+                        <a:spcBef>
+                          <a:spcPts val="0"/>
+                        </a:spcBef>
+                        <a:spcAft>
+                          <a:spcPts val="0"/>
+                        </a:spcAft>
+                        <a:buClr>
+                          <a:schemeClr val="dk1"/>
+                        </a:buClr>
+                        <a:buSzPct val="25000"/>
+                        <a:buFont typeface="Calibri" panose="020F0502020204030204"/>
+                        <a:buNone/>
+                      </a:pPr>
+                      <a:r>
+                        <a:rPr lang="ja-JP" sz="1800" u="none" strike="noStrike" cap="none"/>
+                        <a:t>1</a:t>
+                      </a:r>
+                      <a:endParaRPr lang="ja-JP" sz="1800" u="none" strike="noStrike" cap="none"/>
+                    </a:p>
+                  </a:txBody>
+                  <a:tcPr marL="91450" marR="91450" marT="45725" marB="45725"/>
+                </a:tc>
+                <a:tc>
+                  <a:txBody>
+                    <a:bodyPr/>
+                    <a:p>
+                      <a:pPr marL="0" marR="0" lvl="0" indent="0" algn="l" rtl="0">
+                        <a:lnSpc>
+                          <a:spcPct val="100000"/>
+                        </a:lnSpc>
+                        <a:spcBef>
+                          <a:spcPts val="0"/>
+                        </a:spcBef>
+                        <a:spcAft>
+                          <a:spcPts val="0"/>
+                        </a:spcAft>
+                        <a:buClr>
+                          <a:schemeClr val="dk1"/>
+                        </a:buClr>
+                        <a:buSzPct val="25000"/>
+                        <a:buFont typeface="Calibri" panose="020F0502020204030204"/>
+                        <a:buNone/>
+                      </a:pPr>
+                      <a:r>
+                        <a:rPr lang="ja-JP" sz="1800" u="none" strike="noStrike" cap="none"/>
+                        <a:t>1</a:t>
+                      </a:r>
+                      <a:endParaRPr lang="ja-JP" sz="1800" u="none" strike="noStrike" cap="none"/>
+                    </a:p>
+                  </a:txBody>
+                  <a:tcPr marL="91450" marR="91450" marT="45725" marB="45725"/>
+                </a:tc>
+                <a:tc>
+                  <a:txBody>
+                    <a:bodyPr/>
+                    <a:p>
+                      <a:pPr marL="0" marR="0" lvl="0" indent="0" algn="l" rtl="0">
+                        <a:lnSpc>
+                          <a:spcPct val="100000"/>
+                        </a:lnSpc>
+                        <a:spcBef>
+                          <a:spcPts val="0"/>
+                        </a:spcBef>
+                        <a:spcAft>
+                          <a:spcPts val="0"/>
+                        </a:spcAft>
+                        <a:buClr>
+                          <a:schemeClr val="dk1"/>
+                        </a:buClr>
+                        <a:buSzPct val="25000"/>
+                        <a:buFont typeface="Calibri" panose="020F0502020204030204"/>
+                        <a:buNone/>
+                      </a:pPr>
+                      <a:endParaRPr lang="ja-JP" sz="1800" u="none" strike="noStrike" cap="none"/>
+                    </a:p>
+                  </a:txBody>
+                  <a:tcPr marL="91450" marR="91450" marT="45725" marB="45725"/>
+                </a:tc>
+                <a:tc>
+                  <a:txBody>
+                    <a:bodyPr/>
+                    <a:p>
+                      <a:pPr marL="0" marR="0" lvl="0" indent="0" algn="l" rtl="0">
+                        <a:lnSpc>
+                          <a:spcPct val="100000"/>
+                        </a:lnSpc>
+                        <a:spcBef>
+                          <a:spcPts val="0"/>
+                        </a:spcBef>
+                        <a:spcAft>
+                          <a:spcPts val="0"/>
+                        </a:spcAft>
+                        <a:buClr>
+                          <a:schemeClr val="dk1"/>
+                        </a:buClr>
+                        <a:buSzPct val="25000"/>
+                        <a:buFont typeface="Calibri" panose="020F0502020204030204"/>
+                        <a:buNone/>
+                      </a:pPr>
+                      <a:endParaRPr lang="ja-JP" sz="1800" u="none" strike="noStrike" cap="none"/>
+                    </a:p>
+                  </a:txBody>
+                  <a:tcPr marL="91450" marR="91450" marT="45725" marB="45725"/>
+                </a:tc>
+                <a:tc>
+                  <a:txBody>
+                    <a:bodyPr/>
+                    <a:p>
+                      <a:pPr marL="0" marR="0" lvl="0" indent="0" algn="l" rtl="0">
+                        <a:lnSpc>
+                          <a:spcPct val="100000"/>
+                        </a:lnSpc>
+                        <a:spcBef>
+                          <a:spcPts val="0"/>
+                        </a:spcBef>
+                        <a:spcAft>
+                          <a:spcPts val="0"/>
+                        </a:spcAft>
+                        <a:buClr>
+                          <a:schemeClr val="dk1"/>
+                        </a:buClr>
+                        <a:buSzPct val="25000"/>
+                        <a:buFont typeface="Calibri" panose="020F0502020204030204"/>
+                        <a:buNone/>
+                      </a:pPr>
+                      <a:endParaRPr lang="ja-JP" sz="1800" u="none" strike="noStrike" cap="none"/>
+                    </a:p>
+                  </a:txBody>
+                  <a:tcPr marL="91450" marR="91450" marT="45725" marB="45725"/>
+                </a:tc>
+              </a:tr>
+              <a:tr h="476885">
+                <a:tc>
+                  <a:txBody>
+                    <a:bodyPr/>
+                    <a:p>
+                      <a:pPr marL="0" marR="0" lvl="0" indent="0" algn="l" rtl="0">
+                        <a:lnSpc>
+                          <a:spcPct val="100000"/>
+                        </a:lnSpc>
+                        <a:spcBef>
+                          <a:spcPts val="0"/>
+                        </a:spcBef>
+                        <a:spcAft>
+                          <a:spcPts val="0"/>
+                        </a:spcAft>
+                        <a:buClr>
+                          <a:schemeClr val="dk1"/>
+                        </a:buClr>
+                        <a:buSzPct val="25000"/>
+                        <a:buFont typeface="Calibri" panose="020F0502020204030204"/>
+                        <a:buNone/>
+                      </a:pPr>
+                      <a:r>
+                        <a:rPr lang="ja-JP" sz="1800" u="none" strike="noStrike" cap="none"/>
+                        <a:t>UserD</a:t>
+                      </a:r>
+                      <a:endParaRPr lang="ja-JP" sz="1800" u="none" strike="noStrike" cap="none"/>
+                    </a:p>
+                  </a:txBody>
+                  <a:tcPr marL="91450" marR="91450" marT="45725" marB="45725"/>
+                </a:tc>
+                <a:tc>
+                  <a:txBody>
+                    <a:bodyPr/>
+                    <a:p>
+                      <a:pPr marL="0" marR="0" lvl="0" indent="0" algn="l" rtl="0">
+                        <a:lnSpc>
+                          <a:spcPct val="100000"/>
+                        </a:lnSpc>
+                        <a:spcBef>
+                          <a:spcPts val="0"/>
+                        </a:spcBef>
+                        <a:spcAft>
+                          <a:spcPts val="0"/>
+                        </a:spcAft>
+                        <a:buClr>
+                          <a:schemeClr val="dk1"/>
+                        </a:buClr>
+                        <a:buSzPct val="25000"/>
+                        <a:buFont typeface="Calibri" panose="020F0502020204030204"/>
+                        <a:buNone/>
+                      </a:pPr>
+                      <a:endParaRPr lang="ja-JP" sz="1800" u="none" strike="noStrike" cap="none"/>
+                    </a:p>
+                  </a:txBody>
+                  <a:tcPr marL="91450" marR="91450" marT="45725" marB="45725"/>
+                </a:tc>
+                <a:tc>
+                  <a:txBody>
+                    <a:bodyPr/>
+                    <a:p>
+                      <a:pPr marL="0" marR="0" lvl="0" indent="0" algn="l" rtl="0">
+                        <a:lnSpc>
+                          <a:spcPct val="100000"/>
+                        </a:lnSpc>
+                        <a:spcBef>
+                          <a:spcPts val="0"/>
+                        </a:spcBef>
+                        <a:spcAft>
+                          <a:spcPts val="0"/>
+                        </a:spcAft>
+                        <a:buClr>
+                          <a:schemeClr val="dk1"/>
+                        </a:buClr>
+                        <a:buSzPct val="25000"/>
+                        <a:buFont typeface="Calibri" panose="020F0502020204030204"/>
+                        <a:buNone/>
+                      </a:pPr>
+                      <a:endParaRPr lang="ja-JP" sz="1800" u="none" strike="noStrike" cap="none"/>
+                    </a:p>
+                  </a:txBody>
+                  <a:tcPr marL="91450" marR="91450" marT="45725" marB="45725"/>
+                </a:tc>
+                <a:tc>
+                  <a:txBody>
+                    <a:bodyPr/>
+                    <a:p>
+                      <a:pPr marL="0" marR="0" lvl="0" indent="0" algn="l" rtl="0">
+                        <a:lnSpc>
+                          <a:spcPct val="100000"/>
+                        </a:lnSpc>
+                        <a:spcBef>
+                          <a:spcPts val="0"/>
+                        </a:spcBef>
+                        <a:spcAft>
+                          <a:spcPts val="0"/>
+                        </a:spcAft>
+                        <a:buClr>
+                          <a:schemeClr val="dk1"/>
+                        </a:buClr>
+                        <a:buSzPct val="25000"/>
+                        <a:buFont typeface="Calibri" panose="020F0502020204030204"/>
+                        <a:buNone/>
+                      </a:pPr>
+                      <a:endParaRPr lang="ja-JP" sz="1800" u="none" strike="noStrike" cap="none"/>
+                    </a:p>
+                  </a:txBody>
+                  <a:tcPr marL="91450" marR="91450" marT="45725" marB="45725"/>
+                </a:tc>
+                <a:tc>
+                  <a:txBody>
+                    <a:bodyPr/>
+                    <a:p>
+                      <a:pPr marL="0" marR="0" lvl="0" indent="0" algn="l" rtl="0">
+                        <a:lnSpc>
+                          <a:spcPct val="100000"/>
+                        </a:lnSpc>
+                        <a:spcBef>
+                          <a:spcPts val="0"/>
+                        </a:spcBef>
+                        <a:spcAft>
+                          <a:spcPts val="0"/>
+                        </a:spcAft>
+                        <a:buClr>
+                          <a:schemeClr val="dk1"/>
+                        </a:buClr>
+                        <a:buSzPct val="25000"/>
+                        <a:buFont typeface="Calibri" panose="020F0502020204030204"/>
+                        <a:buNone/>
+                      </a:pPr>
+                      <a:endParaRPr lang="ja-JP" sz="1800" u="none" strike="noStrike" cap="none"/>
+                    </a:p>
+                  </a:txBody>
+                  <a:tcPr marL="91450" marR="91450" marT="45725" marB="45725"/>
+                </a:tc>
+                <a:tc>
+                  <a:txBody>
+                    <a:bodyPr/>
+                    <a:p>
+                      <a:pPr marL="0" marR="0" lvl="0" indent="0" algn="l" rtl="0">
+                        <a:lnSpc>
+                          <a:spcPct val="100000"/>
+                        </a:lnSpc>
+                        <a:spcBef>
+                          <a:spcPts val="0"/>
+                        </a:spcBef>
+                        <a:spcAft>
+                          <a:spcPts val="0"/>
+                        </a:spcAft>
+                        <a:buClr>
+                          <a:schemeClr val="dk1"/>
+                        </a:buClr>
+                        <a:buSzPct val="25000"/>
+                        <a:buFont typeface="Calibri" panose="020F0502020204030204"/>
+                        <a:buNone/>
+                      </a:pPr>
+                      <a:r>
+                        <a:rPr lang="ja-JP" sz="1800" u="none" strike="noStrike" cap="none"/>
+                        <a:t>1</a:t>
+                      </a:r>
+                      <a:endParaRPr lang="ja-JP" sz="1800" u="none" strike="noStrike" cap="none"/>
+                    </a:p>
+                  </a:txBody>
+                  <a:tcPr marL="91450" marR="91450" marT="45725" marB="45725"/>
+                </a:tc>
+              </a:tr>
+            </a:tbl>
+          </a:graphicData>
+        </a:graphic>
+      </p:graphicFrame>
     </p:spTree>
   </p:cSld>
   <p:clrMapOvr>
@@ -3127,6 +3884,159 @@
       <p:grpSpPr/>
       <p:pic>
         <p:nvPicPr>
+          <p:cNvPr id="4" name="图片 3"/>
+          <p:cNvPicPr>
+            <a:picLocks noChangeAspect="1"/>
+          </p:cNvPicPr>
+          <p:nvPr/>
+        </p:nvPicPr>
+        <p:blipFill>
+          <a:blip r:embed="rId1"/>
+          <a:stretch>
+            <a:fillRect/>
+          </a:stretch>
+        </p:blipFill>
+        <p:spPr>
+          <a:xfrm>
+            <a:off x="2499360" y="3711575"/>
+            <a:ext cx="3931285" cy="3058795"/>
+          </a:xfrm>
+          <a:prstGeom prst="rect">
+            <a:avLst/>
+          </a:prstGeom>
+        </p:spPr>
+      </p:pic>
+      <p:pic>
+        <p:nvPicPr>
+          <p:cNvPr id="5" name="图片 4"/>
+          <p:cNvPicPr>
+            <a:picLocks noChangeAspect="1"/>
+          </p:cNvPicPr>
+          <p:nvPr/>
+        </p:nvPicPr>
+        <p:blipFill>
+          <a:blip r:embed="rId2"/>
+          <a:stretch>
+            <a:fillRect/>
+          </a:stretch>
+        </p:blipFill>
+        <p:spPr>
+          <a:xfrm>
+            <a:off x="882015" y="156210"/>
+            <a:ext cx="2135505" cy="2773045"/>
+          </a:xfrm>
+          <a:prstGeom prst="rect">
+            <a:avLst/>
+          </a:prstGeom>
+        </p:spPr>
+      </p:pic>
+      <p:pic>
+        <p:nvPicPr>
+          <p:cNvPr id="6" name="图片 5"/>
+          <p:cNvPicPr>
+            <a:picLocks noChangeAspect="1"/>
+          </p:cNvPicPr>
+          <p:nvPr/>
+        </p:nvPicPr>
+        <p:blipFill>
+          <a:blip r:embed="rId3"/>
+          <a:stretch>
+            <a:fillRect/>
+          </a:stretch>
+        </p:blipFill>
+        <p:spPr>
+          <a:xfrm>
+            <a:off x="3435350" y="156210"/>
+            <a:ext cx="2062480" cy="2773680"/>
+          </a:xfrm>
+          <a:prstGeom prst="rect">
+            <a:avLst/>
+          </a:prstGeom>
+        </p:spPr>
+      </p:pic>
+      <p:pic>
+        <p:nvPicPr>
+          <p:cNvPr id="7" name="图片 6"/>
+          <p:cNvPicPr>
+            <a:picLocks noChangeAspect="1"/>
+          </p:cNvPicPr>
+          <p:nvPr/>
+        </p:nvPicPr>
+        <p:blipFill>
+          <a:blip r:embed="rId4"/>
+          <a:stretch>
+            <a:fillRect/>
+          </a:stretch>
+        </p:blipFill>
+        <p:spPr>
+          <a:xfrm>
+            <a:off x="5981065" y="156210"/>
+            <a:ext cx="1846580" cy="2772410"/>
+          </a:xfrm>
+          <a:prstGeom prst="rect">
+            <a:avLst/>
+          </a:prstGeom>
+        </p:spPr>
+      </p:pic>
+      <p:sp>
+        <p:nvSpPr>
+          <p:cNvPr id="8" name="下箭头 7"/>
+          <p:cNvSpPr/>
+          <p:nvPr/>
+        </p:nvSpPr>
+        <p:spPr>
+          <a:xfrm>
+            <a:off x="4140200" y="3024505"/>
+            <a:ext cx="536575" cy="601980"/>
+          </a:xfrm>
+          <a:prstGeom prst="downArrow">
+            <a:avLst/>
+          </a:prstGeom>
+        </p:spPr>
+        <p:style>
+          <a:lnRef idx="2">
+            <a:schemeClr val="accent1">
+              <a:shade val="50000"/>
+            </a:schemeClr>
+          </a:lnRef>
+          <a:fillRef idx="1">
+            <a:schemeClr val="accent1"/>
+          </a:fillRef>
+          <a:effectRef idx="0">
+            <a:schemeClr val="accent1"/>
+          </a:effectRef>
+          <a:fontRef idx="minor">
+            <a:schemeClr val="lt1"/>
+          </a:fontRef>
+        </p:style>
+        <p:txBody>
+          <a:bodyPr rtlCol="0" anchor="ctr"/>
+          <a:p>
+            <a:pPr algn="ctr"/>
+            <a:endParaRPr lang="zh-CN" altLang="en-US"/>
+          </a:p>
+        </p:txBody>
+      </p:sp>
+    </p:spTree>
+  </p:cSld>
+  <p:clrMapOvr>
+    <a:masterClrMapping/>
+  </p:clrMapOvr>
+</p:sld>
+</file>
+
+<file path=ppt/slides/slide4.xml><?xml version="1.0" encoding="utf-8"?>
+<p:sld xmlns:a="http://schemas.openxmlformats.org/drawingml/2006/main" xmlns:r="http://schemas.openxmlformats.org/officeDocument/2006/relationships" xmlns:p="http://schemas.openxmlformats.org/presentationml/2006/main">
+  <p:cSld>
+    <p:spTree>
+      <p:nvGrpSpPr>
+        <p:cNvPr id="1" name=""/>
+        <p:cNvGrpSpPr/>
+        <p:nvPr/>
+      </p:nvGrpSpPr>
+      <p:grpSpPr/>
+      <p:pic>
+        <p:nvPicPr>
           <p:cNvPr id="4" name="内容占位符 3"/>
           <p:cNvPicPr>
             <a:picLocks noChangeAspect="1"/>
@@ -3303,7 +4213,7 @@
 </p:sld>
 </file>
 
-<file path=ppt/slides/slide4.xml><?xml version="1.0" encoding="utf-8"?>
+<file path=ppt/slides/slide5.xml><?xml version="1.0" encoding="utf-8"?>
 <p:sld xmlns:a="http://schemas.openxmlformats.org/drawingml/2006/main" xmlns:r="http://schemas.openxmlformats.org/officeDocument/2006/relationships" xmlns:p="http://schemas.openxmlformats.org/presentationml/2006/main">
   <p:cSld>
     <p:spTree>
@@ -3456,7 +4366,7 @@
 </p:sld>
 </file>
 
-<file path=ppt/slides/slide5.xml><?xml version="1.0" encoding="utf-8"?>
+<file path=ppt/slides/slide6.xml><?xml version="1.0" encoding="utf-8"?>
 <p:sld xmlns:a="http://schemas.openxmlformats.org/drawingml/2006/main" xmlns:r="http://schemas.openxmlformats.org/officeDocument/2006/relationships" xmlns:p="http://schemas.openxmlformats.org/presentationml/2006/main">
   <p:cSld>
     <p:spTree>
@@ -3943,11 +4853,7 @@
           <a:p>
             <a:r>
               <a:rPr lang="en-US" altLang="zh-CN" sz="2400"/>
-              <a:t>C</a:t>
-            </a:r>
-            <a:r>
-              <a:rPr lang="en-US" altLang="zh-CN" sz="2400"/>
-              <a:t>M = 145</a:t>
+              <a:t>CM = 145</a:t>
             </a:r>
             <a:endParaRPr lang="en-US" altLang="zh-CN" sz="2400"/>
           </a:p>
@@ -3976,11 +4882,7 @@
           <a:p>
             <a:r>
               <a:rPr lang="en-US" altLang="zh-CN" sz="2400"/>
-              <a:t>Bb</a:t>
-            </a:r>
-            <a:r>
-              <a:rPr lang="en-US" altLang="zh-CN" sz="2400"/>
-              <a:t>M = 116</a:t>
+              <a:t>BbM = 116</a:t>
             </a:r>
             <a:endParaRPr lang="en-US" altLang="zh-CN" sz="2400"/>
           </a:p>
@@ -4009,11 +4911,7 @@
           <a:p>
             <a:r>
               <a:rPr lang="en-US" altLang="zh-CN" sz="2400"/>
-              <a:t>G</a:t>
-            </a:r>
-            <a:r>
-              <a:rPr lang="en-US" altLang="zh-CN" sz="2400"/>
-              <a:t>M = 284</a:t>
+              <a:t>GM = 284</a:t>
             </a:r>
             <a:endParaRPr lang="en-US" altLang="zh-CN" sz="2400"/>
           </a:p>
@@ -4042,11 +4940,7 @@
           <a:p>
             <a:r>
               <a:rPr lang="en-US" altLang="zh-CN" sz="2400"/>
-              <a:t>H</a:t>
-            </a:r>
-            <a:r>
-              <a:rPr lang="en-US" altLang="zh-CN" sz="2400"/>
-              <a:t>M = 125</a:t>
+              <a:t>HM = 125</a:t>
             </a:r>
             <a:endParaRPr lang="en-US" altLang="zh-CN" sz="2400"/>
           </a:p>
@@ -4075,11 +4969,7 @@
           <a:p>
             <a:r>
               <a:rPr lang="en-US" altLang="zh-CN" sz="2400"/>
-              <a:t>E</a:t>
-            </a:r>
-            <a:r>
-              <a:rPr lang="en-US" altLang="zh-CN" sz="2400"/>
-              <a:t>M = 232</a:t>
+              <a:t>EM = 232</a:t>
             </a:r>
             <a:endParaRPr lang="en-US" altLang="zh-CN" sz="2400"/>
           </a:p>

--- a/ppt.pptx
+++ b/ppt.pptx
@@ -11,6 +11,10 @@
     <p:sldId id="258" r:id="rId6"/>
     <p:sldId id="259" r:id="rId7"/>
     <p:sldId id="260" r:id="rId8"/>
+    <p:sldId id="266" r:id="rId9"/>
+    <p:sldId id="267" r:id="rId10"/>
+    <p:sldId id="270" r:id="rId11"/>
+    <p:sldId id="268" r:id="rId12"/>
   </p:sldIdLst>
   <p:sldSz cx="12192000" cy="6858000"/>
   <p:notesSz cx="6858000" cy="9144000"/>
@@ -2955,6 +2959,24 @@
           </a:p>
         </p:txBody>
       </p:sp>
+    </p:spTree>
+  </p:cSld>
+  <p:clrMapOvr>
+    <a:masterClrMapping/>
+  </p:clrMapOvr>
+</p:sld>
+</file>
+
+<file path=ppt/slides/slide10.xml><?xml version="1.0" encoding="utf-8"?>
+<p:sld xmlns:a="http://schemas.openxmlformats.org/drawingml/2006/main" xmlns:r="http://schemas.openxmlformats.org/officeDocument/2006/relationships" xmlns:p="http://schemas.openxmlformats.org/presentationml/2006/main">
+  <p:cSld>
+    <p:spTree>
+      <p:nvGrpSpPr>
+        <p:cNvPr id="1" name=""/>
+        <p:cNvGrpSpPr/>
+        <p:nvPr/>
+      </p:nvGrpSpPr>
+      <p:grpSpPr/>
     </p:spTree>
   </p:cSld>
   <p:clrMapOvr>
@@ -4983,6 +5005,1757 @@
 </p:sld>
 </file>
 
+<file path=ppt/slides/slide7.xml><?xml version="1.0" encoding="utf-8"?>
+<p:sld xmlns:a="http://schemas.openxmlformats.org/drawingml/2006/main" xmlns:r="http://schemas.openxmlformats.org/officeDocument/2006/relationships" xmlns:p="http://schemas.openxmlformats.org/presentationml/2006/main">
+  <p:cSld>
+    <p:spTree>
+      <p:nvGrpSpPr>
+        <p:cNvPr id="1" name=""/>
+        <p:cNvGrpSpPr/>
+        <p:nvPr/>
+      </p:nvGrpSpPr>
+      <p:grpSpPr/>
+      <p:pic>
+        <p:nvPicPr>
+          <p:cNvPr id="16" name="图片 15"/>
+          <p:cNvPicPr>
+            <a:picLocks noChangeAspect="1"/>
+          </p:cNvPicPr>
+          <p:nvPr/>
+        </p:nvPicPr>
+        <p:blipFill>
+          <a:blip r:embed="rId1"/>
+          <a:stretch>
+            <a:fillRect/>
+          </a:stretch>
+        </p:blipFill>
+        <p:spPr>
+          <a:xfrm>
+            <a:off x="6758305" y="1725930"/>
+            <a:ext cx="907415" cy="964565"/>
+          </a:xfrm>
+          <a:prstGeom prst="rect">
+            <a:avLst/>
+          </a:prstGeom>
+        </p:spPr>
+      </p:pic>
+      <p:pic>
+        <p:nvPicPr>
+          <p:cNvPr id="4" name="图片 3"/>
+          <p:cNvPicPr>
+            <a:picLocks noChangeAspect="1"/>
+          </p:cNvPicPr>
+          <p:nvPr/>
+        </p:nvPicPr>
+        <p:blipFill>
+          <a:blip r:embed="rId2"/>
+          <a:stretch>
+            <a:fillRect/>
+          </a:stretch>
+        </p:blipFill>
+        <p:spPr>
+          <a:xfrm>
+            <a:off x="62230" y="1888490"/>
+            <a:ext cx="2707005" cy="2228850"/>
+          </a:xfrm>
+          <a:prstGeom prst="rect">
+            <a:avLst/>
+          </a:prstGeom>
+        </p:spPr>
+      </p:pic>
+      <p:pic>
+        <p:nvPicPr>
+          <p:cNvPr id="5" name="图片 4"/>
+          <p:cNvPicPr>
+            <a:picLocks noChangeAspect="1"/>
+          </p:cNvPicPr>
+          <p:nvPr/>
+        </p:nvPicPr>
+        <p:blipFill>
+          <a:blip r:embed="rId3"/>
+          <a:stretch>
+            <a:fillRect/>
+          </a:stretch>
+        </p:blipFill>
+        <p:spPr>
+          <a:xfrm>
+            <a:off x="9331960" y="1889125"/>
+            <a:ext cx="2820670" cy="2228215"/>
+          </a:xfrm>
+          <a:prstGeom prst="rect">
+            <a:avLst/>
+          </a:prstGeom>
+        </p:spPr>
+      </p:pic>
+      <p:sp>
+        <p:nvSpPr>
+          <p:cNvPr id="8" name="圆角矩形 7"/>
+          <p:cNvSpPr/>
+          <p:nvPr/>
+        </p:nvSpPr>
+        <p:spPr>
+          <a:xfrm>
+            <a:off x="4298315" y="561975"/>
+            <a:ext cx="3873500" cy="4312285"/>
+          </a:xfrm>
+          <a:prstGeom prst="roundRect">
+            <a:avLst/>
+          </a:prstGeom>
+          <a:noFill/>
+          <a:extLst>
+            <a:ext uri="{909E8E84-426E-40DD-AFC4-6F175D3DCCD1}">
+              <a14:hiddenFill xmlns:a14="http://schemas.microsoft.com/office/drawing/2010/main">
+                <a:solidFill>
+                  <a:schemeClr val="accent1"/>
+                </a:solidFill>
+              </a14:hiddenFill>
+            </a:ext>
+          </a:extLst>
+        </p:spPr>
+        <p:style>
+          <a:lnRef idx="2">
+            <a:schemeClr val="accent1">
+              <a:shade val="50000"/>
+            </a:schemeClr>
+          </a:lnRef>
+          <a:fillRef idx="1">
+            <a:schemeClr val="accent1"/>
+          </a:fillRef>
+          <a:effectRef idx="0">
+            <a:schemeClr val="accent1"/>
+          </a:effectRef>
+          <a:fontRef idx="minor">
+            <a:schemeClr val="lt1"/>
+          </a:fontRef>
+        </p:style>
+        <p:txBody>
+          <a:bodyPr rtlCol="0" anchor="ctr"/>
+          <a:p>
+            <a:pPr algn="ctr"/>
+            <a:endParaRPr lang="ja-JP" altLang="zh-CN" sz="3600">
+              <a:solidFill>
+                <a:schemeClr val="tx1"/>
+              </a:solidFill>
+            </a:endParaRPr>
+          </a:p>
+        </p:txBody>
+      </p:sp>
+      <p:sp>
+        <p:nvSpPr>
+          <p:cNvPr id="9" name="右箭头 8"/>
+          <p:cNvSpPr/>
+          <p:nvPr/>
+        </p:nvSpPr>
+        <p:spPr>
+          <a:xfrm>
+            <a:off x="2868930" y="1888490"/>
+            <a:ext cx="1773555" cy="646430"/>
+          </a:xfrm>
+          <a:prstGeom prst="rightArrow">
+            <a:avLst/>
+          </a:prstGeom>
+          <a:solidFill>
+            <a:srgbClr val="ECCD8B"/>
+          </a:solidFill>
+          <a:ln>
+            <a:noFill/>
+          </a:ln>
+        </p:spPr>
+        <p:style>
+          <a:lnRef idx="2">
+            <a:schemeClr val="accent1">
+              <a:shade val="50000"/>
+            </a:schemeClr>
+          </a:lnRef>
+          <a:fillRef idx="1">
+            <a:schemeClr val="accent1"/>
+          </a:fillRef>
+          <a:effectRef idx="0">
+            <a:schemeClr val="accent1"/>
+          </a:effectRef>
+          <a:fontRef idx="minor">
+            <a:schemeClr val="lt1"/>
+          </a:fontRef>
+        </p:style>
+        <p:txBody>
+          <a:bodyPr rtlCol="0" anchor="ctr"/>
+          <a:p>
+            <a:pPr algn="ctr"/>
+            <a:r>
+              <a:rPr lang="en-US" altLang="ja-JP" sz="1600" b="1">
+                <a:solidFill>
+                  <a:schemeClr val="tx1"/>
+                </a:solidFill>
+              </a:rPr>
+              <a:t>1</a:t>
+            </a:r>
+            <a:r>
+              <a:rPr lang="ja-JP" altLang="en-US" sz="1600" b="1">
+                <a:solidFill>
+                  <a:schemeClr val="tx1"/>
+                </a:solidFill>
+              </a:rPr>
+              <a:t>．</a:t>
+            </a:r>
+            <a:r>
+              <a:rPr lang="en-US" altLang="ja-JP" sz="1600" b="1">
+                <a:solidFill>
+                  <a:schemeClr val="tx1"/>
+                </a:solidFill>
+              </a:rPr>
+              <a:t>User</a:t>
+            </a:r>
+            <a:r>
+              <a:rPr lang="ja-JP" altLang="zh-CN" sz="1600" b="1">
+                <a:solidFill>
+                  <a:schemeClr val="tx1"/>
+                </a:solidFill>
+              </a:rPr>
+              <a:t>データ</a:t>
+            </a:r>
+            <a:endParaRPr lang="ja-JP" altLang="zh-CN" sz="1600" b="1">
+              <a:solidFill>
+                <a:schemeClr val="tx1"/>
+              </a:solidFill>
+            </a:endParaRPr>
+          </a:p>
+        </p:txBody>
+      </p:sp>
+      <p:sp>
+        <p:nvSpPr>
+          <p:cNvPr id="10" name="右箭头 9"/>
+          <p:cNvSpPr/>
+          <p:nvPr/>
+        </p:nvSpPr>
+        <p:spPr>
+          <a:xfrm>
+            <a:off x="7665720" y="1884680"/>
+            <a:ext cx="1666240" cy="646430"/>
+          </a:xfrm>
+          <a:prstGeom prst="rightArrow">
+            <a:avLst/>
+          </a:prstGeom>
+          <a:solidFill>
+            <a:srgbClr val="E9BC76"/>
+          </a:solidFill>
+          <a:ln>
+            <a:noFill/>
+          </a:ln>
+        </p:spPr>
+        <p:style>
+          <a:lnRef idx="2">
+            <a:schemeClr val="accent1">
+              <a:shade val="50000"/>
+            </a:schemeClr>
+          </a:lnRef>
+          <a:fillRef idx="1">
+            <a:schemeClr val="accent1"/>
+          </a:fillRef>
+          <a:effectRef idx="0">
+            <a:schemeClr val="accent1"/>
+          </a:effectRef>
+          <a:fontRef idx="minor">
+            <a:schemeClr val="lt1"/>
+          </a:fontRef>
+        </p:style>
+        <p:txBody>
+          <a:bodyPr rtlCol="0" anchor="ctr"/>
+          <a:p>
+            <a:pPr algn="ctr"/>
+            <a:r>
+              <a:rPr lang="en-US" altLang="ja-JP" sz="1600" b="1">
+                <a:solidFill>
+                  <a:schemeClr val="tx1"/>
+                </a:solidFill>
+              </a:rPr>
+              <a:t>2</a:t>
+            </a:r>
+            <a:r>
+              <a:rPr lang="ja-JP" altLang="en-US" sz="1600" b="1">
+                <a:solidFill>
+                  <a:schemeClr val="tx1"/>
+                </a:solidFill>
+              </a:rPr>
+              <a:t>．</a:t>
+            </a:r>
+            <a:r>
+              <a:rPr lang="ja-JP" altLang="zh-CN" sz="1600" b="1">
+                <a:solidFill>
+                  <a:schemeClr val="tx1"/>
+                </a:solidFill>
+              </a:rPr>
+              <a:t>データ分析</a:t>
+            </a:r>
+            <a:endParaRPr lang="ja-JP" altLang="zh-CN" sz="1600" b="1">
+              <a:solidFill>
+                <a:schemeClr val="tx1"/>
+              </a:solidFill>
+            </a:endParaRPr>
+          </a:p>
+        </p:txBody>
+      </p:sp>
+      <p:sp>
+        <p:nvSpPr>
+          <p:cNvPr id="11" name="左箭头 10"/>
+          <p:cNvSpPr/>
+          <p:nvPr/>
+        </p:nvSpPr>
+        <p:spPr>
+          <a:xfrm>
+            <a:off x="6982460" y="3636010"/>
+            <a:ext cx="2349500" cy="607060"/>
+          </a:xfrm>
+          <a:prstGeom prst="leftArrow">
+            <a:avLst/>
+          </a:prstGeom>
+          <a:solidFill>
+            <a:srgbClr val="EBA85F"/>
+          </a:solidFill>
+          <a:ln>
+            <a:noFill/>
+          </a:ln>
+        </p:spPr>
+        <p:style>
+          <a:lnRef idx="2">
+            <a:schemeClr val="accent1">
+              <a:shade val="50000"/>
+            </a:schemeClr>
+          </a:lnRef>
+          <a:fillRef idx="1">
+            <a:schemeClr val="accent1"/>
+          </a:fillRef>
+          <a:effectRef idx="0">
+            <a:schemeClr val="accent1"/>
+          </a:effectRef>
+          <a:fontRef idx="minor">
+            <a:schemeClr val="lt1"/>
+          </a:fontRef>
+        </p:style>
+        <p:txBody>
+          <a:bodyPr rtlCol="0" anchor="ctr"/>
+          <a:p>
+            <a:pPr algn="ctr"/>
+            <a:r>
+              <a:rPr lang="en-US" altLang="ja-JP" sz="1600" b="1">
+                <a:solidFill>
+                  <a:schemeClr val="tx1"/>
+                </a:solidFill>
+              </a:rPr>
+              <a:t>3</a:t>
+            </a:r>
+            <a:r>
+              <a:rPr lang="ja-JP" altLang="en-US" sz="1600" b="1">
+                <a:solidFill>
+                  <a:schemeClr val="tx1"/>
+                </a:solidFill>
+              </a:rPr>
+              <a:t>．</a:t>
+            </a:r>
+            <a:r>
+              <a:rPr lang="ja-JP" altLang="zh-CN" sz="1600" b="1">
+                <a:solidFill>
+                  <a:schemeClr val="tx1"/>
+                </a:solidFill>
+              </a:rPr>
+              <a:t>レコメンド結果記入</a:t>
+            </a:r>
+            <a:endParaRPr lang="ja-JP" altLang="zh-CN" sz="1600" b="1">
+              <a:solidFill>
+                <a:schemeClr val="tx1"/>
+              </a:solidFill>
+            </a:endParaRPr>
+          </a:p>
+        </p:txBody>
+      </p:sp>
+      <p:sp>
+        <p:nvSpPr>
+          <p:cNvPr id="12" name="左箭头 11"/>
+          <p:cNvSpPr/>
+          <p:nvPr/>
+        </p:nvSpPr>
+        <p:spPr>
+          <a:xfrm>
+            <a:off x="2832735" y="3636010"/>
+            <a:ext cx="2408555" cy="607060"/>
+          </a:xfrm>
+          <a:prstGeom prst="leftArrow">
+            <a:avLst/>
+          </a:prstGeom>
+          <a:solidFill>
+            <a:schemeClr val="accent4">
+              <a:lumMod val="75000"/>
+            </a:schemeClr>
+          </a:solidFill>
+          <a:ln>
+            <a:noFill/>
+          </a:ln>
+        </p:spPr>
+        <p:style>
+          <a:lnRef idx="2">
+            <a:schemeClr val="accent1">
+              <a:shade val="50000"/>
+            </a:schemeClr>
+          </a:lnRef>
+          <a:fillRef idx="1">
+            <a:schemeClr val="accent1"/>
+          </a:fillRef>
+          <a:effectRef idx="0">
+            <a:schemeClr val="accent1"/>
+          </a:effectRef>
+          <a:fontRef idx="minor">
+            <a:schemeClr val="lt1"/>
+          </a:fontRef>
+        </p:style>
+        <p:txBody>
+          <a:bodyPr rtlCol="0" anchor="ctr"/>
+          <a:p>
+            <a:pPr algn="ctr"/>
+            <a:r>
+              <a:rPr lang="en-US" altLang="ja-JP" sz="1600" b="1">
+                <a:solidFill>
+                  <a:schemeClr val="tx1"/>
+                </a:solidFill>
+              </a:rPr>
+              <a:t>4</a:t>
+            </a:r>
+            <a:r>
+              <a:rPr lang="ja-JP" altLang="en-US" sz="1600" b="1">
+                <a:solidFill>
+                  <a:schemeClr val="tx1"/>
+                </a:solidFill>
+              </a:rPr>
+              <a:t>．</a:t>
+            </a:r>
+            <a:r>
+              <a:rPr lang="ja-JP" altLang="zh-CN" sz="1600" b="1">
+                <a:solidFill>
+                  <a:schemeClr val="tx1"/>
+                </a:solidFill>
+              </a:rPr>
+              <a:t>レコメンド結果</a:t>
+            </a:r>
+            <a:r>
+              <a:rPr lang="ja-JP" altLang="zh-CN" sz="1600" b="1">
+                <a:solidFill>
+                  <a:schemeClr val="tx1"/>
+                </a:solidFill>
+              </a:rPr>
+              <a:t>表示</a:t>
+            </a:r>
+            <a:endParaRPr lang="ja-JP" altLang="zh-CN" sz="1600" b="1">
+              <a:solidFill>
+                <a:schemeClr val="tx1"/>
+              </a:solidFill>
+            </a:endParaRPr>
+          </a:p>
+        </p:txBody>
+      </p:sp>
+      <p:grpSp>
+        <p:nvGrpSpPr>
+          <p:cNvPr id="14" name="组合 13"/>
+          <p:cNvGrpSpPr/>
+          <p:nvPr/>
+        </p:nvGrpSpPr>
+        <p:grpSpPr>
+          <a:xfrm>
+            <a:off x="882650" y="5109845"/>
+            <a:ext cx="10426700" cy="368300"/>
+            <a:chOff x="1365" y="6787"/>
+            <a:chExt cx="16420" cy="580"/>
+          </a:xfrm>
+        </p:grpSpPr>
+        <p:sp>
+          <p:nvSpPr>
+            <p:cNvPr id="6" name="文本框 5"/>
+            <p:cNvSpPr txBox="1"/>
+            <p:nvPr/>
+          </p:nvSpPr>
+          <p:spPr>
+            <a:xfrm>
+              <a:off x="1365" y="6787"/>
+              <a:ext cx="2742" cy="580"/>
+            </a:xfrm>
+            <a:prstGeom prst="rect">
+              <a:avLst/>
+            </a:prstGeom>
+            <a:noFill/>
+          </p:spPr>
+          <p:txBody>
+            <a:bodyPr wrap="square" rtlCol="0">
+              <a:spAutoFit/>
+            </a:bodyPr>
+            <a:p>
+              <a:r>
+                <a:rPr lang="ja-JP" altLang="zh-CN" b="1"/>
+                <a:t>ウェブサイト</a:t>
+              </a:r>
+              <a:endParaRPr lang="ja-JP" altLang="zh-CN" b="1"/>
+            </a:p>
+          </p:txBody>
+        </p:sp>
+        <p:sp>
+          <p:nvSpPr>
+            <p:cNvPr id="7" name="文本框 6"/>
+            <p:cNvSpPr txBox="1"/>
+            <p:nvPr/>
+          </p:nvSpPr>
+          <p:spPr>
+            <a:xfrm>
+              <a:off x="15043" y="6787"/>
+              <a:ext cx="2742" cy="580"/>
+            </a:xfrm>
+            <a:prstGeom prst="rect">
+              <a:avLst/>
+            </a:prstGeom>
+            <a:noFill/>
+          </p:spPr>
+          <p:txBody>
+            <a:bodyPr wrap="square" rtlCol="0">
+              <a:spAutoFit/>
+            </a:bodyPr>
+            <a:p>
+              <a:r>
+                <a:rPr lang="ja-JP" altLang="zh-CN" b="1"/>
+                <a:t>エンジン</a:t>
+              </a:r>
+              <a:endParaRPr lang="ja-JP" altLang="zh-CN" b="1"/>
+            </a:p>
+          </p:txBody>
+        </p:sp>
+        <p:sp>
+          <p:nvSpPr>
+            <p:cNvPr id="13" name="文本框 12"/>
+            <p:cNvSpPr txBox="1"/>
+            <p:nvPr/>
+          </p:nvSpPr>
+          <p:spPr>
+            <a:xfrm>
+              <a:off x="8229" y="6787"/>
+              <a:ext cx="2742" cy="580"/>
+            </a:xfrm>
+            <a:prstGeom prst="rect">
+              <a:avLst/>
+            </a:prstGeom>
+            <a:noFill/>
+          </p:spPr>
+          <p:txBody>
+            <a:bodyPr wrap="square" rtlCol="0">
+              <a:spAutoFit/>
+            </a:bodyPr>
+            <a:p>
+              <a:pPr algn="ctr"/>
+              <a:r>
+                <a:rPr lang="ja-JP" altLang="zh-CN" b="1"/>
+                <a:t>サーバ</a:t>
+              </a:r>
+              <a:endParaRPr lang="ja-JP" altLang="zh-CN" b="1"/>
+            </a:p>
+          </p:txBody>
+        </p:sp>
+      </p:grpSp>
+      <p:pic>
+        <p:nvPicPr>
+          <p:cNvPr id="18" name="图片 17"/>
+          <p:cNvPicPr>
+            <a:picLocks noChangeAspect="1"/>
+          </p:cNvPicPr>
+          <p:nvPr/>
+        </p:nvPicPr>
+        <p:blipFill>
+          <a:blip r:embed="rId4"/>
+          <a:stretch>
+            <a:fillRect/>
+          </a:stretch>
+        </p:blipFill>
+        <p:spPr>
+          <a:xfrm>
+            <a:off x="4784090" y="1725930"/>
+            <a:ext cx="702945" cy="971550"/>
+          </a:xfrm>
+          <a:prstGeom prst="rect">
+            <a:avLst/>
+          </a:prstGeom>
+        </p:spPr>
+      </p:pic>
+      <p:sp>
+        <p:nvSpPr>
+          <p:cNvPr id="19" name="文本框 18"/>
+          <p:cNvSpPr txBox="1"/>
+          <p:nvPr/>
+        </p:nvSpPr>
+        <p:spPr>
+          <a:xfrm>
+            <a:off x="4642485" y="1243965"/>
+            <a:ext cx="1102360" cy="368300"/>
+          </a:xfrm>
+          <a:prstGeom prst="rect">
+            <a:avLst/>
+          </a:prstGeom>
+          <a:noFill/>
+        </p:spPr>
+        <p:txBody>
+          <a:bodyPr wrap="none" rtlCol="0">
+            <a:spAutoFit/>
+          </a:bodyPr>
+          <a:p>
+            <a:r>
+              <a:rPr lang="ja-JP" altLang="zh-CN" b="1"/>
+              <a:t>情報</a:t>
+            </a:r>
+            <a:r>
+              <a:rPr lang="ja-JP" altLang="zh-CN" b="1"/>
+              <a:t>履歴</a:t>
+            </a:r>
+            <a:endParaRPr lang="ja-JP" altLang="zh-CN" b="1"/>
+          </a:p>
+        </p:txBody>
+      </p:sp>
+      <p:sp>
+        <p:nvSpPr>
+          <p:cNvPr id="20" name="文本框 19"/>
+          <p:cNvSpPr txBox="1"/>
+          <p:nvPr/>
+        </p:nvSpPr>
+        <p:spPr>
+          <a:xfrm>
+            <a:off x="6647815" y="1243965"/>
+            <a:ext cx="1256665" cy="368300"/>
+          </a:xfrm>
+          <a:prstGeom prst="rect">
+            <a:avLst/>
+          </a:prstGeom>
+          <a:noFill/>
+        </p:spPr>
+        <p:txBody>
+          <a:bodyPr wrap="none" rtlCol="0">
+            <a:spAutoFit/>
+          </a:bodyPr>
+          <a:p>
+            <a:r>
+              <a:rPr lang="en-US" altLang="ja-JP" b="1"/>
+              <a:t>request</a:t>
+            </a:r>
+            <a:r>
+              <a:rPr lang="en-US" altLang="zh-CN" b="1"/>
+              <a:t>.csv</a:t>
+            </a:r>
+            <a:endParaRPr lang="en-US" altLang="zh-CN" b="1"/>
+          </a:p>
+        </p:txBody>
+      </p:sp>
+      <p:pic>
+        <p:nvPicPr>
+          <p:cNvPr id="22" name="图片 21"/>
+          <p:cNvPicPr>
+            <a:picLocks noChangeAspect="1"/>
+          </p:cNvPicPr>
+          <p:nvPr/>
+        </p:nvPicPr>
+        <p:blipFill>
+          <a:blip r:embed="rId5"/>
+          <a:stretch>
+            <a:fillRect/>
+          </a:stretch>
+        </p:blipFill>
+        <p:spPr>
+          <a:xfrm>
+            <a:off x="5744845" y="3340100"/>
+            <a:ext cx="902970" cy="902970"/>
+          </a:xfrm>
+          <a:prstGeom prst="rect">
+            <a:avLst/>
+          </a:prstGeom>
+        </p:spPr>
+      </p:pic>
+      <p:sp>
+        <p:nvSpPr>
+          <p:cNvPr id="23" name="文本框 22"/>
+          <p:cNvSpPr txBox="1"/>
+          <p:nvPr/>
+        </p:nvSpPr>
+        <p:spPr>
+          <a:xfrm>
+            <a:off x="5695950" y="4340225"/>
+            <a:ext cx="1078230" cy="368300"/>
+          </a:xfrm>
+          <a:prstGeom prst="rect">
+            <a:avLst/>
+          </a:prstGeom>
+          <a:noFill/>
+        </p:spPr>
+        <p:txBody>
+          <a:bodyPr wrap="none" rtlCol="0">
+            <a:spAutoFit/>
+          </a:bodyPr>
+          <a:p>
+            <a:r>
+              <a:rPr lang="en-US" altLang="ja-JP" b="1"/>
+              <a:t>result.csv</a:t>
+            </a:r>
+            <a:endParaRPr lang="en-US" altLang="ja-JP" b="1"/>
+          </a:p>
+        </p:txBody>
+      </p:sp>
+      <p:sp>
+        <p:nvSpPr>
+          <p:cNvPr id="24" name="右箭头 23"/>
+          <p:cNvSpPr/>
+          <p:nvPr/>
+        </p:nvSpPr>
+        <p:spPr>
+          <a:xfrm>
+            <a:off x="5634355" y="1915795"/>
+            <a:ext cx="1123950" cy="615315"/>
+          </a:xfrm>
+          <a:prstGeom prst="rightArrow">
+            <a:avLst/>
+          </a:prstGeom>
+          <a:solidFill>
+            <a:schemeClr val="accent6">
+              <a:lumMod val="60000"/>
+              <a:lumOff val="40000"/>
+            </a:schemeClr>
+          </a:solidFill>
+          <a:ln>
+            <a:noFill/>
+          </a:ln>
+        </p:spPr>
+        <p:style>
+          <a:lnRef idx="2">
+            <a:schemeClr val="accent1">
+              <a:shade val="50000"/>
+            </a:schemeClr>
+          </a:lnRef>
+          <a:fillRef idx="1">
+            <a:schemeClr val="accent1"/>
+          </a:fillRef>
+          <a:effectRef idx="0">
+            <a:schemeClr val="accent1"/>
+          </a:effectRef>
+          <a:fontRef idx="minor">
+            <a:schemeClr val="lt1"/>
+          </a:fontRef>
+        </p:style>
+        <p:txBody>
+          <a:bodyPr rtlCol="0" anchor="ctr"/>
+          <a:p>
+            <a:pPr algn="ctr"/>
+            <a:r>
+              <a:rPr lang="ja-JP" altLang="zh-CN" sz="1200">
+                <a:solidFill>
+                  <a:schemeClr val="tx1"/>
+                </a:solidFill>
+              </a:rPr>
+              <a:t>データ処理</a:t>
+            </a:r>
+            <a:endParaRPr lang="ja-JP" altLang="zh-CN" sz="1200">
+              <a:solidFill>
+                <a:schemeClr val="tx1"/>
+              </a:solidFill>
+            </a:endParaRPr>
+          </a:p>
+        </p:txBody>
+      </p:sp>
+    </p:spTree>
+  </p:cSld>
+  <p:clrMapOvr>
+    <a:masterClrMapping/>
+  </p:clrMapOvr>
+</p:sld>
+</file>
+
+<file path=ppt/slides/slide8.xml><?xml version="1.0" encoding="utf-8"?>
+<p:sld xmlns:a="http://schemas.openxmlformats.org/drawingml/2006/main" xmlns:r="http://schemas.openxmlformats.org/officeDocument/2006/relationships" xmlns:p="http://schemas.openxmlformats.org/presentationml/2006/main">
+  <p:cSld>
+    <p:spTree>
+      <p:nvGrpSpPr>
+        <p:cNvPr id="1" name=""/>
+        <p:cNvGrpSpPr/>
+        <p:nvPr/>
+      </p:nvGrpSpPr>
+      <p:grpSpPr/>
+      <p:grpSp>
+        <p:nvGrpSpPr>
+          <p:cNvPr id="6" name="组合 5"/>
+          <p:cNvGrpSpPr/>
+          <p:nvPr/>
+        </p:nvGrpSpPr>
+        <p:grpSpPr>
+          <a:xfrm>
+            <a:off x="680720" y="752475"/>
+            <a:ext cx="1992630" cy="2094230"/>
+            <a:chOff x="2002" y="5292"/>
+            <a:chExt cx="3138" cy="3298"/>
+          </a:xfrm>
+        </p:grpSpPr>
+        <p:pic>
+          <p:nvPicPr>
+            <p:cNvPr id="4" name="图片 3"/>
+            <p:cNvPicPr>
+              <a:picLocks noChangeAspect="1"/>
+            </p:cNvPicPr>
+            <p:nvPr/>
+          </p:nvPicPr>
+          <p:blipFill>
+            <a:blip r:embed="rId1"/>
+            <a:stretch>
+              <a:fillRect/>
+            </a:stretch>
+          </p:blipFill>
+          <p:spPr>
+            <a:xfrm>
+              <a:off x="2352" y="5292"/>
+              <a:ext cx="2395" cy="2395"/>
+            </a:xfrm>
+            <a:prstGeom prst="rect">
+              <a:avLst/>
+            </a:prstGeom>
+          </p:spPr>
+        </p:pic>
+        <p:sp>
+          <p:nvSpPr>
+            <p:cNvPr id="5" name="文本框 4"/>
+            <p:cNvSpPr txBox="1"/>
+            <p:nvPr/>
+          </p:nvSpPr>
+          <p:spPr>
+            <a:xfrm>
+              <a:off x="2002" y="8010"/>
+              <a:ext cx="3138" cy="580"/>
+            </a:xfrm>
+            <a:prstGeom prst="rect">
+              <a:avLst/>
+            </a:prstGeom>
+            <a:noFill/>
+          </p:spPr>
+          <p:txBody>
+            <a:bodyPr wrap="none" rtlCol="0">
+              <a:spAutoFit/>
+            </a:bodyPr>
+            <a:p>
+              <a:r>
+                <a:rPr lang="ja-JP" altLang="en-US" b="1"/>
+                <a:t>トレーニングデータ</a:t>
+              </a:r>
+              <a:endParaRPr lang="ja-JP" altLang="en-US" b="1"/>
+            </a:p>
+          </p:txBody>
+        </p:sp>
+      </p:grpSp>
+      <p:grpSp>
+        <p:nvGrpSpPr>
+          <p:cNvPr id="7" name="组合 6"/>
+          <p:cNvGrpSpPr/>
+          <p:nvPr/>
+        </p:nvGrpSpPr>
+        <p:grpSpPr>
+          <a:xfrm>
+            <a:off x="902970" y="3798570"/>
+            <a:ext cx="1520825" cy="2075180"/>
+            <a:chOff x="2352" y="5292"/>
+            <a:chExt cx="2395" cy="3268"/>
+          </a:xfrm>
+        </p:grpSpPr>
+        <p:pic>
+          <p:nvPicPr>
+            <p:cNvPr id="8" name="图片 7"/>
+            <p:cNvPicPr>
+              <a:picLocks noChangeAspect="1"/>
+            </p:cNvPicPr>
+            <p:nvPr/>
+          </p:nvPicPr>
+          <p:blipFill>
+            <a:blip r:embed="rId1"/>
+            <a:stretch>
+              <a:fillRect/>
+            </a:stretch>
+          </p:blipFill>
+          <p:spPr>
+            <a:xfrm>
+              <a:off x="2352" y="5292"/>
+              <a:ext cx="2395" cy="2395"/>
+            </a:xfrm>
+            <a:prstGeom prst="rect">
+              <a:avLst/>
+            </a:prstGeom>
+          </p:spPr>
+        </p:pic>
+        <p:sp>
+          <p:nvSpPr>
+            <p:cNvPr id="9" name="文本框 8"/>
+            <p:cNvSpPr txBox="1"/>
+            <p:nvPr/>
+          </p:nvSpPr>
+          <p:spPr>
+            <a:xfrm>
+              <a:off x="2578" y="7980"/>
+              <a:ext cx="1986" cy="580"/>
+            </a:xfrm>
+            <a:prstGeom prst="rect">
+              <a:avLst/>
+            </a:prstGeom>
+            <a:noFill/>
+          </p:spPr>
+          <p:txBody>
+            <a:bodyPr wrap="none" rtlCol="0">
+              <a:spAutoFit/>
+            </a:bodyPr>
+            <a:p>
+              <a:r>
+                <a:rPr lang="ja-JP" altLang="en-US" b="1"/>
+                <a:t>検証データ</a:t>
+              </a:r>
+              <a:endParaRPr lang="ja-JP" altLang="en-US" b="1"/>
+            </a:p>
+          </p:txBody>
+        </p:sp>
+      </p:grpSp>
+      <p:sp>
+        <p:nvSpPr>
+          <p:cNvPr id="10" name="圆角矩形 9"/>
+          <p:cNvSpPr/>
+          <p:nvPr/>
+        </p:nvSpPr>
+        <p:spPr>
+          <a:xfrm>
+            <a:off x="3916680" y="752475"/>
+            <a:ext cx="2725420" cy="1725930"/>
+          </a:xfrm>
+          <a:prstGeom prst="roundRect">
+            <a:avLst/>
+          </a:prstGeom>
+          <a:noFill/>
+          <a:extLst>
+            <a:ext uri="{909E8E84-426E-40DD-AFC4-6F175D3DCCD1}">
+              <a14:hiddenFill xmlns:a14="http://schemas.microsoft.com/office/drawing/2010/main">
+                <a:solidFill>
+                  <a:schemeClr val="accent1"/>
+                </a:solidFill>
+              </a14:hiddenFill>
+            </a:ext>
+          </a:extLst>
+        </p:spPr>
+        <p:style>
+          <a:lnRef idx="2">
+            <a:schemeClr val="accent1">
+              <a:shade val="50000"/>
+            </a:schemeClr>
+          </a:lnRef>
+          <a:fillRef idx="1">
+            <a:schemeClr val="accent1"/>
+          </a:fillRef>
+          <a:effectRef idx="0">
+            <a:schemeClr val="accent1"/>
+          </a:effectRef>
+          <a:fontRef idx="minor">
+            <a:schemeClr val="lt1"/>
+          </a:fontRef>
+        </p:style>
+        <p:txBody>
+          <a:bodyPr rtlCol="0" anchor="ctr"/>
+          <a:p>
+            <a:pPr algn="ctr"/>
+            <a:r>
+              <a:rPr lang="ja-JP" altLang="zh-CN" sz="4400">
+                <a:solidFill>
+                  <a:schemeClr val="tx1"/>
+                </a:solidFill>
+              </a:rPr>
+              <a:t>レコメンド</a:t>
+            </a:r>
+            <a:endParaRPr lang="ja-JP" altLang="zh-CN" sz="4400">
+              <a:solidFill>
+                <a:schemeClr val="tx1"/>
+              </a:solidFill>
+            </a:endParaRPr>
+          </a:p>
+        </p:txBody>
+      </p:sp>
+      <p:sp>
+        <p:nvSpPr>
+          <p:cNvPr id="13" name="右箭头 12"/>
+          <p:cNvSpPr/>
+          <p:nvPr/>
+        </p:nvSpPr>
+        <p:spPr>
+          <a:xfrm>
+            <a:off x="2638425" y="1285875"/>
+            <a:ext cx="1104900" cy="857250"/>
+          </a:xfrm>
+          <a:prstGeom prst="rightArrow">
+            <a:avLst/>
+          </a:prstGeom>
+        </p:spPr>
+        <p:style>
+          <a:lnRef idx="2">
+            <a:schemeClr val="accent1">
+              <a:shade val="50000"/>
+            </a:schemeClr>
+          </a:lnRef>
+          <a:fillRef idx="1">
+            <a:schemeClr val="accent1"/>
+          </a:fillRef>
+          <a:effectRef idx="0">
+            <a:schemeClr val="accent1"/>
+          </a:effectRef>
+          <a:fontRef idx="minor">
+            <a:schemeClr val="lt1"/>
+          </a:fontRef>
+        </p:style>
+        <p:txBody>
+          <a:bodyPr rtlCol="0" anchor="ctr"/>
+          <a:p>
+            <a:pPr algn="ctr"/>
+            <a:endParaRPr lang="zh-CN" altLang="en-US"/>
+          </a:p>
+        </p:txBody>
+      </p:sp>
+      <p:sp>
+        <p:nvSpPr>
+          <p:cNvPr id="14" name="右箭头 13"/>
+          <p:cNvSpPr/>
+          <p:nvPr/>
+        </p:nvSpPr>
+        <p:spPr>
+          <a:xfrm>
+            <a:off x="6962140" y="1285875"/>
+            <a:ext cx="1104900" cy="857250"/>
+          </a:xfrm>
+          <a:prstGeom prst="rightArrow">
+            <a:avLst/>
+          </a:prstGeom>
+        </p:spPr>
+        <p:style>
+          <a:lnRef idx="2">
+            <a:schemeClr val="accent1">
+              <a:shade val="50000"/>
+            </a:schemeClr>
+          </a:lnRef>
+          <a:fillRef idx="1">
+            <a:schemeClr val="accent1"/>
+          </a:fillRef>
+          <a:effectRef idx="0">
+            <a:schemeClr val="accent1"/>
+          </a:effectRef>
+          <a:fontRef idx="minor">
+            <a:schemeClr val="lt1"/>
+          </a:fontRef>
+        </p:style>
+        <p:txBody>
+          <a:bodyPr rtlCol="0" anchor="ctr"/>
+          <a:p>
+            <a:pPr algn="ctr"/>
+            <a:endParaRPr lang="zh-CN" altLang="en-US"/>
+          </a:p>
+        </p:txBody>
+      </p:sp>
+      <p:sp>
+        <p:nvSpPr>
+          <p:cNvPr id="15" name="圆角矩形 14"/>
+          <p:cNvSpPr/>
+          <p:nvPr/>
+        </p:nvSpPr>
+        <p:spPr>
+          <a:xfrm>
+            <a:off x="8234680" y="752475"/>
+            <a:ext cx="3029585" cy="5121275"/>
+          </a:xfrm>
+          <a:prstGeom prst="roundRect">
+            <a:avLst/>
+          </a:prstGeom>
+          <a:noFill/>
+          <a:extLst>
+            <a:ext uri="{909E8E84-426E-40DD-AFC4-6F175D3DCCD1}">
+              <a14:hiddenFill xmlns:a14="http://schemas.microsoft.com/office/drawing/2010/main">
+                <a:solidFill>
+                  <a:schemeClr val="accent1"/>
+                </a:solidFill>
+              </a14:hiddenFill>
+            </a:ext>
+          </a:extLst>
+        </p:spPr>
+        <p:style>
+          <a:lnRef idx="2">
+            <a:schemeClr val="accent1">
+              <a:shade val="50000"/>
+            </a:schemeClr>
+          </a:lnRef>
+          <a:fillRef idx="1">
+            <a:schemeClr val="accent1"/>
+          </a:fillRef>
+          <a:effectRef idx="0">
+            <a:schemeClr val="accent1"/>
+          </a:effectRef>
+          <a:fontRef idx="minor">
+            <a:schemeClr val="lt1"/>
+          </a:fontRef>
+        </p:style>
+        <p:txBody>
+          <a:bodyPr rtlCol="0" anchor="ctr"/>
+          <a:p>
+            <a:pPr algn="ctr"/>
+            <a:r>
+              <a:rPr lang="ja-JP" altLang="en-US" sz="4400">
+                <a:solidFill>
+                  <a:schemeClr val="tx1"/>
+                </a:solidFill>
+              </a:rPr>
+              <a:t>レコメンド結果</a:t>
+            </a:r>
+            <a:r>
+              <a:rPr lang="en-US" altLang="ja-JP" sz="4400">
+                <a:solidFill>
+                  <a:schemeClr val="tx1"/>
+                </a:solidFill>
+              </a:rPr>
+              <a:t>1</a:t>
+            </a:r>
+            <a:r>
+              <a:rPr lang="ja-JP" altLang="en-US" sz="4400">
+                <a:solidFill>
+                  <a:schemeClr val="tx1"/>
+                </a:solidFill>
+              </a:rPr>
+              <a:t>．</a:t>
+            </a:r>
+            <a:r>
+              <a:rPr lang="en-US" altLang="ja-JP" sz="4400">
+                <a:solidFill>
+                  <a:schemeClr val="tx1"/>
+                </a:solidFill>
+              </a:rPr>
+              <a:t>ItemA</a:t>
+            </a:r>
+            <a:endParaRPr lang="en-US" altLang="ja-JP" sz="4400">
+              <a:solidFill>
+                <a:schemeClr val="tx1"/>
+              </a:solidFill>
+            </a:endParaRPr>
+          </a:p>
+          <a:p>
+            <a:pPr algn="ctr"/>
+            <a:r>
+              <a:rPr lang="en-US" altLang="ja-JP" sz="4400">
+                <a:solidFill>
+                  <a:schemeClr val="tx1"/>
+                </a:solidFill>
+              </a:rPr>
+              <a:t>2</a:t>
+            </a:r>
+            <a:r>
+              <a:rPr lang="ja-JP" altLang="en-US" sz="4400">
+                <a:solidFill>
+                  <a:schemeClr val="tx1"/>
+                </a:solidFill>
+              </a:rPr>
+              <a:t>．</a:t>
+            </a:r>
+            <a:r>
+              <a:rPr lang="en-US" altLang="ja-JP" sz="4400">
+                <a:solidFill>
+                  <a:schemeClr val="tx1"/>
+                </a:solidFill>
+              </a:rPr>
+              <a:t>ItemB</a:t>
+            </a:r>
+            <a:endParaRPr lang="en-US" altLang="ja-JP" sz="4400">
+              <a:solidFill>
+                <a:schemeClr val="tx1"/>
+              </a:solidFill>
+            </a:endParaRPr>
+          </a:p>
+          <a:p>
+            <a:pPr algn="ctr"/>
+            <a:r>
+              <a:rPr lang="en-US" altLang="ja-JP" sz="4400">
+                <a:solidFill>
+                  <a:schemeClr val="tx1"/>
+                </a:solidFill>
+              </a:rPr>
+              <a:t>3</a:t>
+            </a:r>
+            <a:r>
+              <a:rPr lang="ja-JP" altLang="en-US" sz="4400">
+                <a:solidFill>
+                  <a:schemeClr val="tx1"/>
+                </a:solidFill>
+              </a:rPr>
+              <a:t>．</a:t>
+            </a:r>
+            <a:r>
+              <a:rPr lang="en-US" altLang="ja-JP" sz="4400">
+                <a:solidFill>
+                  <a:schemeClr val="tx1"/>
+                </a:solidFill>
+              </a:rPr>
+              <a:t>ItemC</a:t>
+            </a:r>
+            <a:endParaRPr lang="en-US" altLang="ja-JP" sz="4400">
+              <a:solidFill>
+                <a:schemeClr val="tx1"/>
+              </a:solidFill>
+            </a:endParaRPr>
+          </a:p>
+          <a:p>
+            <a:pPr algn="ctr"/>
+            <a:r>
+              <a:rPr lang="en-US" altLang="ja-JP" sz="4400">
+                <a:solidFill>
+                  <a:schemeClr val="tx1"/>
+                </a:solidFill>
+              </a:rPr>
+              <a:t>…</a:t>
+            </a:r>
+            <a:endParaRPr lang="en-US" altLang="ja-JP" sz="4400">
+              <a:solidFill>
+                <a:schemeClr val="tx1"/>
+              </a:solidFill>
+            </a:endParaRPr>
+          </a:p>
+        </p:txBody>
+      </p:sp>
+      <p:sp>
+        <p:nvSpPr>
+          <p:cNvPr id="16" name="左右箭头 15"/>
+          <p:cNvSpPr/>
+          <p:nvPr/>
+        </p:nvSpPr>
+        <p:spPr>
+          <a:xfrm>
+            <a:off x="2638425" y="4176395"/>
+            <a:ext cx="5393690" cy="1143000"/>
+          </a:xfrm>
+          <a:prstGeom prst="leftRightArrow">
+            <a:avLst/>
+          </a:prstGeom>
+          <a:solidFill>
+            <a:schemeClr val="accent6">
+              <a:lumMod val="60000"/>
+              <a:lumOff val="40000"/>
+            </a:schemeClr>
+          </a:solidFill>
+          <a:ln>
+            <a:noFill/>
+          </a:ln>
+        </p:spPr>
+        <p:style>
+          <a:lnRef idx="2">
+            <a:schemeClr val="accent1">
+              <a:shade val="50000"/>
+            </a:schemeClr>
+          </a:lnRef>
+          <a:fillRef idx="1">
+            <a:schemeClr val="accent1"/>
+          </a:fillRef>
+          <a:effectRef idx="0">
+            <a:schemeClr val="accent1"/>
+          </a:effectRef>
+          <a:fontRef idx="minor">
+            <a:schemeClr val="lt1"/>
+          </a:fontRef>
+        </p:style>
+        <p:txBody>
+          <a:bodyPr rtlCol="0" anchor="ctr"/>
+          <a:p>
+            <a:pPr algn="ctr"/>
+            <a:r>
+              <a:rPr lang="ja-JP" altLang="zh-CN" sz="3200" b="1">
+                <a:solidFill>
+                  <a:schemeClr val="tx1"/>
+                </a:solidFill>
+              </a:rPr>
+              <a:t>比較</a:t>
+            </a:r>
+            <a:endParaRPr lang="ja-JP" altLang="zh-CN" sz="3200" b="1">
+              <a:solidFill>
+                <a:schemeClr val="tx1"/>
+              </a:solidFill>
+            </a:endParaRPr>
+          </a:p>
+        </p:txBody>
+      </p:sp>
+    </p:spTree>
+  </p:cSld>
+  <p:clrMapOvr>
+    <a:masterClrMapping/>
+  </p:clrMapOvr>
+</p:sld>
+</file>
+
+<file path=ppt/slides/slide9.xml><?xml version="1.0" encoding="utf-8"?>
+<p:sld xmlns:a="http://schemas.openxmlformats.org/drawingml/2006/main" xmlns:r="http://schemas.openxmlformats.org/officeDocument/2006/relationships" xmlns:p="http://schemas.openxmlformats.org/presentationml/2006/main">
+  <p:cSld>
+    <p:spTree>
+      <p:nvGrpSpPr>
+        <p:cNvPr id="1" name=""/>
+        <p:cNvGrpSpPr/>
+        <p:nvPr/>
+      </p:nvGrpSpPr>
+      <p:grpSpPr/>
+      <p:grpSp>
+        <p:nvGrpSpPr>
+          <p:cNvPr id="6" name="组合 5"/>
+          <p:cNvGrpSpPr/>
+          <p:nvPr/>
+        </p:nvGrpSpPr>
+        <p:grpSpPr>
+          <a:xfrm>
+            <a:off x="680720" y="752475"/>
+            <a:ext cx="1992630" cy="2094230"/>
+            <a:chOff x="2002" y="5292"/>
+            <a:chExt cx="3138" cy="3298"/>
+          </a:xfrm>
+        </p:grpSpPr>
+        <p:pic>
+          <p:nvPicPr>
+            <p:cNvPr id="4" name="图片 3"/>
+            <p:cNvPicPr>
+              <a:picLocks noChangeAspect="1"/>
+            </p:cNvPicPr>
+            <p:nvPr/>
+          </p:nvPicPr>
+          <p:blipFill>
+            <a:blip r:embed="rId1"/>
+            <a:stretch>
+              <a:fillRect/>
+            </a:stretch>
+          </p:blipFill>
+          <p:spPr>
+            <a:xfrm>
+              <a:off x="2352" y="5292"/>
+              <a:ext cx="2395" cy="2395"/>
+            </a:xfrm>
+            <a:prstGeom prst="rect">
+              <a:avLst/>
+            </a:prstGeom>
+          </p:spPr>
+        </p:pic>
+        <p:sp>
+          <p:nvSpPr>
+            <p:cNvPr id="5" name="文本框 4"/>
+            <p:cNvSpPr txBox="1"/>
+            <p:nvPr/>
+          </p:nvSpPr>
+          <p:spPr>
+            <a:xfrm>
+              <a:off x="2002" y="8010"/>
+              <a:ext cx="3138" cy="580"/>
+            </a:xfrm>
+            <a:prstGeom prst="rect">
+              <a:avLst/>
+            </a:prstGeom>
+            <a:noFill/>
+          </p:spPr>
+          <p:txBody>
+            <a:bodyPr wrap="none" rtlCol="0">
+              <a:spAutoFit/>
+            </a:bodyPr>
+            <a:p>
+              <a:r>
+                <a:rPr lang="ja-JP" altLang="en-US" b="1"/>
+                <a:t>トレーニングデータ</a:t>
+              </a:r>
+              <a:endParaRPr lang="ja-JP" altLang="en-US" b="1"/>
+            </a:p>
+          </p:txBody>
+        </p:sp>
+      </p:grpSp>
+      <p:sp>
+        <p:nvSpPr>
+          <p:cNvPr id="10" name="圆角矩形 9"/>
+          <p:cNvSpPr/>
+          <p:nvPr/>
+        </p:nvSpPr>
+        <p:spPr>
+          <a:xfrm>
+            <a:off x="3916680" y="752475"/>
+            <a:ext cx="2725420" cy="1725930"/>
+          </a:xfrm>
+          <a:prstGeom prst="roundRect">
+            <a:avLst/>
+          </a:prstGeom>
+          <a:noFill/>
+          <a:extLst>
+            <a:ext uri="{909E8E84-426E-40DD-AFC4-6F175D3DCCD1}">
+              <a14:hiddenFill xmlns:a14="http://schemas.microsoft.com/office/drawing/2010/main">
+                <a:solidFill>
+                  <a:schemeClr val="accent1"/>
+                </a:solidFill>
+              </a14:hiddenFill>
+            </a:ext>
+          </a:extLst>
+        </p:spPr>
+        <p:style>
+          <a:lnRef idx="2">
+            <a:schemeClr val="accent1">
+              <a:shade val="50000"/>
+            </a:schemeClr>
+          </a:lnRef>
+          <a:fillRef idx="1">
+            <a:schemeClr val="accent1"/>
+          </a:fillRef>
+          <a:effectRef idx="0">
+            <a:schemeClr val="accent1"/>
+          </a:effectRef>
+          <a:fontRef idx="minor">
+            <a:schemeClr val="lt1"/>
+          </a:fontRef>
+        </p:style>
+        <p:txBody>
+          <a:bodyPr rtlCol="0" anchor="ctr"/>
+          <a:p>
+            <a:pPr algn="ctr"/>
+            <a:r>
+              <a:rPr lang="ja-JP" altLang="zh-CN" sz="4400">
+                <a:solidFill>
+                  <a:schemeClr val="tx1"/>
+                </a:solidFill>
+              </a:rPr>
+              <a:t>レコメンド</a:t>
+            </a:r>
+            <a:endParaRPr lang="ja-JP" altLang="zh-CN" sz="4400">
+              <a:solidFill>
+                <a:schemeClr val="tx1"/>
+              </a:solidFill>
+            </a:endParaRPr>
+          </a:p>
+        </p:txBody>
+      </p:sp>
+      <p:sp>
+        <p:nvSpPr>
+          <p:cNvPr id="13" name="右箭头 12"/>
+          <p:cNvSpPr/>
+          <p:nvPr/>
+        </p:nvSpPr>
+        <p:spPr>
+          <a:xfrm>
+            <a:off x="2638425" y="1285875"/>
+            <a:ext cx="1104900" cy="857250"/>
+          </a:xfrm>
+          <a:prstGeom prst="rightArrow">
+            <a:avLst/>
+          </a:prstGeom>
+        </p:spPr>
+        <p:style>
+          <a:lnRef idx="2">
+            <a:schemeClr val="accent1">
+              <a:shade val="50000"/>
+            </a:schemeClr>
+          </a:lnRef>
+          <a:fillRef idx="1">
+            <a:schemeClr val="accent1"/>
+          </a:fillRef>
+          <a:effectRef idx="0">
+            <a:schemeClr val="accent1"/>
+          </a:effectRef>
+          <a:fontRef idx="minor">
+            <a:schemeClr val="lt1"/>
+          </a:fontRef>
+        </p:style>
+        <p:txBody>
+          <a:bodyPr rtlCol="0" anchor="ctr"/>
+          <a:p>
+            <a:pPr algn="ctr"/>
+            <a:endParaRPr lang="zh-CN" altLang="en-US"/>
+          </a:p>
+        </p:txBody>
+      </p:sp>
+      <p:sp>
+        <p:nvSpPr>
+          <p:cNvPr id="14" name="右箭头 13"/>
+          <p:cNvSpPr/>
+          <p:nvPr/>
+        </p:nvSpPr>
+        <p:spPr>
+          <a:xfrm>
+            <a:off x="6962140" y="1285875"/>
+            <a:ext cx="1104900" cy="857250"/>
+          </a:xfrm>
+          <a:prstGeom prst="rightArrow">
+            <a:avLst/>
+          </a:prstGeom>
+        </p:spPr>
+        <p:style>
+          <a:lnRef idx="2">
+            <a:schemeClr val="accent1">
+              <a:shade val="50000"/>
+            </a:schemeClr>
+          </a:lnRef>
+          <a:fillRef idx="1">
+            <a:schemeClr val="accent1"/>
+          </a:fillRef>
+          <a:effectRef idx="0">
+            <a:schemeClr val="accent1"/>
+          </a:effectRef>
+          <a:fontRef idx="minor">
+            <a:schemeClr val="lt1"/>
+          </a:fontRef>
+        </p:style>
+        <p:txBody>
+          <a:bodyPr rtlCol="0" anchor="ctr"/>
+          <a:p>
+            <a:pPr algn="ctr"/>
+            <a:endParaRPr lang="zh-CN" altLang="en-US"/>
+          </a:p>
+        </p:txBody>
+      </p:sp>
+      <p:sp>
+        <p:nvSpPr>
+          <p:cNvPr id="15" name="圆角矩形 14"/>
+          <p:cNvSpPr/>
+          <p:nvPr/>
+        </p:nvSpPr>
+        <p:spPr>
+          <a:xfrm>
+            <a:off x="8234680" y="752475"/>
+            <a:ext cx="3029585" cy="5121275"/>
+          </a:xfrm>
+          <a:prstGeom prst="roundRect">
+            <a:avLst/>
+          </a:prstGeom>
+          <a:noFill/>
+          <a:extLst>
+            <a:ext uri="{909E8E84-426E-40DD-AFC4-6F175D3DCCD1}">
+              <a14:hiddenFill xmlns:a14="http://schemas.microsoft.com/office/drawing/2010/main">
+                <a:solidFill>
+                  <a:schemeClr val="accent1"/>
+                </a:solidFill>
+              </a14:hiddenFill>
+            </a:ext>
+          </a:extLst>
+        </p:spPr>
+        <p:style>
+          <a:lnRef idx="2">
+            <a:schemeClr val="accent1">
+              <a:shade val="50000"/>
+            </a:schemeClr>
+          </a:lnRef>
+          <a:fillRef idx="1">
+            <a:schemeClr val="accent1"/>
+          </a:fillRef>
+          <a:effectRef idx="0">
+            <a:schemeClr val="accent1"/>
+          </a:effectRef>
+          <a:fontRef idx="minor">
+            <a:schemeClr val="lt1"/>
+          </a:fontRef>
+        </p:style>
+        <p:txBody>
+          <a:bodyPr rtlCol="0" anchor="ctr"/>
+          <a:p>
+            <a:pPr algn="ctr"/>
+            <a:r>
+              <a:rPr lang="ja-JP" altLang="en-US" sz="4400">
+                <a:solidFill>
+                  <a:schemeClr val="tx1"/>
+                </a:solidFill>
+              </a:rPr>
+              <a:t>レコメンド結果</a:t>
+            </a:r>
+            <a:r>
+              <a:rPr lang="en-US" altLang="ja-JP" sz="4400">
+                <a:solidFill>
+                  <a:schemeClr val="tx1"/>
+                </a:solidFill>
+              </a:rPr>
+              <a:t>1</a:t>
+            </a:r>
+            <a:r>
+              <a:rPr lang="ja-JP" altLang="en-US" sz="4400">
+                <a:solidFill>
+                  <a:schemeClr val="tx1"/>
+                </a:solidFill>
+              </a:rPr>
+              <a:t>．</a:t>
+            </a:r>
+            <a:r>
+              <a:rPr lang="en-US" altLang="ja-JP" sz="4400">
+                <a:solidFill>
+                  <a:schemeClr val="tx1"/>
+                </a:solidFill>
+              </a:rPr>
+              <a:t>ItemA</a:t>
+            </a:r>
+            <a:endParaRPr lang="en-US" altLang="ja-JP" sz="4400">
+              <a:solidFill>
+                <a:schemeClr val="tx1"/>
+              </a:solidFill>
+            </a:endParaRPr>
+          </a:p>
+          <a:p>
+            <a:pPr algn="ctr"/>
+            <a:r>
+              <a:rPr lang="en-US" altLang="ja-JP" sz="4400">
+                <a:solidFill>
+                  <a:schemeClr val="tx1"/>
+                </a:solidFill>
+              </a:rPr>
+              <a:t>2</a:t>
+            </a:r>
+            <a:r>
+              <a:rPr lang="ja-JP" altLang="en-US" sz="4400">
+                <a:solidFill>
+                  <a:schemeClr val="tx1"/>
+                </a:solidFill>
+              </a:rPr>
+              <a:t>．</a:t>
+            </a:r>
+            <a:r>
+              <a:rPr lang="en-US" altLang="ja-JP" sz="4400">
+                <a:solidFill>
+                  <a:schemeClr val="tx1"/>
+                </a:solidFill>
+              </a:rPr>
+              <a:t>ItemB</a:t>
+            </a:r>
+            <a:endParaRPr lang="en-US" altLang="ja-JP" sz="4400">
+              <a:solidFill>
+                <a:schemeClr val="tx1"/>
+              </a:solidFill>
+            </a:endParaRPr>
+          </a:p>
+          <a:p>
+            <a:pPr algn="ctr"/>
+            <a:r>
+              <a:rPr lang="en-US" altLang="ja-JP" sz="4400">
+                <a:solidFill>
+                  <a:schemeClr val="tx1"/>
+                </a:solidFill>
+              </a:rPr>
+              <a:t>3</a:t>
+            </a:r>
+            <a:r>
+              <a:rPr lang="ja-JP" altLang="en-US" sz="4400">
+                <a:solidFill>
+                  <a:schemeClr val="tx1"/>
+                </a:solidFill>
+              </a:rPr>
+              <a:t>．</a:t>
+            </a:r>
+            <a:r>
+              <a:rPr lang="en-US" altLang="ja-JP" sz="4400">
+                <a:solidFill>
+                  <a:schemeClr val="tx1"/>
+                </a:solidFill>
+              </a:rPr>
+              <a:t>ItemC</a:t>
+            </a:r>
+            <a:endParaRPr lang="en-US" altLang="ja-JP" sz="4400">
+              <a:solidFill>
+                <a:schemeClr val="tx1"/>
+              </a:solidFill>
+            </a:endParaRPr>
+          </a:p>
+          <a:p>
+            <a:pPr algn="ctr"/>
+            <a:r>
+              <a:rPr lang="en-US" altLang="ja-JP" sz="4400">
+                <a:solidFill>
+                  <a:schemeClr val="tx1"/>
+                </a:solidFill>
+              </a:rPr>
+              <a:t>…</a:t>
+            </a:r>
+            <a:endParaRPr lang="en-US" altLang="ja-JP" sz="4400">
+              <a:solidFill>
+                <a:schemeClr val="tx1"/>
+              </a:solidFill>
+            </a:endParaRPr>
+          </a:p>
+        </p:txBody>
+      </p:sp>
+      <p:pic>
+        <p:nvPicPr>
+          <p:cNvPr id="11" name="图片 10"/>
+          <p:cNvPicPr>
+            <a:picLocks noChangeAspect="1"/>
+          </p:cNvPicPr>
+          <p:nvPr/>
+        </p:nvPicPr>
+        <p:blipFill>
+          <a:blip r:embed="rId2"/>
+          <a:stretch>
+            <a:fillRect/>
+          </a:stretch>
+        </p:blipFill>
+        <p:spPr>
+          <a:xfrm>
+            <a:off x="328295" y="3493135"/>
+            <a:ext cx="2095500" cy="2380615"/>
+          </a:xfrm>
+          <a:prstGeom prst="rect">
+            <a:avLst/>
+          </a:prstGeom>
+        </p:spPr>
+      </p:pic>
+      <p:sp>
+        <p:nvSpPr>
+          <p:cNvPr id="12" name="左箭头 11"/>
+          <p:cNvSpPr/>
+          <p:nvPr/>
+        </p:nvSpPr>
+        <p:spPr>
+          <a:xfrm>
+            <a:off x="2667635" y="4200525"/>
+            <a:ext cx="5323205" cy="1154430"/>
+          </a:xfrm>
+          <a:prstGeom prst="leftArrow">
+            <a:avLst/>
+          </a:prstGeom>
+          <a:solidFill>
+            <a:schemeClr val="accent2">
+              <a:lumMod val="60000"/>
+              <a:lumOff val="40000"/>
+            </a:schemeClr>
+          </a:solidFill>
+          <a:ln>
+            <a:noFill/>
+          </a:ln>
+        </p:spPr>
+        <p:style>
+          <a:lnRef idx="2">
+            <a:schemeClr val="accent1">
+              <a:shade val="50000"/>
+            </a:schemeClr>
+          </a:lnRef>
+          <a:fillRef idx="1">
+            <a:schemeClr val="accent1"/>
+          </a:fillRef>
+          <a:effectRef idx="0">
+            <a:schemeClr val="accent1"/>
+          </a:effectRef>
+          <a:fontRef idx="minor">
+            <a:schemeClr val="lt1"/>
+          </a:fontRef>
+        </p:style>
+        <p:txBody>
+          <a:bodyPr rtlCol="0" anchor="ctr"/>
+          <a:p>
+            <a:pPr algn="ctr"/>
+            <a:r>
+              <a:rPr lang="ja-JP" altLang="zh-CN" sz="3600" b="1">
+                <a:solidFill>
+                  <a:schemeClr val="tx1"/>
+                </a:solidFill>
+              </a:rPr>
+              <a:t>おすすめ</a:t>
+            </a:r>
+            <a:endParaRPr lang="ja-JP" altLang="zh-CN" sz="3600" b="1">
+              <a:solidFill>
+                <a:schemeClr val="tx1"/>
+              </a:solidFill>
+            </a:endParaRPr>
+          </a:p>
+        </p:txBody>
+      </p:sp>
+    </p:spTree>
+  </p:cSld>
+  <p:clrMapOvr>
+    <a:masterClrMapping/>
+  </p:clrMapOvr>
+</p:sld>
+</file>
+
 <file path=ppt/theme/theme1.xml><?xml version="1.0" encoding="utf-8"?>
 <a:theme xmlns:a="http://schemas.openxmlformats.org/drawingml/2006/main" name="Office 主题">
   <a:themeElements>

--- a/ppt.pptx
+++ b/ppt.pptx
@@ -2923,39 +2923,589 @@
         <p:nvPr/>
       </p:nvGrpSpPr>
       <p:grpSpPr/>
-      <p:sp>
-        <p:nvSpPr>
-          <p:cNvPr id="2" name="标题 1"/>
-          <p:cNvSpPr>
-            <a:spLocks noGrp="1"/>
-          </p:cNvSpPr>
-          <p:nvPr>
-            <p:ph type="ctrTitle"/>
-          </p:nvPr>
-        </p:nvSpPr>
-        <p:spPr/>
-        <p:txBody>
-          <a:bodyPr/>
-          <a:p>
-            <a:endParaRPr lang="zh-CN" altLang="en-US"/>
-          </a:p>
-        </p:txBody>
-      </p:sp>
-      <p:sp>
-        <p:nvSpPr>
-          <p:cNvPr id="3" name="副标题 2"/>
-          <p:cNvSpPr>
-            <a:spLocks noGrp="1"/>
-          </p:cNvSpPr>
-          <p:nvPr>
-            <p:ph type="subTitle" idx="1"/>
-          </p:nvPr>
-        </p:nvSpPr>
-        <p:spPr/>
-        <p:txBody>
-          <a:bodyPr/>
-          <a:p>
-            <a:endParaRPr lang="zh-CN" altLang="en-US"/>
+      <p:pic>
+        <p:nvPicPr>
+          <p:cNvPr id="11" name="图片 10"/>
+          <p:cNvPicPr>
+            <a:picLocks noChangeAspect="1"/>
+          </p:cNvPicPr>
+          <p:nvPr/>
+        </p:nvPicPr>
+        <p:blipFill>
+          <a:blip r:embed="rId1"/>
+          <a:stretch>
+            <a:fillRect/>
+          </a:stretch>
+        </p:blipFill>
+        <p:spPr>
+          <a:xfrm>
+            <a:off x="516255" y="367665"/>
+            <a:ext cx="2095500" cy="2380615"/>
+          </a:xfrm>
+          <a:prstGeom prst="rect">
+            <a:avLst/>
+          </a:prstGeom>
+        </p:spPr>
+      </p:pic>
+      <p:pic>
+        <p:nvPicPr>
+          <p:cNvPr id="4" name="图片 3"/>
+          <p:cNvPicPr>
+            <a:picLocks noChangeAspect="1"/>
+          </p:cNvPicPr>
+          <p:nvPr/>
+        </p:nvPicPr>
+        <p:blipFill>
+          <a:blip r:embed="rId2"/>
+          <a:stretch>
+            <a:fillRect/>
+          </a:stretch>
+        </p:blipFill>
+        <p:spPr>
+          <a:xfrm>
+            <a:off x="6960235" y="367665"/>
+            <a:ext cx="2707005" cy="2228850"/>
+          </a:xfrm>
+          <a:prstGeom prst="rect">
+            <a:avLst/>
+          </a:prstGeom>
+        </p:spPr>
+      </p:pic>
+      <p:sp>
+        <p:nvSpPr>
+          <p:cNvPr id="10" name="圆角矩形 9"/>
+          <p:cNvSpPr/>
+          <p:nvPr/>
+        </p:nvSpPr>
+        <p:spPr>
+          <a:xfrm>
+            <a:off x="516255" y="4062730"/>
+            <a:ext cx="3074670" cy="2381885"/>
+          </a:xfrm>
+          <a:prstGeom prst="roundRect">
+            <a:avLst/>
+          </a:prstGeom>
+          <a:noFill/>
+          <a:extLst>
+            <a:ext uri="{909E8E84-426E-40DD-AFC4-6F175D3DCCD1}">
+              <a14:hiddenFill xmlns:a14="http://schemas.microsoft.com/office/drawing/2010/main">
+                <a:solidFill>
+                  <a:schemeClr val="accent1"/>
+                </a:solidFill>
+              </a14:hiddenFill>
+            </a:ext>
+          </a:extLst>
+        </p:spPr>
+        <p:style>
+          <a:lnRef idx="2">
+            <a:schemeClr val="accent1">
+              <a:shade val="50000"/>
+            </a:schemeClr>
+          </a:lnRef>
+          <a:fillRef idx="1">
+            <a:schemeClr val="accent1"/>
+          </a:fillRef>
+          <a:effectRef idx="0">
+            <a:schemeClr val="accent1"/>
+          </a:effectRef>
+          <a:fontRef idx="minor">
+            <a:schemeClr val="lt1"/>
+          </a:fontRef>
+        </p:style>
+        <p:txBody>
+          <a:bodyPr rtlCol="0" anchor="ctr"/>
+          <a:p>
+            <a:pPr algn="ctr"/>
+            <a:r>
+              <a:rPr lang="ja-JP" altLang="zh-CN" sz="3600">
+                <a:solidFill>
+                  <a:schemeClr val="tx1"/>
+                </a:solidFill>
+              </a:rPr>
+              <a:t>レコメンド</a:t>
+            </a:r>
+            <a:endParaRPr lang="ja-JP" altLang="zh-CN" sz="3600">
+              <a:solidFill>
+                <a:schemeClr val="tx1"/>
+              </a:solidFill>
+            </a:endParaRPr>
+          </a:p>
+          <a:p>
+            <a:pPr algn="ctr"/>
+            <a:r>
+              <a:rPr lang="ja-JP" altLang="zh-CN" sz="3600">
+                <a:solidFill>
+                  <a:schemeClr val="tx1"/>
+                </a:solidFill>
+              </a:rPr>
+              <a:t>エンジン</a:t>
+            </a:r>
+            <a:endParaRPr lang="ja-JP" altLang="zh-CN" sz="3600">
+              <a:solidFill>
+                <a:schemeClr val="tx1"/>
+              </a:solidFill>
+            </a:endParaRPr>
+          </a:p>
+        </p:txBody>
+      </p:sp>
+      <p:pic>
+        <p:nvPicPr>
+          <p:cNvPr id="6" name="图片 5"/>
+          <p:cNvPicPr>
+            <a:picLocks noChangeAspect="1"/>
+          </p:cNvPicPr>
+          <p:nvPr/>
+        </p:nvPicPr>
+        <p:blipFill>
+          <a:blip r:embed="rId3"/>
+          <a:stretch>
+            <a:fillRect/>
+          </a:stretch>
+        </p:blipFill>
+        <p:spPr>
+          <a:xfrm>
+            <a:off x="8080375" y="4701540"/>
+            <a:ext cx="2618740" cy="1743075"/>
+          </a:xfrm>
+          <a:prstGeom prst="rect">
+            <a:avLst/>
+          </a:prstGeom>
+        </p:spPr>
+      </p:pic>
+      <p:cxnSp>
+        <p:nvCxnSpPr>
+          <p:cNvPr id="9" name="直接箭头连接符 8"/>
+          <p:cNvCxnSpPr/>
+          <p:nvPr/>
+        </p:nvCxnSpPr>
+        <p:spPr>
+          <a:xfrm flipV="1">
+            <a:off x="2859405" y="1341755"/>
+            <a:ext cx="3698875" cy="6350"/>
+          </a:xfrm>
+          <a:prstGeom prst="straightConnector1">
+            <a:avLst/>
+          </a:prstGeom>
+          <a:ln w="38100">
+            <a:tailEnd type="arrow"/>
+          </a:ln>
+        </p:spPr>
+        <p:style>
+          <a:lnRef idx="1">
+            <a:schemeClr val="accent1"/>
+          </a:lnRef>
+          <a:fillRef idx="0">
+            <a:schemeClr val="accent1"/>
+          </a:fillRef>
+          <a:effectRef idx="0">
+            <a:schemeClr val="accent1"/>
+          </a:effectRef>
+          <a:fontRef idx="minor">
+            <a:schemeClr val="tx1"/>
+          </a:fontRef>
+        </p:style>
+      </p:cxnSp>
+      <p:cxnSp>
+        <p:nvCxnSpPr>
+          <p:cNvPr id="12" name="直接箭头连接符 11"/>
+          <p:cNvCxnSpPr/>
+          <p:nvPr/>
+        </p:nvCxnSpPr>
+        <p:spPr>
+          <a:xfrm>
+            <a:off x="8794750" y="2748280"/>
+            <a:ext cx="4445" cy="1136015"/>
+          </a:xfrm>
+          <a:prstGeom prst="straightConnector1">
+            <a:avLst/>
+          </a:prstGeom>
+          <a:ln w="38100">
+            <a:tailEnd type="arrow"/>
+          </a:ln>
+        </p:spPr>
+        <p:style>
+          <a:lnRef idx="1">
+            <a:schemeClr val="accent1"/>
+          </a:lnRef>
+          <a:fillRef idx="0">
+            <a:schemeClr val="accent1"/>
+          </a:fillRef>
+          <a:effectRef idx="0">
+            <a:schemeClr val="accent1"/>
+          </a:effectRef>
+          <a:fontRef idx="minor">
+            <a:schemeClr val="tx1"/>
+          </a:fontRef>
+        </p:style>
+      </p:cxnSp>
+      <p:cxnSp>
+        <p:nvCxnSpPr>
+          <p:cNvPr id="15" name="直接箭头连接符 14"/>
+          <p:cNvCxnSpPr/>
+          <p:nvPr/>
+        </p:nvCxnSpPr>
+        <p:spPr>
+          <a:xfrm flipH="1" flipV="1">
+            <a:off x="3929380" y="5535930"/>
+            <a:ext cx="2910840" cy="1270"/>
+          </a:xfrm>
+          <a:prstGeom prst="straightConnector1">
+            <a:avLst/>
+          </a:prstGeom>
+          <a:ln w="38100">
+            <a:tailEnd type="arrow"/>
+          </a:ln>
+        </p:spPr>
+        <p:style>
+          <a:lnRef idx="1">
+            <a:schemeClr val="accent1"/>
+          </a:lnRef>
+          <a:fillRef idx="0">
+            <a:schemeClr val="accent1"/>
+          </a:fillRef>
+          <a:effectRef idx="0">
+            <a:schemeClr val="accent1"/>
+          </a:effectRef>
+          <a:fontRef idx="minor">
+            <a:schemeClr val="tx1"/>
+          </a:fontRef>
+        </p:style>
+      </p:cxnSp>
+      <p:cxnSp>
+        <p:nvCxnSpPr>
+          <p:cNvPr id="17" name="直接箭头连接符 16"/>
+          <p:cNvCxnSpPr/>
+          <p:nvPr/>
+        </p:nvCxnSpPr>
+        <p:spPr>
+          <a:xfrm>
+            <a:off x="3929380" y="4873625"/>
+            <a:ext cx="2870200" cy="1270"/>
+          </a:xfrm>
+          <a:prstGeom prst="straightConnector1">
+            <a:avLst/>
+          </a:prstGeom>
+          <a:ln w="38100">
+            <a:solidFill>
+              <a:srgbClr val="7030A0"/>
+            </a:solidFill>
+            <a:tailEnd type="arrow"/>
+          </a:ln>
+        </p:spPr>
+        <p:style>
+          <a:lnRef idx="1">
+            <a:schemeClr val="accent1"/>
+          </a:lnRef>
+          <a:fillRef idx="0">
+            <a:schemeClr val="accent1"/>
+          </a:fillRef>
+          <a:effectRef idx="0">
+            <a:schemeClr val="accent1"/>
+          </a:effectRef>
+          <a:fontRef idx="minor">
+            <a:schemeClr val="tx1"/>
+          </a:fontRef>
+        </p:style>
+      </p:cxnSp>
+      <p:pic>
+        <p:nvPicPr>
+          <p:cNvPr id="5" name="图片 4"/>
+          <p:cNvPicPr>
+            <a:picLocks noChangeAspect="1"/>
+          </p:cNvPicPr>
+          <p:nvPr/>
+        </p:nvPicPr>
+        <p:blipFill>
+          <a:blip r:embed="rId4"/>
+          <a:stretch>
+            <a:fillRect/>
+          </a:stretch>
+        </p:blipFill>
+        <p:spPr>
+          <a:xfrm>
+            <a:off x="7546975" y="4210685"/>
+            <a:ext cx="1533525" cy="2381250"/>
+          </a:xfrm>
+          <a:prstGeom prst="rect">
+            <a:avLst/>
+          </a:prstGeom>
+        </p:spPr>
+      </p:pic>
+      <p:cxnSp>
+        <p:nvCxnSpPr>
+          <p:cNvPr id="19" name="直接箭头连接符 18"/>
+          <p:cNvCxnSpPr/>
+          <p:nvPr/>
+        </p:nvCxnSpPr>
+        <p:spPr>
+          <a:xfrm flipH="1">
+            <a:off x="2910205" y="1838960"/>
+            <a:ext cx="3554095" cy="0"/>
+          </a:xfrm>
+          <a:prstGeom prst="straightConnector1">
+            <a:avLst/>
+          </a:prstGeom>
+          <a:ln w="38100">
+            <a:solidFill>
+              <a:srgbClr val="7030A0"/>
+            </a:solidFill>
+            <a:tailEnd type="arrow"/>
+          </a:ln>
+        </p:spPr>
+        <p:style>
+          <a:lnRef idx="1">
+            <a:schemeClr val="accent1"/>
+          </a:lnRef>
+          <a:fillRef idx="0">
+            <a:schemeClr val="accent1"/>
+          </a:fillRef>
+          <a:effectRef idx="0">
+            <a:schemeClr val="accent1"/>
+          </a:effectRef>
+          <a:fontRef idx="minor">
+            <a:schemeClr val="tx1"/>
+          </a:fontRef>
+        </p:style>
+      </p:cxnSp>
+      <p:cxnSp>
+        <p:nvCxnSpPr>
+          <p:cNvPr id="20" name="直接箭头连接符 19"/>
+          <p:cNvCxnSpPr/>
+          <p:nvPr/>
+        </p:nvCxnSpPr>
+        <p:spPr>
+          <a:xfrm flipV="1">
+            <a:off x="7966710" y="2778125"/>
+            <a:ext cx="0" cy="1126490"/>
+          </a:xfrm>
+          <a:prstGeom prst="straightConnector1">
+            <a:avLst/>
+          </a:prstGeom>
+          <a:ln w="38100">
+            <a:solidFill>
+              <a:srgbClr val="7030A0"/>
+            </a:solidFill>
+            <a:tailEnd type="arrow"/>
+          </a:ln>
+        </p:spPr>
+        <p:style>
+          <a:lnRef idx="1">
+            <a:schemeClr val="accent1"/>
+          </a:lnRef>
+          <a:fillRef idx="0">
+            <a:schemeClr val="accent1"/>
+          </a:fillRef>
+          <a:effectRef idx="0">
+            <a:schemeClr val="accent1"/>
+          </a:effectRef>
+          <a:fontRef idx="minor">
+            <a:schemeClr val="tx1"/>
+          </a:fontRef>
+        </p:style>
+      </p:cxnSp>
+      <p:sp>
+        <p:nvSpPr>
+          <p:cNvPr id="21" name="文本框 20"/>
+          <p:cNvSpPr txBox="1"/>
+          <p:nvPr/>
+        </p:nvSpPr>
+        <p:spPr>
+          <a:xfrm>
+            <a:off x="3590925" y="942975"/>
+            <a:ext cx="1698625" cy="398780"/>
+          </a:xfrm>
+          <a:prstGeom prst="rect">
+            <a:avLst/>
+          </a:prstGeom>
+          <a:noFill/>
+        </p:spPr>
+        <p:txBody>
+          <a:bodyPr wrap="none" rtlCol="0">
+            <a:spAutoFit/>
+          </a:bodyPr>
+          <a:p>
+            <a:r>
+              <a:rPr lang="en-US" altLang="zh-CN" sz="2000" b="1"/>
+              <a:t>1</a:t>
+            </a:r>
+            <a:r>
+              <a:rPr lang="ja-JP" altLang="en-US" sz="2000" b="1"/>
+              <a:t>．</a:t>
+            </a:r>
+            <a:r>
+              <a:rPr lang="ja-JP" altLang="en-US" sz="2000" b="1"/>
+              <a:t>閲覧と購入</a:t>
+            </a:r>
+            <a:endParaRPr lang="ja-JP" altLang="en-US" sz="2000" b="1"/>
+          </a:p>
+        </p:txBody>
+      </p:sp>
+      <p:sp>
+        <p:nvSpPr>
+          <p:cNvPr id="22" name="文本框 21"/>
+          <p:cNvSpPr txBox="1"/>
+          <p:nvPr/>
+        </p:nvSpPr>
+        <p:spPr>
+          <a:xfrm>
+            <a:off x="8799195" y="3088005"/>
+            <a:ext cx="1678305" cy="398780"/>
+          </a:xfrm>
+          <a:prstGeom prst="rect">
+            <a:avLst/>
+          </a:prstGeom>
+          <a:noFill/>
+        </p:spPr>
+        <p:txBody>
+          <a:bodyPr wrap="none" rtlCol="0">
+            <a:spAutoFit/>
+          </a:bodyPr>
+          <a:p>
+            <a:r>
+              <a:rPr lang="en-US" altLang="zh-CN" sz="2000" b="1"/>
+              <a:t>2</a:t>
+            </a:r>
+            <a:r>
+              <a:rPr lang="ja-JP" altLang="en-US" sz="2000" b="1"/>
+              <a:t>．データ記録</a:t>
+            </a:r>
+            <a:endParaRPr lang="ja-JP" altLang="en-US" sz="2000" b="1"/>
+          </a:p>
+        </p:txBody>
+      </p:sp>
+      <p:sp>
+        <p:nvSpPr>
+          <p:cNvPr id="23" name="文本框 22"/>
+          <p:cNvSpPr txBox="1"/>
+          <p:nvPr/>
+        </p:nvSpPr>
+        <p:spPr>
+          <a:xfrm>
+            <a:off x="4104640" y="5537200"/>
+            <a:ext cx="2599690" cy="398780"/>
+          </a:xfrm>
+          <a:prstGeom prst="rect">
+            <a:avLst/>
+          </a:prstGeom>
+          <a:noFill/>
+        </p:spPr>
+        <p:txBody>
+          <a:bodyPr wrap="none" rtlCol="0">
+            <a:spAutoFit/>
+          </a:bodyPr>
+          <a:p>
+            <a:r>
+              <a:rPr lang="en-US" altLang="zh-CN" sz="2000" b="1"/>
+              <a:t>3</a:t>
+            </a:r>
+            <a:r>
+              <a:rPr lang="ja-JP" altLang="en-US" sz="2000" b="1"/>
+              <a:t>．エンジンを呼び出す</a:t>
+            </a:r>
+            <a:endParaRPr lang="ja-JP" altLang="en-US" sz="2000" b="1"/>
+          </a:p>
+        </p:txBody>
+      </p:sp>
+      <p:sp>
+        <p:nvSpPr>
+          <p:cNvPr id="24" name="文本框 23"/>
+          <p:cNvSpPr txBox="1"/>
+          <p:nvPr/>
+        </p:nvSpPr>
+        <p:spPr>
+          <a:xfrm>
+            <a:off x="4404360" y="4474845"/>
+            <a:ext cx="1999615" cy="398780"/>
+          </a:xfrm>
+          <a:prstGeom prst="rect">
+            <a:avLst/>
+          </a:prstGeom>
+          <a:noFill/>
+        </p:spPr>
+        <p:txBody>
+          <a:bodyPr wrap="none" rtlCol="0">
+            <a:spAutoFit/>
+          </a:bodyPr>
+          <a:p>
+            <a:r>
+              <a:rPr lang="en-US" altLang="zh-CN" sz="2000" b="1"/>
+              <a:t>4</a:t>
+            </a:r>
+            <a:r>
+              <a:rPr lang="ja-JP" altLang="en-US" sz="2000" b="1"/>
+              <a:t>．レコメンド出力</a:t>
+            </a:r>
+            <a:endParaRPr lang="ja-JP" altLang="en-US" sz="2000" b="1"/>
+          </a:p>
+        </p:txBody>
+      </p:sp>
+      <p:sp>
+        <p:nvSpPr>
+          <p:cNvPr id="25" name="文本框 24"/>
+          <p:cNvSpPr txBox="1"/>
+          <p:nvPr/>
+        </p:nvSpPr>
+        <p:spPr>
+          <a:xfrm>
+            <a:off x="6362700" y="3117215"/>
+            <a:ext cx="1503045" cy="398780"/>
+          </a:xfrm>
+          <a:prstGeom prst="rect">
+            <a:avLst/>
+          </a:prstGeom>
+          <a:noFill/>
+        </p:spPr>
+        <p:txBody>
+          <a:bodyPr wrap="none" rtlCol="0">
+            <a:spAutoFit/>
+          </a:bodyPr>
+          <a:p>
+            <a:r>
+              <a:rPr lang="en-US" altLang="zh-CN" sz="2000" b="1"/>
+              <a:t>5</a:t>
+            </a:r>
+            <a:r>
+              <a:rPr lang="ja-JP" altLang="en-US" sz="2000" b="1"/>
+              <a:t>．結果</a:t>
+            </a:r>
+            <a:r>
+              <a:rPr lang="ja-JP" altLang="en-US" sz="2000" b="1"/>
+              <a:t>転送</a:t>
+            </a:r>
+            <a:endParaRPr lang="ja-JP" altLang="en-US" sz="2000" b="1"/>
+          </a:p>
+        </p:txBody>
+      </p:sp>
+      <p:sp>
+        <p:nvSpPr>
+          <p:cNvPr id="26" name="文本框 25"/>
+          <p:cNvSpPr txBox="1"/>
+          <p:nvPr/>
+        </p:nvSpPr>
+        <p:spPr>
+          <a:xfrm>
+            <a:off x="3241675" y="1838960"/>
+            <a:ext cx="2890520" cy="398780"/>
+          </a:xfrm>
+          <a:prstGeom prst="rect">
+            <a:avLst/>
+          </a:prstGeom>
+          <a:noFill/>
+        </p:spPr>
+        <p:txBody>
+          <a:bodyPr wrap="none" rtlCol="0">
+            <a:spAutoFit/>
+          </a:bodyPr>
+          <a:p>
+            <a:r>
+              <a:rPr lang="en-US" altLang="zh-CN" sz="2000" b="1"/>
+              <a:t>6</a:t>
+            </a:r>
+            <a:r>
+              <a:rPr lang="ja-JP" altLang="en-US" sz="2000" b="1"/>
+              <a:t>．おすすめアイテム表示</a:t>
+            </a:r>
+            <a:endParaRPr lang="ja-JP" altLang="en-US" sz="2000" b="1"/>
           </a:p>
         </p:txBody>
       </p:sp>
@@ -5432,15 +5982,7 @@
                   <a:schemeClr val="tx1"/>
                 </a:solidFill>
               </a:rPr>
-              <a:t>レコメンド結果</a:t>
-            </a:r>
-            <a:r>
-              <a:rPr lang="ja-JP" altLang="zh-CN" sz="1600" b="1">
-                <a:solidFill>
-                  <a:schemeClr val="tx1"/>
-                </a:solidFill>
-              </a:rPr>
-              <a:t>表示</a:t>
+              <a:t>レコメンド結果表示</a:t>
             </a:r>
             <a:endParaRPr lang="ja-JP" altLang="zh-CN" sz="1600" b="1">
               <a:solidFill>
@@ -5600,11 +6142,7 @@
           <a:p>
             <a:r>
               <a:rPr lang="ja-JP" altLang="zh-CN" b="1"/>
-              <a:t>情報</a:t>
-            </a:r>
-            <a:r>
-              <a:rPr lang="ja-JP" altLang="zh-CN" b="1"/>
-              <a:t>履歴</a:t>
+              <a:t>情報履歴</a:t>
             </a:r>
             <a:endParaRPr lang="ja-JP" altLang="zh-CN" b="1"/>
           </a:p>

--- a/ppt.pptx
+++ b/ppt.pptx
@@ -3330,11 +3330,7 @@
             </a:r>
             <a:r>
               <a:rPr lang="ja-JP" altLang="en-US" sz="2000" b="1"/>
-              <a:t>．</a:t>
-            </a:r>
-            <a:r>
-              <a:rPr lang="ja-JP" altLang="en-US" sz="2000" b="1"/>
-              <a:t>閲覧と購入</a:t>
+              <a:t>．閲覧と購入</a:t>
             </a:r>
             <a:endParaRPr lang="ja-JP" altLang="en-US" sz="2000" b="1"/>
           </a:p>
@@ -3466,11 +3462,7 @@
             </a:r>
             <a:r>
               <a:rPr lang="ja-JP" altLang="en-US" sz="2000" b="1"/>
-              <a:t>．結果</a:t>
-            </a:r>
-            <a:r>
-              <a:rPr lang="ja-JP" altLang="en-US" sz="2000" b="1"/>
-              <a:t>転送</a:t>
+              <a:t>．結果転送</a:t>
             </a:r>
             <a:endParaRPr lang="ja-JP" altLang="en-US" sz="2000" b="1"/>
           </a:p>
@@ -3527,6 +3519,82 @@
         <p:nvPr/>
       </p:nvGrpSpPr>
       <p:grpSpPr/>
+      <p:pic>
+        <p:nvPicPr>
+          <p:cNvPr id="2" name="图片 1"/>
+          <p:cNvPicPr>
+            <a:picLocks noChangeAspect="1"/>
+          </p:cNvPicPr>
+          <p:nvPr/>
+        </p:nvPicPr>
+        <p:blipFill>
+          <a:blip r:embed="rId1"/>
+          <a:stretch>
+            <a:fillRect/>
+          </a:stretch>
+        </p:blipFill>
+        <p:spPr>
+          <a:xfrm>
+            <a:off x="325120" y="943610"/>
+            <a:ext cx="944880" cy="5122545"/>
+          </a:xfrm>
+          <a:prstGeom prst="rect">
+            <a:avLst/>
+          </a:prstGeom>
+        </p:spPr>
+      </p:pic>
+      <p:pic>
+        <p:nvPicPr>
+          <p:cNvPr id="3" name="图片 2"/>
+          <p:cNvPicPr>
+            <a:picLocks noChangeAspect="1"/>
+          </p:cNvPicPr>
+          <p:nvPr/>
+        </p:nvPicPr>
+        <p:blipFill>
+          <a:blip r:embed="rId2"/>
+          <a:stretch>
+            <a:fillRect/>
+          </a:stretch>
+        </p:blipFill>
+        <p:spPr>
+          <a:xfrm>
+            <a:off x="2047875" y="1974850"/>
+            <a:ext cx="3458210" cy="2352675"/>
+          </a:xfrm>
+          <a:prstGeom prst="rect">
+            <a:avLst/>
+          </a:prstGeom>
+        </p:spPr>
+      </p:pic>
+      <p:pic>
+        <p:nvPicPr>
+          <p:cNvPr id="-2147482598" name="图片 33"/>
+          <p:cNvPicPr>
+            <a:picLocks noChangeAspect="1"/>
+          </p:cNvPicPr>
+          <p:nvPr/>
+        </p:nvPicPr>
+        <p:blipFill>
+          <a:blip r:embed="rId3"/>
+          <a:stretch>
+            <a:fillRect/>
+          </a:stretch>
+        </p:blipFill>
+        <p:spPr>
+          <a:xfrm>
+            <a:off x="6283960" y="943293"/>
+            <a:ext cx="4475480" cy="4147185"/>
+          </a:xfrm>
+          <a:prstGeom prst="rect">
+            <a:avLst/>
+          </a:prstGeom>
+          <a:noFill/>
+          <a:ln w="9525">
+            <a:noFill/>
+          </a:ln>
+        </p:spPr>
+      </p:pic>
     </p:spTree>
   </p:cSld>
   <p:clrMapOvr>
@@ -5852,7 +5920,7 @@
         </p:nvSpPr>
         <p:spPr>
           <a:xfrm>
-            <a:off x="6982460" y="3636010"/>
+            <a:off x="7665720" y="3636010"/>
             <a:ext cx="2349500" cy="607060"/>
           </a:xfrm>
           <a:prstGeom prst="leftArrow">
@@ -5907,7 +5975,7 @@
                   <a:schemeClr val="tx1"/>
                 </a:solidFill>
               </a:rPr>
-              <a:t>レコメンド結果記入</a:t>
+              <a:t>レコメンド計算完了</a:t>
             </a:r>
             <a:endParaRPr lang="ja-JP" altLang="zh-CN" sz="1600" b="1">
               <a:solidFill>
@@ -5925,8 +5993,8 @@
         </p:nvSpPr>
         <p:spPr>
           <a:xfrm>
-            <a:off x="2832735" y="3636010"/>
-            <a:ext cx="2408555" cy="607060"/>
+            <a:off x="2359660" y="3636010"/>
+            <a:ext cx="2282825" cy="607060"/>
           </a:xfrm>
           <a:prstGeom prst="leftArrow">
             <a:avLst/>
@@ -6197,7 +6265,7 @@
         </p:blipFill>
         <p:spPr>
           <a:xfrm>
-            <a:off x="5744845" y="3340100"/>
+            <a:off x="6774180" y="3340100"/>
             <a:ext cx="902970" cy="902970"/>
           </a:xfrm>
           <a:prstGeom prst="rect">
@@ -6213,7 +6281,7 @@
         </p:nvSpPr>
         <p:spPr>
           <a:xfrm>
-            <a:off x="5695950" y="4340225"/>
+            <a:off x="6686550" y="4243070"/>
             <a:ext cx="1078230" cy="368300"/>
           </a:xfrm>
           <a:prstGeom prst="rect">
@@ -6242,7 +6310,7 @@
         </p:nvSpPr>
         <p:spPr>
           <a:xfrm>
-            <a:off x="5634355" y="1915795"/>
+            <a:off x="5650230" y="1915795"/>
             <a:ext cx="1123950" cy="615315"/>
           </a:xfrm>
           <a:prstGeom prst="rightArrow">
@@ -6291,6 +6359,116 @@
                 <a:schemeClr val="tx1"/>
               </a:solidFill>
             </a:endParaRPr>
+          </a:p>
+        </p:txBody>
+      </p:sp>
+      <p:sp>
+        <p:nvSpPr>
+          <p:cNvPr id="3" name="左箭头 2"/>
+          <p:cNvSpPr/>
+          <p:nvPr/>
+        </p:nvSpPr>
+        <p:spPr>
+          <a:xfrm>
+            <a:off x="5649595" y="3522980"/>
+            <a:ext cx="1108710" cy="594360"/>
+          </a:xfrm>
+          <a:prstGeom prst="leftArrow">
+            <a:avLst/>
+          </a:prstGeom>
+          <a:solidFill>
+            <a:srgbClr val="92D050"/>
+          </a:solidFill>
+          <a:ln>
+            <a:noFill/>
+          </a:ln>
+        </p:spPr>
+        <p:style>
+          <a:lnRef idx="2">
+            <a:schemeClr val="accent1">
+              <a:shade val="50000"/>
+            </a:schemeClr>
+          </a:lnRef>
+          <a:fillRef idx="1">
+            <a:schemeClr val="accent1"/>
+          </a:fillRef>
+          <a:effectRef idx="0">
+            <a:schemeClr val="accent1"/>
+          </a:effectRef>
+          <a:fontRef idx="minor">
+            <a:schemeClr val="lt1"/>
+          </a:fontRef>
+        </p:style>
+        <p:txBody>
+          <a:bodyPr rtlCol="0" anchor="ctr"/>
+          <a:p>
+            <a:pPr algn="ctr"/>
+            <a:r>
+              <a:rPr lang="ja-JP" altLang="en-US" sz="1200">
+                <a:solidFill>
+                  <a:schemeClr val="tx1"/>
+                </a:solidFill>
+              </a:rPr>
+              <a:t>データ処理</a:t>
+            </a:r>
+            <a:endParaRPr lang="ja-JP" altLang="en-US" sz="1200">
+              <a:solidFill>
+                <a:schemeClr val="tx1"/>
+              </a:solidFill>
+            </a:endParaRPr>
+          </a:p>
+        </p:txBody>
+      </p:sp>
+      <p:pic>
+        <p:nvPicPr>
+          <p:cNvPr id="15" name="图片 14"/>
+          <p:cNvPicPr>
+            <a:picLocks noChangeAspect="1"/>
+          </p:cNvPicPr>
+          <p:nvPr/>
+        </p:nvPicPr>
+        <p:blipFill>
+          <a:blip r:embed="rId5"/>
+          <a:stretch>
+            <a:fillRect/>
+          </a:stretch>
+        </p:blipFill>
+        <p:spPr>
+          <a:xfrm>
+            <a:off x="4747260" y="3340100"/>
+            <a:ext cx="902970" cy="902970"/>
+          </a:xfrm>
+          <a:prstGeom prst="rect">
+            <a:avLst/>
+          </a:prstGeom>
+        </p:spPr>
+      </p:pic>
+      <p:sp>
+        <p:nvSpPr>
+          <p:cNvPr id="17" name="文本框 16"/>
+          <p:cNvSpPr txBox="1"/>
+          <p:nvPr/>
+        </p:nvSpPr>
+        <p:spPr>
+          <a:xfrm>
+            <a:off x="4863465" y="4243070"/>
+            <a:ext cx="671195" cy="368300"/>
+          </a:xfrm>
+          <a:prstGeom prst="rect">
+            <a:avLst/>
+          </a:prstGeom>
+          <a:noFill/>
+        </p:spPr>
+        <p:txBody>
+          <a:bodyPr wrap="none" rtlCol="0">
+            <a:spAutoFit/>
+          </a:bodyPr>
+          <a:p>
+            <a:r>
+              <a:rPr lang="en-US" altLang="ja-JP" b="1"/>
+              <a:t>JSON</a:t>
+            </a:r>
+            <a:endParaRPr lang="en-US" altLang="ja-JP" b="1"/>
           </a:p>
         </p:txBody>
       </p:sp>

--- a/ppt.pptx
+++ b/ppt.pptx
@@ -7,14 +7,19 @@
   <p:sldIdLst>
     <p:sldId id="256" r:id="rId3"/>
     <p:sldId id="261" r:id="rId4"/>
-    <p:sldId id="257" r:id="rId5"/>
-    <p:sldId id="258" r:id="rId6"/>
-    <p:sldId id="259" r:id="rId7"/>
-    <p:sldId id="260" r:id="rId8"/>
-    <p:sldId id="266" r:id="rId9"/>
-    <p:sldId id="267" r:id="rId10"/>
-    <p:sldId id="270" r:id="rId11"/>
-    <p:sldId id="268" r:id="rId12"/>
+    <p:sldId id="273" r:id="rId5"/>
+    <p:sldId id="272" r:id="rId6"/>
+    <p:sldId id="274" r:id="rId7"/>
+    <p:sldId id="275" r:id="rId8"/>
+    <p:sldId id="276" r:id="rId9"/>
+    <p:sldId id="257" r:id="rId10"/>
+    <p:sldId id="258" r:id="rId11"/>
+    <p:sldId id="259" r:id="rId12"/>
+    <p:sldId id="260" r:id="rId13"/>
+    <p:sldId id="266" r:id="rId14"/>
+    <p:sldId id="267" r:id="rId15"/>
+    <p:sldId id="270" r:id="rId16"/>
+    <p:sldId id="268" r:id="rId17"/>
   </p:sldIdLst>
   <p:sldSz cx="12192000" cy="6858000"/>
   <p:notesSz cx="6858000" cy="9144000"/>
@@ -3521,7 +3526,7 @@
       <p:grpSpPr/>
       <p:pic>
         <p:nvPicPr>
-          <p:cNvPr id="2" name="图片 1"/>
+          <p:cNvPr id="6" name="图片 5" descr="18457"/>
           <p:cNvPicPr>
             <a:picLocks noChangeAspect="1"/>
           </p:cNvPicPr>
@@ -3535,8 +3540,8 @@
         </p:blipFill>
         <p:spPr>
           <a:xfrm>
-            <a:off x="325120" y="943610"/>
-            <a:ext cx="944880" cy="5122545"/>
+            <a:off x="5621655" y="168910"/>
+            <a:ext cx="1937385" cy="2583180"/>
           </a:xfrm>
           <a:prstGeom prst="rect">
             <a:avLst/>
@@ -3545,7 +3550,7 @@
       </p:pic>
       <p:pic>
         <p:nvPicPr>
-          <p:cNvPr id="3" name="图片 2"/>
+          <p:cNvPr id="7" name="图片 6" descr="12181"/>
           <p:cNvPicPr>
             <a:picLocks noChangeAspect="1"/>
           </p:cNvPicPr>
@@ -3559,8 +3564,8 @@
         </p:blipFill>
         <p:spPr>
           <a:xfrm>
-            <a:off x="2047875" y="1974850"/>
-            <a:ext cx="3458210" cy="2352675"/>
+            <a:off x="2982595" y="168910"/>
+            <a:ext cx="1887855" cy="2518410"/>
           </a:xfrm>
           <a:prstGeom prst="rect">
             <a:avLst/>
@@ -3569,7 +3574,7 @@
       </p:pic>
       <p:pic>
         <p:nvPicPr>
-          <p:cNvPr id="-2147482598" name="图片 33"/>
+          <p:cNvPr id="8" name="图片 7" descr="40144"/>
           <p:cNvPicPr>
             <a:picLocks noChangeAspect="1"/>
           </p:cNvPicPr>
@@ -3583,963 +3588,8 @@
         </p:blipFill>
         <p:spPr>
           <a:xfrm>
-            <a:off x="6283960" y="943293"/>
-            <a:ext cx="4475480" cy="4147185"/>
-          </a:xfrm>
-          <a:prstGeom prst="rect">
-            <a:avLst/>
-          </a:prstGeom>
-          <a:noFill/>
-          <a:ln w="9525">
-            <a:noFill/>
-          </a:ln>
-        </p:spPr>
-      </p:pic>
-    </p:spTree>
-  </p:cSld>
-  <p:clrMapOvr>
-    <a:masterClrMapping/>
-  </p:clrMapOvr>
-</p:sld>
-</file>
-
-<file path=ppt/slides/slide2.xml><?xml version="1.0" encoding="utf-8"?>
-<p:sld xmlns:a="http://schemas.openxmlformats.org/drawingml/2006/main" xmlns:r="http://schemas.openxmlformats.org/officeDocument/2006/relationships" xmlns:p="http://schemas.openxmlformats.org/presentationml/2006/main">
-  <p:cSld>
-    <p:spTree>
-      <p:nvGrpSpPr>
-        <p:cNvPr id="1" name=""/>
-        <p:cNvGrpSpPr/>
-        <p:nvPr/>
-      </p:nvGrpSpPr>
-      <p:grpSpPr/>
-      <p:graphicFrame>
-        <p:nvGraphicFramePr>
-          <p:cNvPr id="284" name="Shape 284"/>
-          <p:cNvGraphicFramePr/>
-          <p:nvPr/>
-        </p:nvGraphicFramePr>
-        <p:xfrm>
-          <a:off x="1741170" y="1845309"/>
-          <a:ext cx="7845425" cy="2384425"/>
-        </p:xfrm>
-        <a:graphic>
-          <a:graphicData uri="http://schemas.openxmlformats.org/drawingml/2006/table">
-            <a:tbl>
-              <a:tblPr firstRow="1" bandRow="1">
-                <a:noFill/>
-                <a:tableStyleId>{C32DE16D-C30A-451B-AD78-78F5EB1C75D9}</a:tableStyleId>
-              </a:tblPr>
-              <a:tblGrid>
-                <a:gridCol w="1120775"/>
-                <a:gridCol w="1120775"/>
-                <a:gridCol w="1120775"/>
-                <a:gridCol w="1120775"/>
-                <a:gridCol w="1120775"/>
-                <a:gridCol w="1120775"/>
-              </a:tblGrid>
-              <a:tr h="476885">
-                <a:tc>
-                  <a:txBody>
-                    <a:bodyPr/>
-                    <a:p>
-                      <a:pPr marL="0" marR="0" lvl="0" indent="0" algn="l" rtl="0">
-                        <a:lnSpc>
-                          <a:spcPct val="100000"/>
-                        </a:lnSpc>
-                        <a:spcBef>
-                          <a:spcPts val="0"/>
-                        </a:spcBef>
-                        <a:spcAft>
-                          <a:spcPts val="0"/>
-                        </a:spcAft>
-                        <a:buClr>
-                          <a:schemeClr val="dk1"/>
-                        </a:buClr>
-                        <a:buSzPct val="25000"/>
-                        <a:buFont typeface="Calibri" panose="020F0502020204030204"/>
-                        <a:buNone/>
-                      </a:pPr>
-                      <a:endParaRPr sz="1800" u="none" strike="noStrike" cap="none" dirty="0"/>
-                    </a:p>
-                  </a:txBody>
-                  <a:tcPr marL="91450" marR="91450" marT="45725" marB="45725"/>
-                </a:tc>
-                <a:tc>
-                  <a:txBody>
-                    <a:bodyPr/>
-                    <a:p>
-                      <a:pPr marL="0" marR="0" lvl="0" indent="0" algn="l" rtl="0">
-                        <a:lnSpc>
-                          <a:spcPct val="100000"/>
-                        </a:lnSpc>
-                        <a:spcBef>
-                          <a:spcPts val="0"/>
-                        </a:spcBef>
-                        <a:spcAft>
-                          <a:spcPts val="0"/>
-                        </a:spcAft>
-                        <a:buClr>
-                          <a:schemeClr val="dk1"/>
-                        </a:buClr>
-                        <a:buSzPct val="25000"/>
-                        <a:buFont typeface="Calibri" panose="020F0502020204030204"/>
-                        <a:buNone/>
-                      </a:pPr>
-                      <a:r>
-                        <a:rPr lang="en-US" altLang="ja-JP" sz="1800" u="none" strike="noStrike" cap="none" dirty="0" smtClean="0"/>
-                        <a:t>Item1</a:t>
-                      </a:r>
-                      <a:endParaRPr lang="ja-JP" sz="1800" u="none" strike="noStrike" cap="none" dirty="0"/>
-                    </a:p>
-                  </a:txBody>
-                  <a:tcPr marL="91450" marR="91450" marT="45725" marB="45725"/>
-                </a:tc>
-                <a:tc>
-                  <a:txBody>
-                    <a:bodyPr/>
-                    <a:p>
-                      <a:pPr marL="0" marR="0" lvl="0" indent="0" algn="l" rtl="0">
-                        <a:lnSpc>
-                          <a:spcPct val="100000"/>
-                        </a:lnSpc>
-                        <a:spcBef>
-                          <a:spcPts val="0"/>
-                        </a:spcBef>
-                        <a:spcAft>
-                          <a:spcPts val="0"/>
-                        </a:spcAft>
-                        <a:buClr>
-                          <a:schemeClr val="dk1"/>
-                        </a:buClr>
-                        <a:buSzPct val="25000"/>
-                        <a:buFont typeface="Calibri" panose="020F0502020204030204"/>
-                        <a:buNone/>
-                      </a:pPr>
-                      <a:r>
-                        <a:rPr lang="en-US" altLang="ja-JP" sz="1800" u="none" strike="noStrike" cap="none" dirty="0" smtClean="0"/>
-                        <a:t>Item2</a:t>
-                      </a:r>
-                      <a:endParaRPr lang="ja-JP" sz="1800" u="none" strike="noStrike" cap="none" dirty="0"/>
-                    </a:p>
-                  </a:txBody>
-                  <a:tcPr marL="91450" marR="91450" marT="45725" marB="45725"/>
-                </a:tc>
-                <a:tc>
-                  <a:txBody>
-                    <a:bodyPr/>
-                    <a:p>
-                      <a:pPr marL="0" marR="0" lvl="0" indent="0" algn="l" rtl="0">
-                        <a:lnSpc>
-                          <a:spcPct val="100000"/>
-                        </a:lnSpc>
-                        <a:spcBef>
-                          <a:spcPts val="0"/>
-                        </a:spcBef>
-                        <a:spcAft>
-                          <a:spcPts val="0"/>
-                        </a:spcAft>
-                        <a:buClr>
-                          <a:schemeClr val="dk1"/>
-                        </a:buClr>
-                        <a:buSzPct val="25000"/>
-                        <a:buFont typeface="Calibri" panose="020F0502020204030204"/>
-                        <a:buNone/>
-                      </a:pPr>
-                      <a:r>
-                        <a:rPr lang="en-US" altLang="ja-JP" sz="1800" u="none" strike="noStrike" cap="none" dirty="0" smtClean="0"/>
-                        <a:t>Item3</a:t>
-                      </a:r>
-                      <a:endParaRPr lang="ja-JP" sz="1800" u="none" strike="noStrike" cap="none" dirty="0"/>
-                    </a:p>
-                  </a:txBody>
-                  <a:tcPr marL="91450" marR="91450" marT="45725" marB="45725"/>
-                </a:tc>
-                <a:tc>
-                  <a:txBody>
-                    <a:bodyPr/>
-                    <a:p>
-                      <a:pPr marL="0" marR="0" lvl="0" indent="0" algn="l" rtl="0">
-                        <a:lnSpc>
-                          <a:spcPct val="100000"/>
-                        </a:lnSpc>
-                        <a:spcBef>
-                          <a:spcPts val="0"/>
-                        </a:spcBef>
-                        <a:spcAft>
-                          <a:spcPts val="0"/>
-                        </a:spcAft>
-                        <a:buClr>
-                          <a:schemeClr val="dk1"/>
-                        </a:buClr>
-                        <a:buSzPct val="25000"/>
-                        <a:buFont typeface="Calibri" panose="020F0502020204030204"/>
-                        <a:buNone/>
-                      </a:pPr>
-                      <a:r>
-                        <a:rPr lang="en-US" altLang="ja-JP" sz="1800" u="none" strike="noStrike" cap="none" dirty="0" smtClean="0"/>
-                        <a:t>Item4</a:t>
-                      </a:r>
-                      <a:endParaRPr lang="ja-JP" sz="1800" u="none" strike="noStrike" cap="none" dirty="0"/>
-                    </a:p>
-                  </a:txBody>
-                  <a:tcPr marL="91450" marR="91450" marT="45725" marB="45725"/>
-                </a:tc>
-                <a:tc>
-                  <a:txBody>
-                    <a:bodyPr/>
-                    <a:p>
-                      <a:pPr marL="0" marR="0" lvl="0" indent="0" algn="l" rtl="0">
-                        <a:lnSpc>
-                          <a:spcPct val="100000"/>
-                        </a:lnSpc>
-                        <a:spcBef>
-                          <a:spcPts val="0"/>
-                        </a:spcBef>
-                        <a:spcAft>
-                          <a:spcPts val="0"/>
-                        </a:spcAft>
-                        <a:buClr>
-                          <a:schemeClr val="dk1"/>
-                        </a:buClr>
-                        <a:buSzPct val="25000"/>
-                        <a:buFont typeface="Calibri" panose="020F0502020204030204"/>
-                        <a:buNone/>
-                      </a:pPr>
-                      <a:r>
-                        <a:rPr lang="en-US" altLang="ja-JP" sz="1800" u="none" strike="noStrike" cap="none" dirty="0" smtClean="0"/>
-                        <a:t>Item5</a:t>
-                      </a:r>
-                      <a:endParaRPr lang="ja-JP" sz="1800" u="none" strike="noStrike" cap="none" dirty="0"/>
-                    </a:p>
-                  </a:txBody>
-                  <a:tcPr marL="91450" marR="91450" marT="45725" marB="45725"/>
-                </a:tc>
-              </a:tr>
-              <a:tr h="476885">
-                <a:tc>
-                  <a:txBody>
-                    <a:bodyPr/>
-                    <a:p>
-                      <a:pPr marL="0" marR="0" lvl="0" indent="0" algn="l" rtl="0">
-                        <a:lnSpc>
-                          <a:spcPct val="100000"/>
-                        </a:lnSpc>
-                        <a:spcBef>
-                          <a:spcPts val="0"/>
-                        </a:spcBef>
-                        <a:spcAft>
-                          <a:spcPts val="0"/>
-                        </a:spcAft>
-                        <a:buClr>
-                          <a:schemeClr val="dk1"/>
-                        </a:buClr>
-                        <a:buSzPct val="25000"/>
-                        <a:buFont typeface="Calibri" panose="020F0502020204030204"/>
-                        <a:buNone/>
-                      </a:pPr>
-                      <a:r>
-                        <a:rPr lang="ja-JP" sz="1800" u="none" strike="noStrike" cap="none"/>
-                        <a:t>UserA</a:t>
-                      </a:r>
-                      <a:endParaRPr lang="ja-JP" sz="1800" u="none" strike="noStrike" cap="none"/>
-                    </a:p>
-                  </a:txBody>
-                  <a:tcPr marL="91450" marR="91450" marT="45725" marB="45725"/>
-                </a:tc>
-                <a:tc>
-                  <a:txBody>
-                    <a:bodyPr/>
-                    <a:p>
-                      <a:pPr marL="0" marR="0" lvl="0" indent="0" algn="l" rtl="0">
-                        <a:lnSpc>
-                          <a:spcPct val="100000"/>
-                        </a:lnSpc>
-                        <a:spcBef>
-                          <a:spcPts val="0"/>
-                        </a:spcBef>
-                        <a:spcAft>
-                          <a:spcPts val="0"/>
-                        </a:spcAft>
-                        <a:buClr>
-                          <a:schemeClr val="dk1"/>
-                        </a:buClr>
-                        <a:buSzPct val="25000"/>
-                        <a:buFont typeface="Calibri" panose="020F0502020204030204"/>
-                        <a:buNone/>
-                      </a:pPr>
-                      <a:r>
-                        <a:rPr lang="ja-JP" sz="1800" u="none" strike="noStrike" cap="none" dirty="0"/>
-                        <a:t>1</a:t>
-                      </a:r>
-                      <a:endParaRPr lang="ja-JP" sz="1800" u="none" strike="noStrike" cap="none" dirty="0"/>
-                    </a:p>
-                  </a:txBody>
-                  <a:tcPr marL="91450" marR="91450" marT="45725" marB="45725"/>
-                </a:tc>
-                <a:tc>
-                  <a:txBody>
-                    <a:bodyPr/>
-                    <a:p>
-                      <a:pPr marL="0" marR="0" lvl="0" indent="0" algn="l" rtl="0">
-                        <a:lnSpc>
-                          <a:spcPct val="100000"/>
-                        </a:lnSpc>
-                        <a:spcBef>
-                          <a:spcPts val="0"/>
-                        </a:spcBef>
-                        <a:spcAft>
-                          <a:spcPts val="0"/>
-                        </a:spcAft>
-                        <a:buClr>
-                          <a:schemeClr val="dk1"/>
-                        </a:buClr>
-                        <a:buSzPct val="25000"/>
-                        <a:buFont typeface="Calibri" panose="020F0502020204030204"/>
-                        <a:buNone/>
-                      </a:pPr>
-                      <a:endParaRPr lang="ja-JP" sz="1800" u="none" strike="noStrike" cap="none"/>
-                    </a:p>
-                  </a:txBody>
-                  <a:tcPr marL="91450" marR="91450" marT="45725" marB="45725"/>
-                </a:tc>
-                <a:tc>
-                  <a:txBody>
-                    <a:bodyPr/>
-                    <a:p>
-                      <a:pPr marL="0" marR="0" lvl="0" indent="0" algn="l" rtl="0">
-                        <a:lnSpc>
-                          <a:spcPct val="100000"/>
-                        </a:lnSpc>
-                        <a:spcBef>
-                          <a:spcPts val="0"/>
-                        </a:spcBef>
-                        <a:spcAft>
-                          <a:spcPts val="0"/>
-                        </a:spcAft>
-                        <a:buClr>
-                          <a:schemeClr val="dk1"/>
-                        </a:buClr>
-                        <a:buSzPct val="25000"/>
-                        <a:buFont typeface="Calibri" panose="020F0502020204030204"/>
-                        <a:buNone/>
-                      </a:pPr>
-                      <a:r>
-                        <a:rPr lang="ja-JP" sz="1800" u="none" strike="noStrike" cap="none"/>
-                        <a:t>1</a:t>
-                      </a:r>
-                      <a:endParaRPr lang="ja-JP" sz="1800" u="none" strike="noStrike" cap="none"/>
-                    </a:p>
-                  </a:txBody>
-                  <a:tcPr marL="91450" marR="91450" marT="45725" marB="45725"/>
-                </a:tc>
-                <a:tc>
-                  <a:txBody>
-                    <a:bodyPr/>
-                    <a:p>
-                      <a:pPr marL="0" marR="0" lvl="0" indent="0" algn="l" rtl="0">
-                        <a:lnSpc>
-                          <a:spcPct val="100000"/>
-                        </a:lnSpc>
-                        <a:spcBef>
-                          <a:spcPts val="0"/>
-                        </a:spcBef>
-                        <a:spcAft>
-                          <a:spcPts val="0"/>
-                        </a:spcAft>
-                        <a:buClr>
-                          <a:schemeClr val="dk1"/>
-                        </a:buClr>
-                        <a:buSzPct val="25000"/>
-                        <a:buFont typeface="Calibri" panose="020F0502020204030204"/>
-                        <a:buNone/>
-                      </a:pPr>
-                      <a:endParaRPr lang="ja-JP" sz="1800" u="none" strike="noStrike" cap="none"/>
-                    </a:p>
-                  </a:txBody>
-                  <a:tcPr marL="91450" marR="91450" marT="45725" marB="45725"/>
-                </a:tc>
-                <a:tc>
-                  <a:txBody>
-                    <a:bodyPr/>
-                    <a:p>
-                      <a:pPr marL="0" marR="0" lvl="0" indent="0" algn="l" rtl="0">
-                        <a:lnSpc>
-                          <a:spcPct val="100000"/>
-                        </a:lnSpc>
-                        <a:spcBef>
-                          <a:spcPts val="0"/>
-                        </a:spcBef>
-                        <a:spcAft>
-                          <a:spcPts val="0"/>
-                        </a:spcAft>
-                        <a:buClr>
-                          <a:schemeClr val="dk1"/>
-                        </a:buClr>
-                        <a:buSzPct val="25000"/>
-                        <a:buFont typeface="Calibri" panose="020F0502020204030204"/>
-                        <a:buNone/>
-                      </a:pPr>
-                      <a:r>
-                        <a:rPr lang="ja-JP" sz="1800" u="none" strike="noStrike" cap="none"/>
-                        <a:t>1</a:t>
-                      </a:r>
-                      <a:endParaRPr lang="ja-JP" sz="1800" u="none" strike="noStrike" cap="none"/>
-                    </a:p>
-                  </a:txBody>
-                  <a:tcPr marL="91450" marR="91450" marT="45725" marB="45725"/>
-                </a:tc>
-              </a:tr>
-              <a:tr h="476885">
-                <a:tc>
-                  <a:txBody>
-                    <a:bodyPr/>
-                    <a:p>
-                      <a:pPr marL="0" marR="0" lvl="0" indent="0" algn="l" rtl="0">
-                        <a:lnSpc>
-                          <a:spcPct val="100000"/>
-                        </a:lnSpc>
-                        <a:spcBef>
-                          <a:spcPts val="0"/>
-                        </a:spcBef>
-                        <a:spcAft>
-                          <a:spcPts val="0"/>
-                        </a:spcAft>
-                        <a:buClr>
-                          <a:schemeClr val="dk1"/>
-                        </a:buClr>
-                        <a:buSzPct val="25000"/>
-                        <a:buFont typeface="Calibri" panose="020F0502020204030204"/>
-                        <a:buNone/>
-                      </a:pPr>
-                      <a:r>
-                        <a:rPr lang="ja-JP" sz="1800" u="none" strike="noStrike" cap="none"/>
-                        <a:t>UserB</a:t>
-                      </a:r>
-                      <a:endParaRPr lang="ja-JP" sz="1800" u="none" strike="noStrike" cap="none"/>
-                    </a:p>
-                  </a:txBody>
-                  <a:tcPr marL="91450" marR="91450" marT="45725" marB="45725"/>
-                </a:tc>
-                <a:tc>
-                  <a:txBody>
-                    <a:bodyPr/>
-                    <a:p>
-                      <a:pPr marL="0" marR="0" lvl="0" indent="0" algn="l" rtl="0">
-                        <a:lnSpc>
-                          <a:spcPct val="100000"/>
-                        </a:lnSpc>
-                        <a:spcBef>
-                          <a:spcPts val="0"/>
-                        </a:spcBef>
-                        <a:spcAft>
-                          <a:spcPts val="0"/>
-                        </a:spcAft>
-                        <a:buClr>
-                          <a:schemeClr val="dk1"/>
-                        </a:buClr>
-                        <a:buSzPct val="25000"/>
-                        <a:buFont typeface="Calibri" panose="020F0502020204030204"/>
-                        <a:buNone/>
-                      </a:pPr>
-                      <a:endParaRPr lang="ja-JP" sz="1800" u="none" strike="noStrike" cap="none"/>
-                    </a:p>
-                  </a:txBody>
-                  <a:tcPr marL="91450" marR="91450" marT="45725" marB="45725"/>
-                </a:tc>
-                <a:tc>
-                  <a:txBody>
-                    <a:bodyPr/>
-                    <a:p>
-                      <a:pPr marL="0" marR="0" lvl="0" indent="0" algn="l" rtl="0">
-                        <a:lnSpc>
-                          <a:spcPct val="100000"/>
-                        </a:lnSpc>
-                        <a:spcBef>
-                          <a:spcPts val="0"/>
-                        </a:spcBef>
-                        <a:spcAft>
-                          <a:spcPts val="0"/>
-                        </a:spcAft>
-                        <a:buClr>
-                          <a:schemeClr val="dk1"/>
-                        </a:buClr>
-                        <a:buSzPct val="25000"/>
-                        <a:buFont typeface="Calibri" panose="020F0502020204030204"/>
-                        <a:buNone/>
-                      </a:pPr>
-                      <a:r>
-                        <a:rPr lang="ja-JP" sz="1800" u="none" strike="noStrike" cap="none"/>
-                        <a:t>1</a:t>
-                      </a:r>
-                      <a:endParaRPr lang="ja-JP" sz="1800" u="none" strike="noStrike" cap="none"/>
-                    </a:p>
-                  </a:txBody>
-                  <a:tcPr marL="91450" marR="91450" marT="45725" marB="45725"/>
-                </a:tc>
-                <a:tc>
-                  <a:txBody>
-                    <a:bodyPr/>
-                    <a:p>
-                      <a:pPr marL="0" marR="0" lvl="0" indent="0" algn="l" rtl="0">
-                        <a:lnSpc>
-                          <a:spcPct val="100000"/>
-                        </a:lnSpc>
-                        <a:spcBef>
-                          <a:spcPts val="0"/>
-                        </a:spcBef>
-                        <a:spcAft>
-                          <a:spcPts val="0"/>
-                        </a:spcAft>
-                        <a:buClr>
-                          <a:schemeClr val="dk1"/>
-                        </a:buClr>
-                        <a:buSzPct val="25000"/>
-                        <a:buFont typeface="Calibri" panose="020F0502020204030204"/>
-                        <a:buNone/>
-                      </a:pPr>
-                      <a:r>
-                        <a:rPr lang="ja-JP" sz="1800" u="none" strike="noStrike" cap="none"/>
-                        <a:t>1</a:t>
-                      </a:r>
-                      <a:endParaRPr lang="ja-JP" sz="1800" u="none" strike="noStrike" cap="none"/>
-                    </a:p>
-                  </a:txBody>
-                  <a:tcPr marL="91450" marR="91450" marT="45725" marB="45725"/>
-                </a:tc>
-                <a:tc>
-                  <a:txBody>
-                    <a:bodyPr/>
-                    <a:p>
-                      <a:pPr marL="0" marR="0" lvl="0" indent="0" algn="l" rtl="0">
-                        <a:lnSpc>
-                          <a:spcPct val="100000"/>
-                        </a:lnSpc>
-                        <a:spcBef>
-                          <a:spcPts val="0"/>
-                        </a:spcBef>
-                        <a:spcAft>
-                          <a:spcPts val="0"/>
-                        </a:spcAft>
-                        <a:buClr>
-                          <a:schemeClr val="dk1"/>
-                        </a:buClr>
-                        <a:buSzPct val="25000"/>
-                        <a:buFont typeface="Calibri" panose="020F0502020204030204"/>
-                        <a:buNone/>
-                      </a:pPr>
-                      <a:endParaRPr lang="ja-JP" sz="1800" u="none" strike="noStrike" cap="none"/>
-                    </a:p>
-                  </a:txBody>
-                  <a:tcPr marL="91450" marR="91450" marT="45725" marB="45725"/>
-                </a:tc>
-                <a:tc>
-                  <a:txBody>
-                    <a:bodyPr/>
-                    <a:p>
-                      <a:pPr marL="0" marR="0" lvl="0" indent="0" algn="l" rtl="0">
-                        <a:lnSpc>
-                          <a:spcPct val="100000"/>
-                        </a:lnSpc>
-                        <a:spcBef>
-                          <a:spcPts val="0"/>
-                        </a:spcBef>
-                        <a:spcAft>
-                          <a:spcPts val="0"/>
-                        </a:spcAft>
-                        <a:buClr>
-                          <a:schemeClr val="dk1"/>
-                        </a:buClr>
-                        <a:buSzPct val="25000"/>
-                        <a:buFont typeface="Calibri" panose="020F0502020204030204"/>
-                        <a:buNone/>
-                      </a:pPr>
-                      <a:r>
-                        <a:rPr lang="ja-JP" sz="1800" u="none" strike="noStrike" cap="none"/>
-                        <a:t>1</a:t>
-                      </a:r>
-                      <a:endParaRPr lang="ja-JP" sz="1800" u="none" strike="noStrike" cap="none"/>
-                    </a:p>
-                  </a:txBody>
-                  <a:tcPr marL="91450" marR="91450" marT="45725" marB="45725"/>
-                </a:tc>
-              </a:tr>
-              <a:tr h="476885">
-                <a:tc>
-                  <a:txBody>
-                    <a:bodyPr/>
-                    <a:p>
-                      <a:pPr marL="0" marR="0" lvl="0" indent="0" algn="l" rtl="0">
-                        <a:lnSpc>
-                          <a:spcPct val="100000"/>
-                        </a:lnSpc>
-                        <a:spcBef>
-                          <a:spcPts val="0"/>
-                        </a:spcBef>
-                        <a:spcAft>
-                          <a:spcPts val="0"/>
-                        </a:spcAft>
-                        <a:buClr>
-                          <a:schemeClr val="dk1"/>
-                        </a:buClr>
-                        <a:buSzPct val="25000"/>
-                        <a:buFont typeface="Calibri" panose="020F0502020204030204"/>
-                        <a:buNone/>
-                      </a:pPr>
-                      <a:r>
-                        <a:rPr lang="ja-JP" sz="1800" u="none" strike="noStrike" cap="none"/>
-                        <a:t>UserC</a:t>
-                      </a:r>
-                      <a:endParaRPr lang="ja-JP" sz="1800" u="none" strike="noStrike" cap="none"/>
-                    </a:p>
-                  </a:txBody>
-                  <a:tcPr marL="91450" marR="91450" marT="45725" marB="45725"/>
-                </a:tc>
-                <a:tc>
-                  <a:txBody>
-                    <a:bodyPr/>
-                    <a:p>
-                      <a:pPr marL="0" marR="0" lvl="0" indent="0" algn="l" rtl="0">
-                        <a:lnSpc>
-                          <a:spcPct val="100000"/>
-                        </a:lnSpc>
-                        <a:spcBef>
-                          <a:spcPts val="0"/>
-                        </a:spcBef>
-                        <a:spcAft>
-                          <a:spcPts val="0"/>
-                        </a:spcAft>
-                        <a:buClr>
-                          <a:schemeClr val="dk1"/>
-                        </a:buClr>
-                        <a:buSzPct val="25000"/>
-                        <a:buFont typeface="Calibri" panose="020F0502020204030204"/>
-                        <a:buNone/>
-                      </a:pPr>
-                      <a:r>
-                        <a:rPr lang="ja-JP" sz="1800" u="none" strike="noStrike" cap="none"/>
-                        <a:t>1</a:t>
-                      </a:r>
-                      <a:endParaRPr lang="ja-JP" sz="1800" u="none" strike="noStrike" cap="none"/>
-                    </a:p>
-                  </a:txBody>
-                  <a:tcPr marL="91450" marR="91450" marT="45725" marB="45725"/>
-                </a:tc>
-                <a:tc>
-                  <a:txBody>
-                    <a:bodyPr/>
-                    <a:p>
-                      <a:pPr marL="0" marR="0" lvl="0" indent="0" algn="l" rtl="0">
-                        <a:lnSpc>
-                          <a:spcPct val="100000"/>
-                        </a:lnSpc>
-                        <a:spcBef>
-                          <a:spcPts val="0"/>
-                        </a:spcBef>
-                        <a:spcAft>
-                          <a:spcPts val="0"/>
-                        </a:spcAft>
-                        <a:buClr>
-                          <a:schemeClr val="dk1"/>
-                        </a:buClr>
-                        <a:buSzPct val="25000"/>
-                        <a:buFont typeface="Calibri" panose="020F0502020204030204"/>
-                        <a:buNone/>
-                      </a:pPr>
-                      <a:r>
-                        <a:rPr lang="ja-JP" sz="1800" u="none" strike="noStrike" cap="none"/>
-                        <a:t>1</a:t>
-                      </a:r>
-                      <a:endParaRPr lang="ja-JP" sz="1800" u="none" strike="noStrike" cap="none"/>
-                    </a:p>
-                  </a:txBody>
-                  <a:tcPr marL="91450" marR="91450" marT="45725" marB="45725"/>
-                </a:tc>
-                <a:tc>
-                  <a:txBody>
-                    <a:bodyPr/>
-                    <a:p>
-                      <a:pPr marL="0" marR="0" lvl="0" indent="0" algn="l" rtl="0">
-                        <a:lnSpc>
-                          <a:spcPct val="100000"/>
-                        </a:lnSpc>
-                        <a:spcBef>
-                          <a:spcPts val="0"/>
-                        </a:spcBef>
-                        <a:spcAft>
-                          <a:spcPts val="0"/>
-                        </a:spcAft>
-                        <a:buClr>
-                          <a:schemeClr val="dk1"/>
-                        </a:buClr>
-                        <a:buSzPct val="25000"/>
-                        <a:buFont typeface="Calibri" panose="020F0502020204030204"/>
-                        <a:buNone/>
-                      </a:pPr>
-                      <a:endParaRPr lang="ja-JP" sz="1800" u="none" strike="noStrike" cap="none"/>
-                    </a:p>
-                  </a:txBody>
-                  <a:tcPr marL="91450" marR="91450" marT="45725" marB="45725"/>
-                </a:tc>
-                <a:tc>
-                  <a:txBody>
-                    <a:bodyPr/>
-                    <a:p>
-                      <a:pPr marL="0" marR="0" lvl="0" indent="0" algn="l" rtl="0">
-                        <a:lnSpc>
-                          <a:spcPct val="100000"/>
-                        </a:lnSpc>
-                        <a:spcBef>
-                          <a:spcPts val="0"/>
-                        </a:spcBef>
-                        <a:spcAft>
-                          <a:spcPts val="0"/>
-                        </a:spcAft>
-                        <a:buClr>
-                          <a:schemeClr val="dk1"/>
-                        </a:buClr>
-                        <a:buSzPct val="25000"/>
-                        <a:buFont typeface="Calibri" panose="020F0502020204030204"/>
-                        <a:buNone/>
-                      </a:pPr>
-                      <a:endParaRPr lang="ja-JP" sz="1800" u="none" strike="noStrike" cap="none"/>
-                    </a:p>
-                  </a:txBody>
-                  <a:tcPr marL="91450" marR="91450" marT="45725" marB="45725"/>
-                </a:tc>
-                <a:tc>
-                  <a:txBody>
-                    <a:bodyPr/>
-                    <a:p>
-                      <a:pPr marL="0" marR="0" lvl="0" indent="0" algn="l" rtl="0">
-                        <a:lnSpc>
-                          <a:spcPct val="100000"/>
-                        </a:lnSpc>
-                        <a:spcBef>
-                          <a:spcPts val="0"/>
-                        </a:spcBef>
-                        <a:spcAft>
-                          <a:spcPts val="0"/>
-                        </a:spcAft>
-                        <a:buClr>
-                          <a:schemeClr val="dk1"/>
-                        </a:buClr>
-                        <a:buSzPct val="25000"/>
-                        <a:buFont typeface="Calibri" panose="020F0502020204030204"/>
-                        <a:buNone/>
-                      </a:pPr>
-                      <a:endParaRPr lang="ja-JP" sz="1800" u="none" strike="noStrike" cap="none"/>
-                    </a:p>
-                  </a:txBody>
-                  <a:tcPr marL="91450" marR="91450" marT="45725" marB="45725"/>
-                </a:tc>
-              </a:tr>
-              <a:tr h="476885">
-                <a:tc>
-                  <a:txBody>
-                    <a:bodyPr/>
-                    <a:p>
-                      <a:pPr marL="0" marR="0" lvl="0" indent="0" algn="l" rtl="0">
-                        <a:lnSpc>
-                          <a:spcPct val="100000"/>
-                        </a:lnSpc>
-                        <a:spcBef>
-                          <a:spcPts val="0"/>
-                        </a:spcBef>
-                        <a:spcAft>
-                          <a:spcPts val="0"/>
-                        </a:spcAft>
-                        <a:buClr>
-                          <a:schemeClr val="dk1"/>
-                        </a:buClr>
-                        <a:buSzPct val="25000"/>
-                        <a:buFont typeface="Calibri" panose="020F0502020204030204"/>
-                        <a:buNone/>
-                      </a:pPr>
-                      <a:r>
-                        <a:rPr lang="ja-JP" sz="1800" u="none" strike="noStrike" cap="none"/>
-                        <a:t>UserD</a:t>
-                      </a:r>
-                      <a:endParaRPr lang="ja-JP" sz="1800" u="none" strike="noStrike" cap="none"/>
-                    </a:p>
-                  </a:txBody>
-                  <a:tcPr marL="91450" marR="91450" marT="45725" marB="45725"/>
-                </a:tc>
-                <a:tc>
-                  <a:txBody>
-                    <a:bodyPr/>
-                    <a:p>
-                      <a:pPr marL="0" marR="0" lvl="0" indent="0" algn="l" rtl="0">
-                        <a:lnSpc>
-                          <a:spcPct val="100000"/>
-                        </a:lnSpc>
-                        <a:spcBef>
-                          <a:spcPts val="0"/>
-                        </a:spcBef>
-                        <a:spcAft>
-                          <a:spcPts val="0"/>
-                        </a:spcAft>
-                        <a:buClr>
-                          <a:schemeClr val="dk1"/>
-                        </a:buClr>
-                        <a:buSzPct val="25000"/>
-                        <a:buFont typeface="Calibri" panose="020F0502020204030204"/>
-                        <a:buNone/>
-                      </a:pPr>
-                      <a:endParaRPr lang="ja-JP" sz="1800" u="none" strike="noStrike" cap="none"/>
-                    </a:p>
-                  </a:txBody>
-                  <a:tcPr marL="91450" marR="91450" marT="45725" marB="45725"/>
-                </a:tc>
-                <a:tc>
-                  <a:txBody>
-                    <a:bodyPr/>
-                    <a:p>
-                      <a:pPr marL="0" marR="0" lvl="0" indent="0" algn="l" rtl="0">
-                        <a:lnSpc>
-                          <a:spcPct val="100000"/>
-                        </a:lnSpc>
-                        <a:spcBef>
-                          <a:spcPts val="0"/>
-                        </a:spcBef>
-                        <a:spcAft>
-                          <a:spcPts val="0"/>
-                        </a:spcAft>
-                        <a:buClr>
-                          <a:schemeClr val="dk1"/>
-                        </a:buClr>
-                        <a:buSzPct val="25000"/>
-                        <a:buFont typeface="Calibri" panose="020F0502020204030204"/>
-                        <a:buNone/>
-                      </a:pPr>
-                      <a:endParaRPr lang="ja-JP" sz="1800" u="none" strike="noStrike" cap="none"/>
-                    </a:p>
-                  </a:txBody>
-                  <a:tcPr marL="91450" marR="91450" marT="45725" marB="45725"/>
-                </a:tc>
-                <a:tc>
-                  <a:txBody>
-                    <a:bodyPr/>
-                    <a:p>
-                      <a:pPr marL="0" marR="0" lvl="0" indent="0" algn="l" rtl="0">
-                        <a:lnSpc>
-                          <a:spcPct val="100000"/>
-                        </a:lnSpc>
-                        <a:spcBef>
-                          <a:spcPts val="0"/>
-                        </a:spcBef>
-                        <a:spcAft>
-                          <a:spcPts val="0"/>
-                        </a:spcAft>
-                        <a:buClr>
-                          <a:schemeClr val="dk1"/>
-                        </a:buClr>
-                        <a:buSzPct val="25000"/>
-                        <a:buFont typeface="Calibri" panose="020F0502020204030204"/>
-                        <a:buNone/>
-                      </a:pPr>
-                      <a:endParaRPr lang="ja-JP" sz="1800" u="none" strike="noStrike" cap="none"/>
-                    </a:p>
-                  </a:txBody>
-                  <a:tcPr marL="91450" marR="91450" marT="45725" marB="45725"/>
-                </a:tc>
-                <a:tc>
-                  <a:txBody>
-                    <a:bodyPr/>
-                    <a:p>
-                      <a:pPr marL="0" marR="0" lvl="0" indent="0" algn="l" rtl="0">
-                        <a:lnSpc>
-                          <a:spcPct val="100000"/>
-                        </a:lnSpc>
-                        <a:spcBef>
-                          <a:spcPts val="0"/>
-                        </a:spcBef>
-                        <a:spcAft>
-                          <a:spcPts val="0"/>
-                        </a:spcAft>
-                        <a:buClr>
-                          <a:schemeClr val="dk1"/>
-                        </a:buClr>
-                        <a:buSzPct val="25000"/>
-                        <a:buFont typeface="Calibri" panose="020F0502020204030204"/>
-                        <a:buNone/>
-                      </a:pPr>
-                      <a:endParaRPr lang="ja-JP" sz="1800" u="none" strike="noStrike" cap="none"/>
-                    </a:p>
-                  </a:txBody>
-                  <a:tcPr marL="91450" marR="91450" marT="45725" marB="45725"/>
-                </a:tc>
-                <a:tc>
-                  <a:txBody>
-                    <a:bodyPr/>
-                    <a:p>
-                      <a:pPr marL="0" marR="0" lvl="0" indent="0" algn="l" rtl="0">
-                        <a:lnSpc>
-                          <a:spcPct val="100000"/>
-                        </a:lnSpc>
-                        <a:spcBef>
-                          <a:spcPts val="0"/>
-                        </a:spcBef>
-                        <a:spcAft>
-                          <a:spcPts val="0"/>
-                        </a:spcAft>
-                        <a:buClr>
-                          <a:schemeClr val="dk1"/>
-                        </a:buClr>
-                        <a:buSzPct val="25000"/>
-                        <a:buFont typeface="Calibri" panose="020F0502020204030204"/>
-                        <a:buNone/>
-                      </a:pPr>
-                      <a:r>
-                        <a:rPr lang="ja-JP" sz="1800" u="none" strike="noStrike" cap="none"/>
-                        <a:t>1</a:t>
-                      </a:r>
-                      <a:endParaRPr lang="ja-JP" sz="1800" u="none" strike="noStrike" cap="none"/>
-                    </a:p>
-                  </a:txBody>
-                  <a:tcPr marL="91450" marR="91450" marT="45725" marB="45725"/>
-                </a:tc>
-              </a:tr>
-            </a:tbl>
-          </a:graphicData>
-        </a:graphic>
-      </p:graphicFrame>
-    </p:spTree>
-  </p:cSld>
-  <p:clrMapOvr>
-    <a:masterClrMapping/>
-  </p:clrMapOvr>
-</p:sld>
-</file>
-
-<file path=ppt/slides/slide3.xml><?xml version="1.0" encoding="utf-8"?>
-<p:sld xmlns:a="http://schemas.openxmlformats.org/drawingml/2006/main" xmlns:r="http://schemas.openxmlformats.org/officeDocument/2006/relationships" xmlns:p="http://schemas.openxmlformats.org/presentationml/2006/main">
-  <p:cSld>
-    <p:spTree>
-      <p:nvGrpSpPr>
-        <p:cNvPr id="1" name=""/>
-        <p:cNvGrpSpPr/>
-        <p:nvPr/>
-      </p:nvGrpSpPr>
-      <p:grpSpPr/>
-      <p:pic>
-        <p:nvPicPr>
-          <p:cNvPr id="4" name="图片 3"/>
-          <p:cNvPicPr>
-            <a:picLocks noChangeAspect="1"/>
-          </p:cNvPicPr>
-          <p:nvPr/>
-        </p:nvPicPr>
-        <p:blipFill>
-          <a:blip r:embed="rId1"/>
-          <a:stretch>
-            <a:fillRect/>
-          </a:stretch>
-        </p:blipFill>
-        <p:spPr>
-          <a:xfrm>
-            <a:off x="2499360" y="3711575"/>
-            <a:ext cx="3931285" cy="3058795"/>
+            <a:off x="385445" y="168910"/>
+            <a:ext cx="1888490" cy="2518410"/>
           </a:xfrm>
           <a:prstGeom prst="rect">
             <a:avLst/>
@@ -4548,55 +3598,7 @@
       </p:pic>
       <p:pic>
         <p:nvPicPr>
-          <p:cNvPr id="5" name="图片 4"/>
-          <p:cNvPicPr>
-            <a:picLocks noChangeAspect="1"/>
-          </p:cNvPicPr>
-          <p:nvPr/>
-        </p:nvPicPr>
-        <p:blipFill>
-          <a:blip r:embed="rId2"/>
-          <a:stretch>
-            <a:fillRect/>
-          </a:stretch>
-        </p:blipFill>
-        <p:spPr>
-          <a:xfrm>
-            <a:off x="882015" y="156210"/>
-            <a:ext cx="2135505" cy="2773045"/>
-          </a:xfrm>
-          <a:prstGeom prst="rect">
-            <a:avLst/>
-          </a:prstGeom>
-        </p:spPr>
-      </p:pic>
-      <p:pic>
-        <p:nvPicPr>
-          <p:cNvPr id="6" name="图片 5"/>
-          <p:cNvPicPr>
-            <a:picLocks noChangeAspect="1"/>
-          </p:cNvPicPr>
-          <p:nvPr/>
-        </p:nvPicPr>
-        <p:blipFill>
-          <a:blip r:embed="rId3"/>
-          <a:stretch>
-            <a:fillRect/>
-          </a:stretch>
-        </p:blipFill>
-        <p:spPr>
-          <a:xfrm>
-            <a:off x="3435350" y="156210"/>
-            <a:ext cx="2062480" cy="2773680"/>
-          </a:xfrm>
-          <a:prstGeom prst="rect">
-            <a:avLst/>
-          </a:prstGeom>
-        </p:spPr>
-      </p:pic>
-      <p:pic>
-        <p:nvPicPr>
-          <p:cNvPr id="7" name="图片 6"/>
+          <p:cNvPr id="9" name="图片 8"/>
           <p:cNvPicPr>
             <a:picLocks noChangeAspect="1"/>
           </p:cNvPicPr>
@@ -4610,8 +3612,8 @@
         </p:blipFill>
         <p:spPr>
           <a:xfrm>
-            <a:off x="5981065" y="156210"/>
-            <a:ext cx="1846580" cy="2772410"/>
+            <a:off x="2049780" y="3817620"/>
+            <a:ext cx="3753485" cy="2921000"/>
           </a:xfrm>
           <a:prstGeom prst="rect">
             <a:avLst/>
@@ -4620,14 +3622,14 @@
       </p:pic>
       <p:sp>
         <p:nvSpPr>
-          <p:cNvPr id="8" name="下箭头 7"/>
+          <p:cNvPr id="10" name="下箭头 9"/>
           <p:cNvSpPr/>
           <p:nvPr/>
         </p:nvSpPr>
         <p:spPr>
           <a:xfrm>
-            <a:off x="4140200" y="3024505"/>
-            <a:ext cx="536575" cy="601980"/>
+            <a:off x="3584575" y="2878455"/>
+            <a:ext cx="683260" cy="748030"/>
           </a:xfrm>
           <a:prstGeom prst="downArrow">
             <a:avLst/>
@@ -4665,348 +3667,7 @@
 </p:sld>
 </file>
 
-<file path=ppt/slides/slide4.xml><?xml version="1.0" encoding="utf-8"?>
-<p:sld xmlns:a="http://schemas.openxmlformats.org/drawingml/2006/main" xmlns:r="http://schemas.openxmlformats.org/officeDocument/2006/relationships" xmlns:p="http://schemas.openxmlformats.org/presentationml/2006/main">
-  <p:cSld>
-    <p:spTree>
-      <p:nvGrpSpPr>
-        <p:cNvPr id="1" name=""/>
-        <p:cNvGrpSpPr/>
-        <p:nvPr/>
-      </p:nvGrpSpPr>
-      <p:grpSpPr/>
-      <p:pic>
-        <p:nvPicPr>
-          <p:cNvPr id="4" name="内容占位符 3"/>
-          <p:cNvPicPr>
-            <a:picLocks noChangeAspect="1"/>
-          </p:cNvPicPr>
-          <p:nvPr>
-            <p:ph idx="1"/>
-          </p:nvPr>
-        </p:nvPicPr>
-        <p:blipFill>
-          <a:blip r:embed="rId1"/>
-          <a:stretch>
-            <a:fillRect/>
-          </a:stretch>
-        </p:blipFill>
-        <p:spPr>
-          <a:xfrm>
-            <a:off x="464820" y="1557020"/>
-            <a:ext cx="4810125" cy="3743325"/>
-          </a:xfrm>
-          <a:prstGeom prst="rect">
-            <a:avLst/>
-          </a:prstGeom>
-        </p:spPr>
-      </p:pic>
-      <p:pic>
-        <p:nvPicPr>
-          <p:cNvPr id="5" name="图片 4" descr="GM"/>
-          <p:cNvPicPr>
-            <a:picLocks noChangeAspect="1"/>
-          </p:cNvPicPr>
-          <p:nvPr/>
-        </p:nvPicPr>
-        <p:blipFill>
-          <a:blip r:embed="rId2"/>
-          <a:stretch>
-            <a:fillRect/>
-          </a:stretch>
-        </p:blipFill>
-        <p:spPr>
-          <a:xfrm>
-            <a:off x="6466205" y="3982085"/>
-            <a:ext cx="883285" cy="532130"/>
-          </a:xfrm>
-          <a:prstGeom prst="rect">
-            <a:avLst/>
-          </a:prstGeom>
-        </p:spPr>
-      </p:pic>
-      <p:pic>
-        <p:nvPicPr>
-          <p:cNvPr id="8" name="图片 7" descr="AM"/>
-          <p:cNvPicPr>
-            <a:picLocks noChangeAspect="1"/>
-          </p:cNvPicPr>
-          <p:nvPr/>
-        </p:nvPicPr>
-        <p:blipFill>
-          <a:blip r:embed="rId3"/>
-          <a:stretch>
-            <a:fillRect/>
-          </a:stretch>
-        </p:blipFill>
-        <p:spPr>
-          <a:xfrm>
-            <a:off x="6532880" y="671830"/>
-            <a:ext cx="749935" cy="659130"/>
-          </a:xfrm>
-          <a:prstGeom prst="rect">
-            <a:avLst/>
-          </a:prstGeom>
-        </p:spPr>
-      </p:pic>
-      <p:pic>
-        <p:nvPicPr>
-          <p:cNvPr id="9" name="图片 8" descr="BbM"/>
-          <p:cNvPicPr>
-            <a:picLocks noChangeAspect="1"/>
-          </p:cNvPicPr>
-          <p:nvPr/>
-        </p:nvPicPr>
-        <p:blipFill>
-          <a:blip r:embed="rId4"/>
-          <a:stretch>
-            <a:fillRect/>
-          </a:stretch>
-        </p:blipFill>
-        <p:spPr>
-          <a:xfrm>
-            <a:off x="6432550" y="3027045"/>
-            <a:ext cx="949960" cy="575945"/>
-          </a:xfrm>
-          <a:prstGeom prst="rect">
-            <a:avLst/>
-          </a:prstGeom>
-        </p:spPr>
-      </p:pic>
-      <p:pic>
-        <p:nvPicPr>
-          <p:cNvPr id="10" name="图片 9" descr="CM"/>
-          <p:cNvPicPr>
-            <a:picLocks noChangeAspect="1"/>
-          </p:cNvPicPr>
-          <p:nvPr/>
-        </p:nvPicPr>
-        <p:blipFill>
-          <a:blip r:embed="rId5"/>
-          <a:stretch>
-            <a:fillRect/>
-          </a:stretch>
-        </p:blipFill>
-        <p:spPr>
-          <a:xfrm>
-            <a:off x="6433185" y="1898650"/>
-            <a:ext cx="949325" cy="593090"/>
-          </a:xfrm>
-          <a:prstGeom prst="rect">
-            <a:avLst/>
-          </a:prstGeom>
-        </p:spPr>
-      </p:pic>
-      <p:pic>
-        <p:nvPicPr>
-          <p:cNvPr id="12" name="图片 11" descr="EM"/>
-          <p:cNvPicPr>
-            <a:picLocks noChangeAspect="1"/>
-          </p:cNvPicPr>
-          <p:nvPr/>
-        </p:nvPicPr>
-        <p:blipFill>
-          <a:blip r:embed="rId6"/>
-          <a:stretch>
-            <a:fillRect/>
-          </a:stretch>
-        </p:blipFill>
-        <p:spPr>
-          <a:xfrm>
-            <a:off x="6472555" y="5953125"/>
-            <a:ext cx="871220" cy="502285"/>
-          </a:xfrm>
-          <a:prstGeom prst="rect">
-            <a:avLst/>
-          </a:prstGeom>
-        </p:spPr>
-      </p:pic>
-      <p:pic>
-        <p:nvPicPr>
-          <p:cNvPr id="23" name="图片 22" descr="HM"/>
-          <p:cNvPicPr>
-            <a:picLocks noChangeAspect="1"/>
-          </p:cNvPicPr>
-          <p:nvPr/>
-        </p:nvPicPr>
-        <p:blipFill>
-          <a:blip r:embed="rId7"/>
-          <a:stretch>
-            <a:fillRect/>
-          </a:stretch>
-        </p:blipFill>
-        <p:spPr>
-          <a:xfrm>
-            <a:off x="6532880" y="4864100"/>
-            <a:ext cx="694690" cy="608330"/>
-          </a:xfrm>
-          <a:prstGeom prst="rect">
-            <a:avLst/>
-          </a:prstGeom>
-        </p:spPr>
-      </p:pic>
-    </p:spTree>
-  </p:cSld>
-  <p:clrMapOvr>
-    <a:masterClrMapping/>
-  </p:clrMapOvr>
-</p:sld>
-</file>
-
-<file path=ppt/slides/slide5.xml><?xml version="1.0" encoding="utf-8"?>
-<p:sld xmlns:a="http://schemas.openxmlformats.org/drawingml/2006/main" xmlns:r="http://schemas.openxmlformats.org/officeDocument/2006/relationships" xmlns:p="http://schemas.openxmlformats.org/presentationml/2006/main">
-  <p:cSld>
-    <p:spTree>
-      <p:nvGrpSpPr>
-        <p:cNvPr id="1" name=""/>
-        <p:cNvGrpSpPr/>
-        <p:nvPr/>
-      </p:nvGrpSpPr>
-      <p:grpSpPr/>
-      <p:pic>
-        <p:nvPicPr>
-          <p:cNvPr id="6" name="图片 5" descr="18457"/>
-          <p:cNvPicPr>
-            <a:picLocks noChangeAspect="1"/>
-          </p:cNvPicPr>
-          <p:nvPr/>
-        </p:nvPicPr>
-        <p:blipFill>
-          <a:blip r:embed="rId1"/>
-          <a:stretch>
-            <a:fillRect/>
-          </a:stretch>
-        </p:blipFill>
-        <p:spPr>
-          <a:xfrm>
-            <a:off x="5621655" y="168910"/>
-            <a:ext cx="1937385" cy="2583180"/>
-          </a:xfrm>
-          <a:prstGeom prst="rect">
-            <a:avLst/>
-          </a:prstGeom>
-        </p:spPr>
-      </p:pic>
-      <p:pic>
-        <p:nvPicPr>
-          <p:cNvPr id="7" name="图片 6" descr="12181"/>
-          <p:cNvPicPr>
-            <a:picLocks noChangeAspect="1"/>
-          </p:cNvPicPr>
-          <p:nvPr/>
-        </p:nvPicPr>
-        <p:blipFill>
-          <a:blip r:embed="rId2"/>
-          <a:stretch>
-            <a:fillRect/>
-          </a:stretch>
-        </p:blipFill>
-        <p:spPr>
-          <a:xfrm>
-            <a:off x="2982595" y="168910"/>
-            <a:ext cx="1887855" cy="2518410"/>
-          </a:xfrm>
-          <a:prstGeom prst="rect">
-            <a:avLst/>
-          </a:prstGeom>
-        </p:spPr>
-      </p:pic>
-      <p:pic>
-        <p:nvPicPr>
-          <p:cNvPr id="8" name="图片 7" descr="40144"/>
-          <p:cNvPicPr>
-            <a:picLocks noChangeAspect="1"/>
-          </p:cNvPicPr>
-          <p:nvPr/>
-        </p:nvPicPr>
-        <p:blipFill>
-          <a:blip r:embed="rId3"/>
-          <a:stretch>
-            <a:fillRect/>
-          </a:stretch>
-        </p:blipFill>
-        <p:spPr>
-          <a:xfrm>
-            <a:off x="385445" y="168910"/>
-            <a:ext cx="1888490" cy="2518410"/>
-          </a:xfrm>
-          <a:prstGeom prst="rect">
-            <a:avLst/>
-          </a:prstGeom>
-        </p:spPr>
-      </p:pic>
-      <p:pic>
-        <p:nvPicPr>
-          <p:cNvPr id="9" name="图片 8"/>
-          <p:cNvPicPr>
-            <a:picLocks noChangeAspect="1"/>
-          </p:cNvPicPr>
-          <p:nvPr/>
-        </p:nvPicPr>
-        <p:blipFill>
-          <a:blip r:embed="rId4"/>
-          <a:stretch>
-            <a:fillRect/>
-          </a:stretch>
-        </p:blipFill>
-        <p:spPr>
-          <a:xfrm>
-            <a:off x="2049780" y="3817620"/>
-            <a:ext cx="3753485" cy="2921000"/>
-          </a:xfrm>
-          <a:prstGeom prst="rect">
-            <a:avLst/>
-          </a:prstGeom>
-        </p:spPr>
-      </p:pic>
-      <p:sp>
-        <p:nvSpPr>
-          <p:cNvPr id="10" name="下箭头 9"/>
-          <p:cNvSpPr/>
-          <p:nvPr/>
-        </p:nvSpPr>
-        <p:spPr>
-          <a:xfrm>
-            <a:off x="3584575" y="2878455"/>
-            <a:ext cx="683260" cy="748030"/>
-          </a:xfrm>
-          <a:prstGeom prst="downArrow">
-            <a:avLst/>
-          </a:prstGeom>
-        </p:spPr>
-        <p:style>
-          <a:lnRef idx="2">
-            <a:schemeClr val="accent1">
-              <a:shade val="50000"/>
-            </a:schemeClr>
-          </a:lnRef>
-          <a:fillRef idx="1">
-            <a:schemeClr val="accent1"/>
-          </a:fillRef>
-          <a:effectRef idx="0">
-            <a:schemeClr val="accent1"/>
-          </a:effectRef>
-          <a:fontRef idx="minor">
-            <a:schemeClr val="lt1"/>
-          </a:fontRef>
-        </p:style>
-        <p:txBody>
-          <a:bodyPr rtlCol="0" anchor="ctr"/>
-          <a:p>
-            <a:pPr algn="ctr"/>
-            <a:endParaRPr lang="zh-CN" altLang="en-US"/>
-          </a:p>
-        </p:txBody>
-      </p:sp>
-    </p:spTree>
-  </p:cSld>
-  <p:clrMapOvr>
-    <a:masterClrMapping/>
-  </p:clrMapOvr>
-</p:sld>
-</file>
-
-<file path=ppt/slides/slide6.xml><?xml version="1.0" encoding="utf-8"?>
+<file path=ppt/slides/slide11.xml><?xml version="1.0" encoding="utf-8"?>
 <p:sld xmlns:a="http://schemas.openxmlformats.org/drawingml/2006/main" xmlns:r="http://schemas.openxmlformats.org/officeDocument/2006/relationships" xmlns:p="http://schemas.openxmlformats.org/presentationml/2006/main">
   <p:cSld>
     <p:spTree>
@@ -5623,7 +4284,7 @@
 </p:sld>
 </file>
 
-<file path=ppt/slides/slide7.xml><?xml version="1.0" encoding="utf-8"?>
+<file path=ppt/slides/slide12.xml><?xml version="1.0" encoding="utf-8"?>
 <p:sld xmlns:a="http://schemas.openxmlformats.org/drawingml/2006/main" xmlns:r="http://schemas.openxmlformats.org/officeDocument/2006/relationships" xmlns:p="http://schemas.openxmlformats.org/presentationml/2006/main">
   <p:cSld>
     <p:spTree>
@@ -6480,7 +5141,7 @@
 </p:sld>
 </file>
 
-<file path=ppt/slides/slide8.xml><?xml version="1.0" encoding="utf-8"?>
+<file path=ppt/slides/slide13.xml><?xml version="1.0" encoding="utf-8"?>
 <p:sld xmlns:a="http://schemas.openxmlformats.org/drawingml/2006/main" xmlns:r="http://schemas.openxmlformats.org/officeDocument/2006/relationships" xmlns:p="http://schemas.openxmlformats.org/presentationml/2006/main">
   <p:cSld>
     <p:spTree>
@@ -6998,7 +5659,7 @@
 </p:sld>
 </file>
 
-<file path=ppt/slides/slide9.xml><?xml version="1.0" encoding="utf-8"?>
+<file path=ppt/slides/slide14.xml><?xml version="1.0" encoding="utf-8"?>
 <p:sld xmlns:a="http://schemas.openxmlformats.org/drawingml/2006/main" xmlns:r="http://schemas.openxmlformats.org/officeDocument/2006/relationships" xmlns:p="http://schemas.openxmlformats.org/presentationml/2006/main">
   <p:cSld>
     <p:spTree>
@@ -7464,6 +6125,3528 @@
           </a:p>
         </p:txBody>
       </p:sp>
+    </p:spTree>
+  </p:cSld>
+  <p:clrMapOvr>
+    <a:masterClrMapping/>
+  </p:clrMapOvr>
+</p:sld>
+</file>
+
+<file path=ppt/slides/slide15.xml><?xml version="1.0" encoding="utf-8"?>
+<p:sld xmlns:a="http://schemas.openxmlformats.org/drawingml/2006/main" xmlns:r="http://schemas.openxmlformats.org/officeDocument/2006/relationships" xmlns:p="http://schemas.openxmlformats.org/presentationml/2006/main">
+  <p:cSld>
+    <p:spTree>
+      <p:nvGrpSpPr>
+        <p:cNvPr id="1" name=""/>
+        <p:cNvGrpSpPr/>
+        <p:nvPr/>
+      </p:nvGrpSpPr>
+      <p:grpSpPr/>
+      <p:pic>
+        <p:nvPicPr>
+          <p:cNvPr id="2" name="图片 1"/>
+          <p:cNvPicPr>
+            <a:picLocks noChangeAspect="1"/>
+          </p:cNvPicPr>
+          <p:nvPr/>
+        </p:nvPicPr>
+        <p:blipFill>
+          <a:blip r:embed="rId1"/>
+          <a:stretch>
+            <a:fillRect/>
+          </a:stretch>
+        </p:blipFill>
+        <p:spPr>
+          <a:xfrm>
+            <a:off x="325120" y="943610"/>
+            <a:ext cx="944880" cy="5122545"/>
+          </a:xfrm>
+          <a:prstGeom prst="rect">
+            <a:avLst/>
+          </a:prstGeom>
+        </p:spPr>
+      </p:pic>
+      <p:pic>
+        <p:nvPicPr>
+          <p:cNvPr id="3" name="图片 2"/>
+          <p:cNvPicPr>
+            <a:picLocks noChangeAspect="1"/>
+          </p:cNvPicPr>
+          <p:nvPr/>
+        </p:nvPicPr>
+        <p:blipFill>
+          <a:blip r:embed="rId2"/>
+          <a:stretch>
+            <a:fillRect/>
+          </a:stretch>
+        </p:blipFill>
+        <p:spPr>
+          <a:xfrm>
+            <a:off x="2047875" y="1974850"/>
+            <a:ext cx="3458210" cy="2352675"/>
+          </a:xfrm>
+          <a:prstGeom prst="rect">
+            <a:avLst/>
+          </a:prstGeom>
+        </p:spPr>
+      </p:pic>
+      <p:pic>
+        <p:nvPicPr>
+          <p:cNvPr id="4" name="图片 33"/>
+          <p:cNvPicPr>
+            <a:picLocks noChangeAspect="1"/>
+          </p:cNvPicPr>
+          <p:nvPr/>
+        </p:nvPicPr>
+        <p:blipFill>
+          <a:blip r:embed="rId3"/>
+          <a:stretch>
+            <a:fillRect/>
+          </a:stretch>
+        </p:blipFill>
+        <p:spPr>
+          <a:xfrm>
+            <a:off x="6283960" y="943293"/>
+            <a:ext cx="4475480" cy="4147185"/>
+          </a:xfrm>
+          <a:prstGeom prst="rect">
+            <a:avLst/>
+          </a:prstGeom>
+          <a:noFill/>
+          <a:ln w="9525">
+            <a:noFill/>
+          </a:ln>
+        </p:spPr>
+      </p:pic>
+    </p:spTree>
+  </p:cSld>
+  <p:clrMapOvr>
+    <a:masterClrMapping/>
+  </p:clrMapOvr>
+</p:sld>
+</file>
+
+<file path=ppt/slides/slide2.xml><?xml version="1.0" encoding="utf-8"?>
+<p:sld xmlns:a="http://schemas.openxmlformats.org/drawingml/2006/main" xmlns:r="http://schemas.openxmlformats.org/officeDocument/2006/relationships" xmlns:p="http://schemas.openxmlformats.org/presentationml/2006/main">
+  <p:cSld>
+    <p:spTree>
+      <p:nvGrpSpPr>
+        <p:cNvPr id="1" name=""/>
+        <p:cNvGrpSpPr/>
+        <p:nvPr/>
+      </p:nvGrpSpPr>
+      <p:grpSpPr/>
+      <p:graphicFrame>
+        <p:nvGraphicFramePr>
+          <p:cNvPr id="284" name="Shape 284"/>
+          <p:cNvGraphicFramePr/>
+          <p:nvPr/>
+        </p:nvGraphicFramePr>
+        <p:xfrm>
+          <a:off x="1741170" y="1845309"/>
+          <a:ext cx="7845425" cy="2384425"/>
+        </p:xfrm>
+        <a:graphic>
+          <a:graphicData uri="http://schemas.openxmlformats.org/drawingml/2006/table">
+            <a:tbl>
+              <a:tblPr firstRow="1" bandRow="1">
+                <a:noFill/>
+                <a:tableStyleId>{C32DE16D-C30A-451B-AD78-78F5EB1C75D9}</a:tableStyleId>
+              </a:tblPr>
+              <a:tblGrid>
+                <a:gridCol w="1120775"/>
+                <a:gridCol w="1120775"/>
+                <a:gridCol w="1120775"/>
+                <a:gridCol w="1120775"/>
+                <a:gridCol w="1120775"/>
+                <a:gridCol w="1120775"/>
+              </a:tblGrid>
+              <a:tr h="476885">
+                <a:tc>
+                  <a:txBody>
+                    <a:bodyPr/>
+                    <a:p>
+                      <a:pPr marL="0" marR="0" lvl="0" indent="0" algn="l" rtl="0">
+                        <a:lnSpc>
+                          <a:spcPct val="100000"/>
+                        </a:lnSpc>
+                        <a:spcBef>
+                          <a:spcPts val="0"/>
+                        </a:spcBef>
+                        <a:spcAft>
+                          <a:spcPts val="0"/>
+                        </a:spcAft>
+                        <a:buClr>
+                          <a:schemeClr val="dk1"/>
+                        </a:buClr>
+                        <a:buSzPct val="25000"/>
+                        <a:buFont typeface="Calibri" panose="020F0502020204030204"/>
+                        <a:buNone/>
+                      </a:pPr>
+                      <a:endParaRPr sz="1800" u="none" strike="noStrike" cap="none" dirty="0"/>
+                    </a:p>
+                  </a:txBody>
+                  <a:tcPr marL="91450" marR="91450" marT="45725" marB="45725"/>
+                </a:tc>
+                <a:tc>
+                  <a:txBody>
+                    <a:bodyPr/>
+                    <a:p>
+                      <a:pPr marL="0" marR="0" lvl="0" indent="0" algn="l" rtl="0">
+                        <a:lnSpc>
+                          <a:spcPct val="100000"/>
+                        </a:lnSpc>
+                        <a:spcBef>
+                          <a:spcPts val="0"/>
+                        </a:spcBef>
+                        <a:spcAft>
+                          <a:spcPts val="0"/>
+                        </a:spcAft>
+                        <a:buClr>
+                          <a:schemeClr val="dk1"/>
+                        </a:buClr>
+                        <a:buSzPct val="25000"/>
+                        <a:buFont typeface="Calibri" panose="020F0502020204030204"/>
+                        <a:buNone/>
+                      </a:pPr>
+                      <a:r>
+                        <a:rPr lang="en-US" altLang="ja-JP" sz="1800" u="none" strike="noStrike" cap="none" dirty="0" smtClean="0"/>
+                        <a:t>Item1</a:t>
+                      </a:r>
+                      <a:endParaRPr lang="ja-JP" sz="1800" u="none" strike="noStrike" cap="none" dirty="0"/>
+                    </a:p>
+                  </a:txBody>
+                  <a:tcPr marL="91450" marR="91450" marT="45725" marB="45725"/>
+                </a:tc>
+                <a:tc>
+                  <a:txBody>
+                    <a:bodyPr/>
+                    <a:p>
+                      <a:pPr marL="0" marR="0" lvl="0" indent="0" algn="l" rtl="0">
+                        <a:lnSpc>
+                          <a:spcPct val="100000"/>
+                        </a:lnSpc>
+                        <a:spcBef>
+                          <a:spcPts val="0"/>
+                        </a:spcBef>
+                        <a:spcAft>
+                          <a:spcPts val="0"/>
+                        </a:spcAft>
+                        <a:buClr>
+                          <a:schemeClr val="dk1"/>
+                        </a:buClr>
+                        <a:buSzPct val="25000"/>
+                        <a:buFont typeface="Calibri" panose="020F0502020204030204"/>
+                        <a:buNone/>
+                      </a:pPr>
+                      <a:r>
+                        <a:rPr lang="en-US" altLang="ja-JP" sz="1800" u="none" strike="noStrike" cap="none" dirty="0" smtClean="0"/>
+                        <a:t>Item2</a:t>
+                      </a:r>
+                      <a:endParaRPr lang="ja-JP" sz="1800" u="none" strike="noStrike" cap="none" dirty="0"/>
+                    </a:p>
+                  </a:txBody>
+                  <a:tcPr marL="91450" marR="91450" marT="45725" marB="45725"/>
+                </a:tc>
+                <a:tc>
+                  <a:txBody>
+                    <a:bodyPr/>
+                    <a:p>
+                      <a:pPr marL="0" marR="0" lvl="0" indent="0" algn="l" rtl="0">
+                        <a:lnSpc>
+                          <a:spcPct val="100000"/>
+                        </a:lnSpc>
+                        <a:spcBef>
+                          <a:spcPts val="0"/>
+                        </a:spcBef>
+                        <a:spcAft>
+                          <a:spcPts val="0"/>
+                        </a:spcAft>
+                        <a:buClr>
+                          <a:schemeClr val="dk1"/>
+                        </a:buClr>
+                        <a:buSzPct val="25000"/>
+                        <a:buFont typeface="Calibri" panose="020F0502020204030204"/>
+                        <a:buNone/>
+                      </a:pPr>
+                      <a:r>
+                        <a:rPr lang="en-US" altLang="ja-JP" sz="1800" u="none" strike="noStrike" cap="none" dirty="0" smtClean="0"/>
+                        <a:t>Item3</a:t>
+                      </a:r>
+                      <a:endParaRPr lang="ja-JP" sz="1800" u="none" strike="noStrike" cap="none" dirty="0"/>
+                    </a:p>
+                  </a:txBody>
+                  <a:tcPr marL="91450" marR="91450" marT="45725" marB="45725"/>
+                </a:tc>
+                <a:tc>
+                  <a:txBody>
+                    <a:bodyPr/>
+                    <a:p>
+                      <a:pPr marL="0" marR="0" lvl="0" indent="0" algn="l" rtl="0">
+                        <a:lnSpc>
+                          <a:spcPct val="100000"/>
+                        </a:lnSpc>
+                        <a:spcBef>
+                          <a:spcPts val="0"/>
+                        </a:spcBef>
+                        <a:spcAft>
+                          <a:spcPts val="0"/>
+                        </a:spcAft>
+                        <a:buClr>
+                          <a:schemeClr val="dk1"/>
+                        </a:buClr>
+                        <a:buSzPct val="25000"/>
+                        <a:buFont typeface="Calibri" panose="020F0502020204030204"/>
+                        <a:buNone/>
+                      </a:pPr>
+                      <a:r>
+                        <a:rPr lang="en-US" altLang="ja-JP" sz="1800" u="none" strike="noStrike" cap="none" dirty="0" smtClean="0"/>
+                        <a:t>Item4</a:t>
+                      </a:r>
+                      <a:endParaRPr lang="ja-JP" sz="1800" u="none" strike="noStrike" cap="none" dirty="0"/>
+                    </a:p>
+                  </a:txBody>
+                  <a:tcPr marL="91450" marR="91450" marT="45725" marB="45725"/>
+                </a:tc>
+                <a:tc>
+                  <a:txBody>
+                    <a:bodyPr/>
+                    <a:p>
+                      <a:pPr marL="0" marR="0" lvl="0" indent="0" algn="l" rtl="0">
+                        <a:lnSpc>
+                          <a:spcPct val="100000"/>
+                        </a:lnSpc>
+                        <a:spcBef>
+                          <a:spcPts val="0"/>
+                        </a:spcBef>
+                        <a:spcAft>
+                          <a:spcPts val="0"/>
+                        </a:spcAft>
+                        <a:buClr>
+                          <a:schemeClr val="dk1"/>
+                        </a:buClr>
+                        <a:buSzPct val="25000"/>
+                        <a:buFont typeface="Calibri" panose="020F0502020204030204"/>
+                        <a:buNone/>
+                      </a:pPr>
+                      <a:r>
+                        <a:rPr lang="en-US" altLang="ja-JP" sz="1800" u="none" strike="noStrike" cap="none" dirty="0" smtClean="0"/>
+                        <a:t>Item5</a:t>
+                      </a:r>
+                      <a:endParaRPr lang="ja-JP" sz="1800" u="none" strike="noStrike" cap="none" dirty="0"/>
+                    </a:p>
+                  </a:txBody>
+                  <a:tcPr marL="91450" marR="91450" marT="45725" marB="45725"/>
+                </a:tc>
+              </a:tr>
+              <a:tr h="476885">
+                <a:tc>
+                  <a:txBody>
+                    <a:bodyPr/>
+                    <a:p>
+                      <a:pPr marL="0" marR="0" lvl="0" indent="0" algn="l" rtl="0">
+                        <a:lnSpc>
+                          <a:spcPct val="100000"/>
+                        </a:lnSpc>
+                        <a:spcBef>
+                          <a:spcPts val="0"/>
+                        </a:spcBef>
+                        <a:spcAft>
+                          <a:spcPts val="0"/>
+                        </a:spcAft>
+                        <a:buClr>
+                          <a:schemeClr val="dk1"/>
+                        </a:buClr>
+                        <a:buSzPct val="25000"/>
+                        <a:buFont typeface="Calibri" panose="020F0502020204030204"/>
+                        <a:buNone/>
+                      </a:pPr>
+                      <a:r>
+                        <a:rPr lang="ja-JP" sz="1800" u="none" strike="noStrike" cap="none"/>
+                        <a:t>UserA</a:t>
+                      </a:r>
+                      <a:endParaRPr lang="ja-JP" sz="1800" u="none" strike="noStrike" cap="none"/>
+                    </a:p>
+                  </a:txBody>
+                  <a:tcPr marL="91450" marR="91450" marT="45725" marB="45725"/>
+                </a:tc>
+                <a:tc>
+                  <a:txBody>
+                    <a:bodyPr/>
+                    <a:p>
+                      <a:pPr marL="0" marR="0" lvl="0" indent="0" algn="l" rtl="0">
+                        <a:lnSpc>
+                          <a:spcPct val="100000"/>
+                        </a:lnSpc>
+                        <a:spcBef>
+                          <a:spcPts val="0"/>
+                        </a:spcBef>
+                        <a:spcAft>
+                          <a:spcPts val="0"/>
+                        </a:spcAft>
+                        <a:buClr>
+                          <a:schemeClr val="dk1"/>
+                        </a:buClr>
+                        <a:buSzPct val="25000"/>
+                        <a:buFont typeface="Calibri" panose="020F0502020204030204"/>
+                        <a:buNone/>
+                      </a:pPr>
+                      <a:r>
+                        <a:rPr lang="ja-JP" sz="1800" u="none" strike="noStrike" cap="none" dirty="0"/>
+                        <a:t>1</a:t>
+                      </a:r>
+                      <a:endParaRPr lang="ja-JP" sz="1800" u="none" strike="noStrike" cap="none" dirty="0"/>
+                    </a:p>
+                  </a:txBody>
+                  <a:tcPr marL="91450" marR="91450" marT="45725" marB="45725"/>
+                </a:tc>
+                <a:tc>
+                  <a:txBody>
+                    <a:bodyPr/>
+                    <a:p>
+                      <a:pPr marL="0" marR="0" lvl="0" indent="0" algn="l" rtl="0">
+                        <a:lnSpc>
+                          <a:spcPct val="100000"/>
+                        </a:lnSpc>
+                        <a:spcBef>
+                          <a:spcPts val="0"/>
+                        </a:spcBef>
+                        <a:spcAft>
+                          <a:spcPts val="0"/>
+                        </a:spcAft>
+                        <a:buClr>
+                          <a:schemeClr val="dk1"/>
+                        </a:buClr>
+                        <a:buSzPct val="25000"/>
+                        <a:buFont typeface="Calibri" panose="020F0502020204030204"/>
+                        <a:buNone/>
+                      </a:pPr>
+                      <a:endParaRPr lang="ja-JP" sz="1800" u="none" strike="noStrike" cap="none"/>
+                    </a:p>
+                  </a:txBody>
+                  <a:tcPr marL="91450" marR="91450" marT="45725" marB="45725"/>
+                </a:tc>
+                <a:tc>
+                  <a:txBody>
+                    <a:bodyPr/>
+                    <a:p>
+                      <a:pPr marL="0" marR="0" lvl="0" indent="0" algn="l" rtl="0">
+                        <a:lnSpc>
+                          <a:spcPct val="100000"/>
+                        </a:lnSpc>
+                        <a:spcBef>
+                          <a:spcPts val="0"/>
+                        </a:spcBef>
+                        <a:spcAft>
+                          <a:spcPts val="0"/>
+                        </a:spcAft>
+                        <a:buClr>
+                          <a:schemeClr val="dk1"/>
+                        </a:buClr>
+                        <a:buSzPct val="25000"/>
+                        <a:buFont typeface="Calibri" panose="020F0502020204030204"/>
+                        <a:buNone/>
+                      </a:pPr>
+                      <a:r>
+                        <a:rPr lang="ja-JP" sz="1800" u="none" strike="noStrike" cap="none"/>
+                        <a:t>1</a:t>
+                      </a:r>
+                      <a:endParaRPr lang="ja-JP" sz="1800" u="none" strike="noStrike" cap="none"/>
+                    </a:p>
+                  </a:txBody>
+                  <a:tcPr marL="91450" marR="91450" marT="45725" marB="45725"/>
+                </a:tc>
+                <a:tc>
+                  <a:txBody>
+                    <a:bodyPr/>
+                    <a:p>
+                      <a:pPr marL="0" marR="0" lvl="0" indent="0" algn="l" rtl="0">
+                        <a:lnSpc>
+                          <a:spcPct val="100000"/>
+                        </a:lnSpc>
+                        <a:spcBef>
+                          <a:spcPts val="0"/>
+                        </a:spcBef>
+                        <a:spcAft>
+                          <a:spcPts val="0"/>
+                        </a:spcAft>
+                        <a:buClr>
+                          <a:schemeClr val="dk1"/>
+                        </a:buClr>
+                        <a:buSzPct val="25000"/>
+                        <a:buFont typeface="Calibri" panose="020F0502020204030204"/>
+                        <a:buNone/>
+                      </a:pPr>
+                      <a:endParaRPr lang="ja-JP" sz="1800" u="none" strike="noStrike" cap="none"/>
+                    </a:p>
+                  </a:txBody>
+                  <a:tcPr marL="91450" marR="91450" marT="45725" marB="45725"/>
+                </a:tc>
+                <a:tc>
+                  <a:txBody>
+                    <a:bodyPr/>
+                    <a:p>
+                      <a:pPr marL="0" marR="0" lvl="0" indent="0" algn="l" rtl="0">
+                        <a:lnSpc>
+                          <a:spcPct val="100000"/>
+                        </a:lnSpc>
+                        <a:spcBef>
+                          <a:spcPts val="0"/>
+                        </a:spcBef>
+                        <a:spcAft>
+                          <a:spcPts val="0"/>
+                        </a:spcAft>
+                        <a:buClr>
+                          <a:schemeClr val="dk1"/>
+                        </a:buClr>
+                        <a:buSzPct val="25000"/>
+                        <a:buFont typeface="Calibri" panose="020F0502020204030204"/>
+                        <a:buNone/>
+                      </a:pPr>
+                      <a:r>
+                        <a:rPr lang="ja-JP" sz="1800" u="none" strike="noStrike" cap="none"/>
+                        <a:t>1</a:t>
+                      </a:r>
+                      <a:endParaRPr lang="ja-JP" sz="1800" u="none" strike="noStrike" cap="none"/>
+                    </a:p>
+                  </a:txBody>
+                  <a:tcPr marL="91450" marR="91450" marT="45725" marB="45725"/>
+                </a:tc>
+              </a:tr>
+              <a:tr h="476885">
+                <a:tc>
+                  <a:txBody>
+                    <a:bodyPr/>
+                    <a:p>
+                      <a:pPr marL="0" marR="0" lvl="0" indent="0" algn="l" rtl="0">
+                        <a:lnSpc>
+                          <a:spcPct val="100000"/>
+                        </a:lnSpc>
+                        <a:spcBef>
+                          <a:spcPts val="0"/>
+                        </a:spcBef>
+                        <a:spcAft>
+                          <a:spcPts val="0"/>
+                        </a:spcAft>
+                        <a:buClr>
+                          <a:schemeClr val="dk1"/>
+                        </a:buClr>
+                        <a:buSzPct val="25000"/>
+                        <a:buFont typeface="Calibri" panose="020F0502020204030204"/>
+                        <a:buNone/>
+                      </a:pPr>
+                      <a:r>
+                        <a:rPr lang="ja-JP" sz="1800" u="none" strike="noStrike" cap="none"/>
+                        <a:t>UserB</a:t>
+                      </a:r>
+                      <a:endParaRPr lang="ja-JP" sz="1800" u="none" strike="noStrike" cap="none"/>
+                    </a:p>
+                  </a:txBody>
+                  <a:tcPr marL="91450" marR="91450" marT="45725" marB="45725"/>
+                </a:tc>
+                <a:tc>
+                  <a:txBody>
+                    <a:bodyPr/>
+                    <a:p>
+                      <a:pPr marL="0" marR="0" lvl="0" indent="0" algn="l" rtl="0">
+                        <a:lnSpc>
+                          <a:spcPct val="100000"/>
+                        </a:lnSpc>
+                        <a:spcBef>
+                          <a:spcPts val="0"/>
+                        </a:spcBef>
+                        <a:spcAft>
+                          <a:spcPts val="0"/>
+                        </a:spcAft>
+                        <a:buClr>
+                          <a:schemeClr val="dk1"/>
+                        </a:buClr>
+                        <a:buSzPct val="25000"/>
+                        <a:buFont typeface="Calibri" panose="020F0502020204030204"/>
+                        <a:buNone/>
+                      </a:pPr>
+                      <a:endParaRPr lang="ja-JP" sz="1800" u="none" strike="noStrike" cap="none"/>
+                    </a:p>
+                  </a:txBody>
+                  <a:tcPr marL="91450" marR="91450" marT="45725" marB="45725"/>
+                </a:tc>
+                <a:tc>
+                  <a:txBody>
+                    <a:bodyPr/>
+                    <a:p>
+                      <a:pPr marL="0" marR="0" lvl="0" indent="0" algn="l" rtl="0">
+                        <a:lnSpc>
+                          <a:spcPct val="100000"/>
+                        </a:lnSpc>
+                        <a:spcBef>
+                          <a:spcPts val="0"/>
+                        </a:spcBef>
+                        <a:spcAft>
+                          <a:spcPts val="0"/>
+                        </a:spcAft>
+                        <a:buClr>
+                          <a:schemeClr val="dk1"/>
+                        </a:buClr>
+                        <a:buSzPct val="25000"/>
+                        <a:buFont typeface="Calibri" panose="020F0502020204030204"/>
+                        <a:buNone/>
+                      </a:pPr>
+                      <a:r>
+                        <a:rPr lang="ja-JP" sz="1800" u="none" strike="noStrike" cap="none"/>
+                        <a:t>1</a:t>
+                      </a:r>
+                      <a:endParaRPr lang="ja-JP" sz="1800" u="none" strike="noStrike" cap="none"/>
+                    </a:p>
+                  </a:txBody>
+                  <a:tcPr marL="91450" marR="91450" marT="45725" marB="45725"/>
+                </a:tc>
+                <a:tc>
+                  <a:txBody>
+                    <a:bodyPr/>
+                    <a:p>
+                      <a:pPr marL="0" marR="0" lvl="0" indent="0" algn="l" rtl="0">
+                        <a:lnSpc>
+                          <a:spcPct val="100000"/>
+                        </a:lnSpc>
+                        <a:spcBef>
+                          <a:spcPts val="0"/>
+                        </a:spcBef>
+                        <a:spcAft>
+                          <a:spcPts val="0"/>
+                        </a:spcAft>
+                        <a:buClr>
+                          <a:schemeClr val="dk1"/>
+                        </a:buClr>
+                        <a:buSzPct val="25000"/>
+                        <a:buFont typeface="Calibri" panose="020F0502020204030204"/>
+                        <a:buNone/>
+                      </a:pPr>
+                      <a:r>
+                        <a:rPr lang="ja-JP" sz="1800" u="none" strike="noStrike" cap="none"/>
+                        <a:t>1</a:t>
+                      </a:r>
+                      <a:endParaRPr lang="ja-JP" sz="1800" u="none" strike="noStrike" cap="none"/>
+                    </a:p>
+                  </a:txBody>
+                  <a:tcPr marL="91450" marR="91450" marT="45725" marB="45725"/>
+                </a:tc>
+                <a:tc>
+                  <a:txBody>
+                    <a:bodyPr/>
+                    <a:p>
+                      <a:pPr marL="0" marR="0" lvl="0" indent="0" algn="l" rtl="0">
+                        <a:lnSpc>
+                          <a:spcPct val="100000"/>
+                        </a:lnSpc>
+                        <a:spcBef>
+                          <a:spcPts val="0"/>
+                        </a:spcBef>
+                        <a:spcAft>
+                          <a:spcPts val="0"/>
+                        </a:spcAft>
+                        <a:buClr>
+                          <a:schemeClr val="dk1"/>
+                        </a:buClr>
+                        <a:buSzPct val="25000"/>
+                        <a:buFont typeface="Calibri" panose="020F0502020204030204"/>
+                        <a:buNone/>
+                      </a:pPr>
+                      <a:endParaRPr lang="ja-JP" sz="1800" u="none" strike="noStrike" cap="none"/>
+                    </a:p>
+                  </a:txBody>
+                  <a:tcPr marL="91450" marR="91450" marT="45725" marB="45725"/>
+                </a:tc>
+                <a:tc>
+                  <a:txBody>
+                    <a:bodyPr/>
+                    <a:p>
+                      <a:pPr marL="0" marR="0" lvl="0" indent="0" algn="l" rtl="0">
+                        <a:lnSpc>
+                          <a:spcPct val="100000"/>
+                        </a:lnSpc>
+                        <a:spcBef>
+                          <a:spcPts val="0"/>
+                        </a:spcBef>
+                        <a:spcAft>
+                          <a:spcPts val="0"/>
+                        </a:spcAft>
+                        <a:buClr>
+                          <a:schemeClr val="dk1"/>
+                        </a:buClr>
+                        <a:buSzPct val="25000"/>
+                        <a:buFont typeface="Calibri" panose="020F0502020204030204"/>
+                        <a:buNone/>
+                      </a:pPr>
+                      <a:r>
+                        <a:rPr lang="ja-JP" sz="1800" u="none" strike="noStrike" cap="none"/>
+                        <a:t>1</a:t>
+                      </a:r>
+                      <a:endParaRPr lang="ja-JP" sz="1800" u="none" strike="noStrike" cap="none"/>
+                    </a:p>
+                  </a:txBody>
+                  <a:tcPr marL="91450" marR="91450" marT="45725" marB="45725"/>
+                </a:tc>
+              </a:tr>
+              <a:tr h="476885">
+                <a:tc>
+                  <a:txBody>
+                    <a:bodyPr/>
+                    <a:p>
+                      <a:pPr marL="0" marR="0" lvl="0" indent="0" algn="l" rtl="0">
+                        <a:lnSpc>
+                          <a:spcPct val="100000"/>
+                        </a:lnSpc>
+                        <a:spcBef>
+                          <a:spcPts val="0"/>
+                        </a:spcBef>
+                        <a:spcAft>
+                          <a:spcPts val="0"/>
+                        </a:spcAft>
+                        <a:buClr>
+                          <a:schemeClr val="dk1"/>
+                        </a:buClr>
+                        <a:buSzPct val="25000"/>
+                        <a:buFont typeface="Calibri" panose="020F0502020204030204"/>
+                        <a:buNone/>
+                      </a:pPr>
+                      <a:r>
+                        <a:rPr lang="ja-JP" sz="1800" u="none" strike="noStrike" cap="none"/>
+                        <a:t>UserC</a:t>
+                      </a:r>
+                      <a:endParaRPr lang="ja-JP" sz="1800" u="none" strike="noStrike" cap="none"/>
+                    </a:p>
+                  </a:txBody>
+                  <a:tcPr marL="91450" marR="91450" marT="45725" marB="45725"/>
+                </a:tc>
+                <a:tc>
+                  <a:txBody>
+                    <a:bodyPr/>
+                    <a:p>
+                      <a:pPr marL="0" marR="0" lvl="0" indent="0" algn="l" rtl="0">
+                        <a:lnSpc>
+                          <a:spcPct val="100000"/>
+                        </a:lnSpc>
+                        <a:spcBef>
+                          <a:spcPts val="0"/>
+                        </a:spcBef>
+                        <a:spcAft>
+                          <a:spcPts val="0"/>
+                        </a:spcAft>
+                        <a:buClr>
+                          <a:schemeClr val="dk1"/>
+                        </a:buClr>
+                        <a:buSzPct val="25000"/>
+                        <a:buFont typeface="Calibri" panose="020F0502020204030204"/>
+                        <a:buNone/>
+                      </a:pPr>
+                      <a:r>
+                        <a:rPr lang="ja-JP" sz="1800" u="none" strike="noStrike" cap="none"/>
+                        <a:t>1</a:t>
+                      </a:r>
+                      <a:endParaRPr lang="ja-JP" sz="1800" u="none" strike="noStrike" cap="none"/>
+                    </a:p>
+                  </a:txBody>
+                  <a:tcPr marL="91450" marR="91450" marT="45725" marB="45725"/>
+                </a:tc>
+                <a:tc>
+                  <a:txBody>
+                    <a:bodyPr/>
+                    <a:p>
+                      <a:pPr marL="0" marR="0" lvl="0" indent="0" algn="l" rtl="0">
+                        <a:lnSpc>
+                          <a:spcPct val="100000"/>
+                        </a:lnSpc>
+                        <a:spcBef>
+                          <a:spcPts val="0"/>
+                        </a:spcBef>
+                        <a:spcAft>
+                          <a:spcPts val="0"/>
+                        </a:spcAft>
+                        <a:buClr>
+                          <a:schemeClr val="dk1"/>
+                        </a:buClr>
+                        <a:buSzPct val="25000"/>
+                        <a:buFont typeface="Calibri" panose="020F0502020204030204"/>
+                        <a:buNone/>
+                      </a:pPr>
+                      <a:r>
+                        <a:rPr lang="ja-JP" sz="1800" u="none" strike="noStrike" cap="none"/>
+                        <a:t>1</a:t>
+                      </a:r>
+                      <a:endParaRPr lang="ja-JP" sz="1800" u="none" strike="noStrike" cap="none"/>
+                    </a:p>
+                  </a:txBody>
+                  <a:tcPr marL="91450" marR="91450" marT="45725" marB="45725"/>
+                </a:tc>
+                <a:tc>
+                  <a:txBody>
+                    <a:bodyPr/>
+                    <a:p>
+                      <a:pPr marL="0" marR="0" lvl="0" indent="0" algn="l" rtl="0">
+                        <a:lnSpc>
+                          <a:spcPct val="100000"/>
+                        </a:lnSpc>
+                        <a:spcBef>
+                          <a:spcPts val="0"/>
+                        </a:spcBef>
+                        <a:spcAft>
+                          <a:spcPts val="0"/>
+                        </a:spcAft>
+                        <a:buClr>
+                          <a:schemeClr val="dk1"/>
+                        </a:buClr>
+                        <a:buSzPct val="25000"/>
+                        <a:buFont typeface="Calibri" panose="020F0502020204030204"/>
+                        <a:buNone/>
+                      </a:pPr>
+                      <a:endParaRPr lang="ja-JP" sz="1800" u="none" strike="noStrike" cap="none"/>
+                    </a:p>
+                  </a:txBody>
+                  <a:tcPr marL="91450" marR="91450" marT="45725" marB="45725"/>
+                </a:tc>
+                <a:tc>
+                  <a:txBody>
+                    <a:bodyPr/>
+                    <a:p>
+                      <a:pPr marL="0" marR="0" lvl="0" indent="0" algn="l" rtl="0">
+                        <a:lnSpc>
+                          <a:spcPct val="100000"/>
+                        </a:lnSpc>
+                        <a:spcBef>
+                          <a:spcPts val="0"/>
+                        </a:spcBef>
+                        <a:spcAft>
+                          <a:spcPts val="0"/>
+                        </a:spcAft>
+                        <a:buClr>
+                          <a:schemeClr val="dk1"/>
+                        </a:buClr>
+                        <a:buSzPct val="25000"/>
+                        <a:buFont typeface="Calibri" panose="020F0502020204030204"/>
+                        <a:buNone/>
+                      </a:pPr>
+                      <a:endParaRPr lang="ja-JP" sz="1800" u="none" strike="noStrike" cap="none"/>
+                    </a:p>
+                  </a:txBody>
+                  <a:tcPr marL="91450" marR="91450" marT="45725" marB="45725"/>
+                </a:tc>
+                <a:tc>
+                  <a:txBody>
+                    <a:bodyPr/>
+                    <a:p>
+                      <a:pPr marL="0" marR="0" lvl="0" indent="0" algn="l" rtl="0">
+                        <a:lnSpc>
+                          <a:spcPct val="100000"/>
+                        </a:lnSpc>
+                        <a:spcBef>
+                          <a:spcPts val="0"/>
+                        </a:spcBef>
+                        <a:spcAft>
+                          <a:spcPts val="0"/>
+                        </a:spcAft>
+                        <a:buClr>
+                          <a:schemeClr val="dk1"/>
+                        </a:buClr>
+                        <a:buSzPct val="25000"/>
+                        <a:buFont typeface="Calibri" panose="020F0502020204030204"/>
+                        <a:buNone/>
+                      </a:pPr>
+                      <a:endParaRPr lang="ja-JP" sz="1800" u="none" strike="noStrike" cap="none"/>
+                    </a:p>
+                  </a:txBody>
+                  <a:tcPr marL="91450" marR="91450" marT="45725" marB="45725"/>
+                </a:tc>
+              </a:tr>
+              <a:tr h="476885">
+                <a:tc>
+                  <a:txBody>
+                    <a:bodyPr/>
+                    <a:p>
+                      <a:pPr marL="0" marR="0" lvl="0" indent="0" algn="l" rtl="0">
+                        <a:lnSpc>
+                          <a:spcPct val="100000"/>
+                        </a:lnSpc>
+                        <a:spcBef>
+                          <a:spcPts val="0"/>
+                        </a:spcBef>
+                        <a:spcAft>
+                          <a:spcPts val="0"/>
+                        </a:spcAft>
+                        <a:buClr>
+                          <a:schemeClr val="dk1"/>
+                        </a:buClr>
+                        <a:buSzPct val="25000"/>
+                        <a:buFont typeface="Calibri" panose="020F0502020204030204"/>
+                        <a:buNone/>
+                      </a:pPr>
+                      <a:r>
+                        <a:rPr lang="ja-JP" sz="1800" u="none" strike="noStrike" cap="none"/>
+                        <a:t>UserD</a:t>
+                      </a:r>
+                      <a:endParaRPr lang="ja-JP" sz="1800" u="none" strike="noStrike" cap="none"/>
+                    </a:p>
+                  </a:txBody>
+                  <a:tcPr marL="91450" marR="91450" marT="45725" marB="45725"/>
+                </a:tc>
+                <a:tc>
+                  <a:txBody>
+                    <a:bodyPr/>
+                    <a:p>
+                      <a:pPr marL="0" marR="0" lvl="0" indent="0" algn="l" rtl="0">
+                        <a:lnSpc>
+                          <a:spcPct val="100000"/>
+                        </a:lnSpc>
+                        <a:spcBef>
+                          <a:spcPts val="0"/>
+                        </a:spcBef>
+                        <a:spcAft>
+                          <a:spcPts val="0"/>
+                        </a:spcAft>
+                        <a:buClr>
+                          <a:schemeClr val="dk1"/>
+                        </a:buClr>
+                        <a:buSzPct val="25000"/>
+                        <a:buFont typeface="Calibri" panose="020F0502020204030204"/>
+                        <a:buNone/>
+                      </a:pPr>
+                      <a:endParaRPr lang="ja-JP" sz="1800" u="none" strike="noStrike" cap="none"/>
+                    </a:p>
+                  </a:txBody>
+                  <a:tcPr marL="91450" marR="91450" marT="45725" marB="45725"/>
+                </a:tc>
+                <a:tc>
+                  <a:txBody>
+                    <a:bodyPr/>
+                    <a:p>
+                      <a:pPr marL="0" marR="0" lvl="0" indent="0" algn="l" rtl="0">
+                        <a:lnSpc>
+                          <a:spcPct val="100000"/>
+                        </a:lnSpc>
+                        <a:spcBef>
+                          <a:spcPts val="0"/>
+                        </a:spcBef>
+                        <a:spcAft>
+                          <a:spcPts val="0"/>
+                        </a:spcAft>
+                        <a:buClr>
+                          <a:schemeClr val="dk1"/>
+                        </a:buClr>
+                        <a:buSzPct val="25000"/>
+                        <a:buFont typeface="Calibri" panose="020F0502020204030204"/>
+                        <a:buNone/>
+                      </a:pPr>
+                      <a:endParaRPr lang="ja-JP" sz="1800" u="none" strike="noStrike" cap="none"/>
+                    </a:p>
+                  </a:txBody>
+                  <a:tcPr marL="91450" marR="91450" marT="45725" marB="45725"/>
+                </a:tc>
+                <a:tc>
+                  <a:txBody>
+                    <a:bodyPr/>
+                    <a:p>
+                      <a:pPr marL="0" marR="0" lvl="0" indent="0" algn="l" rtl="0">
+                        <a:lnSpc>
+                          <a:spcPct val="100000"/>
+                        </a:lnSpc>
+                        <a:spcBef>
+                          <a:spcPts val="0"/>
+                        </a:spcBef>
+                        <a:spcAft>
+                          <a:spcPts val="0"/>
+                        </a:spcAft>
+                        <a:buClr>
+                          <a:schemeClr val="dk1"/>
+                        </a:buClr>
+                        <a:buSzPct val="25000"/>
+                        <a:buFont typeface="Calibri" panose="020F0502020204030204"/>
+                        <a:buNone/>
+                      </a:pPr>
+                      <a:endParaRPr lang="ja-JP" sz="1800" u="none" strike="noStrike" cap="none"/>
+                    </a:p>
+                  </a:txBody>
+                  <a:tcPr marL="91450" marR="91450" marT="45725" marB="45725"/>
+                </a:tc>
+                <a:tc>
+                  <a:txBody>
+                    <a:bodyPr/>
+                    <a:p>
+                      <a:pPr marL="0" marR="0" lvl="0" indent="0" algn="l" rtl="0">
+                        <a:lnSpc>
+                          <a:spcPct val="100000"/>
+                        </a:lnSpc>
+                        <a:spcBef>
+                          <a:spcPts val="0"/>
+                        </a:spcBef>
+                        <a:spcAft>
+                          <a:spcPts val="0"/>
+                        </a:spcAft>
+                        <a:buClr>
+                          <a:schemeClr val="dk1"/>
+                        </a:buClr>
+                        <a:buSzPct val="25000"/>
+                        <a:buFont typeface="Calibri" panose="020F0502020204030204"/>
+                        <a:buNone/>
+                      </a:pPr>
+                      <a:endParaRPr lang="ja-JP" sz="1800" u="none" strike="noStrike" cap="none"/>
+                    </a:p>
+                  </a:txBody>
+                  <a:tcPr marL="91450" marR="91450" marT="45725" marB="45725"/>
+                </a:tc>
+                <a:tc>
+                  <a:txBody>
+                    <a:bodyPr/>
+                    <a:p>
+                      <a:pPr marL="0" marR="0" lvl="0" indent="0" algn="l" rtl="0">
+                        <a:lnSpc>
+                          <a:spcPct val="100000"/>
+                        </a:lnSpc>
+                        <a:spcBef>
+                          <a:spcPts val="0"/>
+                        </a:spcBef>
+                        <a:spcAft>
+                          <a:spcPts val="0"/>
+                        </a:spcAft>
+                        <a:buClr>
+                          <a:schemeClr val="dk1"/>
+                        </a:buClr>
+                        <a:buSzPct val="25000"/>
+                        <a:buFont typeface="Calibri" panose="020F0502020204030204"/>
+                        <a:buNone/>
+                      </a:pPr>
+                      <a:r>
+                        <a:rPr lang="ja-JP" sz="1800" u="none" strike="noStrike" cap="none"/>
+                        <a:t>1</a:t>
+                      </a:r>
+                      <a:endParaRPr lang="ja-JP" sz="1800" u="none" strike="noStrike" cap="none"/>
+                    </a:p>
+                  </a:txBody>
+                  <a:tcPr marL="91450" marR="91450" marT="45725" marB="45725"/>
+                </a:tc>
+              </a:tr>
+            </a:tbl>
+          </a:graphicData>
+        </a:graphic>
+      </p:graphicFrame>
+    </p:spTree>
+  </p:cSld>
+  <p:clrMapOvr>
+    <a:masterClrMapping/>
+  </p:clrMapOvr>
+</p:sld>
+</file>
+
+<file path=ppt/slides/slide3.xml><?xml version="1.0" encoding="utf-8"?>
+<p:sld xmlns:a="http://schemas.openxmlformats.org/drawingml/2006/main" xmlns:r="http://schemas.openxmlformats.org/officeDocument/2006/relationships" xmlns:p="http://schemas.openxmlformats.org/presentationml/2006/main">
+  <p:cSld>
+    <p:spTree>
+      <p:nvGrpSpPr>
+        <p:cNvPr id="1" name=""/>
+        <p:cNvGrpSpPr/>
+        <p:nvPr/>
+      </p:nvGrpSpPr>
+      <p:grpSpPr/>
+      <p:graphicFrame>
+        <p:nvGraphicFramePr>
+          <p:cNvPr id="284" name="Shape 284"/>
+          <p:cNvGraphicFramePr/>
+          <p:nvPr/>
+        </p:nvGraphicFramePr>
+        <p:xfrm>
+          <a:off x="1741170" y="1845309"/>
+          <a:ext cx="7845425" cy="2384425"/>
+        </p:xfrm>
+        <a:graphic>
+          <a:graphicData uri="http://schemas.openxmlformats.org/drawingml/2006/table">
+            <a:tbl>
+              <a:tblPr firstRow="1" bandRow="1">
+                <a:noFill/>
+                <a:tableStyleId>{C32DE16D-C30A-451B-AD78-78F5EB1C75D9}</a:tableStyleId>
+              </a:tblPr>
+              <a:tblGrid>
+                <a:gridCol w="1120775"/>
+                <a:gridCol w="1120775"/>
+                <a:gridCol w="1120775"/>
+                <a:gridCol w="1120775"/>
+                <a:gridCol w="1120775"/>
+                <a:gridCol w="1120775"/>
+              </a:tblGrid>
+              <a:tr h="476885">
+                <a:tc>
+                  <a:txBody>
+                    <a:bodyPr/>
+                    <a:p>
+                      <a:pPr marL="0" marR="0" lvl="0" indent="0" algn="l" rtl="0">
+                        <a:lnSpc>
+                          <a:spcPct val="100000"/>
+                        </a:lnSpc>
+                        <a:spcBef>
+                          <a:spcPts val="0"/>
+                        </a:spcBef>
+                        <a:spcAft>
+                          <a:spcPts val="0"/>
+                        </a:spcAft>
+                        <a:buClr>
+                          <a:schemeClr val="dk1"/>
+                        </a:buClr>
+                        <a:buSzPct val="25000"/>
+                        <a:buFont typeface="Calibri" panose="020F0502020204030204"/>
+                        <a:buNone/>
+                      </a:pPr>
+                      <a:endParaRPr sz="1800" u="none" strike="noStrike" cap="none" dirty="0"/>
+                    </a:p>
+                  </a:txBody>
+                  <a:tcPr marL="91450" marR="91450" marT="45725" marB="45725"/>
+                </a:tc>
+                <a:tc>
+                  <a:txBody>
+                    <a:bodyPr/>
+                    <a:p>
+                      <a:pPr marL="0" marR="0" lvl="0" indent="0" algn="l" rtl="0">
+                        <a:lnSpc>
+                          <a:spcPct val="100000"/>
+                        </a:lnSpc>
+                        <a:spcBef>
+                          <a:spcPts val="0"/>
+                        </a:spcBef>
+                        <a:spcAft>
+                          <a:spcPts val="0"/>
+                        </a:spcAft>
+                        <a:buClr>
+                          <a:schemeClr val="dk1"/>
+                        </a:buClr>
+                        <a:buSzPct val="25000"/>
+                        <a:buFont typeface="Calibri" panose="020F0502020204030204"/>
+                        <a:buNone/>
+                      </a:pPr>
+                      <a:r>
+                        <a:rPr lang="en-US" altLang="ja-JP" sz="1800" u="none" strike="noStrike" cap="none" dirty="0"/>
+                        <a:t>Item1(</a:t>
+                      </a:r>
+                      <a:r>
+                        <a:rPr lang="ja-JP" altLang="en-US" sz="1800" u="none" strike="noStrike" cap="none" dirty="0"/>
+                        <a:t>白</a:t>
+                      </a:r>
+                      <a:r>
+                        <a:rPr lang="en-US" altLang="ja-JP" sz="1800" u="none" strike="noStrike" cap="none" dirty="0"/>
+                        <a:t>)</a:t>
+                      </a:r>
+                      <a:endParaRPr lang="en-US" altLang="ja-JP" sz="1800" u="none" strike="noStrike" cap="none" dirty="0"/>
+                    </a:p>
+                  </a:txBody>
+                  <a:tcPr marL="91450" marR="91450" marT="45725" marB="45725"/>
+                </a:tc>
+                <a:tc>
+                  <a:txBody>
+                    <a:bodyPr/>
+                    <a:p>
+                      <a:pPr marL="0" marR="0" lvl="0" indent="0" algn="l" rtl="0">
+                        <a:lnSpc>
+                          <a:spcPct val="100000"/>
+                        </a:lnSpc>
+                        <a:spcBef>
+                          <a:spcPts val="0"/>
+                        </a:spcBef>
+                        <a:spcAft>
+                          <a:spcPts val="0"/>
+                        </a:spcAft>
+                        <a:buClr>
+                          <a:schemeClr val="dk1"/>
+                        </a:buClr>
+                        <a:buSzPct val="25000"/>
+                        <a:buFont typeface="Calibri" panose="020F0502020204030204"/>
+                        <a:buNone/>
+                      </a:pPr>
+                      <a:r>
+                        <a:rPr lang="en-US" altLang="ja-JP" sz="1800" dirty="0">
+                          <a:sym typeface="+mn-ea"/>
+                        </a:rPr>
+                        <a:t>Item2(</a:t>
+                      </a:r>
+                      <a:r>
+                        <a:rPr lang="ja-JP" altLang="en-US" sz="1800" dirty="0">
+                          <a:sym typeface="+mn-ea"/>
+                        </a:rPr>
+                        <a:t>白</a:t>
+                      </a:r>
+                      <a:r>
+                        <a:rPr lang="en-US" altLang="ja-JP" sz="1800" dirty="0">
+                          <a:sym typeface="+mn-ea"/>
+                        </a:rPr>
+                        <a:t>)</a:t>
+                      </a:r>
+                      <a:endParaRPr lang="ja-JP" sz="1800" u="none" strike="noStrike" cap="none" dirty="0"/>
+                    </a:p>
+                  </a:txBody>
+                  <a:tcPr marL="91450" marR="91450" marT="45725" marB="45725"/>
+                </a:tc>
+                <a:tc>
+                  <a:txBody>
+                    <a:bodyPr/>
+                    <a:p>
+                      <a:pPr marL="0" marR="0" lvl="0" indent="0" algn="l" rtl="0">
+                        <a:lnSpc>
+                          <a:spcPct val="100000"/>
+                        </a:lnSpc>
+                        <a:spcBef>
+                          <a:spcPts val="0"/>
+                        </a:spcBef>
+                        <a:spcAft>
+                          <a:spcPts val="0"/>
+                        </a:spcAft>
+                        <a:buClr>
+                          <a:schemeClr val="dk1"/>
+                        </a:buClr>
+                        <a:buSzPct val="25000"/>
+                        <a:buFont typeface="Calibri" panose="020F0502020204030204"/>
+                        <a:buNone/>
+                      </a:pPr>
+                      <a:r>
+                        <a:rPr lang="en-US" altLang="ja-JP" sz="1800" dirty="0">
+                          <a:sym typeface="+mn-ea"/>
+                        </a:rPr>
+                        <a:t>Item3(</a:t>
+                      </a:r>
+                      <a:r>
+                        <a:rPr lang="ja-JP" altLang="en-US" sz="1800" dirty="0">
+                          <a:sym typeface="+mn-ea"/>
+                        </a:rPr>
+                        <a:t>白</a:t>
+                      </a:r>
+                      <a:r>
+                        <a:rPr lang="en-US" altLang="ja-JP" sz="1800" dirty="0">
+                          <a:sym typeface="+mn-ea"/>
+                        </a:rPr>
+                        <a:t>)</a:t>
+                      </a:r>
+                      <a:endParaRPr lang="ja-JP" sz="1800" u="none" strike="noStrike" cap="none" dirty="0"/>
+                    </a:p>
+                  </a:txBody>
+                  <a:tcPr marL="91450" marR="91450" marT="45725" marB="45725"/>
+                </a:tc>
+                <a:tc>
+                  <a:txBody>
+                    <a:bodyPr/>
+                    <a:p>
+                      <a:pPr marL="0" marR="0" lvl="0" indent="0" algn="l" rtl="0">
+                        <a:lnSpc>
+                          <a:spcPct val="100000"/>
+                        </a:lnSpc>
+                        <a:spcBef>
+                          <a:spcPts val="0"/>
+                        </a:spcBef>
+                        <a:spcAft>
+                          <a:spcPts val="0"/>
+                        </a:spcAft>
+                        <a:buClr>
+                          <a:schemeClr val="dk1"/>
+                        </a:buClr>
+                        <a:buSzPct val="25000"/>
+                        <a:buFont typeface="Calibri" panose="020F0502020204030204"/>
+                        <a:buNone/>
+                      </a:pPr>
+                      <a:r>
+                        <a:rPr lang="en-US" altLang="ja-JP" sz="1800" dirty="0">
+                          <a:sym typeface="+mn-ea"/>
+                        </a:rPr>
+                        <a:t>Item4(</a:t>
+                      </a:r>
+                      <a:r>
+                        <a:rPr lang="ja-JP" altLang="en-US" sz="1800" dirty="0">
+                          <a:sym typeface="+mn-ea"/>
+                        </a:rPr>
+                        <a:t>白</a:t>
+                      </a:r>
+                      <a:r>
+                        <a:rPr lang="en-US" altLang="ja-JP" sz="1800" dirty="0">
+                          <a:sym typeface="+mn-ea"/>
+                        </a:rPr>
+                        <a:t>)</a:t>
+                      </a:r>
+                      <a:endParaRPr lang="en-US" altLang="ja-JP" sz="1800" u="none" strike="noStrike" cap="none" dirty="0"/>
+                    </a:p>
+                  </a:txBody>
+                  <a:tcPr marL="91450" marR="91450" marT="45725" marB="45725"/>
+                </a:tc>
+                <a:tc>
+                  <a:txBody>
+                    <a:bodyPr/>
+                    <a:p>
+                      <a:pPr marL="0" marR="0" lvl="0" indent="0" algn="l" rtl="0">
+                        <a:lnSpc>
+                          <a:spcPct val="100000"/>
+                        </a:lnSpc>
+                        <a:spcBef>
+                          <a:spcPts val="0"/>
+                        </a:spcBef>
+                        <a:spcAft>
+                          <a:spcPts val="0"/>
+                        </a:spcAft>
+                        <a:buClr>
+                          <a:schemeClr val="dk1"/>
+                        </a:buClr>
+                        <a:buSzPct val="25000"/>
+                        <a:buFont typeface="Calibri" panose="020F0502020204030204"/>
+                        <a:buNone/>
+                      </a:pPr>
+                      <a:r>
+                        <a:rPr lang="en-US" altLang="ja-JP" sz="1800" dirty="0">
+                          <a:sym typeface="+mn-ea"/>
+                        </a:rPr>
+                        <a:t>Item5(</a:t>
+                      </a:r>
+                      <a:r>
+                        <a:rPr lang="ja-JP" altLang="en-US" sz="1800" dirty="0">
+                          <a:sym typeface="+mn-ea"/>
+                        </a:rPr>
+                        <a:t>白</a:t>
+                      </a:r>
+                      <a:r>
+                        <a:rPr lang="en-US" altLang="ja-JP" sz="1800" dirty="0">
+                          <a:sym typeface="+mn-ea"/>
+                        </a:rPr>
+                        <a:t>)</a:t>
+                      </a:r>
+                      <a:endParaRPr lang="ja-JP" sz="1800" u="none" strike="noStrike" cap="none" dirty="0"/>
+                    </a:p>
+                  </a:txBody>
+                  <a:tcPr marL="91450" marR="91450" marT="45725" marB="45725"/>
+                </a:tc>
+              </a:tr>
+              <a:tr h="476885">
+                <a:tc>
+                  <a:txBody>
+                    <a:bodyPr/>
+                    <a:p>
+                      <a:pPr marL="0" marR="0" lvl="0" indent="0" algn="l" rtl="0">
+                        <a:lnSpc>
+                          <a:spcPct val="100000"/>
+                        </a:lnSpc>
+                        <a:spcBef>
+                          <a:spcPts val="0"/>
+                        </a:spcBef>
+                        <a:spcAft>
+                          <a:spcPts val="0"/>
+                        </a:spcAft>
+                        <a:buClr>
+                          <a:schemeClr val="dk1"/>
+                        </a:buClr>
+                        <a:buSzPct val="25000"/>
+                        <a:buFont typeface="Calibri" panose="020F0502020204030204"/>
+                        <a:buNone/>
+                      </a:pPr>
+                      <a:r>
+                        <a:rPr lang="ja-JP" sz="1800" u="none" strike="noStrike" cap="none"/>
+                        <a:t>UserA</a:t>
+                      </a:r>
+                      <a:endParaRPr lang="ja-JP" sz="1800" u="none" strike="noStrike" cap="none"/>
+                    </a:p>
+                  </a:txBody>
+                  <a:tcPr marL="91450" marR="91450" marT="45725" marB="45725"/>
+                </a:tc>
+                <a:tc>
+                  <a:txBody>
+                    <a:bodyPr/>
+                    <a:p>
+                      <a:pPr marL="0" marR="0" lvl="0" indent="0" algn="l" rtl="0">
+                        <a:lnSpc>
+                          <a:spcPct val="100000"/>
+                        </a:lnSpc>
+                        <a:spcBef>
+                          <a:spcPts val="0"/>
+                        </a:spcBef>
+                        <a:spcAft>
+                          <a:spcPts val="0"/>
+                        </a:spcAft>
+                        <a:buClr>
+                          <a:schemeClr val="dk1"/>
+                        </a:buClr>
+                        <a:buSzPct val="25000"/>
+                        <a:buFont typeface="Calibri" panose="020F0502020204030204"/>
+                        <a:buNone/>
+                      </a:pPr>
+                      <a:r>
+                        <a:rPr lang="ja-JP" sz="1800" u="none" strike="noStrike" cap="none" dirty="0"/>
+                        <a:t>1</a:t>
+                      </a:r>
+                      <a:endParaRPr lang="ja-JP" sz="1800" u="none" strike="noStrike" cap="none" dirty="0"/>
+                    </a:p>
+                  </a:txBody>
+                  <a:tcPr marL="91450" marR="91450" marT="45725" marB="45725"/>
+                </a:tc>
+                <a:tc>
+                  <a:txBody>
+                    <a:bodyPr/>
+                    <a:p>
+                      <a:pPr marL="0" marR="0" lvl="0" indent="0" algn="l" rtl="0">
+                        <a:lnSpc>
+                          <a:spcPct val="100000"/>
+                        </a:lnSpc>
+                        <a:spcBef>
+                          <a:spcPts val="0"/>
+                        </a:spcBef>
+                        <a:spcAft>
+                          <a:spcPts val="0"/>
+                        </a:spcAft>
+                        <a:buClr>
+                          <a:schemeClr val="dk1"/>
+                        </a:buClr>
+                        <a:buSzPct val="25000"/>
+                        <a:buFont typeface="Calibri" panose="020F0502020204030204"/>
+                        <a:buNone/>
+                      </a:pPr>
+                      <a:endParaRPr lang="en-US" altLang="ja-JP" sz="1800" u="none" strike="noStrike" cap="none"/>
+                    </a:p>
+                  </a:txBody>
+                  <a:tcPr marL="91450" marR="91450" marT="45725" marB="45725"/>
+                </a:tc>
+                <a:tc>
+                  <a:txBody>
+                    <a:bodyPr/>
+                    <a:p>
+                      <a:pPr marL="0" marR="0" lvl="0" indent="0" algn="l" rtl="0">
+                        <a:lnSpc>
+                          <a:spcPct val="100000"/>
+                        </a:lnSpc>
+                        <a:spcBef>
+                          <a:spcPts val="0"/>
+                        </a:spcBef>
+                        <a:spcAft>
+                          <a:spcPts val="0"/>
+                        </a:spcAft>
+                        <a:buClr>
+                          <a:schemeClr val="dk1"/>
+                        </a:buClr>
+                        <a:buSzPct val="25000"/>
+                        <a:buFont typeface="Calibri" panose="020F0502020204030204"/>
+                        <a:buNone/>
+                      </a:pPr>
+                      <a:r>
+                        <a:rPr lang="en-US" altLang="ja-JP" sz="1800" u="none" strike="noStrike" cap="none"/>
+                        <a:t>1</a:t>
+                      </a:r>
+                      <a:endParaRPr lang="en-US" altLang="ja-JP" sz="1800" u="none" strike="noStrike" cap="none"/>
+                    </a:p>
+                  </a:txBody>
+                  <a:tcPr marL="91450" marR="91450" marT="45725" marB="45725"/>
+                </a:tc>
+                <a:tc>
+                  <a:txBody>
+                    <a:bodyPr/>
+                    <a:p>
+                      <a:pPr marL="0" marR="0" lvl="0" indent="0" algn="l" rtl="0">
+                        <a:lnSpc>
+                          <a:spcPct val="100000"/>
+                        </a:lnSpc>
+                        <a:spcBef>
+                          <a:spcPts val="0"/>
+                        </a:spcBef>
+                        <a:spcAft>
+                          <a:spcPts val="0"/>
+                        </a:spcAft>
+                        <a:buClr>
+                          <a:schemeClr val="dk1"/>
+                        </a:buClr>
+                        <a:buSzPct val="25000"/>
+                        <a:buFont typeface="Calibri" panose="020F0502020204030204"/>
+                        <a:buNone/>
+                      </a:pPr>
+                      <a:endParaRPr lang="ja-JP" sz="1800" u="none" strike="noStrike" cap="none"/>
+                    </a:p>
+                  </a:txBody>
+                  <a:tcPr marL="91450" marR="91450" marT="45725" marB="45725"/>
+                </a:tc>
+                <a:tc>
+                  <a:txBody>
+                    <a:bodyPr/>
+                    <a:p>
+                      <a:pPr marL="0" marR="0" lvl="0" indent="0" algn="l" rtl="0">
+                        <a:lnSpc>
+                          <a:spcPct val="100000"/>
+                        </a:lnSpc>
+                        <a:spcBef>
+                          <a:spcPts val="0"/>
+                        </a:spcBef>
+                        <a:spcAft>
+                          <a:spcPts val="0"/>
+                        </a:spcAft>
+                        <a:buClr>
+                          <a:schemeClr val="dk1"/>
+                        </a:buClr>
+                        <a:buSzPct val="25000"/>
+                        <a:buFont typeface="Calibri" panose="020F0502020204030204"/>
+                        <a:buNone/>
+                      </a:pPr>
+                      <a:endParaRPr lang="ja-JP" sz="1800" u="none" strike="noStrike" cap="none"/>
+                    </a:p>
+                  </a:txBody>
+                  <a:tcPr marL="91450" marR="91450" marT="45725" marB="45725"/>
+                </a:tc>
+              </a:tr>
+              <a:tr h="476885">
+                <a:tc>
+                  <a:txBody>
+                    <a:bodyPr/>
+                    <a:p>
+                      <a:pPr marL="0" marR="0" lvl="0" indent="0" algn="l" rtl="0">
+                        <a:lnSpc>
+                          <a:spcPct val="100000"/>
+                        </a:lnSpc>
+                        <a:spcBef>
+                          <a:spcPts val="0"/>
+                        </a:spcBef>
+                        <a:spcAft>
+                          <a:spcPts val="0"/>
+                        </a:spcAft>
+                        <a:buClr>
+                          <a:schemeClr val="dk1"/>
+                        </a:buClr>
+                        <a:buSzPct val="25000"/>
+                        <a:buFont typeface="Calibri" panose="020F0502020204030204"/>
+                        <a:buNone/>
+                      </a:pPr>
+                      <a:r>
+                        <a:rPr lang="ja-JP" sz="1800" u="none" strike="noStrike" cap="none"/>
+                        <a:t>UserB</a:t>
+                      </a:r>
+                      <a:endParaRPr lang="ja-JP" sz="1800" u="none" strike="noStrike" cap="none"/>
+                    </a:p>
+                  </a:txBody>
+                  <a:tcPr marL="91450" marR="91450" marT="45725" marB="45725"/>
+                </a:tc>
+                <a:tc>
+                  <a:txBody>
+                    <a:bodyPr/>
+                    <a:p>
+                      <a:pPr marL="0" marR="0" lvl="0" indent="0" algn="l" rtl="0">
+                        <a:lnSpc>
+                          <a:spcPct val="100000"/>
+                        </a:lnSpc>
+                        <a:spcBef>
+                          <a:spcPts val="0"/>
+                        </a:spcBef>
+                        <a:spcAft>
+                          <a:spcPts val="0"/>
+                        </a:spcAft>
+                        <a:buClr>
+                          <a:schemeClr val="dk1"/>
+                        </a:buClr>
+                        <a:buSzPct val="25000"/>
+                        <a:buFont typeface="Calibri" panose="020F0502020204030204"/>
+                        <a:buNone/>
+                      </a:pPr>
+                      <a:endParaRPr lang="ja-JP" sz="1800" u="none" strike="noStrike" cap="none"/>
+                    </a:p>
+                  </a:txBody>
+                  <a:tcPr marL="91450" marR="91450" marT="45725" marB="45725"/>
+                </a:tc>
+                <a:tc>
+                  <a:txBody>
+                    <a:bodyPr/>
+                    <a:p>
+                      <a:pPr marL="0" marR="0" lvl="0" indent="0" algn="l" rtl="0">
+                        <a:lnSpc>
+                          <a:spcPct val="100000"/>
+                        </a:lnSpc>
+                        <a:spcBef>
+                          <a:spcPts val="0"/>
+                        </a:spcBef>
+                        <a:spcAft>
+                          <a:spcPts val="0"/>
+                        </a:spcAft>
+                        <a:buClr>
+                          <a:schemeClr val="dk1"/>
+                        </a:buClr>
+                        <a:buSzPct val="25000"/>
+                        <a:buFont typeface="Calibri" panose="020F0502020204030204"/>
+                        <a:buNone/>
+                      </a:pPr>
+                      <a:r>
+                        <a:rPr lang="en-US" altLang="ja-JP" sz="1800" u="none" strike="noStrike" cap="none"/>
+                        <a:t>1</a:t>
+                      </a:r>
+                      <a:endParaRPr lang="en-US" altLang="ja-JP" sz="1800" u="none" strike="noStrike" cap="none"/>
+                    </a:p>
+                  </a:txBody>
+                  <a:tcPr marL="91450" marR="91450" marT="45725" marB="45725"/>
+                </a:tc>
+                <a:tc>
+                  <a:txBody>
+                    <a:bodyPr/>
+                    <a:p>
+                      <a:pPr marL="0" marR="0" lvl="0" indent="0" algn="l" rtl="0">
+                        <a:lnSpc>
+                          <a:spcPct val="100000"/>
+                        </a:lnSpc>
+                        <a:spcBef>
+                          <a:spcPts val="0"/>
+                        </a:spcBef>
+                        <a:spcAft>
+                          <a:spcPts val="0"/>
+                        </a:spcAft>
+                        <a:buClr>
+                          <a:schemeClr val="dk1"/>
+                        </a:buClr>
+                        <a:buSzPct val="25000"/>
+                        <a:buFont typeface="Calibri" panose="020F0502020204030204"/>
+                        <a:buNone/>
+                      </a:pPr>
+                      <a:endParaRPr lang="en-US" altLang="ja-JP" sz="1800" u="none" strike="noStrike" cap="none"/>
+                    </a:p>
+                  </a:txBody>
+                  <a:tcPr marL="91450" marR="91450" marT="45725" marB="45725"/>
+                </a:tc>
+                <a:tc>
+                  <a:txBody>
+                    <a:bodyPr/>
+                    <a:p>
+                      <a:pPr marL="0" marR="0" lvl="0" indent="0" algn="l" rtl="0">
+                        <a:lnSpc>
+                          <a:spcPct val="100000"/>
+                        </a:lnSpc>
+                        <a:spcBef>
+                          <a:spcPts val="0"/>
+                        </a:spcBef>
+                        <a:spcAft>
+                          <a:spcPts val="0"/>
+                        </a:spcAft>
+                        <a:buClr>
+                          <a:schemeClr val="dk1"/>
+                        </a:buClr>
+                        <a:buSzPct val="25000"/>
+                        <a:buFont typeface="Calibri" panose="020F0502020204030204"/>
+                        <a:buNone/>
+                      </a:pPr>
+                      <a:endParaRPr lang="ja-JP" sz="1800" u="none" strike="noStrike" cap="none"/>
+                    </a:p>
+                  </a:txBody>
+                  <a:tcPr marL="91450" marR="91450" marT="45725" marB="45725"/>
+                </a:tc>
+                <a:tc>
+                  <a:txBody>
+                    <a:bodyPr/>
+                    <a:p>
+                      <a:pPr marL="0" marR="0" lvl="0" indent="0" algn="l" rtl="0">
+                        <a:lnSpc>
+                          <a:spcPct val="100000"/>
+                        </a:lnSpc>
+                        <a:spcBef>
+                          <a:spcPts val="0"/>
+                        </a:spcBef>
+                        <a:spcAft>
+                          <a:spcPts val="0"/>
+                        </a:spcAft>
+                        <a:buClr>
+                          <a:schemeClr val="dk1"/>
+                        </a:buClr>
+                        <a:buSzPct val="25000"/>
+                        <a:buFont typeface="Calibri" panose="020F0502020204030204"/>
+                        <a:buNone/>
+                      </a:pPr>
+                      <a:r>
+                        <a:rPr lang="en-US" altLang="ja-JP" sz="1800" u="none" strike="noStrike" cap="none"/>
+                        <a:t>1</a:t>
+                      </a:r>
+                      <a:endParaRPr lang="en-US" altLang="ja-JP" sz="1800" u="none" strike="noStrike" cap="none"/>
+                    </a:p>
+                  </a:txBody>
+                  <a:tcPr marL="91450" marR="91450" marT="45725" marB="45725"/>
+                </a:tc>
+              </a:tr>
+            </a:tbl>
+          </a:graphicData>
+        </a:graphic>
+      </p:graphicFrame>
+    </p:spTree>
+  </p:cSld>
+  <p:clrMapOvr>
+    <a:masterClrMapping/>
+  </p:clrMapOvr>
+</p:sld>
+</file>
+
+<file path=ppt/slides/slide4.xml><?xml version="1.0" encoding="utf-8"?>
+<p:sld xmlns:a="http://schemas.openxmlformats.org/drawingml/2006/main" xmlns:r="http://schemas.openxmlformats.org/officeDocument/2006/relationships" xmlns:p="http://schemas.openxmlformats.org/presentationml/2006/main">
+  <p:cSld>
+    <p:spTree>
+      <p:nvGrpSpPr>
+        <p:cNvPr id="1" name=""/>
+        <p:cNvGrpSpPr/>
+        <p:nvPr/>
+      </p:nvGrpSpPr>
+      <p:grpSpPr/>
+      <p:graphicFrame>
+        <p:nvGraphicFramePr>
+          <p:cNvPr id="284" name="Shape 284"/>
+          <p:cNvGraphicFramePr/>
+          <p:nvPr/>
+        </p:nvGraphicFramePr>
+        <p:xfrm>
+          <a:off x="1741170" y="1845309"/>
+          <a:ext cx="7845425" cy="2384425"/>
+        </p:xfrm>
+        <a:graphic>
+          <a:graphicData uri="http://schemas.openxmlformats.org/drawingml/2006/table">
+            <a:tbl>
+              <a:tblPr firstRow="1" bandRow="1">
+                <a:noFill/>
+                <a:tableStyleId>{C32DE16D-C30A-451B-AD78-78F5EB1C75D9}</a:tableStyleId>
+              </a:tblPr>
+              <a:tblGrid>
+                <a:gridCol w="1120775"/>
+                <a:gridCol w="1120775"/>
+                <a:gridCol w="1120775"/>
+                <a:gridCol w="1120775"/>
+                <a:gridCol w="1120775"/>
+                <a:gridCol w="1120775"/>
+              </a:tblGrid>
+              <a:tr h="476885">
+                <a:tc>
+                  <a:txBody>
+                    <a:bodyPr/>
+                    <a:p>
+                      <a:pPr marL="0" marR="0" lvl="0" indent="0" algn="l" rtl="0">
+                        <a:lnSpc>
+                          <a:spcPct val="100000"/>
+                        </a:lnSpc>
+                        <a:spcBef>
+                          <a:spcPts val="0"/>
+                        </a:spcBef>
+                        <a:spcAft>
+                          <a:spcPts val="0"/>
+                        </a:spcAft>
+                        <a:buClr>
+                          <a:schemeClr val="dk1"/>
+                        </a:buClr>
+                        <a:buSzPct val="25000"/>
+                        <a:buFont typeface="Calibri" panose="020F0502020204030204"/>
+                        <a:buNone/>
+                      </a:pPr>
+                      <a:endParaRPr sz="1800" u="none" strike="noStrike" cap="none" dirty="0"/>
+                    </a:p>
+                  </a:txBody>
+                  <a:tcPr marL="91450" marR="91450" marT="45725" marB="45725"/>
+                </a:tc>
+                <a:tc>
+                  <a:txBody>
+                    <a:bodyPr/>
+                    <a:p>
+                      <a:pPr marL="0" marR="0" lvl="0" indent="0" algn="l" rtl="0">
+                        <a:lnSpc>
+                          <a:spcPct val="100000"/>
+                        </a:lnSpc>
+                        <a:spcBef>
+                          <a:spcPts val="0"/>
+                        </a:spcBef>
+                        <a:spcAft>
+                          <a:spcPts val="0"/>
+                        </a:spcAft>
+                        <a:buClr>
+                          <a:schemeClr val="dk1"/>
+                        </a:buClr>
+                        <a:buSzPct val="25000"/>
+                        <a:buFont typeface="Calibri" panose="020F0502020204030204"/>
+                        <a:buNone/>
+                      </a:pPr>
+                      <a:r>
+                        <a:rPr lang="en-US" altLang="ja-JP" sz="1800" u="none" strike="noStrike" cap="none" dirty="0" smtClean="0"/>
+                        <a:t>AM</a:t>
+                      </a:r>
+                      <a:endParaRPr lang="ja-JP" sz="1800" u="none" strike="noStrike" cap="none" dirty="0"/>
+                    </a:p>
+                  </a:txBody>
+                  <a:tcPr marL="91450" marR="91450" marT="45725" marB="45725"/>
+                </a:tc>
+                <a:tc>
+                  <a:txBody>
+                    <a:bodyPr/>
+                    <a:p>
+                      <a:pPr marL="0" marR="0" lvl="0" indent="0" algn="l" rtl="0">
+                        <a:lnSpc>
+                          <a:spcPct val="100000"/>
+                        </a:lnSpc>
+                        <a:spcBef>
+                          <a:spcPts val="0"/>
+                        </a:spcBef>
+                        <a:spcAft>
+                          <a:spcPts val="0"/>
+                        </a:spcAft>
+                        <a:buClr>
+                          <a:schemeClr val="dk1"/>
+                        </a:buClr>
+                        <a:buSzPct val="25000"/>
+                        <a:buFont typeface="Calibri" panose="020F0502020204030204"/>
+                        <a:buNone/>
+                      </a:pPr>
+                      <a:r>
+                        <a:rPr lang="en-US" altLang="ja-JP" sz="1800" u="none" strike="noStrike" cap="none" dirty="0" smtClean="0"/>
+                        <a:t>CM</a:t>
+                      </a:r>
+                      <a:endParaRPr lang="ja-JP" sz="1800" u="none" strike="noStrike" cap="none" dirty="0"/>
+                    </a:p>
+                  </a:txBody>
+                  <a:tcPr marL="91450" marR="91450" marT="45725" marB="45725"/>
+                </a:tc>
+                <a:tc>
+                  <a:txBody>
+                    <a:bodyPr/>
+                    <a:p>
+                      <a:pPr marL="0" marR="0" lvl="0" indent="0" algn="l" rtl="0">
+                        <a:lnSpc>
+                          <a:spcPct val="100000"/>
+                        </a:lnSpc>
+                        <a:spcBef>
+                          <a:spcPts val="0"/>
+                        </a:spcBef>
+                        <a:spcAft>
+                          <a:spcPts val="0"/>
+                        </a:spcAft>
+                        <a:buClr>
+                          <a:schemeClr val="dk1"/>
+                        </a:buClr>
+                        <a:buSzPct val="25000"/>
+                        <a:buFont typeface="Calibri" panose="020F0502020204030204"/>
+                        <a:buNone/>
+                      </a:pPr>
+                      <a:r>
+                        <a:rPr lang="en-US" altLang="ja-JP" sz="1800" u="none" strike="noStrike" cap="none" dirty="0" smtClean="0"/>
+                        <a:t>DM</a:t>
+                      </a:r>
+                      <a:endParaRPr lang="ja-JP" sz="1800" u="none" strike="noStrike" cap="none" dirty="0"/>
+                    </a:p>
+                  </a:txBody>
+                  <a:tcPr marL="91450" marR="91450" marT="45725" marB="45725"/>
+                </a:tc>
+                <a:tc>
+                  <a:txBody>
+                    <a:bodyPr/>
+                    <a:p>
+                      <a:pPr marL="0" marR="0" lvl="0" indent="0" algn="l" rtl="0">
+                        <a:lnSpc>
+                          <a:spcPct val="100000"/>
+                        </a:lnSpc>
+                        <a:spcBef>
+                          <a:spcPts val="0"/>
+                        </a:spcBef>
+                        <a:spcAft>
+                          <a:spcPts val="0"/>
+                        </a:spcAft>
+                        <a:buClr>
+                          <a:schemeClr val="dk1"/>
+                        </a:buClr>
+                        <a:buSzPct val="25000"/>
+                        <a:buFont typeface="Calibri" panose="020F0502020204030204"/>
+                        <a:buNone/>
+                      </a:pPr>
+                      <a:r>
+                        <a:rPr lang="en-US" altLang="ja-JP" sz="1800" u="none" strike="noStrike" cap="none" dirty="0"/>
+                        <a:t>HM</a:t>
+                      </a:r>
+                      <a:endParaRPr lang="en-US" altLang="ja-JP" sz="1800" u="none" strike="noStrike" cap="none" dirty="0"/>
+                    </a:p>
+                  </a:txBody>
+                  <a:tcPr marL="91450" marR="91450" marT="45725" marB="45725"/>
+                </a:tc>
+                <a:tc>
+                  <a:txBody>
+                    <a:bodyPr/>
+                    <a:p>
+                      <a:pPr marL="0" marR="0" lvl="0" indent="0" algn="l" rtl="0">
+                        <a:lnSpc>
+                          <a:spcPct val="100000"/>
+                        </a:lnSpc>
+                        <a:spcBef>
+                          <a:spcPts val="0"/>
+                        </a:spcBef>
+                        <a:spcAft>
+                          <a:spcPts val="0"/>
+                        </a:spcAft>
+                        <a:buClr>
+                          <a:schemeClr val="dk1"/>
+                        </a:buClr>
+                        <a:buSzPct val="25000"/>
+                        <a:buFont typeface="Calibri" panose="020F0502020204030204"/>
+                        <a:buNone/>
+                      </a:pPr>
+                      <a:r>
+                        <a:rPr lang="en-US" altLang="ja-JP" sz="1800" u="none" strike="noStrike" cap="none" dirty="0" smtClean="0"/>
+                        <a:t>GM</a:t>
+                      </a:r>
+                      <a:endParaRPr lang="ja-JP" sz="1800" u="none" strike="noStrike" cap="none" dirty="0"/>
+                    </a:p>
+                  </a:txBody>
+                  <a:tcPr marL="91450" marR="91450" marT="45725" marB="45725"/>
+                </a:tc>
+              </a:tr>
+              <a:tr h="476885">
+                <a:tc>
+                  <a:txBody>
+                    <a:bodyPr/>
+                    <a:p>
+                      <a:pPr marL="0" marR="0" lvl="0" indent="0" algn="l" rtl="0">
+                        <a:lnSpc>
+                          <a:spcPct val="100000"/>
+                        </a:lnSpc>
+                        <a:spcBef>
+                          <a:spcPts val="0"/>
+                        </a:spcBef>
+                        <a:spcAft>
+                          <a:spcPts val="0"/>
+                        </a:spcAft>
+                        <a:buClr>
+                          <a:schemeClr val="dk1"/>
+                        </a:buClr>
+                        <a:buSzPct val="25000"/>
+                        <a:buFont typeface="Calibri" panose="020F0502020204030204"/>
+                        <a:buNone/>
+                      </a:pPr>
+                      <a:r>
+                        <a:rPr lang="ja-JP" sz="1800" u="none" strike="noStrike" cap="none"/>
+                        <a:t>UserA</a:t>
+                      </a:r>
+                      <a:endParaRPr lang="ja-JP" sz="1800" u="none" strike="noStrike" cap="none"/>
+                    </a:p>
+                  </a:txBody>
+                  <a:tcPr marL="91450" marR="91450" marT="45725" marB="45725"/>
+                </a:tc>
+                <a:tc>
+                  <a:txBody>
+                    <a:bodyPr/>
+                    <a:p>
+                      <a:pPr marL="0" marR="0" lvl="0" indent="0" algn="l" rtl="0">
+                        <a:lnSpc>
+                          <a:spcPct val="100000"/>
+                        </a:lnSpc>
+                        <a:spcBef>
+                          <a:spcPts val="0"/>
+                        </a:spcBef>
+                        <a:spcAft>
+                          <a:spcPts val="0"/>
+                        </a:spcAft>
+                        <a:buClr>
+                          <a:schemeClr val="dk1"/>
+                        </a:buClr>
+                        <a:buSzPct val="25000"/>
+                        <a:buFont typeface="Calibri" panose="020F0502020204030204"/>
+                        <a:buNone/>
+                      </a:pPr>
+                      <a:r>
+                        <a:rPr lang="ja-JP" sz="1800" u="none" strike="noStrike" cap="none" dirty="0"/>
+                        <a:t>1</a:t>
+                      </a:r>
+                      <a:endParaRPr lang="ja-JP" sz="1800" u="none" strike="noStrike" cap="none" dirty="0"/>
+                    </a:p>
+                  </a:txBody>
+                  <a:tcPr marL="91450" marR="91450" marT="45725" marB="45725"/>
+                </a:tc>
+                <a:tc>
+                  <a:txBody>
+                    <a:bodyPr/>
+                    <a:p>
+                      <a:pPr marL="0" marR="0" lvl="0" indent="0" algn="l" rtl="0">
+                        <a:lnSpc>
+                          <a:spcPct val="100000"/>
+                        </a:lnSpc>
+                        <a:spcBef>
+                          <a:spcPts val="0"/>
+                        </a:spcBef>
+                        <a:spcAft>
+                          <a:spcPts val="0"/>
+                        </a:spcAft>
+                        <a:buClr>
+                          <a:schemeClr val="dk1"/>
+                        </a:buClr>
+                        <a:buSzPct val="25000"/>
+                        <a:buFont typeface="Calibri" panose="020F0502020204030204"/>
+                        <a:buNone/>
+                      </a:pPr>
+                      <a:r>
+                        <a:rPr lang="en-US" altLang="ja-JP" sz="1800" u="none" strike="noStrike" cap="none"/>
+                        <a:t>5</a:t>
+                      </a:r>
+                      <a:endParaRPr lang="en-US" altLang="ja-JP" sz="1800" u="none" strike="noStrike" cap="none"/>
+                    </a:p>
+                  </a:txBody>
+                  <a:tcPr marL="91450" marR="91450" marT="45725" marB="45725"/>
+                </a:tc>
+                <a:tc>
+                  <a:txBody>
+                    <a:bodyPr/>
+                    <a:p>
+                      <a:pPr marL="0" marR="0" lvl="0" indent="0" algn="l" rtl="0">
+                        <a:lnSpc>
+                          <a:spcPct val="100000"/>
+                        </a:lnSpc>
+                        <a:spcBef>
+                          <a:spcPts val="0"/>
+                        </a:spcBef>
+                        <a:spcAft>
+                          <a:spcPts val="0"/>
+                        </a:spcAft>
+                        <a:buClr>
+                          <a:schemeClr val="dk1"/>
+                        </a:buClr>
+                        <a:buSzPct val="25000"/>
+                        <a:buFont typeface="Calibri" panose="020F0502020204030204"/>
+                        <a:buNone/>
+                      </a:pPr>
+                      <a:r>
+                        <a:rPr lang="en-US" altLang="ja-JP" sz="1800" u="none" strike="noStrike" cap="none"/>
+                        <a:t>3</a:t>
+                      </a:r>
+                      <a:endParaRPr lang="en-US" altLang="ja-JP" sz="1800" u="none" strike="noStrike" cap="none"/>
+                    </a:p>
+                  </a:txBody>
+                  <a:tcPr marL="91450" marR="91450" marT="45725" marB="45725"/>
+                </a:tc>
+                <a:tc>
+                  <a:txBody>
+                    <a:bodyPr/>
+                    <a:p>
+                      <a:pPr marL="0" marR="0" lvl="0" indent="0" algn="l" rtl="0">
+                        <a:lnSpc>
+                          <a:spcPct val="100000"/>
+                        </a:lnSpc>
+                        <a:spcBef>
+                          <a:spcPts val="0"/>
+                        </a:spcBef>
+                        <a:spcAft>
+                          <a:spcPts val="0"/>
+                        </a:spcAft>
+                        <a:buClr>
+                          <a:schemeClr val="dk1"/>
+                        </a:buClr>
+                        <a:buSzPct val="25000"/>
+                        <a:buFont typeface="Calibri" panose="020F0502020204030204"/>
+                        <a:buNone/>
+                      </a:pPr>
+                      <a:endParaRPr lang="ja-JP" sz="1800" u="none" strike="noStrike" cap="none"/>
+                    </a:p>
+                  </a:txBody>
+                  <a:tcPr marL="91450" marR="91450" marT="45725" marB="45725"/>
+                </a:tc>
+                <a:tc>
+                  <a:txBody>
+                    <a:bodyPr/>
+                    <a:p>
+                      <a:pPr marL="0" marR="0" lvl="0" indent="0" algn="l" rtl="0">
+                        <a:lnSpc>
+                          <a:spcPct val="100000"/>
+                        </a:lnSpc>
+                        <a:spcBef>
+                          <a:spcPts val="0"/>
+                        </a:spcBef>
+                        <a:spcAft>
+                          <a:spcPts val="0"/>
+                        </a:spcAft>
+                        <a:buClr>
+                          <a:schemeClr val="dk1"/>
+                        </a:buClr>
+                        <a:buSzPct val="25000"/>
+                        <a:buFont typeface="Calibri" panose="020F0502020204030204"/>
+                        <a:buNone/>
+                      </a:pPr>
+                      <a:endParaRPr lang="ja-JP" sz="1800" u="none" strike="noStrike" cap="none"/>
+                    </a:p>
+                  </a:txBody>
+                  <a:tcPr marL="91450" marR="91450" marT="45725" marB="45725"/>
+                </a:tc>
+              </a:tr>
+              <a:tr h="476885">
+                <a:tc>
+                  <a:txBody>
+                    <a:bodyPr/>
+                    <a:p>
+                      <a:pPr marL="0" marR="0" lvl="0" indent="0" algn="l" rtl="0">
+                        <a:lnSpc>
+                          <a:spcPct val="100000"/>
+                        </a:lnSpc>
+                        <a:spcBef>
+                          <a:spcPts val="0"/>
+                        </a:spcBef>
+                        <a:spcAft>
+                          <a:spcPts val="0"/>
+                        </a:spcAft>
+                        <a:buClr>
+                          <a:schemeClr val="dk1"/>
+                        </a:buClr>
+                        <a:buSzPct val="25000"/>
+                        <a:buFont typeface="Calibri" panose="020F0502020204030204"/>
+                        <a:buNone/>
+                      </a:pPr>
+                      <a:r>
+                        <a:rPr lang="ja-JP" sz="1800" u="none" strike="noStrike" cap="none"/>
+                        <a:t>UserB</a:t>
+                      </a:r>
+                      <a:endParaRPr lang="ja-JP" sz="1800" u="none" strike="noStrike" cap="none"/>
+                    </a:p>
+                  </a:txBody>
+                  <a:tcPr marL="91450" marR="91450" marT="45725" marB="45725"/>
+                </a:tc>
+                <a:tc>
+                  <a:txBody>
+                    <a:bodyPr/>
+                    <a:p>
+                      <a:pPr marL="0" marR="0" lvl="0" indent="0" algn="l" rtl="0">
+                        <a:lnSpc>
+                          <a:spcPct val="100000"/>
+                        </a:lnSpc>
+                        <a:spcBef>
+                          <a:spcPts val="0"/>
+                        </a:spcBef>
+                        <a:spcAft>
+                          <a:spcPts val="0"/>
+                        </a:spcAft>
+                        <a:buClr>
+                          <a:schemeClr val="dk1"/>
+                        </a:buClr>
+                        <a:buSzPct val="25000"/>
+                        <a:buFont typeface="Calibri" panose="020F0502020204030204"/>
+                        <a:buNone/>
+                      </a:pPr>
+                      <a:endParaRPr lang="ja-JP" sz="1800" u="none" strike="noStrike" cap="none"/>
+                    </a:p>
+                  </a:txBody>
+                  <a:tcPr marL="91450" marR="91450" marT="45725" marB="45725"/>
+                </a:tc>
+                <a:tc>
+                  <a:txBody>
+                    <a:bodyPr/>
+                    <a:p>
+                      <a:pPr marL="0" marR="0" lvl="0" indent="0" algn="l" rtl="0">
+                        <a:lnSpc>
+                          <a:spcPct val="100000"/>
+                        </a:lnSpc>
+                        <a:spcBef>
+                          <a:spcPts val="0"/>
+                        </a:spcBef>
+                        <a:spcAft>
+                          <a:spcPts val="0"/>
+                        </a:spcAft>
+                        <a:buClr>
+                          <a:schemeClr val="dk1"/>
+                        </a:buClr>
+                        <a:buSzPct val="25000"/>
+                        <a:buFont typeface="Calibri" panose="020F0502020204030204"/>
+                        <a:buNone/>
+                      </a:pPr>
+                      <a:r>
+                        <a:rPr lang="en-US" altLang="ja-JP" sz="1800" u="none" strike="noStrike" cap="none"/>
+                        <a:t>3</a:t>
+                      </a:r>
+                      <a:endParaRPr lang="en-US" altLang="ja-JP" sz="1800" u="none" strike="noStrike" cap="none"/>
+                    </a:p>
+                  </a:txBody>
+                  <a:tcPr marL="91450" marR="91450" marT="45725" marB="45725"/>
+                </a:tc>
+                <a:tc>
+                  <a:txBody>
+                    <a:bodyPr/>
+                    <a:p>
+                      <a:pPr marL="0" marR="0" lvl="0" indent="0" algn="l" rtl="0">
+                        <a:lnSpc>
+                          <a:spcPct val="100000"/>
+                        </a:lnSpc>
+                        <a:spcBef>
+                          <a:spcPts val="0"/>
+                        </a:spcBef>
+                        <a:spcAft>
+                          <a:spcPts val="0"/>
+                        </a:spcAft>
+                        <a:buClr>
+                          <a:schemeClr val="dk1"/>
+                        </a:buClr>
+                        <a:buSzPct val="25000"/>
+                        <a:buFont typeface="Calibri" panose="020F0502020204030204"/>
+                        <a:buNone/>
+                      </a:pPr>
+                      <a:r>
+                        <a:rPr lang="en-US" altLang="ja-JP" sz="1800" u="none" strike="noStrike" cap="none"/>
+                        <a:t>4</a:t>
+                      </a:r>
+                      <a:endParaRPr lang="en-US" altLang="ja-JP" sz="1800" u="none" strike="noStrike" cap="none"/>
+                    </a:p>
+                  </a:txBody>
+                  <a:tcPr marL="91450" marR="91450" marT="45725" marB="45725"/>
+                </a:tc>
+                <a:tc>
+                  <a:txBody>
+                    <a:bodyPr/>
+                    <a:p>
+                      <a:pPr marL="0" marR="0" lvl="0" indent="0" algn="l" rtl="0">
+                        <a:lnSpc>
+                          <a:spcPct val="100000"/>
+                        </a:lnSpc>
+                        <a:spcBef>
+                          <a:spcPts val="0"/>
+                        </a:spcBef>
+                        <a:spcAft>
+                          <a:spcPts val="0"/>
+                        </a:spcAft>
+                        <a:buClr>
+                          <a:schemeClr val="dk1"/>
+                        </a:buClr>
+                        <a:buSzPct val="25000"/>
+                        <a:buFont typeface="Calibri" panose="020F0502020204030204"/>
+                        <a:buNone/>
+                      </a:pPr>
+                      <a:endParaRPr lang="ja-JP" sz="1800" u="none" strike="noStrike" cap="none"/>
+                    </a:p>
+                  </a:txBody>
+                  <a:tcPr marL="91450" marR="91450" marT="45725" marB="45725"/>
+                </a:tc>
+                <a:tc>
+                  <a:txBody>
+                    <a:bodyPr/>
+                    <a:p>
+                      <a:pPr marL="0" marR="0" lvl="0" indent="0" algn="l" rtl="0">
+                        <a:lnSpc>
+                          <a:spcPct val="100000"/>
+                        </a:lnSpc>
+                        <a:spcBef>
+                          <a:spcPts val="0"/>
+                        </a:spcBef>
+                        <a:spcAft>
+                          <a:spcPts val="0"/>
+                        </a:spcAft>
+                        <a:buClr>
+                          <a:schemeClr val="dk1"/>
+                        </a:buClr>
+                        <a:buSzPct val="25000"/>
+                        <a:buFont typeface="Calibri" panose="020F0502020204030204"/>
+                        <a:buNone/>
+                      </a:pPr>
+                      <a:r>
+                        <a:rPr lang="en-US" altLang="ja-JP" sz="1800" u="none" strike="noStrike" cap="none"/>
+                        <a:t>1</a:t>
+                      </a:r>
+                      <a:endParaRPr lang="en-US" altLang="ja-JP" sz="1800" u="none" strike="noStrike" cap="none"/>
+                    </a:p>
+                  </a:txBody>
+                  <a:tcPr marL="91450" marR="91450" marT="45725" marB="45725"/>
+                </a:tc>
+              </a:tr>
+              <a:tr h="476885">
+                <a:tc>
+                  <a:txBody>
+                    <a:bodyPr/>
+                    <a:p>
+                      <a:pPr marL="0" marR="0" lvl="0" indent="0" algn="l" rtl="0">
+                        <a:lnSpc>
+                          <a:spcPct val="100000"/>
+                        </a:lnSpc>
+                        <a:spcBef>
+                          <a:spcPts val="0"/>
+                        </a:spcBef>
+                        <a:spcAft>
+                          <a:spcPts val="0"/>
+                        </a:spcAft>
+                        <a:buClr>
+                          <a:schemeClr val="dk1"/>
+                        </a:buClr>
+                        <a:buSzPct val="25000"/>
+                        <a:buFont typeface="Calibri" panose="020F0502020204030204"/>
+                        <a:buNone/>
+                      </a:pPr>
+                      <a:r>
+                        <a:rPr lang="ja-JP" sz="1800" u="none" strike="noStrike" cap="none"/>
+                        <a:t>UserC</a:t>
+                      </a:r>
+                      <a:endParaRPr lang="ja-JP" sz="1800" u="none" strike="noStrike" cap="none"/>
+                    </a:p>
+                  </a:txBody>
+                  <a:tcPr marL="91450" marR="91450" marT="45725" marB="45725"/>
+                </a:tc>
+                <a:tc>
+                  <a:txBody>
+                    <a:bodyPr/>
+                    <a:p>
+                      <a:pPr marL="0" marR="0" lvl="0" indent="0" algn="l" rtl="0">
+                        <a:lnSpc>
+                          <a:spcPct val="100000"/>
+                        </a:lnSpc>
+                        <a:spcBef>
+                          <a:spcPts val="0"/>
+                        </a:spcBef>
+                        <a:spcAft>
+                          <a:spcPts val="0"/>
+                        </a:spcAft>
+                        <a:buClr>
+                          <a:schemeClr val="dk1"/>
+                        </a:buClr>
+                        <a:buSzPct val="25000"/>
+                        <a:buFont typeface="Calibri" panose="020F0502020204030204"/>
+                        <a:buNone/>
+                      </a:pPr>
+                      <a:r>
+                        <a:rPr lang="en-US" altLang="ja-JP" sz="1800" u="none" strike="noStrike" cap="none"/>
+                        <a:t>4</a:t>
+                      </a:r>
+                      <a:endParaRPr lang="en-US" altLang="ja-JP" sz="1800" u="none" strike="noStrike" cap="none"/>
+                    </a:p>
+                  </a:txBody>
+                  <a:tcPr marL="91450" marR="91450" marT="45725" marB="45725"/>
+                </a:tc>
+                <a:tc>
+                  <a:txBody>
+                    <a:bodyPr/>
+                    <a:p>
+                      <a:pPr marL="0" marR="0" lvl="0" indent="0" algn="l" rtl="0">
+                        <a:lnSpc>
+                          <a:spcPct val="100000"/>
+                        </a:lnSpc>
+                        <a:spcBef>
+                          <a:spcPts val="0"/>
+                        </a:spcBef>
+                        <a:spcAft>
+                          <a:spcPts val="0"/>
+                        </a:spcAft>
+                        <a:buClr>
+                          <a:schemeClr val="dk1"/>
+                        </a:buClr>
+                        <a:buSzPct val="25000"/>
+                        <a:buFont typeface="Calibri" panose="020F0502020204030204"/>
+                        <a:buNone/>
+                      </a:pPr>
+                      <a:r>
+                        <a:rPr lang="en-US" altLang="ja-JP" sz="1800" u="none" strike="noStrike" cap="none"/>
+                        <a:t>2</a:t>
+                      </a:r>
+                      <a:endParaRPr lang="en-US" altLang="ja-JP" sz="1800" u="none" strike="noStrike" cap="none"/>
+                    </a:p>
+                  </a:txBody>
+                  <a:tcPr marL="91450" marR="91450" marT="45725" marB="45725"/>
+                </a:tc>
+                <a:tc>
+                  <a:txBody>
+                    <a:bodyPr/>
+                    <a:p>
+                      <a:pPr marL="0" marR="0" lvl="0" indent="0" algn="l" rtl="0">
+                        <a:lnSpc>
+                          <a:spcPct val="100000"/>
+                        </a:lnSpc>
+                        <a:spcBef>
+                          <a:spcPts val="0"/>
+                        </a:spcBef>
+                        <a:spcAft>
+                          <a:spcPts val="0"/>
+                        </a:spcAft>
+                        <a:buClr>
+                          <a:schemeClr val="dk1"/>
+                        </a:buClr>
+                        <a:buSzPct val="25000"/>
+                        <a:buFont typeface="Calibri" panose="020F0502020204030204"/>
+                        <a:buNone/>
+                      </a:pPr>
+                      <a:endParaRPr lang="ja-JP" sz="1800" u="none" strike="noStrike" cap="none"/>
+                    </a:p>
+                  </a:txBody>
+                  <a:tcPr marL="91450" marR="91450" marT="45725" marB="45725"/>
+                </a:tc>
+                <a:tc>
+                  <a:txBody>
+                    <a:bodyPr/>
+                    <a:p>
+                      <a:pPr marL="0" marR="0" lvl="0" indent="0" algn="l" rtl="0">
+                        <a:lnSpc>
+                          <a:spcPct val="100000"/>
+                        </a:lnSpc>
+                        <a:spcBef>
+                          <a:spcPts val="0"/>
+                        </a:spcBef>
+                        <a:spcAft>
+                          <a:spcPts val="0"/>
+                        </a:spcAft>
+                        <a:buClr>
+                          <a:schemeClr val="dk1"/>
+                        </a:buClr>
+                        <a:buSzPct val="25000"/>
+                        <a:buFont typeface="Calibri" panose="020F0502020204030204"/>
+                        <a:buNone/>
+                      </a:pPr>
+                      <a:endParaRPr lang="ja-JP" sz="1800" u="none" strike="noStrike" cap="none"/>
+                    </a:p>
+                  </a:txBody>
+                  <a:tcPr marL="91450" marR="91450" marT="45725" marB="45725"/>
+                </a:tc>
+                <a:tc>
+                  <a:txBody>
+                    <a:bodyPr/>
+                    <a:p>
+                      <a:pPr marL="0" marR="0" lvl="0" indent="0" algn="l" rtl="0">
+                        <a:lnSpc>
+                          <a:spcPct val="100000"/>
+                        </a:lnSpc>
+                        <a:spcBef>
+                          <a:spcPts val="0"/>
+                        </a:spcBef>
+                        <a:spcAft>
+                          <a:spcPts val="0"/>
+                        </a:spcAft>
+                        <a:buClr>
+                          <a:schemeClr val="dk1"/>
+                        </a:buClr>
+                        <a:buSzPct val="25000"/>
+                        <a:buFont typeface="Calibri" panose="020F0502020204030204"/>
+                        <a:buNone/>
+                      </a:pPr>
+                      <a:r>
+                        <a:rPr lang="en-US" altLang="ja-JP" sz="1800" u="none" strike="noStrike" cap="none"/>
+                        <a:t>5</a:t>
+                      </a:r>
+                      <a:endParaRPr lang="en-US" altLang="ja-JP" sz="1800" u="none" strike="noStrike" cap="none"/>
+                    </a:p>
+                  </a:txBody>
+                  <a:tcPr marL="91450" marR="91450" marT="45725" marB="45725"/>
+                </a:tc>
+              </a:tr>
+              <a:tr h="476885">
+                <a:tc>
+                  <a:txBody>
+                    <a:bodyPr/>
+                    <a:p>
+                      <a:pPr marL="0" marR="0" lvl="0" indent="0" algn="l" rtl="0">
+                        <a:lnSpc>
+                          <a:spcPct val="100000"/>
+                        </a:lnSpc>
+                        <a:spcBef>
+                          <a:spcPts val="0"/>
+                        </a:spcBef>
+                        <a:spcAft>
+                          <a:spcPts val="0"/>
+                        </a:spcAft>
+                        <a:buClr>
+                          <a:schemeClr val="dk1"/>
+                        </a:buClr>
+                        <a:buSzPct val="25000"/>
+                        <a:buFont typeface="Calibri" panose="020F0502020204030204"/>
+                        <a:buNone/>
+                      </a:pPr>
+                      <a:r>
+                        <a:rPr lang="ja-JP" sz="1800" u="none" strike="noStrike" cap="none"/>
+                        <a:t>UserD</a:t>
+                      </a:r>
+                      <a:endParaRPr lang="ja-JP" sz="1800" u="none" strike="noStrike" cap="none"/>
+                    </a:p>
+                  </a:txBody>
+                  <a:tcPr marL="91450" marR="91450" marT="45725" marB="45725"/>
+                </a:tc>
+                <a:tc>
+                  <a:txBody>
+                    <a:bodyPr/>
+                    <a:p>
+                      <a:pPr marL="0" marR="0" lvl="0" indent="0" algn="l" rtl="0">
+                        <a:lnSpc>
+                          <a:spcPct val="100000"/>
+                        </a:lnSpc>
+                        <a:spcBef>
+                          <a:spcPts val="0"/>
+                        </a:spcBef>
+                        <a:spcAft>
+                          <a:spcPts val="0"/>
+                        </a:spcAft>
+                        <a:buClr>
+                          <a:schemeClr val="dk1"/>
+                        </a:buClr>
+                        <a:buSzPct val="25000"/>
+                        <a:buFont typeface="Calibri" panose="020F0502020204030204"/>
+                        <a:buNone/>
+                      </a:pPr>
+                      <a:endParaRPr lang="ja-JP" sz="1800" u="none" strike="noStrike" cap="none"/>
+                    </a:p>
+                  </a:txBody>
+                  <a:tcPr marL="91450" marR="91450" marT="45725" marB="45725"/>
+                </a:tc>
+                <a:tc>
+                  <a:txBody>
+                    <a:bodyPr/>
+                    <a:p>
+                      <a:pPr marL="0" marR="0" lvl="0" indent="0" algn="l" rtl="0">
+                        <a:lnSpc>
+                          <a:spcPct val="100000"/>
+                        </a:lnSpc>
+                        <a:spcBef>
+                          <a:spcPts val="0"/>
+                        </a:spcBef>
+                        <a:spcAft>
+                          <a:spcPts val="0"/>
+                        </a:spcAft>
+                        <a:buClr>
+                          <a:schemeClr val="dk1"/>
+                        </a:buClr>
+                        <a:buSzPct val="25000"/>
+                        <a:buFont typeface="Calibri" panose="020F0502020204030204"/>
+                        <a:buNone/>
+                      </a:pPr>
+                      <a:r>
+                        <a:rPr lang="en-US" altLang="ja-JP" sz="1800" u="none" strike="noStrike" cap="none"/>
+                        <a:t>1</a:t>
+                      </a:r>
+                      <a:endParaRPr lang="en-US" altLang="ja-JP" sz="1800" u="none" strike="noStrike" cap="none"/>
+                    </a:p>
+                  </a:txBody>
+                  <a:tcPr marL="91450" marR="91450" marT="45725" marB="45725"/>
+                </a:tc>
+                <a:tc>
+                  <a:txBody>
+                    <a:bodyPr/>
+                    <a:p>
+                      <a:pPr marL="0" marR="0" lvl="0" indent="0" algn="l" rtl="0">
+                        <a:lnSpc>
+                          <a:spcPct val="100000"/>
+                        </a:lnSpc>
+                        <a:spcBef>
+                          <a:spcPts val="0"/>
+                        </a:spcBef>
+                        <a:spcAft>
+                          <a:spcPts val="0"/>
+                        </a:spcAft>
+                        <a:buClr>
+                          <a:schemeClr val="dk1"/>
+                        </a:buClr>
+                        <a:buSzPct val="25000"/>
+                        <a:buFont typeface="Calibri" panose="020F0502020204030204"/>
+                        <a:buNone/>
+                      </a:pPr>
+                      <a:endParaRPr lang="ja-JP" sz="1800" u="none" strike="noStrike" cap="none"/>
+                    </a:p>
+                  </a:txBody>
+                  <a:tcPr marL="91450" marR="91450" marT="45725" marB="45725"/>
+                </a:tc>
+                <a:tc>
+                  <a:txBody>
+                    <a:bodyPr/>
+                    <a:p>
+                      <a:pPr marL="0" marR="0" lvl="0" indent="0" algn="l" rtl="0">
+                        <a:lnSpc>
+                          <a:spcPct val="100000"/>
+                        </a:lnSpc>
+                        <a:spcBef>
+                          <a:spcPts val="0"/>
+                        </a:spcBef>
+                        <a:spcAft>
+                          <a:spcPts val="0"/>
+                        </a:spcAft>
+                        <a:buClr>
+                          <a:schemeClr val="dk1"/>
+                        </a:buClr>
+                        <a:buSzPct val="25000"/>
+                        <a:buFont typeface="Calibri" panose="020F0502020204030204"/>
+                        <a:buNone/>
+                      </a:pPr>
+                      <a:r>
+                        <a:rPr lang="en-US" altLang="ja-JP" sz="1800" u="none" strike="noStrike" cap="none"/>
+                        <a:t>4</a:t>
+                      </a:r>
+                      <a:endParaRPr lang="en-US" altLang="ja-JP" sz="1800" u="none" strike="noStrike" cap="none"/>
+                    </a:p>
+                  </a:txBody>
+                  <a:tcPr marL="91450" marR="91450" marT="45725" marB="45725"/>
+                </a:tc>
+                <a:tc>
+                  <a:txBody>
+                    <a:bodyPr/>
+                    <a:p>
+                      <a:pPr marL="0" marR="0" lvl="0" indent="0" algn="l" rtl="0">
+                        <a:lnSpc>
+                          <a:spcPct val="100000"/>
+                        </a:lnSpc>
+                        <a:spcBef>
+                          <a:spcPts val="0"/>
+                        </a:spcBef>
+                        <a:spcAft>
+                          <a:spcPts val="0"/>
+                        </a:spcAft>
+                        <a:buClr>
+                          <a:schemeClr val="dk1"/>
+                        </a:buClr>
+                        <a:buSzPct val="25000"/>
+                        <a:buFont typeface="Calibri" panose="020F0502020204030204"/>
+                        <a:buNone/>
+                      </a:pPr>
+                      <a:r>
+                        <a:rPr lang="en-US" altLang="ja-JP" sz="1800" u="none" strike="noStrike" cap="none"/>
+                        <a:t>3</a:t>
+                      </a:r>
+                      <a:endParaRPr lang="en-US" altLang="ja-JP" sz="1800" u="none" strike="noStrike" cap="none"/>
+                    </a:p>
+                  </a:txBody>
+                  <a:tcPr marL="91450" marR="91450" marT="45725" marB="45725"/>
+                </a:tc>
+              </a:tr>
+            </a:tbl>
+          </a:graphicData>
+        </a:graphic>
+      </p:graphicFrame>
+    </p:spTree>
+  </p:cSld>
+  <p:clrMapOvr>
+    <a:masterClrMapping/>
+  </p:clrMapOvr>
+</p:sld>
+</file>
+
+<file path=ppt/slides/slide5.xml><?xml version="1.0" encoding="utf-8"?>
+<p:sld xmlns:a="http://schemas.openxmlformats.org/drawingml/2006/main" xmlns:r="http://schemas.openxmlformats.org/officeDocument/2006/relationships" xmlns:p="http://schemas.openxmlformats.org/presentationml/2006/main">
+  <p:cSld>
+    <p:spTree>
+      <p:nvGrpSpPr>
+        <p:cNvPr id="1" name=""/>
+        <p:cNvGrpSpPr/>
+        <p:nvPr/>
+      </p:nvGrpSpPr>
+      <p:grpSpPr/>
+      <p:grpSp>
+        <p:nvGrpSpPr>
+          <p:cNvPr id="11" name="组合 10"/>
+          <p:cNvGrpSpPr/>
+          <p:nvPr/>
+        </p:nvGrpSpPr>
+        <p:grpSpPr>
+          <a:xfrm>
+            <a:off x="4523105" y="747395"/>
+            <a:ext cx="2462530" cy="5402710"/>
+            <a:chOff x="1620" y="705"/>
+            <a:chExt cx="5234" cy="9888"/>
+          </a:xfrm>
+        </p:grpSpPr>
+        <p:pic>
+          <p:nvPicPr>
+            <p:cNvPr id="6" name="图片 5"/>
+            <p:cNvPicPr>
+              <a:picLocks noChangeAspect="1"/>
+            </p:cNvPicPr>
+            <p:nvPr/>
+          </p:nvPicPr>
+          <p:blipFill>
+            <a:blip r:embed="rId1"/>
+            <a:stretch>
+              <a:fillRect/>
+            </a:stretch>
+          </p:blipFill>
+          <p:spPr>
+            <a:xfrm>
+              <a:off x="1620" y="705"/>
+              <a:ext cx="4454" cy="8249"/>
+            </a:xfrm>
+            <a:prstGeom prst="rect">
+              <a:avLst/>
+            </a:prstGeom>
+          </p:spPr>
+        </p:pic>
+        <p:sp>
+          <p:nvSpPr>
+            <p:cNvPr id="7" name="文本框 6"/>
+            <p:cNvSpPr txBox="1"/>
+            <p:nvPr/>
+          </p:nvSpPr>
+          <p:spPr>
+            <a:xfrm>
+              <a:off x="1620" y="9300"/>
+              <a:ext cx="5234" cy="1293"/>
+            </a:xfrm>
+            <a:prstGeom prst="rect">
+              <a:avLst/>
+            </a:prstGeom>
+            <a:noFill/>
+          </p:spPr>
+          <p:txBody>
+            <a:bodyPr wrap="square" rtlCol="0">
+              <a:spAutoFit/>
+            </a:bodyPr>
+            <a:p>
+              <a:r>
+                <a:rPr lang="ja-JP" altLang="zh-CN" sz="2000" b="1"/>
+                <a:t>推定された</a:t>
+              </a:r>
+              <a:endParaRPr lang="ja-JP" altLang="zh-CN" sz="2000" b="1"/>
+            </a:p>
+            <a:p>
+              <a:r>
+                <a:rPr lang="ja-JP" altLang="zh-CN" sz="2000" b="1"/>
+                <a:t>各商品の調性格</a:t>
+              </a:r>
+              <a:endParaRPr lang="ja-JP" altLang="zh-CN" sz="2000" b="1"/>
+            </a:p>
+          </p:txBody>
+        </p:sp>
+      </p:grpSp>
+      <p:grpSp>
+        <p:nvGrpSpPr>
+          <p:cNvPr id="10" name="组合 9"/>
+          <p:cNvGrpSpPr/>
+          <p:nvPr/>
+        </p:nvGrpSpPr>
+        <p:grpSpPr>
+          <a:xfrm>
+            <a:off x="8187690" y="1509395"/>
+            <a:ext cx="3862705" cy="4613910"/>
+            <a:chOff x="12640" y="2377"/>
+            <a:chExt cx="6083" cy="7266"/>
+          </a:xfrm>
+        </p:grpSpPr>
+        <p:pic>
+          <p:nvPicPr>
+            <p:cNvPr id="-2147482597" name="图片 46"/>
+            <p:cNvPicPr>
+              <a:picLocks noChangeAspect="1"/>
+            </p:cNvPicPr>
+            <p:nvPr/>
+          </p:nvPicPr>
+          <p:blipFill>
+            <a:blip r:embed="rId2"/>
+            <a:stretch>
+              <a:fillRect/>
+            </a:stretch>
+          </p:blipFill>
+          <p:spPr>
+            <a:xfrm>
+              <a:off x="12640" y="2377"/>
+              <a:ext cx="6083" cy="6045"/>
+            </a:xfrm>
+            <a:prstGeom prst="rect">
+              <a:avLst/>
+            </a:prstGeom>
+            <a:noFill/>
+            <a:ln w="9525">
+              <a:noFill/>
+            </a:ln>
+          </p:spPr>
+        </p:pic>
+        <p:sp>
+          <p:nvSpPr>
+            <p:cNvPr id="8" name="文本框 7"/>
+            <p:cNvSpPr txBox="1"/>
+            <p:nvPr/>
+          </p:nvSpPr>
+          <p:spPr>
+            <a:xfrm>
+              <a:off x="14004" y="9015"/>
+              <a:ext cx="3355" cy="628"/>
+            </a:xfrm>
+            <a:prstGeom prst="rect">
+              <a:avLst/>
+            </a:prstGeom>
+            <a:noFill/>
+          </p:spPr>
+          <p:txBody>
+            <a:bodyPr wrap="square" rtlCol="0">
+              <a:spAutoFit/>
+            </a:bodyPr>
+            <a:p>
+              <a:r>
+                <a:rPr lang="ja-JP" altLang="zh-CN" sz="2000" b="1"/>
+                <a:t>データベース情報</a:t>
+              </a:r>
+              <a:endParaRPr lang="ja-JP" altLang="zh-CN" sz="2000" b="1"/>
+            </a:p>
+          </p:txBody>
+        </p:sp>
+      </p:grpSp>
+      <p:pic>
+        <p:nvPicPr>
+          <p:cNvPr id="-2147482598" name="图片 33"/>
+          <p:cNvPicPr>
+            <a:picLocks noChangeAspect="1"/>
+          </p:cNvPicPr>
+          <p:nvPr/>
+        </p:nvPicPr>
+        <p:blipFill>
+          <a:blip r:embed="rId3"/>
+          <a:stretch>
+            <a:fillRect/>
+          </a:stretch>
+        </p:blipFill>
+        <p:spPr>
+          <a:xfrm>
+            <a:off x="130175" y="2045335"/>
+            <a:ext cx="2985135" cy="2766695"/>
+          </a:xfrm>
+          <a:prstGeom prst="rect">
+            <a:avLst/>
+          </a:prstGeom>
+          <a:noFill/>
+          <a:ln w="9525">
+            <a:noFill/>
+          </a:ln>
+        </p:spPr>
+      </p:pic>
+      <p:sp>
+        <p:nvSpPr>
+          <p:cNvPr id="12" name="文本框 11"/>
+          <p:cNvSpPr txBox="1"/>
+          <p:nvPr/>
+        </p:nvSpPr>
+        <p:spPr>
+          <a:xfrm>
+            <a:off x="391160" y="5416550"/>
+            <a:ext cx="1778635" cy="398780"/>
+          </a:xfrm>
+          <a:prstGeom prst="rect">
+            <a:avLst/>
+          </a:prstGeom>
+          <a:noFill/>
+        </p:spPr>
+        <p:txBody>
+          <a:bodyPr wrap="square" rtlCol="0">
+            <a:spAutoFit/>
+          </a:bodyPr>
+          <a:p>
+            <a:r>
+              <a:rPr lang="ja-JP" altLang="zh-CN" sz="2000" b="1"/>
+              <a:t>商品の画像</a:t>
+            </a:r>
+            <a:endParaRPr lang="ja-JP" altLang="zh-CN" sz="2000" b="1"/>
+          </a:p>
+        </p:txBody>
+      </p:sp>
+      <p:sp>
+        <p:nvSpPr>
+          <p:cNvPr id="13" name="右箭头 12"/>
+          <p:cNvSpPr/>
+          <p:nvPr/>
+        </p:nvSpPr>
+        <p:spPr>
+          <a:xfrm>
+            <a:off x="3035300" y="3019425"/>
+            <a:ext cx="1689100" cy="818515"/>
+          </a:xfrm>
+          <a:prstGeom prst="rightArrow">
+            <a:avLst/>
+          </a:prstGeom>
+        </p:spPr>
+        <p:style>
+          <a:lnRef idx="2">
+            <a:schemeClr val="accent1">
+              <a:shade val="50000"/>
+            </a:schemeClr>
+          </a:lnRef>
+          <a:fillRef idx="1">
+            <a:schemeClr val="accent1"/>
+          </a:fillRef>
+          <a:effectRef idx="0">
+            <a:schemeClr val="accent1"/>
+          </a:effectRef>
+          <a:fontRef idx="minor">
+            <a:schemeClr val="lt1"/>
+          </a:fontRef>
+        </p:style>
+        <p:txBody>
+          <a:bodyPr rtlCol="0" anchor="ctr"/>
+          <a:p>
+            <a:pPr algn="ctr"/>
+            <a:r>
+              <a:rPr lang="ja-JP" altLang="zh-CN" b="1">
+                <a:solidFill>
+                  <a:schemeClr val="tx1"/>
+                </a:solidFill>
+              </a:rPr>
+              <a:t>調性格推定</a:t>
+            </a:r>
+            <a:endParaRPr lang="ja-JP" altLang="zh-CN" b="1">
+              <a:solidFill>
+                <a:schemeClr val="tx1"/>
+              </a:solidFill>
+            </a:endParaRPr>
+          </a:p>
+        </p:txBody>
+      </p:sp>
+      <p:sp>
+        <p:nvSpPr>
+          <p:cNvPr id="14" name="右箭头 13"/>
+          <p:cNvSpPr/>
+          <p:nvPr/>
+        </p:nvSpPr>
+        <p:spPr>
+          <a:xfrm>
+            <a:off x="6618605" y="3020060"/>
+            <a:ext cx="1689100" cy="818515"/>
+          </a:xfrm>
+          <a:prstGeom prst="rightArrow">
+            <a:avLst/>
+          </a:prstGeom>
+        </p:spPr>
+        <p:style>
+          <a:lnRef idx="2">
+            <a:schemeClr val="accent1">
+              <a:shade val="50000"/>
+            </a:schemeClr>
+          </a:lnRef>
+          <a:fillRef idx="1">
+            <a:schemeClr val="accent1"/>
+          </a:fillRef>
+          <a:effectRef idx="0">
+            <a:schemeClr val="accent1"/>
+          </a:effectRef>
+          <a:fontRef idx="minor">
+            <a:schemeClr val="lt1"/>
+          </a:fontRef>
+        </p:style>
+        <p:txBody>
+          <a:bodyPr rtlCol="0" anchor="ctr"/>
+          <a:p>
+            <a:pPr algn="ctr"/>
+            <a:r>
+              <a:rPr lang="ja-JP" altLang="zh-CN" b="1">
+                <a:solidFill>
+                  <a:schemeClr val="tx1"/>
+                </a:solidFill>
+              </a:rPr>
+              <a:t>データ</a:t>
+            </a:r>
+            <a:r>
+              <a:rPr lang="ja-JP" altLang="zh-CN" b="1">
+                <a:solidFill>
+                  <a:schemeClr val="tx1"/>
+                </a:solidFill>
+              </a:rPr>
+              <a:t>保存</a:t>
+            </a:r>
+            <a:endParaRPr lang="ja-JP" altLang="zh-CN" b="1">
+              <a:solidFill>
+                <a:schemeClr val="tx1"/>
+              </a:solidFill>
+            </a:endParaRPr>
+          </a:p>
+        </p:txBody>
+      </p:sp>
+    </p:spTree>
+  </p:cSld>
+  <p:clrMapOvr>
+    <a:masterClrMapping/>
+  </p:clrMapOvr>
+</p:sld>
+</file>
+
+<file path=ppt/slides/slide6.xml><?xml version="1.0" encoding="utf-8"?>
+<p:sld xmlns:a="http://schemas.openxmlformats.org/drawingml/2006/main" xmlns:r="http://schemas.openxmlformats.org/officeDocument/2006/relationships" xmlns:p="http://schemas.openxmlformats.org/presentationml/2006/main">
+  <p:cSld>
+    <p:spTree>
+      <p:nvGrpSpPr>
+        <p:cNvPr id="1" name=""/>
+        <p:cNvGrpSpPr/>
+        <p:nvPr/>
+      </p:nvGrpSpPr>
+      <p:grpSpPr/>
+      <p:pic>
+        <p:nvPicPr>
+          <p:cNvPr id="6" name="图片 5"/>
+          <p:cNvPicPr>
+            <a:picLocks noChangeAspect="1"/>
+          </p:cNvPicPr>
+          <p:nvPr/>
+        </p:nvPicPr>
+        <p:blipFill>
+          <a:blip r:embed="rId1"/>
+          <a:stretch>
+            <a:fillRect/>
+          </a:stretch>
+        </p:blipFill>
+        <p:spPr>
+          <a:xfrm>
+            <a:off x="7733665" y="2564765"/>
+            <a:ext cx="4096385" cy="1727835"/>
+          </a:xfrm>
+          <a:prstGeom prst="rect">
+            <a:avLst/>
+          </a:prstGeom>
+        </p:spPr>
+      </p:pic>
+      <p:pic>
+        <p:nvPicPr>
+          <p:cNvPr id="-2147482596" name="图片 48"/>
+          <p:cNvPicPr>
+            <a:picLocks noChangeAspect="1"/>
+          </p:cNvPicPr>
+          <p:nvPr/>
+        </p:nvPicPr>
+        <p:blipFill>
+          <a:blip r:embed="rId2"/>
+          <a:stretch>
+            <a:fillRect/>
+          </a:stretch>
+        </p:blipFill>
+        <p:spPr>
+          <a:xfrm>
+            <a:off x="377190" y="2031365"/>
+            <a:ext cx="4409440" cy="3266440"/>
+          </a:xfrm>
+          <a:prstGeom prst="rect">
+            <a:avLst/>
+          </a:prstGeom>
+          <a:noFill/>
+          <a:ln w="9525">
+            <a:noFill/>
+          </a:ln>
+        </p:spPr>
+      </p:pic>
+      <p:pic>
+        <p:nvPicPr>
+          <p:cNvPr id="7" name="图片 6"/>
+          <p:cNvPicPr>
+            <a:picLocks noChangeAspect="1"/>
+          </p:cNvPicPr>
+          <p:nvPr/>
+        </p:nvPicPr>
+        <p:blipFill>
+          <a:blip r:embed="rId3"/>
+          <a:stretch>
+            <a:fillRect/>
+          </a:stretch>
+        </p:blipFill>
+        <p:spPr>
+          <a:xfrm>
+            <a:off x="5212080" y="2762250"/>
+            <a:ext cx="2095500" cy="1333500"/>
+          </a:xfrm>
+          <a:prstGeom prst="rect">
+            <a:avLst/>
+          </a:prstGeom>
+        </p:spPr>
+      </p:pic>
+      <p:sp>
+        <p:nvSpPr>
+          <p:cNvPr id="12" name="文本框 11"/>
+          <p:cNvSpPr txBox="1"/>
+          <p:nvPr/>
+        </p:nvSpPr>
+        <p:spPr>
+          <a:xfrm>
+            <a:off x="1355725" y="5458460"/>
+            <a:ext cx="2452370" cy="398780"/>
+          </a:xfrm>
+          <a:prstGeom prst="rect">
+            <a:avLst/>
+          </a:prstGeom>
+          <a:noFill/>
+        </p:spPr>
+        <p:txBody>
+          <a:bodyPr wrap="square" rtlCol="0">
+            <a:spAutoFit/>
+          </a:bodyPr>
+          <a:p>
+            <a:r>
+              <a:rPr lang="ja-JP" altLang="zh-CN" sz="2000" b="1"/>
+              <a:t>商品のキーワード</a:t>
+            </a:r>
+            <a:endParaRPr lang="ja-JP" altLang="zh-CN" sz="2000" b="1"/>
+          </a:p>
+        </p:txBody>
+      </p:sp>
+      <p:sp>
+        <p:nvSpPr>
+          <p:cNvPr id="8" name="文本框 7"/>
+          <p:cNvSpPr txBox="1"/>
+          <p:nvPr/>
+        </p:nvSpPr>
+        <p:spPr>
+          <a:xfrm>
+            <a:off x="8992235" y="5458460"/>
+            <a:ext cx="1579245" cy="398780"/>
+          </a:xfrm>
+          <a:prstGeom prst="rect">
+            <a:avLst/>
+          </a:prstGeom>
+          <a:noFill/>
+        </p:spPr>
+        <p:txBody>
+          <a:bodyPr wrap="square" rtlCol="0">
+            <a:spAutoFit/>
+          </a:bodyPr>
+          <a:p>
+            <a:r>
+              <a:rPr lang="ja-JP" altLang="zh-CN" sz="2000" b="1"/>
+              <a:t>英語に通訳</a:t>
+            </a:r>
+            <a:endParaRPr lang="ja-JP" altLang="zh-CN" sz="2000" b="1"/>
+          </a:p>
+        </p:txBody>
+      </p:sp>
+      <p:sp>
+        <p:nvSpPr>
+          <p:cNvPr id="9" name="右箭头 8"/>
+          <p:cNvSpPr/>
+          <p:nvPr/>
+        </p:nvSpPr>
+        <p:spPr>
+          <a:xfrm>
+            <a:off x="4932045" y="3844925"/>
+            <a:ext cx="2762885" cy="607060"/>
+          </a:xfrm>
+          <a:prstGeom prst="rightArrow">
+            <a:avLst/>
+          </a:prstGeom>
+        </p:spPr>
+        <p:style>
+          <a:lnRef idx="2">
+            <a:schemeClr val="accent1">
+              <a:shade val="50000"/>
+            </a:schemeClr>
+          </a:lnRef>
+          <a:fillRef idx="1">
+            <a:schemeClr val="accent1"/>
+          </a:fillRef>
+          <a:effectRef idx="0">
+            <a:schemeClr val="accent1"/>
+          </a:effectRef>
+          <a:fontRef idx="minor">
+            <a:schemeClr val="lt1"/>
+          </a:fontRef>
+        </p:style>
+        <p:txBody>
+          <a:bodyPr rtlCol="0" anchor="ctr"/>
+          <a:p>
+            <a:pPr algn="ctr"/>
+            <a:endParaRPr lang="zh-CN" altLang="en-US"/>
+          </a:p>
+        </p:txBody>
+      </p:sp>
+    </p:spTree>
+  </p:cSld>
+  <p:clrMapOvr>
+    <a:masterClrMapping/>
+  </p:clrMapOvr>
+</p:sld>
+</file>
+
+<file path=ppt/slides/slide7.xml><?xml version="1.0" encoding="utf-8"?>
+<p:sld xmlns:a="http://schemas.openxmlformats.org/drawingml/2006/main" xmlns:r="http://schemas.openxmlformats.org/officeDocument/2006/relationships" xmlns:p="http://schemas.openxmlformats.org/presentationml/2006/main">
+  <p:cSld>
+    <p:spTree>
+      <p:nvGrpSpPr>
+        <p:cNvPr id="1" name=""/>
+        <p:cNvGrpSpPr/>
+        <p:nvPr/>
+      </p:nvGrpSpPr>
+      <p:grpSpPr/>
+      <p:pic>
+        <p:nvPicPr>
+          <p:cNvPr id="5" name="图片 4"/>
+          <p:cNvPicPr>
+            <a:picLocks noChangeAspect="1"/>
+          </p:cNvPicPr>
+          <p:nvPr/>
+        </p:nvPicPr>
+        <p:blipFill>
+          <a:blip r:embed="rId1"/>
+          <a:stretch>
+            <a:fillRect/>
+          </a:stretch>
+        </p:blipFill>
+        <p:spPr>
+          <a:xfrm>
+            <a:off x="5775325" y="2073275"/>
+            <a:ext cx="6123940" cy="2324100"/>
+          </a:xfrm>
+          <a:prstGeom prst="rect">
+            <a:avLst/>
+          </a:prstGeom>
+        </p:spPr>
+      </p:pic>
+      <p:pic>
+        <p:nvPicPr>
+          <p:cNvPr id="6" name="图片 5"/>
+          <p:cNvPicPr>
+            <a:picLocks noChangeAspect="1"/>
+          </p:cNvPicPr>
+          <p:nvPr/>
+        </p:nvPicPr>
+        <p:blipFill>
+          <a:blip r:embed="rId2"/>
+          <a:stretch>
+            <a:fillRect/>
+          </a:stretch>
+        </p:blipFill>
+        <p:spPr>
+          <a:xfrm>
+            <a:off x="125095" y="1310005"/>
+            <a:ext cx="4628515" cy="3850005"/>
+          </a:xfrm>
+          <a:prstGeom prst="rect">
+            <a:avLst/>
+          </a:prstGeom>
+        </p:spPr>
+      </p:pic>
+      <p:sp>
+        <p:nvSpPr>
+          <p:cNvPr id="7" name="右箭头 6"/>
+          <p:cNvSpPr/>
+          <p:nvPr/>
+        </p:nvSpPr>
+        <p:spPr>
+          <a:xfrm>
+            <a:off x="4890135" y="2943860"/>
+            <a:ext cx="749300" cy="582295"/>
+          </a:xfrm>
+          <a:prstGeom prst="rightArrow">
+            <a:avLst/>
+          </a:prstGeom>
+        </p:spPr>
+        <p:style>
+          <a:lnRef idx="2">
+            <a:schemeClr val="accent1">
+              <a:shade val="50000"/>
+            </a:schemeClr>
+          </a:lnRef>
+          <a:fillRef idx="1">
+            <a:schemeClr val="accent1"/>
+          </a:fillRef>
+          <a:effectRef idx="0">
+            <a:schemeClr val="accent1"/>
+          </a:effectRef>
+          <a:fontRef idx="minor">
+            <a:schemeClr val="lt1"/>
+          </a:fontRef>
+        </p:style>
+        <p:txBody>
+          <a:bodyPr rtlCol="0" anchor="ctr"/>
+          <a:p>
+            <a:pPr algn="ctr"/>
+            <a:endParaRPr lang="zh-CN" altLang="en-US"/>
+          </a:p>
+        </p:txBody>
+      </p:sp>
+    </p:spTree>
+  </p:cSld>
+  <p:clrMapOvr>
+    <a:masterClrMapping/>
+  </p:clrMapOvr>
+</p:sld>
+</file>
+
+<file path=ppt/slides/slide8.xml><?xml version="1.0" encoding="utf-8"?>
+<p:sld xmlns:a="http://schemas.openxmlformats.org/drawingml/2006/main" xmlns:r="http://schemas.openxmlformats.org/officeDocument/2006/relationships" xmlns:p="http://schemas.openxmlformats.org/presentationml/2006/main">
+  <p:cSld>
+    <p:spTree>
+      <p:nvGrpSpPr>
+        <p:cNvPr id="1" name=""/>
+        <p:cNvGrpSpPr/>
+        <p:nvPr/>
+      </p:nvGrpSpPr>
+      <p:grpSpPr/>
+      <p:pic>
+        <p:nvPicPr>
+          <p:cNvPr id="4" name="图片 3"/>
+          <p:cNvPicPr>
+            <a:picLocks noChangeAspect="1"/>
+          </p:cNvPicPr>
+          <p:nvPr/>
+        </p:nvPicPr>
+        <p:blipFill>
+          <a:blip r:embed="rId1"/>
+          <a:stretch>
+            <a:fillRect/>
+          </a:stretch>
+        </p:blipFill>
+        <p:spPr>
+          <a:xfrm>
+            <a:off x="2499360" y="3711575"/>
+            <a:ext cx="3931285" cy="3058795"/>
+          </a:xfrm>
+          <a:prstGeom prst="rect">
+            <a:avLst/>
+          </a:prstGeom>
+        </p:spPr>
+      </p:pic>
+      <p:pic>
+        <p:nvPicPr>
+          <p:cNvPr id="5" name="图片 4"/>
+          <p:cNvPicPr>
+            <a:picLocks noChangeAspect="1"/>
+          </p:cNvPicPr>
+          <p:nvPr/>
+        </p:nvPicPr>
+        <p:blipFill>
+          <a:blip r:embed="rId2"/>
+          <a:stretch>
+            <a:fillRect/>
+          </a:stretch>
+        </p:blipFill>
+        <p:spPr>
+          <a:xfrm>
+            <a:off x="882015" y="156210"/>
+            <a:ext cx="2135505" cy="2773045"/>
+          </a:xfrm>
+          <a:prstGeom prst="rect">
+            <a:avLst/>
+          </a:prstGeom>
+        </p:spPr>
+      </p:pic>
+      <p:pic>
+        <p:nvPicPr>
+          <p:cNvPr id="6" name="图片 5"/>
+          <p:cNvPicPr>
+            <a:picLocks noChangeAspect="1"/>
+          </p:cNvPicPr>
+          <p:nvPr/>
+        </p:nvPicPr>
+        <p:blipFill>
+          <a:blip r:embed="rId3"/>
+          <a:stretch>
+            <a:fillRect/>
+          </a:stretch>
+        </p:blipFill>
+        <p:spPr>
+          <a:xfrm>
+            <a:off x="3435350" y="156210"/>
+            <a:ext cx="2062480" cy="2773680"/>
+          </a:xfrm>
+          <a:prstGeom prst="rect">
+            <a:avLst/>
+          </a:prstGeom>
+        </p:spPr>
+      </p:pic>
+      <p:pic>
+        <p:nvPicPr>
+          <p:cNvPr id="7" name="图片 6"/>
+          <p:cNvPicPr>
+            <a:picLocks noChangeAspect="1"/>
+          </p:cNvPicPr>
+          <p:nvPr/>
+        </p:nvPicPr>
+        <p:blipFill>
+          <a:blip r:embed="rId4"/>
+          <a:stretch>
+            <a:fillRect/>
+          </a:stretch>
+        </p:blipFill>
+        <p:spPr>
+          <a:xfrm>
+            <a:off x="5981065" y="156210"/>
+            <a:ext cx="1846580" cy="2772410"/>
+          </a:xfrm>
+          <a:prstGeom prst="rect">
+            <a:avLst/>
+          </a:prstGeom>
+        </p:spPr>
+      </p:pic>
+      <p:sp>
+        <p:nvSpPr>
+          <p:cNvPr id="8" name="下箭头 7"/>
+          <p:cNvSpPr/>
+          <p:nvPr/>
+        </p:nvSpPr>
+        <p:spPr>
+          <a:xfrm>
+            <a:off x="4140200" y="3024505"/>
+            <a:ext cx="536575" cy="601980"/>
+          </a:xfrm>
+          <a:prstGeom prst="downArrow">
+            <a:avLst/>
+          </a:prstGeom>
+        </p:spPr>
+        <p:style>
+          <a:lnRef idx="2">
+            <a:schemeClr val="accent1">
+              <a:shade val="50000"/>
+            </a:schemeClr>
+          </a:lnRef>
+          <a:fillRef idx="1">
+            <a:schemeClr val="accent1"/>
+          </a:fillRef>
+          <a:effectRef idx="0">
+            <a:schemeClr val="accent1"/>
+          </a:effectRef>
+          <a:fontRef idx="minor">
+            <a:schemeClr val="lt1"/>
+          </a:fontRef>
+        </p:style>
+        <p:txBody>
+          <a:bodyPr rtlCol="0" anchor="ctr"/>
+          <a:p>
+            <a:pPr algn="ctr"/>
+            <a:endParaRPr lang="zh-CN" altLang="en-US"/>
+          </a:p>
+        </p:txBody>
+      </p:sp>
+    </p:spTree>
+  </p:cSld>
+  <p:clrMapOvr>
+    <a:masterClrMapping/>
+  </p:clrMapOvr>
+</p:sld>
+</file>
+
+<file path=ppt/slides/slide9.xml><?xml version="1.0" encoding="utf-8"?>
+<p:sld xmlns:a="http://schemas.openxmlformats.org/drawingml/2006/main" xmlns:r="http://schemas.openxmlformats.org/officeDocument/2006/relationships" xmlns:p="http://schemas.openxmlformats.org/presentationml/2006/main">
+  <p:cSld>
+    <p:spTree>
+      <p:nvGrpSpPr>
+        <p:cNvPr id="1" name=""/>
+        <p:cNvGrpSpPr/>
+        <p:nvPr/>
+      </p:nvGrpSpPr>
+      <p:grpSpPr/>
+      <p:pic>
+        <p:nvPicPr>
+          <p:cNvPr id="4" name="内容占位符 3"/>
+          <p:cNvPicPr>
+            <a:picLocks noChangeAspect="1"/>
+          </p:cNvPicPr>
+          <p:nvPr>
+            <p:ph idx="1"/>
+          </p:nvPr>
+        </p:nvPicPr>
+        <p:blipFill>
+          <a:blip r:embed="rId1"/>
+          <a:stretch>
+            <a:fillRect/>
+          </a:stretch>
+        </p:blipFill>
+        <p:spPr>
+          <a:xfrm>
+            <a:off x="464820" y="1557020"/>
+            <a:ext cx="4810125" cy="3743325"/>
+          </a:xfrm>
+          <a:prstGeom prst="rect">
+            <a:avLst/>
+          </a:prstGeom>
+        </p:spPr>
+      </p:pic>
+      <p:pic>
+        <p:nvPicPr>
+          <p:cNvPr id="5" name="图片 4" descr="GM"/>
+          <p:cNvPicPr>
+            <a:picLocks noChangeAspect="1"/>
+          </p:cNvPicPr>
+          <p:nvPr/>
+        </p:nvPicPr>
+        <p:blipFill>
+          <a:blip r:embed="rId2"/>
+          <a:stretch>
+            <a:fillRect/>
+          </a:stretch>
+        </p:blipFill>
+        <p:spPr>
+          <a:xfrm>
+            <a:off x="6466205" y="3982085"/>
+            <a:ext cx="883285" cy="532130"/>
+          </a:xfrm>
+          <a:prstGeom prst="rect">
+            <a:avLst/>
+          </a:prstGeom>
+        </p:spPr>
+      </p:pic>
+      <p:pic>
+        <p:nvPicPr>
+          <p:cNvPr id="8" name="图片 7" descr="AM"/>
+          <p:cNvPicPr>
+            <a:picLocks noChangeAspect="1"/>
+          </p:cNvPicPr>
+          <p:nvPr/>
+        </p:nvPicPr>
+        <p:blipFill>
+          <a:blip r:embed="rId3"/>
+          <a:stretch>
+            <a:fillRect/>
+          </a:stretch>
+        </p:blipFill>
+        <p:spPr>
+          <a:xfrm>
+            <a:off x="6532880" y="671830"/>
+            <a:ext cx="749935" cy="659130"/>
+          </a:xfrm>
+          <a:prstGeom prst="rect">
+            <a:avLst/>
+          </a:prstGeom>
+        </p:spPr>
+      </p:pic>
+      <p:pic>
+        <p:nvPicPr>
+          <p:cNvPr id="9" name="图片 8" descr="BbM"/>
+          <p:cNvPicPr>
+            <a:picLocks noChangeAspect="1"/>
+          </p:cNvPicPr>
+          <p:nvPr/>
+        </p:nvPicPr>
+        <p:blipFill>
+          <a:blip r:embed="rId4"/>
+          <a:stretch>
+            <a:fillRect/>
+          </a:stretch>
+        </p:blipFill>
+        <p:spPr>
+          <a:xfrm>
+            <a:off x="6432550" y="3027045"/>
+            <a:ext cx="949960" cy="575945"/>
+          </a:xfrm>
+          <a:prstGeom prst="rect">
+            <a:avLst/>
+          </a:prstGeom>
+        </p:spPr>
+      </p:pic>
+      <p:pic>
+        <p:nvPicPr>
+          <p:cNvPr id="10" name="图片 9" descr="CM"/>
+          <p:cNvPicPr>
+            <a:picLocks noChangeAspect="1"/>
+          </p:cNvPicPr>
+          <p:nvPr/>
+        </p:nvPicPr>
+        <p:blipFill>
+          <a:blip r:embed="rId5"/>
+          <a:stretch>
+            <a:fillRect/>
+          </a:stretch>
+        </p:blipFill>
+        <p:spPr>
+          <a:xfrm>
+            <a:off x="6433185" y="1898650"/>
+            <a:ext cx="949325" cy="593090"/>
+          </a:xfrm>
+          <a:prstGeom prst="rect">
+            <a:avLst/>
+          </a:prstGeom>
+        </p:spPr>
+      </p:pic>
+      <p:pic>
+        <p:nvPicPr>
+          <p:cNvPr id="12" name="图片 11" descr="EM"/>
+          <p:cNvPicPr>
+            <a:picLocks noChangeAspect="1"/>
+          </p:cNvPicPr>
+          <p:nvPr/>
+        </p:nvPicPr>
+        <p:blipFill>
+          <a:blip r:embed="rId6"/>
+          <a:stretch>
+            <a:fillRect/>
+          </a:stretch>
+        </p:blipFill>
+        <p:spPr>
+          <a:xfrm>
+            <a:off x="6472555" y="5953125"/>
+            <a:ext cx="871220" cy="502285"/>
+          </a:xfrm>
+          <a:prstGeom prst="rect">
+            <a:avLst/>
+          </a:prstGeom>
+        </p:spPr>
+      </p:pic>
+      <p:pic>
+        <p:nvPicPr>
+          <p:cNvPr id="23" name="图片 22" descr="HM"/>
+          <p:cNvPicPr>
+            <a:picLocks noChangeAspect="1"/>
+          </p:cNvPicPr>
+          <p:nvPr/>
+        </p:nvPicPr>
+        <p:blipFill>
+          <a:blip r:embed="rId7"/>
+          <a:stretch>
+            <a:fillRect/>
+          </a:stretch>
+        </p:blipFill>
+        <p:spPr>
+          <a:xfrm>
+            <a:off x="6532880" y="4864100"/>
+            <a:ext cx="694690" cy="608330"/>
+          </a:xfrm>
+          <a:prstGeom prst="rect">
+            <a:avLst/>
+          </a:prstGeom>
+        </p:spPr>
+      </p:pic>
     </p:spTree>
   </p:cSld>
   <p:clrMapOvr>

--- a/ppt.pptx
+++ b/ppt.pptx
@@ -12,14 +12,15 @@
     <p:sldId id="274" r:id="rId7"/>
     <p:sldId id="275" r:id="rId8"/>
     <p:sldId id="276" r:id="rId9"/>
-    <p:sldId id="257" r:id="rId10"/>
-    <p:sldId id="258" r:id="rId11"/>
-    <p:sldId id="259" r:id="rId12"/>
-    <p:sldId id="260" r:id="rId13"/>
-    <p:sldId id="266" r:id="rId14"/>
-    <p:sldId id="267" r:id="rId15"/>
-    <p:sldId id="270" r:id="rId16"/>
-    <p:sldId id="268" r:id="rId17"/>
+    <p:sldId id="286" r:id="rId10"/>
+    <p:sldId id="257" r:id="rId11"/>
+    <p:sldId id="258" r:id="rId12"/>
+    <p:sldId id="259" r:id="rId13"/>
+    <p:sldId id="260" r:id="rId14"/>
+    <p:sldId id="266" r:id="rId15"/>
+    <p:sldId id="267" r:id="rId16"/>
+    <p:sldId id="270" r:id="rId17"/>
+    <p:sldId id="268" r:id="rId18"/>
   </p:sldIdLst>
   <p:sldSz cx="12192000" cy="6858000"/>
   <p:notesSz cx="6858000" cy="9144000"/>
@@ -3526,6 +3527,194 @@
       <p:grpSpPr/>
       <p:pic>
         <p:nvPicPr>
+          <p:cNvPr id="4" name="内容占位符 3"/>
+          <p:cNvPicPr>
+            <a:picLocks noChangeAspect="1"/>
+          </p:cNvPicPr>
+          <p:nvPr>
+            <p:ph idx="1"/>
+          </p:nvPr>
+        </p:nvPicPr>
+        <p:blipFill>
+          <a:blip r:embed="rId1"/>
+          <a:stretch>
+            <a:fillRect/>
+          </a:stretch>
+        </p:blipFill>
+        <p:spPr>
+          <a:xfrm>
+            <a:off x="464820" y="1557020"/>
+            <a:ext cx="4810125" cy="3743325"/>
+          </a:xfrm>
+          <a:prstGeom prst="rect">
+            <a:avLst/>
+          </a:prstGeom>
+        </p:spPr>
+      </p:pic>
+      <p:pic>
+        <p:nvPicPr>
+          <p:cNvPr id="5" name="图片 4" descr="GM"/>
+          <p:cNvPicPr>
+            <a:picLocks noChangeAspect="1"/>
+          </p:cNvPicPr>
+          <p:nvPr/>
+        </p:nvPicPr>
+        <p:blipFill>
+          <a:blip r:embed="rId2"/>
+          <a:stretch>
+            <a:fillRect/>
+          </a:stretch>
+        </p:blipFill>
+        <p:spPr>
+          <a:xfrm>
+            <a:off x="6466205" y="3982085"/>
+            <a:ext cx="883285" cy="532130"/>
+          </a:xfrm>
+          <a:prstGeom prst="rect">
+            <a:avLst/>
+          </a:prstGeom>
+        </p:spPr>
+      </p:pic>
+      <p:pic>
+        <p:nvPicPr>
+          <p:cNvPr id="8" name="图片 7" descr="AM"/>
+          <p:cNvPicPr>
+            <a:picLocks noChangeAspect="1"/>
+          </p:cNvPicPr>
+          <p:nvPr/>
+        </p:nvPicPr>
+        <p:blipFill>
+          <a:blip r:embed="rId3"/>
+          <a:stretch>
+            <a:fillRect/>
+          </a:stretch>
+        </p:blipFill>
+        <p:spPr>
+          <a:xfrm>
+            <a:off x="6532880" y="671830"/>
+            <a:ext cx="749935" cy="659130"/>
+          </a:xfrm>
+          <a:prstGeom prst="rect">
+            <a:avLst/>
+          </a:prstGeom>
+        </p:spPr>
+      </p:pic>
+      <p:pic>
+        <p:nvPicPr>
+          <p:cNvPr id="9" name="图片 8" descr="BbM"/>
+          <p:cNvPicPr>
+            <a:picLocks noChangeAspect="1"/>
+          </p:cNvPicPr>
+          <p:nvPr/>
+        </p:nvPicPr>
+        <p:blipFill>
+          <a:blip r:embed="rId4"/>
+          <a:stretch>
+            <a:fillRect/>
+          </a:stretch>
+        </p:blipFill>
+        <p:spPr>
+          <a:xfrm>
+            <a:off x="6432550" y="3027045"/>
+            <a:ext cx="949960" cy="575945"/>
+          </a:xfrm>
+          <a:prstGeom prst="rect">
+            <a:avLst/>
+          </a:prstGeom>
+        </p:spPr>
+      </p:pic>
+      <p:pic>
+        <p:nvPicPr>
+          <p:cNvPr id="10" name="图片 9" descr="CM"/>
+          <p:cNvPicPr>
+            <a:picLocks noChangeAspect="1"/>
+          </p:cNvPicPr>
+          <p:nvPr/>
+        </p:nvPicPr>
+        <p:blipFill>
+          <a:blip r:embed="rId5"/>
+          <a:stretch>
+            <a:fillRect/>
+          </a:stretch>
+        </p:blipFill>
+        <p:spPr>
+          <a:xfrm>
+            <a:off x="6433185" y="1898650"/>
+            <a:ext cx="949325" cy="593090"/>
+          </a:xfrm>
+          <a:prstGeom prst="rect">
+            <a:avLst/>
+          </a:prstGeom>
+        </p:spPr>
+      </p:pic>
+      <p:pic>
+        <p:nvPicPr>
+          <p:cNvPr id="12" name="图片 11" descr="EM"/>
+          <p:cNvPicPr>
+            <a:picLocks noChangeAspect="1"/>
+          </p:cNvPicPr>
+          <p:nvPr/>
+        </p:nvPicPr>
+        <p:blipFill>
+          <a:blip r:embed="rId6"/>
+          <a:stretch>
+            <a:fillRect/>
+          </a:stretch>
+        </p:blipFill>
+        <p:spPr>
+          <a:xfrm>
+            <a:off x="6472555" y="5953125"/>
+            <a:ext cx="871220" cy="502285"/>
+          </a:xfrm>
+          <a:prstGeom prst="rect">
+            <a:avLst/>
+          </a:prstGeom>
+        </p:spPr>
+      </p:pic>
+      <p:pic>
+        <p:nvPicPr>
+          <p:cNvPr id="23" name="图片 22" descr="HM"/>
+          <p:cNvPicPr>
+            <a:picLocks noChangeAspect="1"/>
+          </p:cNvPicPr>
+          <p:nvPr/>
+        </p:nvPicPr>
+        <p:blipFill>
+          <a:blip r:embed="rId7"/>
+          <a:stretch>
+            <a:fillRect/>
+          </a:stretch>
+        </p:blipFill>
+        <p:spPr>
+          <a:xfrm>
+            <a:off x="6532880" y="4864100"/>
+            <a:ext cx="694690" cy="608330"/>
+          </a:xfrm>
+          <a:prstGeom prst="rect">
+            <a:avLst/>
+          </a:prstGeom>
+        </p:spPr>
+      </p:pic>
+    </p:spTree>
+  </p:cSld>
+  <p:clrMapOvr>
+    <a:masterClrMapping/>
+  </p:clrMapOvr>
+</p:sld>
+</file>
+
+<file path=ppt/slides/slide11.xml><?xml version="1.0" encoding="utf-8"?>
+<p:sld xmlns:a="http://schemas.openxmlformats.org/drawingml/2006/main" xmlns:r="http://schemas.openxmlformats.org/officeDocument/2006/relationships" xmlns:p="http://schemas.openxmlformats.org/presentationml/2006/main">
+  <p:cSld>
+    <p:spTree>
+      <p:nvGrpSpPr>
+        <p:cNvPr id="1" name=""/>
+        <p:cNvGrpSpPr/>
+        <p:nvPr/>
+      </p:nvGrpSpPr>
+      <p:grpSpPr/>
+      <p:pic>
+        <p:nvPicPr>
           <p:cNvPr id="6" name="图片 5" descr="18457"/>
           <p:cNvPicPr>
             <a:picLocks noChangeAspect="1"/>
@@ -3667,7 +3856,7 @@
 </p:sld>
 </file>
 
-<file path=ppt/slides/slide11.xml><?xml version="1.0" encoding="utf-8"?>
+<file path=ppt/slides/slide12.xml><?xml version="1.0" encoding="utf-8"?>
 <p:sld xmlns:a="http://schemas.openxmlformats.org/drawingml/2006/main" xmlns:r="http://schemas.openxmlformats.org/officeDocument/2006/relationships" xmlns:p="http://schemas.openxmlformats.org/presentationml/2006/main">
   <p:cSld>
     <p:spTree>
@@ -4284,7 +4473,7 @@
 </p:sld>
 </file>
 
-<file path=ppt/slides/slide12.xml><?xml version="1.0" encoding="utf-8"?>
+<file path=ppt/slides/slide13.xml><?xml version="1.0" encoding="utf-8"?>
 <p:sld xmlns:a="http://schemas.openxmlformats.org/drawingml/2006/main" xmlns:r="http://schemas.openxmlformats.org/officeDocument/2006/relationships" xmlns:p="http://schemas.openxmlformats.org/presentationml/2006/main">
   <p:cSld>
     <p:spTree>
@@ -5141,7 +5330,7 @@
 </p:sld>
 </file>
 
-<file path=ppt/slides/slide13.xml><?xml version="1.0" encoding="utf-8"?>
+<file path=ppt/slides/slide14.xml><?xml version="1.0" encoding="utf-8"?>
 <p:sld xmlns:a="http://schemas.openxmlformats.org/drawingml/2006/main" xmlns:r="http://schemas.openxmlformats.org/officeDocument/2006/relationships" xmlns:p="http://schemas.openxmlformats.org/presentationml/2006/main">
   <p:cSld>
     <p:spTree>
@@ -5659,7 +5848,7 @@
 </p:sld>
 </file>
 
-<file path=ppt/slides/slide14.xml><?xml version="1.0" encoding="utf-8"?>
+<file path=ppt/slides/slide15.xml><?xml version="1.0" encoding="utf-8"?>
 <p:sld xmlns:a="http://schemas.openxmlformats.org/drawingml/2006/main" xmlns:r="http://schemas.openxmlformats.org/officeDocument/2006/relationships" xmlns:p="http://schemas.openxmlformats.org/presentationml/2006/main">
   <p:cSld>
     <p:spTree>
@@ -6133,7 +6322,7 @@
 </p:sld>
 </file>
 
-<file path=ppt/slides/slide15.xml><?xml version="1.0" encoding="utf-8"?>
+<file path=ppt/slides/slide16.xml><?xml version="1.0" encoding="utf-8"?>
 <p:sld xmlns:a="http://schemas.openxmlformats.org/drawingml/2006/main" xmlns:r="http://schemas.openxmlformats.org/officeDocument/2006/relationships" xmlns:p="http://schemas.openxmlformats.org/presentationml/2006/main">
   <p:cSld>
     <p:spTree>
@@ -8787,7 +8976,7 @@
         </p:grpSpPr>
         <p:pic>
           <p:nvPicPr>
-            <p:cNvPr id="-2147482597" name="图片 46"/>
+            <p:cNvPr id="2" name="图片 46"/>
             <p:cNvPicPr>
               <a:picLocks noChangeAspect="1"/>
             </p:cNvPicPr>
@@ -8845,7 +9034,7 @@
       </p:grpSp>
       <p:pic>
         <p:nvPicPr>
-          <p:cNvPr id="-2147482598" name="图片 33"/>
+          <p:cNvPr id="3" name="图片 33"/>
           <p:cNvPicPr>
             <a:picLocks noChangeAspect="1"/>
           </p:cNvPicPr>
@@ -8992,15 +9181,7 @@
                   <a:schemeClr val="tx1"/>
                 </a:solidFill>
               </a:rPr>
-              <a:t>データ</a:t>
-            </a:r>
-            <a:r>
-              <a:rPr lang="ja-JP" altLang="zh-CN" b="1">
-                <a:solidFill>
-                  <a:schemeClr val="tx1"/>
-                </a:solidFill>
-              </a:rPr>
-              <a:t>保存</a:t>
+              <a:t>データ保存</a:t>
             </a:r>
             <a:endParaRPr lang="ja-JP" altLang="zh-CN" b="1">
               <a:solidFill>
@@ -9054,7 +9235,7 @@
       </p:pic>
       <p:pic>
         <p:nvPicPr>
-          <p:cNvPr id="-2147482596" name="图片 48"/>
+          <p:cNvPr id="2" name="图片 48"/>
           <p:cNvPicPr>
             <a:picLocks noChangeAspect="1"/>
           </p:cNvPicPr>
@@ -9340,98 +9521,26 @@
         </p:blipFill>
         <p:spPr>
           <a:xfrm>
-            <a:off x="2499360" y="3711575"/>
-            <a:ext cx="3931285" cy="3058795"/>
+            <a:off x="122555" y="1557655"/>
+            <a:ext cx="4461510" cy="3564890"/>
           </a:xfrm>
           <a:prstGeom prst="rect">
             <a:avLst/>
           </a:prstGeom>
         </p:spPr>
       </p:pic>
-      <p:pic>
-        <p:nvPicPr>
-          <p:cNvPr id="5" name="图片 4"/>
-          <p:cNvPicPr>
-            <a:picLocks noChangeAspect="1"/>
-          </p:cNvPicPr>
-          <p:nvPr/>
-        </p:nvPicPr>
-        <p:blipFill>
-          <a:blip r:embed="rId2"/>
-          <a:stretch>
-            <a:fillRect/>
-          </a:stretch>
-        </p:blipFill>
-        <p:spPr>
-          <a:xfrm>
-            <a:off x="882015" y="156210"/>
-            <a:ext cx="2135505" cy="2773045"/>
-          </a:xfrm>
-          <a:prstGeom prst="rect">
-            <a:avLst/>
-          </a:prstGeom>
-        </p:spPr>
-      </p:pic>
-      <p:pic>
-        <p:nvPicPr>
-          <p:cNvPr id="6" name="图片 5"/>
-          <p:cNvPicPr>
-            <a:picLocks noChangeAspect="1"/>
-          </p:cNvPicPr>
-          <p:nvPr/>
-        </p:nvPicPr>
-        <p:blipFill>
-          <a:blip r:embed="rId3"/>
-          <a:stretch>
-            <a:fillRect/>
-          </a:stretch>
-        </p:blipFill>
-        <p:spPr>
-          <a:xfrm>
-            <a:off x="3435350" y="156210"/>
-            <a:ext cx="2062480" cy="2773680"/>
-          </a:xfrm>
-          <a:prstGeom prst="rect">
-            <a:avLst/>
-          </a:prstGeom>
-        </p:spPr>
-      </p:pic>
-      <p:pic>
-        <p:nvPicPr>
-          <p:cNvPr id="7" name="图片 6"/>
-          <p:cNvPicPr>
-            <a:picLocks noChangeAspect="1"/>
-          </p:cNvPicPr>
-          <p:nvPr/>
-        </p:nvPicPr>
-        <p:blipFill>
-          <a:blip r:embed="rId4"/>
-          <a:stretch>
-            <a:fillRect/>
-          </a:stretch>
-        </p:blipFill>
-        <p:spPr>
-          <a:xfrm>
-            <a:off x="5981065" y="156210"/>
-            <a:ext cx="1846580" cy="2772410"/>
-          </a:xfrm>
-          <a:prstGeom prst="rect">
-            <a:avLst/>
-          </a:prstGeom>
-        </p:spPr>
-      </p:pic>
-      <p:sp>
-        <p:nvSpPr>
-          <p:cNvPr id="8" name="下箭头 7"/>
+      <p:sp>
+        <p:nvSpPr>
+          <p:cNvPr id="7" name="右箭头 6"/>
           <p:cNvSpPr/>
           <p:nvPr/>
         </p:nvSpPr>
         <p:spPr>
           <a:xfrm>
-            <a:off x="4140200" y="3024505"/>
-            <a:ext cx="536575" cy="601980"/>
-          </a:xfrm>
-          <a:prstGeom prst="downArrow">
+            <a:off x="4763135" y="3049270"/>
+            <a:ext cx="749300" cy="582295"/>
+          </a:xfrm>
+          <a:prstGeom prst="rightArrow">
             <a:avLst/>
           </a:prstGeom>
         </p:spPr>
@@ -9459,6 +9568,30 @@
           </a:p>
         </p:txBody>
       </p:sp>
+      <p:pic>
+        <p:nvPicPr>
+          <p:cNvPr id="5" name="图片 4"/>
+          <p:cNvPicPr>
+            <a:picLocks noChangeAspect="1"/>
+          </p:cNvPicPr>
+          <p:nvPr/>
+        </p:nvPicPr>
+        <p:blipFill>
+          <a:blip r:embed="rId2"/>
+          <a:stretch>
+            <a:fillRect/>
+          </a:stretch>
+        </p:blipFill>
+        <p:spPr>
+          <a:xfrm>
+            <a:off x="5691505" y="2139950"/>
+            <a:ext cx="6428740" cy="2400300"/>
+          </a:xfrm>
+          <a:prstGeom prst="rect">
+            <a:avLst/>
+          </a:prstGeom>
+        </p:spPr>
+      </p:pic>
     </p:spTree>
   </p:cSld>
   <p:clrMapOvr>
@@ -9479,13 +9612,11 @@
       <p:grpSpPr/>
       <p:pic>
         <p:nvPicPr>
-          <p:cNvPr id="4" name="内容占位符 3"/>
+          <p:cNvPr id="4" name="图片 3"/>
           <p:cNvPicPr>
             <a:picLocks noChangeAspect="1"/>
           </p:cNvPicPr>
-          <p:nvPr>
-            <p:ph idx="1"/>
-          </p:nvPr>
+          <p:nvPr/>
         </p:nvPicPr>
         <p:blipFill>
           <a:blip r:embed="rId1"/>
@@ -9495,8 +9626,8 @@
         </p:blipFill>
         <p:spPr>
           <a:xfrm>
-            <a:off x="464820" y="1557020"/>
-            <a:ext cx="4810125" cy="3743325"/>
+            <a:off x="2499360" y="3711575"/>
+            <a:ext cx="3931285" cy="3058795"/>
           </a:xfrm>
           <a:prstGeom prst="rect">
             <a:avLst/>
@@ -9505,7 +9636,7 @@
       </p:pic>
       <p:pic>
         <p:nvPicPr>
-          <p:cNvPr id="5" name="图片 4" descr="GM"/>
+          <p:cNvPr id="5" name="图片 4"/>
           <p:cNvPicPr>
             <a:picLocks noChangeAspect="1"/>
           </p:cNvPicPr>
@@ -9519,8 +9650,8 @@
         </p:blipFill>
         <p:spPr>
           <a:xfrm>
-            <a:off x="6466205" y="3982085"/>
-            <a:ext cx="883285" cy="532130"/>
+            <a:off x="882015" y="156210"/>
+            <a:ext cx="2135505" cy="2773045"/>
           </a:xfrm>
           <a:prstGeom prst="rect">
             <a:avLst/>
@@ -9529,7 +9660,7 @@
       </p:pic>
       <p:pic>
         <p:nvPicPr>
-          <p:cNvPr id="8" name="图片 7" descr="AM"/>
+          <p:cNvPr id="6" name="图片 5"/>
           <p:cNvPicPr>
             <a:picLocks noChangeAspect="1"/>
           </p:cNvPicPr>
@@ -9543,8 +9674,8 @@
         </p:blipFill>
         <p:spPr>
           <a:xfrm>
-            <a:off x="6532880" y="671830"/>
-            <a:ext cx="749935" cy="659130"/>
+            <a:off x="3435350" y="156210"/>
+            <a:ext cx="2062480" cy="2773680"/>
           </a:xfrm>
           <a:prstGeom prst="rect">
             <a:avLst/>
@@ -9553,7 +9684,7 @@
       </p:pic>
       <p:pic>
         <p:nvPicPr>
-          <p:cNvPr id="9" name="图片 8" descr="BbM"/>
+          <p:cNvPr id="7" name="图片 6"/>
           <p:cNvPicPr>
             <a:picLocks noChangeAspect="1"/>
           </p:cNvPicPr>
@@ -9567,86 +9698,53 @@
         </p:blipFill>
         <p:spPr>
           <a:xfrm>
-            <a:off x="6432550" y="3027045"/>
-            <a:ext cx="949960" cy="575945"/>
+            <a:off x="5981065" y="156210"/>
+            <a:ext cx="1846580" cy="2772410"/>
           </a:xfrm>
           <a:prstGeom prst="rect">
             <a:avLst/>
           </a:prstGeom>
         </p:spPr>
       </p:pic>
-      <p:pic>
-        <p:nvPicPr>
-          <p:cNvPr id="10" name="图片 9" descr="CM"/>
-          <p:cNvPicPr>
-            <a:picLocks noChangeAspect="1"/>
-          </p:cNvPicPr>
-          <p:nvPr/>
-        </p:nvPicPr>
-        <p:blipFill>
-          <a:blip r:embed="rId5"/>
-          <a:stretch>
-            <a:fillRect/>
-          </a:stretch>
-        </p:blipFill>
-        <p:spPr>
-          <a:xfrm>
-            <a:off x="6433185" y="1898650"/>
-            <a:ext cx="949325" cy="593090"/>
-          </a:xfrm>
-          <a:prstGeom prst="rect">
-            <a:avLst/>
-          </a:prstGeom>
-        </p:spPr>
-      </p:pic>
-      <p:pic>
-        <p:nvPicPr>
-          <p:cNvPr id="12" name="图片 11" descr="EM"/>
-          <p:cNvPicPr>
-            <a:picLocks noChangeAspect="1"/>
-          </p:cNvPicPr>
-          <p:nvPr/>
-        </p:nvPicPr>
-        <p:blipFill>
-          <a:blip r:embed="rId6"/>
-          <a:stretch>
-            <a:fillRect/>
-          </a:stretch>
-        </p:blipFill>
-        <p:spPr>
-          <a:xfrm>
-            <a:off x="6472555" y="5953125"/>
-            <a:ext cx="871220" cy="502285"/>
-          </a:xfrm>
-          <a:prstGeom prst="rect">
-            <a:avLst/>
-          </a:prstGeom>
-        </p:spPr>
-      </p:pic>
-      <p:pic>
-        <p:nvPicPr>
-          <p:cNvPr id="23" name="图片 22" descr="HM"/>
-          <p:cNvPicPr>
-            <a:picLocks noChangeAspect="1"/>
-          </p:cNvPicPr>
-          <p:nvPr/>
-        </p:nvPicPr>
-        <p:blipFill>
-          <a:blip r:embed="rId7"/>
-          <a:stretch>
-            <a:fillRect/>
-          </a:stretch>
-        </p:blipFill>
-        <p:spPr>
-          <a:xfrm>
-            <a:off x="6532880" y="4864100"/>
-            <a:ext cx="694690" cy="608330"/>
-          </a:xfrm>
-          <a:prstGeom prst="rect">
-            <a:avLst/>
-          </a:prstGeom>
-        </p:spPr>
-      </p:pic>
+      <p:sp>
+        <p:nvSpPr>
+          <p:cNvPr id="8" name="下箭头 7"/>
+          <p:cNvSpPr/>
+          <p:nvPr/>
+        </p:nvSpPr>
+        <p:spPr>
+          <a:xfrm>
+            <a:off x="4140200" y="3024505"/>
+            <a:ext cx="536575" cy="601980"/>
+          </a:xfrm>
+          <a:prstGeom prst="downArrow">
+            <a:avLst/>
+          </a:prstGeom>
+        </p:spPr>
+        <p:style>
+          <a:lnRef idx="2">
+            <a:schemeClr val="accent1">
+              <a:shade val="50000"/>
+            </a:schemeClr>
+          </a:lnRef>
+          <a:fillRef idx="1">
+            <a:schemeClr val="accent1"/>
+          </a:fillRef>
+          <a:effectRef idx="0">
+            <a:schemeClr val="accent1"/>
+          </a:effectRef>
+          <a:fontRef idx="minor">
+            <a:schemeClr val="lt1"/>
+          </a:fontRef>
+        </p:style>
+        <p:txBody>
+          <a:bodyPr rtlCol="0" anchor="ctr"/>
+          <a:p>
+            <a:pPr algn="ctr"/>
+            <a:endParaRPr lang="zh-CN" altLang="en-US"/>
+          </a:p>
+        </p:txBody>
+      </p:sp>
     </p:spTree>
   </p:cSld>
   <p:clrMapOvr>

--- a/ppt.pptx
+++ b/ppt.pptx
@@ -5,10 +5,11 @@
     <p:sldMasterId id="2147483648" r:id="rId1"/>
   </p:sldMasterIdLst>
   <p:sldIdLst>
-    <p:sldId id="256" r:id="rId3"/>
-    <p:sldId id="261" r:id="rId4"/>
-    <p:sldId id="273" r:id="rId5"/>
-    <p:sldId id="272" r:id="rId6"/>
+    <p:sldId id="256" r:id="rId2"/>
+    <p:sldId id="261" r:id="rId3"/>
+    <p:sldId id="273" r:id="rId4"/>
+    <p:sldId id="272" r:id="rId5"/>
+    <p:sldId id="287" r:id="rId6"/>
     <p:sldId id="274" r:id="rId7"/>
     <p:sldId id="275" r:id="rId8"/>
     <p:sldId id="276" r:id="rId9"/>
@@ -119,7 +120,16 @@
       </a:defRPr>
     </a:lvl9pPr>
   </p:defaultTextStyle>
+  <p:extLst>
+    <p:ext uri="{EFAFB233-063F-42B5-8137-9DF3F51BA10A}">
+      <p15:sldGuideLst xmlns:p15="http://schemas.microsoft.com/office/powerpoint/2012/main"/>
+    </p:ext>
+  </p:extLst>
 </p:presentation>
+</file>
+
+<file path=ppt/revisionInfo.xml><?xml version="1.0" encoding="utf-8"?>
+<p1510:revInfo xmlns:a="http://schemas.openxmlformats.org/drawingml/2006/main" xmlns:r="http://schemas.openxmlformats.org/officeDocument/2006/relationships" xmlns:p1510="http://schemas.microsoft.com/office/powerpoint/2015/10/main"/>
 </file>
 
 <file path=ppt/slideLayouts/slideLayout1.xml><?xml version="1.0" encoding="utf-8"?>
@@ -164,10 +174,9 @@
           </a:lstStyle>
           <a:p>
             <a:r>
-              <a:rPr lang="zh-CN" altLang="en-US" smtClean="0"/>
+              <a:rPr lang="zh-CN" altLang="en-US"/>
               <a:t>单击此处编辑母版标题样式</a:t>
             </a:r>
-            <a:endParaRPr lang="zh-CN" altLang="en-US"/>
           </a:p>
         </p:txBody>
       </p:sp>
@@ -229,10 +238,9 @@
           </a:lstStyle>
           <a:p>
             <a:r>
-              <a:rPr lang="zh-CN" altLang="en-US" smtClean="0"/>
+              <a:rPr lang="zh-CN" altLang="en-US"/>
               <a:t>单击此处编辑母版副标题样式</a:t>
             </a:r>
-            <a:endParaRPr lang="zh-CN" altLang="en-US"/>
           </a:p>
         </p:txBody>
       </p:sp>
@@ -253,6 +261,7 @@
           <a:p>
             <a:fld id="{D997B5FA-0921-464F-AAE1-844C04324D75}" type="datetimeFigureOut">
               <a:rPr lang="zh-CN" altLang="en-US" smtClean="0"/>
+              <a:t>2017/12/22</a:t>
             </a:fld>
             <a:endParaRPr lang="zh-CN" altLang="en-US"/>
           </a:p>
@@ -294,6 +303,7 @@
           <a:p>
             <a:fld id="{565CE74E-AB26-4998-AD42-012C4C1AD076}" type="slidenum">
               <a:rPr lang="zh-CN" altLang="en-US" smtClean="0"/>
+              <a:t>‹#›</a:t>
             </a:fld>
             <a:endParaRPr lang="zh-CN" altLang="en-US"/>
           </a:p>
@@ -340,10 +350,9 @@
           <a:lstStyle/>
           <a:p>
             <a:r>
-              <a:rPr lang="zh-CN" altLang="en-US" smtClean="0"/>
+              <a:rPr lang="zh-CN" altLang="en-US"/>
               <a:t>单击此处编辑母版标题样式</a:t>
             </a:r>
-            <a:endParaRPr lang="zh-CN" altLang="en-US"/>
           </a:p>
         </p:txBody>
       </p:sp>
@@ -364,42 +373,37 @@
           <a:p>
             <a:pPr lvl="0"/>
             <a:r>
-              <a:rPr lang="zh-CN" altLang="en-US" smtClean="0"/>
+              <a:rPr lang="zh-CN" altLang="en-US"/>
               <a:t>单击此处编辑母版文本样式</a:t>
             </a:r>
-            <a:endParaRPr lang="zh-CN" altLang="en-US" smtClean="0"/>
           </a:p>
           <a:p>
             <a:pPr lvl="1"/>
             <a:r>
-              <a:rPr lang="zh-CN" altLang="en-US" smtClean="0"/>
+              <a:rPr lang="zh-CN" altLang="en-US"/>
               <a:t>第二级</a:t>
             </a:r>
-            <a:endParaRPr lang="zh-CN" altLang="en-US" smtClean="0"/>
           </a:p>
           <a:p>
             <a:pPr lvl="2"/>
             <a:r>
-              <a:rPr lang="zh-CN" altLang="en-US" smtClean="0"/>
+              <a:rPr lang="zh-CN" altLang="en-US"/>
               <a:t>第三级</a:t>
             </a:r>
-            <a:endParaRPr lang="zh-CN" altLang="en-US" smtClean="0"/>
           </a:p>
           <a:p>
             <a:pPr lvl="3"/>
             <a:r>
-              <a:rPr lang="zh-CN" altLang="en-US" smtClean="0"/>
+              <a:rPr lang="zh-CN" altLang="en-US"/>
               <a:t>第四级</a:t>
             </a:r>
-            <a:endParaRPr lang="zh-CN" altLang="en-US" smtClean="0"/>
           </a:p>
           <a:p>
             <a:pPr lvl="4"/>
             <a:r>
-              <a:rPr lang="zh-CN" altLang="en-US" smtClean="0"/>
+              <a:rPr lang="zh-CN" altLang="en-US"/>
               <a:t>第五级</a:t>
             </a:r>
-            <a:endParaRPr lang="zh-CN" altLang="en-US"/>
           </a:p>
         </p:txBody>
       </p:sp>
@@ -420,6 +424,7 @@
           <a:p>
             <a:fld id="{D997B5FA-0921-464F-AAE1-844C04324D75}" type="datetimeFigureOut">
               <a:rPr lang="zh-CN" altLang="en-US" smtClean="0"/>
+              <a:t>2017/12/22</a:t>
             </a:fld>
             <a:endParaRPr lang="zh-CN" altLang="en-US"/>
           </a:p>
@@ -461,6 +466,7 @@
           <a:p>
             <a:fld id="{565CE74E-AB26-4998-AD42-012C4C1AD076}" type="slidenum">
               <a:rPr lang="zh-CN" altLang="en-US" smtClean="0"/>
+              <a:t>‹#›</a:t>
             </a:fld>
             <a:endParaRPr lang="zh-CN" altLang="en-US"/>
           </a:p>
@@ -512,10 +518,9 @@
           <a:lstStyle/>
           <a:p>
             <a:r>
-              <a:rPr lang="zh-CN" altLang="en-US" smtClean="0"/>
+              <a:rPr lang="zh-CN" altLang="en-US"/>
               <a:t>单击此处编辑母版标题样式</a:t>
             </a:r>
-            <a:endParaRPr lang="zh-CN" altLang="en-US"/>
           </a:p>
         </p:txBody>
       </p:sp>
@@ -541,42 +546,37 @@
           <a:p>
             <a:pPr lvl="0"/>
             <a:r>
-              <a:rPr lang="zh-CN" altLang="en-US" smtClean="0"/>
+              <a:rPr lang="zh-CN" altLang="en-US"/>
               <a:t>单击此处编辑母版文本样式</a:t>
             </a:r>
-            <a:endParaRPr lang="zh-CN" altLang="en-US" smtClean="0"/>
           </a:p>
           <a:p>
             <a:pPr lvl="1"/>
             <a:r>
-              <a:rPr lang="zh-CN" altLang="en-US" smtClean="0"/>
+              <a:rPr lang="zh-CN" altLang="en-US"/>
               <a:t>第二级</a:t>
             </a:r>
-            <a:endParaRPr lang="zh-CN" altLang="en-US" smtClean="0"/>
           </a:p>
           <a:p>
             <a:pPr lvl="2"/>
             <a:r>
-              <a:rPr lang="zh-CN" altLang="en-US" smtClean="0"/>
+              <a:rPr lang="zh-CN" altLang="en-US"/>
               <a:t>第三级</a:t>
             </a:r>
-            <a:endParaRPr lang="zh-CN" altLang="en-US" smtClean="0"/>
           </a:p>
           <a:p>
             <a:pPr lvl="3"/>
             <a:r>
-              <a:rPr lang="zh-CN" altLang="en-US" smtClean="0"/>
+              <a:rPr lang="zh-CN" altLang="en-US"/>
               <a:t>第四级</a:t>
             </a:r>
-            <a:endParaRPr lang="zh-CN" altLang="en-US" smtClean="0"/>
           </a:p>
           <a:p>
             <a:pPr lvl="4"/>
             <a:r>
-              <a:rPr lang="zh-CN" altLang="en-US" smtClean="0"/>
+              <a:rPr lang="zh-CN" altLang="en-US"/>
               <a:t>第五级</a:t>
             </a:r>
-            <a:endParaRPr lang="zh-CN" altLang="en-US"/>
           </a:p>
         </p:txBody>
       </p:sp>
@@ -597,6 +597,7 @@
           <a:p>
             <a:fld id="{D997B5FA-0921-464F-AAE1-844C04324D75}" type="datetimeFigureOut">
               <a:rPr lang="zh-CN" altLang="en-US" smtClean="0"/>
+              <a:t>2017/12/22</a:t>
             </a:fld>
             <a:endParaRPr lang="zh-CN" altLang="en-US"/>
           </a:p>
@@ -638,6 +639,7 @@
           <a:p>
             <a:fld id="{565CE74E-AB26-4998-AD42-012C4C1AD076}" type="slidenum">
               <a:rPr lang="zh-CN" altLang="en-US" smtClean="0"/>
+              <a:t>‹#›</a:t>
             </a:fld>
             <a:endParaRPr lang="zh-CN" altLang="en-US"/>
           </a:p>
@@ -684,10 +686,9 @@
           <a:lstStyle/>
           <a:p>
             <a:r>
-              <a:rPr lang="zh-CN" altLang="en-US" smtClean="0"/>
+              <a:rPr lang="zh-CN" altLang="en-US"/>
               <a:t>单击此处编辑母版标题样式</a:t>
             </a:r>
-            <a:endParaRPr lang="zh-CN" altLang="en-US"/>
           </a:p>
         </p:txBody>
       </p:sp>
@@ -708,42 +709,37 @@
           <a:p>
             <a:pPr lvl="0"/>
             <a:r>
-              <a:rPr lang="zh-CN" altLang="en-US" smtClean="0"/>
+              <a:rPr lang="zh-CN" altLang="en-US"/>
               <a:t>单击此处编辑母版文本样式</a:t>
             </a:r>
-            <a:endParaRPr lang="zh-CN" altLang="en-US" smtClean="0"/>
           </a:p>
           <a:p>
             <a:pPr lvl="1"/>
             <a:r>
-              <a:rPr lang="zh-CN" altLang="en-US" smtClean="0"/>
+              <a:rPr lang="zh-CN" altLang="en-US"/>
               <a:t>第二级</a:t>
             </a:r>
-            <a:endParaRPr lang="zh-CN" altLang="en-US" smtClean="0"/>
           </a:p>
           <a:p>
             <a:pPr lvl="2"/>
             <a:r>
-              <a:rPr lang="zh-CN" altLang="en-US" smtClean="0"/>
+              <a:rPr lang="zh-CN" altLang="en-US"/>
               <a:t>第三级</a:t>
             </a:r>
-            <a:endParaRPr lang="zh-CN" altLang="en-US" smtClean="0"/>
           </a:p>
           <a:p>
             <a:pPr lvl="3"/>
             <a:r>
-              <a:rPr lang="zh-CN" altLang="en-US" smtClean="0"/>
+              <a:rPr lang="zh-CN" altLang="en-US"/>
               <a:t>第四级</a:t>
             </a:r>
-            <a:endParaRPr lang="zh-CN" altLang="en-US" smtClean="0"/>
           </a:p>
           <a:p>
             <a:pPr lvl="4"/>
             <a:r>
-              <a:rPr lang="zh-CN" altLang="en-US" smtClean="0"/>
+              <a:rPr lang="zh-CN" altLang="en-US"/>
               <a:t>第五级</a:t>
             </a:r>
-            <a:endParaRPr lang="zh-CN" altLang="en-US"/>
           </a:p>
         </p:txBody>
       </p:sp>
@@ -764,6 +760,7 @@
           <a:p>
             <a:fld id="{D997B5FA-0921-464F-AAE1-844C04324D75}" type="datetimeFigureOut">
               <a:rPr lang="zh-CN" altLang="en-US" smtClean="0"/>
+              <a:t>2017/12/22</a:t>
             </a:fld>
             <a:endParaRPr lang="zh-CN" altLang="en-US"/>
           </a:p>
@@ -805,6 +802,7 @@
           <a:p>
             <a:fld id="{565CE74E-AB26-4998-AD42-012C4C1AD076}" type="slidenum">
               <a:rPr lang="zh-CN" altLang="en-US" smtClean="0"/>
+              <a:t>‹#›</a:t>
             </a:fld>
             <a:endParaRPr lang="zh-CN" altLang="en-US"/>
           </a:p>
@@ -860,10 +858,9 @@
           </a:lstStyle>
           <a:p>
             <a:r>
-              <a:rPr lang="zh-CN" altLang="en-US" smtClean="0"/>
+              <a:rPr lang="zh-CN" altLang="en-US"/>
               <a:t>单击此处编辑母版标题样式</a:t>
             </a:r>
-            <a:endParaRPr lang="zh-CN" altLang="en-US"/>
           </a:p>
         </p:txBody>
       </p:sp>
@@ -980,10 +977,9 @@
           <a:p>
             <a:pPr lvl="0"/>
             <a:r>
-              <a:rPr lang="zh-CN" altLang="en-US" smtClean="0"/>
+              <a:rPr lang="zh-CN" altLang="en-US"/>
               <a:t>单击此处编辑母版文本样式</a:t>
             </a:r>
-            <a:endParaRPr lang="zh-CN" altLang="en-US" smtClean="0"/>
           </a:p>
         </p:txBody>
       </p:sp>
@@ -1004,6 +1000,7 @@
           <a:p>
             <a:fld id="{D997B5FA-0921-464F-AAE1-844C04324D75}" type="datetimeFigureOut">
               <a:rPr lang="zh-CN" altLang="en-US" smtClean="0"/>
+              <a:t>2017/12/22</a:t>
             </a:fld>
             <a:endParaRPr lang="zh-CN" altLang="en-US"/>
           </a:p>
@@ -1045,6 +1042,7 @@
           <a:p>
             <a:fld id="{565CE74E-AB26-4998-AD42-012C4C1AD076}" type="slidenum">
               <a:rPr lang="zh-CN" altLang="en-US" smtClean="0"/>
+              <a:t>‹#›</a:t>
             </a:fld>
             <a:endParaRPr lang="zh-CN" altLang="en-US"/>
           </a:p>
@@ -1091,10 +1089,9 @@
           <a:lstStyle/>
           <a:p>
             <a:r>
-              <a:rPr lang="zh-CN" altLang="en-US" smtClean="0"/>
+              <a:rPr lang="zh-CN" altLang="en-US"/>
               <a:t>单击此处编辑母版标题样式</a:t>
             </a:r>
-            <a:endParaRPr lang="zh-CN" altLang="en-US"/>
           </a:p>
         </p:txBody>
       </p:sp>
@@ -1120,42 +1117,37 @@
           <a:p>
             <a:pPr lvl="0"/>
             <a:r>
-              <a:rPr lang="zh-CN" altLang="en-US" smtClean="0"/>
+              <a:rPr lang="zh-CN" altLang="en-US"/>
               <a:t>单击此处编辑母版文本样式</a:t>
             </a:r>
-            <a:endParaRPr lang="zh-CN" altLang="en-US" smtClean="0"/>
           </a:p>
           <a:p>
             <a:pPr lvl="1"/>
             <a:r>
-              <a:rPr lang="zh-CN" altLang="en-US" smtClean="0"/>
+              <a:rPr lang="zh-CN" altLang="en-US"/>
               <a:t>第二级</a:t>
             </a:r>
-            <a:endParaRPr lang="zh-CN" altLang="en-US" smtClean="0"/>
           </a:p>
           <a:p>
             <a:pPr lvl="2"/>
             <a:r>
-              <a:rPr lang="zh-CN" altLang="en-US" smtClean="0"/>
+              <a:rPr lang="zh-CN" altLang="en-US"/>
               <a:t>第三级</a:t>
             </a:r>
-            <a:endParaRPr lang="zh-CN" altLang="en-US" smtClean="0"/>
           </a:p>
           <a:p>
             <a:pPr lvl="3"/>
             <a:r>
-              <a:rPr lang="zh-CN" altLang="en-US" smtClean="0"/>
+              <a:rPr lang="zh-CN" altLang="en-US"/>
               <a:t>第四级</a:t>
             </a:r>
-            <a:endParaRPr lang="zh-CN" altLang="en-US" smtClean="0"/>
           </a:p>
           <a:p>
             <a:pPr lvl="4"/>
             <a:r>
-              <a:rPr lang="zh-CN" altLang="en-US" smtClean="0"/>
+              <a:rPr lang="zh-CN" altLang="en-US"/>
               <a:t>第五级</a:t>
             </a:r>
-            <a:endParaRPr lang="zh-CN" altLang="en-US"/>
           </a:p>
         </p:txBody>
       </p:sp>
@@ -1181,42 +1173,37 @@
           <a:p>
             <a:pPr lvl="0"/>
             <a:r>
-              <a:rPr lang="zh-CN" altLang="en-US" smtClean="0"/>
+              <a:rPr lang="zh-CN" altLang="en-US"/>
               <a:t>单击此处编辑母版文本样式</a:t>
             </a:r>
-            <a:endParaRPr lang="zh-CN" altLang="en-US" smtClean="0"/>
           </a:p>
           <a:p>
             <a:pPr lvl="1"/>
             <a:r>
-              <a:rPr lang="zh-CN" altLang="en-US" smtClean="0"/>
+              <a:rPr lang="zh-CN" altLang="en-US"/>
               <a:t>第二级</a:t>
             </a:r>
-            <a:endParaRPr lang="zh-CN" altLang="en-US" smtClean="0"/>
           </a:p>
           <a:p>
             <a:pPr lvl="2"/>
             <a:r>
-              <a:rPr lang="zh-CN" altLang="en-US" smtClean="0"/>
+              <a:rPr lang="zh-CN" altLang="en-US"/>
               <a:t>第三级</a:t>
             </a:r>
-            <a:endParaRPr lang="zh-CN" altLang="en-US" smtClean="0"/>
           </a:p>
           <a:p>
             <a:pPr lvl="3"/>
             <a:r>
-              <a:rPr lang="zh-CN" altLang="en-US" smtClean="0"/>
+              <a:rPr lang="zh-CN" altLang="en-US"/>
               <a:t>第四级</a:t>
             </a:r>
-            <a:endParaRPr lang="zh-CN" altLang="en-US" smtClean="0"/>
           </a:p>
           <a:p>
             <a:pPr lvl="4"/>
             <a:r>
-              <a:rPr lang="zh-CN" altLang="en-US" smtClean="0"/>
+              <a:rPr lang="zh-CN" altLang="en-US"/>
               <a:t>第五级</a:t>
             </a:r>
-            <a:endParaRPr lang="zh-CN" altLang="en-US"/>
           </a:p>
         </p:txBody>
       </p:sp>
@@ -1237,6 +1224,7 @@
           <a:p>
             <a:fld id="{D997B5FA-0921-464F-AAE1-844C04324D75}" type="datetimeFigureOut">
               <a:rPr lang="zh-CN" altLang="en-US" smtClean="0"/>
+              <a:t>2017/12/22</a:t>
             </a:fld>
             <a:endParaRPr lang="zh-CN" altLang="en-US"/>
           </a:p>
@@ -1278,6 +1266,7 @@
           <a:p>
             <a:fld id="{565CE74E-AB26-4998-AD42-012C4C1AD076}" type="slidenum">
               <a:rPr lang="zh-CN" altLang="en-US" smtClean="0"/>
+              <a:t>‹#›</a:t>
             </a:fld>
             <a:endParaRPr lang="zh-CN" altLang="en-US"/>
           </a:p>
@@ -1329,10 +1318,9 @@
           <a:lstStyle/>
           <a:p>
             <a:r>
-              <a:rPr lang="zh-CN" altLang="en-US" smtClean="0"/>
+              <a:rPr lang="zh-CN" altLang="en-US"/>
               <a:t>单击此处编辑母版标题样式</a:t>
             </a:r>
-            <a:endParaRPr lang="zh-CN" altLang="en-US"/>
           </a:p>
         </p:txBody>
       </p:sp>
@@ -1395,10 +1383,9 @@
           <a:p>
             <a:pPr lvl="0"/>
             <a:r>
-              <a:rPr lang="zh-CN" altLang="en-US" smtClean="0"/>
+              <a:rPr lang="zh-CN" altLang="en-US"/>
               <a:t>单击此处编辑母版文本样式</a:t>
             </a:r>
-            <a:endParaRPr lang="zh-CN" altLang="en-US" smtClean="0"/>
           </a:p>
         </p:txBody>
       </p:sp>
@@ -1424,42 +1411,37 @@
           <a:p>
             <a:pPr lvl="0"/>
             <a:r>
-              <a:rPr lang="zh-CN" altLang="en-US" smtClean="0"/>
+              <a:rPr lang="zh-CN" altLang="en-US"/>
               <a:t>单击此处编辑母版文本样式</a:t>
             </a:r>
-            <a:endParaRPr lang="zh-CN" altLang="en-US" smtClean="0"/>
           </a:p>
           <a:p>
             <a:pPr lvl="1"/>
             <a:r>
-              <a:rPr lang="zh-CN" altLang="en-US" smtClean="0"/>
+              <a:rPr lang="zh-CN" altLang="en-US"/>
               <a:t>第二级</a:t>
             </a:r>
-            <a:endParaRPr lang="zh-CN" altLang="en-US" smtClean="0"/>
           </a:p>
           <a:p>
             <a:pPr lvl="2"/>
             <a:r>
-              <a:rPr lang="zh-CN" altLang="en-US" smtClean="0"/>
+              <a:rPr lang="zh-CN" altLang="en-US"/>
               <a:t>第三级</a:t>
             </a:r>
-            <a:endParaRPr lang="zh-CN" altLang="en-US" smtClean="0"/>
           </a:p>
           <a:p>
             <a:pPr lvl="3"/>
             <a:r>
-              <a:rPr lang="zh-CN" altLang="en-US" smtClean="0"/>
+              <a:rPr lang="zh-CN" altLang="en-US"/>
               <a:t>第四级</a:t>
             </a:r>
-            <a:endParaRPr lang="zh-CN" altLang="en-US" smtClean="0"/>
           </a:p>
           <a:p>
             <a:pPr lvl="4"/>
             <a:r>
-              <a:rPr lang="zh-CN" altLang="en-US" smtClean="0"/>
+              <a:rPr lang="zh-CN" altLang="en-US"/>
               <a:t>第五级</a:t>
             </a:r>
-            <a:endParaRPr lang="zh-CN" altLang="en-US"/>
           </a:p>
         </p:txBody>
       </p:sp>
@@ -1522,10 +1504,9 @@
           <a:p>
             <a:pPr lvl="0"/>
             <a:r>
-              <a:rPr lang="zh-CN" altLang="en-US" smtClean="0"/>
+              <a:rPr lang="zh-CN" altLang="en-US"/>
               <a:t>单击此处编辑母版文本样式</a:t>
             </a:r>
-            <a:endParaRPr lang="zh-CN" altLang="en-US" smtClean="0"/>
           </a:p>
         </p:txBody>
       </p:sp>
@@ -1551,42 +1532,37 @@
           <a:p>
             <a:pPr lvl="0"/>
             <a:r>
-              <a:rPr lang="zh-CN" altLang="en-US" smtClean="0"/>
+              <a:rPr lang="zh-CN" altLang="en-US"/>
               <a:t>单击此处编辑母版文本样式</a:t>
             </a:r>
-            <a:endParaRPr lang="zh-CN" altLang="en-US" smtClean="0"/>
           </a:p>
           <a:p>
             <a:pPr lvl="1"/>
             <a:r>
-              <a:rPr lang="zh-CN" altLang="en-US" smtClean="0"/>
+              <a:rPr lang="zh-CN" altLang="en-US"/>
               <a:t>第二级</a:t>
             </a:r>
-            <a:endParaRPr lang="zh-CN" altLang="en-US" smtClean="0"/>
           </a:p>
           <a:p>
             <a:pPr lvl="2"/>
             <a:r>
-              <a:rPr lang="zh-CN" altLang="en-US" smtClean="0"/>
+              <a:rPr lang="zh-CN" altLang="en-US"/>
               <a:t>第三级</a:t>
             </a:r>
-            <a:endParaRPr lang="zh-CN" altLang="en-US" smtClean="0"/>
           </a:p>
           <a:p>
             <a:pPr lvl="3"/>
             <a:r>
-              <a:rPr lang="zh-CN" altLang="en-US" smtClean="0"/>
+              <a:rPr lang="zh-CN" altLang="en-US"/>
               <a:t>第四级</a:t>
             </a:r>
-            <a:endParaRPr lang="zh-CN" altLang="en-US" smtClean="0"/>
           </a:p>
           <a:p>
             <a:pPr lvl="4"/>
             <a:r>
-              <a:rPr lang="zh-CN" altLang="en-US" smtClean="0"/>
+              <a:rPr lang="zh-CN" altLang="en-US"/>
               <a:t>第五级</a:t>
             </a:r>
-            <a:endParaRPr lang="zh-CN" altLang="en-US"/>
           </a:p>
         </p:txBody>
       </p:sp>
@@ -1607,6 +1583,7 @@
           <a:p>
             <a:fld id="{D997B5FA-0921-464F-AAE1-844C04324D75}" type="datetimeFigureOut">
               <a:rPr lang="zh-CN" altLang="en-US" smtClean="0"/>
+              <a:t>2017/12/22</a:t>
             </a:fld>
             <a:endParaRPr lang="zh-CN" altLang="en-US"/>
           </a:p>
@@ -1648,6 +1625,7 @@
           <a:p>
             <a:fld id="{565CE74E-AB26-4998-AD42-012C4C1AD076}" type="slidenum">
               <a:rPr lang="zh-CN" altLang="en-US" smtClean="0"/>
+              <a:t>‹#›</a:t>
             </a:fld>
             <a:endParaRPr lang="zh-CN" altLang="en-US"/>
           </a:p>
@@ -1694,10 +1672,9 @@
           <a:lstStyle/>
           <a:p>
             <a:r>
-              <a:rPr lang="zh-CN" altLang="en-US" smtClean="0"/>
+              <a:rPr lang="zh-CN" altLang="en-US"/>
               <a:t>单击此处编辑母版标题样式</a:t>
             </a:r>
-            <a:endParaRPr lang="zh-CN" altLang="en-US"/>
           </a:p>
         </p:txBody>
       </p:sp>
@@ -1718,6 +1695,7 @@
           <a:p>
             <a:fld id="{D997B5FA-0921-464F-AAE1-844C04324D75}" type="datetimeFigureOut">
               <a:rPr lang="zh-CN" altLang="en-US" smtClean="0"/>
+              <a:t>2017/12/22</a:t>
             </a:fld>
             <a:endParaRPr lang="zh-CN" altLang="en-US"/>
           </a:p>
@@ -1759,6 +1737,7 @@
           <a:p>
             <a:fld id="{565CE74E-AB26-4998-AD42-012C4C1AD076}" type="slidenum">
               <a:rPr lang="zh-CN" altLang="en-US" smtClean="0"/>
+              <a:t>‹#›</a:t>
             </a:fld>
             <a:endParaRPr lang="zh-CN" altLang="en-US"/>
           </a:p>
@@ -1806,6 +1785,7 @@
           <a:p>
             <a:fld id="{D997B5FA-0921-464F-AAE1-844C04324D75}" type="datetimeFigureOut">
               <a:rPr lang="zh-CN" altLang="en-US" smtClean="0"/>
+              <a:t>2017/12/22</a:t>
             </a:fld>
             <a:endParaRPr lang="zh-CN" altLang="en-US"/>
           </a:p>
@@ -1847,6 +1827,7 @@
           <a:p>
             <a:fld id="{565CE74E-AB26-4998-AD42-012C4C1AD076}" type="slidenum">
               <a:rPr lang="zh-CN" altLang="en-US" smtClean="0"/>
+              <a:t>‹#›</a:t>
             </a:fld>
             <a:endParaRPr lang="zh-CN" altLang="en-US"/>
           </a:p>
@@ -1902,10 +1883,9 @@
           </a:lstStyle>
           <a:p>
             <a:r>
-              <a:rPr lang="zh-CN" altLang="en-US" smtClean="0"/>
+              <a:rPr lang="zh-CN" altLang="en-US"/>
               <a:t>单击此处编辑母版标题样式</a:t>
             </a:r>
-            <a:endParaRPr lang="zh-CN" altLang="en-US"/>
           </a:p>
         </p:txBody>
       </p:sp>
@@ -1959,42 +1939,37 @@
           <a:p>
             <a:pPr lvl="0"/>
             <a:r>
-              <a:rPr lang="zh-CN" altLang="en-US" smtClean="0"/>
+              <a:rPr lang="zh-CN" altLang="en-US"/>
               <a:t>单击此处编辑母版文本样式</a:t>
             </a:r>
-            <a:endParaRPr lang="zh-CN" altLang="en-US" smtClean="0"/>
           </a:p>
           <a:p>
             <a:pPr lvl="1"/>
             <a:r>
-              <a:rPr lang="zh-CN" altLang="en-US" smtClean="0"/>
+              <a:rPr lang="zh-CN" altLang="en-US"/>
               <a:t>第二级</a:t>
             </a:r>
-            <a:endParaRPr lang="zh-CN" altLang="en-US" smtClean="0"/>
           </a:p>
           <a:p>
             <a:pPr lvl="2"/>
             <a:r>
-              <a:rPr lang="zh-CN" altLang="en-US" smtClean="0"/>
+              <a:rPr lang="zh-CN" altLang="en-US"/>
               <a:t>第三级</a:t>
             </a:r>
-            <a:endParaRPr lang="zh-CN" altLang="en-US" smtClean="0"/>
           </a:p>
           <a:p>
             <a:pPr lvl="3"/>
             <a:r>
-              <a:rPr lang="zh-CN" altLang="en-US" smtClean="0"/>
+              <a:rPr lang="zh-CN" altLang="en-US"/>
               <a:t>第四级</a:t>
             </a:r>
-            <a:endParaRPr lang="zh-CN" altLang="en-US" smtClean="0"/>
           </a:p>
           <a:p>
             <a:pPr lvl="4"/>
             <a:r>
-              <a:rPr lang="zh-CN" altLang="en-US" smtClean="0"/>
+              <a:rPr lang="zh-CN" altLang="en-US"/>
               <a:t>第五级</a:t>
             </a:r>
-            <a:endParaRPr lang="zh-CN" altLang="en-US"/>
           </a:p>
         </p:txBody>
       </p:sp>
@@ -2057,10 +2032,9 @@
           <a:p>
             <a:pPr lvl="0"/>
             <a:r>
-              <a:rPr lang="zh-CN" altLang="en-US" smtClean="0"/>
+              <a:rPr lang="zh-CN" altLang="en-US"/>
               <a:t>单击此处编辑母版文本样式</a:t>
             </a:r>
-            <a:endParaRPr lang="zh-CN" altLang="en-US" smtClean="0"/>
           </a:p>
         </p:txBody>
       </p:sp>
@@ -2081,6 +2055,7 @@
           <a:p>
             <a:fld id="{D997B5FA-0921-464F-AAE1-844C04324D75}" type="datetimeFigureOut">
               <a:rPr lang="zh-CN" altLang="en-US" smtClean="0"/>
+              <a:t>2017/12/22</a:t>
             </a:fld>
             <a:endParaRPr lang="zh-CN" altLang="en-US"/>
           </a:p>
@@ -2122,6 +2097,7 @@
           <a:p>
             <a:fld id="{565CE74E-AB26-4998-AD42-012C4C1AD076}" type="slidenum">
               <a:rPr lang="zh-CN" altLang="en-US" smtClean="0"/>
+              <a:t>‹#›</a:t>
             </a:fld>
             <a:endParaRPr lang="zh-CN" altLang="en-US"/>
           </a:p>
@@ -2177,10 +2153,9 @@
           </a:lstStyle>
           <a:p>
             <a:r>
-              <a:rPr lang="zh-CN" altLang="en-US" smtClean="0"/>
+              <a:rPr lang="zh-CN" altLang="en-US"/>
               <a:t>单击此处编辑母版标题样式</a:t>
             </a:r>
-            <a:endParaRPr lang="zh-CN" altLang="en-US"/>
           </a:p>
         </p:txBody>
       </p:sp>
@@ -2304,10 +2279,9 @@
           <a:p>
             <a:pPr lvl="0"/>
             <a:r>
-              <a:rPr lang="zh-CN" altLang="en-US" smtClean="0"/>
+              <a:rPr lang="zh-CN" altLang="en-US"/>
               <a:t>单击此处编辑母版文本样式</a:t>
             </a:r>
-            <a:endParaRPr lang="zh-CN" altLang="en-US" smtClean="0"/>
           </a:p>
         </p:txBody>
       </p:sp>
@@ -2328,6 +2302,7 @@
           <a:p>
             <a:fld id="{D997B5FA-0921-464F-AAE1-844C04324D75}" type="datetimeFigureOut">
               <a:rPr lang="zh-CN" altLang="en-US" smtClean="0"/>
+              <a:t>2017/12/22</a:t>
             </a:fld>
             <a:endParaRPr lang="zh-CN" altLang="en-US"/>
           </a:p>
@@ -2369,6 +2344,7 @@
           <a:p>
             <a:fld id="{565CE74E-AB26-4998-AD42-012C4C1AD076}" type="slidenum">
               <a:rPr lang="zh-CN" altLang="en-US" smtClean="0"/>
+              <a:t>‹#›</a:t>
             </a:fld>
             <a:endParaRPr lang="zh-CN" altLang="en-US"/>
           </a:p>
@@ -2430,10 +2406,9 @@
           <a:lstStyle/>
           <a:p>
             <a:r>
-              <a:rPr lang="zh-CN" altLang="en-US" smtClean="0"/>
+              <a:rPr lang="zh-CN" altLang="en-US"/>
               <a:t>单击此处编辑母版标题样式</a:t>
             </a:r>
-            <a:endParaRPr lang="zh-CN" altLang="en-US"/>
           </a:p>
         </p:txBody>
       </p:sp>
@@ -2464,42 +2439,37 @@
           <a:p>
             <a:pPr lvl="0"/>
             <a:r>
-              <a:rPr lang="zh-CN" altLang="en-US" smtClean="0"/>
+              <a:rPr lang="zh-CN" altLang="en-US"/>
               <a:t>单击此处编辑母版文本样式</a:t>
             </a:r>
-            <a:endParaRPr lang="zh-CN" altLang="en-US" smtClean="0"/>
           </a:p>
           <a:p>
             <a:pPr lvl="1"/>
             <a:r>
-              <a:rPr lang="zh-CN" altLang="en-US" smtClean="0"/>
+              <a:rPr lang="zh-CN" altLang="en-US"/>
               <a:t>第二级</a:t>
             </a:r>
-            <a:endParaRPr lang="zh-CN" altLang="en-US" smtClean="0"/>
           </a:p>
           <a:p>
             <a:pPr lvl="2"/>
             <a:r>
-              <a:rPr lang="zh-CN" altLang="en-US" smtClean="0"/>
+              <a:rPr lang="zh-CN" altLang="en-US"/>
               <a:t>第三级</a:t>
             </a:r>
-            <a:endParaRPr lang="zh-CN" altLang="en-US" smtClean="0"/>
           </a:p>
           <a:p>
             <a:pPr lvl="3"/>
             <a:r>
-              <a:rPr lang="zh-CN" altLang="en-US" smtClean="0"/>
+              <a:rPr lang="zh-CN" altLang="en-US"/>
               <a:t>第四级</a:t>
             </a:r>
-            <a:endParaRPr lang="zh-CN" altLang="en-US" smtClean="0"/>
           </a:p>
           <a:p>
             <a:pPr lvl="4"/>
             <a:r>
-              <a:rPr lang="zh-CN" altLang="en-US" smtClean="0"/>
+              <a:rPr lang="zh-CN" altLang="en-US"/>
               <a:t>第五级</a:t>
             </a:r>
-            <a:endParaRPr lang="zh-CN" altLang="en-US"/>
           </a:p>
         </p:txBody>
       </p:sp>
@@ -2538,6 +2508,7 @@
           <a:p>
             <a:fld id="{D997B5FA-0921-464F-AAE1-844C04324D75}" type="datetimeFigureOut">
               <a:rPr lang="zh-CN" altLang="en-US" smtClean="0"/>
+              <a:t>2017/12/22</a:t>
             </a:fld>
             <a:endParaRPr lang="zh-CN" altLang="en-US"/>
           </a:p>
@@ -2615,6 +2586,7 @@
           <a:p>
             <a:fld id="{565CE74E-AB26-4998-AD42-012C4C1AD076}" type="slidenum">
               <a:rPr lang="zh-CN" altLang="en-US" smtClean="0"/>
+              <a:t>‹#›</a:t>
             </a:fld>
             <a:endParaRPr lang="zh-CN" altLang="en-US"/>
           </a:p>
@@ -2928,7 +2900,14 @@
         <p:cNvGrpSpPr/>
         <p:nvPr/>
       </p:nvGrpSpPr>
-      <p:grpSpPr/>
+      <p:grpSpPr>
+        <a:xfrm>
+          <a:off x="0" y="0"/>
+          <a:ext cx="0" cy="0"/>
+          <a:chOff x="0" y="0"/>
+          <a:chExt cx="0" cy="0"/>
+        </a:xfrm>
+      </p:grpSpPr>
       <p:pic>
         <p:nvPicPr>
           <p:cNvPr id="11" name="图片 10"/>
@@ -2938,7 +2917,7 @@
           <p:nvPr/>
         </p:nvPicPr>
         <p:blipFill>
-          <a:blip r:embed="rId1"/>
+          <a:blip r:embed="rId2"/>
           <a:stretch>
             <a:fillRect/>
           </a:stretch>
@@ -2962,7 +2941,7 @@
           <p:nvPr/>
         </p:nvPicPr>
         <p:blipFill>
-          <a:blip r:embed="rId2"/>
+          <a:blip r:embed="rId3"/>
           <a:stretch>
             <a:fillRect/>
           </a:stretch>
@@ -3020,6 +2999,7 @@
         </p:style>
         <p:txBody>
           <a:bodyPr rtlCol="0" anchor="ctr"/>
+          <a:lstStyle/>
           <a:p>
             <a:pPr algn="ctr"/>
             <a:r>
@@ -3030,11 +3010,6 @@
               </a:rPr>
               <a:t>レコメンド</a:t>
             </a:r>
-            <a:endParaRPr lang="ja-JP" altLang="zh-CN" sz="3600">
-              <a:solidFill>
-                <a:schemeClr val="tx1"/>
-              </a:solidFill>
-            </a:endParaRPr>
           </a:p>
           <a:p>
             <a:pPr algn="ctr"/>
@@ -3046,11 +3021,6 @@
               </a:rPr>
               <a:t>エンジン</a:t>
             </a:r>
-            <a:endParaRPr lang="ja-JP" altLang="zh-CN" sz="3600">
-              <a:solidFill>
-                <a:schemeClr val="tx1"/>
-              </a:solidFill>
-            </a:endParaRPr>
           </a:p>
         </p:txBody>
       </p:sp>
@@ -3063,7 +3033,7 @@
           <p:nvPr/>
         </p:nvPicPr>
         <p:blipFill>
-          <a:blip r:embed="rId3"/>
+          <a:blip r:embed="rId4"/>
           <a:stretch>
             <a:fillRect/>
           </a:stretch>
@@ -3222,7 +3192,7 @@
           <p:nvPr/>
         </p:nvPicPr>
         <p:blipFill>
-          <a:blip r:embed="rId4"/>
+          <a:blip r:embed="rId5"/>
           <a:stretch>
             <a:fillRect/>
           </a:stretch>
@@ -3329,6 +3299,7 @@
           <a:bodyPr wrap="none" rtlCol="0">
             <a:spAutoFit/>
           </a:bodyPr>
+          <a:lstStyle/>
           <a:p>
             <a:r>
               <a:rPr lang="en-US" altLang="zh-CN" sz="2000" b="1"/>
@@ -3338,7 +3309,6 @@
               <a:rPr lang="ja-JP" altLang="en-US" sz="2000" b="1"/>
               <a:t>．閲覧と購入</a:t>
             </a:r>
-            <a:endParaRPr lang="ja-JP" altLang="en-US" sz="2000" b="1"/>
           </a:p>
         </p:txBody>
       </p:sp>
@@ -3362,6 +3332,7 @@
           <a:bodyPr wrap="none" rtlCol="0">
             <a:spAutoFit/>
           </a:bodyPr>
+          <a:lstStyle/>
           <a:p>
             <a:r>
               <a:rPr lang="en-US" altLang="zh-CN" sz="2000" b="1"/>
@@ -3371,7 +3342,6 @@
               <a:rPr lang="ja-JP" altLang="en-US" sz="2000" b="1"/>
               <a:t>．データ記録</a:t>
             </a:r>
-            <a:endParaRPr lang="ja-JP" altLang="en-US" sz="2000" b="1"/>
           </a:p>
         </p:txBody>
       </p:sp>
@@ -3395,6 +3365,7 @@
           <a:bodyPr wrap="none" rtlCol="0">
             <a:spAutoFit/>
           </a:bodyPr>
+          <a:lstStyle/>
           <a:p>
             <a:r>
               <a:rPr lang="en-US" altLang="zh-CN" sz="2000" b="1"/>
@@ -3404,7 +3375,6 @@
               <a:rPr lang="ja-JP" altLang="en-US" sz="2000" b="1"/>
               <a:t>．エンジンを呼び出す</a:t>
             </a:r>
-            <a:endParaRPr lang="ja-JP" altLang="en-US" sz="2000" b="1"/>
           </a:p>
         </p:txBody>
       </p:sp>
@@ -3428,6 +3398,7 @@
           <a:bodyPr wrap="none" rtlCol="0">
             <a:spAutoFit/>
           </a:bodyPr>
+          <a:lstStyle/>
           <a:p>
             <a:r>
               <a:rPr lang="en-US" altLang="zh-CN" sz="2000" b="1"/>
@@ -3437,7 +3408,6 @@
               <a:rPr lang="ja-JP" altLang="en-US" sz="2000" b="1"/>
               <a:t>．レコメンド出力</a:t>
             </a:r>
-            <a:endParaRPr lang="ja-JP" altLang="en-US" sz="2000" b="1"/>
           </a:p>
         </p:txBody>
       </p:sp>
@@ -3461,6 +3431,7 @@
           <a:bodyPr wrap="none" rtlCol="0">
             <a:spAutoFit/>
           </a:bodyPr>
+          <a:lstStyle/>
           <a:p>
             <a:r>
               <a:rPr lang="en-US" altLang="zh-CN" sz="2000" b="1"/>
@@ -3470,7 +3441,6 @@
               <a:rPr lang="ja-JP" altLang="en-US" sz="2000" b="1"/>
               <a:t>．結果転送</a:t>
             </a:r>
-            <a:endParaRPr lang="ja-JP" altLang="en-US" sz="2000" b="1"/>
           </a:p>
         </p:txBody>
       </p:sp>
@@ -3494,6 +3464,7 @@
           <a:bodyPr wrap="none" rtlCol="0">
             <a:spAutoFit/>
           </a:bodyPr>
+          <a:lstStyle/>
           <a:p>
             <a:r>
               <a:rPr lang="en-US" altLang="zh-CN" sz="2000" b="1"/>
@@ -3503,7 +3474,6 @@
               <a:rPr lang="ja-JP" altLang="en-US" sz="2000" b="1"/>
               <a:t>．おすすめアイテム表示</a:t>
             </a:r>
-            <a:endParaRPr lang="ja-JP" altLang="en-US" sz="2000" b="1"/>
           </a:p>
         </p:txBody>
       </p:sp>
@@ -3524,36 +3494,17 @@
         <p:cNvGrpSpPr/>
         <p:nvPr/>
       </p:nvGrpSpPr>
-      <p:grpSpPr/>
+      <p:grpSpPr>
+        <a:xfrm>
+          <a:off x="0" y="0"/>
+          <a:ext cx="0" cy="0"/>
+          <a:chOff x="0" y="0"/>
+          <a:chExt cx="0" cy="0"/>
+        </a:xfrm>
+      </p:grpSpPr>
       <p:pic>
         <p:nvPicPr>
-          <p:cNvPr id="4" name="内容占位符 3"/>
-          <p:cNvPicPr>
-            <a:picLocks noChangeAspect="1"/>
-          </p:cNvPicPr>
-          <p:nvPr>
-            <p:ph idx="1"/>
-          </p:nvPr>
-        </p:nvPicPr>
-        <p:blipFill>
-          <a:blip r:embed="rId1"/>
-          <a:stretch>
-            <a:fillRect/>
-          </a:stretch>
-        </p:blipFill>
-        <p:spPr>
-          <a:xfrm>
-            <a:off x="464820" y="1557020"/>
-            <a:ext cx="4810125" cy="3743325"/>
-          </a:xfrm>
-          <a:prstGeom prst="rect">
-            <a:avLst/>
-          </a:prstGeom>
-        </p:spPr>
-      </p:pic>
-      <p:pic>
-        <p:nvPicPr>
-          <p:cNvPr id="5" name="图片 4" descr="GM"/>
+          <p:cNvPr id="4" name="图片 3"/>
           <p:cNvPicPr>
             <a:picLocks noChangeAspect="1"/>
           </p:cNvPicPr>
@@ -3567,8 +3518,8 @@
         </p:blipFill>
         <p:spPr>
           <a:xfrm>
-            <a:off x="6466205" y="3982085"/>
-            <a:ext cx="883285" cy="532130"/>
+            <a:off x="2499360" y="3711575"/>
+            <a:ext cx="3931285" cy="3058795"/>
           </a:xfrm>
           <a:prstGeom prst="rect">
             <a:avLst/>
@@ -3577,7 +3528,7 @@
       </p:pic>
       <p:pic>
         <p:nvPicPr>
-          <p:cNvPr id="8" name="图片 7" descr="AM"/>
+          <p:cNvPr id="5" name="图片 4"/>
           <p:cNvPicPr>
             <a:picLocks noChangeAspect="1"/>
           </p:cNvPicPr>
@@ -3591,8 +3542,8 @@
         </p:blipFill>
         <p:spPr>
           <a:xfrm>
-            <a:off x="6532880" y="671830"/>
-            <a:ext cx="749935" cy="659130"/>
+            <a:off x="882015" y="156210"/>
+            <a:ext cx="2135505" cy="2773045"/>
           </a:xfrm>
           <a:prstGeom prst="rect">
             <a:avLst/>
@@ -3601,7 +3552,7 @@
       </p:pic>
       <p:pic>
         <p:nvPicPr>
-          <p:cNvPr id="9" name="图片 8" descr="BbM"/>
+          <p:cNvPr id="6" name="图片 5"/>
           <p:cNvPicPr>
             <a:picLocks noChangeAspect="1"/>
           </p:cNvPicPr>
@@ -3615,8 +3566,8 @@
         </p:blipFill>
         <p:spPr>
           <a:xfrm>
-            <a:off x="6432550" y="3027045"/>
-            <a:ext cx="949960" cy="575945"/>
+            <a:off x="3435350" y="156210"/>
+            <a:ext cx="2062480" cy="2773680"/>
           </a:xfrm>
           <a:prstGeom prst="rect">
             <a:avLst/>
@@ -3625,7 +3576,7 @@
       </p:pic>
       <p:pic>
         <p:nvPicPr>
-          <p:cNvPr id="10" name="图片 9" descr="CM"/>
+          <p:cNvPr id="7" name="图片 6"/>
           <p:cNvPicPr>
             <a:picLocks noChangeAspect="1"/>
           </p:cNvPicPr>
@@ -3639,62 +3590,54 @@
         </p:blipFill>
         <p:spPr>
           <a:xfrm>
-            <a:off x="6433185" y="1898650"/>
-            <a:ext cx="949325" cy="593090"/>
+            <a:off x="5981065" y="156210"/>
+            <a:ext cx="1846580" cy="2772410"/>
           </a:xfrm>
           <a:prstGeom prst="rect">
             <a:avLst/>
           </a:prstGeom>
         </p:spPr>
       </p:pic>
-      <p:pic>
-        <p:nvPicPr>
-          <p:cNvPr id="12" name="图片 11" descr="EM"/>
-          <p:cNvPicPr>
-            <a:picLocks noChangeAspect="1"/>
-          </p:cNvPicPr>
-          <p:nvPr/>
-        </p:nvPicPr>
-        <p:blipFill>
-          <a:blip r:embed="rId6"/>
-          <a:stretch>
-            <a:fillRect/>
-          </a:stretch>
-        </p:blipFill>
-        <p:spPr>
-          <a:xfrm>
-            <a:off x="6472555" y="5953125"/>
-            <a:ext cx="871220" cy="502285"/>
-          </a:xfrm>
-          <a:prstGeom prst="rect">
-            <a:avLst/>
-          </a:prstGeom>
-        </p:spPr>
-      </p:pic>
-      <p:pic>
-        <p:nvPicPr>
-          <p:cNvPr id="23" name="图片 22" descr="HM"/>
-          <p:cNvPicPr>
-            <a:picLocks noChangeAspect="1"/>
-          </p:cNvPicPr>
-          <p:nvPr/>
-        </p:nvPicPr>
-        <p:blipFill>
-          <a:blip r:embed="rId7"/>
-          <a:stretch>
-            <a:fillRect/>
-          </a:stretch>
-        </p:blipFill>
-        <p:spPr>
-          <a:xfrm>
-            <a:off x="6532880" y="4864100"/>
-            <a:ext cx="694690" cy="608330"/>
-          </a:xfrm>
-          <a:prstGeom prst="rect">
-            <a:avLst/>
-          </a:prstGeom>
-        </p:spPr>
-      </p:pic>
+      <p:sp>
+        <p:nvSpPr>
+          <p:cNvPr id="8" name="下箭头 7"/>
+          <p:cNvSpPr/>
+          <p:nvPr/>
+        </p:nvSpPr>
+        <p:spPr>
+          <a:xfrm>
+            <a:off x="4140200" y="3024505"/>
+            <a:ext cx="536575" cy="601980"/>
+          </a:xfrm>
+          <a:prstGeom prst="downArrow">
+            <a:avLst/>
+          </a:prstGeom>
+        </p:spPr>
+        <p:style>
+          <a:lnRef idx="2">
+            <a:schemeClr val="accent1">
+              <a:shade val="50000"/>
+            </a:schemeClr>
+          </a:lnRef>
+          <a:fillRef idx="1">
+            <a:schemeClr val="accent1"/>
+          </a:fillRef>
+          <a:effectRef idx="0">
+            <a:schemeClr val="accent1"/>
+          </a:effectRef>
+          <a:fontRef idx="minor">
+            <a:schemeClr val="lt1"/>
+          </a:fontRef>
+        </p:style>
+        <p:txBody>
+          <a:bodyPr rtlCol="0" anchor="ctr"/>
+          <a:lstStyle/>
+          <a:p>
+            <a:pPr algn="ctr"/>
+            <a:endParaRPr lang="zh-CN" altLang="en-US"/>
+          </a:p>
+        </p:txBody>
+      </p:sp>
     </p:spTree>
   </p:cSld>
   <p:clrMapOvr>
@@ -3712,38 +3655,23 @@
         <p:cNvGrpSpPr/>
         <p:nvPr/>
       </p:nvGrpSpPr>
-      <p:grpSpPr/>
+      <p:grpSpPr>
+        <a:xfrm>
+          <a:off x="0" y="0"/>
+          <a:ext cx="0" cy="0"/>
+          <a:chOff x="0" y="0"/>
+          <a:chExt cx="0" cy="0"/>
+        </a:xfrm>
+      </p:grpSpPr>
       <p:pic>
         <p:nvPicPr>
-          <p:cNvPr id="6" name="图片 5" descr="18457"/>
+          <p:cNvPr id="4" name="内容占位符 3"/>
           <p:cNvPicPr>
-            <a:picLocks noChangeAspect="1"/>
+            <a:picLocks noGrp="1" noChangeAspect="1"/>
           </p:cNvPicPr>
-          <p:nvPr/>
-        </p:nvPicPr>
-        <p:blipFill>
-          <a:blip r:embed="rId1"/>
-          <a:stretch>
-            <a:fillRect/>
-          </a:stretch>
-        </p:blipFill>
-        <p:spPr>
-          <a:xfrm>
-            <a:off x="5621655" y="168910"/>
-            <a:ext cx="1937385" cy="2583180"/>
-          </a:xfrm>
-          <a:prstGeom prst="rect">
-            <a:avLst/>
-          </a:prstGeom>
-        </p:spPr>
-      </p:pic>
-      <p:pic>
-        <p:nvPicPr>
-          <p:cNvPr id="7" name="图片 6" descr="12181"/>
-          <p:cNvPicPr>
-            <a:picLocks noChangeAspect="1"/>
-          </p:cNvPicPr>
-          <p:nvPr/>
+          <p:nvPr>
+            <p:ph idx="1"/>
+          </p:nvPr>
         </p:nvPicPr>
         <p:blipFill>
           <a:blip r:embed="rId2"/>
@@ -3753,8 +3681,8 @@
         </p:blipFill>
         <p:spPr>
           <a:xfrm>
-            <a:off x="2982595" y="168910"/>
-            <a:ext cx="1887855" cy="2518410"/>
+            <a:off x="464820" y="1557020"/>
+            <a:ext cx="4810125" cy="3743325"/>
           </a:xfrm>
           <a:prstGeom prst="rect">
             <a:avLst/>
@@ -3763,7 +3691,7 @@
       </p:pic>
       <p:pic>
         <p:nvPicPr>
-          <p:cNvPr id="8" name="图片 7" descr="40144"/>
+          <p:cNvPr id="5" name="图片 4" descr="GM"/>
           <p:cNvPicPr>
             <a:picLocks noChangeAspect="1"/>
           </p:cNvPicPr>
@@ -3777,8 +3705,8 @@
         </p:blipFill>
         <p:spPr>
           <a:xfrm>
-            <a:off x="385445" y="168910"/>
-            <a:ext cx="1888490" cy="2518410"/>
+            <a:off x="6466205" y="3982085"/>
+            <a:ext cx="883285" cy="532130"/>
           </a:xfrm>
           <a:prstGeom prst="rect">
             <a:avLst/>
@@ -3787,7 +3715,7 @@
       </p:pic>
       <p:pic>
         <p:nvPicPr>
-          <p:cNvPr id="9" name="图片 8"/>
+          <p:cNvPr id="8" name="图片 7" descr="AM"/>
           <p:cNvPicPr>
             <a:picLocks noChangeAspect="1"/>
           </p:cNvPicPr>
@@ -3801,53 +3729,110 @@
         </p:blipFill>
         <p:spPr>
           <a:xfrm>
-            <a:off x="2049780" y="3817620"/>
-            <a:ext cx="3753485" cy="2921000"/>
+            <a:off x="6532880" y="671830"/>
+            <a:ext cx="749935" cy="659130"/>
           </a:xfrm>
           <a:prstGeom prst="rect">
             <a:avLst/>
           </a:prstGeom>
         </p:spPr>
       </p:pic>
-      <p:sp>
-        <p:nvSpPr>
-          <p:cNvPr id="10" name="下箭头 9"/>
-          <p:cNvSpPr/>
-          <p:nvPr/>
-        </p:nvSpPr>
-        <p:spPr>
-          <a:xfrm>
-            <a:off x="3584575" y="2878455"/>
-            <a:ext cx="683260" cy="748030"/>
-          </a:xfrm>
-          <a:prstGeom prst="downArrow">
-            <a:avLst/>
-          </a:prstGeom>
-        </p:spPr>
-        <p:style>
-          <a:lnRef idx="2">
-            <a:schemeClr val="accent1">
-              <a:shade val="50000"/>
-            </a:schemeClr>
-          </a:lnRef>
-          <a:fillRef idx="1">
-            <a:schemeClr val="accent1"/>
-          </a:fillRef>
-          <a:effectRef idx="0">
-            <a:schemeClr val="accent1"/>
-          </a:effectRef>
-          <a:fontRef idx="minor">
-            <a:schemeClr val="lt1"/>
-          </a:fontRef>
-        </p:style>
-        <p:txBody>
-          <a:bodyPr rtlCol="0" anchor="ctr"/>
-          <a:p>
-            <a:pPr algn="ctr"/>
-            <a:endParaRPr lang="zh-CN" altLang="en-US"/>
-          </a:p>
-        </p:txBody>
-      </p:sp>
+      <p:pic>
+        <p:nvPicPr>
+          <p:cNvPr id="9" name="图片 8" descr="BbM"/>
+          <p:cNvPicPr>
+            <a:picLocks noChangeAspect="1"/>
+          </p:cNvPicPr>
+          <p:nvPr/>
+        </p:nvPicPr>
+        <p:blipFill>
+          <a:blip r:embed="rId5"/>
+          <a:stretch>
+            <a:fillRect/>
+          </a:stretch>
+        </p:blipFill>
+        <p:spPr>
+          <a:xfrm>
+            <a:off x="6432550" y="3027045"/>
+            <a:ext cx="949960" cy="575945"/>
+          </a:xfrm>
+          <a:prstGeom prst="rect">
+            <a:avLst/>
+          </a:prstGeom>
+        </p:spPr>
+      </p:pic>
+      <p:pic>
+        <p:nvPicPr>
+          <p:cNvPr id="10" name="图片 9" descr="CM"/>
+          <p:cNvPicPr>
+            <a:picLocks noChangeAspect="1"/>
+          </p:cNvPicPr>
+          <p:nvPr/>
+        </p:nvPicPr>
+        <p:blipFill>
+          <a:blip r:embed="rId6"/>
+          <a:stretch>
+            <a:fillRect/>
+          </a:stretch>
+        </p:blipFill>
+        <p:spPr>
+          <a:xfrm>
+            <a:off x="6433185" y="1898650"/>
+            <a:ext cx="949325" cy="593090"/>
+          </a:xfrm>
+          <a:prstGeom prst="rect">
+            <a:avLst/>
+          </a:prstGeom>
+        </p:spPr>
+      </p:pic>
+      <p:pic>
+        <p:nvPicPr>
+          <p:cNvPr id="12" name="图片 11" descr="EM"/>
+          <p:cNvPicPr>
+            <a:picLocks noChangeAspect="1"/>
+          </p:cNvPicPr>
+          <p:nvPr/>
+        </p:nvPicPr>
+        <p:blipFill>
+          <a:blip r:embed="rId7"/>
+          <a:stretch>
+            <a:fillRect/>
+          </a:stretch>
+        </p:blipFill>
+        <p:spPr>
+          <a:xfrm>
+            <a:off x="6472555" y="5953125"/>
+            <a:ext cx="871220" cy="502285"/>
+          </a:xfrm>
+          <a:prstGeom prst="rect">
+            <a:avLst/>
+          </a:prstGeom>
+        </p:spPr>
+      </p:pic>
+      <p:pic>
+        <p:nvPicPr>
+          <p:cNvPr id="23" name="图片 22" descr="HM"/>
+          <p:cNvPicPr>
+            <a:picLocks noChangeAspect="1"/>
+          </p:cNvPicPr>
+          <p:nvPr/>
+        </p:nvPicPr>
+        <p:blipFill>
+          <a:blip r:embed="rId8"/>
+          <a:stretch>
+            <a:fillRect/>
+          </a:stretch>
+        </p:blipFill>
+        <p:spPr>
+          <a:xfrm>
+            <a:off x="6532880" y="4864100"/>
+            <a:ext cx="694690" cy="608330"/>
+          </a:xfrm>
+          <a:prstGeom prst="rect">
+            <a:avLst/>
+          </a:prstGeom>
+        </p:spPr>
+      </p:pic>
     </p:spTree>
   </p:cSld>
   <p:clrMapOvr>
@@ -3865,36 +3850,17 @@
         <p:cNvGrpSpPr/>
         <p:nvPr/>
       </p:nvGrpSpPr>
-      <p:grpSpPr/>
+      <p:grpSpPr>
+        <a:xfrm>
+          <a:off x="0" y="0"/>
+          <a:ext cx="0" cy="0"/>
+          <a:chOff x="0" y="0"/>
+          <a:chExt cx="0" cy="0"/>
+        </a:xfrm>
+      </p:grpSpPr>
       <p:pic>
         <p:nvPicPr>
-          <p:cNvPr id="9" name="内容占位符 8"/>
-          <p:cNvPicPr>
-            <a:picLocks noChangeAspect="1"/>
-          </p:cNvPicPr>
-          <p:nvPr>
-            <p:ph idx="1"/>
-          </p:nvPr>
-        </p:nvPicPr>
-        <p:blipFill>
-          <a:blip r:embed="rId1"/>
-          <a:stretch>
-            <a:fillRect/>
-          </a:stretch>
-        </p:blipFill>
-        <p:spPr>
-          <a:xfrm>
-            <a:off x="749935" y="1294765"/>
-            <a:ext cx="5485130" cy="4268470"/>
-          </a:xfrm>
-          <a:prstGeom prst="rect">
-            <a:avLst/>
-          </a:prstGeom>
-        </p:spPr>
-      </p:pic>
-      <p:pic>
-        <p:nvPicPr>
-          <p:cNvPr id="5" name="图片 4" descr="GM"/>
+          <p:cNvPr id="6" name="图片 5" descr="18457"/>
           <p:cNvPicPr>
             <a:picLocks noChangeAspect="1"/>
           </p:cNvPicPr>
@@ -3908,8 +3874,8 @@
         </p:blipFill>
         <p:spPr>
           <a:xfrm>
-            <a:off x="7718425" y="3932555"/>
-            <a:ext cx="883285" cy="532130"/>
+            <a:off x="5621655" y="168910"/>
+            <a:ext cx="1937385" cy="2583180"/>
           </a:xfrm>
           <a:prstGeom prst="rect">
             <a:avLst/>
@@ -3918,7 +3884,7 @@
       </p:pic>
       <p:pic>
         <p:nvPicPr>
-          <p:cNvPr id="8" name="图片 7" descr="AM"/>
+          <p:cNvPr id="7" name="图片 6" descr="12181"/>
           <p:cNvPicPr>
             <a:picLocks noChangeAspect="1"/>
           </p:cNvPicPr>
@@ -3932,8 +3898,8 @@
         </p:blipFill>
         <p:spPr>
           <a:xfrm>
-            <a:off x="7785100" y="622300"/>
-            <a:ext cx="749935" cy="659130"/>
+            <a:off x="2982595" y="168910"/>
+            <a:ext cx="1887855" cy="2518410"/>
           </a:xfrm>
           <a:prstGeom prst="rect">
             <a:avLst/>
@@ -3942,7 +3908,7 @@
       </p:pic>
       <p:pic>
         <p:nvPicPr>
-          <p:cNvPr id="4" name="图片 3" descr="BbM"/>
+          <p:cNvPr id="8" name="图片 7" descr="40144"/>
           <p:cNvPicPr>
             <a:picLocks noChangeAspect="1"/>
           </p:cNvPicPr>
@@ -3956,8 +3922,8 @@
         </p:blipFill>
         <p:spPr>
           <a:xfrm>
-            <a:off x="7684770" y="2977515"/>
-            <a:ext cx="949960" cy="575945"/>
+            <a:off x="385445" y="168910"/>
+            <a:ext cx="1888490" cy="2518410"/>
           </a:xfrm>
           <a:prstGeom prst="rect">
             <a:avLst/>
@@ -3966,7 +3932,7 @@
       </p:pic>
       <p:pic>
         <p:nvPicPr>
-          <p:cNvPr id="10" name="图片 9" descr="CM"/>
+          <p:cNvPr id="9" name="图片 8"/>
           <p:cNvPicPr>
             <a:picLocks noChangeAspect="1"/>
           </p:cNvPicPr>
@@ -3980,488 +3946,51 @@
         </p:blipFill>
         <p:spPr>
           <a:xfrm>
-            <a:off x="7685405" y="1849120"/>
-            <a:ext cx="949325" cy="593090"/>
+            <a:off x="2049780" y="3817620"/>
+            <a:ext cx="3753485" cy="2921000"/>
           </a:xfrm>
           <a:prstGeom prst="rect">
             <a:avLst/>
           </a:prstGeom>
         </p:spPr>
       </p:pic>
-      <p:pic>
-        <p:nvPicPr>
-          <p:cNvPr id="12" name="图片 11" descr="EM"/>
-          <p:cNvPicPr>
-            <a:picLocks noChangeAspect="1"/>
-          </p:cNvPicPr>
-          <p:nvPr/>
-        </p:nvPicPr>
-        <p:blipFill>
-          <a:blip r:embed="rId6"/>
-          <a:stretch>
-            <a:fillRect/>
-          </a:stretch>
-        </p:blipFill>
-        <p:spPr>
-          <a:xfrm>
-            <a:off x="7724775" y="5903595"/>
-            <a:ext cx="871220" cy="502285"/>
-          </a:xfrm>
-          <a:prstGeom prst="rect">
-            <a:avLst/>
-          </a:prstGeom>
-        </p:spPr>
-      </p:pic>
-      <p:pic>
-        <p:nvPicPr>
-          <p:cNvPr id="23" name="图片 22" descr="HM"/>
-          <p:cNvPicPr>
-            <a:picLocks noChangeAspect="1"/>
-          </p:cNvPicPr>
-          <p:nvPr/>
-        </p:nvPicPr>
-        <p:blipFill>
-          <a:blip r:embed="rId7"/>
-          <a:stretch>
-            <a:fillRect/>
-          </a:stretch>
-        </p:blipFill>
-        <p:spPr>
-          <a:xfrm>
-            <a:off x="7785100" y="4814570"/>
-            <a:ext cx="694690" cy="608330"/>
-          </a:xfrm>
-          <a:prstGeom prst="rect">
-            <a:avLst/>
-          </a:prstGeom>
-        </p:spPr>
-      </p:pic>
-      <p:cxnSp>
-        <p:nvCxnSpPr>
-          <p:cNvPr id="6" name="直接箭头连接符 5"/>
-          <p:cNvCxnSpPr>
-            <a:stCxn id="9" idx="3"/>
-            <a:endCxn id="8" idx="1"/>
-          </p:cNvCxnSpPr>
-          <p:nvPr/>
-        </p:nvCxnSpPr>
-        <p:spPr>
-          <a:xfrm flipV="1">
-            <a:off x="6235065" y="951865"/>
-            <a:ext cx="1550035" cy="2477135"/>
-          </a:xfrm>
-          <a:prstGeom prst="straightConnector1">
-            <a:avLst/>
-          </a:prstGeom>
-          <a:ln w="38100">
-            <a:tailEnd type="arrow"/>
-          </a:ln>
+      <p:sp>
+        <p:nvSpPr>
+          <p:cNvPr id="10" name="下箭头 9"/>
+          <p:cNvSpPr/>
+          <p:nvPr/>
+        </p:nvSpPr>
+        <p:spPr>
+          <a:xfrm>
+            <a:off x="3584575" y="2878455"/>
+            <a:ext cx="683260" cy="748030"/>
+          </a:xfrm>
+          <a:prstGeom prst="downArrow">
+            <a:avLst/>
+          </a:prstGeom>
         </p:spPr>
         <p:style>
-          <a:lnRef idx="1">
-            <a:schemeClr val="accent1"/>
+          <a:lnRef idx="2">
+            <a:schemeClr val="accent1">
+              <a:shade val="50000"/>
+            </a:schemeClr>
           </a:lnRef>
-          <a:fillRef idx="0">
+          <a:fillRef idx="1">
             <a:schemeClr val="accent1"/>
           </a:fillRef>
           <a:effectRef idx="0">
             <a:schemeClr val="accent1"/>
           </a:effectRef>
           <a:fontRef idx="minor">
-            <a:schemeClr val="tx1"/>
+            <a:schemeClr val="lt1"/>
           </a:fontRef>
         </p:style>
-      </p:cxnSp>
-      <p:cxnSp>
-        <p:nvCxnSpPr>
-          <p:cNvPr id="7" name="直接箭头连接符 6"/>
-          <p:cNvCxnSpPr>
-            <a:endCxn id="12" idx="1"/>
-          </p:cNvCxnSpPr>
-          <p:nvPr/>
-        </p:nvCxnSpPr>
-        <p:spPr>
-          <a:xfrm>
-            <a:off x="6219825" y="3411855"/>
-            <a:ext cx="1504950" cy="2743200"/>
-          </a:xfrm>
-          <a:prstGeom prst="straightConnector1">
-            <a:avLst/>
-          </a:prstGeom>
-          <a:ln w="38100">
-            <a:tailEnd type="arrow"/>
-          </a:ln>
-        </p:spPr>
-        <p:style>
-          <a:lnRef idx="1">
-            <a:schemeClr val="accent1"/>
-          </a:lnRef>
-          <a:fillRef idx="0">
-            <a:schemeClr val="accent1"/>
-          </a:fillRef>
-          <a:effectRef idx="0">
-            <a:schemeClr val="accent1"/>
-          </a:effectRef>
-          <a:fontRef idx="minor">
-            <a:schemeClr val="tx1"/>
-          </a:fontRef>
-        </p:style>
-      </p:cxnSp>
-      <p:cxnSp>
-        <p:nvCxnSpPr>
-          <p:cNvPr id="11" name="直接箭头连接符 10"/>
-          <p:cNvCxnSpPr>
-            <a:endCxn id="4" idx="1"/>
-          </p:cNvCxnSpPr>
-          <p:nvPr/>
-        </p:nvCxnSpPr>
-        <p:spPr>
-          <a:xfrm flipV="1">
-            <a:off x="6239510" y="3265805"/>
-            <a:ext cx="1445260" cy="163195"/>
-          </a:xfrm>
-          <a:prstGeom prst="straightConnector1">
-            <a:avLst/>
-          </a:prstGeom>
-          <a:ln w="38100">
-            <a:tailEnd type="arrow"/>
-          </a:ln>
-        </p:spPr>
-        <p:style>
-          <a:lnRef idx="1">
-            <a:schemeClr val="accent1"/>
-          </a:lnRef>
-          <a:fillRef idx="0">
-            <a:schemeClr val="accent1"/>
-          </a:fillRef>
-          <a:effectRef idx="0">
-            <a:schemeClr val="accent1"/>
-          </a:effectRef>
-          <a:fontRef idx="minor">
-            <a:schemeClr val="tx1"/>
-          </a:fontRef>
-        </p:style>
-      </p:cxnSp>
-      <p:cxnSp>
-        <p:nvCxnSpPr>
-          <p:cNvPr id="13" name="直接箭头连接符 12"/>
-          <p:cNvCxnSpPr>
-            <a:endCxn id="5" idx="1"/>
-          </p:cNvCxnSpPr>
-          <p:nvPr/>
-        </p:nvCxnSpPr>
-        <p:spPr>
-          <a:xfrm>
-            <a:off x="6220460" y="3438525"/>
-            <a:ext cx="1497965" cy="760095"/>
-          </a:xfrm>
-          <a:prstGeom prst="straightConnector1">
-            <a:avLst/>
-          </a:prstGeom>
-          <a:ln w="38100">
-            <a:tailEnd type="arrow"/>
-          </a:ln>
-        </p:spPr>
-        <p:style>
-          <a:lnRef idx="1">
-            <a:schemeClr val="accent1"/>
-          </a:lnRef>
-          <a:fillRef idx="0">
-            <a:schemeClr val="accent1"/>
-          </a:fillRef>
-          <a:effectRef idx="0">
-            <a:schemeClr val="accent1"/>
-          </a:effectRef>
-          <a:fontRef idx="minor">
-            <a:schemeClr val="tx1"/>
-          </a:fontRef>
-        </p:style>
-      </p:cxnSp>
-      <p:cxnSp>
-        <p:nvCxnSpPr>
-          <p:cNvPr id="14" name="直接箭头连接符 13"/>
-          <p:cNvCxnSpPr>
-            <a:endCxn id="23" idx="1"/>
-          </p:cNvCxnSpPr>
-          <p:nvPr/>
-        </p:nvCxnSpPr>
-        <p:spPr>
-          <a:xfrm>
-            <a:off x="6220460" y="3429000"/>
-            <a:ext cx="1564640" cy="1689735"/>
-          </a:xfrm>
-          <a:prstGeom prst="straightConnector1">
-            <a:avLst/>
-          </a:prstGeom>
-          <a:ln w="38100">
-            <a:tailEnd type="arrow"/>
-          </a:ln>
-        </p:spPr>
-        <p:style>
-          <a:lnRef idx="1">
-            <a:schemeClr val="accent1"/>
-          </a:lnRef>
-          <a:fillRef idx="0">
-            <a:schemeClr val="accent1"/>
-          </a:fillRef>
-          <a:effectRef idx="0">
-            <a:schemeClr val="accent1"/>
-          </a:effectRef>
-          <a:fontRef idx="minor">
-            <a:schemeClr val="tx1"/>
-          </a:fontRef>
-        </p:style>
-      </p:cxnSp>
-      <p:cxnSp>
-        <p:nvCxnSpPr>
-          <p:cNvPr id="15" name="直接箭头连接符 14"/>
-          <p:cNvCxnSpPr>
-            <a:endCxn id="10" idx="1"/>
-          </p:cNvCxnSpPr>
-          <p:nvPr/>
-        </p:nvCxnSpPr>
-        <p:spPr>
-          <a:xfrm flipV="1">
-            <a:off x="6220460" y="2145665"/>
-            <a:ext cx="1464945" cy="1283335"/>
-          </a:xfrm>
-          <a:prstGeom prst="straightConnector1">
-            <a:avLst/>
-          </a:prstGeom>
-          <a:ln w="38100">
-            <a:tailEnd type="arrow"/>
-          </a:ln>
-        </p:spPr>
-        <p:style>
-          <a:lnRef idx="1">
-            <a:schemeClr val="accent1"/>
-          </a:lnRef>
-          <a:fillRef idx="0">
-            <a:schemeClr val="accent1"/>
-          </a:fillRef>
-          <a:effectRef idx="0">
-            <a:schemeClr val="accent1"/>
-          </a:effectRef>
-          <a:fontRef idx="minor">
-            <a:schemeClr val="tx1"/>
-          </a:fontRef>
-        </p:style>
-      </p:cxnSp>
-      <p:sp>
-        <p:nvSpPr>
-          <p:cNvPr id="16" name="文本框 15"/>
-          <p:cNvSpPr txBox="1"/>
-          <p:nvPr/>
-        </p:nvSpPr>
-        <p:spPr>
-          <a:xfrm>
-            <a:off x="6420485" y="1203960"/>
-            <a:ext cx="752475" cy="645160"/>
-          </a:xfrm>
-          <a:prstGeom prst="rect">
-            <a:avLst/>
-          </a:prstGeom>
-          <a:noFill/>
-        </p:spPr>
-        <p:txBody>
-          <a:bodyPr wrap="square" rtlCol="0">
-            <a:spAutoFit/>
-          </a:bodyPr>
-          <a:p>
-            <a:r>
-              <a:rPr lang="en-US" altLang="zh-CN"/>
-              <a:t>EMD</a:t>
-            </a:r>
-            <a:endParaRPr lang="en-US" altLang="zh-CN"/>
-          </a:p>
-          <a:p>
-            <a:r>
-              <a:rPr lang="ja-JP" altLang="zh-CN"/>
-              <a:t>計算</a:t>
-            </a:r>
-            <a:endParaRPr lang="ja-JP" altLang="zh-CN"/>
-          </a:p>
-        </p:txBody>
-      </p:sp>
-      <p:sp>
-        <p:nvSpPr>
-          <p:cNvPr id="17" name="文本框 16"/>
-          <p:cNvSpPr txBox="1"/>
-          <p:nvPr/>
-        </p:nvSpPr>
-        <p:spPr>
-          <a:xfrm>
-            <a:off x="8947785" y="721360"/>
-            <a:ext cx="1218565" cy="460375"/>
-          </a:xfrm>
-          <a:prstGeom prst="rect">
-            <a:avLst/>
-          </a:prstGeom>
-          <a:noFill/>
-        </p:spPr>
-        <p:txBody>
-          <a:bodyPr wrap="none" rtlCol="0">
-            <a:spAutoFit/>
-          </a:bodyPr>
-          <a:p>
-            <a:r>
-              <a:rPr lang="en-US" altLang="zh-CN" sz="2400">
-                <a:solidFill>
-                  <a:srgbClr val="FF0000"/>
-                </a:solidFill>
-              </a:rPr>
-              <a:t>AM = 19</a:t>
-            </a:r>
-            <a:endParaRPr lang="en-US" altLang="zh-CN" sz="2400">
-              <a:solidFill>
-                <a:srgbClr val="FF0000"/>
-              </a:solidFill>
-            </a:endParaRPr>
-          </a:p>
-        </p:txBody>
-      </p:sp>
-      <p:sp>
-        <p:nvSpPr>
-          <p:cNvPr id="18" name="文本框 17"/>
-          <p:cNvSpPr txBox="1"/>
-          <p:nvPr/>
-        </p:nvSpPr>
-        <p:spPr>
-          <a:xfrm>
-            <a:off x="8947785" y="1915795"/>
-            <a:ext cx="1358900" cy="460375"/>
-          </a:xfrm>
-          <a:prstGeom prst="rect">
-            <a:avLst/>
-          </a:prstGeom>
-          <a:noFill/>
-        </p:spPr>
-        <p:txBody>
-          <a:bodyPr wrap="none" rtlCol="0">
-            <a:spAutoFit/>
-          </a:bodyPr>
-          <a:p>
-            <a:r>
-              <a:rPr lang="en-US" altLang="zh-CN" sz="2400"/>
-              <a:t>CM = 145</a:t>
-            </a:r>
-            <a:endParaRPr lang="en-US" altLang="zh-CN" sz="2400"/>
-          </a:p>
-        </p:txBody>
-      </p:sp>
-      <p:sp>
-        <p:nvSpPr>
-          <p:cNvPr id="19" name="文本框 18"/>
-          <p:cNvSpPr txBox="1"/>
-          <p:nvPr/>
-        </p:nvSpPr>
-        <p:spPr>
-          <a:xfrm>
-            <a:off x="8947785" y="3035300"/>
-            <a:ext cx="1522095" cy="460375"/>
-          </a:xfrm>
-          <a:prstGeom prst="rect">
-            <a:avLst/>
-          </a:prstGeom>
-          <a:noFill/>
-        </p:spPr>
-        <p:txBody>
-          <a:bodyPr wrap="none" rtlCol="0">
-            <a:spAutoFit/>
-          </a:bodyPr>
-          <a:p>
-            <a:r>
-              <a:rPr lang="en-US" altLang="zh-CN" sz="2400"/>
-              <a:t>BbM = 116</a:t>
-            </a:r>
-            <a:endParaRPr lang="en-US" altLang="zh-CN" sz="2400"/>
-          </a:p>
-        </p:txBody>
-      </p:sp>
-      <p:sp>
-        <p:nvSpPr>
-          <p:cNvPr id="20" name="文本框 19"/>
-          <p:cNvSpPr txBox="1"/>
-          <p:nvPr/>
-        </p:nvSpPr>
-        <p:spPr>
-          <a:xfrm>
-            <a:off x="8947785" y="3968750"/>
-            <a:ext cx="1388745" cy="460375"/>
-          </a:xfrm>
-          <a:prstGeom prst="rect">
-            <a:avLst/>
-          </a:prstGeom>
-          <a:noFill/>
-        </p:spPr>
-        <p:txBody>
-          <a:bodyPr wrap="none" rtlCol="0">
-            <a:spAutoFit/>
-          </a:bodyPr>
-          <a:p>
-            <a:r>
-              <a:rPr lang="en-US" altLang="zh-CN" sz="2400"/>
-              <a:t>GM = 284</a:t>
-            </a:r>
-            <a:endParaRPr lang="en-US" altLang="zh-CN" sz="2400"/>
-          </a:p>
-        </p:txBody>
-      </p:sp>
-      <p:sp>
-        <p:nvSpPr>
-          <p:cNvPr id="21" name="文本框 20"/>
-          <p:cNvSpPr txBox="1"/>
-          <p:nvPr/>
-        </p:nvSpPr>
-        <p:spPr>
-          <a:xfrm>
-            <a:off x="8947785" y="4888865"/>
-            <a:ext cx="1386205" cy="460375"/>
-          </a:xfrm>
-          <a:prstGeom prst="rect">
-            <a:avLst/>
-          </a:prstGeom>
-          <a:noFill/>
-        </p:spPr>
-        <p:txBody>
-          <a:bodyPr wrap="none" rtlCol="0">
-            <a:spAutoFit/>
-          </a:bodyPr>
-          <a:p>
-            <a:r>
-              <a:rPr lang="en-US" altLang="zh-CN" sz="2400"/>
-              <a:t>HM = 125</a:t>
-            </a:r>
-            <a:endParaRPr lang="en-US" altLang="zh-CN" sz="2400"/>
-          </a:p>
-        </p:txBody>
-      </p:sp>
-      <p:sp>
-        <p:nvSpPr>
-          <p:cNvPr id="22" name="文本框 21"/>
-          <p:cNvSpPr txBox="1"/>
-          <p:nvPr/>
-        </p:nvSpPr>
-        <p:spPr>
-          <a:xfrm>
-            <a:off x="8947785" y="5924550"/>
-            <a:ext cx="1344930" cy="460375"/>
-          </a:xfrm>
-          <a:prstGeom prst="rect">
-            <a:avLst/>
-          </a:prstGeom>
-          <a:noFill/>
-        </p:spPr>
-        <p:txBody>
-          <a:bodyPr wrap="none" rtlCol="0">
-            <a:spAutoFit/>
-          </a:bodyPr>
-          <a:p>
-            <a:r>
-              <a:rPr lang="en-US" altLang="zh-CN" sz="2400"/>
-              <a:t>EM = 232</a:t>
-            </a:r>
-            <a:endParaRPr lang="en-US" altLang="zh-CN" sz="2400"/>
+        <p:txBody>
+          <a:bodyPr rtlCol="0" anchor="ctr"/>
+          <a:lstStyle/>
+          <a:p>
+            <a:pPr algn="ctr"/>
+            <a:endParaRPr lang="zh-CN" altLang="en-US"/>
           </a:p>
         </p:txBody>
       </p:sp>
@@ -4482,7 +4011,633 @@
         <p:cNvGrpSpPr/>
         <p:nvPr/>
       </p:nvGrpSpPr>
-      <p:grpSpPr/>
+      <p:grpSpPr>
+        <a:xfrm>
+          <a:off x="0" y="0"/>
+          <a:ext cx="0" cy="0"/>
+          <a:chOff x="0" y="0"/>
+          <a:chExt cx="0" cy="0"/>
+        </a:xfrm>
+      </p:grpSpPr>
+      <p:pic>
+        <p:nvPicPr>
+          <p:cNvPr id="9" name="内容占位符 8"/>
+          <p:cNvPicPr>
+            <a:picLocks noGrp="1" noChangeAspect="1"/>
+          </p:cNvPicPr>
+          <p:nvPr>
+            <p:ph idx="1"/>
+          </p:nvPr>
+        </p:nvPicPr>
+        <p:blipFill>
+          <a:blip r:embed="rId2"/>
+          <a:stretch>
+            <a:fillRect/>
+          </a:stretch>
+        </p:blipFill>
+        <p:spPr>
+          <a:xfrm>
+            <a:off x="749935" y="1294765"/>
+            <a:ext cx="5485130" cy="4268470"/>
+          </a:xfrm>
+          <a:prstGeom prst="rect">
+            <a:avLst/>
+          </a:prstGeom>
+        </p:spPr>
+      </p:pic>
+      <p:pic>
+        <p:nvPicPr>
+          <p:cNvPr id="5" name="图片 4" descr="GM"/>
+          <p:cNvPicPr>
+            <a:picLocks noChangeAspect="1"/>
+          </p:cNvPicPr>
+          <p:nvPr/>
+        </p:nvPicPr>
+        <p:blipFill>
+          <a:blip r:embed="rId3"/>
+          <a:stretch>
+            <a:fillRect/>
+          </a:stretch>
+        </p:blipFill>
+        <p:spPr>
+          <a:xfrm>
+            <a:off x="7718425" y="3932555"/>
+            <a:ext cx="883285" cy="532130"/>
+          </a:xfrm>
+          <a:prstGeom prst="rect">
+            <a:avLst/>
+          </a:prstGeom>
+        </p:spPr>
+      </p:pic>
+      <p:pic>
+        <p:nvPicPr>
+          <p:cNvPr id="8" name="图片 7" descr="AM"/>
+          <p:cNvPicPr>
+            <a:picLocks noChangeAspect="1"/>
+          </p:cNvPicPr>
+          <p:nvPr/>
+        </p:nvPicPr>
+        <p:blipFill>
+          <a:blip r:embed="rId4"/>
+          <a:stretch>
+            <a:fillRect/>
+          </a:stretch>
+        </p:blipFill>
+        <p:spPr>
+          <a:xfrm>
+            <a:off x="7785100" y="622300"/>
+            <a:ext cx="749935" cy="659130"/>
+          </a:xfrm>
+          <a:prstGeom prst="rect">
+            <a:avLst/>
+          </a:prstGeom>
+        </p:spPr>
+      </p:pic>
+      <p:pic>
+        <p:nvPicPr>
+          <p:cNvPr id="4" name="图片 3" descr="BbM"/>
+          <p:cNvPicPr>
+            <a:picLocks noChangeAspect="1"/>
+          </p:cNvPicPr>
+          <p:nvPr/>
+        </p:nvPicPr>
+        <p:blipFill>
+          <a:blip r:embed="rId5"/>
+          <a:stretch>
+            <a:fillRect/>
+          </a:stretch>
+        </p:blipFill>
+        <p:spPr>
+          <a:xfrm>
+            <a:off x="7684770" y="2977515"/>
+            <a:ext cx="949960" cy="575945"/>
+          </a:xfrm>
+          <a:prstGeom prst="rect">
+            <a:avLst/>
+          </a:prstGeom>
+        </p:spPr>
+      </p:pic>
+      <p:pic>
+        <p:nvPicPr>
+          <p:cNvPr id="10" name="图片 9" descr="CM"/>
+          <p:cNvPicPr>
+            <a:picLocks noChangeAspect="1"/>
+          </p:cNvPicPr>
+          <p:nvPr/>
+        </p:nvPicPr>
+        <p:blipFill>
+          <a:blip r:embed="rId6"/>
+          <a:stretch>
+            <a:fillRect/>
+          </a:stretch>
+        </p:blipFill>
+        <p:spPr>
+          <a:xfrm>
+            <a:off x="7685405" y="1849120"/>
+            <a:ext cx="949325" cy="593090"/>
+          </a:xfrm>
+          <a:prstGeom prst="rect">
+            <a:avLst/>
+          </a:prstGeom>
+        </p:spPr>
+      </p:pic>
+      <p:pic>
+        <p:nvPicPr>
+          <p:cNvPr id="12" name="图片 11" descr="EM"/>
+          <p:cNvPicPr>
+            <a:picLocks noChangeAspect="1"/>
+          </p:cNvPicPr>
+          <p:nvPr/>
+        </p:nvPicPr>
+        <p:blipFill>
+          <a:blip r:embed="rId7"/>
+          <a:stretch>
+            <a:fillRect/>
+          </a:stretch>
+        </p:blipFill>
+        <p:spPr>
+          <a:xfrm>
+            <a:off x="7724775" y="5903595"/>
+            <a:ext cx="871220" cy="502285"/>
+          </a:xfrm>
+          <a:prstGeom prst="rect">
+            <a:avLst/>
+          </a:prstGeom>
+        </p:spPr>
+      </p:pic>
+      <p:pic>
+        <p:nvPicPr>
+          <p:cNvPr id="23" name="图片 22" descr="HM"/>
+          <p:cNvPicPr>
+            <a:picLocks noChangeAspect="1"/>
+          </p:cNvPicPr>
+          <p:nvPr/>
+        </p:nvPicPr>
+        <p:blipFill>
+          <a:blip r:embed="rId8"/>
+          <a:stretch>
+            <a:fillRect/>
+          </a:stretch>
+        </p:blipFill>
+        <p:spPr>
+          <a:xfrm>
+            <a:off x="7785100" y="4814570"/>
+            <a:ext cx="694690" cy="608330"/>
+          </a:xfrm>
+          <a:prstGeom prst="rect">
+            <a:avLst/>
+          </a:prstGeom>
+        </p:spPr>
+      </p:pic>
+      <p:cxnSp>
+        <p:nvCxnSpPr>
+          <p:cNvPr id="6" name="直接箭头连接符 5"/>
+          <p:cNvCxnSpPr>
+            <a:stCxn id="9" idx="3"/>
+            <a:endCxn id="8" idx="1"/>
+          </p:cNvCxnSpPr>
+          <p:nvPr/>
+        </p:nvCxnSpPr>
+        <p:spPr>
+          <a:xfrm flipV="1">
+            <a:off x="6235065" y="951865"/>
+            <a:ext cx="1550035" cy="2477135"/>
+          </a:xfrm>
+          <a:prstGeom prst="straightConnector1">
+            <a:avLst/>
+          </a:prstGeom>
+          <a:ln w="38100">
+            <a:tailEnd type="arrow"/>
+          </a:ln>
+        </p:spPr>
+        <p:style>
+          <a:lnRef idx="1">
+            <a:schemeClr val="accent1"/>
+          </a:lnRef>
+          <a:fillRef idx="0">
+            <a:schemeClr val="accent1"/>
+          </a:fillRef>
+          <a:effectRef idx="0">
+            <a:schemeClr val="accent1"/>
+          </a:effectRef>
+          <a:fontRef idx="minor">
+            <a:schemeClr val="tx1"/>
+          </a:fontRef>
+        </p:style>
+      </p:cxnSp>
+      <p:cxnSp>
+        <p:nvCxnSpPr>
+          <p:cNvPr id="7" name="直接箭头连接符 6"/>
+          <p:cNvCxnSpPr>
+            <a:endCxn id="12" idx="1"/>
+          </p:cNvCxnSpPr>
+          <p:nvPr/>
+        </p:nvCxnSpPr>
+        <p:spPr>
+          <a:xfrm>
+            <a:off x="6219825" y="3411855"/>
+            <a:ext cx="1504950" cy="2743200"/>
+          </a:xfrm>
+          <a:prstGeom prst="straightConnector1">
+            <a:avLst/>
+          </a:prstGeom>
+          <a:ln w="38100">
+            <a:tailEnd type="arrow"/>
+          </a:ln>
+        </p:spPr>
+        <p:style>
+          <a:lnRef idx="1">
+            <a:schemeClr val="accent1"/>
+          </a:lnRef>
+          <a:fillRef idx="0">
+            <a:schemeClr val="accent1"/>
+          </a:fillRef>
+          <a:effectRef idx="0">
+            <a:schemeClr val="accent1"/>
+          </a:effectRef>
+          <a:fontRef idx="minor">
+            <a:schemeClr val="tx1"/>
+          </a:fontRef>
+        </p:style>
+      </p:cxnSp>
+      <p:cxnSp>
+        <p:nvCxnSpPr>
+          <p:cNvPr id="11" name="直接箭头连接符 10"/>
+          <p:cNvCxnSpPr>
+            <a:endCxn id="4" idx="1"/>
+          </p:cNvCxnSpPr>
+          <p:nvPr/>
+        </p:nvCxnSpPr>
+        <p:spPr>
+          <a:xfrm flipV="1">
+            <a:off x="6239510" y="3265805"/>
+            <a:ext cx="1445260" cy="163195"/>
+          </a:xfrm>
+          <a:prstGeom prst="straightConnector1">
+            <a:avLst/>
+          </a:prstGeom>
+          <a:ln w="38100">
+            <a:tailEnd type="arrow"/>
+          </a:ln>
+        </p:spPr>
+        <p:style>
+          <a:lnRef idx="1">
+            <a:schemeClr val="accent1"/>
+          </a:lnRef>
+          <a:fillRef idx="0">
+            <a:schemeClr val="accent1"/>
+          </a:fillRef>
+          <a:effectRef idx="0">
+            <a:schemeClr val="accent1"/>
+          </a:effectRef>
+          <a:fontRef idx="minor">
+            <a:schemeClr val="tx1"/>
+          </a:fontRef>
+        </p:style>
+      </p:cxnSp>
+      <p:cxnSp>
+        <p:nvCxnSpPr>
+          <p:cNvPr id="13" name="直接箭头连接符 12"/>
+          <p:cNvCxnSpPr>
+            <a:endCxn id="5" idx="1"/>
+          </p:cNvCxnSpPr>
+          <p:nvPr/>
+        </p:nvCxnSpPr>
+        <p:spPr>
+          <a:xfrm>
+            <a:off x="6220460" y="3438525"/>
+            <a:ext cx="1497965" cy="760095"/>
+          </a:xfrm>
+          <a:prstGeom prst="straightConnector1">
+            <a:avLst/>
+          </a:prstGeom>
+          <a:ln w="38100">
+            <a:tailEnd type="arrow"/>
+          </a:ln>
+        </p:spPr>
+        <p:style>
+          <a:lnRef idx="1">
+            <a:schemeClr val="accent1"/>
+          </a:lnRef>
+          <a:fillRef idx="0">
+            <a:schemeClr val="accent1"/>
+          </a:fillRef>
+          <a:effectRef idx="0">
+            <a:schemeClr val="accent1"/>
+          </a:effectRef>
+          <a:fontRef idx="minor">
+            <a:schemeClr val="tx1"/>
+          </a:fontRef>
+        </p:style>
+      </p:cxnSp>
+      <p:cxnSp>
+        <p:nvCxnSpPr>
+          <p:cNvPr id="14" name="直接箭头连接符 13"/>
+          <p:cNvCxnSpPr>
+            <a:endCxn id="23" idx="1"/>
+          </p:cNvCxnSpPr>
+          <p:nvPr/>
+        </p:nvCxnSpPr>
+        <p:spPr>
+          <a:xfrm>
+            <a:off x="6220460" y="3429000"/>
+            <a:ext cx="1564640" cy="1689735"/>
+          </a:xfrm>
+          <a:prstGeom prst="straightConnector1">
+            <a:avLst/>
+          </a:prstGeom>
+          <a:ln w="38100">
+            <a:tailEnd type="arrow"/>
+          </a:ln>
+        </p:spPr>
+        <p:style>
+          <a:lnRef idx="1">
+            <a:schemeClr val="accent1"/>
+          </a:lnRef>
+          <a:fillRef idx="0">
+            <a:schemeClr val="accent1"/>
+          </a:fillRef>
+          <a:effectRef idx="0">
+            <a:schemeClr val="accent1"/>
+          </a:effectRef>
+          <a:fontRef idx="minor">
+            <a:schemeClr val="tx1"/>
+          </a:fontRef>
+        </p:style>
+      </p:cxnSp>
+      <p:cxnSp>
+        <p:nvCxnSpPr>
+          <p:cNvPr id="15" name="直接箭头连接符 14"/>
+          <p:cNvCxnSpPr>
+            <a:endCxn id="10" idx="1"/>
+          </p:cNvCxnSpPr>
+          <p:nvPr/>
+        </p:nvCxnSpPr>
+        <p:spPr>
+          <a:xfrm flipV="1">
+            <a:off x="6220460" y="2145665"/>
+            <a:ext cx="1464945" cy="1283335"/>
+          </a:xfrm>
+          <a:prstGeom prst="straightConnector1">
+            <a:avLst/>
+          </a:prstGeom>
+          <a:ln w="38100">
+            <a:tailEnd type="arrow"/>
+          </a:ln>
+        </p:spPr>
+        <p:style>
+          <a:lnRef idx="1">
+            <a:schemeClr val="accent1"/>
+          </a:lnRef>
+          <a:fillRef idx="0">
+            <a:schemeClr val="accent1"/>
+          </a:fillRef>
+          <a:effectRef idx="0">
+            <a:schemeClr val="accent1"/>
+          </a:effectRef>
+          <a:fontRef idx="minor">
+            <a:schemeClr val="tx1"/>
+          </a:fontRef>
+        </p:style>
+      </p:cxnSp>
+      <p:sp>
+        <p:nvSpPr>
+          <p:cNvPr id="16" name="文本框 15"/>
+          <p:cNvSpPr txBox="1"/>
+          <p:nvPr/>
+        </p:nvSpPr>
+        <p:spPr>
+          <a:xfrm>
+            <a:off x="6420485" y="1203960"/>
+            <a:ext cx="752475" cy="645160"/>
+          </a:xfrm>
+          <a:prstGeom prst="rect">
+            <a:avLst/>
+          </a:prstGeom>
+          <a:noFill/>
+        </p:spPr>
+        <p:txBody>
+          <a:bodyPr wrap="square" rtlCol="0">
+            <a:spAutoFit/>
+          </a:bodyPr>
+          <a:lstStyle/>
+          <a:p>
+            <a:r>
+              <a:rPr lang="en-US" altLang="zh-CN"/>
+              <a:t>EMD</a:t>
+            </a:r>
+          </a:p>
+          <a:p>
+            <a:r>
+              <a:rPr lang="ja-JP" altLang="zh-CN"/>
+              <a:t>計算</a:t>
+            </a:r>
+          </a:p>
+        </p:txBody>
+      </p:sp>
+      <p:sp>
+        <p:nvSpPr>
+          <p:cNvPr id="17" name="文本框 16"/>
+          <p:cNvSpPr txBox="1"/>
+          <p:nvPr/>
+        </p:nvSpPr>
+        <p:spPr>
+          <a:xfrm>
+            <a:off x="8947785" y="721360"/>
+            <a:ext cx="1218565" cy="460375"/>
+          </a:xfrm>
+          <a:prstGeom prst="rect">
+            <a:avLst/>
+          </a:prstGeom>
+          <a:noFill/>
+        </p:spPr>
+        <p:txBody>
+          <a:bodyPr wrap="none" rtlCol="0">
+            <a:spAutoFit/>
+          </a:bodyPr>
+          <a:lstStyle/>
+          <a:p>
+            <a:r>
+              <a:rPr lang="en-US" altLang="zh-CN" sz="2400">
+                <a:solidFill>
+                  <a:srgbClr val="FF0000"/>
+                </a:solidFill>
+              </a:rPr>
+              <a:t>AM = 19</a:t>
+            </a:r>
+          </a:p>
+        </p:txBody>
+      </p:sp>
+      <p:sp>
+        <p:nvSpPr>
+          <p:cNvPr id="18" name="文本框 17"/>
+          <p:cNvSpPr txBox="1"/>
+          <p:nvPr/>
+        </p:nvSpPr>
+        <p:spPr>
+          <a:xfrm>
+            <a:off x="8947785" y="1915795"/>
+            <a:ext cx="1358900" cy="460375"/>
+          </a:xfrm>
+          <a:prstGeom prst="rect">
+            <a:avLst/>
+          </a:prstGeom>
+          <a:noFill/>
+        </p:spPr>
+        <p:txBody>
+          <a:bodyPr wrap="none" rtlCol="0">
+            <a:spAutoFit/>
+          </a:bodyPr>
+          <a:lstStyle/>
+          <a:p>
+            <a:r>
+              <a:rPr lang="en-US" altLang="zh-CN" sz="2400"/>
+              <a:t>CM = 145</a:t>
+            </a:r>
+          </a:p>
+        </p:txBody>
+      </p:sp>
+      <p:sp>
+        <p:nvSpPr>
+          <p:cNvPr id="19" name="文本框 18"/>
+          <p:cNvSpPr txBox="1"/>
+          <p:nvPr/>
+        </p:nvSpPr>
+        <p:spPr>
+          <a:xfrm>
+            <a:off x="8947785" y="3035300"/>
+            <a:ext cx="1522095" cy="460375"/>
+          </a:xfrm>
+          <a:prstGeom prst="rect">
+            <a:avLst/>
+          </a:prstGeom>
+          <a:noFill/>
+        </p:spPr>
+        <p:txBody>
+          <a:bodyPr wrap="none" rtlCol="0">
+            <a:spAutoFit/>
+          </a:bodyPr>
+          <a:lstStyle/>
+          <a:p>
+            <a:r>
+              <a:rPr lang="en-US" altLang="zh-CN" sz="2400"/>
+              <a:t>BbM = 116</a:t>
+            </a:r>
+          </a:p>
+        </p:txBody>
+      </p:sp>
+      <p:sp>
+        <p:nvSpPr>
+          <p:cNvPr id="20" name="文本框 19"/>
+          <p:cNvSpPr txBox="1"/>
+          <p:nvPr/>
+        </p:nvSpPr>
+        <p:spPr>
+          <a:xfrm>
+            <a:off x="8947785" y="3968750"/>
+            <a:ext cx="1388745" cy="460375"/>
+          </a:xfrm>
+          <a:prstGeom prst="rect">
+            <a:avLst/>
+          </a:prstGeom>
+          <a:noFill/>
+        </p:spPr>
+        <p:txBody>
+          <a:bodyPr wrap="none" rtlCol="0">
+            <a:spAutoFit/>
+          </a:bodyPr>
+          <a:lstStyle/>
+          <a:p>
+            <a:r>
+              <a:rPr lang="en-US" altLang="zh-CN" sz="2400"/>
+              <a:t>GM = 284</a:t>
+            </a:r>
+          </a:p>
+        </p:txBody>
+      </p:sp>
+      <p:sp>
+        <p:nvSpPr>
+          <p:cNvPr id="21" name="文本框 20"/>
+          <p:cNvSpPr txBox="1"/>
+          <p:nvPr/>
+        </p:nvSpPr>
+        <p:spPr>
+          <a:xfrm>
+            <a:off x="8947785" y="4888865"/>
+            <a:ext cx="1386205" cy="460375"/>
+          </a:xfrm>
+          <a:prstGeom prst="rect">
+            <a:avLst/>
+          </a:prstGeom>
+          <a:noFill/>
+        </p:spPr>
+        <p:txBody>
+          <a:bodyPr wrap="none" rtlCol="0">
+            <a:spAutoFit/>
+          </a:bodyPr>
+          <a:lstStyle/>
+          <a:p>
+            <a:r>
+              <a:rPr lang="en-US" altLang="zh-CN" sz="2400"/>
+              <a:t>HM = 125</a:t>
+            </a:r>
+          </a:p>
+        </p:txBody>
+      </p:sp>
+      <p:sp>
+        <p:nvSpPr>
+          <p:cNvPr id="22" name="文本框 21"/>
+          <p:cNvSpPr txBox="1"/>
+          <p:nvPr/>
+        </p:nvSpPr>
+        <p:spPr>
+          <a:xfrm>
+            <a:off x="8947785" y="5924550"/>
+            <a:ext cx="1344930" cy="460375"/>
+          </a:xfrm>
+          <a:prstGeom prst="rect">
+            <a:avLst/>
+          </a:prstGeom>
+          <a:noFill/>
+        </p:spPr>
+        <p:txBody>
+          <a:bodyPr wrap="none" rtlCol="0">
+            <a:spAutoFit/>
+          </a:bodyPr>
+          <a:lstStyle/>
+          <a:p>
+            <a:r>
+              <a:rPr lang="en-US" altLang="zh-CN" sz="2400"/>
+              <a:t>EM = 232</a:t>
+            </a:r>
+          </a:p>
+        </p:txBody>
+      </p:sp>
+    </p:spTree>
+  </p:cSld>
+  <p:clrMapOvr>
+    <a:masterClrMapping/>
+  </p:clrMapOvr>
+</p:sld>
+</file>
+
+<file path=ppt/slides/slide14.xml><?xml version="1.0" encoding="utf-8"?>
+<p:sld xmlns:a="http://schemas.openxmlformats.org/drawingml/2006/main" xmlns:r="http://schemas.openxmlformats.org/officeDocument/2006/relationships" xmlns:p="http://schemas.openxmlformats.org/presentationml/2006/main">
+  <p:cSld>
+    <p:spTree>
+      <p:nvGrpSpPr>
+        <p:cNvPr id="1" name=""/>
+        <p:cNvGrpSpPr/>
+        <p:nvPr/>
+      </p:nvGrpSpPr>
+      <p:grpSpPr>
+        <a:xfrm>
+          <a:off x="0" y="0"/>
+          <a:ext cx="0" cy="0"/>
+          <a:chOff x="0" y="0"/>
+          <a:chExt cx="0" cy="0"/>
+        </a:xfrm>
+      </p:grpSpPr>
       <p:pic>
         <p:nvPicPr>
           <p:cNvPr id="16" name="图片 15"/>
@@ -4492,7 +4647,7 @@
           <p:nvPr/>
         </p:nvPicPr>
         <p:blipFill>
-          <a:blip r:embed="rId1"/>
+          <a:blip r:embed="rId2"/>
           <a:stretch>
             <a:fillRect/>
           </a:stretch>
@@ -4516,7 +4671,7 @@
           <p:nvPr/>
         </p:nvPicPr>
         <p:blipFill>
-          <a:blip r:embed="rId2"/>
+          <a:blip r:embed="rId3"/>
           <a:stretch>
             <a:fillRect/>
           </a:stretch>
@@ -4540,7 +4695,7 @@
           <p:nvPr/>
         </p:nvPicPr>
         <p:blipFill>
-          <a:blip r:embed="rId3"/>
+          <a:blip r:embed="rId4"/>
           <a:stretch>
             <a:fillRect/>
           </a:stretch>
@@ -4598,6 +4753,7 @@
         </p:style>
         <p:txBody>
           <a:bodyPr rtlCol="0" anchor="ctr"/>
+          <a:lstStyle/>
           <a:p>
             <a:pPr algn="ctr"/>
             <a:endParaRPr lang="ja-JP" altLang="zh-CN" sz="3600">
@@ -4647,6 +4803,7 @@
         </p:style>
         <p:txBody>
           <a:bodyPr rtlCol="0" anchor="ctr"/>
+          <a:lstStyle/>
           <a:p>
             <a:pPr algn="ctr"/>
             <a:r>
@@ -4681,11 +4838,6 @@
               </a:rPr>
               <a:t>データ</a:t>
             </a:r>
-            <a:endParaRPr lang="ja-JP" altLang="zh-CN" sz="1600" b="1">
-              <a:solidFill>
-                <a:schemeClr val="tx1"/>
-              </a:solidFill>
-            </a:endParaRPr>
           </a:p>
         </p:txBody>
       </p:sp>
@@ -4728,6 +4880,7 @@
         </p:style>
         <p:txBody>
           <a:bodyPr rtlCol="0" anchor="ctr"/>
+          <a:lstStyle/>
           <a:p>
             <a:pPr algn="ctr"/>
             <a:r>
@@ -4754,11 +4907,6 @@
               </a:rPr>
               <a:t>データ分析</a:t>
             </a:r>
-            <a:endParaRPr lang="ja-JP" altLang="zh-CN" sz="1600" b="1">
-              <a:solidFill>
-                <a:schemeClr val="tx1"/>
-              </a:solidFill>
-            </a:endParaRPr>
           </a:p>
         </p:txBody>
       </p:sp>
@@ -4801,6 +4949,7 @@
         </p:style>
         <p:txBody>
           <a:bodyPr rtlCol="0" anchor="ctr"/>
+          <a:lstStyle/>
           <a:p>
             <a:pPr algn="ctr"/>
             <a:r>
@@ -4827,11 +4976,6 @@
               </a:rPr>
               <a:t>レコメンド計算完了</a:t>
             </a:r>
-            <a:endParaRPr lang="ja-JP" altLang="zh-CN" sz="1600" b="1">
-              <a:solidFill>
-                <a:schemeClr val="tx1"/>
-              </a:solidFill>
-            </a:endParaRPr>
           </a:p>
         </p:txBody>
       </p:sp>
@@ -4876,6 +5020,7 @@
         </p:style>
         <p:txBody>
           <a:bodyPr rtlCol="0" anchor="ctr"/>
+          <a:lstStyle/>
           <a:p>
             <a:pPr algn="ctr"/>
             <a:r>
@@ -4902,11 +5047,6 @@
               </a:rPr>
               <a:t>レコメンド結果表示</a:t>
             </a:r>
-            <a:endParaRPr lang="ja-JP" altLang="zh-CN" sz="1600" b="1">
-              <a:solidFill>
-                <a:schemeClr val="tx1"/>
-              </a:solidFill>
-            </a:endParaRPr>
           </a:p>
         </p:txBody>
       </p:sp>
@@ -4944,12 +5084,12 @@
             <a:bodyPr wrap="square" rtlCol="0">
               <a:spAutoFit/>
             </a:bodyPr>
+            <a:lstStyle/>
             <a:p>
               <a:r>
                 <a:rPr lang="ja-JP" altLang="zh-CN" b="1"/>
                 <a:t>ウェブサイト</a:t>
               </a:r>
-              <a:endParaRPr lang="ja-JP" altLang="zh-CN" b="1"/>
             </a:p>
           </p:txBody>
         </p:sp>
@@ -4973,12 +5113,12 @@
             <a:bodyPr wrap="square" rtlCol="0">
               <a:spAutoFit/>
             </a:bodyPr>
+            <a:lstStyle/>
             <a:p>
               <a:r>
                 <a:rPr lang="ja-JP" altLang="zh-CN" b="1"/>
                 <a:t>エンジン</a:t>
               </a:r>
-              <a:endParaRPr lang="ja-JP" altLang="zh-CN" b="1"/>
             </a:p>
           </p:txBody>
         </p:sp>
@@ -5002,13 +5142,13 @@
             <a:bodyPr wrap="square" rtlCol="0">
               <a:spAutoFit/>
             </a:bodyPr>
+            <a:lstStyle/>
             <a:p>
               <a:pPr algn="ctr"/>
               <a:r>
                 <a:rPr lang="ja-JP" altLang="zh-CN" b="1"/>
                 <a:t>サーバ</a:t>
               </a:r>
-              <a:endParaRPr lang="ja-JP" altLang="zh-CN" b="1"/>
             </a:p>
           </p:txBody>
         </p:sp>
@@ -5022,7 +5162,7 @@
           <p:nvPr/>
         </p:nvPicPr>
         <p:blipFill>
-          <a:blip r:embed="rId4"/>
+          <a:blip r:embed="rId5"/>
           <a:stretch>
             <a:fillRect/>
           </a:stretch>
@@ -5057,12 +5197,12 @@
           <a:bodyPr wrap="none" rtlCol="0">
             <a:spAutoFit/>
           </a:bodyPr>
+          <a:lstStyle/>
           <a:p>
             <a:r>
               <a:rPr lang="ja-JP" altLang="zh-CN" b="1"/>
               <a:t>情報履歴</a:t>
             </a:r>
-            <a:endParaRPr lang="ja-JP" altLang="zh-CN" b="1"/>
           </a:p>
         </p:txBody>
       </p:sp>
@@ -5086,6 +5226,7 @@
           <a:bodyPr wrap="none" rtlCol="0">
             <a:spAutoFit/>
           </a:bodyPr>
+          <a:lstStyle/>
           <a:p>
             <a:r>
               <a:rPr lang="en-US" altLang="ja-JP" b="1"/>
@@ -5095,7 +5236,6 @@
               <a:rPr lang="en-US" altLang="zh-CN" b="1"/>
               <a:t>.csv</a:t>
             </a:r>
-            <a:endParaRPr lang="en-US" altLang="zh-CN" b="1"/>
           </a:p>
         </p:txBody>
       </p:sp>
@@ -5108,7 +5248,7 @@
           <p:nvPr/>
         </p:nvPicPr>
         <p:blipFill>
-          <a:blip r:embed="rId5"/>
+          <a:blip r:embed="rId6"/>
           <a:stretch>
             <a:fillRect/>
           </a:stretch>
@@ -5143,12 +5283,12 @@
           <a:bodyPr wrap="none" rtlCol="0">
             <a:spAutoFit/>
           </a:bodyPr>
+          <a:lstStyle/>
           <a:p>
             <a:r>
               <a:rPr lang="en-US" altLang="ja-JP" b="1"/>
               <a:t>result.csv</a:t>
             </a:r>
-            <a:endParaRPr lang="en-US" altLang="ja-JP" b="1"/>
           </a:p>
         </p:txBody>
       </p:sp>
@@ -5194,6 +5334,7 @@
         </p:style>
         <p:txBody>
           <a:bodyPr rtlCol="0" anchor="ctr"/>
+          <a:lstStyle/>
           <a:p>
             <a:pPr algn="ctr"/>
             <a:r>
@@ -5204,11 +5345,6 @@
               </a:rPr>
               <a:t>データ処理</a:t>
             </a:r>
-            <a:endParaRPr lang="ja-JP" altLang="zh-CN" sz="1200">
-              <a:solidFill>
-                <a:schemeClr val="tx1"/>
-              </a:solidFill>
-            </a:endParaRPr>
           </a:p>
         </p:txBody>
       </p:sp>
@@ -5251,6 +5387,7 @@
         </p:style>
         <p:txBody>
           <a:bodyPr rtlCol="0" anchor="ctr"/>
+          <a:lstStyle/>
           <a:p>
             <a:pPr algn="ctr"/>
             <a:r>
@@ -5261,11 +5398,6 @@
               </a:rPr>
               <a:t>データ処理</a:t>
             </a:r>
-            <a:endParaRPr lang="ja-JP" altLang="en-US" sz="1200">
-              <a:solidFill>
-                <a:schemeClr val="tx1"/>
-              </a:solidFill>
-            </a:endParaRPr>
           </a:p>
         </p:txBody>
       </p:sp>
@@ -5278,7 +5410,7 @@
           <p:nvPr/>
         </p:nvPicPr>
         <p:blipFill>
-          <a:blip r:embed="rId5"/>
+          <a:blip r:embed="rId6"/>
           <a:stretch>
             <a:fillRect/>
           </a:stretch>
@@ -5313,12 +5445,12 @@
           <a:bodyPr wrap="none" rtlCol="0">
             <a:spAutoFit/>
           </a:bodyPr>
+          <a:lstStyle/>
           <a:p>
             <a:r>
               <a:rPr lang="en-US" altLang="ja-JP" b="1"/>
               <a:t>JSON</a:t>
             </a:r>
-            <a:endParaRPr lang="en-US" altLang="ja-JP" b="1"/>
           </a:p>
         </p:txBody>
       </p:sp>
@@ -5330,7 +5462,7 @@
 </p:sld>
 </file>
 
-<file path=ppt/slides/slide14.xml><?xml version="1.0" encoding="utf-8"?>
+<file path=ppt/slides/slide15.xml><?xml version="1.0" encoding="utf-8"?>
 <p:sld xmlns:a="http://schemas.openxmlformats.org/drawingml/2006/main" xmlns:r="http://schemas.openxmlformats.org/officeDocument/2006/relationships" xmlns:p="http://schemas.openxmlformats.org/presentationml/2006/main">
   <p:cSld>
     <p:spTree>
@@ -5339,7 +5471,14 @@
         <p:cNvGrpSpPr/>
         <p:nvPr/>
       </p:nvGrpSpPr>
-      <p:grpSpPr/>
+      <p:grpSpPr>
+        <a:xfrm>
+          <a:off x="0" y="0"/>
+          <a:ext cx="0" cy="0"/>
+          <a:chOff x="0" y="0"/>
+          <a:chExt cx="0" cy="0"/>
+        </a:xfrm>
+      </p:grpSpPr>
       <p:grpSp>
         <p:nvGrpSpPr>
           <p:cNvPr id="6" name="组合 5"/>
@@ -5363,7 +5502,7 @@
             <p:nvPr/>
           </p:nvPicPr>
           <p:blipFill>
-            <a:blip r:embed="rId1"/>
+            <a:blip r:embed="rId2"/>
             <a:stretch>
               <a:fillRect/>
             </a:stretch>
@@ -5398,12 +5537,12 @@
             <a:bodyPr wrap="none" rtlCol="0">
               <a:spAutoFit/>
             </a:bodyPr>
+            <a:lstStyle/>
             <a:p>
               <a:r>
                 <a:rPr lang="ja-JP" altLang="en-US" b="1"/>
                 <a:t>トレーニングデータ</a:t>
               </a:r>
-              <a:endParaRPr lang="ja-JP" altLang="en-US" b="1"/>
             </a:p>
           </p:txBody>
         </p:sp>
@@ -5431,7 +5570,7 @@
             <p:nvPr/>
           </p:nvPicPr>
           <p:blipFill>
-            <a:blip r:embed="rId1"/>
+            <a:blip r:embed="rId2"/>
             <a:stretch>
               <a:fillRect/>
             </a:stretch>
@@ -5466,12 +5605,12 @@
             <a:bodyPr wrap="none" rtlCol="0">
               <a:spAutoFit/>
             </a:bodyPr>
+            <a:lstStyle/>
             <a:p>
               <a:r>
                 <a:rPr lang="ja-JP" altLang="en-US" b="1"/>
                 <a:t>検証データ</a:t>
               </a:r>
-              <a:endParaRPr lang="ja-JP" altLang="en-US" b="1"/>
             </a:p>
           </p:txBody>
         </p:sp>
@@ -5519,6 +5658,7 @@
         </p:style>
         <p:txBody>
           <a:bodyPr rtlCol="0" anchor="ctr"/>
+          <a:lstStyle/>
           <a:p>
             <a:pPr algn="ctr"/>
             <a:r>
@@ -5529,11 +5669,6 @@
               </a:rPr>
               <a:t>レコメンド</a:t>
             </a:r>
-            <a:endParaRPr lang="ja-JP" altLang="zh-CN" sz="4400">
-              <a:solidFill>
-                <a:schemeClr val="tx1"/>
-              </a:solidFill>
-            </a:endParaRPr>
           </a:p>
         </p:txBody>
       </p:sp>
@@ -5570,6 +5705,7 @@
         </p:style>
         <p:txBody>
           <a:bodyPr rtlCol="0" anchor="ctr"/>
+          <a:lstStyle/>
           <a:p>
             <a:pPr algn="ctr"/>
             <a:endParaRPr lang="zh-CN" altLang="en-US"/>
@@ -5609,6 +5745,7 @@
         </p:style>
         <p:txBody>
           <a:bodyPr rtlCol="0" anchor="ctr"/>
+          <a:lstStyle/>
           <a:p>
             <a:pPr algn="ctr"/>
             <a:endParaRPr lang="zh-CN" altLang="en-US"/>
@@ -5658,6 +5795,7 @@
         </p:style>
         <p:txBody>
           <a:bodyPr rtlCol="0" anchor="ctr"/>
+          <a:lstStyle/>
           <a:p>
             <a:pPr algn="ctr"/>
             <a:r>
@@ -5692,11 +5830,6 @@
               </a:rPr>
               <a:t>ItemA</a:t>
             </a:r>
-            <a:endParaRPr lang="en-US" altLang="ja-JP" sz="4400">
-              <a:solidFill>
-                <a:schemeClr val="tx1"/>
-              </a:solidFill>
-            </a:endParaRPr>
           </a:p>
           <a:p>
             <a:pPr algn="ctr"/>
@@ -5724,11 +5857,6 @@
               </a:rPr>
               <a:t>ItemB</a:t>
             </a:r>
-            <a:endParaRPr lang="en-US" altLang="ja-JP" sz="4400">
-              <a:solidFill>
-                <a:schemeClr val="tx1"/>
-              </a:solidFill>
-            </a:endParaRPr>
           </a:p>
           <a:p>
             <a:pPr algn="ctr"/>
@@ -5756,11 +5884,6 @@
               </a:rPr>
               <a:t>ItemC</a:t>
             </a:r>
-            <a:endParaRPr lang="en-US" altLang="ja-JP" sz="4400">
-              <a:solidFill>
-                <a:schemeClr val="tx1"/>
-              </a:solidFill>
-            </a:endParaRPr>
           </a:p>
           <a:p>
             <a:pPr algn="ctr"/>
@@ -5772,11 +5895,6 @@
               </a:rPr>
               <a:t>…</a:t>
             </a:r>
-            <a:endParaRPr lang="en-US" altLang="ja-JP" sz="4400">
-              <a:solidFill>
-                <a:schemeClr val="tx1"/>
-              </a:solidFill>
-            </a:endParaRPr>
           </a:p>
         </p:txBody>
       </p:sp>
@@ -5822,6 +5940,7 @@
         </p:style>
         <p:txBody>
           <a:bodyPr rtlCol="0" anchor="ctr"/>
+          <a:lstStyle/>
           <a:p>
             <a:pPr algn="ctr"/>
             <a:r>
@@ -5832,11 +5951,6 @@
               </a:rPr>
               <a:t>比較</a:t>
             </a:r>
-            <a:endParaRPr lang="ja-JP" altLang="zh-CN" sz="3200" b="1">
-              <a:solidFill>
-                <a:schemeClr val="tx1"/>
-              </a:solidFill>
-            </a:endParaRPr>
           </a:p>
         </p:txBody>
       </p:sp>
@@ -5848,7 +5962,7 @@
 </p:sld>
 </file>
 
-<file path=ppt/slides/slide15.xml><?xml version="1.0" encoding="utf-8"?>
+<file path=ppt/slides/slide16.xml><?xml version="1.0" encoding="utf-8"?>
 <p:sld xmlns:a="http://schemas.openxmlformats.org/drawingml/2006/main" xmlns:r="http://schemas.openxmlformats.org/officeDocument/2006/relationships" xmlns:p="http://schemas.openxmlformats.org/presentationml/2006/main">
   <p:cSld>
     <p:spTree>
@@ -5857,7 +5971,14 @@
         <p:cNvGrpSpPr/>
         <p:nvPr/>
       </p:nvGrpSpPr>
-      <p:grpSpPr/>
+      <p:grpSpPr>
+        <a:xfrm>
+          <a:off x="0" y="0"/>
+          <a:ext cx="0" cy="0"/>
+          <a:chOff x="0" y="0"/>
+          <a:chExt cx="0" cy="0"/>
+        </a:xfrm>
+      </p:grpSpPr>
       <p:grpSp>
         <p:nvGrpSpPr>
           <p:cNvPr id="6" name="组合 5"/>
@@ -5881,7 +6002,7 @@
             <p:nvPr/>
           </p:nvPicPr>
           <p:blipFill>
-            <a:blip r:embed="rId1"/>
+            <a:blip r:embed="rId2"/>
             <a:stretch>
               <a:fillRect/>
             </a:stretch>
@@ -5916,12 +6037,12 @@
             <a:bodyPr wrap="none" rtlCol="0">
               <a:spAutoFit/>
             </a:bodyPr>
+            <a:lstStyle/>
             <a:p>
               <a:r>
                 <a:rPr lang="ja-JP" altLang="en-US" b="1"/>
                 <a:t>トレーニングデータ</a:t>
               </a:r>
-              <a:endParaRPr lang="ja-JP" altLang="en-US" b="1"/>
             </a:p>
           </p:txBody>
         </p:sp>
@@ -5969,6 +6090,7 @@
         </p:style>
         <p:txBody>
           <a:bodyPr rtlCol="0" anchor="ctr"/>
+          <a:lstStyle/>
           <a:p>
             <a:pPr algn="ctr"/>
             <a:r>
@@ -5979,11 +6101,6 @@
               </a:rPr>
               <a:t>レコメンド</a:t>
             </a:r>
-            <a:endParaRPr lang="ja-JP" altLang="zh-CN" sz="4400">
-              <a:solidFill>
-                <a:schemeClr val="tx1"/>
-              </a:solidFill>
-            </a:endParaRPr>
           </a:p>
         </p:txBody>
       </p:sp>
@@ -6020,6 +6137,7 @@
         </p:style>
         <p:txBody>
           <a:bodyPr rtlCol="0" anchor="ctr"/>
+          <a:lstStyle/>
           <a:p>
             <a:pPr algn="ctr"/>
             <a:endParaRPr lang="zh-CN" altLang="en-US"/>
@@ -6059,6 +6177,7 @@
         </p:style>
         <p:txBody>
           <a:bodyPr rtlCol="0" anchor="ctr"/>
+          <a:lstStyle/>
           <a:p>
             <a:pPr algn="ctr"/>
             <a:endParaRPr lang="zh-CN" altLang="en-US"/>
@@ -6108,6 +6227,7 @@
         </p:style>
         <p:txBody>
           <a:bodyPr rtlCol="0" anchor="ctr"/>
+          <a:lstStyle/>
           <a:p>
             <a:pPr algn="ctr"/>
             <a:r>
@@ -6142,11 +6262,6 @@
               </a:rPr>
               <a:t>ItemA</a:t>
             </a:r>
-            <a:endParaRPr lang="en-US" altLang="ja-JP" sz="4400">
-              <a:solidFill>
-                <a:schemeClr val="tx1"/>
-              </a:solidFill>
-            </a:endParaRPr>
           </a:p>
           <a:p>
             <a:pPr algn="ctr"/>
@@ -6174,11 +6289,6 @@
               </a:rPr>
               <a:t>ItemB</a:t>
             </a:r>
-            <a:endParaRPr lang="en-US" altLang="ja-JP" sz="4400">
-              <a:solidFill>
-                <a:schemeClr val="tx1"/>
-              </a:solidFill>
-            </a:endParaRPr>
           </a:p>
           <a:p>
             <a:pPr algn="ctr"/>
@@ -6206,11 +6316,6 @@
               </a:rPr>
               <a:t>ItemC</a:t>
             </a:r>
-            <a:endParaRPr lang="en-US" altLang="ja-JP" sz="4400">
-              <a:solidFill>
-                <a:schemeClr val="tx1"/>
-              </a:solidFill>
-            </a:endParaRPr>
           </a:p>
           <a:p>
             <a:pPr algn="ctr"/>
@@ -6222,11 +6327,6 @@
               </a:rPr>
               <a:t>…</a:t>
             </a:r>
-            <a:endParaRPr lang="en-US" altLang="ja-JP" sz="4400">
-              <a:solidFill>
-                <a:schemeClr val="tx1"/>
-              </a:solidFill>
-            </a:endParaRPr>
           </a:p>
         </p:txBody>
       </p:sp>
@@ -6239,7 +6339,7 @@
           <p:nvPr/>
         </p:nvPicPr>
         <p:blipFill>
-          <a:blip r:embed="rId2"/>
+          <a:blip r:embed="rId3"/>
           <a:stretch>
             <a:fillRect/>
           </a:stretch>
@@ -6296,6 +6396,7 @@
         </p:style>
         <p:txBody>
           <a:bodyPr rtlCol="0" anchor="ctr"/>
+          <a:lstStyle/>
           <a:p>
             <a:pPr algn="ctr"/>
             <a:r>
@@ -6306,11 +6407,6 @@
               </a:rPr>
               <a:t>おすすめ</a:t>
             </a:r>
-            <a:endParaRPr lang="ja-JP" altLang="zh-CN" sz="3600" b="1">
-              <a:solidFill>
-                <a:schemeClr val="tx1"/>
-              </a:solidFill>
-            </a:endParaRPr>
           </a:p>
         </p:txBody>
       </p:sp>
@@ -6322,7 +6418,7 @@
 </p:sld>
 </file>
 
-<file path=ppt/slides/slide16.xml><?xml version="1.0" encoding="utf-8"?>
+<file path=ppt/slides/slide17.xml><?xml version="1.0" encoding="utf-8"?>
 <p:sld xmlns:a="http://schemas.openxmlformats.org/drawingml/2006/main" xmlns:r="http://schemas.openxmlformats.org/officeDocument/2006/relationships" xmlns:p="http://schemas.openxmlformats.org/presentationml/2006/main">
   <p:cSld>
     <p:spTree>
@@ -6331,7 +6427,14 @@
         <p:cNvGrpSpPr/>
         <p:nvPr/>
       </p:nvGrpSpPr>
-      <p:grpSpPr/>
+      <p:grpSpPr>
+        <a:xfrm>
+          <a:off x="0" y="0"/>
+          <a:ext cx="0" cy="0"/>
+          <a:chOff x="0" y="0"/>
+          <a:chExt cx="0" cy="0"/>
+        </a:xfrm>
+      </p:grpSpPr>
       <p:pic>
         <p:nvPicPr>
           <p:cNvPr id="2" name="图片 1"/>
@@ -6341,7 +6444,7 @@
           <p:nvPr/>
         </p:nvPicPr>
         <p:blipFill>
-          <a:blip r:embed="rId1"/>
+          <a:blip r:embed="rId2"/>
           <a:stretch>
             <a:fillRect/>
           </a:stretch>
@@ -6365,7 +6468,7 @@
           <p:nvPr/>
         </p:nvPicPr>
         <p:blipFill>
-          <a:blip r:embed="rId2"/>
+          <a:blip r:embed="rId3"/>
           <a:stretch>
             <a:fillRect/>
           </a:stretch>
@@ -6389,7 +6492,7 @@
           <p:nvPr/>
         </p:nvPicPr>
         <p:blipFill>
-          <a:blip r:embed="rId3"/>
+          <a:blip r:embed="rId4"/>
           <a:stretch>
             <a:fillRect/>
           </a:stretch>
@@ -6425,7 +6528,14 @@
         <p:cNvGrpSpPr/>
         <p:nvPr/>
       </p:nvGrpSpPr>
-      <p:grpSpPr/>
+      <p:grpSpPr>
+        <a:xfrm>
+          <a:off x="0" y="0"/>
+          <a:ext cx="0" cy="0"/>
+          <a:chOff x="0" y="0"/>
+          <a:chExt cx="0" cy="0"/>
+        </a:xfrm>
+      </p:grpSpPr>
       <p:graphicFrame>
         <p:nvGraphicFramePr>
           <p:cNvPr id="284" name="Shape 284"/>
@@ -6434,7 +6544,7 @@
         </p:nvGraphicFramePr>
         <p:xfrm>
           <a:off x="1741170" y="1845309"/>
-          <a:ext cx="7845425" cy="2384425"/>
+          <a:ext cx="6724650" cy="2384425"/>
         </p:xfrm>
         <a:graphic>
           <a:graphicData uri="http://schemas.openxmlformats.org/drawingml/2006/table">
@@ -6444,17 +6554,54 @@
                 <a:tableStyleId>{C32DE16D-C30A-451B-AD78-78F5EB1C75D9}</a:tableStyleId>
               </a:tblPr>
               <a:tblGrid>
-                <a:gridCol w="1120775"/>
-                <a:gridCol w="1120775"/>
-                <a:gridCol w="1120775"/>
-                <a:gridCol w="1120775"/>
-                <a:gridCol w="1120775"/>
-                <a:gridCol w="1120775"/>
+                <a:gridCol w="1120775">
+                  <a:extLst>
+                    <a:ext uri="{9D8B030D-6E8A-4147-A177-3AD203B41FA5}">
+                      <a16:colId xmlns:a16="http://schemas.microsoft.com/office/drawing/2014/main" val="20000"/>
+                    </a:ext>
+                  </a:extLst>
+                </a:gridCol>
+                <a:gridCol w="1120775">
+                  <a:extLst>
+                    <a:ext uri="{9D8B030D-6E8A-4147-A177-3AD203B41FA5}">
+                      <a16:colId xmlns:a16="http://schemas.microsoft.com/office/drawing/2014/main" val="20001"/>
+                    </a:ext>
+                  </a:extLst>
+                </a:gridCol>
+                <a:gridCol w="1120775">
+                  <a:extLst>
+                    <a:ext uri="{9D8B030D-6E8A-4147-A177-3AD203B41FA5}">
+                      <a16:colId xmlns:a16="http://schemas.microsoft.com/office/drawing/2014/main" val="20002"/>
+                    </a:ext>
+                  </a:extLst>
+                </a:gridCol>
+                <a:gridCol w="1120775">
+                  <a:extLst>
+                    <a:ext uri="{9D8B030D-6E8A-4147-A177-3AD203B41FA5}">
+                      <a16:colId xmlns:a16="http://schemas.microsoft.com/office/drawing/2014/main" val="20003"/>
+                    </a:ext>
+                  </a:extLst>
+                </a:gridCol>
+                <a:gridCol w="1120775">
+                  <a:extLst>
+                    <a:ext uri="{9D8B030D-6E8A-4147-A177-3AD203B41FA5}">
+                      <a16:colId xmlns:a16="http://schemas.microsoft.com/office/drawing/2014/main" val="20004"/>
+                    </a:ext>
+                  </a:extLst>
+                </a:gridCol>
+                <a:gridCol w="1120775">
+                  <a:extLst>
+                    <a:ext uri="{9D8B030D-6E8A-4147-A177-3AD203B41FA5}">
+                      <a16:colId xmlns:a16="http://schemas.microsoft.com/office/drawing/2014/main" val="20005"/>
+                    </a:ext>
+                  </a:extLst>
+                </a:gridCol>
               </a:tblGrid>
               <a:tr h="476885">
                 <a:tc>
                   <a:txBody>
                     <a:bodyPr/>
+                    <a:lstStyle/>
                     <a:p>
                       <a:pPr marL="0" marR="0" lvl="0" indent="0" algn="l" rtl="0">
                         <a:lnSpc>
@@ -6481,6 +6628,7 @@
                 <a:tc>
                   <a:txBody>
                     <a:bodyPr/>
+                    <a:lstStyle/>
                     <a:p>
                       <a:pPr marL="0" marR="0" lvl="0" indent="0" algn="l" rtl="0">
                         <a:lnSpc>
@@ -6500,7 +6648,7 @@
                         <a:buNone/>
                       </a:pPr>
                       <a:r>
-                        <a:rPr lang="en-US" altLang="ja-JP" sz="1800" u="none" strike="noStrike" cap="none" dirty="0" smtClean="0"/>
+                        <a:rPr lang="en-US" altLang="ja-JP" sz="1800" u="none" strike="noStrike" cap="none" dirty="0"/>
                         <a:t>Item1</a:t>
                       </a:r>
                       <a:endParaRPr lang="ja-JP" sz="1800" u="none" strike="noStrike" cap="none" dirty="0"/>
@@ -6511,6 +6659,7 @@
                 <a:tc>
                   <a:txBody>
                     <a:bodyPr/>
+                    <a:lstStyle/>
                     <a:p>
                       <a:pPr marL="0" marR="0" lvl="0" indent="0" algn="l" rtl="0">
                         <a:lnSpc>
@@ -6530,7 +6679,7 @@
                         <a:buNone/>
                       </a:pPr>
                       <a:r>
-                        <a:rPr lang="en-US" altLang="ja-JP" sz="1800" u="none" strike="noStrike" cap="none" dirty="0" smtClean="0"/>
+                        <a:rPr lang="en-US" altLang="ja-JP" sz="1800" u="none" strike="noStrike" cap="none" dirty="0"/>
                         <a:t>Item2</a:t>
                       </a:r>
                       <a:endParaRPr lang="ja-JP" sz="1800" u="none" strike="noStrike" cap="none" dirty="0"/>
@@ -6541,6 +6690,7 @@
                 <a:tc>
                   <a:txBody>
                     <a:bodyPr/>
+                    <a:lstStyle/>
                     <a:p>
                       <a:pPr marL="0" marR="0" lvl="0" indent="0" algn="l" rtl="0">
                         <a:lnSpc>
@@ -6560,7 +6710,7 @@
                         <a:buNone/>
                       </a:pPr>
                       <a:r>
-                        <a:rPr lang="en-US" altLang="ja-JP" sz="1800" u="none" strike="noStrike" cap="none" dirty="0" smtClean="0"/>
+                        <a:rPr lang="en-US" altLang="ja-JP" sz="1800" u="none" strike="noStrike" cap="none" dirty="0"/>
                         <a:t>Item3</a:t>
                       </a:r>
                       <a:endParaRPr lang="ja-JP" sz="1800" u="none" strike="noStrike" cap="none" dirty="0"/>
@@ -6571,6 +6721,7 @@
                 <a:tc>
                   <a:txBody>
                     <a:bodyPr/>
+                    <a:lstStyle/>
                     <a:p>
                       <a:pPr marL="0" marR="0" lvl="0" indent="0" algn="l" rtl="0">
                         <a:lnSpc>
@@ -6590,7 +6741,7 @@
                         <a:buNone/>
                       </a:pPr>
                       <a:r>
-                        <a:rPr lang="en-US" altLang="ja-JP" sz="1800" u="none" strike="noStrike" cap="none" dirty="0" smtClean="0"/>
+                        <a:rPr lang="en-US" altLang="ja-JP" sz="1800" u="none" strike="noStrike" cap="none" dirty="0"/>
                         <a:t>Item4</a:t>
                       </a:r>
                       <a:endParaRPr lang="ja-JP" sz="1800" u="none" strike="noStrike" cap="none" dirty="0"/>
@@ -6601,6 +6752,7 @@
                 <a:tc>
                   <a:txBody>
                     <a:bodyPr/>
+                    <a:lstStyle/>
                     <a:p>
                       <a:pPr marL="0" marR="0" lvl="0" indent="0" algn="l" rtl="0">
                         <a:lnSpc>
@@ -6620,7 +6772,7 @@
                         <a:buNone/>
                       </a:pPr>
                       <a:r>
-                        <a:rPr lang="en-US" altLang="ja-JP" sz="1800" u="none" strike="noStrike" cap="none" dirty="0" smtClean="0"/>
+                        <a:rPr lang="en-US" altLang="ja-JP" sz="1800" u="none" strike="noStrike" cap="none" dirty="0"/>
                         <a:t>Item5</a:t>
                       </a:r>
                       <a:endParaRPr lang="ja-JP" sz="1800" u="none" strike="noStrike" cap="none" dirty="0"/>
@@ -6628,11 +6780,17 @@
                   </a:txBody>
                   <a:tcPr marL="91450" marR="91450" marT="45725" marB="45725"/>
                 </a:tc>
+                <a:extLst>
+                  <a:ext uri="{0D108BD9-81ED-4DB2-BD59-A6C34878D82A}">
+                    <a16:rowId xmlns:a16="http://schemas.microsoft.com/office/drawing/2014/main" val="10000"/>
+                  </a:ext>
+                </a:extLst>
               </a:tr>
               <a:tr h="476885">
                 <a:tc>
                   <a:txBody>
                     <a:bodyPr/>
+                    <a:lstStyle/>
                     <a:p>
                       <a:pPr marL="0" marR="0" lvl="0" indent="0" algn="l" rtl="0">
                         <a:lnSpc>
@@ -6655,7 +6813,6 @@
                         <a:rPr lang="ja-JP" sz="1800" u="none" strike="noStrike" cap="none"/>
                         <a:t>UserA</a:t>
                       </a:r>
-                      <a:endParaRPr lang="ja-JP" sz="1800" u="none" strike="noStrike" cap="none"/>
                     </a:p>
                   </a:txBody>
                   <a:tcPr marL="91450" marR="91450" marT="45725" marB="45725"/>
@@ -6663,6 +6820,7 @@
                 <a:tc>
                   <a:txBody>
                     <a:bodyPr/>
+                    <a:lstStyle/>
                     <a:p>
                       <a:pPr marL="0" marR="0" lvl="0" indent="0" algn="l" rtl="0">
                         <a:lnSpc>
@@ -6685,7 +6843,6 @@
                         <a:rPr lang="ja-JP" sz="1800" u="none" strike="noStrike" cap="none" dirty="0"/>
                         <a:t>1</a:t>
                       </a:r>
-                      <a:endParaRPr lang="ja-JP" sz="1800" u="none" strike="noStrike" cap="none" dirty="0"/>
                     </a:p>
                   </a:txBody>
                   <a:tcPr marL="91450" marR="91450" marT="45725" marB="45725"/>
@@ -6693,6 +6850,7 @@
                 <a:tc>
                   <a:txBody>
                     <a:bodyPr/>
+                    <a:lstStyle/>
                     <a:p>
                       <a:pPr marL="0" marR="0" lvl="0" indent="0" algn="l" rtl="0">
                         <a:lnSpc>
@@ -6719,6 +6877,7 @@
                 <a:tc>
                   <a:txBody>
                     <a:bodyPr/>
+                    <a:lstStyle/>
                     <a:p>
                       <a:pPr marL="0" marR="0" lvl="0" indent="0" algn="l" rtl="0">
                         <a:lnSpc>
@@ -6741,7 +6900,6 @@
                         <a:rPr lang="ja-JP" sz="1800" u="none" strike="noStrike" cap="none"/>
                         <a:t>1</a:t>
                       </a:r>
-                      <a:endParaRPr lang="ja-JP" sz="1800" u="none" strike="noStrike" cap="none"/>
                     </a:p>
                   </a:txBody>
                   <a:tcPr marL="91450" marR="91450" marT="45725" marB="45725"/>
@@ -6749,6 +6907,7 @@
                 <a:tc>
                   <a:txBody>
                     <a:bodyPr/>
+                    <a:lstStyle/>
                     <a:p>
                       <a:pPr marL="0" marR="0" lvl="0" indent="0" algn="l" rtl="0">
                         <a:lnSpc>
@@ -6775,6 +6934,7 @@
                 <a:tc>
                   <a:txBody>
                     <a:bodyPr/>
+                    <a:lstStyle/>
                     <a:p>
                       <a:pPr marL="0" marR="0" lvl="0" indent="0" algn="l" rtl="0">
                         <a:lnSpc>
@@ -6797,16 +6957,21 @@
                         <a:rPr lang="ja-JP" sz="1800" u="none" strike="noStrike" cap="none"/>
                         <a:t>1</a:t>
                       </a:r>
-                      <a:endParaRPr lang="ja-JP" sz="1800" u="none" strike="noStrike" cap="none"/>
                     </a:p>
                   </a:txBody>
                   <a:tcPr marL="91450" marR="91450" marT="45725" marB="45725"/>
                 </a:tc>
+                <a:extLst>
+                  <a:ext uri="{0D108BD9-81ED-4DB2-BD59-A6C34878D82A}">
+                    <a16:rowId xmlns:a16="http://schemas.microsoft.com/office/drawing/2014/main" val="10001"/>
+                  </a:ext>
+                </a:extLst>
               </a:tr>
               <a:tr h="476885">
                 <a:tc>
                   <a:txBody>
                     <a:bodyPr/>
+                    <a:lstStyle/>
                     <a:p>
                       <a:pPr marL="0" marR="0" lvl="0" indent="0" algn="l" rtl="0">
                         <a:lnSpc>
@@ -6829,7 +6994,6 @@
                         <a:rPr lang="ja-JP" sz="1800" u="none" strike="noStrike" cap="none"/>
                         <a:t>UserB</a:t>
                       </a:r>
-                      <a:endParaRPr lang="ja-JP" sz="1800" u="none" strike="noStrike" cap="none"/>
                     </a:p>
                   </a:txBody>
                   <a:tcPr marL="91450" marR="91450" marT="45725" marB="45725"/>
@@ -6837,6 +7001,7 @@
                 <a:tc>
                   <a:txBody>
                     <a:bodyPr/>
+                    <a:lstStyle/>
                     <a:p>
                       <a:pPr marL="0" marR="0" lvl="0" indent="0" algn="l" rtl="0">
                         <a:lnSpc>
@@ -6863,6 +7028,7 @@
                 <a:tc>
                   <a:txBody>
                     <a:bodyPr/>
+                    <a:lstStyle/>
                     <a:p>
                       <a:pPr marL="0" marR="0" lvl="0" indent="0" algn="l" rtl="0">
                         <a:lnSpc>
@@ -6885,7 +7051,6 @@
                         <a:rPr lang="ja-JP" sz="1800" u="none" strike="noStrike" cap="none"/>
                         <a:t>1</a:t>
                       </a:r>
-                      <a:endParaRPr lang="ja-JP" sz="1800" u="none" strike="noStrike" cap="none"/>
                     </a:p>
                   </a:txBody>
                   <a:tcPr marL="91450" marR="91450" marT="45725" marB="45725"/>
@@ -6893,6 +7058,7 @@
                 <a:tc>
                   <a:txBody>
                     <a:bodyPr/>
+                    <a:lstStyle/>
                     <a:p>
                       <a:pPr marL="0" marR="0" lvl="0" indent="0" algn="l" rtl="0">
                         <a:lnSpc>
@@ -6915,7 +7081,6 @@
                         <a:rPr lang="ja-JP" sz="1800" u="none" strike="noStrike" cap="none"/>
                         <a:t>1</a:t>
                       </a:r>
-                      <a:endParaRPr lang="ja-JP" sz="1800" u="none" strike="noStrike" cap="none"/>
                     </a:p>
                   </a:txBody>
                   <a:tcPr marL="91450" marR="91450" marT="45725" marB="45725"/>
@@ -6923,6 +7088,7 @@
                 <a:tc>
                   <a:txBody>
                     <a:bodyPr/>
+                    <a:lstStyle/>
                     <a:p>
                       <a:pPr marL="0" marR="0" lvl="0" indent="0" algn="l" rtl="0">
                         <a:lnSpc>
@@ -6949,6 +7115,7 @@
                 <a:tc>
                   <a:txBody>
                     <a:bodyPr/>
+                    <a:lstStyle/>
                     <a:p>
                       <a:pPr marL="0" marR="0" lvl="0" indent="0" algn="l" rtl="0">
                         <a:lnSpc>
@@ -6971,16 +7138,21 @@
                         <a:rPr lang="ja-JP" sz="1800" u="none" strike="noStrike" cap="none"/>
                         <a:t>1</a:t>
                       </a:r>
-                      <a:endParaRPr lang="ja-JP" sz="1800" u="none" strike="noStrike" cap="none"/>
                     </a:p>
                   </a:txBody>
                   <a:tcPr marL="91450" marR="91450" marT="45725" marB="45725"/>
                 </a:tc>
+                <a:extLst>
+                  <a:ext uri="{0D108BD9-81ED-4DB2-BD59-A6C34878D82A}">
+                    <a16:rowId xmlns:a16="http://schemas.microsoft.com/office/drawing/2014/main" val="10002"/>
+                  </a:ext>
+                </a:extLst>
               </a:tr>
               <a:tr h="476885">
                 <a:tc>
                   <a:txBody>
                     <a:bodyPr/>
+                    <a:lstStyle/>
                     <a:p>
                       <a:pPr marL="0" marR="0" lvl="0" indent="0" algn="l" rtl="0">
                         <a:lnSpc>
@@ -7003,7 +7175,6 @@
                         <a:rPr lang="ja-JP" sz="1800" u="none" strike="noStrike" cap="none"/>
                         <a:t>UserC</a:t>
                       </a:r>
-                      <a:endParaRPr lang="ja-JP" sz="1800" u="none" strike="noStrike" cap="none"/>
                     </a:p>
                   </a:txBody>
                   <a:tcPr marL="91450" marR="91450" marT="45725" marB="45725"/>
@@ -7011,6 +7182,7 @@
                 <a:tc>
                   <a:txBody>
                     <a:bodyPr/>
+                    <a:lstStyle/>
                     <a:p>
                       <a:pPr marL="0" marR="0" lvl="0" indent="0" algn="l" rtl="0">
                         <a:lnSpc>
@@ -7033,7 +7205,6 @@
                         <a:rPr lang="ja-JP" sz="1800" u="none" strike="noStrike" cap="none"/>
                         <a:t>1</a:t>
                       </a:r>
-                      <a:endParaRPr lang="ja-JP" sz="1800" u="none" strike="noStrike" cap="none"/>
                     </a:p>
                   </a:txBody>
                   <a:tcPr marL="91450" marR="91450" marT="45725" marB="45725"/>
@@ -7041,6 +7212,7 @@
                 <a:tc>
                   <a:txBody>
                     <a:bodyPr/>
+                    <a:lstStyle/>
                     <a:p>
                       <a:pPr marL="0" marR="0" lvl="0" indent="0" algn="l" rtl="0">
                         <a:lnSpc>
@@ -7063,7 +7235,6 @@
                         <a:rPr lang="ja-JP" sz="1800" u="none" strike="noStrike" cap="none"/>
                         <a:t>1</a:t>
                       </a:r>
-                      <a:endParaRPr lang="ja-JP" sz="1800" u="none" strike="noStrike" cap="none"/>
                     </a:p>
                   </a:txBody>
                   <a:tcPr marL="91450" marR="91450" marT="45725" marB="45725"/>
@@ -7071,6 +7242,7 @@
                 <a:tc>
                   <a:txBody>
                     <a:bodyPr/>
+                    <a:lstStyle/>
                     <a:p>
                       <a:pPr marL="0" marR="0" lvl="0" indent="0" algn="l" rtl="0">
                         <a:lnSpc>
@@ -7097,6 +7269,7 @@
                 <a:tc>
                   <a:txBody>
                     <a:bodyPr/>
+                    <a:lstStyle/>
                     <a:p>
                       <a:pPr marL="0" marR="0" lvl="0" indent="0" algn="l" rtl="0">
                         <a:lnSpc>
@@ -7123,6 +7296,7 @@
                 <a:tc>
                   <a:txBody>
                     <a:bodyPr/>
+                    <a:lstStyle/>
                     <a:p>
                       <a:pPr marL="0" marR="0" lvl="0" indent="0" algn="l" rtl="0">
                         <a:lnSpc>
@@ -7146,11 +7320,17 @@
                   </a:txBody>
                   <a:tcPr marL="91450" marR="91450" marT="45725" marB="45725"/>
                 </a:tc>
+                <a:extLst>
+                  <a:ext uri="{0D108BD9-81ED-4DB2-BD59-A6C34878D82A}">
+                    <a16:rowId xmlns:a16="http://schemas.microsoft.com/office/drawing/2014/main" val="10003"/>
+                  </a:ext>
+                </a:extLst>
               </a:tr>
               <a:tr h="476885">
                 <a:tc>
                   <a:txBody>
                     <a:bodyPr/>
+                    <a:lstStyle/>
                     <a:p>
                       <a:pPr marL="0" marR="0" lvl="0" indent="0" algn="l" rtl="0">
                         <a:lnSpc>
@@ -7173,7 +7353,6 @@
                         <a:rPr lang="ja-JP" sz="1800" u="none" strike="noStrike" cap="none"/>
                         <a:t>UserD</a:t>
                       </a:r>
-                      <a:endParaRPr lang="ja-JP" sz="1800" u="none" strike="noStrike" cap="none"/>
                     </a:p>
                   </a:txBody>
                   <a:tcPr marL="91450" marR="91450" marT="45725" marB="45725"/>
@@ -7181,6 +7360,7 @@
                 <a:tc>
                   <a:txBody>
                     <a:bodyPr/>
+                    <a:lstStyle/>
                     <a:p>
                       <a:pPr marL="0" marR="0" lvl="0" indent="0" algn="l" rtl="0">
                         <a:lnSpc>
@@ -7207,6 +7387,7 @@
                 <a:tc>
                   <a:txBody>
                     <a:bodyPr/>
+                    <a:lstStyle/>
                     <a:p>
                       <a:pPr marL="0" marR="0" lvl="0" indent="0" algn="l" rtl="0">
                         <a:lnSpc>
@@ -7233,6 +7414,7 @@
                 <a:tc>
                   <a:txBody>
                     <a:bodyPr/>
+                    <a:lstStyle/>
                     <a:p>
                       <a:pPr marL="0" marR="0" lvl="0" indent="0" algn="l" rtl="0">
                         <a:lnSpc>
@@ -7259,6 +7441,7 @@
                 <a:tc>
                   <a:txBody>
                     <a:bodyPr/>
+                    <a:lstStyle/>
                     <a:p>
                       <a:pPr marL="0" marR="0" lvl="0" indent="0" algn="l" rtl="0">
                         <a:lnSpc>
@@ -7285,6 +7468,7 @@
                 <a:tc>
                   <a:txBody>
                     <a:bodyPr/>
+                    <a:lstStyle/>
                     <a:p>
                       <a:pPr marL="0" marR="0" lvl="0" indent="0" algn="l" rtl="0">
                         <a:lnSpc>
@@ -7307,11 +7491,15 @@
                         <a:rPr lang="ja-JP" sz="1800" u="none" strike="noStrike" cap="none"/>
                         <a:t>1</a:t>
                       </a:r>
-                      <a:endParaRPr lang="ja-JP" sz="1800" u="none" strike="noStrike" cap="none"/>
                     </a:p>
                   </a:txBody>
                   <a:tcPr marL="91450" marR="91450" marT="45725" marB="45725"/>
                 </a:tc>
+                <a:extLst>
+                  <a:ext uri="{0D108BD9-81ED-4DB2-BD59-A6C34878D82A}">
+                    <a16:rowId xmlns:a16="http://schemas.microsoft.com/office/drawing/2014/main" val="10004"/>
+                  </a:ext>
+                </a:extLst>
               </a:tr>
             </a:tbl>
           </a:graphicData>
@@ -7334,7 +7522,14 @@
         <p:cNvGrpSpPr/>
         <p:nvPr/>
       </p:nvGrpSpPr>
-      <p:grpSpPr/>
+      <p:grpSpPr>
+        <a:xfrm>
+          <a:off x="0" y="0"/>
+          <a:ext cx="0" cy="0"/>
+          <a:chOff x="0" y="0"/>
+          <a:chExt cx="0" cy="0"/>
+        </a:xfrm>
+      </p:grpSpPr>
       <p:graphicFrame>
         <p:nvGraphicFramePr>
           <p:cNvPr id="284" name="Shape 284"/>
@@ -7343,7 +7538,7 @@
         </p:nvGraphicFramePr>
         <p:xfrm>
           <a:off x="1741170" y="1845309"/>
-          <a:ext cx="7845425" cy="2384425"/>
+          <a:ext cx="6724650" cy="1430655"/>
         </p:xfrm>
         <a:graphic>
           <a:graphicData uri="http://schemas.openxmlformats.org/drawingml/2006/table">
@@ -7353,17 +7548,54 @@
                 <a:tableStyleId>{C32DE16D-C30A-451B-AD78-78F5EB1C75D9}</a:tableStyleId>
               </a:tblPr>
               <a:tblGrid>
-                <a:gridCol w="1120775"/>
-                <a:gridCol w="1120775"/>
-                <a:gridCol w="1120775"/>
-                <a:gridCol w="1120775"/>
-                <a:gridCol w="1120775"/>
-                <a:gridCol w="1120775"/>
+                <a:gridCol w="1120775">
+                  <a:extLst>
+                    <a:ext uri="{9D8B030D-6E8A-4147-A177-3AD203B41FA5}">
+                      <a16:colId xmlns:a16="http://schemas.microsoft.com/office/drawing/2014/main" val="20000"/>
+                    </a:ext>
+                  </a:extLst>
+                </a:gridCol>
+                <a:gridCol w="1120775">
+                  <a:extLst>
+                    <a:ext uri="{9D8B030D-6E8A-4147-A177-3AD203B41FA5}">
+                      <a16:colId xmlns:a16="http://schemas.microsoft.com/office/drawing/2014/main" val="20001"/>
+                    </a:ext>
+                  </a:extLst>
+                </a:gridCol>
+                <a:gridCol w="1120775">
+                  <a:extLst>
+                    <a:ext uri="{9D8B030D-6E8A-4147-A177-3AD203B41FA5}">
+                      <a16:colId xmlns:a16="http://schemas.microsoft.com/office/drawing/2014/main" val="20002"/>
+                    </a:ext>
+                  </a:extLst>
+                </a:gridCol>
+                <a:gridCol w="1120775">
+                  <a:extLst>
+                    <a:ext uri="{9D8B030D-6E8A-4147-A177-3AD203B41FA5}">
+                      <a16:colId xmlns:a16="http://schemas.microsoft.com/office/drawing/2014/main" val="20003"/>
+                    </a:ext>
+                  </a:extLst>
+                </a:gridCol>
+                <a:gridCol w="1120775">
+                  <a:extLst>
+                    <a:ext uri="{9D8B030D-6E8A-4147-A177-3AD203B41FA5}">
+                      <a16:colId xmlns:a16="http://schemas.microsoft.com/office/drawing/2014/main" val="20004"/>
+                    </a:ext>
+                  </a:extLst>
+                </a:gridCol>
+                <a:gridCol w="1120775">
+                  <a:extLst>
+                    <a:ext uri="{9D8B030D-6E8A-4147-A177-3AD203B41FA5}">
+                      <a16:colId xmlns:a16="http://schemas.microsoft.com/office/drawing/2014/main" val="20005"/>
+                    </a:ext>
+                  </a:extLst>
+                </a:gridCol>
               </a:tblGrid>
               <a:tr h="476885">
                 <a:tc>
                   <a:txBody>
                     <a:bodyPr/>
+                    <a:lstStyle/>
                     <a:p>
                       <a:pPr marL="0" marR="0" lvl="0" indent="0" algn="l" rtl="0">
                         <a:lnSpc>
@@ -7390,6 +7622,7 @@
                 <a:tc>
                   <a:txBody>
                     <a:bodyPr/>
+                    <a:lstStyle/>
                     <a:p>
                       <a:pPr marL="0" marR="0" lvl="0" indent="0" algn="l" rtl="0">
                         <a:lnSpc>
@@ -7420,7 +7653,6 @@
                         <a:rPr lang="en-US" altLang="ja-JP" sz="1800" u="none" strike="noStrike" cap="none" dirty="0"/>
                         <a:t>)</a:t>
                       </a:r>
-                      <a:endParaRPr lang="en-US" altLang="ja-JP" sz="1800" u="none" strike="noStrike" cap="none" dirty="0"/>
                     </a:p>
                   </a:txBody>
                   <a:tcPr marL="91450" marR="91450" marT="45725" marB="45725"/>
@@ -7428,6 +7660,7 @@
                 <a:tc>
                   <a:txBody>
                     <a:bodyPr/>
+                    <a:lstStyle/>
                     <a:p>
                       <a:pPr marL="0" marR="0" lvl="0" indent="0" algn="l" rtl="0">
                         <a:lnSpc>
@@ -7472,6 +7705,7 @@
                 <a:tc>
                   <a:txBody>
                     <a:bodyPr/>
+                    <a:lstStyle/>
                     <a:p>
                       <a:pPr marL="0" marR="0" lvl="0" indent="0" algn="l" rtl="0">
                         <a:lnSpc>
@@ -7516,6 +7750,7 @@
                 <a:tc>
                   <a:txBody>
                     <a:bodyPr/>
+                    <a:lstStyle/>
                     <a:p>
                       <a:pPr marL="0" marR="0" lvl="0" indent="0" algn="l" rtl="0">
                         <a:lnSpc>
@@ -7560,6 +7795,7 @@
                 <a:tc>
                   <a:txBody>
                     <a:bodyPr/>
+                    <a:lstStyle/>
                     <a:p>
                       <a:pPr marL="0" marR="0" lvl="0" indent="0" algn="l" rtl="0">
                         <a:lnSpc>
@@ -7601,11 +7837,17 @@
                   </a:txBody>
                   <a:tcPr marL="91450" marR="91450" marT="45725" marB="45725"/>
                 </a:tc>
+                <a:extLst>
+                  <a:ext uri="{0D108BD9-81ED-4DB2-BD59-A6C34878D82A}">
+                    <a16:rowId xmlns:a16="http://schemas.microsoft.com/office/drawing/2014/main" val="10000"/>
+                  </a:ext>
+                </a:extLst>
               </a:tr>
               <a:tr h="476885">
                 <a:tc>
                   <a:txBody>
                     <a:bodyPr/>
+                    <a:lstStyle/>
                     <a:p>
                       <a:pPr marL="0" marR="0" lvl="0" indent="0" algn="l" rtl="0">
                         <a:lnSpc>
@@ -7628,7 +7870,6 @@
                         <a:rPr lang="ja-JP" sz="1800" u="none" strike="noStrike" cap="none"/>
                         <a:t>UserA</a:t>
                       </a:r>
-                      <a:endParaRPr lang="ja-JP" sz="1800" u="none" strike="noStrike" cap="none"/>
                     </a:p>
                   </a:txBody>
                   <a:tcPr marL="91450" marR="91450" marT="45725" marB="45725"/>
@@ -7636,6 +7877,7 @@
                 <a:tc>
                   <a:txBody>
                     <a:bodyPr/>
+                    <a:lstStyle/>
                     <a:p>
                       <a:pPr marL="0" marR="0" lvl="0" indent="0" algn="l" rtl="0">
                         <a:lnSpc>
@@ -7658,7 +7900,6 @@
                         <a:rPr lang="ja-JP" sz="1800" u="none" strike="noStrike" cap="none" dirty="0"/>
                         <a:t>1</a:t>
                       </a:r>
-                      <a:endParaRPr lang="ja-JP" sz="1800" u="none" strike="noStrike" cap="none" dirty="0"/>
                     </a:p>
                   </a:txBody>
                   <a:tcPr marL="91450" marR="91450" marT="45725" marB="45725"/>
@@ -7666,6 +7907,7 @@
                 <a:tc>
                   <a:txBody>
                     <a:bodyPr/>
+                    <a:lstStyle/>
                     <a:p>
                       <a:pPr marL="0" marR="0" lvl="0" indent="0" algn="l" rtl="0">
                         <a:lnSpc>
@@ -7692,6 +7934,7 @@
                 <a:tc>
                   <a:txBody>
                     <a:bodyPr/>
+                    <a:lstStyle/>
                     <a:p>
                       <a:pPr marL="0" marR="0" lvl="0" indent="0" algn="l" rtl="0">
                         <a:lnSpc>
@@ -7714,7 +7957,6 @@
                         <a:rPr lang="en-US" altLang="ja-JP" sz="1800" u="none" strike="noStrike" cap="none"/>
                         <a:t>1</a:t>
                       </a:r>
-                      <a:endParaRPr lang="en-US" altLang="ja-JP" sz="1800" u="none" strike="noStrike" cap="none"/>
                     </a:p>
                   </a:txBody>
                   <a:tcPr marL="91450" marR="91450" marT="45725" marB="45725"/>
@@ -7722,6 +7964,7 @@
                 <a:tc>
                   <a:txBody>
                     <a:bodyPr/>
+                    <a:lstStyle/>
                     <a:p>
                       <a:pPr marL="0" marR="0" lvl="0" indent="0" algn="l" rtl="0">
                         <a:lnSpc>
@@ -7748,6 +7991,7 @@
                 <a:tc>
                   <a:txBody>
                     <a:bodyPr/>
+                    <a:lstStyle/>
                     <a:p>
                       <a:pPr marL="0" marR="0" lvl="0" indent="0" algn="l" rtl="0">
                         <a:lnSpc>
@@ -7771,11 +8015,17 @@
                   </a:txBody>
                   <a:tcPr marL="91450" marR="91450" marT="45725" marB="45725"/>
                 </a:tc>
+                <a:extLst>
+                  <a:ext uri="{0D108BD9-81ED-4DB2-BD59-A6C34878D82A}">
+                    <a16:rowId xmlns:a16="http://schemas.microsoft.com/office/drawing/2014/main" val="10001"/>
+                  </a:ext>
+                </a:extLst>
               </a:tr>
               <a:tr h="476885">
                 <a:tc>
                   <a:txBody>
                     <a:bodyPr/>
+                    <a:lstStyle/>
                     <a:p>
                       <a:pPr marL="0" marR="0" lvl="0" indent="0" algn="l" rtl="0">
                         <a:lnSpc>
@@ -7798,7 +8048,6 @@
                         <a:rPr lang="ja-JP" sz="1800" u="none" strike="noStrike" cap="none"/>
                         <a:t>UserB</a:t>
                       </a:r>
-                      <a:endParaRPr lang="ja-JP" sz="1800" u="none" strike="noStrike" cap="none"/>
                     </a:p>
                   </a:txBody>
                   <a:tcPr marL="91450" marR="91450" marT="45725" marB="45725"/>
@@ -7806,6 +8055,7 @@
                 <a:tc>
                   <a:txBody>
                     <a:bodyPr/>
+                    <a:lstStyle/>
                     <a:p>
                       <a:pPr marL="0" marR="0" lvl="0" indent="0" algn="l" rtl="0">
                         <a:lnSpc>
@@ -7832,6 +8082,7 @@
                 <a:tc>
                   <a:txBody>
                     <a:bodyPr/>
+                    <a:lstStyle/>
                     <a:p>
                       <a:pPr marL="0" marR="0" lvl="0" indent="0" algn="l" rtl="0">
                         <a:lnSpc>
@@ -7854,7 +8105,6 @@
                         <a:rPr lang="en-US" altLang="ja-JP" sz="1800" u="none" strike="noStrike" cap="none"/>
                         <a:t>1</a:t>
                       </a:r>
-                      <a:endParaRPr lang="en-US" altLang="ja-JP" sz="1800" u="none" strike="noStrike" cap="none"/>
                     </a:p>
                   </a:txBody>
                   <a:tcPr marL="91450" marR="91450" marT="45725" marB="45725"/>
@@ -7862,6 +8112,7 @@
                 <a:tc>
                   <a:txBody>
                     <a:bodyPr/>
+                    <a:lstStyle/>
                     <a:p>
                       <a:pPr marL="0" marR="0" lvl="0" indent="0" algn="l" rtl="0">
                         <a:lnSpc>
@@ -7888,6 +8139,7 @@
                 <a:tc>
                   <a:txBody>
                     <a:bodyPr/>
+                    <a:lstStyle/>
                     <a:p>
                       <a:pPr marL="0" marR="0" lvl="0" indent="0" algn="l" rtl="0">
                         <a:lnSpc>
@@ -7914,6 +8166,7 @@
                 <a:tc>
                   <a:txBody>
                     <a:bodyPr/>
+                    <a:lstStyle/>
                     <a:p>
                       <a:pPr marL="0" marR="0" lvl="0" indent="0" algn="l" rtl="0">
                         <a:lnSpc>
@@ -7936,16 +8189,50 @@
                         <a:rPr lang="en-US" altLang="ja-JP" sz="1800" u="none" strike="noStrike" cap="none"/>
                         <a:t>1</a:t>
                       </a:r>
-                      <a:endParaRPr lang="en-US" altLang="ja-JP" sz="1800" u="none" strike="noStrike" cap="none"/>
                     </a:p>
                   </a:txBody>
                   <a:tcPr marL="91450" marR="91450" marT="45725" marB="45725"/>
                 </a:tc>
+                <a:extLst>
+                  <a:ext uri="{0D108BD9-81ED-4DB2-BD59-A6C34878D82A}">
+                    <a16:rowId xmlns:a16="http://schemas.microsoft.com/office/drawing/2014/main" val="10002"/>
+                  </a:ext>
+                </a:extLst>
               </a:tr>
             </a:tbl>
           </a:graphicData>
         </a:graphic>
       </p:graphicFrame>
+      <p:pic>
+        <p:nvPicPr>
+          <p:cNvPr id="2" name="图片 1">
+            <a:extLst>
+              <a:ext uri="{FF2B5EF4-FFF2-40B4-BE49-F238E27FC236}">
+                <a16:creationId xmlns:a16="http://schemas.microsoft.com/office/drawing/2014/main" id="{B9C2DCE7-9FDE-4E82-B6DD-2AE7F080536C}"/>
+              </a:ext>
+            </a:extLst>
+          </p:cNvPr>
+          <p:cNvPicPr>
+            <a:picLocks noChangeAspect="1"/>
+          </p:cNvPicPr>
+          <p:nvPr/>
+        </p:nvPicPr>
+        <p:blipFill>
+          <a:blip r:embed="rId2"/>
+          <a:stretch>
+            <a:fillRect/>
+          </a:stretch>
+        </p:blipFill>
+        <p:spPr>
+          <a:xfrm>
+            <a:off x="785812" y="3781425"/>
+            <a:ext cx="10620375" cy="1809750"/>
+          </a:xfrm>
+          <a:prstGeom prst="rect">
+            <a:avLst/>
+          </a:prstGeom>
+        </p:spPr>
+      </p:pic>
     </p:spTree>
   </p:cSld>
   <p:clrMapOvr>
@@ -7963,16 +8250,29 @@
         <p:cNvGrpSpPr/>
         <p:nvPr/>
       </p:nvGrpSpPr>
-      <p:grpSpPr/>
+      <p:grpSpPr>
+        <a:xfrm>
+          <a:off x="0" y="0"/>
+          <a:ext cx="0" cy="0"/>
+          <a:chOff x="0" y="0"/>
+          <a:chExt cx="0" cy="0"/>
+        </a:xfrm>
+      </p:grpSpPr>
       <p:graphicFrame>
         <p:nvGraphicFramePr>
           <p:cNvPr id="284" name="Shape 284"/>
           <p:cNvGraphicFramePr/>
-          <p:nvPr/>
+          <p:nvPr>
+            <p:extLst>
+              <p:ext uri="{D42A27DB-BD31-4B8C-83A1-F6EECF244321}">
+                <p14:modId xmlns:p14="http://schemas.microsoft.com/office/powerpoint/2010/main" val="2836202248"/>
+              </p:ext>
+            </p:extLst>
+          </p:nvPr>
         </p:nvGraphicFramePr>
         <p:xfrm>
-          <a:off x="1741170" y="1845309"/>
-          <a:ext cx="7845425" cy="2384425"/>
+          <a:off x="1224335" y="175535"/>
+          <a:ext cx="6724650" cy="2384425"/>
         </p:xfrm>
         <a:graphic>
           <a:graphicData uri="http://schemas.openxmlformats.org/drawingml/2006/table">
@@ -7982,17 +8282,54 @@
                 <a:tableStyleId>{C32DE16D-C30A-451B-AD78-78F5EB1C75D9}</a:tableStyleId>
               </a:tblPr>
               <a:tblGrid>
-                <a:gridCol w="1120775"/>
-                <a:gridCol w="1120775"/>
-                <a:gridCol w="1120775"/>
-                <a:gridCol w="1120775"/>
-                <a:gridCol w="1120775"/>
-                <a:gridCol w="1120775"/>
+                <a:gridCol w="1120775">
+                  <a:extLst>
+                    <a:ext uri="{9D8B030D-6E8A-4147-A177-3AD203B41FA5}">
+                      <a16:colId xmlns:a16="http://schemas.microsoft.com/office/drawing/2014/main" val="20000"/>
+                    </a:ext>
+                  </a:extLst>
+                </a:gridCol>
+                <a:gridCol w="1120775">
+                  <a:extLst>
+                    <a:ext uri="{9D8B030D-6E8A-4147-A177-3AD203B41FA5}">
+                      <a16:colId xmlns:a16="http://schemas.microsoft.com/office/drawing/2014/main" val="20001"/>
+                    </a:ext>
+                  </a:extLst>
+                </a:gridCol>
+                <a:gridCol w="1120775">
+                  <a:extLst>
+                    <a:ext uri="{9D8B030D-6E8A-4147-A177-3AD203B41FA5}">
+                      <a16:colId xmlns:a16="http://schemas.microsoft.com/office/drawing/2014/main" val="20002"/>
+                    </a:ext>
+                  </a:extLst>
+                </a:gridCol>
+                <a:gridCol w="1120775">
+                  <a:extLst>
+                    <a:ext uri="{9D8B030D-6E8A-4147-A177-3AD203B41FA5}">
+                      <a16:colId xmlns:a16="http://schemas.microsoft.com/office/drawing/2014/main" val="20003"/>
+                    </a:ext>
+                  </a:extLst>
+                </a:gridCol>
+                <a:gridCol w="1120775">
+                  <a:extLst>
+                    <a:ext uri="{9D8B030D-6E8A-4147-A177-3AD203B41FA5}">
+                      <a16:colId xmlns:a16="http://schemas.microsoft.com/office/drawing/2014/main" val="20004"/>
+                    </a:ext>
+                  </a:extLst>
+                </a:gridCol>
+                <a:gridCol w="1120775">
+                  <a:extLst>
+                    <a:ext uri="{9D8B030D-6E8A-4147-A177-3AD203B41FA5}">
+                      <a16:colId xmlns:a16="http://schemas.microsoft.com/office/drawing/2014/main" val="20005"/>
+                    </a:ext>
+                  </a:extLst>
+                </a:gridCol>
               </a:tblGrid>
               <a:tr h="476885">
                 <a:tc>
                   <a:txBody>
                     <a:bodyPr/>
+                    <a:lstStyle/>
                     <a:p>
                       <a:pPr marL="0" marR="0" lvl="0" indent="0" algn="l" rtl="0">
                         <a:lnSpc>
@@ -8019,6 +8356,7 @@
                 <a:tc>
                   <a:txBody>
                     <a:bodyPr/>
+                    <a:lstStyle/>
                     <a:p>
                       <a:pPr marL="0" marR="0" lvl="0" indent="0" algn="l" rtl="0">
                         <a:lnSpc>
@@ -8038,7 +8376,7 @@
                         <a:buNone/>
                       </a:pPr>
                       <a:r>
-                        <a:rPr lang="en-US" altLang="ja-JP" sz="1800" u="none" strike="noStrike" cap="none" dirty="0" smtClean="0"/>
+                        <a:rPr lang="en-US" altLang="ja-JP" sz="1800" u="none" strike="noStrike" cap="none" dirty="0"/>
                         <a:t>AM</a:t>
                       </a:r>
                       <a:endParaRPr lang="ja-JP" sz="1800" u="none" strike="noStrike" cap="none" dirty="0"/>
@@ -8049,6 +8387,7 @@
                 <a:tc>
                   <a:txBody>
                     <a:bodyPr/>
+                    <a:lstStyle/>
                     <a:p>
                       <a:pPr marL="0" marR="0" lvl="0" indent="0" algn="l" rtl="0">
                         <a:lnSpc>
@@ -8068,7 +8407,7 @@
                         <a:buNone/>
                       </a:pPr>
                       <a:r>
-                        <a:rPr lang="en-US" altLang="ja-JP" sz="1800" u="none" strike="noStrike" cap="none" dirty="0" smtClean="0"/>
+                        <a:rPr lang="en-US" altLang="ja-JP" sz="1800" u="none" strike="noStrike" cap="none" dirty="0"/>
                         <a:t>CM</a:t>
                       </a:r>
                       <a:endParaRPr lang="ja-JP" sz="1800" u="none" strike="noStrike" cap="none" dirty="0"/>
@@ -8079,6 +8418,7 @@
                 <a:tc>
                   <a:txBody>
                     <a:bodyPr/>
+                    <a:lstStyle/>
                     <a:p>
                       <a:pPr marL="0" marR="0" lvl="0" indent="0" algn="l" rtl="0">
                         <a:lnSpc>
@@ -8098,7 +8438,7 @@
                         <a:buNone/>
                       </a:pPr>
                       <a:r>
-                        <a:rPr lang="en-US" altLang="ja-JP" sz="1800" u="none" strike="noStrike" cap="none" dirty="0" smtClean="0"/>
+                        <a:rPr lang="en-US" altLang="ja-JP" sz="1800" u="none" strike="noStrike" cap="none" dirty="0"/>
                         <a:t>DM</a:t>
                       </a:r>
                       <a:endParaRPr lang="ja-JP" sz="1800" u="none" strike="noStrike" cap="none" dirty="0"/>
@@ -8109,6 +8449,7 @@
                 <a:tc>
                   <a:txBody>
                     <a:bodyPr/>
+                    <a:lstStyle/>
                     <a:p>
                       <a:pPr marL="0" marR="0" lvl="0" indent="0" algn="l" rtl="0">
                         <a:lnSpc>
@@ -8131,7 +8472,6 @@
                         <a:rPr lang="en-US" altLang="ja-JP" sz="1800" u="none" strike="noStrike" cap="none" dirty="0"/>
                         <a:t>HM</a:t>
                       </a:r>
-                      <a:endParaRPr lang="en-US" altLang="ja-JP" sz="1800" u="none" strike="noStrike" cap="none" dirty="0"/>
                     </a:p>
                   </a:txBody>
                   <a:tcPr marL="91450" marR="91450" marT="45725" marB="45725"/>
@@ -8139,6 +8479,7 @@
                 <a:tc>
                   <a:txBody>
                     <a:bodyPr/>
+                    <a:lstStyle/>
                     <a:p>
                       <a:pPr marL="0" marR="0" lvl="0" indent="0" algn="l" rtl="0">
                         <a:lnSpc>
@@ -8158,7 +8499,7 @@
                         <a:buNone/>
                       </a:pPr>
                       <a:r>
-                        <a:rPr lang="en-US" altLang="ja-JP" sz="1800" u="none" strike="noStrike" cap="none" dirty="0" smtClean="0"/>
+                        <a:rPr lang="en-US" altLang="ja-JP" sz="1800" u="none" strike="noStrike" cap="none" dirty="0"/>
                         <a:t>GM</a:t>
                       </a:r>
                       <a:endParaRPr lang="ja-JP" sz="1800" u="none" strike="noStrike" cap="none" dirty="0"/>
@@ -8166,11 +8507,17 @@
                   </a:txBody>
                   <a:tcPr marL="91450" marR="91450" marT="45725" marB="45725"/>
                 </a:tc>
+                <a:extLst>
+                  <a:ext uri="{0D108BD9-81ED-4DB2-BD59-A6C34878D82A}">
+                    <a16:rowId xmlns:a16="http://schemas.microsoft.com/office/drawing/2014/main" val="10000"/>
+                  </a:ext>
+                </a:extLst>
               </a:tr>
               <a:tr h="476885">
                 <a:tc>
                   <a:txBody>
                     <a:bodyPr/>
+                    <a:lstStyle/>
                     <a:p>
                       <a:pPr marL="0" marR="0" lvl="0" indent="0" algn="l" rtl="0">
                         <a:lnSpc>
@@ -8193,7 +8540,6 @@
                         <a:rPr lang="ja-JP" sz="1800" u="none" strike="noStrike" cap="none"/>
                         <a:t>UserA</a:t>
                       </a:r>
-                      <a:endParaRPr lang="ja-JP" sz="1800" u="none" strike="noStrike" cap="none"/>
                     </a:p>
                   </a:txBody>
                   <a:tcPr marL="91450" marR="91450" marT="45725" marB="45725"/>
@@ -8201,6 +8547,7 @@
                 <a:tc>
                   <a:txBody>
                     <a:bodyPr/>
+                    <a:lstStyle/>
                     <a:p>
                       <a:pPr marL="0" marR="0" lvl="0" indent="0" algn="l" rtl="0">
                         <a:lnSpc>
@@ -8223,7 +8570,6 @@
                         <a:rPr lang="ja-JP" sz="1800" u="none" strike="noStrike" cap="none" dirty="0"/>
                         <a:t>1</a:t>
                       </a:r>
-                      <a:endParaRPr lang="ja-JP" sz="1800" u="none" strike="noStrike" cap="none" dirty="0"/>
                     </a:p>
                   </a:txBody>
                   <a:tcPr marL="91450" marR="91450" marT="45725" marB="45725"/>
@@ -8231,6 +8577,7 @@
                 <a:tc>
                   <a:txBody>
                     <a:bodyPr/>
+                    <a:lstStyle/>
                     <a:p>
                       <a:pPr marL="0" marR="0" lvl="0" indent="0" algn="l" rtl="0">
                         <a:lnSpc>
@@ -8253,7 +8600,6 @@
                         <a:rPr lang="en-US" altLang="ja-JP" sz="1800" u="none" strike="noStrike" cap="none"/>
                         <a:t>5</a:t>
                       </a:r>
-                      <a:endParaRPr lang="en-US" altLang="ja-JP" sz="1800" u="none" strike="noStrike" cap="none"/>
                     </a:p>
                   </a:txBody>
                   <a:tcPr marL="91450" marR="91450" marT="45725" marB="45725"/>
@@ -8261,6 +8607,7 @@
                 <a:tc>
                   <a:txBody>
                     <a:bodyPr/>
+                    <a:lstStyle/>
                     <a:p>
                       <a:pPr marL="0" marR="0" lvl="0" indent="0" algn="l" rtl="0">
                         <a:lnSpc>
@@ -8283,7 +8630,6 @@
                         <a:rPr lang="en-US" altLang="ja-JP" sz="1800" u="none" strike="noStrike" cap="none"/>
                         <a:t>3</a:t>
                       </a:r>
-                      <a:endParaRPr lang="en-US" altLang="ja-JP" sz="1800" u="none" strike="noStrike" cap="none"/>
                     </a:p>
                   </a:txBody>
                   <a:tcPr marL="91450" marR="91450" marT="45725" marB="45725"/>
@@ -8291,6 +8637,7 @@
                 <a:tc>
                   <a:txBody>
                     <a:bodyPr/>
+                    <a:lstStyle/>
                     <a:p>
                       <a:pPr marL="0" marR="0" lvl="0" indent="0" algn="l" rtl="0">
                         <a:lnSpc>
@@ -8317,6 +8664,7 @@
                 <a:tc>
                   <a:txBody>
                     <a:bodyPr/>
+                    <a:lstStyle/>
                     <a:p>
                       <a:pPr marL="0" marR="0" lvl="0" indent="0" algn="l" rtl="0">
                         <a:lnSpc>
@@ -8340,11 +8688,17 @@
                   </a:txBody>
                   <a:tcPr marL="91450" marR="91450" marT="45725" marB="45725"/>
                 </a:tc>
+                <a:extLst>
+                  <a:ext uri="{0D108BD9-81ED-4DB2-BD59-A6C34878D82A}">
+                    <a16:rowId xmlns:a16="http://schemas.microsoft.com/office/drawing/2014/main" val="10001"/>
+                  </a:ext>
+                </a:extLst>
               </a:tr>
               <a:tr h="476885">
                 <a:tc>
                   <a:txBody>
                     <a:bodyPr/>
+                    <a:lstStyle/>
                     <a:p>
                       <a:pPr marL="0" marR="0" lvl="0" indent="0" algn="l" rtl="0">
                         <a:lnSpc>
@@ -8367,7 +8721,6 @@
                         <a:rPr lang="ja-JP" sz="1800" u="none" strike="noStrike" cap="none"/>
                         <a:t>UserB</a:t>
                       </a:r>
-                      <a:endParaRPr lang="ja-JP" sz="1800" u="none" strike="noStrike" cap="none"/>
                     </a:p>
                   </a:txBody>
                   <a:tcPr marL="91450" marR="91450" marT="45725" marB="45725"/>
@@ -8375,6 +8728,7 @@
                 <a:tc>
                   <a:txBody>
                     <a:bodyPr/>
+                    <a:lstStyle/>
                     <a:p>
                       <a:pPr marL="0" marR="0" lvl="0" indent="0" algn="l" rtl="0">
                         <a:lnSpc>
@@ -8401,6 +8755,7 @@
                 <a:tc>
                   <a:txBody>
                     <a:bodyPr/>
+                    <a:lstStyle/>
                     <a:p>
                       <a:pPr marL="0" marR="0" lvl="0" indent="0" algn="l" rtl="0">
                         <a:lnSpc>
@@ -8423,7 +8778,6 @@
                         <a:rPr lang="en-US" altLang="ja-JP" sz="1800" u="none" strike="noStrike" cap="none"/>
                         <a:t>3</a:t>
                       </a:r>
-                      <a:endParaRPr lang="en-US" altLang="ja-JP" sz="1800" u="none" strike="noStrike" cap="none"/>
                     </a:p>
                   </a:txBody>
                   <a:tcPr marL="91450" marR="91450" marT="45725" marB="45725"/>
@@ -8431,6 +8785,7 @@
                 <a:tc>
                   <a:txBody>
                     <a:bodyPr/>
+                    <a:lstStyle/>
                     <a:p>
                       <a:pPr marL="0" marR="0" lvl="0" indent="0" algn="l" rtl="0">
                         <a:lnSpc>
@@ -8453,7 +8808,6 @@
                         <a:rPr lang="en-US" altLang="ja-JP" sz="1800" u="none" strike="noStrike" cap="none"/>
                         <a:t>4</a:t>
                       </a:r>
-                      <a:endParaRPr lang="en-US" altLang="ja-JP" sz="1800" u="none" strike="noStrike" cap="none"/>
                     </a:p>
                   </a:txBody>
                   <a:tcPr marL="91450" marR="91450" marT="45725" marB="45725"/>
@@ -8461,6 +8815,7 @@
                 <a:tc>
                   <a:txBody>
                     <a:bodyPr/>
+                    <a:lstStyle/>
                     <a:p>
                       <a:pPr marL="0" marR="0" lvl="0" indent="0" algn="l" rtl="0">
                         <a:lnSpc>
@@ -8487,6 +8842,7 @@
                 <a:tc>
                   <a:txBody>
                     <a:bodyPr/>
+                    <a:lstStyle/>
                     <a:p>
                       <a:pPr marL="0" marR="0" lvl="0" indent="0" algn="l" rtl="0">
                         <a:lnSpc>
@@ -8509,16 +8865,21 @@
                         <a:rPr lang="en-US" altLang="ja-JP" sz="1800" u="none" strike="noStrike" cap="none"/>
                         <a:t>1</a:t>
                       </a:r>
-                      <a:endParaRPr lang="en-US" altLang="ja-JP" sz="1800" u="none" strike="noStrike" cap="none"/>
                     </a:p>
                   </a:txBody>
                   <a:tcPr marL="91450" marR="91450" marT="45725" marB="45725"/>
                 </a:tc>
+                <a:extLst>
+                  <a:ext uri="{0D108BD9-81ED-4DB2-BD59-A6C34878D82A}">
+                    <a16:rowId xmlns:a16="http://schemas.microsoft.com/office/drawing/2014/main" val="10002"/>
+                  </a:ext>
+                </a:extLst>
               </a:tr>
               <a:tr h="476885">
                 <a:tc>
                   <a:txBody>
                     <a:bodyPr/>
+                    <a:lstStyle/>
                     <a:p>
                       <a:pPr marL="0" marR="0" lvl="0" indent="0" algn="l" rtl="0">
                         <a:lnSpc>
@@ -8541,7 +8902,6 @@
                         <a:rPr lang="ja-JP" sz="1800" u="none" strike="noStrike" cap="none"/>
                         <a:t>UserC</a:t>
                       </a:r>
-                      <a:endParaRPr lang="ja-JP" sz="1800" u="none" strike="noStrike" cap="none"/>
                     </a:p>
                   </a:txBody>
                   <a:tcPr marL="91450" marR="91450" marT="45725" marB="45725"/>
@@ -8549,6 +8909,7 @@
                 <a:tc>
                   <a:txBody>
                     <a:bodyPr/>
+                    <a:lstStyle/>
                     <a:p>
                       <a:pPr marL="0" marR="0" lvl="0" indent="0" algn="l" rtl="0">
                         <a:lnSpc>
@@ -8571,7 +8932,6 @@
                         <a:rPr lang="en-US" altLang="ja-JP" sz="1800" u="none" strike="noStrike" cap="none"/>
                         <a:t>4</a:t>
                       </a:r>
-                      <a:endParaRPr lang="en-US" altLang="ja-JP" sz="1800" u="none" strike="noStrike" cap="none"/>
                     </a:p>
                   </a:txBody>
                   <a:tcPr marL="91450" marR="91450" marT="45725" marB="45725"/>
@@ -8579,6 +8939,7 @@
                 <a:tc>
                   <a:txBody>
                     <a:bodyPr/>
+                    <a:lstStyle/>
                     <a:p>
                       <a:pPr marL="0" marR="0" lvl="0" indent="0" algn="l" rtl="0">
                         <a:lnSpc>
@@ -8601,7 +8962,6 @@
                         <a:rPr lang="en-US" altLang="ja-JP" sz="1800" u="none" strike="noStrike" cap="none"/>
                         <a:t>2</a:t>
                       </a:r>
-                      <a:endParaRPr lang="en-US" altLang="ja-JP" sz="1800" u="none" strike="noStrike" cap="none"/>
                     </a:p>
                   </a:txBody>
                   <a:tcPr marL="91450" marR="91450" marT="45725" marB="45725"/>
@@ -8609,6 +8969,7 @@
                 <a:tc>
                   <a:txBody>
                     <a:bodyPr/>
+                    <a:lstStyle/>
                     <a:p>
                       <a:pPr marL="0" marR="0" lvl="0" indent="0" algn="l" rtl="0">
                         <a:lnSpc>
@@ -8635,6 +8996,7 @@
                 <a:tc>
                   <a:txBody>
                     <a:bodyPr/>
+                    <a:lstStyle/>
                     <a:p>
                       <a:pPr marL="0" marR="0" lvl="0" indent="0" algn="l" rtl="0">
                         <a:lnSpc>
@@ -8661,6 +9023,7 @@
                 <a:tc>
                   <a:txBody>
                     <a:bodyPr/>
+                    <a:lstStyle/>
                     <a:p>
                       <a:pPr marL="0" marR="0" lvl="0" indent="0" algn="l" rtl="0">
                         <a:lnSpc>
@@ -8683,16 +9046,21 @@
                         <a:rPr lang="en-US" altLang="ja-JP" sz="1800" u="none" strike="noStrike" cap="none"/>
                         <a:t>5</a:t>
                       </a:r>
-                      <a:endParaRPr lang="en-US" altLang="ja-JP" sz="1800" u="none" strike="noStrike" cap="none"/>
                     </a:p>
                   </a:txBody>
                   <a:tcPr marL="91450" marR="91450" marT="45725" marB="45725"/>
                 </a:tc>
+                <a:extLst>
+                  <a:ext uri="{0D108BD9-81ED-4DB2-BD59-A6C34878D82A}">
+                    <a16:rowId xmlns:a16="http://schemas.microsoft.com/office/drawing/2014/main" val="10003"/>
+                  </a:ext>
+                </a:extLst>
               </a:tr>
               <a:tr h="476885">
                 <a:tc>
                   <a:txBody>
                     <a:bodyPr/>
+                    <a:lstStyle/>
                     <a:p>
                       <a:pPr marL="0" marR="0" lvl="0" indent="0" algn="l" rtl="0">
                         <a:lnSpc>
@@ -8712,10 +9080,9 @@
                         <a:buNone/>
                       </a:pPr>
                       <a:r>
-                        <a:rPr lang="ja-JP" sz="1800" u="none" strike="noStrike" cap="none"/>
+                        <a:rPr lang="ja-JP" sz="1800" u="none" strike="noStrike" cap="none" dirty="0"/>
                         <a:t>UserD</a:t>
                       </a:r>
-                      <a:endParaRPr lang="ja-JP" sz="1800" u="none" strike="noStrike" cap="none"/>
                     </a:p>
                   </a:txBody>
                   <a:tcPr marL="91450" marR="91450" marT="45725" marB="45725"/>
@@ -8723,6 +9090,7 @@
                 <a:tc>
                   <a:txBody>
                     <a:bodyPr/>
+                    <a:lstStyle/>
                     <a:p>
                       <a:pPr marL="0" marR="0" lvl="0" indent="0" algn="l" rtl="0">
                         <a:lnSpc>
@@ -8749,6 +9117,7 @@
                 <a:tc>
                   <a:txBody>
                     <a:bodyPr/>
+                    <a:lstStyle/>
                     <a:p>
                       <a:pPr marL="0" marR="0" lvl="0" indent="0" algn="l" rtl="0">
                         <a:lnSpc>
@@ -8768,10 +9137,9 @@
                         <a:buNone/>
                       </a:pPr>
                       <a:r>
-                        <a:rPr lang="en-US" altLang="ja-JP" sz="1800" u="none" strike="noStrike" cap="none"/>
+                        <a:rPr lang="en-US" altLang="ja-JP" sz="1800" u="none" strike="noStrike" cap="none" dirty="0"/>
                         <a:t>1</a:t>
                       </a:r>
-                      <a:endParaRPr lang="en-US" altLang="ja-JP" sz="1800" u="none" strike="noStrike" cap="none"/>
                     </a:p>
                   </a:txBody>
                   <a:tcPr marL="91450" marR="91450" marT="45725" marB="45725"/>
@@ -8779,6 +9147,7 @@
                 <a:tc>
                   <a:txBody>
                     <a:bodyPr/>
+                    <a:lstStyle/>
                     <a:p>
                       <a:pPr marL="0" marR="0" lvl="0" indent="0" algn="l" rtl="0">
                         <a:lnSpc>
@@ -8805,6 +9174,7 @@
                 <a:tc>
                   <a:txBody>
                     <a:bodyPr/>
+                    <a:lstStyle/>
                     <a:p>
                       <a:pPr marL="0" marR="0" lvl="0" indent="0" algn="l" rtl="0">
                         <a:lnSpc>
@@ -8827,7 +9197,6 @@
                         <a:rPr lang="en-US" altLang="ja-JP" sz="1800" u="none" strike="noStrike" cap="none"/>
                         <a:t>4</a:t>
                       </a:r>
-                      <a:endParaRPr lang="en-US" altLang="ja-JP" sz="1800" u="none" strike="noStrike" cap="none"/>
                     </a:p>
                   </a:txBody>
                   <a:tcPr marL="91450" marR="91450" marT="45725" marB="45725"/>
@@ -8835,6 +9204,7 @@
                 <a:tc>
                   <a:txBody>
                     <a:bodyPr/>
+                    <a:lstStyle/>
                     <a:p>
                       <a:pPr marL="0" marR="0" lvl="0" indent="0" algn="l" rtl="0">
                         <a:lnSpc>
@@ -8854,19 +9224,1029 @@
                         <a:buNone/>
                       </a:pPr>
                       <a:r>
-                        <a:rPr lang="en-US" altLang="ja-JP" sz="1800" u="none" strike="noStrike" cap="none"/>
+                        <a:rPr lang="en-US" altLang="ja-JP" sz="1800" u="none" strike="noStrike" cap="none" dirty="0"/>
                         <a:t>3</a:t>
                       </a:r>
-                      <a:endParaRPr lang="en-US" altLang="ja-JP" sz="1800" u="none" strike="noStrike" cap="none"/>
                     </a:p>
                   </a:txBody>
                   <a:tcPr marL="91450" marR="91450" marT="45725" marB="45725"/>
                 </a:tc>
+                <a:extLst>
+                  <a:ext uri="{0D108BD9-81ED-4DB2-BD59-A6C34878D82A}">
+                    <a16:rowId xmlns:a16="http://schemas.microsoft.com/office/drawing/2014/main" val="10004"/>
+                  </a:ext>
+                </a:extLst>
               </a:tr>
             </a:tbl>
           </a:graphicData>
         </a:graphic>
       </p:graphicFrame>
+      <p:sp>
+        <p:nvSpPr>
+          <p:cNvPr id="2" name="文本框 1">
+            <a:extLst>
+              <a:ext uri="{FF2B5EF4-FFF2-40B4-BE49-F238E27FC236}">
+                <a16:creationId xmlns:a16="http://schemas.microsoft.com/office/drawing/2014/main" id="{E4C87862-7468-4B60-9785-D66265FA3C73}"/>
+              </a:ext>
+            </a:extLst>
+          </p:cNvPr>
+          <p:cNvSpPr txBox="1"/>
+          <p:nvPr/>
+        </p:nvSpPr>
+        <p:spPr>
+          <a:xfrm>
+            <a:off x="768624" y="3344517"/>
+            <a:ext cx="2305879" cy="2246769"/>
+          </a:xfrm>
+          <a:prstGeom prst="rect">
+            <a:avLst/>
+          </a:prstGeom>
+          <a:noFill/>
+        </p:spPr>
+        <p:txBody>
+          <a:bodyPr wrap="square" rtlCol="0">
+            <a:spAutoFit/>
+          </a:bodyPr>
+          <a:lstStyle/>
+          <a:p>
+            <a:r>
+              <a:rPr lang="en-US" altLang="ja-JP" sz="2800" dirty="0">
+                <a:latin typeface="Consolas" panose="020B0609020204030204" pitchFamily="49" charset="0"/>
+              </a:rPr>
+              <a:t>5</a:t>
+            </a:r>
+            <a:r>
+              <a:rPr lang="ja-JP" altLang="en-US" sz="2800" dirty="0">
+                <a:latin typeface="Consolas" panose="020B0609020204030204" pitchFamily="49" charset="0"/>
+              </a:rPr>
+              <a:t>　　　</a:t>
+            </a:r>
+            <a:r>
+              <a:rPr lang="en-US" altLang="ja-JP" sz="2800" dirty="0">
+                <a:latin typeface="Consolas" panose="020B0609020204030204" pitchFamily="49" charset="0"/>
+              </a:rPr>
+              <a:t>4</a:t>
+            </a:r>
+            <a:r>
+              <a:rPr lang="ja-JP" altLang="en-US" sz="2800" dirty="0">
+                <a:latin typeface="Consolas" panose="020B0609020204030204" pitchFamily="49" charset="0"/>
+              </a:rPr>
+              <a:t>　</a:t>
+            </a:r>
+            <a:r>
+              <a:rPr lang="en-US" altLang="ja-JP" sz="2800" dirty="0">
+                <a:latin typeface="Consolas" panose="020B0609020204030204" pitchFamily="49" charset="0"/>
+              </a:rPr>
+              <a:t>4</a:t>
+            </a:r>
+            <a:r>
+              <a:rPr lang="ja-JP" altLang="en-US" sz="2800" dirty="0">
+                <a:latin typeface="Consolas" panose="020B0609020204030204" pitchFamily="49" charset="0"/>
+              </a:rPr>
+              <a:t>　</a:t>
+            </a:r>
+            <a:br>
+              <a:rPr lang="en-US" altLang="ja-JP" sz="2800" dirty="0">
+                <a:latin typeface="Consolas" panose="020B0609020204030204" pitchFamily="49" charset="0"/>
+              </a:rPr>
+            </a:br>
+            <a:r>
+              <a:rPr lang="en-US" altLang="ja-JP" sz="2800" dirty="0">
+                <a:latin typeface="Consolas" panose="020B0609020204030204" pitchFamily="49" charset="0"/>
+              </a:rPr>
+              <a:t>3</a:t>
+            </a:r>
+            <a:r>
+              <a:rPr lang="ja-JP" altLang="en-US" sz="2800" dirty="0">
+                <a:latin typeface="Consolas" panose="020B0609020204030204" pitchFamily="49" charset="0"/>
+              </a:rPr>
+              <a:t>　</a:t>
+            </a:r>
+            <a:r>
+              <a:rPr lang="en-US" altLang="ja-JP" sz="2800" dirty="0">
+                <a:latin typeface="Consolas" panose="020B0609020204030204" pitchFamily="49" charset="0"/>
+              </a:rPr>
+              <a:t>1</a:t>
+            </a:r>
+            <a:r>
+              <a:rPr lang="ja-JP" altLang="en-US" sz="2800" dirty="0">
+                <a:latin typeface="Consolas" panose="020B0609020204030204" pitchFamily="49" charset="0"/>
+              </a:rPr>
+              <a:t>　</a:t>
+            </a:r>
+            <a:r>
+              <a:rPr lang="en-US" altLang="ja-JP" sz="2800" dirty="0">
+                <a:latin typeface="Consolas" panose="020B0609020204030204" pitchFamily="49" charset="0"/>
+              </a:rPr>
+              <a:t>2</a:t>
+            </a:r>
+            <a:r>
+              <a:rPr lang="ja-JP" altLang="en-US" sz="2800" dirty="0">
+                <a:latin typeface="Consolas" panose="020B0609020204030204" pitchFamily="49" charset="0"/>
+              </a:rPr>
+              <a:t>　　</a:t>
+            </a:r>
+            <a:br>
+              <a:rPr lang="en-US" altLang="ja-JP" sz="2800" dirty="0">
+                <a:latin typeface="Consolas" panose="020B0609020204030204" pitchFamily="49" charset="0"/>
+              </a:rPr>
+            </a:br>
+            <a:r>
+              <a:rPr lang="en-US" altLang="ja-JP" sz="2800" dirty="0">
+                <a:latin typeface="Consolas" panose="020B0609020204030204" pitchFamily="49" charset="0"/>
+              </a:rPr>
+              <a:t>2</a:t>
+            </a:r>
+            <a:r>
+              <a:rPr lang="ja-JP" altLang="en-US" sz="2800" dirty="0">
+                <a:latin typeface="Consolas" panose="020B0609020204030204" pitchFamily="49" charset="0"/>
+              </a:rPr>
+              <a:t>　　　　　</a:t>
+            </a:r>
+            <a:r>
+              <a:rPr lang="en-US" altLang="ja-JP" sz="2800" dirty="0">
+                <a:latin typeface="Consolas" panose="020B0609020204030204" pitchFamily="49" charset="0"/>
+              </a:rPr>
+              <a:t>1</a:t>
+            </a:r>
+            <a:r>
+              <a:rPr lang="ja-JP" altLang="en-US" sz="2800" dirty="0">
+                <a:latin typeface="Consolas" panose="020B0609020204030204" pitchFamily="49" charset="0"/>
+              </a:rPr>
+              <a:t>　</a:t>
+            </a:r>
+            <a:r>
+              <a:rPr lang="en-US" altLang="ja-JP" sz="2800" dirty="0">
+                <a:latin typeface="Consolas" panose="020B0609020204030204" pitchFamily="49" charset="0"/>
+              </a:rPr>
+              <a:t>4</a:t>
+            </a:r>
+            <a:br>
+              <a:rPr lang="en-US" altLang="ja-JP" sz="2800" dirty="0">
+                <a:latin typeface="Consolas" panose="020B0609020204030204" pitchFamily="49" charset="0"/>
+              </a:rPr>
+            </a:br>
+            <a:r>
+              <a:rPr lang="ja-JP" altLang="en-US" sz="2800" dirty="0">
+                <a:latin typeface="Consolas" panose="020B0609020204030204" pitchFamily="49" charset="0"/>
+              </a:rPr>
+              <a:t>　　　　</a:t>
+            </a:r>
+            <a:r>
+              <a:rPr lang="en-US" altLang="ja-JP" sz="2800" dirty="0">
+                <a:latin typeface="Consolas" panose="020B0609020204030204" pitchFamily="49" charset="0"/>
+              </a:rPr>
+              <a:t>4</a:t>
+            </a:r>
+            <a:r>
+              <a:rPr lang="ja-JP" altLang="en-US" sz="2800" dirty="0">
+                <a:latin typeface="Consolas" panose="020B0609020204030204" pitchFamily="49" charset="0"/>
+              </a:rPr>
+              <a:t>　</a:t>
+            </a:r>
+            <a:r>
+              <a:rPr lang="en-US" altLang="ja-JP" sz="2800" dirty="0">
+                <a:latin typeface="Consolas" panose="020B0609020204030204" pitchFamily="49" charset="0"/>
+              </a:rPr>
+              <a:t>3</a:t>
+            </a:r>
+            <a:r>
+              <a:rPr lang="ja-JP" altLang="en-US" sz="2800" dirty="0">
+                <a:latin typeface="Consolas" panose="020B0609020204030204" pitchFamily="49" charset="0"/>
+              </a:rPr>
+              <a:t>　</a:t>
+            </a:r>
+            <a:r>
+              <a:rPr lang="en-US" altLang="ja-JP" sz="2800" dirty="0">
+                <a:latin typeface="Consolas" panose="020B0609020204030204" pitchFamily="49" charset="0"/>
+              </a:rPr>
+              <a:t>5</a:t>
+            </a:r>
+            <a:br>
+              <a:rPr lang="en-US" altLang="ja-JP" sz="2800" dirty="0">
+                <a:latin typeface="Consolas" panose="020B0609020204030204" pitchFamily="49" charset="0"/>
+              </a:rPr>
+            </a:br>
+            <a:r>
+              <a:rPr lang="ja-JP" altLang="en-US" sz="2800" dirty="0">
+                <a:latin typeface="Consolas" panose="020B0609020204030204" pitchFamily="49" charset="0"/>
+              </a:rPr>
+              <a:t>　　　　</a:t>
+            </a:r>
+            <a:r>
+              <a:rPr lang="en-US" altLang="ja-JP" sz="2800" dirty="0">
+                <a:latin typeface="Consolas" panose="020B0609020204030204" pitchFamily="49" charset="0"/>
+              </a:rPr>
+              <a:t>5</a:t>
+            </a:r>
+            <a:r>
+              <a:rPr lang="ja-JP" altLang="en-US" sz="2800" dirty="0">
+                <a:latin typeface="Consolas" panose="020B0609020204030204" pitchFamily="49" charset="0"/>
+              </a:rPr>
+              <a:t>　</a:t>
+            </a:r>
+            <a:r>
+              <a:rPr lang="en-US" altLang="ja-JP" sz="2800" dirty="0">
+                <a:latin typeface="Consolas" panose="020B0609020204030204" pitchFamily="49" charset="0"/>
+              </a:rPr>
+              <a:t>4</a:t>
+            </a:r>
+            <a:endParaRPr lang="zh-CN" altLang="en-US" sz="2800" dirty="0">
+              <a:latin typeface="Consolas" panose="020B0609020204030204" pitchFamily="49" charset="0"/>
+            </a:endParaRPr>
+          </a:p>
+        </p:txBody>
+      </p:sp>
+      <p:sp>
+        <p:nvSpPr>
+          <p:cNvPr id="4" name="双括号 3">
+            <a:extLst>
+              <a:ext uri="{FF2B5EF4-FFF2-40B4-BE49-F238E27FC236}">
+                <a16:creationId xmlns:a16="http://schemas.microsoft.com/office/drawing/2014/main" id="{EB0A6730-8346-4205-AA2B-77EBC29594F2}"/>
+              </a:ext>
+            </a:extLst>
+          </p:cNvPr>
+          <p:cNvSpPr/>
+          <p:nvPr/>
+        </p:nvSpPr>
+        <p:spPr>
+          <a:xfrm>
+            <a:off x="649357" y="3260035"/>
+            <a:ext cx="2411895" cy="2415734"/>
+          </a:xfrm>
+          <a:prstGeom prst="bracketPair">
+            <a:avLst/>
+          </a:prstGeom>
+          <a:ln w="38100">
+            <a:solidFill>
+              <a:schemeClr val="tx1"/>
+            </a:solidFill>
+          </a:ln>
+        </p:spPr>
+        <p:style>
+          <a:lnRef idx="1">
+            <a:schemeClr val="accent1"/>
+          </a:lnRef>
+          <a:fillRef idx="0">
+            <a:schemeClr val="accent1"/>
+          </a:fillRef>
+          <a:effectRef idx="0">
+            <a:schemeClr val="accent1"/>
+          </a:effectRef>
+          <a:fontRef idx="minor">
+            <a:schemeClr val="tx1"/>
+          </a:fontRef>
+        </p:style>
+        <p:txBody>
+          <a:bodyPr rtlCol="0" anchor="ctr"/>
+          <a:lstStyle/>
+          <a:p>
+            <a:pPr algn="ctr"/>
+            <a:endParaRPr lang="zh-CN" altLang="en-US" dirty="0"/>
+          </a:p>
+        </p:txBody>
+      </p:sp>
+      <p:grpSp>
+        <p:nvGrpSpPr>
+          <p:cNvPr id="5" name="组合 4">
+            <a:extLst>
+              <a:ext uri="{FF2B5EF4-FFF2-40B4-BE49-F238E27FC236}">
+                <a16:creationId xmlns:a16="http://schemas.microsoft.com/office/drawing/2014/main" id="{6936CFE7-6F14-451F-BE5C-386815DA0C95}"/>
+              </a:ext>
+            </a:extLst>
+          </p:cNvPr>
+          <p:cNvGrpSpPr/>
+          <p:nvPr/>
+        </p:nvGrpSpPr>
+        <p:grpSpPr>
+          <a:xfrm>
+            <a:off x="4512363" y="3260031"/>
+            <a:ext cx="1968776" cy="2415734"/>
+            <a:chOff x="4260575" y="3260034"/>
+            <a:chExt cx="1968776" cy="2415734"/>
+          </a:xfrm>
+        </p:grpSpPr>
+        <p:sp>
+          <p:nvSpPr>
+            <p:cNvPr id="6" name="双括号 5">
+              <a:extLst>
+                <a:ext uri="{FF2B5EF4-FFF2-40B4-BE49-F238E27FC236}">
+                  <a16:creationId xmlns:a16="http://schemas.microsoft.com/office/drawing/2014/main" id="{5B2E5AB4-DA0A-4C79-B6DC-052676BFB0E8}"/>
+                </a:ext>
+              </a:extLst>
+            </p:cNvPr>
+            <p:cNvSpPr/>
+            <p:nvPr/>
+          </p:nvSpPr>
+          <p:spPr>
+            <a:xfrm>
+              <a:off x="4260575" y="3260034"/>
+              <a:ext cx="1835426" cy="2415734"/>
+            </a:xfrm>
+            <a:prstGeom prst="bracketPair">
+              <a:avLst/>
+            </a:prstGeom>
+            <a:ln w="38100">
+              <a:solidFill>
+                <a:schemeClr val="tx1"/>
+              </a:solidFill>
+            </a:ln>
+          </p:spPr>
+          <p:style>
+            <a:lnRef idx="1">
+              <a:schemeClr val="accent1"/>
+            </a:lnRef>
+            <a:fillRef idx="0">
+              <a:schemeClr val="accent1"/>
+            </a:fillRef>
+            <a:effectRef idx="0">
+              <a:schemeClr val="accent1"/>
+            </a:effectRef>
+            <a:fontRef idx="minor">
+              <a:schemeClr val="tx1"/>
+            </a:fontRef>
+          </p:style>
+          <p:txBody>
+            <a:bodyPr rtlCol="0" anchor="ctr"/>
+            <a:lstStyle/>
+            <a:p>
+              <a:pPr algn="ctr"/>
+              <a:endParaRPr lang="zh-CN" altLang="en-US" dirty="0"/>
+            </a:p>
+          </p:txBody>
+        </p:sp>
+        <p:sp>
+          <p:nvSpPr>
+            <p:cNvPr id="8" name="文本框 7">
+              <a:extLst>
+                <a:ext uri="{FF2B5EF4-FFF2-40B4-BE49-F238E27FC236}">
+                  <a16:creationId xmlns:a16="http://schemas.microsoft.com/office/drawing/2014/main" id="{17F9105D-0CD3-491C-8477-3E7C215E0305}"/>
+                </a:ext>
+              </a:extLst>
+            </p:cNvPr>
+            <p:cNvSpPr txBox="1"/>
+            <p:nvPr/>
+          </p:nvSpPr>
+          <p:spPr>
+            <a:xfrm>
+              <a:off x="4433681" y="3344513"/>
+              <a:ext cx="1795670" cy="2246769"/>
+            </a:xfrm>
+            <a:prstGeom prst="rect">
+              <a:avLst/>
+            </a:prstGeom>
+            <a:noFill/>
+          </p:spPr>
+          <p:txBody>
+            <a:bodyPr wrap="square" rtlCol="0">
+              <a:spAutoFit/>
+            </a:bodyPr>
+            <a:lstStyle/>
+            <a:p>
+              <a:r>
+                <a:rPr lang="en-US" altLang="ja-JP" sz="2800" dirty="0">
+                  <a:latin typeface="Consolas" panose="020B0609020204030204" pitchFamily="49" charset="0"/>
+                </a:rPr>
+                <a:t>u</a:t>
+              </a:r>
+              <a:r>
+                <a:rPr lang="en-US" altLang="ja-JP" sz="2000" dirty="0">
+                  <a:latin typeface="Consolas" panose="020B0609020204030204" pitchFamily="49" charset="0"/>
+                </a:rPr>
+                <a:t>11</a:t>
+              </a:r>
+              <a:r>
+                <a:rPr lang="ja-JP" altLang="en-US" sz="2800" dirty="0">
+                  <a:latin typeface="Consolas" panose="020B0609020204030204" pitchFamily="49" charset="0"/>
+                </a:rPr>
+                <a:t>  </a:t>
+              </a:r>
+              <a:r>
+                <a:rPr lang="en-US" altLang="ja-JP" sz="2800" dirty="0">
+                  <a:latin typeface="Consolas" panose="020B0609020204030204" pitchFamily="49" charset="0"/>
+                </a:rPr>
+                <a:t>u</a:t>
+              </a:r>
+              <a:r>
+                <a:rPr lang="en-US" altLang="ja-JP" sz="2000" dirty="0">
+                  <a:latin typeface="Consolas" panose="020B0609020204030204" pitchFamily="49" charset="0"/>
+                </a:rPr>
+                <a:t>12</a:t>
+              </a:r>
+              <a:r>
+                <a:rPr lang="ja-JP" altLang="en-US" sz="2800" dirty="0">
+                  <a:latin typeface="Consolas" panose="020B0609020204030204" pitchFamily="49" charset="0"/>
+                </a:rPr>
+                <a:t>　　</a:t>
+              </a:r>
+              <a:br>
+                <a:rPr lang="en-US" altLang="ja-JP" sz="2800" dirty="0">
+                  <a:latin typeface="Consolas" panose="020B0609020204030204" pitchFamily="49" charset="0"/>
+                </a:rPr>
+              </a:br>
+              <a:r>
+                <a:rPr lang="en-US" altLang="ja-JP" sz="2800" dirty="0">
+                  <a:latin typeface="Consolas" panose="020B0609020204030204" pitchFamily="49" charset="0"/>
+                </a:rPr>
+                <a:t>u</a:t>
+              </a:r>
+              <a:r>
+                <a:rPr lang="en-US" altLang="ja-JP" sz="2000" dirty="0">
+                  <a:latin typeface="Consolas" panose="020B0609020204030204" pitchFamily="49" charset="0"/>
+                </a:rPr>
+                <a:t>21</a:t>
+              </a:r>
+              <a:r>
+                <a:rPr lang="ja-JP" altLang="en-US" sz="2800" dirty="0">
+                  <a:latin typeface="Consolas" panose="020B0609020204030204" pitchFamily="49" charset="0"/>
+                </a:rPr>
+                <a:t>  </a:t>
+              </a:r>
+              <a:r>
+                <a:rPr lang="en-US" altLang="ja-JP" sz="2800" dirty="0">
+                  <a:latin typeface="Consolas" panose="020B0609020204030204" pitchFamily="49" charset="0"/>
+                </a:rPr>
+                <a:t>u</a:t>
+              </a:r>
+              <a:r>
+                <a:rPr lang="en-US" altLang="ja-JP" sz="2000" dirty="0">
+                  <a:latin typeface="Consolas" panose="020B0609020204030204" pitchFamily="49" charset="0"/>
+                </a:rPr>
+                <a:t>22</a:t>
+              </a:r>
+              <a:r>
+                <a:rPr lang="ja-JP" altLang="en-US" sz="2800" dirty="0">
+                  <a:latin typeface="Consolas" panose="020B0609020204030204" pitchFamily="49" charset="0"/>
+                </a:rPr>
+                <a:t>　　</a:t>
+              </a:r>
+              <a:br>
+                <a:rPr lang="en-US" altLang="ja-JP" sz="2800" dirty="0">
+                  <a:latin typeface="Consolas" panose="020B0609020204030204" pitchFamily="49" charset="0"/>
+                </a:rPr>
+              </a:br>
+              <a:r>
+                <a:rPr lang="en-US" altLang="ja-JP" sz="2800" dirty="0">
+                  <a:latin typeface="Consolas" panose="020B0609020204030204" pitchFamily="49" charset="0"/>
+                </a:rPr>
+                <a:t>u</a:t>
+              </a:r>
+              <a:r>
+                <a:rPr lang="en-US" altLang="ja-JP" sz="2000" dirty="0">
+                  <a:latin typeface="Consolas" panose="020B0609020204030204" pitchFamily="49" charset="0"/>
+                </a:rPr>
+                <a:t>31</a:t>
+              </a:r>
+              <a:r>
+                <a:rPr lang="ja-JP" altLang="en-US" sz="2800" dirty="0">
+                  <a:latin typeface="Consolas" panose="020B0609020204030204" pitchFamily="49" charset="0"/>
+                </a:rPr>
+                <a:t>  </a:t>
+              </a:r>
+              <a:r>
+                <a:rPr lang="en-US" altLang="ja-JP" sz="2800" dirty="0">
+                  <a:latin typeface="Consolas" panose="020B0609020204030204" pitchFamily="49" charset="0"/>
+                </a:rPr>
+                <a:t>u</a:t>
+              </a:r>
+              <a:r>
+                <a:rPr lang="en-US" altLang="ja-JP" sz="2000" dirty="0">
+                  <a:latin typeface="Consolas" panose="020B0609020204030204" pitchFamily="49" charset="0"/>
+                </a:rPr>
+                <a:t>32</a:t>
+              </a:r>
+              <a:r>
+                <a:rPr lang="ja-JP" altLang="en-US" sz="2800" dirty="0">
+                  <a:latin typeface="Consolas" panose="020B0609020204030204" pitchFamily="49" charset="0"/>
+                </a:rPr>
+                <a:t>　</a:t>
+              </a:r>
+              <a:br>
+                <a:rPr lang="en-US" altLang="ja-JP" sz="2800" dirty="0">
+                  <a:latin typeface="Consolas" panose="020B0609020204030204" pitchFamily="49" charset="0"/>
+                </a:rPr>
+              </a:br>
+              <a:r>
+                <a:rPr lang="en-US" altLang="ja-JP" sz="2800" dirty="0">
+                  <a:latin typeface="Consolas" panose="020B0609020204030204" pitchFamily="49" charset="0"/>
+                </a:rPr>
+                <a:t>u</a:t>
+              </a:r>
+              <a:r>
+                <a:rPr lang="en-US" altLang="ja-JP" sz="2000" dirty="0">
+                  <a:latin typeface="Consolas" panose="020B0609020204030204" pitchFamily="49" charset="0"/>
+                </a:rPr>
+                <a:t>41</a:t>
+              </a:r>
+              <a:r>
+                <a:rPr lang="ja-JP" altLang="en-US" sz="2800" dirty="0">
+                  <a:latin typeface="Consolas" panose="020B0609020204030204" pitchFamily="49" charset="0"/>
+                </a:rPr>
+                <a:t>  </a:t>
+              </a:r>
+              <a:r>
+                <a:rPr lang="en-US" altLang="ja-JP" sz="2800" dirty="0">
+                  <a:latin typeface="Consolas" panose="020B0609020204030204" pitchFamily="49" charset="0"/>
+                </a:rPr>
+                <a:t>u</a:t>
+              </a:r>
+              <a:r>
+                <a:rPr lang="en-US" altLang="ja-JP" sz="2000" dirty="0">
+                  <a:latin typeface="Consolas" panose="020B0609020204030204" pitchFamily="49" charset="0"/>
+                </a:rPr>
+                <a:t>42</a:t>
+              </a:r>
+              <a:br>
+                <a:rPr lang="en-US" altLang="ja-JP" sz="2800" dirty="0">
+                  <a:latin typeface="Consolas" panose="020B0609020204030204" pitchFamily="49" charset="0"/>
+                </a:rPr>
+              </a:br>
+              <a:r>
+                <a:rPr lang="en-US" altLang="ja-JP" sz="2800" dirty="0">
+                  <a:latin typeface="Consolas" panose="020B0609020204030204" pitchFamily="49" charset="0"/>
+                </a:rPr>
+                <a:t>u</a:t>
+              </a:r>
+              <a:r>
+                <a:rPr lang="en-US" altLang="ja-JP" sz="2000" dirty="0">
+                  <a:latin typeface="Consolas" panose="020B0609020204030204" pitchFamily="49" charset="0"/>
+                </a:rPr>
+                <a:t>51</a:t>
+              </a:r>
+              <a:r>
+                <a:rPr lang="ja-JP" altLang="en-US" sz="2800" dirty="0">
+                  <a:latin typeface="Consolas" panose="020B0609020204030204" pitchFamily="49" charset="0"/>
+                </a:rPr>
+                <a:t>  </a:t>
+              </a:r>
+              <a:r>
+                <a:rPr lang="en-US" altLang="ja-JP" sz="2800" dirty="0">
+                  <a:latin typeface="Consolas" panose="020B0609020204030204" pitchFamily="49" charset="0"/>
+                </a:rPr>
+                <a:t>u</a:t>
+              </a:r>
+              <a:r>
+                <a:rPr lang="en-US" altLang="ja-JP" sz="2000" dirty="0">
+                  <a:latin typeface="Consolas" panose="020B0609020204030204" pitchFamily="49" charset="0"/>
+                </a:rPr>
+                <a:t>52</a:t>
+              </a:r>
+              <a:endParaRPr lang="zh-CN" altLang="en-US" sz="2800" dirty="0">
+                <a:latin typeface="Consolas" panose="020B0609020204030204" pitchFamily="49" charset="0"/>
+              </a:endParaRPr>
+            </a:p>
+          </p:txBody>
+        </p:sp>
+      </p:grpSp>
+      <p:grpSp>
+        <p:nvGrpSpPr>
+          <p:cNvPr id="10" name="组合 9">
+            <a:extLst>
+              <a:ext uri="{FF2B5EF4-FFF2-40B4-BE49-F238E27FC236}">
+                <a16:creationId xmlns:a16="http://schemas.microsoft.com/office/drawing/2014/main" id="{0AC7BABB-B1EA-4B63-8BF7-4AD4E9ED4100}"/>
+              </a:ext>
+            </a:extLst>
+          </p:cNvPr>
+          <p:cNvGrpSpPr/>
+          <p:nvPr/>
+        </p:nvGrpSpPr>
+        <p:grpSpPr>
+          <a:xfrm>
+            <a:off x="7121385" y="3817703"/>
+            <a:ext cx="3571459" cy="1300381"/>
+            <a:chOff x="7465945" y="3817703"/>
+            <a:chExt cx="3571459" cy="1300381"/>
+          </a:xfrm>
+        </p:grpSpPr>
+        <p:sp>
+          <p:nvSpPr>
+            <p:cNvPr id="7" name="双括号 6">
+              <a:extLst>
+                <a:ext uri="{FF2B5EF4-FFF2-40B4-BE49-F238E27FC236}">
+                  <a16:creationId xmlns:a16="http://schemas.microsoft.com/office/drawing/2014/main" id="{906D4493-E01A-473A-B2F6-0578B396814C}"/>
+                </a:ext>
+              </a:extLst>
+            </p:cNvPr>
+            <p:cNvSpPr/>
+            <p:nvPr/>
+          </p:nvSpPr>
+          <p:spPr>
+            <a:xfrm>
+              <a:off x="7465945" y="3817703"/>
+              <a:ext cx="3571459" cy="1300381"/>
+            </a:xfrm>
+            <a:prstGeom prst="bracketPair">
+              <a:avLst/>
+            </a:prstGeom>
+            <a:ln w="38100">
+              <a:solidFill>
+                <a:schemeClr val="tx1"/>
+              </a:solidFill>
+            </a:ln>
+          </p:spPr>
+          <p:style>
+            <a:lnRef idx="1">
+              <a:schemeClr val="accent1"/>
+            </a:lnRef>
+            <a:fillRef idx="0">
+              <a:schemeClr val="accent1"/>
+            </a:fillRef>
+            <a:effectRef idx="0">
+              <a:schemeClr val="accent1"/>
+            </a:effectRef>
+            <a:fontRef idx="minor">
+              <a:schemeClr val="tx1"/>
+            </a:fontRef>
+          </p:style>
+          <p:txBody>
+            <a:bodyPr rtlCol="0" anchor="ctr"/>
+            <a:lstStyle/>
+            <a:p>
+              <a:pPr algn="ctr"/>
+              <a:endParaRPr lang="zh-CN" altLang="en-US" dirty="0"/>
+            </a:p>
+          </p:txBody>
+        </p:sp>
+        <p:sp>
+          <p:nvSpPr>
+            <p:cNvPr id="9" name="文本框 8">
+              <a:extLst>
+                <a:ext uri="{FF2B5EF4-FFF2-40B4-BE49-F238E27FC236}">
+                  <a16:creationId xmlns:a16="http://schemas.microsoft.com/office/drawing/2014/main" id="{433F1CF8-5137-42BE-B949-8E928641345B}"/>
+                </a:ext>
+              </a:extLst>
+            </p:cNvPr>
+            <p:cNvSpPr txBox="1"/>
+            <p:nvPr/>
+          </p:nvSpPr>
+          <p:spPr>
+            <a:xfrm>
+              <a:off x="7601778" y="3990845"/>
+              <a:ext cx="3435626" cy="954107"/>
+            </a:xfrm>
+            <a:prstGeom prst="rect">
+              <a:avLst/>
+            </a:prstGeom>
+            <a:noFill/>
+          </p:spPr>
+          <p:txBody>
+            <a:bodyPr wrap="square" rtlCol="0">
+              <a:spAutoFit/>
+            </a:bodyPr>
+            <a:lstStyle/>
+            <a:p>
+              <a:r>
+                <a:rPr lang="en-US" altLang="ja-JP" sz="2800" dirty="0">
+                  <a:latin typeface="Consolas" panose="020B0609020204030204" pitchFamily="49" charset="0"/>
+                </a:rPr>
+                <a:t>v</a:t>
+              </a:r>
+              <a:r>
+                <a:rPr lang="en-US" altLang="ja-JP" sz="2000" dirty="0">
+                  <a:latin typeface="Consolas" panose="020B0609020204030204" pitchFamily="49" charset="0"/>
+                </a:rPr>
+                <a:t>11</a:t>
+              </a:r>
+              <a:r>
+                <a:rPr lang="ja-JP" altLang="en-US" sz="2800" dirty="0">
+                  <a:latin typeface="Consolas" panose="020B0609020204030204" pitchFamily="49" charset="0"/>
+                </a:rPr>
+                <a:t> </a:t>
+              </a:r>
+              <a:r>
+                <a:rPr lang="en-US" altLang="ja-JP" sz="2800" dirty="0">
+                  <a:latin typeface="Consolas" panose="020B0609020204030204" pitchFamily="49" charset="0"/>
+                </a:rPr>
+                <a:t>v</a:t>
+              </a:r>
+              <a:r>
+                <a:rPr lang="en-US" altLang="ja-JP" sz="2000" dirty="0">
+                  <a:latin typeface="Consolas" panose="020B0609020204030204" pitchFamily="49" charset="0"/>
+                </a:rPr>
+                <a:t>12</a:t>
+              </a:r>
+              <a:r>
+                <a:rPr lang="ja-JP" altLang="en-US" sz="2000" dirty="0">
+                  <a:latin typeface="Consolas" panose="020B0609020204030204" pitchFamily="49" charset="0"/>
+                </a:rPr>
+                <a:t>　</a:t>
+              </a:r>
+              <a:r>
+                <a:rPr lang="en-US" altLang="ja-JP" sz="2800" dirty="0">
+                  <a:latin typeface="Consolas" panose="020B0609020204030204" pitchFamily="49" charset="0"/>
+                </a:rPr>
+                <a:t>v</a:t>
+              </a:r>
+              <a:r>
+                <a:rPr lang="en-US" altLang="ja-JP" sz="2000" dirty="0">
+                  <a:latin typeface="Consolas" panose="020B0609020204030204" pitchFamily="49" charset="0"/>
+                </a:rPr>
+                <a:t>13</a:t>
+              </a:r>
+              <a:r>
+                <a:rPr lang="en-US" altLang="ja-JP" sz="2800" dirty="0">
+                  <a:latin typeface="Consolas" panose="020B0609020204030204" pitchFamily="49" charset="0"/>
+                </a:rPr>
+                <a:t> v</a:t>
+              </a:r>
+              <a:r>
+                <a:rPr lang="en-US" altLang="ja-JP" sz="2000" dirty="0">
+                  <a:latin typeface="Consolas" panose="020B0609020204030204" pitchFamily="49" charset="0"/>
+                </a:rPr>
+                <a:t>14 V15</a:t>
+              </a:r>
+              <a:r>
+                <a:rPr lang="en-US" altLang="ja-JP" sz="2800" dirty="0">
+                  <a:latin typeface="Consolas" panose="020B0609020204030204" pitchFamily="49" charset="0"/>
+                </a:rPr>
+                <a:t> </a:t>
+              </a:r>
+              <a:r>
+                <a:rPr lang="ja-JP" altLang="en-US" sz="2800" dirty="0">
+                  <a:latin typeface="Consolas" panose="020B0609020204030204" pitchFamily="49" charset="0"/>
+                </a:rPr>
+                <a:t>　　</a:t>
+              </a:r>
+              <a:br>
+                <a:rPr lang="en-US" altLang="ja-JP" sz="2800" dirty="0">
+                  <a:latin typeface="Consolas" panose="020B0609020204030204" pitchFamily="49" charset="0"/>
+                </a:rPr>
+              </a:br>
+              <a:r>
+                <a:rPr lang="en-US" altLang="ja-JP" sz="2800" dirty="0">
+                  <a:latin typeface="Consolas" panose="020B0609020204030204" pitchFamily="49" charset="0"/>
+                </a:rPr>
+                <a:t>v</a:t>
+              </a:r>
+              <a:r>
+                <a:rPr lang="en-US" altLang="ja-JP" sz="2000" dirty="0">
+                  <a:latin typeface="Consolas" panose="020B0609020204030204" pitchFamily="49" charset="0"/>
+                </a:rPr>
+                <a:t>21</a:t>
+              </a:r>
+              <a:r>
+                <a:rPr lang="ja-JP" altLang="en-US" sz="2800" dirty="0">
+                  <a:latin typeface="Consolas" panose="020B0609020204030204" pitchFamily="49" charset="0"/>
+                </a:rPr>
+                <a:t> </a:t>
+              </a:r>
+              <a:r>
+                <a:rPr lang="en-US" altLang="ja-JP" sz="2800" dirty="0">
+                  <a:latin typeface="Consolas" panose="020B0609020204030204" pitchFamily="49" charset="0"/>
+                </a:rPr>
+                <a:t>v</a:t>
+              </a:r>
+              <a:r>
+                <a:rPr lang="en-US" altLang="ja-JP" sz="2000" dirty="0">
+                  <a:latin typeface="Consolas" panose="020B0609020204030204" pitchFamily="49" charset="0"/>
+                </a:rPr>
+                <a:t>22</a:t>
+              </a:r>
+              <a:r>
+                <a:rPr lang="ja-JP" altLang="en-US" sz="2800" dirty="0">
+                  <a:latin typeface="Consolas" panose="020B0609020204030204" pitchFamily="49" charset="0"/>
+                </a:rPr>
+                <a:t> </a:t>
+              </a:r>
+              <a:r>
+                <a:rPr lang="en-US" altLang="ja-JP" sz="2800" dirty="0">
+                  <a:latin typeface="Consolas" panose="020B0609020204030204" pitchFamily="49" charset="0"/>
+                </a:rPr>
+                <a:t>v</a:t>
+              </a:r>
+              <a:r>
+                <a:rPr lang="en-US" altLang="ja-JP" sz="2000" dirty="0">
+                  <a:latin typeface="Consolas" panose="020B0609020204030204" pitchFamily="49" charset="0"/>
+                </a:rPr>
+                <a:t>23</a:t>
+              </a:r>
+              <a:r>
+                <a:rPr lang="ja-JP" altLang="en-US" sz="2000" dirty="0">
+                  <a:latin typeface="Consolas" panose="020B0609020204030204" pitchFamily="49" charset="0"/>
+                </a:rPr>
+                <a:t>　</a:t>
+              </a:r>
+              <a:r>
+                <a:rPr lang="en-US" altLang="ja-JP" sz="2800" dirty="0">
+                  <a:latin typeface="Consolas" panose="020B0609020204030204" pitchFamily="49" charset="0"/>
+                </a:rPr>
+                <a:t>v</a:t>
+              </a:r>
+              <a:r>
+                <a:rPr lang="en-US" altLang="ja-JP" sz="2000" dirty="0">
+                  <a:latin typeface="Consolas" panose="020B0609020204030204" pitchFamily="49" charset="0"/>
+                </a:rPr>
+                <a:t>24</a:t>
+              </a:r>
+              <a:r>
+                <a:rPr lang="ja-JP" altLang="en-US" sz="2800" dirty="0">
+                  <a:latin typeface="Consolas" panose="020B0609020204030204" pitchFamily="49" charset="0"/>
+                </a:rPr>
+                <a:t> </a:t>
+              </a:r>
+              <a:r>
+                <a:rPr lang="en-US" altLang="ja-JP" sz="2800" dirty="0">
+                  <a:latin typeface="Consolas" panose="020B0609020204030204" pitchFamily="49" charset="0"/>
+                </a:rPr>
+                <a:t>v</a:t>
+              </a:r>
+              <a:r>
+                <a:rPr lang="en-US" altLang="ja-JP" sz="2000" dirty="0">
+                  <a:latin typeface="Consolas" panose="020B0609020204030204" pitchFamily="49" charset="0"/>
+                </a:rPr>
+                <a:t>25</a:t>
+              </a:r>
+              <a:endParaRPr lang="zh-CN" altLang="en-US" sz="2800" dirty="0">
+                <a:latin typeface="Consolas" panose="020B0609020204030204" pitchFamily="49" charset="0"/>
+              </a:endParaRPr>
+            </a:p>
+          </p:txBody>
+        </p:sp>
+      </p:grpSp>
+      <p:sp>
+        <p:nvSpPr>
+          <p:cNvPr id="11" name="文本框 10">
+            <a:extLst>
+              <a:ext uri="{FF2B5EF4-FFF2-40B4-BE49-F238E27FC236}">
+                <a16:creationId xmlns:a16="http://schemas.microsoft.com/office/drawing/2014/main" id="{94D3871E-CCF0-4280-9E34-1898C25E08CD}"/>
+              </a:ext>
+            </a:extLst>
+          </p:cNvPr>
+          <p:cNvSpPr txBox="1"/>
+          <p:nvPr/>
+        </p:nvSpPr>
+        <p:spPr>
+          <a:xfrm>
+            <a:off x="3536126" y="3974955"/>
+            <a:ext cx="633891" cy="923330"/>
+          </a:xfrm>
+          <a:prstGeom prst="rect">
+            <a:avLst/>
+          </a:prstGeom>
+          <a:noFill/>
+        </p:spPr>
+        <p:txBody>
+          <a:bodyPr wrap="square" rtlCol="0">
+            <a:spAutoFit/>
+          </a:bodyPr>
+          <a:lstStyle/>
+          <a:p>
+            <a:r>
+              <a:rPr lang="en-US" altLang="zh-CN" sz="5400" dirty="0"/>
+              <a:t>=</a:t>
+            </a:r>
+            <a:endParaRPr lang="zh-CN" altLang="en-US" sz="5400" dirty="0"/>
+          </a:p>
+        </p:txBody>
+      </p:sp>
+      <p:sp>
+        <p:nvSpPr>
+          <p:cNvPr id="13" name="文本框 12">
+            <a:extLst>
+              <a:ext uri="{FF2B5EF4-FFF2-40B4-BE49-F238E27FC236}">
+                <a16:creationId xmlns:a16="http://schemas.microsoft.com/office/drawing/2014/main" id="{F741191B-F3BF-4405-B3A2-66BF02118AFE}"/>
+              </a:ext>
+            </a:extLst>
+          </p:cNvPr>
+          <p:cNvSpPr txBox="1"/>
+          <p:nvPr/>
+        </p:nvSpPr>
+        <p:spPr>
+          <a:xfrm>
+            <a:off x="6541211" y="4006228"/>
+            <a:ext cx="633891" cy="707886"/>
+          </a:xfrm>
+          <a:prstGeom prst="rect">
+            <a:avLst/>
+          </a:prstGeom>
+          <a:noFill/>
+        </p:spPr>
+        <p:txBody>
+          <a:bodyPr wrap="square" rtlCol="0">
+            <a:spAutoFit/>
+          </a:bodyPr>
+          <a:lstStyle/>
+          <a:p>
+            <a:r>
+              <a:rPr lang="en-US" altLang="zh-CN" sz="4000" dirty="0"/>
+              <a:t>x</a:t>
+            </a:r>
+            <a:endParaRPr lang="zh-CN" altLang="en-US" sz="4000" dirty="0"/>
+          </a:p>
+        </p:txBody>
+      </p:sp>
+      <p:sp>
+        <p:nvSpPr>
+          <p:cNvPr id="12" name="文本框 11">
+            <a:extLst>
+              <a:ext uri="{FF2B5EF4-FFF2-40B4-BE49-F238E27FC236}">
+                <a16:creationId xmlns:a16="http://schemas.microsoft.com/office/drawing/2014/main" id="{51C9729B-786C-4CC4-93AD-682F7A53D47E}"/>
+              </a:ext>
+            </a:extLst>
+          </p:cNvPr>
+          <p:cNvSpPr txBox="1"/>
+          <p:nvPr/>
+        </p:nvSpPr>
+        <p:spPr>
+          <a:xfrm>
+            <a:off x="579153" y="6093356"/>
+            <a:ext cx="2552302" cy="523220"/>
+          </a:xfrm>
+          <a:prstGeom prst="rect">
+            <a:avLst/>
+          </a:prstGeom>
+          <a:noFill/>
+        </p:spPr>
+        <p:txBody>
+          <a:bodyPr wrap="none" rtlCol="0">
+            <a:spAutoFit/>
+          </a:bodyPr>
+          <a:lstStyle/>
+          <a:p>
+            <a:r>
+              <a:rPr lang="ja-JP" altLang="en-US" sz="2800" dirty="0"/>
+              <a:t>元マトリックス</a:t>
+            </a:r>
+            <a:r>
+              <a:rPr lang="en-US" altLang="ja-JP" sz="2800" dirty="0"/>
+              <a:t>M</a:t>
+            </a:r>
+            <a:endParaRPr lang="zh-CN" altLang="en-US" sz="2800" dirty="0"/>
+          </a:p>
+        </p:txBody>
+      </p:sp>
+      <p:sp>
+        <p:nvSpPr>
+          <p:cNvPr id="15" name="文本框 14">
+            <a:extLst>
+              <a:ext uri="{FF2B5EF4-FFF2-40B4-BE49-F238E27FC236}">
+                <a16:creationId xmlns:a16="http://schemas.microsoft.com/office/drawing/2014/main" id="{AD9163E1-65B6-4EB8-8C3E-5CAED61E8B66}"/>
+              </a:ext>
+            </a:extLst>
+          </p:cNvPr>
+          <p:cNvSpPr txBox="1"/>
+          <p:nvPr/>
+        </p:nvSpPr>
+        <p:spPr>
+          <a:xfrm>
+            <a:off x="5222327" y="6101028"/>
+            <a:ext cx="415498" cy="523220"/>
+          </a:xfrm>
+          <a:prstGeom prst="rect">
+            <a:avLst/>
+          </a:prstGeom>
+          <a:noFill/>
+        </p:spPr>
+        <p:txBody>
+          <a:bodyPr wrap="none" rtlCol="0">
+            <a:spAutoFit/>
+          </a:bodyPr>
+          <a:lstStyle/>
+          <a:p>
+            <a:r>
+              <a:rPr lang="en-US" altLang="ja-JP" sz="2800" dirty="0"/>
+              <a:t>U</a:t>
+            </a:r>
+            <a:endParaRPr lang="zh-CN" altLang="en-US" sz="2800" dirty="0"/>
+          </a:p>
+        </p:txBody>
+      </p:sp>
+      <p:sp>
+        <p:nvSpPr>
+          <p:cNvPr id="16" name="文本框 15">
+            <a:extLst>
+              <a:ext uri="{FF2B5EF4-FFF2-40B4-BE49-F238E27FC236}">
+                <a16:creationId xmlns:a16="http://schemas.microsoft.com/office/drawing/2014/main" id="{5036A603-519F-4450-8F8B-7B79BF78325E}"/>
+              </a:ext>
+            </a:extLst>
+          </p:cNvPr>
+          <p:cNvSpPr txBox="1"/>
+          <p:nvPr/>
+        </p:nvSpPr>
+        <p:spPr>
+          <a:xfrm>
+            <a:off x="8712990" y="6101028"/>
+            <a:ext cx="388248" cy="523220"/>
+          </a:xfrm>
+          <a:prstGeom prst="rect">
+            <a:avLst/>
+          </a:prstGeom>
+          <a:noFill/>
+        </p:spPr>
+        <p:txBody>
+          <a:bodyPr wrap="none" rtlCol="0">
+            <a:spAutoFit/>
+          </a:bodyPr>
+          <a:lstStyle/>
+          <a:p>
+            <a:r>
+              <a:rPr lang="en-US" altLang="ja-JP" sz="2800" dirty="0"/>
+              <a:t>V</a:t>
+            </a:r>
+            <a:endParaRPr lang="zh-CN" altLang="en-US" sz="2800" dirty="0"/>
+          </a:p>
+        </p:txBody>
+      </p:sp>
     </p:spTree>
   </p:cSld>
   <p:clrMapOvr>
@@ -8884,7 +10264,1756 @@
         <p:cNvGrpSpPr/>
         <p:nvPr/>
       </p:nvGrpSpPr>
-      <p:grpSpPr/>
+      <p:grpSpPr>
+        <a:xfrm>
+          <a:off x="0" y="0"/>
+          <a:ext cx="0" cy="0"/>
+          <a:chOff x="0" y="0"/>
+          <a:chExt cx="0" cy="0"/>
+        </a:xfrm>
+      </p:grpSpPr>
+      <p:sp>
+        <p:nvSpPr>
+          <p:cNvPr id="4" name="椭圆 3">
+            <a:extLst>
+              <a:ext uri="{FF2B5EF4-FFF2-40B4-BE49-F238E27FC236}">
+                <a16:creationId xmlns:a16="http://schemas.microsoft.com/office/drawing/2014/main" id="{C78504A5-13BE-4515-9800-7983D7B75B82}"/>
+              </a:ext>
+            </a:extLst>
+          </p:cNvPr>
+          <p:cNvSpPr/>
+          <p:nvPr/>
+        </p:nvSpPr>
+        <p:spPr>
+          <a:xfrm>
+            <a:off x="3442945" y="977590"/>
+            <a:ext cx="495299" cy="494990"/>
+          </a:xfrm>
+          <a:prstGeom prst="ellipse">
+            <a:avLst/>
+          </a:prstGeom>
+          <a:solidFill>
+            <a:schemeClr val="bg1"/>
+          </a:solidFill>
+          <a:ln w="38100">
+            <a:solidFill>
+              <a:srgbClr val="FF0000"/>
+            </a:solidFill>
+          </a:ln>
+        </p:spPr>
+        <p:style>
+          <a:lnRef idx="2">
+            <a:schemeClr val="accent1">
+              <a:shade val="50000"/>
+            </a:schemeClr>
+          </a:lnRef>
+          <a:fillRef idx="1">
+            <a:schemeClr val="accent1"/>
+          </a:fillRef>
+          <a:effectRef idx="0">
+            <a:schemeClr val="accent1"/>
+          </a:effectRef>
+          <a:fontRef idx="minor">
+            <a:schemeClr val="lt1"/>
+          </a:fontRef>
+        </p:style>
+        <p:txBody>
+          <a:bodyPr rtlCol="0" anchor="ctr"/>
+          <a:lstStyle/>
+          <a:p>
+            <a:pPr algn="ctr"/>
+            <a:endParaRPr lang="zh-CN" altLang="en-US"/>
+          </a:p>
+        </p:txBody>
+      </p:sp>
+      <p:sp>
+        <p:nvSpPr>
+          <p:cNvPr id="5" name="椭圆 4">
+            <a:extLst>
+              <a:ext uri="{FF2B5EF4-FFF2-40B4-BE49-F238E27FC236}">
+                <a16:creationId xmlns:a16="http://schemas.microsoft.com/office/drawing/2014/main" id="{3F160CE9-921E-4DA3-A845-23E277BF7081}"/>
+              </a:ext>
+            </a:extLst>
+          </p:cNvPr>
+          <p:cNvSpPr/>
+          <p:nvPr/>
+        </p:nvSpPr>
+        <p:spPr>
+          <a:xfrm>
+            <a:off x="7696763" y="977590"/>
+            <a:ext cx="495299" cy="494990"/>
+          </a:xfrm>
+          <a:prstGeom prst="ellipse">
+            <a:avLst/>
+          </a:prstGeom>
+          <a:solidFill>
+            <a:schemeClr val="bg1"/>
+          </a:solidFill>
+          <a:ln w="38100">
+            <a:solidFill>
+              <a:srgbClr val="FF0000"/>
+            </a:solidFill>
+          </a:ln>
+        </p:spPr>
+        <p:style>
+          <a:lnRef idx="2">
+            <a:schemeClr val="accent1">
+              <a:shade val="50000"/>
+            </a:schemeClr>
+          </a:lnRef>
+          <a:fillRef idx="1">
+            <a:schemeClr val="accent1"/>
+          </a:fillRef>
+          <a:effectRef idx="0">
+            <a:schemeClr val="accent1"/>
+          </a:effectRef>
+          <a:fontRef idx="minor">
+            <a:schemeClr val="lt1"/>
+          </a:fontRef>
+        </p:style>
+        <p:txBody>
+          <a:bodyPr rtlCol="0" anchor="ctr"/>
+          <a:lstStyle/>
+          <a:p>
+            <a:pPr algn="ctr"/>
+            <a:endParaRPr lang="zh-CN" altLang="en-US"/>
+          </a:p>
+        </p:txBody>
+      </p:sp>
+      <p:sp>
+        <p:nvSpPr>
+          <p:cNvPr id="6" name="椭圆 5">
+            <a:extLst>
+              <a:ext uri="{FF2B5EF4-FFF2-40B4-BE49-F238E27FC236}">
+                <a16:creationId xmlns:a16="http://schemas.microsoft.com/office/drawing/2014/main" id="{08630B6A-CD7F-4BE9-93D8-46928BA5EF69}"/>
+              </a:ext>
+            </a:extLst>
+          </p:cNvPr>
+          <p:cNvSpPr/>
+          <p:nvPr/>
+        </p:nvSpPr>
+        <p:spPr>
+          <a:xfrm>
+            <a:off x="2222898" y="4480415"/>
+            <a:ext cx="495299" cy="494990"/>
+          </a:xfrm>
+          <a:prstGeom prst="ellipse">
+            <a:avLst/>
+          </a:prstGeom>
+          <a:solidFill>
+            <a:schemeClr val="bg1"/>
+          </a:solidFill>
+          <a:ln w="38100">
+            <a:solidFill>
+              <a:srgbClr val="0070C0"/>
+            </a:solidFill>
+          </a:ln>
+        </p:spPr>
+        <p:style>
+          <a:lnRef idx="2">
+            <a:schemeClr val="accent1">
+              <a:shade val="50000"/>
+            </a:schemeClr>
+          </a:lnRef>
+          <a:fillRef idx="1">
+            <a:schemeClr val="accent1"/>
+          </a:fillRef>
+          <a:effectRef idx="0">
+            <a:schemeClr val="accent1"/>
+          </a:effectRef>
+          <a:fontRef idx="minor">
+            <a:schemeClr val="lt1"/>
+          </a:fontRef>
+        </p:style>
+        <p:txBody>
+          <a:bodyPr rtlCol="0" anchor="ctr"/>
+          <a:lstStyle/>
+          <a:p>
+            <a:pPr algn="ctr"/>
+            <a:endParaRPr lang="zh-CN" altLang="en-US"/>
+          </a:p>
+        </p:txBody>
+      </p:sp>
+      <p:sp>
+        <p:nvSpPr>
+          <p:cNvPr id="7" name="椭圆 6">
+            <a:extLst>
+              <a:ext uri="{FF2B5EF4-FFF2-40B4-BE49-F238E27FC236}">
+                <a16:creationId xmlns:a16="http://schemas.microsoft.com/office/drawing/2014/main" id="{94CDDDB2-0A59-4B8C-BB92-6B08FF876A15}"/>
+              </a:ext>
+            </a:extLst>
+          </p:cNvPr>
+          <p:cNvSpPr/>
+          <p:nvPr/>
+        </p:nvSpPr>
+        <p:spPr>
+          <a:xfrm>
+            <a:off x="3330100" y="4521200"/>
+            <a:ext cx="495299" cy="494990"/>
+          </a:xfrm>
+          <a:prstGeom prst="ellipse">
+            <a:avLst/>
+          </a:prstGeom>
+          <a:solidFill>
+            <a:schemeClr val="bg1"/>
+          </a:solidFill>
+          <a:ln w="38100">
+            <a:solidFill>
+              <a:srgbClr val="0070C0"/>
+            </a:solidFill>
+          </a:ln>
+        </p:spPr>
+        <p:style>
+          <a:lnRef idx="2">
+            <a:schemeClr val="accent1">
+              <a:shade val="50000"/>
+            </a:schemeClr>
+          </a:lnRef>
+          <a:fillRef idx="1">
+            <a:schemeClr val="accent1"/>
+          </a:fillRef>
+          <a:effectRef idx="0">
+            <a:schemeClr val="accent1"/>
+          </a:effectRef>
+          <a:fontRef idx="minor">
+            <a:schemeClr val="lt1"/>
+          </a:fontRef>
+        </p:style>
+        <p:txBody>
+          <a:bodyPr rtlCol="0" anchor="ctr"/>
+          <a:lstStyle/>
+          <a:p>
+            <a:pPr algn="ctr"/>
+            <a:endParaRPr lang="zh-CN" altLang="en-US"/>
+          </a:p>
+        </p:txBody>
+      </p:sp>
+      <p:sp>
+        <p:nvSpPr>
+          <p:cNvPr id="8" name="椭圆 7">
+            <a:extLst>
+              <a:ext uri="{FF2B5EF4-FFF2-40B4-BE49-F238E27FC236}">
+                <a16:creationId xmlns:a16="http://schemas.microsoft.com/office/drawing/2014/main" id="{43985773-1F5E-4F02-87E2-9879E73C3EFE}"/>
+              </a:ext>
+            </a:extLst>
+          </p:cNvPr>
+          <p:cNvSpPr/>
+          <p:nvPr/>
+        </p:nvSpPr>
+        <p:spPr>
+          <a:xfrm>
+            <a:off x="4546387" y="4534520"/>
+            <a:ext cx="495299" cy="494990"/>
+          </a:xfrm>
+          <a:prstGeom prst="ellipse">
+            <a:avLst/>
+          </a:prstGeom>
+          <a:solidFill>
+            <a:schemeClr val="bg1"/>
+          </a:solidFill>
+          <a:ln w="38100">
+            <a:solidFill>
+              <a:srgbClr val="0070C0"/>
+            </a:solidFill>
+          </a:ln>
+        </p:spPr>
+        <p:style>
+          <a:lnRef idx="2">
+            <a:schemeClr val="accent1">
+              <a:shade val="50000"/>
+            </a:schemeClr>
+          </a:lnRef>
+          <a:fillRef idx="1">
+            <a:schemeClr val="accent1"/>
+          </a:fillRef>
+          <a:effectRef idx="0">
+            <a:schemeClr val="accent1"/>
+          </a:effectRef>
+          <a:fontRef idx="minor">
+            <a:schemeClr val="lt1"/>
+          </a:fontRef>
+        </p:style>
+        <p:txBody>
+          <a:bodyPr rtlCol="0" anchor="ctr"/>
+          <a:lstStyle/>
+          <a:p>
+            <a:pPr algn="ctr"/>
+            <a:endParaRPr lang="zh-CN" altLang="en-US"/>
+          </a:p>
+        </p:txBody>
+      </p:sp>
+      <p:sp>
+        <p:nvSpPr>
+          <p:cNvPr id="9" name="椭圆 8">
+            <a:extLst>
+              <a:ext uri="{FF2B5EF4-FFF2-40B4-BE49-F238E27FC236}">
+                <a16:creationId xmlns:a16="http://schemas.microsoft.com/office/drawing/2014/main" id="{A17A2184-C86F-4A3C-8090-2B5D7F693EC1}"/>
+              </a:ext>
+            </a:extLst>
+          </p:cNvPr>
+          <p:cNvSpPr/>
+          <p:nvPr/>
+        </p:nvSpPr>
+        <p:spPr>
+          <a:xfrm>
+            <a:off x="5867757" y="4521200"/>
+            <a:ext cx="495299" cy="494990"/>
+          </a:xfrm>
+          <a:prstGeom prst="ellipse">
+            <a:avLst/>
+          </a:prstGeom>
+          <a:solidFill>
+            <a:schemeClr val="bg1"/>
+          </a:solidFill>
+          <a:ln w="38100">
+            <a:solidFill>
+              <a:srgbClr val="0070C0"/>
+            </a:solidFill>
+          </a:ln>
+        </p:spPr>
+        <p:style>
+          <a:lnRef idx="2">
+            <a:schemeClr val="accent1">
+              <a:shade val="50000"/>
+            </a:schemeClr>
+          </a:lnRef>
+          <a:fillRef idx="1">
+            <a:schemeClr val="accent1"/>
+          </a:fillRef>
+          <a:effectRef idx="0">
+            <a:schemeClr val="accent1"/>
+          </a:effectRef>
+          <a:fontRef idx="minor">
+            <a:schemeClr val="lt1"/>
+          </a:fontRef>
+        </p:style>
+        <p:txBody>
+          <a:bodyPr rtlCol="0" anchor="ctr"/>
+          <a:lstStyle/>
+          <a:p>
+            <a:pPr algn="ctr"/>
+            <a:endParaRPr lang="zh-CN" altLang="en-US"/>
+          </a:p>
+        </p:txBody>
+      </p:sp>
+      <p:sp>
+        <p:nvSpPr>
+          <p:cNvPr id="10" name="椭圆 9">
+            <a:extLst>
+              <a:ext uri="{FF2B5EF4-FFF2-40B4-BE49-F238E27FC236}">
+                <a16:creationId xmlns:a16="http://schemas.microsoft.com/office/drawing/2014/main" id="{A1AAB618-B24E-4064-9E94-2E69999DAC78}"/>
+              </a:ext>
+            </a:extLst>
+          </p:cNvPr>
+          <p:cNvSpPr/>
+          <p:nvPr/>
+        </p:nvSpPr>
+        <p:spPr>
+          <a:xfrm>
+            <a:off x="7254873" y="4496885"/>
+            <a:ext cx="495299" cy="494990"/>
+          </a:xfrm>
+          <a:prstGeom prst="ellipse">
+            <a:avLst/>
+          </a:prstGeom>
+          <a:solidFill>
+            <a:schemeClr val="bg1"/>
+          </a:solidFill>
+          <a:ln w="38100">
+            <a:solidFill>
+              <a:srgbClr val="0070C0"/>
+            </a:solidFill>
+          </a:ln>
+        </p:spPr>
+        <p:style>
+          <a:lnRef idx="2">
+            <a:schemeClr val="accent1">
+              <a:shade val="50000"/>
+            </a:schemeClr>
+          </a:lnRef>
+          <a:fillRef idx="1">
+            <a:schemeClr val="accent1"/>
+          </a:fillRef>
+          <a:effectRef idx="0">
+            <a:schemeClr val="accent1"/>
+          </a:effectRef>
+          <a:fontRef idx="minor">
+            <a:schemeClr val="lt1"/>
+          </a:fontRef>
+        </p:style>
+        <p:txBody>
+          <a:bodyPr rtlCol="0" anchor="ctr"/>
+          <a:lstStyle/>
+          <a:p>
+            <a:pPr algn="ctr"/>
+            <a:endParaRPr lang="zh-CN" altLang="en-US"/>
+          </a:p>
+        </p:txBody>
+      </p:sp>
+      <p:sp>
+        <p:nvSpPr>
+          <p:cNvPr id="11" name="椭圆 10">
+            <a:extLst>
+              <a:ext uri="{FF2B5EF4-FFF2-40B4-BE49-F238E27FC236}">
+                <a16:creationId xmlns:a16="http://schemas.microsoft.com/office/drawing/2014/main" id="{FDB86CC9-6E7E-4BE5-9CF7-CA60AC1373E0}"/>
+              </a:ext>
+            </a:extLst>
+          </p:cNvPr>
+          <p:cNvSpPr/>
+          <p:nvPr/>
+        </p:nvSpPr>
+        <p:spPr>
+          <a:xfrm>
+            <a:off x="8560053" y="4509430"/>
+            <a:ext cx="495299" cy="494990"/>
+          </a:xfrm>
+          <a:prstGeom prst="ellipse">
+            <a:avLst/>
+          </a:prstGeom>
+          <a:solidFill>
+            <a:schemeClr val="bg1"/>
+          </a:solidFill>
+          <a:ln w="38100">
+            <a:solidFill>
+              <a:srgbClr val="0070C0"/>
+            </a:solidFill>
+          </a:ln>
+        </p:spPr>
+        <p:style>
+          <a:lnRef idx="2">
+            <a:schemeClr val="accent1">
+              <a:shade val="50000"/>
+            </a:schemeClr>
+          </a:lnRef>
+          <a:fillRef idx="1">
+            <a:schemeClr val="accent1"/>
+          </a:fillRef>
+          <a:effectRef idx="0">
+            <a:schemeClr val="accent1"/>
+          </a:effectRef>
+          <a:fontRef idx="minor">
+            <a:schemeClr val="lt1"/>
+          </a:fontRef>
+        </p:style>
+        <p:txBody>
+          <a:bodyPr rtlCol="0" anchor="ctr"/>
+          <a:lstStyle/>
+          <a:p>
+            <a:pPr algn="ctr"/>
+            <a:endParaRPr lang="zh-CN" altLang="en-US"/>
+          </a:p>
+        </p:txBody>
+      </p:sp>
+      <p:sp>
+        <p:nvSpPr>
+          <p:cNvPr id="12" name="椭圆 11">
+            <a:extLst>
+              <a:ext uri="{FF2B5EF4-FFF2-40B4-BE49-F238E27FC236}">
+                <a16:creationId xmlns:a16="http://schemas.microsoft.com/office/drawing/2014/main" id="{37C8548F-8DFC-4A0E-A757-22540A41D34C}"/>
+              </a:ext>
+            </a:extLst>
+          </p:cNvPr>
+          <p:cNvSpPr/>
+          <p:nvPr/>
+        </p:nvSpPr>
+        <p:spPr>
+          <a:xfrm>
+            <a:off x="9249593" y="2508560"/>
+            <a:ext cx="495299" cy="494990"/>
+          </a:xfrm>
+          <a:prstGeom prst="ellipse">
+            <a:avLst/>
+          </a:prstGeom>
+          <a:solidFill>
+            <a:schemeClr val="bg1"/>
+          </a:solidFill>
+          <a:ln w="38100">
+            <a:solidFill>
+              <a:schemeClr val="tx1"/>
+            </a:solidFill>
+          </a:ln>
+        </p:spPr>
+        <p:style>
+          <a:lnRef idx="2">
+            <a:schemeClr val="accent1">
+              <a:shade val="50000"/>
+            </a:schemeClr>
+          </a:lnRef>
+          <a:fillRef idx="1">
+            <a:schemeClr val="accent1"/>
+          </a:fillRef>
+          <a:effectRef idx="0">
+            <a:schemeClr val="accent1"/>
+          </a:effectRef>
+          <a:fontRef idx="minor">
+            <a:schemeClr val="lt1"/>
+          </a:fontRef>
+        </p:style>
+        <p:txBody>
+          <a:bodyPr rtlCol="0" anchor="ctr"/>
+          <a:lstStyle/>
+          <a:p>
+            <a:pPr algn="ctr"/>
+            <a:endParaRPr lang="zh-CN" altLang="en-US"/>
+          </a:p>
+        </p:txBody>
+      </p:sp>
+      <p:cxnSp>
+        <p:nvCxnSpPr>
+          <p:cNvPr id="14" name="直接连接符 13">
+            <a:extLst>
+              <a:ext uri="{FF2B5EF4-FFF2-40B4-BE49-F238E27FC236}">
+                <a16:creationId xmlns:a16="http://schemas.microsoft.com/office/drawing/2014/main" id="{4590E48D-57FC-434E-B074-C01BC253EE01}"/>
+              </a:ext>
+            </a:extLst>
+          </p:cNvPr>
+          <p:cNvCxnSpPr>
+            <a:cxnSpLocks/>
+            <a:stCxn id="4" idx="4"/>
+            <a:endCxn id="6" idx="0"/>
+          </p:cNvCxnSpPr>
+          <p:nvPr/>
+        </p:nvCxnSpPr>
+        <p:spPr>
+          <a:xfrm flipH="1">
+            <a:off x="2470548" y="1472580"/>
+            <a:ext cx="1220047" cy="3007835"/>
+          </a:xfrm>
+          <a:prstGeom prst="line">
+            <a:avLst/>
+          </a:prstGeom>
+          <a:ln w="28575">
+            <a:solidFill>
+              <a:schemeClr val="accent6"/>
+            </a:solidFill>
+          </a:ln>
+        </p:spPr>
+        <p:style>
+          <a:lnRef idx="1">
+            <a:schemeClr val="accent1"/>
+          </a:lnRef>
+          <a:fillRef idx="0">
+            <a:schemeClr val="accent1"/>
+          </a:fillRef>
+          <a:effectRef idx="0">
+            <a:schemeClr val="accent1"/>
+          </a:effectRef>
+          <a:fontRef idx="minor">
+            <a:schemeClr val="tx1"/>
+          </a:fontRef>
+        </p:style>
+      </p:cxnSp>
+      <p:cxnSp>
+        <p:nvCxnSpPr>
+          <p:cNvPr id="16" name="直接连接符 15">
+            <a:extLst>
+              <a:ext uri="{FF2B5EF4-FFF2-40B4-BE49-F238E27FC236}">
+                <a16:creationId xmlns:a16="http://schemas.microsoft.com/office/drawing/2014/main" id="{07DA564D-881C-4E2F-9FF7-1BC6E0580609}"/>
+              </a:ext>
+            </a:extLst>
+          </p:cNvPr>
+          <p:cNvCxnSpPr>
+            <a:stCxn id="4" idx="4"/>
+            <a:endCxn id="7" idx="0"/>
+          </p:cNvCxnSpPr>
+          <p:nvPr/>
+        </p:nvCxnSpPr>
+        <p:spPr>
+          <a:xfrm flipH="1">
+            <a:off x="3577750" y="1472580"/>
+            <a:ext cx="112845" cy="3048620"/>
+          </a:xfrm>
+          <a:prstGeom prst="line">
+            <a:avLst/>
+          </a:prstGeom>
+          <a:ln w="28575">
+            <a:solidFill>
+              <a:schemeClr val="accent6"/>
+            </a:solidFill>
+          </a:ln>
+        </p:spPr>
+        <p:style>
+          <a:lnRef idx="1">
+            <a:schemeClr val="accent1"/>
+          </a:lnRef>
+          <a:fillRef idx="0">
+            <a:schemeClr val="accent1"/>
+          </a:fillRef>
+          <a:effectRef idx="0">
+            <a:schemeClr val="accent1"/>
+          </a:effectRef>
+          <a:fontRef idx="minor">
+            <a:schemeClr val="tx1"/>
+          </a:fontRef>
+        </p:style>
+      </p:cxnSp>
+      <p:cxnSp>
+        <p:nvCxnSpPr>
+          <p:cNvPr id="18" name="直接连接符 17">
+            <a:extLst>
+              <a:ext uri="{FF2B5EF4-FFF2-40B4-BE49-F238E27FC236}">
+                <a16:creationId xmlns:a16="http://schemas.microsoft.com/office/drawing/2014/main" id="{42AC520F-6548-4377-95C7-7FEC9798459C}"/>
+              </a:ext>
+            </a:extLst>
+          </p:cNvPr>
+          <p:cNvCxnSpPr>
+            <a:cxnSpLocks/>
+            <a:stCxn id="4" idx="4"/>
+            <a:endCxn id="8" idx="0"/>
+          </p:cNvCxnSpPr>
+          <p:nvPr/>
+        </p:nvCxnSpPr>
+        <p:spPr>
+          <a:xfrm>
+            <a:off x="3690595" y="1472580"/>
+            <a:ext cx="1103442" cy="3061940"/>
+          </a:xfrm>
+          <a:prstGeom prst="line">
+            <a:avLst/>
+          </a:prstGeom>
+          <a:ln w="28575">
+            <a:solidFill>
+              <a:schemeClr val="accent6"/>
+            </a:solidFill>
+          </a:ln>
+        </p:spPr>
+        <p:style>
+          <a:lnRef idx="1">
+            <a:schemeClr val="accent1"/>
+          </a:lnRef>
+          <a:fillRef idx="0">
+            <a:schemeClr val="accent1"/>
+          </a:fillRef>
+          <a:effectRef idx="0">
+            <a:schemeClr val="accent1"/>
+          </a:effectRef>
+          <a:fontRef idx="minor">
+            <a:schemeClr val="tx1"/>
+          </a:fontRef>
+        </p:style>
+      </p:cxnSp>
+      <p:cxnSp>
+        <p:nvCxnSpPr>
+          <p:cNvPr id="20" name="直接连接符 19">
+            <a:extLst>
+              <a:ext uri="{FF2B5EF4-FFF2-40B4-BE49-F238E27FC236}">
+                <a16:creationId xmlns:a16="http://schemas.microsoft.com/office/drawing/2014/main" id="{EEA146DA-FEC8-415E-BDD1-9DAE37046FC4}"/>
+              </a:ext>
+            </a:extLst>
+          </p:cNvPr>
+          <p:cNvCxnSpPr>
+            <a:cxnSpLocks/>
+            <a:stCxn id="4" idx="4"/>
+            <a:endCxn id="9" idx="0"/>
+          </p:cNvCxnSpPr>
+          <p:nvPr/>
+        </p:nvCxnSpPr>
+        <p:spPr>
+          <a:xfrm>
+            <a:off x="3690595" y="1472580"/>
+            <a:ext cx="2424812" cy="3048620"/>
+          </a:xfrm>
+          <a:prstGeom prst="line">
+            <a:avLst/>
+          </a:prstGeom>
+          <a:ln w="28575">
+            <a:solidFill>
+              <a:schemeClr val="accent6"/>
+            </a:solidFill>
+          </a:ln>
+        </p:spPr>
+        <p:style>
+          <a:lnRef idx="1">
+            <a:schemeClr val="accent1"/>
+          </a:lnRef>
+          <a:fillRef idx="0">
+            <a:schemeClr val="accent1"/>
+          </a:fillRef>
+          <a:effectRef idx="0">
+            <a:schemeClr val="accent1"/>
+          </a:effectRef>
+          <a:fontRef idx="minor">
+            <a:schemeClr val="tx1"/>
+          </a:fontRef>
+        </p:style>
+      </p:cxnSp>
+      <p:cxnSp>
+        <p:nvCxnSpPr>
+          <p:cNvPr id="22" name="直接连接符 21">
+            <a:extLst>
+              <a:ext uri="{FF2B5EF4-FFF2-40B4-BE49-F238E27FC236}">
+                <a16:creationId xmlns:a16="http://schemas.microsoft.com/office/drawing/2014/main" id="{11197D2A-0D18-4939-B334-AF0A4BD20305}"/>
+              </a:ext>
+            </a:extLst>
+          </p:cNvPr>
+          <p:cNvCxnSpPr>
+            <a:cxnSpLocks/>
+            <a:stCxn id="4" idx="4"/>
+            <a:endCxn id="10" idx="0"/>
+          </p:cNvCxnSpPr>
+          <p:nvPr/>
+        </p:nvCxnSpPr>
+        <p:spPr>
+          <a:xfrm>
+            <a:off x="3690595" y="1472580"/>
+            <a:ext cx="3811928" cy="3024305"/>
+          </a:xfrm>
+          <a:prstGeom prst="line">
+            <a:avLst/>
+          </a:prstGeom>
+          <a:ln w="28575">
+            <a:solidFill>
+              <a:schemeClr val="accent6"/>
+            </a:solidFill>
+          </a:ln>
+        </p:spPr>
+        <p:style>
+          <a:lnRef idx="1">
+            <a:schemeClr val="accent1"/>
+          </a:lnRef>
+          <a:fillRef idx="0">
+            <a:schemeClr val="accent1"/>
+          </a:fillRef>
+          <a:effectRef idx="0">
+            <a:schemeClr val="accent1"/>
+          </a:effectRef>
+          <a:fontRef idx="minor">
+            <a:schemeClr val="tx1"/>
+          </a:fontRef>
+        </p:style>
+      </p:cxnSp>
+      <p:cxnSp>
+        <p:nvCxnSpPr>
+          <p:cNvPr id="28" name="直接连接符 27">
+            <a:extLst>
+              <a:ext uri="{FF2B5EF4-FFF2-40B4-BE49-F238E27FC236}">
+                <a16:creationId xmlns:a16="http://schemas.microsoft.com/office/drawing/2014/main" id="{DD41B556-893F-4C6D-BB8F-C76BC5406F5B}"/>
+              </a:ext>
+            </a:extLst>
+          </p:cNvPr>
+          <p:cNvCxnSpPr>
+            <a:stCxn id="4" idx="4"/>
+            <a:endCxn id="11" idx="0"/>
+          </p:cNvCxnSpPr>
+          <p:nvPr/>
+        </p:nvCxnSpPr>
+        <p:spPr>
+          <a:xfrm>
+            <a:off x="3690595" y="1472580"/>
+            <a:ext cx="5117108" cy="3036850"/>
+          </a:xfrm>
+          <a:prstGeom prst="line">
+            <a:avLst/>
+          </a:prstGeom>
+          <a:ln w="28575">
+            <a:solidFill>
+              <a:schemeClr val="accent6"/>
+            </a:solidFill>
+          </a:ln>
+        </p:spPr>
+        <p:style>
+          <a:lnRef idx="1">
+            <a:schemeClr val="accent1"/>
+          </a:lnRef>
+          <a:fillRef idx="0">
+            <a:schemeClr val="accent1"/>
+          </a:fillRef>
+          <a:effectRef idx="0">
+            <a:schemeClr val="accent1"/>
+          </a:effectRef>
+          <a:fontRef idx="minor">
+            <a:schemeClr val="tx1"/>
+          </a:fontRef>
+        </p:style>
+      </p:cxnSp>
+      <p:cxnSp>
+        <p:nvCxnSpPr>
+          <p:cNvPr id="30" name="直接连接符 29">
+            <a:extLst>
+              <a:ext uri="{FF2B5EF4-FFF2-40B4-BE49-F238E27FC236}">
+                <a16:creationId xmlns:a16="http://schemas.microsoft.com/office/drawing/2014/main" id="{5A07B280-3964-4997-A602-2F0B5E1AB877}"/>
+              </a:ext>
+            </a:extLst>
+          </p:cNvPr>
+          <p:cNvCxnSpPr>
+            <a:stCxn id="4" idx="4"/>
+            <a:endCxn id="12" idx="2"/>
+          </p:cNvCxnSpPr>
+          <p:nvPr/>
+        </p:nvCxnSpPr>
+        <p:spPr>
+          <a:xfrm>
+            <a:off x="3690595" y="1472580"/>
+            <a:ext cx="5558998" cy="1283475"/>
+          </a:xfrm>
+          <a:prstGeom prst="line">
+            <a:avLst/>
+          </a:prstGeom>
+          <a:ln w="28575">
+            <a:solidFill>
+              <a:schemeClr val="accent6"/>
+            </a:solidFill>
+          </a:ln>
+        </p:spPr>
+        <p:style>
+          <a:lnRef idx="1">
+            <a:schemeClr val="accent1"/>
+          </a:lnRef>
+          <a:fillRef idx="0">
+            <a:schemeClr val="accent1"/>
+          </a:fillRef>
+          <a:effectRef idx="0">
+            <a:schemeClr val="accent1"/>
+          </a:effectRef>
+          <a:fontRef idx="minor">
+            <a:schemeClr val="tx1"/>
+          </a:fontRef>
+        </p:style>
+      </p:cxnSp>
+      <p:cxnSp>
+        <p:nvCxnSpPr>
+          <p:cNvPr id="32" name="直接连接符 31">
+            <a:extLst>
+              <a:ext uri="{FF2B5EF4-FFF2-40B4-BE49-F238E27FC236}">
+                <a16:creationId xmlns:a16="http://schemas.microsoft.com/office/drawing/2014/main" id="{68BC8228-BB12-4A67-BEA0-BDF5AF0053B6}"/>
+              </a:ext>
+            </a:extLst>
+          </p:cNvPr>
+          <p:cNvCxnSpPr>
+            <a:cxnSpLocks/>
+            <a:stCxn id="5" idx="4"/>
+            <a:endCxn id="6" idx="0"/>
+          </p:cNvCxnSpPr>
+          <p:nvPr/>
+        </p:nvCxnSpPr>
+        <p:spPr>
+          <a:xfrm flipH="1">
+            <a:off x="2470548" y="1472580"/>
+            <a:ext cx="5473865" cy="3007835"/>
+          </a:xfrm>
+          <a:prstGeom prst="line">
+            <a:avLst/>
+          </a:prstGeom>
+          <a:ln w="28575">
+            <a:solidFill>
+              <a:schemeClr val="accent2"/>
+            </a:solidFill>
+          </a:ln>
+        </p:spPr>
+        <p:style>
+          <a:lnRef idx="1">
+            <a:schemeClr val="accent1"/>
+          </a:lnRef>
+          <a:fillRef idx="0">
+            <a:schemeClr val="accent1"/>
+          </a:fillRef>
+          <a:effectRef idx="0">
+            <a:schemeClr val="accent1"/>
+          </a:effectRef>
+          <a:fontRef idx="minor">
+            <a:schemeClr val="tx1"/>
+          </a:fontRef>
+        </p:style>
+      </p:cxnSp>
+      <p:cxnSp>
+        <p:nvCxnSpPr>
+          <p:cNvPr id="34" name="直接连接符 33">
+            <a:extLst>
+              <a:ext uri="{FF2B5EF4-FFF2-40B4-BE49-F238E27FC236}">
+                <a16:creationId xmlns:a16="http://schemas.microsoft.com/office/drawing/2014/main" id="{172F3E02-6BC4-4D7A-A6BA-CC12BA8DD442}"/>
+              </a:ext>
+            </a:extLst>
+          </p:cNvPr>
+          <p:cNvCxnSpPr>
+            <a:stCxn id="5" idx="4"/>
+            <a:endCxn id="7" idx="0"/>
+          </p:cNvCxnSpPr>
+          <p:nvPr/>
+        </p:nvCxnSpPr>
+        <p:spPr>
+          <a:xfrm flipH="1">
+            <a:off x="3577750" y="1472580"/>
+            <a:ext cx="4366663" cy="3048620"/>
+          </a:xfrm>
+          <a:prstGeom prst="line">
+            <a:avLst/>
+          </a:prstGeom>
+          <a:ln w="28575">
+            <a:solidFill>
+              <a:schemeClr val="accent2"/>
+            </a:solidFill>
+          </a:ln>
+        </p:spPr>
+        <p:style>
+          <a:lnRef idx="1">
+            <a:schemeClr val="accent1"/>
+          </a:lnRef>
+          <a:fillRef idx="0">
+            <a:schemeClr val="accent1"/>
+          </a:fillRef>
+          <a:effectRef idx="0">
+            <a:schemeClr val="accent1"/>
+          </a:effectRef>
+          <a:fontRef idx="minor">
+            <a:schemeClr val="tx1"/>
+          </a:fontRef>
+        </p:style>
+      </p:cxnSp>
+      <p:cxnSp>
+        <p:nvCxnSpPr>
+          <p:cNvPr id="36" name="直接连接符 35">
+            <a:extLst>
+              <a:ext uri="{FF2B5EF4-FFF2-40B4-BE49-F238E27FC236}">
+                <a16:creationId xmlns:a16="http://schemas.microsoft.com/office/drawing/2014/main" id="{4734FEA6-1803-4145-AAE8-FBF23BB4DEBC}"/>
+              </a:ext>
+            </a:extLst>
+          </p:cNvPr>
+          <p:cNvCxnSpPr>
+            <a:stCxn id="5" idx="4"/>
+            <a:endCxn id="8" idx="0"/>
+          </p:cNvCxnSpPr>
+          <p:nvPr/>
+        </p:nvCxnSpPr>
+        <p:spPr>
+          <a:xfrm flipH="1">
+            <a:off x="4794037" y="1472580"/>
+            <a:ext cx="3150376" cy="3061940"/>
+          </a:xfrm>
+          <a:prstGeom prst="line">
+            <a:avLst/>
+          </a:prstGeom>
+          <a:ln w="28575">
+            <a:solidFill>
+              <a:schemeClr val="accent2"/>
+            </a:solidFill>
+          </a:ln>
+        </p:spPr>
+        <p:style>
+          <a:lnRef idx="1">
+            <a:schemeClr val="accent1"/>
+          </a:lnRef>
+          <a:fillRef idx="0">
+            <a:schemeClr val="accent1"/>
+          </a:fillRef>
+          <a:effectRef idx="0">
+            <a:schemeClr val="accent1"/>
+          </a:effectRef>
+          <a:fontRef idx="minor">
+            <a:schemeClr val="tx1"/>
+          </a:fontRef>
+        </p:style>
+      </p:cxnSp>
+      <p:cxnSp>
+        <p:nvCxnSpPr>
+          <p:cNvPr id="38" name="直接连接符 37">
+            <a:extLst>
+              <a:ext uri="{FF2B5EF4-FFF2-40B4-BE49-F238E27FC236}">
+                <a16:creationId xmlns:a16="http://schemas.microsoft.com/office/drawing/2014/main" id="{24735593-641E-482B-9FD2-E4B8B09B8F9F}"/>
+              </a:ext>
+            </a:extLst>
+          </p:cNvPr>
+          <p:cNvCxnSpPr>
+            <a:stCxn id="5" idx="4"/>
+            <a:endCxn id="9" idx="0"/>
+          </p:cNvCxnSpPr>
+          <p:nvPr/>
+        </p:nvCxnSpPr>
+        <p:spPr>
+          <a:xfrm flipH="1">
+            <a:off x="6115407" y="1472580"/>
+            <a:ext cx="1829006" cy="3048620"/>
+          </a:xfrm>
+          <a:prstGeom prst="line">
+            <a:avLst/>
+          </a:prstGeom>
+          <a:ln w="28575">
+            <a:solidFill>
+              <a:schemeClr val="accent2"/>
+            </a:solidFill>
+          </a:ln>
+        </p:spPr>
+        <p:style>
+          <a:lnRef idx="1">
+            <a:schemeClr val="accent1"/>
+          </a:lnRef>
+          <a:fillRef idx="0">
+            <a:schemeClr val="accent1"/>
+          </a:fillRef>
+          <a:effectRef idx="0">
+            <a:schemeClr val="accent1"/>
+          </a:effectRef>
+          <a:fontRef idx="minor">
+            <a:schemeClr val="tx1"/>
+          </a:fontRef>
+        </p:style>
+      </p:cxnSp>
+      <p:cxnSp>
+        <p:nvCxnSpPr>
+          <p:cNvPr id="40" name="直接连接符 39">
+            <a:extLst>
+              <a:ext uri="{FF2B5EF4-FFF2-40B4-BE49-F238E27FC236}">
+                <a16:creationId xmlns:a16="http://schemas.microsoft.com/office/drawing/2014/main" id="{9F64EEBB-B093-43DE-AEA9-F14ADA303AA3}"/>
+              </a:ext>
+            </a:extLst>
+          </p:cNvPr>
+          <p:cNvCxnSpPr>
+            <a:stCxn id="5" idx="4"/>
+            <a:endCxn id="10" idx="0"/>
+          </p:cNvCxnSpPr>
+          <p:nvPr/>
+        </p:nvCxnSpPr>
+        <p:spPr>
+          <a:xfrm flipH="1">
+            <a:off x="7502523" y="1472580"/>
+            <a:ext cx="441890" cy="3024305"/>
+          </a:xfrm>
+          <a:prstGeom prst="line">
+            <a:avLst/>
+          </a:prstGeom>
+          <a:ln w="28575">
+            <a:solidFill>
+              <a:schemeClr val="accent2"/>
+            </a:solidFill>
+          </a:ln>
+        </p:spPr>
+        <p:style>
+          <a:lnRef idx="1">
+            <a:schemeClr val="accent1"/>
+          </a:lnRef>
+          <a:fillRef idx="0">
+            <a:schemeClr val="accent1"/>
+          </a:fillRef>
+          <a:effectRef idx="0">
+            <a:schemeClr val="accent1"/>
+          </a:effectRef>
+          <a:fontRef idx="minor">
+            <a:schemeClr val="tx1"/>
+          </a:fontRef>
+        </p:style>
+      </p:cxnSp>
+      <p:cxnSp>
+        <p:nvCxnSpPr>
+          <p:cNvPr id="42" name="直接连接符 41">
+            <a:extLst>
+              <a:ext uri="{FF2B5EF4-FFF2-40B4-BE49-F238E27FC236}">
+                <a16:creationId xmlns:a16="http://schemas.microsoft.com/office/drawing/2014/main" id="{4322D816-0944-4880-8E5E-B07C84CBDC30}"/>
+              </a:ext>
+            </a:extLst>
+          </p:cNvPr>
+          <p:cNvCxnSpPr>
+            <a:stCxn id="5" idx="4"/>
+            <a:endCxn id="11" idx="0"/>
+          </p:cNvCxnSpPr>
+          <p:nvPr/>
+        </p:nvCxnSpPr>
+        <p:spPr>
+          <a:xfrm>
+            <a:off x="7944413" y="1472580"/>
+            <a:ext cx="863290" cy="3036850"/>
+          </a:xfrm>
+          <a:prstGeom prst="line">
+            <a:avLst/>
+          </a:prstGeom>
+          <a:ln w="28575">
+            <a:solidFill>
+              <a:schemeClr val="accent2"/>
+            </a:solidFill>
+          </a:ln>
+        </p:spPr>
+        <p:style>
+          <a:lnRef idx="1">
+            <a:schemeClr val="accent1"/>
+          </a:lnRef>
+          <a:fillRef idx="0">
+            <a:schemeClr val="accent1"/>
+          </a:fillRef>
+          <a:effectRef idx="0">
+            <a:schemeClr val="accent1"/>
+          </a:effectRef>
+          <a:fontRef idx="minor">
+            <a:schemeClr val="tx1"/>
+          </a:fontRef>
+        </p:style>
+      </p:cxnSp>
+      <p:cxnSp>
+        <p:nvCxnSpPr>
+          <p:cNvPr id="44" name="直接连接符 43">
+            <a:extLst>
+              <a:ext uri="{FF2B5EF4-FFF2-40B4-BE49-F238E27FC236}">
+                <a16:creationId xmlns:a16="http://schemas.microsoft.com/office/drawing/2014/main" id="{57CE24A1-BCEA-4945-8D67-AB3CDB00663B}"/>
+              </a:ext>
+            </a:extLst>
+          </p:cNvPr>
+          <p:cNvCxnSpPr>
+            <a:stCxn id="5" idx="4"/>
+            <a:endCxn id="12" idx="2"/>
+          </p:cNvCxnSpPr>
+          <p:nvPr/>
+        </p:nvCxnSpPr>
+        <p:spPr>
+          <a:xfrm>
+            <a:off x="7944413" y="1472580"/>
+            <a:ext cx="1305180" cy="1283475"/>
+          </a:xfrm>
+          <a:prstGeom prst="line">
+            <a:avLst/>
+          </a:prstGeom>
+          <a:ln w="28575">
+            <a:solidFill>
+              <a:schemeClr val="accent2"/>
+            </a:solidFill>
+          </a:ln>
+        </p:spPr>
+        <p:style>
+          <a:lnRef idx="1">
+            <a:schemeClr val="accent1"/>
+          </a:lnRef>
+          <a:fillRef idx="0">
+            <a:schemeClr val="accent1"/>
+          </a:fillRef>
+          <a:effectRef idx="0">
+            <a:schemeClr val="accent1"/>
+          </a:effectRef>
+          <a:fontRef idx="minor">
+            <a:schemeClr val="tx1"/>
+          </a:fontRef>
+        </p:style>
+      </p:cxnSp>
+      <p:cxnSp>
+        <p:nvCxnSpPr>
+          <p:cNvPr id="46" name="直接连接符 45">
+            <a:extLst>
+              <a:ext uri="{FF2B5EF4-FFF2-40B4-BE49-F238E27FC236}">
+                <a16:creationId xmlns:a16="http://schemas.microsoft.com/office/drawing/2014/main" id="{14A4C11A-09F5-4320-ABDF-4E22353CF0CD}"/>
+              </a:ext>
+            </a:extLst>
+          </p:cNvPr>
+          <p:cNvCxnSpPr>
+            <a:cxnSpLocks/>
+            <a:stCxn id="12" idx="2"/>
+            <a:endCxn id="6" idx="0"/>
+          </p:cNvCxnSpPr>
+          <p:nvPr/>
+        </p:nvCxnSpPr>
+        <p:spPr>
+          <a:xfrm flipH="1">
+            <a:off x="2470548" y="2756055"/>
+            <a:ext cx="6779045" cy="1724360"/>
+          </a:xfrm>
+          <a:prstGeom prst="line">
+            <a:avLst/>
+          </a:prstGeom>
+          <a:ln w="28575">
+            <a:solidFill>
+              <a:schemeClr val="tx1"/>
+            </a:solidFill>
+          </a:ln>
+        </p:spPr>
+        <p:style>
+          <a:lnRef idx="1">
+            <a:schemeClr val="accent1"/>
+          </a:lnRef>
+          <a:fillRef idx="0">
+            <a:schemeClr val="accent1"/>
+          </a:fillRef>
+          <a:effectRef idx="0">
+            <a:schemeClr val="accent1"/>
+          </a:effectRef>
+          <a:fontRef idx="minor">
+            <a:schemeClr val="tx1"/>
+          </a:fontRef>
+        </p:style>
+      </p:cxnSp>
+      <p:cxnSp>
+        <p:nvCxnSpPr>
+          <p:cNvPr id="48" name="直接连接符 47">
+            <a:extLst>
+              <a:ext uri="{FF2B5EF4-FFF2-40B4-BE49-F238E27FC236}">
+                <a16:creationId xmlns:a16="http://schemas.microsoft.com/office/drawing/2014/main" id="{786B6864-C232-4A50-A538-F07191AED042}"/>
+              </a:ext>
+            </a:extLst>
+          </p:cNvPr>
+          <p:cNvCxnSpPr>
+            <a:stCxn id="12" idx="2"/>
+            <a:endCxn id="7" idx="0"/>
+          </p:cNvCxnSpPr>
+          <p:nvPr/>
+        </p:nvCxnSpPr>
+        <p:spPr>
+          <a:xfrm flipH="1">
+            <a:off x="3577750" y="2756055"/>
+            <a:ext cx="5671843" cy="1765145"/>
+          </a:xfrm>
+          <a:prstGeom prst="line">
+            <a:avLst/>
+          </a:prstGeom>
+          <a:ln w="28575">
+            <a:solidFill>
+              <a:schemeClr val="tx1"/>
+            </a:solidFill>
+          </a:ln>
+        </p:spPr>
+        <p:style>
+          <a:lnRef idx="1">
+            <a:schemeClr val="accent1"/>
+          </a:lnRef>
+          <a:fillRef idx="0">
+            <a:schemeClr val="accent1"/>
+          </a:fillRef>
+          <a:effectRef idx="0">
+            <a:schemeClr val="accent1"/>
+          </a:effectRef>
+          <a:fontRef idx="minor">
+            <a:schemeClr val="tx1"/>
+          </a:fontRef>
+        </p:style>
+      </p:cxnSp>
+      <p:cxnSp>
+        <p:nvCxnSpPr>
+          <p:cNvPr id="50" name="直接连接符 49">
+            <a:extLst>
+              <a:ext uri="{FF2B5EF4-FFF2-40B4-BE49-F238E27FC236}">
+                <a16:creationId xmlns:a16="http://schemas.microsoft.com/office/drawing/2014/main" id="{71C6F0C7-6D41-4F4F-A86E-F40F48132BD6}"/>
+              </a:ext>
+            </a:extLst>
+          </p:cNvPr>
+          <p:cNvCxnSpPr>
+            <a:stCxn id="12" idx="2"/>
+            <a:endCxn id="8" idx="0"/>
+          </p:cNvCxnSpPr>
+          <p:nvPr/>
+        </p:nvCxnSpPr>
+        <p:spPr>
+          <a:xfrm flipH="1">
+            <a:off x="4794037" y="2756055"/>
+            <a:ext cx="4455556" cy="1778465"/>
+          </a:xfrm>
+          <a:prstGeom prst="line">
+            <a:avLst/>
+          </a:prstGeom>
+          <a:ln w="28575">
+            <a:solidFill>
+              <a:schemeClr val="tx1"/>
+            </a:solidFill>
+          </a:ln>
+        </p:spPr>
+        <p:style>
+          <a:lnRef idx="1">
+            <a:schemeClr val="accent1"/>
+          </a:lnRef>
+          <a:fillRef idx="0">
+            <a:schemeClr val="accent1"/>
+          </a:fillRef>
+          <a:effectRef idx="0">
+            <a:schemeClr val="accent1"/>
+          </a:effectRef>
+          <a:fontRef idx="minor">
+            <a:schemeClr val="tx1"/>
+          </a:fontRef>
+        </p:style>
+      </p:cxnSp>
+      <p:cxnSp>
+        <p:nvCxnSpPr>
+          <p:cNvPr id="52" name="直接连接符 51">
+            <a:extLst>
+              <a:ext uri="{FF2B5EF4-FFF2-40B4-BE49-F238E27FC236}">
+                <a16:creationId xmlns:a16="http://schemas.microsoft.com/office/drawing/2014/main" id="{886FA41E-9169-4915-B59C-4F1ACF40024C}"/>
+              </a:ext>
+            </a:extLst>
+          </p:cNvPr>
+          <p:cNvCxnSpPr>
+            <a:stCxn id="12" idx="2"/>
+            <a:endCxn id="9" idx="0"/>
+          </p:cNvCxnSpPr>
+          <p:nvPr/>
+        </p:nvCxnSpPr>
+        <p:spPr>
+          <a:xfrm flipH="1">
+            <a:off x="6115407" y="2756055"/>
+            <a:ext cx="3134186" cy="1765145"/>
+          </a:xfrm>
+          <a:prstGeom prst="line">
+            <a:avLst/>
+          </a:prstGeom>
+          <a:ln w="28575">
+            <a:solidFill>
+              <a:schemeClr val="tx1"/>
+            </a:solidFill>
+          </a:ln>
+        </p:spPr>
+        <p:style>
+          <a:lnRef idx="1">
+            <a:schemeClr val="accent1"/>
+          </a:lnRef>
+          <a:fillRef idx="0">
+            <a:schemeClr val="accent1"/>
+          </a:fillRef>
+          <a:effectRef idx="0">
+            <a:schemeClr val="accent1"/>
+          </a:effectRef>
+          <a:fontRef idx="minor">
+            <a:schemeClr val="tx1"/>
+          </a:fontRef>
+        </p:style>
+      </p:cxnSp>
+      <p:cxnSp>
+        <p:nvCxnSpPr>
+          <p:cNvPr id="54" name="直接连接符 53">
+            <a:extLst>
+              <a:ext uri="{FF2B5EF4-FFF2-40B4-BE49-F238E27FC236}">
+                <a16:creationId xmlns:a16="http://schemas.microsoft.com/office/drawing/2014/main" id="{BC8621A8-2003-4CF0-BF75-52A669B31814}"/>
+              </a:ext>
+            </a:extLst>
+          </p:cNvPr>
+          <p:cNvCxnSpPr>
+            <a:stCxn id="12" idx="2"/>
+            <a:endCxn id="10" idx="0"/>
+          </p:cNvCxnSpPr>
+          <p:nvPr/>
+        </p:nvCxnSpPr>
+        <p:spPr>
+          <a:xfrm flipH="1">
+            <a:off x="7502523" y="2756055"/>
+            <a:ext cx="1747070" cy="1740830"/>
+          </a:xfrm>
+          <a:prstGeom prst="line">
+            <a:avLst/>
+          </a:prstGeom>
+          <a:ln w="28575">
+            <a:solidFill>
+              <a:schemeClr val="tx1"/>
+            </a:solidFill>
+          </a:ln>
+        </p:spPr>
+        <p:style>
+          <a:lnRef idx="1">
+            <a:schemeClr val="accent1"/>
+          </a:lnRef>
+          <a:fillRef idx="0">
+            <a:schemeClr val="accent1"/>
+          </a:fillRef>
+          <a:effectRef idx="0">
+            <a:schemeClr val="accent1"/>
+          </a:effectRef>
+          <a:fontRef idx="minor">
+            <a:schemeClr val="tx1"/>
+          </a:fontRef>
+        </p:style>
+      </p:cxnSp>
+      <p:cxnSp>
+        <p:nvCxnSpPr>
+          <p:cNvPr id="56" name="直接连接符 55">
+            <a:extLst>
+              <a:ext uri="{FF2B5EF4-FFF2-40B4-BE49-F238E27FC236}">
+                <a16:creationId xmlns:a16="http://schemas.microsoft.com/office/drawing/2014/main" id="{D2959BB0-3B1F-45D9-9FB9-175F9076534B}"/>
+              </a:ext>
+            </a:extLst>
+          </p:cNvPr>
+          <p:cNvCxnSpPr>
+            <a:stCxn id="12" idx="2"/>
+            <a:endCxn id="11" idx="0"/>
+          </p:cNvCxnSpPr>
+          <p:nvPr/>
+        </p:nvCxnSpPr>
+        <p:spPr>
+          <a:xfrm flipH="1">
+            <a:off x="8807703" y="2756055"/>
+            <a:ext cx="441890" cy="1753375"/>
+          </a:xfrm>
+          <a:prstGeom prst="line">
+            <a:avLst/>
+          </a:prstGeom>
+          <a:ln w="28575">
+            <a:solidFill>
+              <a:schemeClr val="tx1"/>
+            </a:solidFill>
+          </a:ln>
+        </p:spPr>
+        <p:style>
+          <a:lnRef idx="1">
+            <a:schemeClr val="accent1"/>
+          </a:lnRef>
+          <a:fillRef idx="0">
+            <a:schemeClr val="accent1"/>
+          </a:fillRef>
+          <a:effectRef idx="0">
+            <a:schemeClr val="accent1"/>
+          </a:effectRef>
+          <a:fontRef idx="minor">
+            <a:schemeClr val="tx1"/>
+          </a:fontRef>
+        </p:style>
+      </p:cxnSp>
+      <p:sp>
+        <p:nvSpPr>
+          <p:cNvPr id="62" name="文本框 61">
+            <a:extLst>
+              <a:ext uri="{FF2B5EF4-FFF2-40B4-BE49-F238E27FC236}">
+                <a16:creationId xmlns:a16="http://schemas.microsoft.com/office/drawing/2014/main" id="{1CEF129E-9286-4B9D-8EAE-3B28CD7FD8E7}"/>
+              </a:ext>
+            </a:extLst>
+          </p:cNvPr>
+          <p:cNvSpPr txBox="1"/>
+          <p:nvPr/>
+        </p:nvSpPr>
+        <p:spPr>
+          <a:xfrm>
+            <a:off x="8199346" y="977590"/>
+            <a:ext cx="877163" cy="369332"/>
+          </a:xfrm>
+          <a:prstGeom prst="rect">
+            <a:avLst/>
+          </a:prstGeom>
+          <a:noFill/>
+        </p:spPr>
+        <p:txBody>
+          <a:bodyPr wrap="none" rtlCol="0">
+            <a:spAutoFit/>
+          </a:bodyPr>
+          <a:lstStyle/>
+          <a:p>
+            <a:r>
+              <a:rPr lang="ja-JP" altLang="en-US" b="1" dirty="0">
+                <a:solidFill>
+                  <a:srgbClr val="FF0000"/>
+                </a:solidFill>
+              </a:rPr>
+              <a:t>隠れ層</a:t>
+            </a:r>
+            <a:endParaRPr lang="zh-CN" altLang="en-US" b="1" dirty="0">
+              <a:solidFill>
+                <a:srgbClr val="FF0000"/>
+              </a:solidFill>
+            </a:endParaRPr>
+          </a:p>
+        </p:txBody>
+      </p:sp>
+      <p:sp>
+        <p:nvSpPr>
+          <p:cNvPr id="85" name="文本框 84">
+            <a:extLst>
+              <a:ext uri="{FF2B5EF4-FFF2-40B4-BE49-F238E27FC236}">
+                <a16:creationId xmlns:a16="http://schemas.microsoft.com/office/drawing/2014/main" id="{CFFA8D0E-C72B-4F15-BBB1-B81136DB1CAA}"/>
+              </a:ext>
+            </a:extLst>
+          </p:cNvPr>
+          <p:cNvSpPr txBox="1"/>
+          <p:nvPr/>
+        </p:nvSpPr>
+        <p:spPr>
+          <a:xfrm>
+            <a:off x="8930712" y="2132956"/>
+            <a:ext cx="1026243" cy="369332"/>
+          </a:xfrm>
+          <a:prstGeom prst="rect">
+            <a:avLst/>
+          </a:prstGeom>
+          <a:noFill/>
+        </p:spPr>
+        <p:txBody>
+          <a:bodyPr wrap="none" rtlCol="0">
+            <a:spAutoFit/>
+          </a:bodyPr>
+          <a:lstStyle/>
+          <a:p>
+            <a:r>
+              <a:rPr lang="ja-JP" altLang="en-US" b="1" dirty="0"/>
+              <a:t>バイアス</a:t>
+            </a:r>
+            <a:endParaRPr lang="zh-CN" altLang="en-US" b="1" dirty="0"/>
+          </a:p>
+        </p:txBody>
+      </p:sp>
+      <p:sp>
+        <p:nvSpPr>
+          <p:cNvPr id="86" name="文本框 85">
+            <a:extLst>
+              <a:ext uri="{FF2B5EF4-FFF2-40B4-BE49-F238E27FC236}">
+                <a16:creationId xmlns:a16="http://schemas.microsoft.com/office/drawing/2014/main" id="{2CA90D56-3A60-4344-8EE5-A98292E4DE4B}"/>
+              </a:ext>
+            </a:extLst>
+          </p:cNvPr>
+          <p:cNvSpPr txBox="1"/>
+          <p:nvPr/>
+        </p:nvSpPr>
+        <p:spPr>
+          <a:xfrm>
+            <a:off x="8991148" y="4346033"/>
+            <a:ext cx="881973" cy="369332"/>
+          </a:xfrm>
+          <a:prstGeom prst="rect">
+            <a:avLst/>
+          </a:prstGeom>
+          <a:noFill/>
+        </p:spPr>
+        <p:txBody>
+          <a:bodyPr wrap="none" rtlCol="0">
+            <a:spAutoFit/>
+          </a:bodyPr>
+          <a:lstStyle/>
+          <a:p>
+            <a:r>
+              <a:rPr lang="ja-JP" altLang="en-US" b="1" dirty="0">
+                <a:solidFill>
+                  <a:srgbClr val="0070C0"/>
+                </a:solidFill>
+              </a:rPr>
+              <a:t>可視層</a:t>
+            </a:r>
+            <a:endParaRPr lang="zh-CN" altLang="en-US" b="1" dirty="0">
+              <a:solidFill>
+                <a:srgbClr val="0070C0"/>
+              </a:solidFill>
+            </a:endParaRPr>
+          </a:p>
+        </p:txBody>
+      </p:sp>
+      <p:sp>
+        <p:nvSpPr>
+          <p:cNvPr id="87" name="文本框 86">
+            <a:extLst>
+              <a:ext uri="{FF2B5EF4-FFF2-40B4-BE49-F238E27FC236}">
+                <a16:creationId xmlns:a16="http://schemas.microsoft.com/office/drawing/2014/main" id="{F5A2A3C4-54C7-4780-89AD-38D2C32B2A5B}"/>
+              </a:ext>
+            </a:extLst>
+          </p:cNvPr>
+          <p:cNvSpPr txBox="1"/>
+          <p:nvPr/>
+        </p:nvSpPr>
+        <p:spPr>
+          <a:xfrm>
+            <a:off x="1833518" y="5383181"/>
+            <a:ext cx="1287532" cy="307777"/>
+          </a:xfrm>
+          <a:prstGeom prst="rect">
+            <a:avLst/>
+          </a:prstGeom>
+          <a:noFill/>
+        </p:spPr>
+        <p:txBody>
+          <a:bodyPr wrap="none" rtlCol="0">
+            <a:spAutoFit/>
+          </a:bodyPr>
+          <a:lstStyle/>
+          <a:p>
+            <a:r>
+              <a:rPr lang="ja-JP" altLang="en-US" sz="1400" b="1" dirty="0"/>
+              <a:t>ハリーポッター</a:t>
+            </a:r>
+            <a:endParaRPr lang="zh-CN" altLang="en-US" sz="1400" b="1" dirty="0"/>
+          </a:p>
+        </p:txBody>
+      </p:sp>
+      <p:sp>
+        <p:nvSpPr>
+          <p:cNvPr id="88" name="文本框 87">
+            <a:extLst>
+              <a:ext uri="{FF2B5EF4-FFF2-40B4-BE49-F238E27FC236}">
+                <a16:creationId xmlns:a16="http://schemas.microsoft.com/office/drawing/2014/main" id="{D2911471-60B4-419B-B439-24D17D4F7C55}"/>
+              </a:ext>
+            </a:extLst>
+          </p:cNvPr>
+          <p:cNvSpPr txBox="1"/>
+          <p:nvPr/>
+        </p:nvSpPr>
+        <p:spPr>
+          <a:xfrm>
+            <a:off x="3212988" y="5376438"/>
+            <a:ext cx="1026243" cy="307777"/>
+          </a:xfrm>
+          <a:prstGeom prst="rect">
+            <a:avLst/>
+          </a:prstGeom>
+          <a:noFill/>
+        </p:spPr>
+        <p:txBody>
+          <a:bodyPr wrap="square" rtlCol="0">
+            <a:spAutoFit/>
+          </a:bodyPr>
+          <a:lstStyle/>
+          <a:p>
+            <a:r>
+              <a:rPr lang="ja-JP" altLang="en-US" sz="1400" b="1" dirty="0"/>
+              <a:t>アバター</a:t>
+            </a:r>
+            <a:endParaRPr lang="zh-CN" altLang="en-US" sz="1400" b="1" dirty="0"/>
+          </a:p>
+        </p:txBody>
+      </p:sp>
+      <p:sp>
+        <p:nvSpPr>
+          <p:cNvPr id="89" name="文本框 88">
+            <a:extLst>
+              <a:ext uri="{FF2B5EF4-FFF2-40B4-BE49-F238E27FC236}">
+                <a16:creationId xmlns:a16="http://schemas.microsoft.com/office/drawing/2014/main" id="{431FC19F-1EF1-4C06-81DB-9A635A1F0970}"/>
+              </a:ext>
+            </a:extLst>
+          </p:cNvPr>
+          <p:cNvSpPr txBox="1"/>
+          <p:nvPr/>
+        </p:nvSpPr>
+        <p:spPr>
+          <a:xfrm>
+            <a:off x="4188182" y="5384916"/>
+            <a:ext cx="1322798" cy="307777"/>
+          </a:xfrm>
+          <a:prstGeom prst="rect">
+            <a:avLst/>
+          </a:prstGeom>
+          <a:noFill/>
+        </p:spPr>
+        <p:txBody>
+          <a:bodyPr wrap="none" rtlCol="0">
+            <a:spAutoFit/>
+          </a:bodyPr>
+          <a:lstStyle/>
+          <a:p>
+            <a:r>
+              <a:rPr lang="ja-JP" altLang="en-US" sz="1400" b="1" dirty="0"/>
+              <a:t>スターウォーズ</a:t>
+            </a:r>
+            <a:endParaRPr lang="zh-CN" altLang="en-US" sz="1400" b="1" dirty="0"/>
+          </a:p>
+        </p:txBody>
+      </p:sp>
+      <p:sp>
+        <p:nvSpPr>
+          <p:cNvPr id="90" name="文本框 89">
+            <a:extLst>
+              <a:ext uri="{FF2B5EF4-FFF2-40B4-BE49-F238E27FC236}">
+                <a16:creationId xmlns:a16="http://schemas.microsoft.com/office/drawing/2014/main" id="{FB1E3C86-BFD1-483C-BC56-211F9B492F2A}"/>
+              </a:ext>
+            </a:extLst>
+          </p:cNvPr>
+          <p:cNvSpPr txBox="1"/>
+          <p:nvPr/>
+        </p:nvSpPr>
+        <p:spPr>
+          <a:xfrm>
+            <a:off x="5596559" y="5387441"/>
+            <a:ext cx="1051891" cy="307777"/>
+          </a:xfrm>
+          <a:prstGeom prst="rect">
+            <a:avLst/>
+          </a:prstGeom>
+          <a:noFill/>
+        </p:spPr>
+        <p:txBody>
+          <a:bodyPr wrap="none" rtlCol="0">
+            <a:spAutoFit/>
+          </a:bodyPr>
+          <a:lstStyle/>
+          <a:p>
+            <a:r>
+              <a:rPr lang="ja-JP" altLang="en-US" sz="1400" b="1" dirty="0"/>
+              <a:t>タイタニック</a:t>
+            </a:r>
+            <a:endParaRPr lang="zh-CN" altLang="en-US" sz="1400" b="1" dirty="0"/>
+          </a:p>
+        </p:txBody>
+      </p:sp>
+      <p:sp>
+        <p:nvSpPr>
+          <p:cNvPr id="91" name="文本框 90">
+            <a:extLst>
+              <a:ext uri="{FF2B5EF4-FFF2-40B4-BE49-F238E27FC236}">
+                <a16:creationId xmlns:a16="http://schemas.microsoft.com/office/drawing/2014/main" id="{3A983873-3784-438F-8E3B-051BA146D5B2}"/>
+              </a:ext>
+            </a:extLst>
+          </p:cNvPr>
+          <p:cNvSpPr txBox="1"/>
+          <p:nvPr/>
+        </p:nvSpPr>
+        <p:spPr>
+          <a:xfrm>
+            <a:off x="7199394" y="5387445"/>
+            <a:ext cx="606256" cy="307777"/>
+          </a:xfrm>
+          <a:prstGeom prst="rect">
+            <a:avLst/>
+          </a:prstGeom>
+          <a:noFill/>
+        </p:spPr>
+        <p:txBody>
+          <a:bodyPr wrap="none" rtlCol="0">
+            <a:spAutoFit/>
+          </a:bodyPr>
+          <a:lstStyle/>
+          <a:p>
+            <a:r>
+              <a:rPr lang="ja-JP" altLang="en-US" sz="1400" b="1" dirty="0"/>
+              <a:t>トロイ</a:t>
+            </a:r>
+            <a:endParaRPr lang="zh-CN" altLang="en-US" sz="1400" b="1" dirty="0"/>
+          </a:p>
+        </p:txBody>
+      </p:sp>
+      <p:sp>
+        <p:nvSpPr>
+          <p:cNvPr id="92" name="文本框 91">
+            <a:extLst>
+              <a:ext uri="{FF2B5EF4-FFF2-40B4-BE49-F238E27FC236}">
+                <a16:creationId xmlns:a16="http://schemas.microsoft.com/office/drawing/2014/main" id="{9520048A-6C99-43E2-9B48-612930186650}"/>
+              </a:ext>
+            </a:extLst>
+          </p:cNvPr>
+          <p:cNvSpPr txBox="1"/>
+          <p:nvPr/>
+        </p:nvSpPr>
+        <p:spPr>
+          <a:xfrm>
+            <a:off x="8376058" y="5388822"/>
+            <a:ext cx="1042273" cy="307777"/>
+          </a:xfrm>
+          <a:prstGeom prst="rect">
+            <a:avLst/>
+          </a:prstGeom>
+          <a:noFill/>
+        </p:spPr>
+        <p:txBody>
+          <a:bodyPr wrap="none" rtlCol="0">
+            <a:spAutoFit/>
+          </a:bodyPr>
+          <a:lstStyle/>
+          <a:p>
+            <a:r>
+              <a:rPr lang="ja-JP" altLang="en-US" sz="1400" b="1" dirty="0"/>
+              <a:t>ハンニバル</a:t>
+            </a:r>
+            <a:endParaRPr lang="zh-CN" altLang="en-US" sz="1400" b="1" dirty="0"/>
+          </a:p>
+        </p:txBody>
+      </p:sp>
+    </p:spTree>
+    <p:extLst>
+      <p:ext uri="{BB962C8B-B14F-4D97-AF65-F5344CB8AC3E}">
+        <p14:creationId xmlns:p14="http://schemas.microsoft.com/office/powerpoint/2010/main" val="1749524914"/>
+      </p:ext>
+    </p:extLst>
+  </p:cSld>
+  <p:clrMapOvr>
+    <a:masterClrMapping/>
+  </p:clrMapOvr>
+</p:sld>
+</file>
+
+<file path=ppt/slides/slide6.xml><?xml version="1.0" encoding="utf-8"?>
+<p:sld xmlns:a="http://schemas.openxmlformats.org/drawingml/2006/main" xmlns:r="http://schemas.openxmlformats.org/officeDocument/2006/relationships" xmlns:p="http://schemas.openxmlformats.org/presentationml/2006/main">
+  <p:cSld>
+    <p:spTree>
+      <p:nvGrpSpPr>
+        <p:cNvPr id="1" name=""/>
+        <p:cNvGrpSpPr/>
+        <p:nvPr/>
+      </p:nvGrpSpPr>
+      <p:grpSpPr>
+        <a:xfrm>
+          <a:off x="0" y="0"/>
+          <a:ext cx="0" cy="0"/>
+          <a:chOff x="0" y="0"/>
+          <a:chExt cx="0" cy="0"/>
+        </a:xfrm>
+      </p:grpSpPr>
       <p:grpSp>
         <p:nvGrpSpPr>
           <p:cNvPr id="11" name="组合 10"/>
@@ -8908,7 +12037,7 @@
             <p:nvPr/>
           </p:nvPicPr>
           <p:blipFill>
-            <a:blip r:embed="rId1"/>
+            <a:blip r:embed="rId2"/>
             <a:stretch>
               <a:fillRect/>
             </a:stretch>
@@ -8943,19 +12072,18 @@
             <a:bodyPr wrap="square" rtlCol="0">
               <a:spAutoFit/>
             </a:bodyPr>
+            <a:lstStyle/>
             <a:p>
               <a:r>
                 <a:rPr lang="ja-JP" altLang="zh-CN" sz="2000" b="1"/>
                 <a:t>推定された</a:t>
               </a:r>
-              <a:endParaRPr lang="ja-JP" altLang="zh-CN" sz="2000" b="1"/>
             </a:p>
             <a:p>
               <a:r>
                 <a:rPr lang="ja-JP" altLang="zh-CN" sz="2000" b="1"/>
                 <a:t>各商品の調性格</a:t>
               </a:r>
-              <a:endParaRPr lang="ja-JP" altLang="zh-CN" sz="2000" b="1"/>
             </a:p>
           </p:txBody>
         </p:sp>
@@ -8983,7 +12111,7 @@
             <p:nvPr/>
           </p:nvPicPr>
           <p:blipFill>
-            <a:blip r:embed="rId2"/>
+            <a:blip r:embed="rId3"/>
             <a:stretch>
               <a:fillRect/>
             </a:stretch>
@@ -9022,12 +12150,12 @@
             <a:bodyPr wrap="square" rtlCol="0">
               <a:spAutoFit/>
             </a:bodyPr>
+            <a:lstStyle/>
             <a:p>
               <a:r>
                 <a:rPr lang="ja-JP" altLang="zh-CN" sz="2000" b="1"/>
                 <a:t>データベース情報</a:t>
               </a:r>
-              <a:endParaRPr lang="ja-JP" altLang="zh-CN" sz="2000" b="1"/>
             </a:p>
           </p:txBody>
         </p:sp>
@@ -9041,7 +12169,7 @@
           <p:nvPr/>
         </p:nvPicPr>
         <p:blipFill>
-          <a:blip r:embed="rId3"/>
+          <a:blip r:embed="rId4"/>
           <a:stretch>
             <a:fillRect/>
           </a:stretch>
@@ -9080,12 +12208,12 @@
           <a:bodyPr wrap="square" rtlCol="0">
             <a:spAutoFit/>
           </a:bodyPr>
+          <a:lstStyle/>
           <a:p>
             <a:r>
               <a:rPr lang="ja-JP" altLang="zh-CN" sz="2000" b="1"/>
               <a:t>商品の画像</a:t>
             </a:r>
-            <a:endParaRPr lang="ja-JP" altLang="zh-CN" sz="2000" b="1"/>
           </a:p>
         </p:txBody>
       </p:sp>
@@ -9122,6 +12250,7 @@
         </p:style>
         <p:txBody>
           <a:bodyPr rtlCol="0" anchor="ctr"/>
+          <a:lstStyle/>
           <a:p>
             <a:pPr algn="ctr"/>
             <a:r>
@@ -9132,11 +12261,6 @@
               </a:rPr>
               <a:t>調性格推定</a:t>
             </a:r>
-            <a:endParaRPr lang="ja-JP" altLang="zh-CN" b="1">
-              <a:solidFill>
-                <a:schemeClr val="tx1"/>
-              </a:solidFill>
-            </a:endParaRPr>
           </a:p>
         </p:txBody>
       </p:sp>
@@ -9173,6 +12297,7 @@
         </p:style>
         <p:txBody>
           <a:bodyPr rtlCol="0" anchor="ctr"/>
+          <a:lstStyle/>
           <a:p>
             <a:pPr algn="ctr"/>
             <a:r>
@@ -9183,202 +12308,6 @@
               </a:rPr>
               <a:t>データ保存</a:t>
             </a:r>
-            <a:endParaRPr lang="ja-JP" altLang="zh-CN" b="1">
-              <a:solidFill>
-                <a:schemeClr val="tx1"/>
-              </a:solidFill>
-            </a:endParaRPr>
-          </a:p>
-        </p:txBody>
-      </p:sp>
-    </p:spTree>
-  </p:cSld>
-  <p:clrMapOvr>
-    <a:masterClrMapping/>
-  </p:clrMapOvr>
-</p:sld>
-</file>
-
-<file path=ppt/slides/slide6.xml><?xml version="1.0" encoding="utf-8"?>
-<p:sld xmlns:a="http://schemas.openxmlformats.org/drawingml/2006/main" xmlns:r="http://schemas.openxmlformats.org/officeDocument/2006/relationships" xmlns:p="http://schemas.openxmlformats.org/presentationml/2006/main">
-  <p:cSld>
-    <p:spTree>
-      <p:nvGrpSpPr>
-        <p:cNvPr id="1" name=""/>
-        <p:cNvGrpSpPr/>
-        <p:nvPr/>
-      </p:nvGrpSpPr>
-      <p:grpSpPr/>
-      <p:pic>
-        <p:nvPicPr>
-          <p:cNvPr id="6" name="图片 5"/>
-          <p:cNvPicPr>
-            <a:picLocks noChangeAspect="1"/>
-          </p:cNvPicPr>
-          <p:nvPr/>
-        </p:nvPicPr>
-        <p:blipFill>
-          <a:blip r:embed="rId1"/>
-          <a:stretch>
-            <a:fillRect/>
-          </a:stretch>
-        </p:blipFill>
-        <p:spPr>
-          <a:xfrm>
-            <a:off x="7733665" y="2564765"/>
-            <a:ext cx="4096385" cy="1727835"/>
-          </a:xfrm>
-          <a:prstGeom prst="rect">
-            <a:avLst/>
-          </a:prstGeom>
-        </p:spPr>
-      </p:pic>
-      <p:pic>
-        <p:nvPicPr>
-          <p:cNvPr id="2" name="图片 48"/>
-          <p:cNvPicPr>
-            <a:picLocks noChangeAspect="1"/>
-          </p:cNvPicPr>
-          <p:nvPr/>
-        </p:nvPicPr>
-        <p:blipFill>
-          <a:blip r:embed="rId2"/>
-          <a:stretch>
-            <a:fillRect/>
-          </a:stretch>
-        </p:blipFill>
-        <p:spPr>
-          <a:xfrm>
-            <a:off x="377190" y="2031365"/>
-            <a:ext cx="4409440" cy="3266440"/>
-          </a:xfrm>
-          <a:prstGeom prst="rect">
-            <a:avLst/>
-          </a:prstGeom>
-          <a:noFill/>
-          <a:ln w="9525">
-            <a:noFill/>
-          </a:ln>
-        </p:spPr>
-      </p:pic>
-      <p:pic>
-        <p:nvPicPr>
-          <p:cNvPr id="7" name="图片 6"/>
-          <p:cNvPicPr>
-            <a:picLocks noChangeAspect="1"/>
-          </p:cNvPicPr>
-          <p:nvPr/>
-        </p:nvPicPr>
-        <p:blipFill>
-          <a:blip r:embed="rId3"/>
-          <a:stretch>
-            <a:fillRect/>
-          </a:stretch>
-        </p:blipFill>
-        <p:spPr>
-          <a:xfrm>
-            <a:off x="5212080" y="2762250"/>
-            <a:ext cx="2095500" cy="1333500"/>
-          </a:xfrm>
-          <a:prstGeom prst="rect">
-            <a:avLst/>
-          </a:prstGeom>
-        </p:spPr>
-      </p:pic>
-      <p:sp>
-        <p:nvSpPr>
-          <p:cNvPr id="12" name="文本框 11"/>
-          <p:cNvSpPr txBox="1"/>
-          <p:nvPr/>
-        </p:nvSpPr>
-        <p:spPr>
-          <a:xfrm>
-            <a:off x="1355725" y="5458460"/>
-            <a:ext cx="2452370" cy="398780"/>
-          </a:xfrm>
-          <a:prstGeom prst="rect">
-            <a:avLst/>
-          </a:prstGeom>
-          <a:noFill/>
-        </p:spPr>
-        <p:txBody>
-          <a:bodyPr wrap="square" rtlCol="0">
-            <a:spAutoFit/>
-          </a:bodyPr>
-          <a:p>
-            <a:r>
-              <a:rPr lang="ja-JP" altLang="zh-CN" sz="2000" b="1"/>
-              <a:t>商品のキーワード</a:t>
-            </a:r>
-            <a:endParaRPr lang="ja-JP" altLang="zh-CN" sz="2000" b="1"/>
-          </a:p>
-        </p:txBody>
-      </p:sp>
-      <p:sp>
-        <p:nvSpPr>
-          <p:cNvPr id="8" name="文本框 7"/>
-          <p:cNvSpPr txBox="1"/>
-          <p:nvPr/>
-        </p:nvSpPr>
-        <p:spPr>
-          <a:xfrm>
-            <a:off x="8992235" y="5458460"/>
-            <a:ext cx="1579245" cy="398780"/>
-          </a:xfrm>
-          <a:prstGeom prst="rect">
-            <a:avLst/>
-          </a:prstGeom>
-          <a:noFill/>
-        </p:spPr>
-        <p:txBody>
-          <a:bodyPr wrap="square" rtlCol="0">
-            <a:spAutoFit/>
-          </a:bodyPr>
-          <a:p>
-            <a:r>
-              <a:rPr lang="ja-JP" altLang="zh-CN" sz="2000" b="1"/>
-              <a:t>英語に通訳</a:t>
-            </a:r>
-            <a:endParaRPr lang="ja-JP" altLang="zh-CN" sz="2000" b="1"/>
-          </a:p>
-        </p:txBody>
-      </p:sp>
-      <p:sp>
-        <p:nvSpPr>
-          <p:cNvPr id="9" name="右箭头 8"/>
-          <p:cNvSpPr/>
-          <p:nvPr/>
-        </p:nvSpPr>
-        <p:spPr>
-          <a:xfrm>
-            <a:off x="4932045" y="3844925"/>
-            <a:ext cx="2762885" cy="607060"/>
-          </a:xfrm>
-          <a:prstGeom prst="rightArrow">
-            <a:avLst/>
-          </a:prstGeom>
-        </p:spPr>
-        <p:style>
-          <a:lnRef idx="2">
-            <a:schemeClr val="accent1">
-              <a:shade val="50000"/>
-            </a:schemeClr>
-          </a:lnRef>
-          <a:fillRef idx="1">
-            <a:schemeClr val="accent1"/>
-          </a:fillRef>
-          <a:effectRef idx="0">
-            <a:schemeClr val="accent1"/>
-          </a:effectRef>
-          <a:fontRef idx="minor">
-            <a:schemeClr val="lt1"/>
-          </a:fontRef>
-        </p:style>
-        <p:txBody>
-          <a:bodyPr rtlCol="0" anchor="ctr"/>
-          <a:p>
-            <a:pPr algn="ctr"/>
-            <a:endParaRPr lang="zh-CN" altLang="en-US"/>
           </a:p>
         </p:txBody>
       </p:sp>
@@ -9399,31 +12328,14 @@
         <p:cNvGrpSpPr/>
         <p:nvPr/>
       </p:nvGrpSpPr>
-      <p:grpSpPr/>
-      <p:pic>
-        <p:nvPicPr>
-          <p:cNvPr id="5" name="图片 4"/>
-          <p:cNvPicPr>
-            <a:picLocks noChangeAspect="1"/>
-          </p:cNvPicPr>
-          <p:nvPr/>
-        </p:nvPicPr>
-        <p:blipFill>
-          <a:blip r:embed="rId1"/>
-          <a:stretch>
-            <a:fillRect/>
-          </a:stretch>
-        </p:blipFill>
-        <p:spPr>
-          <a:xfrm>
-            <a:off x="5775325" y="2073275"/>
-            <a:ext cx="6123940" cy="2324100"/>
-          </a:xfrm>
-          <a:prstGeom prst="rect">
-            <a:avLst/>
-          </a:prstGeom>
-        </p:spPr>
-      </p:pic>
+      <p:grpSpPr>
+        <a:xfrm>
+          <a:off x="0" y="0"/>
+          <a:ext cx="0" cy="0"/>
+          <a:chOff x="0" y="0"/>
+          <a:chExt cx="0" cy="0"/>
+        </a:xfrm>
+      </p:grpSpPr>
       <p:pic>
         <p:nvPicPr>
           <p:cNvPr id="6" name="图片 5"/>
@@ -9440,27 +12352,147 @@
         </p:blipFill>
         <p:spPr>
           <a:xfrm>
-            <a:off x="125095" y="1310005"/>
-            <a:ext cx="4628515" cy="3850005"/>
+            <a:off x="4540467" y="4041202"/>
+            <a:ext cx="4096385" cy="1727835"/>
           </a:xfrm>
           <a:prstGeom prst="rect">
             <a:avLst/>
           </a:prstGeom>
         </p:spPr>
       </p:pic>
-      <p:sp>
-        <p:nvSpPr>
-          <p:cNvPr id="7" name="右箭头 6"/>
+      <p:pic>
+        <p:nvPicPr>
+          <p:cNvPr id="2" name="图片 48"/>
+          <p:cNvPicPr>
+            <a:picLocks noChangeAspect="1"/>
+          </p:cNvPicPr>
+          <p:nvPr/>
+        </p:nvPicPr>
+        <p:blipFill>
+          <a:blip r:embed="rId3"/>
+          <a:stretch>
+            <a:fillRect/>
+          </a:stretch>
+        </p:blipFill>
+        <p:spPr>
+          <a:xfrm>
+            <a:off x="220634" y="103973"/>
+            <a:ext cx="4409440" cy="3266440"/>
+          </a:xfrm>
+          <a:prstGeom prst="rect">
+            <a:avLst/>
+          </a:prstGeom>
+          <a:noFill/>
+          <a:ln w="9525">
+            <a:noFill/>
+          </a:ln>
+        </p:spPr>
+      </p:pic>
+      <p:pic>
+        <p:nvPicPr>
+          <p:cNvPr id="7" name="图片 6"/>
+          <p:cNvPicPr>
+            <a:picLocks noChangeAspect="1"/>
+          </p:cNvPicPr>
+          <p:nvPr/>
+        </p:nvPicPr>
+        <p:blipFill>
+          <a:blip r:embed="rId4"/>
+          <a:stretch>
+            <a:fillRect/>
+          </a:stretch>
+        </p:blipFill>
+        <p:spPr>
+          <a:xfrm>
+            <a:off x="2450080" y="3901932"/>
+            <a:ext cx="1812059" cy="1153128"/>
+          </a:xfrm>
+          <a:prstGeom prst="rect">
+            <a:avLst/>
+          </a:prstGeom>
+        </p:spPr>
+      </p:pic>
+      <p:sp>
+        <p:nvSpPr>
+          <p:cNvPr id="12" name="文本框 11"/>
+          <p:cNvSpPr txBox="1"/>
+          <p:nvPr/>
+        </p:nvSpPr>
+        <p:spPr>
+          <a:xfrm>
+            <a:off x="1223895" y="3445164"/>
+            <a:ext cx="2452370" cy="398780"/>
+          </a:xfrm>
+          <a:prstGeom prst="rect">
+            <a:avLst/>
+          </a:prstGeom>
+          <a:noFill/>
+        </p:spPr>
+        <p:txBody>
+          <a:bodyPr wrap="square" rtlCol="0">
+            <a:spAutoFit/>
+          </a:bodyPr>
+          <a:lstStyle/>
+          <a:p>
+            <a:r>
+              <a:rPr lang="ja-JP" altLang="zh-CN" sz="2000" b="1" dirty="0"/>
+              <a:t>商品のキーワード</a:t>
+            </a:r>
+          </a:p>
+        </p:txBody>
+      </p:sp>
+      <p:sp>
+        <p:nvSpPr>
+          <p:cNvPr id="8" name="文本框 7"/>
+          <p:cNvSpPr txBox="1"/>
+          <p:nvPr/>
+        </p:nvSpPr>
+        <p:spPr>
+          <a:xfrm>
+            <a:off x="5653968" y="5769037"/>
+            <a:ext cx="1579245" cy="398780"/>
+          </a:xfrm>
+          <a:prstGeom prst="rect">
+            <a:avLst/>
+          </a:prstGeom>
+          <a:noFill/>
+        </p:spPr>
+        <p:txBody>
+          <a:bodyPr wrap="square" rtlCol="0">
+            <a:spAutoFit/>
+          </a:bodyPr>
+          <a:lstStyle/>
+          <a:p>
+            <a:r>
+              <a:rPr lang="ja-JP" altLang="zh-CN" sz="2000" b="1" dirty="0"/>
+              <a:t>英語に通訳</a:t>
+            </a:r>
+          </a:p>
+        </p:txBody>
+      </p:sp>
+      <p:sp>
+        <p:nvSpPr>
+          <p:cNvPr id="3" name="箭头: 直角上 2">
+            <a:extLst>
+              <a:ext uri="{FF2B5EF4-FFF2-40B4-BE49-F238E27FC236}">
+                <a16:creationId xmlns:a16="http://schemas.microsoft.com/office/drawing/2014/main" id="{4A0A9EC3-171A-42A2-9046-312E83946214}"/>
+              </a:ext>
+            </a:extLst>
+          </p:cNvPr>
           <p:cNvSpPr/>
           <p:nvPr/>
         </p:nvSpPr>
         <p:spPr>
-          <a:xfrm>
-            <a:off x="4890135" y="2943860"/>
-            <a:ext cx="749300" cy="582295"/>
-          </a:xfrm>
-          <a:prstGeom prst="rightArrow">
-            <a:avLst/>
+          <a:xfrm rot="5400000">
+            <a:off x="2281046" y="3617682"/>
+            <a:ext cx="1850340" cy="2452370"/>
+          </a:xfrm>
+          <a:prstGeom prst="bentUpArrow">
+            <a:avLst>
+              <a:gd name="adj1" fmla="val 25000"/>
+              <a:gd name="adj2" fmla="val 24779"/>
+              <a:gd name="adj3" fmla="val 23847"/>
+            </a:avLst>
           </a:prstGeom>
         </p:spPr>
         <p:style>
@@ -9481,6 +12513,7 @@
         </p:style>
         <p:txBody>
           <a:bodyPr rtlCol="0" anchor="ctr"/>
+          <a:lstStyle/>
           <a:p>
             <a:pPr algn="ctr"/>
             <a:endParaRPr lang="zh-CN" altLang="en-US"/>
@@ -9504,25 +12537,56 @@
         <p:cNvGrpSpPr/>
         <p:nvPr/>
       </p:nvGrpSpPr>
-      <p:grpSpPr/>
+      <p:grpSpPr>
+        <a:xfrm>
+          <a:off x="0" y="0"/>
+          <a:ext cx="0" cy="0"/>
+          <a:chOff x="0" y="0"/>
+          <a:chExt cx="0" cy="0"/>
+        </a:xfrm>
+      </p:grpSpPr>
       <p:pic>
         <p:nvPicPr>
-          <p:cNvPr id="4" name="图片 3"/>
+          <p:cNvPr id="5" name="图片 4"/>
           <p:cNvPicPr>
             <a:picLocks noChangeAspect="1"/>
           </p:cNvPicPr>
           <p:nvPr/>
         </p:nvPicPr>
         <p:blipFill>
-          <a:blip r:embed="rId1"/>
+          <a:blip r:embed="rId2"/>
           <a:stretch>
             <a:fillRect/>
           </a:stretch>
         </p:blipFill>
         <p:spPr>
           <a:xfrm>
-            <a:off x="122555" y="1557655"/>
-            <a:ext cx="4461510" cy="3564890"/>
+            <a:off x="5775325" y="2073275"/>
+            <a:ext cx="6123940" cy="2324100"/>
+          </a:xfrm>
+          <a:prstGeom prst="rect">
+            <a:avLst/>
+          </a:prstGeom>
+        </p:spPr>
+      </p:pic>
+      <p:pic>
+        <p:nvPicPr>
+          <p:cNvPr id="6" name="图片 5"/>
+          <p:cNvPicPr>
+            <a:picLocks noChangeAspect="1"/>
+          </p:cNvPicPr>
+          <p:nvPr/>
+        </p:nvPicPr>
+        <p:blipFill>
+          <a:blip r:embed="rId3"/>
+          <a:stretch>
+            <a:fillRect/>
+          </a:stretch>
+        </p:blipFill>
+        <p:spPr>
+          <a:xfrm>
+            <a:off x="125095" y="1310005"/>
+            <a:ext cx="4628515" cy="3850005"/>
           </a:xfrm>
           <a:prstGeom prst="rect">
             <a:avLst/>
@@ -9537,7 +12601,7 @@
         </p:nvSpPr>
         <p:spPr>
           <a:xfrm>
-            <a:off x="4763135" y="3049270"/>
+            <a:off x="4890135" y="2943860"/>
             <a:ext cx="749300" cy="582295"/>
           </a:xfrm>
           <a:prstGeom prst="rightArrow">
@@ -9562,36 +12626,13 @@
         </p:style>
         <p:txBody>
           <a:bodyPr rtlCol="0" anchor="ctr"/>
+          <a:lstStyle/>
           <a:p>
             <a:pPr algn="ctr"/>
             <a:endParaRPr lang="zh-CN" altLang="en-US"/>
           </a:p>
         </p:txBody>
       </p:sp>
-      <p:pic>
-        <p:nvPicPr>
-          <p:cNvPr id="5" name="图片 4"/>
-          <p:cNvPicPr>
-            <a:picLocks noChangeAspect="1"/>
-          </p:cNvPicPr>
-          <p:nvPr/>
-        </p:nvPicPr>
-        <p:blipFill>
-          <a:blip r:embed="rId2"/>
-          <a:stretch>
-            <a:fillRect/>
-          </a:stretch>
-        </p:blipFill>
-        <p:spPr>
-          <a:xfrm>
-            <a:off x="5691505" y="2139950"/>
-            <a:ext cx="6428740" cy="2400300"/>
-          </a:xfrm>
-          <a:prstGeom prst="rect">
-            <a:avLst/>
-          </a:prstGeom>
-        </p:spPr>
-      </p:pic>
     </p:spTree>
   </p:cSld>
   <p:clrMapOvr>
@@ -9609,34 +12650,17 @@
         <p:cNvGrpSpPr/>
         <p:nvPr/>
       </p:nvGrpSpPr>
-      <p:grpSpPr/>
+      <p:grpSpPr>
+        <a:xfrm>
+          <a:off x="0" y="0"/>
+          <a:ext cx="0" cy="0"/>
+          <a:chOff x="0" y="0"/>
+          <a:chExt cx="0" cy="0"/>
+        </a:xfrm>
+      </p:grpSpPr>
       <p:pic>
         <p:nvPicPr>
           <p:cNvPr id="4" name="图片 3"/>
-          <p:cNvPicPr>
-            <a:picLocks noChangeAspect="1"/>
-          </p:cNvPicPr>
-          <p:nvPr/>
-        </p:nvPicPr>
-        <p:blipFill>
-          <a:blip r:embed="rId1"/>
-          <a:stretch>
-            <a:fillRect/>
-          </a:stretch>
-        </p:blipFill>
-        <p:spPr>
-          <a:xfrm>
-            <a:off x="2499360" y="3711575"/>
-            <a:ext cx="3931285" cy="3058795"/>
-          </a:xfrm>
-          <a:prstGeom prst="rect">
-            <a:avLst/>
-          </a:prstGeom>
-        </p:spPr>
-      </p:pic>
-      <p:pic>
-        <p:nvPicPr>
-          <p:cNvPr id="5" name="图片 4"/>
           <p:cNvPicPr>
             <a:picLocks noChangeAspect="1"/>
           </p:cNvPicPr>
@@ -9650,17 +12674,57 @@
         </p:blipFill>
         <p:spPr>
           <a:xfrm>
-            <a:off x="882015" y="156210"/>
-            <a:ext cx="2135505" cy="2773045"/>
+            <a:off x="122555" y="1557655"/>
+            <a:ext cx="4461510" cy="3564890"/>
           </a:xfrm>
           <a:prstGeom prst="rect">
             <a:avLst/>
           </a:prstGeom>
         </p:spPr>
       </p:pic>
+      <p:sp>
+        <p:nvSpPr>
+          <p:cNvPr id="7" name="右箭头 6"/>
+          <p:cNvSpPr/>
+          <p:nvPr/>
+        </p:nvSpPr>
+        <p:spPr>
+          <a:xfrm>
+            <a:off x="4763135" y="3049270"/>
+            <a:ext cx="749300" cy="582295"/>
+          </a:xfrm>
+          <a:prstGeom prst="rightArrow">
+            <a:avLst/>
+          </a:prstGeom>
+        </p:spPr>
+        <p:style>
+          <a:lnRef idx="2">
+            <a:schemeClr val="accent1">
+              <a:shade val="50000"/>
+            </a:schemeClr>
+          </a:lnRef>
+          <a:fillRef idx="1">
+            <a:schemeClr val="accent1"/>
+          </a:fillRef>
+          <a:effectRef idx="0">
+            <a:schemeClr val="accent1"/>
+          </a:effectRef>
+          <a:fontRef idx="minor">
+            <a:schemeClr val="lt1"/>
+          </a:fontRef>
+        </p:style>
+        <p:txBody>
+          <a:bodyPr rtlCol="0" anchor="ctr"/>
+          <a:lstStyle/>
+          <a:p>
+            <a:pPr algn="ctr"/>
+            <a:endParaRPr lang="zh-CN" altLang="en-US"/>
+          </a:p>
+        </p:txBody>
+      </p:sp>
       <p:pic>
         <p:nvPicPr>
-          <p:cNvPr id="6" name="图片 5"/>
+          <p:cNvPr id="5" name="图片 4"/>
           <p:cNvPicPr>
             <a:picLocks noChangeAspect="1"/>
           </p:cNvPicPr>
@@ -9674,77 +12738,14 @@
         </p:blipFill>
         <p:spPr>
           <a:xfrm>
-            <a:off x="3435350" y="156210"/>
-            <a:ext cx="2062480" cy="2773680"/>
+            <a:off x="5691505" y="2139950"/>
+            <a:ext cx="6428740" cy="2400300"/>
           </a:xfrm>
           <a:prstGeom prst="rect">
             <a:avLst/>
           </a:prstGeom>
         </p:spPr>
       </p:pic>
-      <p:pic>
-        <p:nvPicPr>
-          <p:cNvPr id="7" name="图片 6"/>
-          <p:cNvPicPr>
-            <a:picLocks noChangeAspect="1"/>
-          </p:cNvPicPr>
-          <p:nvPr/>
-        </p:nvPicPr>
-        <p:blipFill>
-          <a:blip r:embed="rId4"/>
-          <a:stretch>
-            <a:fillRect/>
-          </a:stretch>
-        </p:blipFill>
-        <p:spPr>
-          <a:xfrm>
-            <a:off x="5981065" y="156210"/>
-            <a:ext cx="1846580" cy="2772410"/>
-          </a:xfrm>
-          <a:prstGeom prst="rect">
-            <a:avLst/>
-          </a:prstGeom>
-        </p:spPr>
-      </p:pic>
-      <p:sp>
-        <p:nvSpPr>
-          <p:cNvPr id="8" name="下箭头 7"/>
-          <p:cNvSpPr/>
-          <p:nvPr/>
-        </p:nvSpPr>
-        <p:spPr>
-          <a:xfrm>
-            <a:off x="4140200" y="3024505"/>
-            <a:ext cx="536575" cy="601980"/>
-          </a:xfrm>
-          <a:prstGeom prst="downArrow">
-            <a:avLst/>
-          </a:prstGeom>
-        </p:spPr>
-        <p:style>
-          <a:lnRef idx="2">
-            <a:schemeClr val="accent1">
-              <a:shade val="50000"/>
-            </a:schemeClr>
-          </a:lnRef>
-          <a:fillRef idx="1">
-            <a:schemeClr val="accent1"/>
-          </a:fillRef>
-          <a:effectRef idx="0">
-            <a:schemeClr val="accent1"/>
-          </a:effectRef>
-          <a:fontRef idx="minor">
-            <a:schemeClr val="lt1"/>
-          </a:fontRef>
-        </p:style>
-        <p:txBody>
-          <a:bodyPr rtlCol="0" anchor="ctr"/>
-          <a:p>
-            <a:pPr algn="ctr"/>
-            <a:endParaRPr lang="zh-CN" altLang="en-US"/>
-          </a:p>
-        </p:txBody>
-      </p:sp>
     </p:spTree>
   </p:cSld>
   <p:clrMapOvr>
@@ -10004,6 +13005,8 @@
       </a:bgFillStyleLst>
     </a:fmtScheme>
   </a:themeElements>
+  <a:objectDefaults/>
+  <a:extraClrSchemeLst/>
   <a:extLst>
     <a:ext uri="{05A4C25C-085E-4340-85A3-A5531E510DB2}">
       <thm15:themeFamily xmlns:thm15="http://schemas.microsoft.com/office/thememl/2012/main" name="Office Theme" id="{62F939B6-93AF-4DB8-9C6B-D6C7DFDC589F}" vid="{4A3C46E8-61CC-4603-A589-7422A47A8E4A}"/>

--- a/ppt.pptx
+++ b/ppt.pptx
@@ -22,6 +22,9 @@
     <p:sldId id="267" r:id="rId16"/>
     <p:sldId id="270" r:id="rId17"/>
     <p:sldId id="268" r:id="rId18"/>
+    <p:sldId id="288" r:id="rId19"/>
+    <p:sldId id="290" r:id="rId20"/>
+    <p:sldId id="289" r:id="rId21"/>
   </p:sldIdLst>
   <p:sldSz cx="12192000" cy="6858000"/>
   <p:notesSz cx="6858000" cy="9144000"/>
@@ -261,7 +264,7 @@
           <a:p>
             <a:fld id="{D997B5FA-0921-464F-AAE1-844C04324D75}" type="datetimeFigureOut">
               <a:rPr lang="zh-CN" altLang="en-US" smtClean="0"/>
-              <a:t>2017/12/22</a:t>
+              <a:t>2018/1/7</a:t>
             </a:fld>
             <a:endParaRPr lang="zh-CN" altLang="en-US"/>
           </a:p>
@@ -424,7 +427,7 @@
           <a:p>
             <a:fld id="{D997B5FA-0921-464F-AAE1-844C04324D75}" type="datetimeFigureOut">
               <a:rPr lang="zh-CN" altLang="en-US" smtClean="0"/>
-              <a:t>2017/12/22</a:t>
+              <a:t>2018/1/7</a:t>
             </a:fld>
             <a:endParaRPr lang="zh-CN" altLang="en-US"/>
           </a:p>
@@ -597,7 +600,7 @@
           <a:p>
             <a:fld id="{D997B5FA-0921-464F-AAE1-844C04324D75}" type="datetimeFigureOut">
               <a:rPr lang="zh-CN" altLang="en-US" smtClean="0"/>
-              <a:t>2017/12/22</a:t>
+              <a:t>2018/1/7</a:t>
             </a:fld>
             <a:endParaRPr lang="zh-CN" altLang="en-US"/>
           </a:p>
@@ -760,7 +763,7 @@
           <a:p>
             <a:fld id="{D997B5FA-0921-464F-AAE1-844C04324D75}" type="datetimeFigureOut">
               <a:rPr lang="zh-CN" altLang="en-US" smtClean="0"/>
-              <a:t>2017/12/22</a:t>
+              <a:t>2018/1/7</a:t>
             </a:fld>
             <a:endParaRPr lang="zh-CN" altLang="en-US"/>
           </a:p>
@@ -1000,7 +1003,7 @@
           <a:p>
             <a:fld id="{D997B5FA-0921-464F-AAE1-844C04324D75}" type="datetimeFigureOut">
               <a:rPr lang="zh-CN" altLang="en-US" smtClean="0"/>
-              <a:t>2017/12/22</a:t>
+              <a:t>2018/1/7</a:t>
             </a:fld>
             <a:endParaRPr lang="zh-CN" altLang="en-US"/>
           </a:p>
@@ -1224,7 +1227,7 @@
           <a:p>
             <a:fld id="{D997B5FA-0921-464F-AAE1-844C04324D75}" type="datetimeFigureOut">
               <a:rPr lang="zh-CN" altLang="en-US" smtClean="0"/>
-              <a:t>2017/12/22</a:t>
+              <a:t>2018/1/7</a:t>
             </a:fld>
             <a:endParaRPr lang="zh-CN" altLang="en-US"/>
           </a:p>
@@ -1583,7 +1586,7 @@
           <a:p>
             <a:fld id="{D997B5FA-0921-464F-AAE1-844C04324D75}" type="datetimeFigureOut">
               <a:rPr lang="zh-CN" altLang="en-US" smtClean="0"/>
-              <a:t>2017/12/22</a:t>
+              <a:t>2018/1/7</a:t>
             </a:fld>
             <a:endParaRPr lang="zh-CN" altLang="en-US"/>
           </a:p>
@@ -1695,7 +1698,7 @@
           <a:p>
             <a:fld id="{D997B5FA-0921-464F-AAE1-844C04324D75}" type="datetimeFigureOut">
               <a:rPr lang="zh-CN" altLang="en-US" smtClean="0"/>
-              <a:t>2017/12/22</a:t>
+              <a:t>2018/1/7</a:t>
             </a:fld>
             <a:endParaRPr lang="zh-CN" altLang="en-US"/>
           </a:p>
@@ -1785,7 +1788,7 @@
           <a:p>
             <a:fld id="{D997B5FA-0921-464F-AAE1-844C04324D75}" type="datetimeFigureOut">
               <a:rPr lang="zh-CN" altLang="en-US" smtClean="0"/>
-              <a:t>2017/12/22</a:t>
+              <a:t>2018/1/7</a:t>
             </a:fld>
             <a:endParaRPr lang="zh-CN" altLang="en-US"/>
           </a:p>
@@ -2055,7 +2058,7 @@
           <a:p>
             <a:fld id="{D997B5FA-0921-464F-AAE1-844C04324D75}" type="datetimeFigureOut">
               <a:rPr lang="zh-CN" altLang="en-US" smtClean="0"/>
-              <a:t>2017/12/22</a:t>
+              <a:t>2018/1/7</a:t>
             </a:fld>
             <a:endParaRPr lang="zh-CN" altLang="en-US"/>
           </a:p>
@@ -2302,7 +2305,7 @@
           <a:p>
             <a:fld id="{D997B5FA-0921-464F-AAE1-844C04324D75}" type="datetimeFigureOut">
               <a:rPr lang="zh-CN" altLang="en-US" smtClean="0"/>
-              <a:t>2017/12/22</a:t>
+              <a:t>2018/1/7</a:t>
             </a:fld>
             <a:endParaRPr lang="zh-CN" altLang="en-US"/>
           </a:p>
@@ -2508,7 +2511,7 @@
           <a:p>
             <a:fld id="{D997B5FA-0921-464F-AAE1-844C04324D75}" type="datetimeFigureOut">
               <a:rPr lang="zh-CN" altLang="en-US" smtClean="0"/>
-              <a:t>2017/12/22</a:t>
+              <a:t>2018/1/7</a:t>
             </a:fld>
             <a:endParaRPr lang="zh-CN" altLang="en-US"/>
           </a:p>
@@ -6519,6 +6522,354 @@
 </p:sld>
 </file>
 
+<file path=ppt/slides/slide18.xml><?xml version="1.0" encoding="utf-8"?>
+<p:sld xmlns:a="http://schemas.openxmlformats.org/drawingml/2006/main" xmlns:r="http://schemas.openxmlformats.org/officeDocument/2006/relationships" xmlns:p="http://schemas.openxmlformats.org/presentationml/2006/main">
+  <p:cSld>
+    <p:spTree>
+      <p:nvGrpSpPr>
+        <p:cNvPr id="1" name=""/>
+        <p:cNvGrpSpPr/>
+        <p:nvPr/>
+      </p:nvGrpSpPr>
+      <p:grpSpPr>
+        <a:xfrm>
+          <a:off x="0" y="0"/>
+          <a:ext cx="0" cy="0"/>
+          <a:chOff x="0" y="0"/>
+          <a:chExt cx="0" cy="0"/>
+        </a:xfrm>
+      </p:grpSpPr>
+      <p:pic>
+        <p:nvPicPr>
+          <p:cNvPr id="11" name="图片 10">
+            <a:extLst>
+              <a:ext uri="{FF2B5EF4-FFF2-40B4-BE49-F238E27FC236}">
+                <a16:creationId xmlns:a16="http://schemas.microsoft.com/office/drawing/2014/main" id="{AD817B7E-CD4A-411B-A174-03EBD9EE4A25}"/>
+              </a:ext>
+            </a:extLst>
+          </p:cNvPr>
+          <p:cNvPicPr>
+            <a:picLocks noChangeAspect="1"/>
+          </p:cNvPicPr>
+          <p:nvPr/>
+        </p:nvPicPr>
+        <p:blipFill>
+          <a:blip r:embed="rId2">
+            <a:extLst>
+              <a:ext uri="{28A0092B-C50C-407E-A947-70E740481C1C}">
+                <a14:useLocalDpi xmlns:a14="http://schemas.microsoft.com/office/drawing/2010/main" val="0"/>
+              </a:ext>
+            </a:extLst>
+          </a:blip>
+          <a:stretch>
+            <a:fillRect/>
+          </a:stretch>
+        </p:blipFill>
+        <p:spPr>
+          <a:xfrm>
+            <a:off x="4438200" y="3288326"/>
+            <a:ext cx="4511522" cy="3383642"/>
+          </a:xfrm>
+          <a:prstGeom prst="rect">
+            <a:avLst/>
+          </a:prstGeom>
+        </p:spPr>
+      </p:pic>
+      <p:pic>
+        <p:nvPicPr>
+          <p:cNvPr id="7" name="图片 6">
+            <a:extLst>
+              <a:ext uri="{FF2B5EF4-FFF2-40B4-BE49-F238E27FC236}">
+                <a16:creationId xmlns:a16="http://schemas.microsoft.com/office/drawing/2014/main" id="{CAEA608E-BC52-4C83-8374-652CEF658970}"/>
+              </a:ext>
+            </a:extLst>
+          </p:cNvPr>
+          <p:cNvPicPr>
+            <a:picLocks noChangeAspect="1"/>
+          </p:cNvPicPr>
+          <p:nvPr/>
+        </p:nvPicPr>
+        <p:blipFill>
+          <a:blip r:embed="rId3">
+            <a:extLst>
+              <a:ext uri="{28A0092B-C50C-407E-A947-70E740481C1C}">
+                <a14:useLocalDpi xmlns:a14="http://schemas.microsoft.com/office/drawing/2010/main" val="0"/>
+              </a:ext>
+            </a:extLst>
+          </a:blip>
+          <a:stretch>
+            <a:fillRect/>
+          </a:stretch>
+        </p:blipFill>
+        <p:spPr>
+          <a:xfrm>
+            <a:off x="4438198" y="45358"/>
+            <a:ext cx="4511525" cy="3383644"/>
+          </a:xfrm>
+          <a:prstGeom prst="rect">
+            <a:avLst/>
+          </a:prstGeom>
+        </p:spPr>
+      </p:pic>
+      <p:pic>
+        <p:nvPicPr>
+          <p:cNvPr id="9" name="图片 8">
+            <a:extLst>
+              <a:ext uri="{FF2B5EF4-FFF2-40B4-BE49-F238E27FC236}">
+                <a16:creationId xmlns:a16="http://schemas.microsoft.com/office/drawing/2014/main" id="{BB718581-5BC6-4E36-8CD3-95DFDCC42329}"/>
+              </a:ext>
+            </a:extLst>
+          </p:cNvPr>
+          <p:cNvPicPr>
+            <a:picLocks noChangeAspect="1"/>
+          </p:cNvPicPr>
+          <p:nvPr/>
+        </p:nvPicPr>
+        <p:blipFill>
+          <a:blip r:embed="rId4">
+            <a:extLst>
+              <a:ext uri="{28A0092B-C50C-407E-A947-70E740481C1C}">
+                <a14:useLocalDpi xmlns:a14="http://schemas.microsoft.com/office/drawing/2010/main" val="0"/>
+              </a:ext>
+            </a:extLst>
+          </a:blip>
+          <a:stretch>
+            <a:fillRect/>
+          </a:stretch>
+        </p:blipFill>
+        <p:spPr>
+          <a:xfrm>
+            <a:off x="208036" y="3288327"/>
+            <a:ext cx="4511525" cy="3383644"/>
+          </a:xfrm>
+          <a:prstGeom prst="rect">
+            <a:avLst/>
+          </a:prstGeom>
+        </p:spPr>
+      </p:pic>
+      <p:pic>
+        <p:nvPicPr>
+          <p:cNvPr id="5" name="图片 4">
+            <a:extLst>
+              <a:ext uri="{FF2B5EF4-FFF2-40B4-BE49-F238E27FC236}">
+                <a16:creationId xmlns:a16="http://schemas.microsoft.com/office/drawing/2014/main" id="{16D1402F-26F6-4267-9F8E-B488E61EF5DA}"/>
+              </a:ext>
+            </a:extLst>
+          </p:cNvPr>
+          <p:cNvPicPr>
+            <a:picLocks noChangeAspect="1"/>
+          </p:cNvPicPr>
+          <p:nvPr/>
+        </p:nvPicPr>
+        <p:blipFill>
+          <a:blip r:embed="rId5">
+            <a:extLst>
+              <a:ext uri="{28A0092B-C50C-407E-A947-70E740481C1C}">
+                <a14:useLocalDpi xmlns:a14="http://schemas.microsoft.com/office/drawing/2010/main" val="0"/>
+              </a:ext>
+            </a:extLst>
+          </a:blip>
+          <a:stretch>
+            <a:fillRect/>
+          </a:stretch>
+        </p:blipFill>
+        <p:spPr>
+          <a:xfrm>
+            <a:off x="208036" y="45357"/>
+            <a:ext cx="4511524" cy="3383643"/>
+          </a:xfrm>
+          <a:prstGeom prst="rect">
+            <a:avLst/>
+          </a:prstGeom>
+        </p:spPr>
+      </p:pic>
+    </p:spTree>
+    <p:extLst>
+      <p:ext uri="{BB962C8B-B14F-4D97-AF65-F5344CB8AC3E}">
+        <p14:creationId xmlns:p14="http://schemas.microsoft.com/office/powerpoint/2010/main" val="2410985901"/>
+      </p:ext>
+    </p:extLst>
+  </p:cSld>
+  <p:clrMapOvr>
+    <a:masterClrMapping/>
+  </p:clrMapOvr>
+</p:sld>
+</file>
+
+<file path=ppt/slides/slide19.xml><?xml version="1.0" encoding="utf-8"?>
+<p:sld xmlns:a="http://schemas.openxmlformats.org/drawingml/2006/main" xmlns:r="http://schemas.openxmlformats.org/officeDocument/2006/relationships" xmlns:p="http://schemas.openxmlformats.org/presentationml/2006/main">
+  <p:cSld>
+    <p:spTree>
+      <p:nvGrpSpPr>
+        <p:cNvPr id="1" name=""/>
+        <p:cNvGrpSpPr/>
+        <p:nvPr/>
+      </p:nvGrpSpPr>
+      <p:grpSpPr>
+        <a:xfrm>
+          <a:off x="0" y="0"/>
+          <a:ext cx="0" cy="0"/>
+          <a:chOff x="0" y="0"/>
+          <a:chExt cx="0" cy="0"/>
+        </a:xfrm>
+      </p:grpSpPr>
+      <p:pic>
+        <p:nvPicPr>
+          <p:cNvPr id="10" name="图片 9">
+            <a:extLst>
+              <a:ext uri="{FF2B5EF4-FFF2-40B4-BE49-F238E27FC236}">
+                <a16:creationId xmlns:a16="http://schemas.microsoft.com/office/drawing/2014/main" id="{35423942-75E1-4121-B7D4-39D1F3856102}"/>
+              </a:ext>
+            </a:extLst>
+          </p:cNvPr>
+          <p:cNvPicPr>
+            <a:picLocks noChangeAspect="1"/>
+          </p:cNvPicPr>
+          <p:nvPr/>
+        </p:nvPicPr>
+        <p:blipFill>
+          <a:blip r:embed="rId2">
+            <a:extLst>
+              <a:ext uri="{28A0092B-C50C-407E-A947-70E740481C1C}">
+                <a14:useLocalDpi xmlns:a14="http://schemas.microsoft.com/office/drawing/2010/main" val="0"/>
+              </a:ext>
+            </a:extLst>
+          </a:blip>
+          <a:stretch>
+            <a:fillRect/>
+          </a:stretch>
+        </p:blipFill>
+        <p:spPr>
+          <a:xfrm>
+            <a:off x="324151" y="3429000"/>
+            <a:ext cx="4511524" cy="3383643"/>
+          </a:xfrm>
+          <a:prstGeom prst="rect">
+            <a:avLst/>
+          </a:prstGeom>
+        </p:spPr>
+      </p:pic>
+      <p:pic>
+        <p:nvPicPr>
+          <p:cNvPr id="12" name="图片 11">
+            <a:extLst>
+              <a:ext uri="{FF2B5EF4-FFF2-40B4-BE49-F238E27FC236}">
+                <a16:creationId xmlns:a16="http://schemas.microsoft.com/office/drawing/2014/main" id="{2A73F454-80E8-4202-8D24-4AD82E5886F6}"/>
+              </a:ext>
+            </a:extLst>
+          </p:cNvPr>
+          <p:cNvPicPr>
+            <a:picLocks noChangeAspect="1"/>
+          </p:cNvPicPr>
+          <p:nvPr/>
+        </p:nvPicPr>
+        <p:blipFill>
+          <a:blip r:embed="rId3">
+            <a:extLst>
+              <a:ext uri="{28A0092B-C50C-407E-A947-70E740481C1C}">
+                <a14:useLocalDpi xmlns:a14="http://schemas.microsoft.com/office/drawing/2010/main" val="0"/>
+              </a:ext>
+            </a:extLst>
+          </a:blip>
+          <a:stretch>
+            <a:fillRect/>
+          </a:stretch>
+        </p:blipFill>
+        <p:spPr>
+          <a:xfrm>
+            <a:off x="4434114" y="3428999"/>
+            <a:ext cx="4511524" cy="3383643"/>
+          </a:xfrm>
+          <a:prstGeom prst="rect">
+            <a:avLst/>
+          </a:prstGeom>
+        </p:spPr>
+      </p:pic>
+      <p:pic>
+        <p:nvPicPr>
+          <p:cNvPr id="6" name="图片 5">
+            <a:extLst>
+              <a:ext uri="{FF2B5EF4-FFF2-40B4-BE49-F238E27FC236}">
+                <a16:creationId xmlns:a16="http://schemas.microsoft.com/office/drawing/2014/main" id="{C18E9909-D565-4AD1-8E49-A287FD057AD2}"/>
+              </a:ext>
+            </a:extLst>
+          </p:cNvPr>
+          <p:cNvPicPr>
+            <a:picLocks noChangeAspect="1"/>
+          </p:cNvPicPr>
+          <p:nvPr/>
+        </p:nvPicPr>
+        <p:blipFill>
+          <a:blip r:embed="rId4">
+            <a:extLst>
+              <a:ext uri="{28A0092B-C50C-407E-A947-70E740481C1C}">
+                <a14:useLocalDpi xmlns:a14="http://schemas.microsoft.com/office/drawing/2010/main" val="0"/>
+              </a:ext>
+            </a:extLst>
+          </a:blip>
+          <a:stretch>
+            <a:fillRect/>
+          </a:stretch>
+        </p:blipFill>
+        <p:spPr>
+          <a:xfrm>
+            <a:off x="324151" y="208642"/>
+            <a:ext cx="4511524" cy="3383643"/>
+          </a:xfrm>
+          <a:prstGeom prst="rect">
+            <a:avLst/>
+          </a:prstGeom>
+        </p:spPr>
+      </p:pic>
+      <p:pic>
+        <p:nvPicPr>
+          <p:cNvPr id="8" name="图片 7">
+            <a:extLst>
+              <a:ext uri="{FF2B5EF4-FFF2-40B4-BE49-F238E27FC236}">
+                <a16:creationId xmlns:a16="http://schemas.microsoft.com/office/drawing/2014/main" id="{EDEEF845-CE5D-4AE3-B8BE-B197D74C0B62}"/>
+              </a:ext>
+            </a:extLst>
+          </p:cNvPr>
+          <p:cNvPicPr>
+            <a:picLocks noChangeAspect="1"/>
+          </p:cNvPicPr>
+          <p:nvPr/>
+        </p:nvPicPr>
+        <p:blipFill>
+          <a:blip r:embed="rId5">
+            <a:extLst>
+              <a:ext uri="{28A0092B-C50C-407E-A947-70E740481C1C}">
+                <a14:useLocalDpi xmlns:a14="http://schemas.microsoft.com/office/drawing/2010/main" val="0"/>
+              </a:ext>
+            </a:extLst>
+          </a:blip>
+          <a:stretch>
+            <a:fillRect/>
+          </a:stretch>
+        </p:blipFill>
+        <p:spPr>
+          <a:xfrm>
+            <a:off x="4434114" y="208641"/>
+            <a:ext cx="4511524" cy="3383643"/>
+          </a:xfrm>
+          <a:prstGeom prst="rect">
+            <a:avLst/>
+          </a:prstGeom>
+        </p:spPr>
+      </p:pic>
+    </p:spTree>
+    <p:extLst>
+      <p:ext uri="{BB962C8B-B14F-4D97-AF65-F5344CB8AC3E}">
+        <p14:creationId xmlns:p14="http://schemas.microsoft.com/office/powerpoint/2010/main" val="3639802939"/>
+      </p:ext>
+    </p:extLst>
+  </p:cSld>
+  <p:clrMapOvr>
+    <a:masterClrMapping/>
+  </p:clrMapOvr>
+</p:sld>
+</file>
+
 <file path=ppt/slides/slide2.xml><?xml version="1.0" encoding="utf-8"?>
 <p:sld xmlns:a="http://schemas.openxmlformats.org/drawingml/2006/main" xmlns:r="http://schemas.openxmlformats.org/officeDocument/2006/relationships" xmlns:p="http://schemas.openxmlformats.org/presentationml/2006/main">
   <p:cSld>
@@ -7513,6 +7864,606 @@
 </p:sld>
 </file>
 
+<file path=ppt/slides/slide20.xml><?xml version="1.0" encoding="utf-8"?>
+<p:sld xmlns:a="http://schemas.openxmlformats.org/drawingml/2006/main" xmlns:r="http://schemas.openxmlformats.org/officeDocument/2006/relationships" xmlns:p="http://schemas.openxmlformats.org/presentationml/2006/main">
+  <p:cSld>
+    <p:spTree>
+      <p:nvGrpSpPr>
+        <p:cNvPr id="1" name=""/>
+        <p:cNvGrpSpPr/>
+        <p:nvPr/>
+      </p:nvGrpSpPr>
+      <p:grpSpPr>
+        <a:xfrm>
+          <a:off x="0" y="0"/>
+          <a:ext cx="0" cy="0"/>
+          <a:chOff x="0" y="0"/>
+          <a:chExt cx="0" cy="0"/>
+        </a:xfrm>
+      </p:grpSpPr>
+      <p:pic>
+        <p:nvPicPr>
+          <p:cNvPr id="6" name="图片 5">
+            <a:extLst>
+              <a:ext uri="{FF2B5EF4-FFF2-40B4-BE49-F238E27FC236}">
+                <a16:creationId xmlns:a16="http://schemas.microsoft.com/office/drawing/2014/main" id="{6C29C5C2-661D-4157-9D25-7A123190714E}"/>
+              </a:ext>
+            </a:extLst>
+          </p:cNvPr>
+          <p:cNvPicPr>
+            <a:picLocks noChangeAspect="1"/>
+          </p:cNvPicPr>
+          <p:nvPr/>
+        </p:nvPicPr>
+        <p:blipFill>
+          <a:blip r:embed="rId2"/>
+          <a:stretch>
+            <a:fillRect/>
+          </a:stretch>
+        </p:blipFill>
+        <p:spPr>
+          <a:xfrm>
+            <a:off x="6674822" y="589311"/>
+            <a:ext cx="4671818" cy="1503257"/>
+          </a:xfrm>
+          <a:prstGeom prst="rect">
+            <a:avLst/>
+          </a:prstGeom>
+        </p:spPr>
+      </p:pic>
+      <p:pic>
+        <p:nvPicPr>
+          <p:cNvPr id="7" name="图片 6">
+            <a:extLst>
+              <a:ext uri="{FF2B5EF4-FFF2-40B4-BE49-F238E27FC236}">
+                <a16:creationId xmlns:a16="http://schemas.microsoft.com/office/drawing/2014/main" id="{8F2B6C83-E39B-48AE-9C45-FC2B160AEC76}"/>
+              </a:ext>
+            </a:extLst>
+          </p:cNvPr>
+          <p:cNvPicPr>
+            <a:picLocks noChangeAspect="1"/>
+          </p:cNvPicPr>
+          <p:nvPr/>
+        </p:nvPicPr>
+        <p:blipFill>
+          <a:blip r:embed="rId3"/>
+          <a:stretch>
+            <a:fillRect/>
+          </a:stretch>
+        </p:blipFill>
+        <p:spPr>
+          <a:xfrm>
+            <a:off x="6674822" y="2402995"/>
+            <a:ext cx="4670066" cy="1358080"/>
+          </a:xfrm>
+          <a:prstGeom prst="rect">
+            <a:avLst/>
+          </a:prstGeom>
+        </p:spPr>
+      </p:pic>
+      <p:pic>
+        <p:nvPicPr>
+          <p:cNvPr id="8" name="图片 7">
+            <a:extLst>
+              <a:ext uri="{FF2B5EF4-FFF2-40B4-BE49-F238E27FC236}">
+                <a16:creationId xmlns:a16="http://schemas.microsoft.com/office/drawing/2014/main" id="{45F4F0BE-6C5E-4BD0-A604-107411D9F0D2}"/>
+              </a:ext>
+            </a:extLst>
+          </p:cNvPr>
+          <p:cNvPicPr>
+            <a:picLocks noChangeAspect="1"/>
+          </p:cNvPicPr>
+          <p:nvPr/>
+        </p:nvPicPr>
+        <p:blipFill>
+          <a:blip r:embed="rId4"/>
+          <a:stretch>
+            <a:fillRect/>
+          </a:stretch>
+        </p:blipFill>
+        <p:spPr>
+          <a:xfrm>
+            <a:off x="449874" y="3082035"/>
+            <a:ext cx="4664848" cy="1296534"/>
+          </a:xfrm>
+          <a:prstGeom prst="rect">
+            <a:avLst/>
+          </a:prstGeom>
+        </p:spPr>
+      </p:pic>
+      <p:sp>
+        <p:nvSpPr>
+          <p:cNvPr id="9" name="文本框 8">
+            <a:extLst>
+              <a:ext uri="{FF2B5EF4-FFF2-40B4-BE49-F238E27FC236}">
+                <a16:creationId xmlns:a16="http://schemas.microsoft.com/office/drawing/2014/main" id="{2B8425CB-3C66-4138-85CA-F3C4285B56AA}"/>
+              </a:ext>
+            </a:extLst>
+          </p:cNvPr>
+          <p:cNvSpPr txBox="1"/>
+          <p:nvPr/>
+        </p:nvSpPr>
+        <p:spPr>
+          <a:xfrm>
+            <a:off x="9238391" y="4699432"/>
+            <a:ext cx="861774" cy="1186961"/>
+          </a:xfrm>
+          <a:prstGeom prst="rect">
+            <a:avLst/>
+          </a:prstGeom>
+          <a:noFill/>
+        </p:spPr>
+        <p:txBody>
+          <a:bodyPr vert="eaVert" wrap="square" rtlCol="0">
+            <a:spAutoFit/>
+          </a:bodyPr>
+          <a:lstStyle/>
+          <a:p>
+            <a:r>
+              <a:rPr lang="en-US" altLang="zh-CN" sz="4400" dirty="0"/>
+              <a:t>……</a:t>
+            </a:r>
+            <a:endParaRPr lang="zh-CN" altLang="en-US" sz="4400" dirty="0"/>
+          </a:p>
+        </p:txBody>
+      </p:sp>
+      <p:sp>
+        <p:nvSpPr>
+          <p:cNvPr id="10" name="文本框 9">
+            <a:extLst>
+              <a:ext uri="{FF2B5EF4-FFF2-40B4-BE49-F238E27FC236}">
+                <a16:creationId xmlns:a16="http://schemas.microsoft.com/office/drawing/2014/main" id="{E7A5B63C-B915-4045-94BE-2DC9C1598E77}"/>
+              </a:ext>
+            </a:extLst>
+          </p:cNvPr>
+          <p:cNvSpPr txBox="1"/>
+          <p:nvPr/>
+        </p:nvSpPr>
+        <p:spPr>
+          <a:xfrm>
+            <a:off x="9302280" y="971607"/>
+            <a:ext cx="505267" cy="369332"/>
+          </a:xfrm>
+          <a:prstGeom prst="rect">
+            <a:avLst/>
+          </a:prstGeom>
+          <a:noFill/>
+        </p:spPr>
+        <p:txBody>
+          <a:bodyPr wrap="none" rtlCol="0">
+            <a:spAutoFit/>
+          </a:bodyPr>
+          <a:lstStyle/>
+          <a:p>
+            <a:r>
+              <a:rPr lang="en-US" altLang="zh-CN" dirty="0"/>
+              <a:t>CM</a:t>
+            </a:r>
+          </a:p>
+        </p:txBody>
+      </p:sp>
+      <p:sp>
+        <p:nvSpPr>
+          <p:cNvPr id="11" name="文本框 10">
+            <a:extLst>
+              <a:ext uri="{FF2B5EF4-FFF2-40B4-BE49-F238E27FC236}">
+                <a16:creationId xmlns:a16="http://schemas.microsoft.com/office/drawing/2014/main" id="{DD51C427-08F2-47A6-91BA-0C9FDB500CC1}"/>
+              </a:ext>
+            </a:extLst>
+          </p:cNvPr>
+          <p:cNvSpPr txBox="1"/>
+          <p:nvPr/>
+        </p:nvSpPr>
+        <p:spPr>
+          <a:xfrm>
+            <a:off x="9302280" y="2727620"/>
+            <a:ext cx="524503" cy="369332"/>
+          </a:xfrm>
+          <a:prstGeom prst="rect">
+            <a:avLst/>
+          </a:prstGeom>
+          <a:noFill/>
+        </p:spPr>
+        <p:txBody>
+          <a:bodyPr wrap="none" rtlCol="0">
+            <a:spAutoFit/>
+          </a:bodyPr>
+          <a:lstStyle/>
+          <a:p>
+            <a:r>
+              <a:rPr lang="en-US" altLang="zh-CN" dirty="0"/>
+              <a:t>DM</a:t>
+            </a:r>
+          </a:p>
+        </p:txBody>
+      </p:sp>
+      <p:cxnSp>
+        <p:nvCxnSpPr>
+          <p:cNvPr id="13" name="直接箭头连接符 12">
+            <a:extLst>
+              <a:ext uri="{FF2B5EF4-FFF2-40B4-BE49-F238E27FC236}">
+                <a16:creationId xmlns:a16="http://schemas.microsoft.com/office/drawing/2014/main" id="{22017CFD-027A-4BF9-94BC-5C76E2D73300}"/>
+              </a:ext>
+            </a:extLst>
+          </p:cNvPr>
+          <p:cNvCxnSpPr>
+            <a:cxnSpLocks/>
+            <a:stCxn id="8" idx="3"/>
+            <a:endCxn id="6" idx="1"/>
+          </p:cNvCxnSpPr>
+          <p:nvPr/>
+        </p:nvCxnSpPr>
+        <p:spPr>
+          <a:xfrm flipV="1">
+            <a:off x="5114722" y="1340940"/>
+            <a:ext cx="1560100" cy="2389362"/>
+          </a:xfrm>
+          <a:prstGeom prst="straightConnector1">
+            <a:avLst/>
+          </a:prstGeom>
+          <a:ln w="38100">
+            <a:headEnd type="triangle"/>
+            <a:tailEnd type="triangle"/>
+          </a:ln>
+        </p:spPr>
+        <p:style>
+          <a:lnRef idx="1">
+            <a:schemeClr val="accent1"/>
+          </a:lnRef>
+          <a:fillRef idx="0">
+            <a:schemeClr val="accent1"/>
+          </a:fillRef>
+          <a:effectRef idx="0">
+            <a:schemeClr val="accent1"/>
+          </a:effectRef>
+          <a:fontRef idx="minor">
+            <a:schemeClr val="tx1"/>
+          </a:fontRef>
+        </p:style>
+      </p:cxnSp>
+      <p:cxnSp>
+        <p:nvCxnSpPr>
+          <p:cNvPr id="14" name="直接箭头连接符 13">
+            <a:extLst>
+              <a:ext uri="{FF2B5EF4-FFF2-40B4-BE49-F238E27FC236}">
+                <a16:creationId xmlns:a16="http://schemas.microsoft.com/office/drawing/2014/main" id="{F431E477-70CC-4862-A851-059D2F17B450}"/>
+              </a:ext>
+            </a:extLst>
+          </p:cNvPr>
+          <p:cNvCxnSpPr>
+            <a:cxnSpLocks/>
+            <a:stCxn id="8" idx="3"/>
+            <a:endCxn id="7" idx="1"/>
+          </p:cNvCxnSpPr>
+          <p:nvPr/>
+        </p:nvCxnSpPr>
+        <p:spPr>
+          <a:xfrm flipV="1">
+            <a:off x="5114722" y="3082035"/>
+            <a:ext cx="1560100" cy="648267"/>
+          </a:xfrm>
+          <a:prstGeom prst="straightConnector1">
+            <a:avLst/>
+          </a:prstGeom>
+          <a:ln w="38100">
+            <a:headEnd type="triangle"/>
+            <a:tailEnd type="triangle"/>
+          </a:ln>
+        </p:spPr>
+        <p:style>
+          <a:lnRef idx="1">
+            <a:schemeClr val="accent1"/>
+          </a:lnRef>
+          <a:fillRef idx="0">
+            <a:schemeClr val="accent1"/>
+          </a:fillRef>
+          <a:effectRef idx="0">
+            <a:schemeClr val="accent1"/>
+          </a:effectRef>
+          <a:fontRef idx="minor">
+            <a:schemeClr val="tx1"/>
+          </a:fontRef>
+        </p:style>
+      </p:cxnSp>
+      <p:cxnSp>
+        <p:nvCxnSpPr>
+          <p:cNvPr id="18" name="直接箭头连接符 17">
+            <a:extLst>
+              <a:ext uri="{FF2B5EF4-FFF2-40B4-BE49-F238E27FC236}">
+                <a16:creationId xmlns:a16="http://schemas.microsoft.com/office/drawing/2014/main" id="{876530E5-D5D4-4E64-AEE0-E3DC179FBEC0}"/>
+              </a:ext>
+            </a:extLst>
+          </p:cNvPr>
+          <p:cNvCxnSpPr>
+            <a:cxnSpLocks/>
+            <a:stCxn id="8" idx="3"/>
+          </p:cNvCxnSpPr>
+          <p:nvPr/>
+        </p:nvCxnSpPr>
+        <p:spPr>
+          <a:xfrm>
+            <a:off x="5114722" y="3730302"/>
+            <a:ext cx="1599140" cy="850491"/>
+          </a:xfrm>
+          <a:prstGeom prst="straightConnector1">
+            <a:avLst/>
+          </a:prstGeom>
+          <a:ln w="38100">
+            <a:headEnd type="triangle"/>
+            <a:tailEnd type="triangle"/>
+          </a:ln>
+        </p:spPr>
+        <p:style>
+          <a:lnRef idx="1">
+            <a:schemeClr val="accent1"/>
+          </a:lnRef>
+          <a:fillRef idx="0">
+            <a:schemeClr val="accent1"/>
+          </a:fillRef>
+          <a:effectRef idx="0">
+            <a:schemeClr val="accent1"/>
+          </a:effectRef>
+          <a:fontRef idx="minor">
+            <a:schemeClr val="tx1"/>
+          </a:fontRef>
+        </p:style>
+      </p:cxnSp>
+      <p:sp>
+        <p:nvSpPr>
+          <p:cNvPr id="22" name="文本框 21">
+            <a:extLst>
+              <a:ext uri="{FF2B5EF4-FFF2-40B4-BE49-F238E27FC236}">
+                <a16:creationId xmlns:a16="http://schemas.microsoft.com/office/drawing/2014/main" id="{77666A35-76AA-468B-B5A2-3EC271D69B54}"/>
+              </a:ext>
+            </a:extLst>
+          </p:cNvPr>
+          <p:cNvSpPr txBox="1"/>
+          <p:nvPr/>
+        </p:nvSpPr>
+        <p:spPr>
+          <a:xfrm>
+            <a:off x="9302280" y="4211461"/>
+            <a:ext cx="494046" cy="369332"/>
+          </a:xfrm>
+          <a:prstGeom prst="rect">
+            <a:avLst/>
+          </a:prstGeom>
+          <a:noFill/>
+        </p:spPr>
+        <p:txBody>
+          <a:bodyPr wrap="none" rtlCol="0">
+            <a:spAutoFit/>
+          </a:bodyPr>
+          <a:lstStyle/>
+          <a:p>
+            <a:r>
+              <a:rPr lang="en-US" altLang="zh-CN" dirty="0"/>
+              <a:t>EM</a:t>
+            </a:r>
+          </a:p>
+        </p:txBody>
+      </p:sp>
+      <p:sp>
+        <p:nvSpPr>
+          <p:cNvPr id="23" name="文本框 22">
+            <a:extLst>
+              <a:ext uri="{FF2B5EF4-FFF2-40B4-BE49-F238E27FC236}">
+                <a16:creationId xmlns:a16="http://schemas.microsoft.com/office/drawing/2014/main" id="{23E9ED3F-7A04-442F-A238-DE7CE1329DA3}"/>
+              </a:ext>
+            </a:extLst>
+          </p:cNvPr>
+          <p:cNvSpPr txBox="1"/>
+          <p:nvPr/>
+        </p:nvSpPr>
+        <p:spPr>
+          <a:xfrm>
+            <a:off x="5114722" y="5831166"/>
+            <a:ext cx="1560042" cy="369332"/>
+          </a:xfrm>
+          <a:prstGeom prst="rect">
+            <a:avLst/>
+          </a:prstGeom>
+          <a:noFill/>
+        </p:spPr>
+        <p:txBody>
+          <a:bodyPr wrap="none" rtlCol="0">
+            <a:spAutoFit/>
+          </a:bodyPr>
+          <a:lstStyle/>
+          <a:p>
+            <a:r>
+              <a:rPr lang="en-US" altLang="zh-CN" dirty="0"/>
+              <a:t>EMD</a:t>
+            </a:r>
+            <a:r>
+              <a:rPr lang="ja-JP" altLang="en-US" dirty="0"/>
+              <a:t>距離計算</a:t>
+            </a:r>
+            <a:endParaRPr lang="zh-CN" altLang="en-US" dirty="0"/>
+          </a:p>
+        </p:txBody>
+      </p:sp>
+      <p:sp>
+        <p:nvSpPr>
+          <p:cNvPr id="24" name="文本框 23">
+            <a:extLst>
+              <a:ext uri="{FF2B5EF4-FFF2-40B4-BE49-F238E27FC236}">
+                <a16:creationId xmlns:a16="http://schemas.microsoft.com/office/drawing/2014/main" id="{CEA4EBED-E168-4DDB-B4EF-FBE82EAF2D8F}"/>
+              </a:ext>
+            </a:extLst>
+          </p:cNvPr>
+          <p:cNvSpPr txBox="1"/>
+          <p:nvPr/>
+        </p:nvSpPr>
+        <p:spPr>
+          <a:xfrm>
+            <a:off x="2020882" y="5831166"/>
+            <a:ext cx="1338828" cy="369332"/>
+          </a:xfrm>
+          <a:prstGeom prst="rect">
+            <a:avLst/>
+          </a:prstGeom>
+          <a:noFill/>
+        </p:spPr>
+        <p:txBody>
+          <a:bodyPr wrap="none" rtlCol="0">
+            <a:spAutoFit/>
+          </a:bodyPr>
+          <a:lstStyle/>
+          <a:p>
+            <a:r>
+              <a:rPr lang="ja-JP" altLang="en-US" dirty="0"/>
+              <a:t>商品色分布</a:t>
+            </a:r>
+            <a:endParaRPr lang="zh-CN" altLang="en-US" dirty="0"/>
+          </a:p>
+        </p:txBody>
+      </p:sp>
+      <p:sp>
+        <p:nvSpPr>
+          <p:cNvPr id="25" name="文本框 24">
+            <a:extLst>
+              <a:ext uri="{FF2B5EF4-FFF2-40B4-BE49-F238E27FC236}">
+                <a16:creationId xmlns:a16="http://schemas.microsoft.com/office/drawing/2014/main" id="{563ACCC6-E362-4223-B12C-2BA9C3641196}"/>
+              </a:ext>
+            </a:extLst>
+          </p:cNvPr>
+          <p:cNvSpPr txBox="1"/>
+          <p:nvPr/>
+        </p:nvSpPr>
+        <p:spPr>
+          <a:xfrm>
+            <a:off x="7744843" y="5831223"/>
+            <a:ext cx="2492990" cy="369332"/>
+          </a:xfrm>
+          <a:prstGeom prst="rect">
+            <a:avLst/>
+          </a:prstGeom>
+          <a:noFill/>
+        </p:spPr>
+        <p:txBody>
+          <a:bodyPr wrap="none" rtlCol="0">
+            <a:spAutoFit/>
+          </a:bodyPr>
+          <a:lstStyle/>
+          <a:p>
+            <a:r>
+              <a:rPr lang="ja-JP" altLang="en-US" dirty="0"/>
+              <a:t>調性格の共感覚色分布</a:t>
+            </a:r>
+            <a:endParaRPr lang="zh-CN" altLang="en-US" dirty="0"/>
+          </a:p>
+        </p:txBody>
+      </p:sp>
+      <p:sp>
+        <p:nvSpPr>
+          <p:cNvPr id="26" name="矩形: 圆角 25">
+            <a:extLst>
+              <a:ext uri="{FF2B5EF4-FFF2-40B4-BE49-F238E27FC236}">
+                <a16:creationId xmlns:a16="http://schemas.microsoft.com/office/drawing/2014/main" id="{17E0C92E-75E6-4EFC-A3C7-830BF70D3212}"/>
+              </a:ext>
+            </a:extLst>
+          </p:cNvPr>
+          <p:cNvSpPr/>
+          <p:nvPr/>
+        </p:nvSpPr>
+        <p:spPr>
+          <a:xfrm>
+            <a:off x="290146" y="2535621"/>
+            <a:ext cx="5029200" cy="2440825"/>
+          </a:xfrm>
+          <a:prstGeom prst="roundRect">
+            <a:avLst/>
+          </a:prstGeom>
+          <a:noFill/>
+          <a:ln w="28575"/>
+        </p:spPr>
+        <p:style>
+          <a:lnRef idx="2">
+            <a:schemeClr val="accent1">
+              <a:shade val="50000"/>
+            </a:schemeClr>
+          </a:lnRef>
+          <a:fillRef idx="1">
+            <a:schemeClr val="accent1"/>
+          </a:fillRef>
+          <a:effectRef idx="0">
+            <a:schemeClr val="accent1"/>
+          </a:effectRef>
+          <a:fontRef idx="minor">
+            <a:schemeClr val="lt1"/>
+          </a:fontRef>
+        </p:style>
+        <p:txBody>
+          <a:bodyPr rtlCol="0" anchor="ctr"/>
+          <a:lstStyle/>
+          <a:p>
+            <a:pPr algn="ctr"/>
+            <a:endParaRPr lang="zh-CN" altLang="en-US"/>
+          </a:p>
+        </p:txBody>
+      </p:sp>
+      <p:sp>
+        <p:nvSpPr>
+          <p:cNvPr id="27" name="矩形: 圆角 26">
+            <a:extLst>
+              <a:ext uri="{FF2B5EF4-FFF2-40B4-BE49-F238E27FC236}">
+                <a16:creationId xmlns:a16="http://schemas.microsoft.com/office/drawing/2014/main" id="{99BFA61B-283C-42D2-9DA3-9B564F7EB446}"/>
+              </a:ext>
+            </a:extLst>
+          </p:cNvPr>
+          <p:cNvSpPr/>
+          <p:nvPr/>
+        </p:nvSpPr>
+        <p:spPr>
+          <a:xfrm>
+            <a:off x="6509238" y="330154"/>
+            <a:ext cx="5029200" cy="5420015"/>
+          </a:xfrm>
+          <a:prstGeom prst="roundRect">
+            <a:avLst/>
+          </a:prstGeom>
+          <a:noFill/>
+          <a:ln w="28575"/>
+        </p:spPr>
+        <p:style>
+          <a:lnRef idx="2">
+            <a:schemeClr val="accent1">
+              <a:shade val="50000"/>
+            </a:schemeClr>
+          </a:lnRef>
+          <a:fillRef idx="1">
+            <a:schemeClr val="accent1"/>
+          </a:fillRef>
+          <a:effectRef idx="0">
+            <a:schemeClr val="accent1"/>
+          </a:effectRef>
+          <a:fontRef idx="minor">
+            <a:schemeClr val="lt1"/>
+          </a:fontRef>
+        </p:style>
+        <p:txBody>
+          <a:bodyPr rtlCol="0" anchor="ctr"/>
+          <a:lstStyle/>
+          <a:p>
+            <a:pPr algn="ctr"/>
+            <a:endParaRPr lang="zh-CN" altLang="en-US"/>
+          </a:p>
+        </p:txBody>
+      </p:sp>
+    </p:spTree>
+    <p:extLst>
+      <p:ext uri="{BB962C8B-B14F-4D97-AF65-F5344CB8AC3E}">
+        <p14:creationId xmlns:p14="http://schemas.microsoft.com/office/powerpoint/2010/main" val="3219083665"/>
+      </p:ext>
+    </p:extLst>
+  </p:cSld>
+  <p:clrMapOvr>
+    <a:masterClrMapping/>
+  </p:clrMapOvr>
+</p:sld>
+</file>
+
 <file path=ppt/slides/slide3.xml><?xml version="1.0" encoding="utf-8"?>
 <p:sld xmlns:a="http://schemas.openxmlformats.org/drawingml/2006/main" xmlns:r="http://schemas.openxmlformats.org/officeDocument/2006/relationships" xmlns:p="http://schemas.openxmlformats.org/presentationml/2006/main">
   <p:cSld>
@@ -7534,7 +8485,13 @@
         <p:nvGraphicFramePr>
           <p:cNvPr id="284" name="Shape 284"/>
           <p:cNvGraphicFramePr/>
-          <p:nvPr/>
+          <p:nvPr>
+            <p:extLst>
+              <p:ext uri="{D42A27DB-BD31-4B8C-83A1-F6EECF244321}">
+                <p14:modId xmlns:p14="http://schemas.microsoft.com/office/powerpoint/2010/main" val="3691877841"/>
+              </p:ext>
+            </p:extLst>
+          </p:nvPr>
         </p:nvGraphicFramePr>
         <p:xfrm>
           <a:off x="1741170" y="1845309"/>
@@ -8186,7 +9143,7 @@
                         <a:buNone/>
                       </a:pPr>
                       <a:r>
-                        <a:rPr lang="en-US" altLang="ja-JP" sz="1800" u="none" strike="noStrike" cap="none"/>
+                        <a:rPr lang="en-US" altLang="ja-JP" sz="1800" u="none" strike="noStrike" cap="none" dirty="0"/>
                         <a:t>1</a:t>
                       </a:r>
                     </a:p>

--- a/ppt.pptx
+++ b/ppt.pptx
@@ -264,7 +264,7 @@
           <a:p>
             <a:fld id="{D997B5FA-0921-464F-AAE1-844C04324D75}" type="datetimeFigureOut">
               <a:rPr lang="zh-CN" altLang="en-US" smtClean="0"/>
-              <a:t>2018/1/7</a:t>
+              <a:t>2018/1/18</a:t>
             </a:fld>
             <a:endParaRPr lang="zh-CN" altLang="en-US"/>
           </a:p>
@@ -427,7 +427,7 @@
           <a:p>
             <a:fld id="{D997B5FA-0921-464F-AAE1-844C04324D75}" type="datetimeFigureOut">
               <a:rPr lang="zh-CN" altLang="en-US" smtClean="0"/>
-              <a:t>2018/1/7</a:t>
+              <a:t>2018/1/18</a:t>
             </a:fld>
             <a:endParaRPr lang="zh-CN" altLang="en-US"/>
           </a:p>
@@ -600,7 +600,7 @@
           <a:p>
             <a:fld id="{D997B5FA-0921-464F-AAE1-844C04324D75}" type="datetimeFigureOut">
               <a:rPr lang="zh-CN" altLang="en-US" smtClean="0"/>
-              <a:t>2018/1/7</a:t>
+              <a:t>2018/1/18</a:t>
             </a:fld>
             <a:endParaRPr lang="zh-CN" altLang="en-US"/>
           </a:p>
@@ -763,7 +763,7 @@
           <a:p>
             <a:fld id="{D997B5FA-0921-464F-AAE1-844C04324D75}" type="datetimeFigureOut">
               <a:rPr lang="zh-CN" altLang="en-US" smtClean="0"/>
-              <a:t>2018/1/7</a:t>
+              <a:t>2018/1/18</a:t>
             </a:fld>
             <a:endParaRPr lang="zh-CN" altLang="en-US"/>
           </a:p>
@@ -1003,7 +1003,7 @@
           <a:p>
             <a:fld id="{D997B5FA-0921-464F-AAE1-844C04324D75}" type="datetimeFigureOut">
               <a:rPr lang="zh-CN" altLang="en-US" smtClean="0"/>
-              <a:t>2018/1/7</a:t>
+              <a:t>2018/1/18</a:t>
             </a:fld>
             <a:endParaRPr lang="zh-CN" altLang="en-US"/>
           </a:p>
@@ -1227,7 +1227,7 @@
           <a:p>
             <a:fld id="{D997B5FA-0921-464F-AAE1-844C04324D75}" type="datetimeFigureOut">
               <a:rPr lang="zh-CN" altLang="en-US" smtClean="0"/>
-              <a:t>2018/1/7</a:t>
+              <a:t>2018/1/18</a:t>
             </a:fld>
             <a:endParaRPr lang="zh-CN" altLang="en-US"/>
           </a:p>
@@ -1586,7 +1586,7 @@
           <a:p>
             <a:fld id="{D997B5FA-0921-464F-AAE1-844C04324D75}" type="datetimeFigureOut">
               <a:rPr lang="zh-CN" altLang="en-US" smtClean="0"/>
-              <a:t>2018/1/7</a:t>
+              <a:t>2018/1/18</a:t>
             </a:fld>
             <a:endParaRPr lang="zh-CN" altLang="en-US"/>
           </a:p>
@@ -1698,7 +1698,7 @@
           <a:p>
             <a:fld id="{D997B5FA-0921-464F-AAE1-844C04324D75}" type="datetimeFigureOut">
               <a:rPr lang="zh-CN" altLang="en-US" smtClean="0"/>
-              <a:t>2018/1/7</a:t>
+              <a:t>2018/1/18</a:t>
             </a:fld>
             <a:endParaRPr lang="zh-CN" altLang="en-US"/>
           </a:p>
@@ -1788,7 +1788,7 @@
           <a:p>
             <a:fld id="{D997B5FA-0921-464F-AAE1-844C04324D75}" type="datetimeFigureOut">
               <a:rPr lang="zh-CN" altLang="en-US" smtClean="0"/>
-              <a:t>2018/1/7</a:t>
+              <a:t>2018/1/18</a:t>
             </a:fld>
             <a:endParaRPr lang="zh-CN" altLang="en-US"/>
           </a:p>
@@ -2058,7 +2058,7 @@
           <a:p>
             <a:fld id="{D997B5FA-0921-464F-AAE1-844C04324D75}" type="datetimeFigureOut">
               <a:rPr lang="zh-CN" altLang="en-US" smtClean="0"/>
-              <a:t>2018/1/7</a:t>
+              <a:t>2018/1/18</a:t>
             </a:fld>
             <a:endParaRPr lang="zh-CN" altLang="en-US"/>
           </a:p>
@@ -2305,7 +2305,7 @@
           <a:p>
             <a:fld id="{D997B5FA-0921-464F-AAE1-844C04324D75}" type="datetimeFigureOut">
               <a:rPr lang="zh-CN" altLang="en-US" smtClean="0"/>
-              <a:t>2018/1/7</a:t>
+              <a:t>2018/1/18</a:t>
             </a:fld>
             <a:endParaRPr lang="zh-CN" altLang="en-US"/>
           </a:p>
@@ -2511,7 +2511,7 @@
           <a:p>
             <a:fld id="{D997B5FA-0921-464F-AAE1-844C04324D75}" type="datetimeFigureOut">
               <a:rPr lang="zh-CN" altLang="en-US" smtClean="0"/>
-              <a:t>2018/1/7</a:t>
+              <a:t>2018/1/18</a:t>
             </a:fld>
             <a:endParaRPr lang="zh-CN" altLang="en-US"/>
           </a:p>
@@ -5484,479 +5484,500 @@
       </p:grpSpPr>
       <p:grpSp>
         <p:nvGrpSpPr>
-          <p:cNvPr id="6" name="组合 5"/>
+          <p:cNvPr id="2" name="组合 1">
+            <a:extLst>
+              <a:ext uri="{FF2B5EF4-FFF2-40B4-BE49-F238E27FC236}">
+                <a16:creationId xmlns:a16="http://schemas.microsoft.com/office/drawing/2014/main" id="{599104F9-0F60-4A93-B9EE-69EF01395B40}"/>
+              </a:ext>
+            </a:extLst>
+          </p:cNvPr>
           <p:cNvGrpSpPr/>
           <p:nvPr/>
         </p:nvGrpSpPr>
         <p:grpSpPr>
           <a:xfrm>
             <a:off x="680720" y="752475"/>
-            <a:ext cx="1992630" cy="2094230"/>
-            <a:chOff x="2002" y="5292"/>
-            <a:chExt cx="3138" cy="3298"/>
+            <a:ext cx="10583545" cy="5121275"/>
+            <a:chOff x="680720" y="752475"/>
+            <a:chExt cx="10583545" cy="5121275"/>
           </a:xfrm>
         </p:grpSpPr>
-        <p:pic>
-          <p:nvPicPr>
-            <p:cNvPr id="4" name="图片 3"/>
-            <p:cNvPicPr>
-              <a:picLocks noChangeAspect="1"/>
-            </p:cNvPicPr>
+        <p:grpSp>
+          <p:nvGrpSpPr>
+            <p:cNvPr id="6" name="组合 5"/>
+            <p:cNvGrpSpPr/>
             <p:nvPr/>
-          </p:nvPicPr>
-          <p:blipFill>
-            <a:blip r:embed="rId2"/>
-            <a:stretch>
-              <a:fillRect/>
-            </a:stretch>
-          </p:blipFill>
-          <p:spPr>
+          </p:nvGrpSpPr>
+          <p:grpSpPr>
             <a:xfrm>
-              <a:off x="2352" y="5292"/>
-              <a:ext cx="2395" cy="2395"/>
+              <a:off x="680720" y="752475"/>
+              <a:ext cx="1992630" cy="2094230"/>
+              <a:chOff x="2002" y="5292"/>
+              <a:chExt cx="3138" cy="3298"/>
             </a:xfrm>
-            <a:prstGeom prst="rect">
-              <a:avLst/>
-            </a:prstGeom>
-          </p:spPr>
-        </p:pic>
+          </p:grpSpPr>
+          <p:pic>
+            <p:nvPicPr>
+              <p:cNvPr id="4" name="图片 3"/>
+              <p:cNvPicPr>
+                <a:picLocks noChangeAspect="1"/>
+              </p:cNvPicPr>
+              <p:nvPr/>
+            </p:nvPicPr>
+            <p:blipFill>
+              <a:blip r:embed="rId2"/>
+              <a:stretch>
+                <a:fillRect/>
+              </a:stretch>
+            </p:blipFill>
+            <p:spPr>
+              <a:xfrm>
+                <a:off x="2352" y="5292"/>
+                <a:ext cx="2395" cy="2395"/>
+              </a:xfrm>
+              <a:prstGeom prst="rect">
+                <a:avLst/>
+              </a:prstGeom>
+            </p:spPr>
+          </p:pic>
+          <p:sp>
+            <p:nvSpPr>
+              <p:cNvPr id="5" name="文本框 4"/>
+              <p:cNvSpPr txBox="1"/>
+              <p:nvPr/>
+            </p:nvSpPr>
+            <p:spPr>
+              <a:xfrm>
+                <a:off x="2002" y="8010"/>
+                <a:ext cx="3138" cy="580"/>
+              </a:xfrm>
+              <a:prstGeom prst="rect">
+                <a:avLst/>
+              </a:prstGeom>
+              <a:noFill/>
+            </p:spPr>
+            <p:txBody>
+              <a:bodyPr wrap="none" rtlCol="0">
+                <a:spAutoFit/>
+              </a:bodyPr>
+              <a:lstStyle/>
+              <a:p>
+                <a:r>
+                  <a:rPr lang="ja-JP" altLang="en-US" b="1"/>
+                  <a:t>トレーニングデータ</a:t>
+                </a:r>
+              </a:p>
+            </p:txBody>
+          </p:sp>
+        </p:grpSp>
+        <p:grpSp>
+          <p:nvGrpSpPr>
+            <p:cNvPr id="7" name="组合 6"/>
+            <p:cNvGrpSpPr/>
+            <p:nvPr/>
+          </p:nvGrpSpPr>
+          <p:grpSpPr>
+            <a:xfrm>
+              <a:off x="902970" y="3798570"/>
+              <a:ext cx="1520825" cy="2075180"/>
+              <a:chOff x="2352" y="5292"/>
+              <a:chExt cx="2395" cy="3268"/>
+            </a:xfrm>
+          </p:grpSpPr>
+          <p:pic>
+            <p:nvPicPr>
+              <p:cNvPr id="8" name="图片 7"/>
+              <p:cNvPicPr>
+                <a:picLocks noChangeAspect="1"/>
+              </p:cNvPicPr>
+              <p:nvPr/>
+            </p:nvPicPr>
+            <p:blipFill>
+              <a:blip r:embed="rId2"/>
+              <a:stretch>
+                <a:fillRect/>
+              </a:stretch>
+            </p:blipFill>
+            <p:spPr>
+              <a:xfrm>
+                <a:off x="2352" y="5292"/>
+                <a:ext cx="2395" cy="2395"/>
+              </a:xfrm>
+              <a:prstGeom prst="rect">
+                <a:avLst/>
+              </a:prstGeom>
+            </p:spPr>
+          </p:pic>
+          <p:sp>
+            <p:nvSpPr>
+              <p:cNvPr id="9" name="文本框 8"/>
+              <p:cNvSpPr txBox="1"/>
+              <p:nvPr/>
+            </p:nvSpPr>
+            <p:spPr>
+              <a:xfrm>
+                <a:off x="2578" y="7980"/>
+                <a:ext cx="1986" cy="580"/>
+              </a:xfrm>
+              <a:prstGeom prst="rect">
+                <a:avLst/>
+              </a:prstGeom>
+              <a:noFill/>
+            </p:spPr>
+            <p:txBody>
+              <a:bodyPr wrap="none" rtlCol="0">
+                <a:spAutoFit/>
+              </a:bodyPr>
+              <a:lstStyle/>
+              <a:p>
+                <a:r>
+                  <a:rPr lang="ja-JP" altLang="en-US" b="1"/>
+                  <a:t>検証データ</a:t>
+                </a:r>
+              </a:p>
+            </p:txBody>
+          </p:sp>
+        </p:grpSp>
         <p:sp>
           <p:nvSpPr>
-            <p:cNvPr id="5" name="文本框 4"/>
-            <p:cNvSpPr txBox="1"/>
+            <p:cNvPr id="10" name="圆角矩形 9"/>
+            <p:cNvSpPr/>
             <p:nvPr/>
           </p:nvSpPr>
           <p:spPr>
             <a:xfrm>
-              <a:off x="2002" y="8010"/>
-              <a:ext cx="3138" cy="580"/>
+              <a:off x="3916680" y="752475"/>
+              <a:ext cx="2725420" cy="1725930"/>
             </a:xfrm>
-            <a:prstGeom prst="rect">
+            <a:prstGeom prst="roundRect">
               <a:avLst/>
             </a:prstGeom>
             <a:noFill/>
+            <a:extLst>
+              <a:ext uri="{909E8E84-426E-40DD-AFC4-6F175D3DCCD1}">
+                <a14:hiddenFill xmlns:a14="http://schemas.microsoft.com/office/drawing/2010/main">
+                  <a:solidFill>
+                    <a:schemeClr val="accent1"/>
+                  </a:solidFill>
+                </a14:hiddenFill>
+              </a:ext>
+            </a:extLst>
           </p:spPr>
+          <p:style>
+            <a:lnRef idx="2">
+              <a:schemeClr val="accent1">
+                <a:shade val="50000"/>
+              </a:schemeClr>
+            </a:lnRef>
+            <a:fillRef idx="1">
+              <a:schemeClr val="accent1"/>
+            </a:fillRef>
+            <a:effectRef idx="0">
+              <a:schemeClr val="accent1"/>
+            </a:effectRef>
+            <a:fontRef idx="minor">
+              <a:schemeClr val="lt1"/>
+            </a:fontRef>
+          </p:style>
           <p:txBody>
-            <a:bodyPr wrap="none" rtlCol="0">
-              <a:spAutoFit/>
-            </a:bodyPr>
+            <a:bodyPr rtlCol="0" anchor="ctr"/>
             <a:lstStyle/>
             <a:p>
+              <a:pPr algn="ctr"/>
               <a:r>
-                <a:rPr lang="ja-JP" altLang="en-US" b="1"/>
-                <a:t>トレーニングデータ</a:t>
+                <a:rPr lang="ja-JP" altLang="zh-CN" sz="4400">
+                  <a:solidFill>
+                    <a:schemeClr val="tx1"/>
+                  </a:solidFill>
+                </a:rPr>
+                <a:t>レコメンド</a:t>
+              </a:r>
+            </a:p>
+          </p:txBody>
+        </p:sp>
+        <p:sp>
+          <p:nvSpPr>
+            <p:cNvPr id="13" name="右箭头 12"/>
+            <p:cNvSpPr/>
+            <p:nvPr/>
+          </p:nvSpPr>
+          <p:spPr>
+            <a:xfrm>
+              <a:off x="2638425" y="1285875"/>
+              <a:ext cx="1104900" cy="857250"/>
+            </a:xfrm>
+            <a:prstGeom prst="rightArrow">
+              <a:avLst/>
+            </a:prstGeom>
+          </p:spPr>
+          <p:style>
+            <a:lnRef idx="2">
+              <a:schemeClr val="accent1">
+                <a:shade val="50000"/>
+              </a:schemeClr>
+            </a:lnRef>
+            <a:fillRef idx="1">
+              <a:schemeClr val="accent1"/>
+            </a:fillRef>
+            <a:effectRef idx="0">
+              <a:schemeClr val="accent1"/>
+            </a:effectRef>
+            <a:fontRef idx="minor">
+              <a:schemeClr val="lt1"/>
+            </a:fontRef>
+          </p:style>
+          <p:txBody>
+            <a:bodyPr rtlCol="0" anchor="ctr"/>
+            <a:lstStyle/>
+            <a:p>
+              <a:pPr algn="ctr"/>
+              <a:endParaRPr lang="zh-CN" altLang="en-US"/>
+            </a:p>
+          </p:txBody>
+        </p:sp>
+        <p:sp>
+          <p:nvSpPr>
+            <p:cNvPr id="14" name="右箭头 13"/>
+            <p:cNvSpPr/>
+            <p:nvPr/>
+          </p:nvSpPr>
+          <p:spPr>
+            <a:xfrm>
+              <a:off x="6962140" y="1285875"/>
+              <a:ext cx="1104900" cy="857250"/>
+            </a:xfrm>
+            <a:prstGeom prst="rightArrow">
+              <a:avLst/>
+            </a:prstGeom>
+          </p:spPr>
+          <p:style>
+            <a:lnRef idx="2">
+              <a:schemeClr val="accent1">
+                <a:shade val="50000"/>
+              </a:schemeClr>
+            </a:lnRef>
+            <a:fillRef idx="1">
+              <a:schemeClr val="accent1"/>
+            </a:fillRef>
+            <a:effectRef idx="0">
+              <a:schemeClr val="accent1"/>
+            </a:effectRef>
+            <a:fontRef idx="minor">
+              <a:schemeClr val="lt1"/>
+            </a:fontRef>
+          </p:style>
+          <p:txBody>
+            <a:bodyPr rtlCol="0" anchor="ctr"/>
+            <a:lstStyle/>
+            <a:p>
+              <a:pPr algn="ctr"/>
+              <a:endParaRPr lang="zh-CN" altLang="en-US"/>
+            </a:p>
+          </p:txBody>
+        </p:sp>
+        <p:sp>
+          <p:nvSpPr>
+            <p:cNvPr id="15" name="圆角矩形 14"/>
+            <p:cNvSpPr/>
+            <p:nvPr/>
+          </p:nvSpPr>
+          <p:spPr>
+            <a:xfrm>
+              <a:off x="8234680" y="752475"/>
+              <a:ext cx="3029585" cy="5121275"/>
+            </a:xfrm>
+            <a:prstGeom prst="roundRect">
+              <a:avLst/>
+            </a:prstGeom>
+            <a:noFill/>
+            <a:extLst>
+              <a:ext uri="{909E8E84-426E-40DD-AFC4-6F175D3DCCD1}">
+                <a14:hiddenFill xmlns:a14="http://schemas.microsoft.com/office/drawing/2010/main">
+                  <a:solidFill>
+                    <a:schemeClr val="accent1"/>
+                  </a:solidFill>
+                </a14:hiddenFill>
+              </a:ext>
+            </a:extLst>
+          </p:spPr>
+          <p:style>
+            <a:lnRef idx="2">
+              <a:schemeClr val="accent1">
+                <a:shade val="50000"/>
+              </a:schemeClr>
+            </a:lnRef>
+            <a:fillRef idx="1">
+              <a:schemeClr val="accent1"/>
+            </a:fillRef>
+            <a:effectRef idx="0">
+              <a:schemeClr val="accent1"/>
+            </a:effectRef>
+            <a:fontRef idx="minor">
+              <a:schemeClr val="lt1"/>
+            </a:fontRef>
+          </p:style>
+          <p:txBody>
+            <a:bodyPr rtlCol="0" anchor="ctr"/>
+            <a:lstStyle/>
+            <a:p>
+              <a:pPr algn="ctr"/>
+              <a:r>
+                <a:rPr lang="ja-JP" altLang="en-US" sz="4400">
+                  <a:solidFill>
+                    <a:schemeClr val="tx1"/>
+                  </a:solidFill>
+                </a:rPr>
+                <a:t>レコメンド結果</a:t>
+              </a:r>
+              <a:r>
+                <a:rPr lang="en-US" altLang="ja-JP" sz="4400">
+                  <a:solidFill>
+                    <a:schemeClr val="tx1"/>
+                  </a:solidFill>
+                </a:rPr>
+                <a:t>1</a:t>
+              </a:r>
+              <a:r>
+                <a:rPr lang="ja-JP" altLang="en-US" sz="4400">
+                  <a:solidFill>
+                    <a:schemeClr val="tx1"/>
+                  </a:solidFill>
+                </a:rPr>
+                <a:t>．</a:t>
+              </a:r>
+              <a:r>
+                <a:rPr lang="en-US" altLang="ja-JP" sz="4400">
+                  <a:solidFill>
+                    <a:schemeClr val="tx1"/>
+                  </a:solidFill>
+                </a:rPr>
+                <a:t>ItemA</a:t>
+              </a:r>
+            </a:p>
+            <a:p>
+              <a:pPr algn="ctr"/>
+              <a:r>
+                <a:rPr lang="en-US" altLang="ja-JP" sz="4400">
+                  <a:solidFill>
+                    <a:schemeClr val="tx1"/>
+                  </a:solidFill>
+                </a:rPr>
+                <a:t>2</a:t>
+              </a:r>
+              <a:r>
+                <a:rPr lang="ja-JP" altLang="en-US" sz="4400">
+                  <a:solidFill>
+                    <a:schemeClr val="tx1"/>
+                  </a:solidFill>
+                </a:rPr>
+                <a:t>．</a:t>
+              </a:r>
+              <a:r>
+                <a:rPr lang="en-US" altLang="ja-JP" sz="4400">
+                  <a:solidFill>
+                    <a:schemeClr val="tx1"/>
+                  </a:solidFill>
+                </a:rPr>
+                <a:t>ItemB</a:t>
+              </a:r>
+            </a:p>
+            <a:p>
+              <a:pPr algn="ctr"/>
+              <a:r>
+                <a:rPr lang="en-US" altLang="ja-JP" sz="4400">
+                  <a:solidFill>
+                    <a:schemeClr val="tx1"/>
+                  </a:solidFill>
+                </a:rPr>
+                <a:t>3</a:t>
+              </a:r>
+              <a:r>
+                <a:rPr lang="ja-JP" altLang="en-US" sz="4400">
+                  <a:solidFill>
+                    <a:schemeClr val="tx1"/>
+                  </a:solidFill>
+                </a:rPr>
+                <a:t>．</a:t>
+              </a:r>
+              <a:r>
+                <a:rPr lang="en-US" altLang="ja-JP" sz="4400">
+                  <a:solidFill>
+                    <a:schemeClr val="tx1"/>
+                  </a:solidFill>
+                </a:rPr>
+                <a:t>ItemC</a:t>
+              </a:r>
+            </a:p>
+            <a:p>
+              <a:pPr algn="ctr"/>
+              <a:r>
+                <a:rPr lang="en-US" altLang="ja-JP" sz="4400">
+                  <a:solidFill>
+                    <a:schemeClr val="tx1"/>
+                  </a:solidFill>
+                </a:rPr>
+                <a:t>…</a:t>
+              </a:r>
+            </a:p>
+          </p:txBody>
+        </p:sp>
+        <p:sp>
+          <p:nvSpPr>
+            <p:cNvPr id="16" name="左右箭头 15"/>
+            <p:cNvSpPr/>
+            <p:nvPr/>
+          </p:nvSpPr>
+          <p:spPr>
+            <a:xfrm>
+              <a:off x="2638425" y="4176395"/>
+              <a:ext cx="5393690" cy="1143000"/>
+            </a:xfrm>
+            <a:prstGeom prst="leftRightArrow">
+              <a:avLst/>
+            </a:prstGeom>
+            <a:solidFill>
+              <a:schemeClr val="accent6">
+                <a:lumMod val="60000"/>
+                <a:lumOff val="40000"/>
+              </a:schemeClr>
+            </a:solidFill>
+            <a:ln>
+              <a:noFill/>
+            </a:ln>
+          </p:spPr>
+          <p:style>
+            <a:lnRef idx="2">
+              <a:schemeClr val="accent1">
+                <a:shade val="50000"/>
+              </a:schemeClr>
+            </a:lnRef>
+            <a:fillRef idx="1">
+              <a:schemeClr val="accent1"/>
+            </a:fillRef>
+            <a:effectRef idx="0">
+              <a:schemeClr val="accent1"/>
+            </a:effectRef>
+            <a:fontRef idx="minor">
+              <a:schemeClr val="lt1"/>
+            </a:fontRef>
+          </p:style>
+          <p:txBody>
+            <a:bodyPr rtlCol="0" anchor="ctr"/>
+            <a:lstStyle/>
+            <a:p>
+              <a:pPr algn="ctr"/>
+              <a:r>
+                <a:rPr lang="ja-JP" altLang="zh-CN" sz="3200" b="1">
+                  <a:solidFill>
+                    <a:schemeClr val="tx1"/>
+                  </a:solidFill>
+                </a:rPr>
+                <a:t>比較</a:t>
               </a:r>
             </a:p>
           </p:txBody>
         </p:sp>
       </p:grpSp>
-      <p:grpSp>
-        <p:nvGrpSpPr>
-          <p:cNvPr id="7" name="组合 6"/>
-          <p:cNvGrpSpPr/>
-          <p:nvPr/>
-        </p:nvGrpSpPr>
-        <p:grpSpPr>
-          <a:xfrm>
-            <a:off x="902970" y="3798570"/>
-            <a:ext cx="1520825" cy="2075180"/>
-            <a:chOff x="2352" y="5292"/>
-            <a:chExt cx="2395" cy="3268"/>
-          </a:xfrm>
-        </p:grpSpPr>
-        <p:pic>
-          <p:nvPicPr>
-            <p:cNvPr id="8" name="图片 7"/>
-            <p:cNvPicPr>
-              <a:picLocks noChangeAspect="1"/>
-            </p:cNvPicPr>
-            <p:nvPr/>
-          </p:nvPicPr>
-          <p:blipFill>
-            <a:blip r:embed="rId2"/>
-            <a:stretch>
-              <a:fillRect/>
-            </a:stretch>
-          </p:blipFill>
-          <p:spPr>
-            <a:xfrm>
-              <a:off x="2352" y="5292"/>
-              <a:ext cx="2395" cy="2395"/>
-            </a:xfrm>
-            <a:prstGeom prst="rect">
-              <a:avLst/>
-            </a:prstGeom>
-          </p:spPr>
-        </p:pic>
-        <p:sp>
-          <p:nvSpPr>
-            <p:cNvPr id="9" name="文本框 8"/>
-            <p:cNvSpPr txBox="1"/>
-            <p:nvPr/>
-          </p:nvSpPr>
-          <p:spPr>
-            <a:xfrm>
-              <a:off x="2578" y="7980"/>
-              <a:ext cx="1986" cy="580"/>
-            </a:xfrm>
-            <a:prstGeom prst="rect">
-              <a:avLst/>
-            </a:prstGeom>
-            <a:noFill/>
-          </p:spPr>
-          <p:txBody>
-            <a:bodyPr wrap="none" rtlCol="0">
-              <a:spAutoFit/>
-            </a:bodyPr>
-            <a:lstStyle/>
-            <a:p>
-              <a:r>
-                <a:rPr lang="ja-JP" altLang="en-US" b="1"/>
-                <a:t>検証データ</a:t>
-              </a:r>
-            </a:p>
-          </p:txBody>
-        </p:sp>
-      </p:grpSp>
-      <p:sp>
-        <p:nvSpPr>
-          <p:cNvPr id="10" name="圆角矩形 9"/>
-          <p:cNvSpPr/>
-          <p:nvPr/>
-        </p:nvSpPr>
-        <p:spPr>
-          <a:xfrm>
-            <a:off x="3916680" y="752475"/>
-            <a:ext cx="2725420" cy="1725930"/>
-          </a:xfrm>
-          <a:prstGeom prst="roundRect">
-            <a:avLst/>
-          </a:prstGeom>
-          <a:noFill/>
-          <a:extLst>
-            <a:ext uri="{909E8E84-426E-40DD-AFC4-6F175D3DCCD1}">
-              <a14:hiddenFill xmlns:a14="http://schemas.microsoft.com/office/drawing/2010/main">
-                <a:solidFill>
-                  <a:schemeClr val="accent1"/>
-                </a:solidFill>
-              </a14:hiddenFill>
-            </a:ext>
-          </a:extLst>
-        </p:spPr>
-        <p:style>
-          <a:lnRef idx="2">
-            <a:schemeClr val="accent1">
-              <a:shade val="50000"/>
-            </a:schemeClr>
-          </a:lnRef>
-          <a:fillRef idx="1">
-            <a:schemeClr val="accent1"/>
-          </a:fillRef>
-          <a:effectRef idx="0">
-            <a:schemeClr val="accent1"/>
-          </a:effectRef>
-          <a:fontRef idx="minor">
-            <a:schemeClr val="lt1"/>
-          </a:fontRef>
-        </p:style>
-        <p:txBody>
-          <a:bodyPr rtlCol="0" anchor="ctr"/>
-          <a:lstStyle/>
-          <a:p>
-            <a:pPr algn="ctr"/>
-            <a:r>
-              <a:rPr lang="ja-JP" altLang="zh-CN" sz="4400">
-                <a:solidFill>
-                  <a:schemeClr val="tx1"/>
-                </a:solidFill>
-              </a:rPr>
-              <a:t>レコメンド</a:t>
-            </a:r>
-          </a:p>
-        </p:txBody>
-      </p:sp>
-      <p:sp>
-        <p:nvSpPr>
-          <p:cNvPr id="13" name="右箭头 12"/>
-          <p:cNvSpPr/>
-          <p:nvPr/>
-        </p:nvSpPr>
-        <p:spPr>
-          <a:xfrm>
-            <a:off x="2638425" y="1285875"/>
-            <a:ext cx="1104900" cy="857250"/>
-          </a:xfrm>
-          <a:prstGeom prst="rightArrow">
-            <a:avLst/>
-          </a:prstGeom>
-        </p:spPr>
-        <p:style>
-          <a:lnRef idx="2">
-            <a:schemeClr val="accent1">
-              <a:shade val="50000"/>
-            </a:schemeClr>
-          </a:lnRef>
-          <a:fillRef idx="1">
-            <a:schemeClr val="accent1"/>
-          </a:fillRef>
-          <a:effectRef idx="0">
-            <a:schemeClr val="accent1"/>
-          </a:effectRef>
-          <a:fontRef idx="minor">
-            <a:schemeClr val="lt1"/>
-          </a:fontRef>
-        </p:style>
-        <p:txBody>
-          <a:bodyPr rtlCol="0" anchor="ctr"/>
-          <a:lstStyle/>
-          <a:p>
-            <a:pPr algn="ctr"/>
-            <a:endParaRPr lang="zh-CN" altLang="en-US"/>
-          </a:p>
-        </p:txBody>
-      </p:sp>
-      <p:sp>
-        <p:nvSpPr>
-          <p:cNvPr id="14" name="右箭头 13"/>
-          <p:cNvSpPr/>
-          <p:nvPr/>
-        </p:nvSpPr>
-        <p:spPr>
-          <a:xfrm>
-            <a:off x="6962140" y="1285875"/>
-            <a:ext cx="1104900" cy="857250"/>
-          </a:xfrm>
-          <a:prstGeom prst="rightArrow">
-            <a:avLst/>
-          </a:prstGeom>
-        </p:spPr>
-        <p:style>
-          <a:lnRef idx="2">
-            <a:schemeClr val="accent1">
-              <a:shade val="50000"/>
-            </a:schemeClr>
-          </a:lnRef>
-          <a:fillRef idx="1">
-            <a:schemeClr val="accent1"/>
-          </a:fillRef>
-          <a:effectRef idx="0">
-            <a:schemeClr val="accent1"/>
-          </a:effectRef>
-          <a:fontRef idx="minor">
-            <a:schemeClr val="lt1"/>
-          </a:fontRef>
-        </p:style>
-        <p:txBody>
-          <a:bodyPr rtlCol="0" anchor="ctr"/>
-          <a:lstStyle/>
-          <a:p>
-            <a:pPr algn="ctr"/>
-            <a:endParaRPr lang="zh-CN" altLang="en-US"/>
-          </a:p>
-        </p:txBody>
-      </p:sp>
-      <p:sp>
-        <p:nvSpPr>
-          <p:cNvPr id="15" name="圆角矩形 14"/>
-          <p:cNvSpPr/>
-          <p:nvPr/>
-        </p:nvSpPr>
-        <p:spPr>
-          <a:xfrm>
-            <a:off x="8234680" y="752475"/>
-            <a:ext cx="3029585" cy="5121275"/>
-          </a:xfrm>
-          <a:prstGeom prst="roundRect">
-            <a:avLst/>
-          </a:prstGeom>
-          <a:noFill/>
-          <a:extLst>
-            <a:ext uri="{909E8E84-426E-40DD-AFC4-6F175D3DCCD1}">
-              <a14:hiddenFill xmlns:a14="http://schemas.microsoft.com/office/drawing/2010/main">
-                <a:solidFill>
-                  <a:schemeClr val="accent1"/>
-                </a:solidFill>
-              </a14:hiddenFill>
-            </a:ext>
-          </a:extLst>
-        </p:spPr>
-        <p:style>
-          <a:lnRef idx="2">
-            <a:schemeClr val="accent1">
-              <a:shade val="50000"/>
-            </a:schemeClr>
-          </a:lnRef>
-          <a:fillRef idx="1">
-            <a:schemeClr val="accent1"/>
-          </a:fillRef>
-          <a:effectRef idx="0">
-            <a:schemeClr val="accent1"/>
-          </a:effectRef>
-          <a:fontRef idx="minor">
-            <a:schemeClr val="lt1"/>
-          </a:fontRef>
-        </p:style>
-        <p:txBody>
-          <a:bodyPr rtlCol="0" anchor="ctr"/>
-          <a:lstStyle/>
-          <a:p>
-            <a:pPr algn="ctr"/>
-            <a:r>
-              <a:rPr lang="ja-JP" altLang="en-US" sz="4400">
-                <a:solidFill>
-                  <a:schemeClr val="tx1"/>
-                </a:solidFill>
-              </a:rPr>
-              <a:t>レコメンド結果</a:t>
-            </a:r>
-            <a:r>
-              <a:rPr lang="en-US" altLang="ja-JP" sz="4400">
-                <a:solidFill>
-                  <a:schemeClr val="tx1"/>
-                </a:solidFill>
-              </a:rPr>
-              <a:t>1</a:t>
-            </a:r>
-            <a:r>
-              <a:rPr lang="ja-JP" altLang="en-US" sz="4400">
-                <a:solidFill>
-                  <a:schemeClr val="tx1"/>
-                </a:solidFill>
-              </a:rPr>
-              <a:t>．</a:t>
-            </a:r>
-            <a:r>
-              <a:rPr lang="en-US" altLang="ja-JP" sz="4400">
-                <a:solidFill>
-                  <a:schemeClr val="tx1"/>
-                </a:solidFill>
-              </a:rPr>
-              <a:t>ItemA</a:t>
-            </a:r>
-          </a:p>
-          <a:p>
-            <a:pPr algn="ctr"/>
-            <a:r>
-              <a:rPr lang="en-US" altLang="ja-JP" sz="4400">
-                <a:solidFill>
-                  <a:schemeClr val="tx1"/>
-                </a:solidFill>
-              </a:rPr>
-              <a:t>2</a:t>
-            </a:r>
-            <a:r>
-              <a:rPr lang="ja-JP" altLang="en-US" sz="4400">
-                <a:solidFill>
-                  <a:schemeClr val="tx1"/>
-                </a:solidFill>
-              </a:rPr>
-              <a:t>．</a:t>
-            </a:r>
-            <a:r>
-              <a:rPr lang="en-US" altLang="ja-JP" sz="4400">
-                <a:solidFill>
-                  <a:schemeClr val="tx1"/>
-                </a:solidFill>
-              </a:rPr>
-              <a:t>ItemB</a:t>
-            </a:r>
-          </a:p>
-          <a:p>
-            <a:pPr algn="ctr"/>
-            <a:r>
-              <a:rPr lang="en-US" altLang="ja-JP" sz="4400">
-                <a:solidFill>
-                  <a:schemeClr val="tx1"/>
-                </a:solidFill>
-              </a:rPr>
-              <a:t>3</a:t>
-            </a:r>
-            <a:r>
-              <a:rPr lang="ja-JP" altLang="en-US" sz="4400">
-                <a:solidFill>
-                  <a:schemeClr val="tx1"/>
-                </a:solidFill>
-              </a:rPr>
-              <a:t>．</a:t>
-            </a:r>
-            <a:r>
-              <a:rPr lang="en-US" altLang="ja-JP" sz="4400">
-                <a:solidFill>
-                  <a:schemeClr val="tx1"/>
-                </a:solidFill>
-              </a:rPr>
-              <a:t>ItemC</a:t>
-            </a:r>
-          </a:p>
-          <a:p>
-            <a:pPr algn="ctr"/>
-            <a:r>
-              <a:rPr lang="en-US" altLang="ja-JP" sz="4400">
-                <a:solidFill>
-                  <a:schemeClr val="tx1"/>
-                </a:solidFill>
-              </a:rPr>
-              <a:t>…</a:t>
-            </a:r>
-          </a:p>
-        </p:txBody>
-      </p:sp>
-      <p:sp>
-        <p:nvSpPr>
-          <p:cNvPr id="16" name="左右箭头 15"/>
-          <p:cNvSpPr/>
-          <p:nvPr/>
-        </p:nvSpPr>
-        <p:spPr>
-          <a:xfrm>
-            <a:off x="2638425" y="4176395"/>
-            <a:ext cx="5393690" cy="1143000"/>
-          </a:xfrm>
-          <a:prstGeom prst="leftRightArrow">
-            <a:avLst/>
-          </a:prstGeom>
-          <a:solidFill>
-            <a:schemeClr val="accent6">
-              <a:lumMod val="60000"/>
-              <a:lumOff val="40000"/>
-            </a:schemeClr>
-          </a:solidFill>
-          <a:ln>
-            <a:noFill/>
-          </a:ln>
-        </p:spPr>
-        <p:style>
-          <a:lnRef idx="2">
-            <a:schemeClr val="accent1">
-              <a:shade val="50000"/>
-            </a:schemeClr>
-          </a:lnRef>
-          <a:fillRef idx="1">
-            <a:schemeClr val="accent1"/>
-          </a:fillRef>
-          <a:effectRef idx="0">
-            <a:schemeClr val="accent1"/>
-          </a:effectRef>
-          <a:fontRef idx="minor">
-            <a:schemeClr val="lt1"/>
-          </a:fontRef>
-        </p:style>
-        <p:txBody>
-          <a:bodyPr rtlCol="0" anchor="ctr"/>
-          <a:lstStyle/>
-          <a:p>
-            <a:pPr algn="ctr"/>
-            <a:r>
-              <a:rPr lang="ja-JP" altLang="zh-CN" sz="3200" b="1">
-                <a:solidFill>
-                  <a:schemeClr val="tx1"/>
-                </a:solidFill>
-              </a:rPr>
-              <a:t>比較</a:t>
-            </a:r>
-          </a:p>
-        </p:txBody>
-      </p:sp>
     </p:spTree>
   </p:cSld>
   <p:clrMapOvr>
@@ -6234,13 +6255,21 @@
           <a:p>
             <a:pPr algn="ctr"/>
             <a:r>
-              <a:rPr lang="ja-JP" altLang="en-US" sz="4400">
+              <a:rPr lang="ja-JP" altLang="en-US" sz="4400" dirty="0">
                 <a:solidFill>
                   <a:schemeClr val="tx1"/>
                 </a:solidFill>
               </a:rPr>
               <a:t>レコメンド結果</a:t>
             </a:r>
+            <a:endParaRPr lang="en-US" altLang="ja-JP" sz="4400">
+              <a:solidFill>
+                <a:schemeClr val="tx1"/>
+              </a:solidFill>
+            </a:endParaRPr>
+          </a:p>
+          <a:p>
+            <a:pPr algn="ctr"/>
             <a:r>
               <a:rPr lang="en-US" altLang="ja-JP" sz="4400">
                 <a:solidFill>
@@ -6250,7 +6279,7 @@
               <a:t>1</a:t>
             </a:r>
             <a:r>
-              <a:rPr lang="ja-JP" altLang="en-US" sz="4400">
+              <a:rPr lang="ja-JP" altLang="en-US" sz="4400" dirty="0">
                 <a:solidFill>
                   <a:schemeClr val="tx1"/>
                 </a:solidFill>
@@ -6258,18 +6287,23 @@
               <a:t>．</a:t>
             </a:r>
             <a:r>
-              <a:rPr lang="en-US" altLang="ja-JP" sz="4400">
+              <a:rPr lang="en-US" altLang="ja-JP" sz="4400" dirty="0" err="1">
                 <a:solidFill>
                   <a:schemeClr val="tx1"/>
                 </a:solidFill>
               </a:rPr>
               <a:t>ItemA</a:t>
             </a:r>
+            <a:endParaRPr lang="en-US" altLang="ja-JP" sz="4400" dirty="0">
+              <a:solidFill>
+                <a:schemeClr val="tx1"/>
+              </a:solidFill>
+            </a:endParaRPr>
           </a:p>
           <a:p>
             <a:pPr algn="ctr"/>
             <a:r>
-              <a:rPr lang="en-US" altLang="ja-JP" sz="4400">
+              <a:rPr lang="en-US" altLang="ja-JP" sz="4400" dirty="0">
                 <a:solidFill>
                   <a:schemeClr val="tx1"/>
                 </a:solidFill>
@@ -6277,7 +6311,7 @@
               <a:t>2</a:t>
             </a:r>
             <a:r>
-              <a:rPr lang="ja-JP" altLang="en-US" sz="4400">
+              <a:rPr lang="ja-JP" altLang="en-US" sz="4400" dirty="0">
                 <a:solidFill>
                   <a:schemeClr val="tx1"/>
                 </a:solidFill>
@@ -6285,18 +6319,23 @@
               <a:t>．</a:t>
             </a:r>
             <a:r>
-              <a:rPr lang="en-US" altLang="ja-JP" sz="4400">
+              <a:rPr lang="en-US" altLang="ja-JP" sz="4400" dirty="0" err="1">
                 <a:solidFill>
                   <a:schemeClr val="tx1"/>
                 </a:solidFill>
               </a:rPr>
               <a:t>ItemB</a:t>
             </a:r>
+            <a:endParaRPr lang="en-US" altLang="ja-JP" sz="4400" dirty="0">
+              <a:solidFill>
+                <a:schemeClr val="tx1"/>
+              </a:solidFill>
+            </a:endParaRPr>
           </a:p>
           <a:p>
             <a:pPr algn="ctr"/>
             <a:r>
-              <a:rPr lang="en-US" altLang="ja-JP" sz="4400">
+              <a:rPr lang="en-US" altLang="ja-JP" sz="4400" dirty="0">
                 <a:solidFill>
                   <a:schemeClr val="tx1"/>
                 </a:solidFill>
@@ -6304,7 +6343,7 @@
               <a:t>3</a:t>
             </a:r>
             <a:r>
-              <a:rPr lang="ja-JP" altLang="en-US" sz="4400">
+              <a:rPr lang="ja-JP" altLang="en-US" sz="4400" dirty="0">
                 <a:solidFill>
                   <a:schemeClr val="tx1"/>
                 </a:solidFill>
@@ -6312,18 +6351,23 @@
               <a:t>．</a:t>
             </a:r>
             <a:r>
-              <a:rPr lang="en-US" altLang="ja-JP" sz="4400">
+              <a:rPr lang="en-US" altLang="ja-JP" sz="4400" dirty="0" err="1">
                 <a:solidFill>
                   <a:schemeClr val="tx1"/>
                 </a:solidFill>
               </a:rPr>
               <a:t>ItemC</a:t>
             </a:r>
+            <a:endParaRPr lang="en-US" altLang="ja-JP" sz="4400" dirty="0">
+              <a:solidFill>
+                <a:schemeClr val="tx1"/>
+              </a:solidFill>
+            </a:endParaRPr>
           </a:p>
           <a:p>
             <a:pPr algn="ctr"/>
             <a:r>
-              <a:rPr lang="en-US" altLang="ja-JP" sz="4400">
+              <a:rPr lang="en-US" altLang="ja-JP" sz="4400" dirty="0">
                 <a:solidFill>
                   <a:schemeClr val="tx1"/>
                 </a:solidFill>
@@ -7881,576 +7925,597 @@
           <a:chExt cx="0" cy="0"/>
         </a:xfrm>
       </p:grpSpPr>
-      <p:pic>
-        <p:nvPicPr>
-          <p:cNvPr id="6" name="图片 5">
+      <p:grpSp>
+        <p:nvGrpSpPr>
+          <p:cNvPr id="2" name="组合 1">
             <a:extLst>
               <a:ext uri="{FF2B5EF4-FFF2-40B4-BE49-F238E27FC236}">
-                <a16:creationId xmlns:a16="http://schemas.microsoft.com/office/drawing/2014/main" id="{6C29C5C2-661D-4157-9D25-7A123190714E}"/>
+                <a16:creationId xmlns:a16="http://schemas.microsoft.com/office/drawing/2014/main" id="{8DAD0B0D-E3D3-46E2-893A-FD0073EA578D}"/>
               </a:ext>
             </a:extLst>
           </p:cNvPr>
-          <p:cNvPicPr>
-            <a:picLocks noChangeAspect="1"/>
-          </p:cNvPicPr>
-          <p:nvPr/>
-        </p:nvPicPr>
-        <p:blipFill>
-          <a:blip r:embed="rId2"/>
-          <a:stretch>
-            <a:fillRect/>
-          </a:stretch>
-        </p:blipFill>
-        <p:spPr>
-          <a:xfrm>
-            <a:off x="6674822" y="589311"/>
-            <a:ext cx="4671818" cy="1503257"/>
-          </a:xfrm>
-          <a:prstGeom prst="rect">
-            <a:avLst/>
-          </a:prstGeom>
-        </p:spPr>
-      </p:pic>
-      <p:pic>
-        <p:nvPicPr>
-          <p:cNvPr id="7" name="图片 6">
-            <a:extLst>
-              <a:ext uri="{FF2B5EF4-FFF2-40B4-BE49-F238E27FC236}">
-                <a16:creationId xmlns:a16="http://schemas.microsoft.com/office/drawing/2014/main" id="{8F2B6C83-E39B-48AE-9C45-FC2B160AEC76}"/>
-              </a:ext>
-            </a:extLst>
-          </p:cNvPr>
-          <p:cNvPicPr>
-            <a:picLocks noChangeAspect="1"/>
-          </p:cNvPicPr>
-          <p:nvPr/>
-        </p:nvPicPr>
-        <p:blipFill>
-          <a:blip r:embed="rId3"/>
-          <a:stretch>
-            <a:fillRect/>
-          </a:stretch>
-        </p:blipFill>
-        <p:spPr>
-          <a:xfrm>
-            <a:off x="6674822" y="2402995"/>
-            <a:ext cx="4670066" cy="1358080"/>
-          </a:xfrm>
-          <a:prstGeom prst="rect">
-            <a:avLst/>
-          </a:prstGeom>
-        </p:spPr>
-      </p:pic>
-      <p:pic>
-        <p:nvPicPr>
-          <p:cNvPr id="8" name="图片 7">
-            <a:extLst>
-              <a:ext uri="{FF2B5EF4-FFF2-40B4-BE49-F238E27FC236}">
-                <a16:creationId xmlns:a16="http://schemas.microsoft.com/office/drawing/2014/main" id="{45F4F0BE-6C5E-4BD0-A604-107411D9F0D2}"/>
-              </a:ext>
-            </a:extLst>
-          </p:cNvPr>
-          <p:cNvPicPr>
-            <a:picLocks noChangeAspect="1"/>
-          </p:cNvPicPr>
-          <p:nvPr/>
-        </p:nvPicPr>
-        <p:blipFill>
-          <a:blip r:embed="rId4"/>
-          <a:stretch>
-            <a:fillRect/>
-          </a:stretch>
-        </p:blipFill>
-        <p:spPr>
-          <a:xfrm>
-            <a:off x="449874" y="3082035"/>
-            <a:ext cx="4664848" cy="1296534"/>
-          </a:xfrm>
-          <a:prstGeom prst="rect">
-            <a:avLst/>
-          </a:prstGeom>
-        </p:spPr>
-      </p:pic>
-      <p:sp>
-        <p:nvSpPr>
-          <p:cNvPr id="9" name="文本框 8">
-            <a:extLst>
-              <a:ext uri="{FF2B5EF4-FFF2-40B4-BE49-F238E27FC236}">
-                <a16:creationId xmlns:a16="http://schemas.microsoft.com/office/drawing/2014/main" id="{2B8425CB-3C66-4138-85CA-F3C4285B56AA}"/>
-              </a:ext>
-            </a:extLst>
-          </p:cNvPr>
-          <p:cNvSpPr txBox="1"/>
-          <p:nvPr/>
-        </p:nvSpPr>
-        <p:spPr>
-          <a:xfrm>
-            <a:off x="9238391" y="4699432"/>
-            <a:ext cx="861774" cy="1186961"/>
-          </a:xfrm>
-          <a:prstGeom prst="rect">
-            <a:avLst/>
-          </a:prstGeom>
-          <a:noFill/>
-        </p:spPr>
-        <p:txBody>
-          <a:bodyPr vert="eaVert" wrap="square" rtlCol="0">
-            <a:spAutoFit/>
-          </a:bodyPr>
-          <a:lstStyle/>
-          <a:p>
-            <a:r>
-              <a:rPr lang="en-US" altLang="zh-CN" sz="4400" dirty="0"/>
-              <a:t>……</a:t>
-            </a:r>
-            <a:endParaRPr lang="zh-CN" altLang="en-US" sz="4400" dirty="0"/>
-          </a:p>
-        </p:txBody>
-      </p:sp>
-      <p:sp>
-        <p:nvSpPr>
-          <p:cNvPr id="10" name="文本框 9">
-            <a:extLst>
-              <a:ext uri="{FF2B5EF4-FFF2-40B4-BE49-F238E27FC236}">
-                <a16:creationId xmlns:a16="http://schemas.microsoft.com/office/drawing/2014/main" id="{E7A5B63C-B915-4045-94BE-2DC9C1598E77}"/>
-              </a:ext>
-            </a:extLst>
-          </p:cNvPr>
-          <p:cNvSpPr txBox="1"/>
-          <p:nvPr/>
-        </p:nvSpPr>
-        <p:spPr>
-          <a:xfrm>
-            <a:off x="9302280" y="971607"/>
-            <a:ext cx="505267" cy="369332"/>
-          </a:xfrm>
-          <a:prstGeom prst="rect">
-            <a:avLst/>
-          </a:prstGeom>
-          <a:noFill/>
-        </p:spPr>
-        <p:txBody>
-          <a:bodyPr wrap="none" rtlCol="0">
-            <a:spAutoFit/>
-          </a:bodyPr>
-          <a:lstStyle/>
-          <a:p>
-            <a:r>
-              <a:rPr lang="en-US" altLang="zh-CN" dirty="0"/>
-              <a:t>CM</a:t>
-            </a:r>
-          </a:p>
-        </p:txBody>
-      </p:sp>
-      <p:sp>
-        <p:nvSpPr>
-          <p:cNvPr id="11" name="文本框 10">
-            <a:extLst>
-              <a:ext uri="{FF2B5EF4-FFF2-40B4-BE49-F238E27FC236}">
-                <a16:creationId xmlns:a16="http://schemas.microsoft.com/office/drawing/2014/main" id="{DD51C427-08F2-47A6-91BA-0C9FDB500CC1}"/>
-              </a:ext>
-            </a:extLst>
-          </p:cNvPr>
-          <p:cNvSpPr txBox="1"/>
-          <p:nvPr/>
-        </p:nvSpPr>
-        <p:spPr>
-          <a:xfrm>
-            <a:off x="9302280" y="2727620"/>
-            <a:ext cx="524503" cy="369332"/>
-          </a:xfrm>
-          <a:prstGeom prst="rect">
-            <a:avLst/>
-          </a:prstGeom>
-          <a:noFill/>
-        </p:spPr>
-        <p:txBody>
-          <a:bodyPr wrap="none" rtlCol="0">
-            <a:spAutoFit/>
-          </a:bodyPr>
-          <a:lstStyle/>
-          <a:p>
-            <a:r>
-              <a:rPr lang="en-US" altLang="zh-CN" dirty="0"/>
-              <a:t>DM</a:t>
-            </a:r>
-          </a:p>
-        </p:txBody>
-      </p:sp>
-      <p:cxnSp>
-        <p:nvCxnSpPr>
-          <p:cNvPr id="13" name="直接箭头连接符 12">
-            <a:extLst>
-              <a:ext uri="{FF2B5EF4-FFF2-40B4-BE49-F238E27FC236}">
-                <a16:creationId xmlns:a16="http://schemas.microsoft.com/office/drawing/2014/main" id="{22017CFD-027A-4BF9-94BC-5C76E2D73300}"/>
-              </a:ext>
-            </a:extLst>
-          </p:cNvPr>
-          <p:cNvCxnSpPr>
-            <a:cxnSpLocks/>
-            <a:stCxn id="8" idx="3"/>
-            <a:endCxn id="6" idx="1"/>
-          </p:cNvCxnSpPr>
-          <p:nvPr/>
-        </p:nvCxnSpPr>
-        <p:spPr>
-          <a:xfrm flipV="1">
-            <a:off x="5114722" y="1340940"/>
-            <a:ext cx="1560100" cy="2389362"/>
-          </a:xfrm>
-          <a:prstGeom prst="straightConnector1">
-            <a:avLst/>
-          </a:prstGeom>
-          <a:ln w="38100">
-            <a:headEnd type="triangle"/>
-            <a:tailEnd type="triangle"/>
-          </a:ln>
-        </p:spPr>
-        <p:style>
-          <a:lnRef idx="1">
-            <a:schemeClr val="accent1"/>
-          </a:lnRef>
-          <a:fillRef idx="0">
-            <a:schemeClr val="accent1"/>
-          </a:fillRef>
-          <a:effectRef idx="0">
-            <a:schemeClr val="accent1"/>
-          </a:effectRef>
-          <a:fontRef idx="minor">
-            <a:schemeClr val="tx1"/>
-          </a:fontRef>
-        </p:style>
-      </p:cxnSp>
-      <p:cxnSp>
-        <p:nvCxnSpPr>
-          <p:cNvPr id="14" name="直接箭头连接符 13">
-            <a:extLst>
-              <a:ext uri="{FF2B5EF4-FFF2-40B4-BE49-F238E27FC236}">
-                <a16:creationId xmlns:a16="http://schemas.microsoft.com/office/drawing/2014/main" id="{F431E477-70CC-4862-A851-059D2F17B450}"/>
-              </a:ext>
-            </a:extLst>
-          </p:cNvPr>
-          <p:cNvCxnSpPr>
-            <a:cxnSpLocks/>
-            <a:stCxn id="8" idx="3"/>
-            <a:endCxn id="7" idx="1"/>
-          </p:cNvCxnSpPr>
-          <p:nvPr/>
-        </p:nvCxnSpPr>
-        <p:spPr>
-          <a:xfrm flipV="1">
-            <a:off x="5114722" y="3082035"/>
-            <a:ext cx="1560100" cy="648267"/>
-          </a:xfrm>
-          <a:prstGeom prst="straightConnector1">
-            <a:avLst/>
-          </a:prstGeom>
-          <a:ln w="38100">
-            <a:headEnd type="triangle"/>
-            <a:tailEnd type="triangle"/>
-          </a:ln>
-        </p:spPr>
-        <p:style>
-          <a:lnRef idx="1">
-            <a:schemeClr val="accent1"/>
-          </a:lnRef>
-          <a:fillRef idx="0">
-            <a:schemeClr val="accent1"/>
-          </a:fillRef>
-          <a:effectRef idx="0">
-            <a:schemeClr val="accent1"/>
-          </a:effectRef>
-          <a:fontRef idx="minor">
-            <a:schemeClr val="tx1"/>
-          </a:fontRef>
-        </p:style>
-      </p:cxnSp>
-      <p:cxnSp>
-        <p:nvCxnSpPr>
-          <p:cNvPr id="18" name="直接箭头连接符 17">
-            <a:extLst>
-              <a:ext uri="{FF2B5EF4-FFF2-40B4-BE49-F238E27FC236}">
-                <a16:creationId xmlns:a16="http://schemas.microsoft.com/office/drawing/2014/main" id="{876530E5-D5D4-4E64-AEE0-E3DC179FBEC0}"/>
-              </a:ext>
-            </a:extLst>
-          </p:cNvPr>
-          <p:cNvCxnSpPr>
-            <a:cxnSpLocks/>
-            <a:stCxn id="8" idx="3"/>
-          </p:cNvCxnSpPr>
-          <p:nvPr/>
-        </p:nvCxnSpPr>
-        <p:spPr>
-          <a:xfrm>
-            <a:off x="5114722" y="3730302"/>
-            <a:ext cx="1599140" cy="850491"/>
-          </a:xfrm>
-          <a:prstGeom prst="straightConnector1">
-            <a:avLst/>
-          </a:prstGeom>
-          <a:ln w="38100">
-            <a:headEnd type="triangle"/>
-            <a:tailEnd type="triangle"/>
-          </a:ln>
-        </p:spPr>
-        <p:style>
-          <a:lnRef idx="1">
-            <a:schemeClr val="accent1"/>
-          </a:lnRef>
-          <a:fillRef idx="0">
-            <a:schemeClr val="accent1"/>
-          </a:fillRef>
-          <a:effectRef idx="0">
-            <a:schemeClr val="accent1"/>
-          </a:effectRef>
-          <a:fontRef idx="minor">
-            <a:schemeClr val="tx1"/>
-          </a:fontRef>
-        </p:style>
-      </p:cxnSp>
-      <p:sp>
-        <p:nvSpPr>
-          <p:cNvPr id="22" name="文本框 21">
-            <a:extLst>
-              <a:ext uri="{FF2B5EF4-FFF2-40B4-BE49-F238E27FC236}">
-                <a16:creationId xmlns:a16="http://schemas.microsoft.com/office/drawing/2014/main" id="{77666A35-76AA-468B-B5A2-3EC271D69B54}"/>
-              </a:ext>
-            </a:extLst>
-          </p:cNvPr>
-          <p:cNvSpPr txBox="1"/>
-          <p:nvPr/>
-        </p:nvSpPr>
-        <p:spPr>
-          <a:xfrm>
-            <a:off x="9302280" y="4211461"/>
-            <a:ext cx="494046" cy="369332"/>
-          </a:xfrm>
-          <a:prstGeom prst="rect">
-            <a:avLst/>
-          </a:prstGeom>
-          <a:noFill/>
-        </p:spPr>
-        <p:txBody>
-          <a:bodyPr wrap="none" rtlCol="0">
-            <a:spAutoFit/>
-          </a:bodyPr>
-          <a:lstStyle/>
-          <a:p>
-            <a:r>
-              <a:rPr lang="en-US" altLang="zh-CN" dirty="0"/>
-              <a:t>EM</a:t>
-            </a:r>
-          </a:p>
-        </p:txBody>
-      </p:sp>
-      <p:sp>
-        <p:nvSpPr>
-          <p:cNvPr id="23" name="文本框 22">
-            <a:extLst>
-              <a:ext uri="{FF2B5EF4-FFF2-40B4-BE49-F238E27FC236}">
-                <a16:creationId xmlns:a16="http://schemas.microsoft.com/office/drawing/2014/main" id="{23E9ED3F-7A04-442F-A238-DE7CE1329DA3}"/>
-              </a:ext>
-            </a:extLst>
-          </p:cNvPr>
-          <p:cNvSpPr txBox="1"/>
-          <p:nvPr/>
-        </p:nvSpPr>
-        <p:spPr>
-          <a:xfrm>
-            <a:off x="5114722" y="5831166"/>
-            <a:ext cx="1560042" cy="369332"/>
-          </a:xfrm>
-          <a:prstGeom prst="rect">
-            <a:avLst/>
-          </a:prstGeom>
-          <a:noFill/>
-        </p:spPr>
-        <p:txBody>
-          <a:bodyPr wrap="none" rtlCol="0">
-            <a:spAutoFit/>
-          </a:bodyPr>
-          <a:lstStyle/>
-          <a:p>
-            <a:r>
-              <a:rPr lang="en-US" altLang="zh-CN" dirty="0"/>
-              <a:t>EMD</a:t>
-            </a:r>
-            <a:r>
-              <a:rPr lang="ja-JP" altLang="en-US" dirty="0"/>
-              <a:t>距離計算</a:t>
-            </a:r>
-            <a:endParaRPr lang="zh-CN" altLang="en-US" dirty="0"/>
-          </a:p>
-        </p:txBody>
-      </p:sp>
-      <p:sp>
-        <p:nvSpPr>
-          <p:cNvPr id="24" name="文本框 23">
-            <a:extLst>
-              <a:ext uri="{FF2B5EF4-FFF2-40B4-BE49-F238E27FC236}">
-                <a16:creationId xmlns:a16="http://schemas.microsoft.com/office/drawing/2014/main" id="{CEA4EBED-E168-4DDB-B4EF-FBE82EAF2D8F}"/>
-              </a:ext>
-            </a:extLst>
-          </p:cNvPr>
-          <p:cNvSpPr txBox="1"/>
-          <p:nvPr/>
-        </p:nvSpPr>
-        <p:spPr>
-          <a:xfrm>
-            <a:off x="2020882" y="5831166"/>
-            <a:ext cx="1338828" cy="369332"/>
-          </a:xfrm>
-          <a:prstGeom prst="rect">
-            <a:avLst/>
-          </a:prstGeom>
-          <a:noFill/>
-        </p:spPr>
-        <p:txBody>
-          <a:bodyPr wrap="none" rtlCol="0">
-            <a:spAutoFit/>
-          </a:bodyPr>
-          <a:lstStyle/>
-          <a:p>
-            <a:r>
-              <a:rPr lang="ja-JP" altLang="en-US" dirty="0"/>
-              <a:t>商品色分布</a:t>
-            </a:r>
-            <a:endParaRPr lang="zh-CN" altLang="en-US" dirty="0"/>
-          </a:p>
-        </p:txBody>
-      </p:sp>
-      <p:sp>
-        <p:nvSpPr>
-          <p:cNvPr id="25" name="文本框 24">
-            <a:extLst>
-              <a:ext uri="{FF2B5EF4-FFF2-40B4-BE49-F238E27FC236}">
-                <a16:creationId xmlns:a16="http://schemas.microsoft.com/office/drawing/2014/main" id="{563ACCC6-E362-4223-B12C-2BA9C3641196}"/>
-              </a:ext>
-            </a:extLst>
-          </p:cNvPr>
-          <p:cNvSpPr txBox="1"/>
-          <p:nvPr/>
-        </p:nvSpPr>
-        <p:spPr>
-          <a:xfrm>
-            <a:off x="7744843" y="5831223"/>
-            <a:ext cx="2492990" cy="369332"/>
-          </a:xfrm>
-          <a:prstGeom prst="rect">
-            <a:avLst/>
-          </a:prstGeom>
-          <a:noFill/>
-        </p:spPr>
-        <p:txBody>
-          <a:bodyPr wrap="none" rtlCol="0">
-            <a:spAutoFit/>
-          </a:bodyPr>
-          <a:lstStyle/>
-          <a:p>
-            <a:r>
-              <a:rPr lang="ja-JP" altLang="en-US" dirty="0"/>
-              <a:t>調性格の共感覚色分布</a:t>
-            </a:r>
-            <a:endParaRPr lang="zh-CN" altLang="en-US" dirty="0"/>
-          </a:p>
-        </p:txBody>
-      </p:sp>
-      <p:sp>
-        <p:nvSpPr>
-          <p:cNvPr id="26" name="矩形: 圆角 25">
-            <a:extLst>
-              <a:ext uri="{FF2B5EF4-FFF2-40B4-BE49-F238E27FC236}">
-                <a16:creationId xmlns:a16="http://schemas.microsoft.com/office/drawing/2014/main" id="{17E0C92E-75E6-4EFC-A3C7-830BF70D3212}"/>
-              </a:ext>
-            </a:extLst>
-          </p:cNvPr>
-          <p:cNvSpPr/>
-          <p:nvPr/>
-        </p:nvSpPr>
-        <p:spPr>
-          <a:xfrm>
-            <a:off x="290146" y="2535621"/>
-            <a:ext cx="5029200" cy="2440825"/>
-          </a:xfrm>
-          <a:prstGeom prst="roundRect">
-            <a:avLst/>
-          </a:prstGeom>
-          <a:noFill/>
-          <a:ln w="28575"/>
-        </p:spPr>
-        <p:style>
-          <a:lnRef idx="2">
-            <a:schemeClr val="accent1">
-              <a:shade val="50000"/>
-            </a:schemeClr>
-          </a:lnRef>
-          <a:fillRef idx="1">
-            <a:schemeClr val="accent1"/>
-          </a:fillRef>
-          <a:effectRef idx="0">
-            <a:schemeClr val="accent1"/>
-          </a:effectRef>
-          <a:fontRef idx="minor">
-            <a:schemeClr val="lt1"/>
-          </a:fontRef>
-        </p:style>
-        <p:txBody>
-          <a:bodyPr rtlCol="0" anchor="ctr"/>
-          <a:lstStyle/>
-          <a:p>
-            <a:pPr algn="ctr"/>
-            <a:endParaRPr lang="zh-CN" altLang="en-US"/>
-          </a:p>
-        </p:txBody>
-      </p:sp>
-      <p:sp>
-        <p:nvSpPr>
-          <p:cNvPr id="27" name="矩形: 圆角 26">
-            <a:extLst>
-              <a:ext uri="{FF2B5EF4-FFF2-40B4-BE49-F238E27FC236}">
-                <a16:creationId xmlns:a16="http://schemas.microsoft.com/office/drawing/2014/main" id="{99BFA61B-283C-42D2-9DA3-9B564F7EB446}"/>
-              </a:ext>
-            </a:extLst>
-          </p:cNvPr>
-          <p:cNvSpPr/>
-          <p:nvPr/>
-        </p:nvSpPr>
-        <p:spPr>
-          <a:xfrm>
-            <a:off x="6509238" y="330154"/>
-            <a:ext cx="5029200" cy="5420015"/>
-          </a:xfrm>
-          <a:prstGeom prst="roundRect">
-            <a:avLst/>
-          </a:prstGeom>
-          <a:noFill/>
-          <a:ln w="28575"/>
-        </p:spPr>
-        <p:style>
-          <a:lnRef idx="2">
-            <a:schemeClr val="accent1">
-              <a:shade val="50000"/>
-            </a:schemeClr>
-          </a:lnRef>
-          <a:fillRef idx="1">
-            <a:schemeClr val="accent1"/>
-          </a:fillRef>
-          <a:effectRef idx="0">
-            <a:schemeClr val="accent1"/>
-          </a:effectRef>
-          <a:fontRef idx="minor">
-            <a:schemeClr val="lt1"/>
-          </a:fontRef>
-        </p:style>
-        <p:txBody>
-          <a:bodyPr rtlCol="0" anchor="ctr"/>
-          <a:lstStyle/>
-          <a:p>
-            <a:pPr algn="ctr"/>
-            <a:endParaRPr lang="zh-CN" altLang="en-US"/>
-          </a:p>
-        </p:txBody>
-      </p:sp>
+          <p:cNvGrpSpPr/>
+          <p:nvPr/>
+        </p:nvGrpSpPr>
+        <p:grpSpPr>
+          <a:xfrm>
+            <a:off x="290146" y="330154"/>
+            <a:ext cx="11248292" cy="5870401"/>
+            <a:chOff x="290146" y="330154"/>
+            <a:chExt cx="11248292" cy="5870401"/>
+          </a:xfrm>
+        </p:grpSpPr>
+        <p:pic>
+          <p:nvPicPr>
+            <p:cNvPr id="6" name="图片 5">
+              <a:extLst>
+                <a:ext uri="{FF2B5EF4-FFF2-40B4-BE49-F238E27FC236}">
+                  <a16:creationId xmlns:a16="http://schemas.microsoft.com/office/drawing/2014/main" id="{6C29C5C2-661D-4157-9D25-7A123190714E}"/>
+                </a:ext>
+              </a:extLst>
+            </p:cNvPr>
+            <p:cNvPicPr>
+              <a:picLocks noChangeAspect="1"/>
+            </p:cNvPicPr>
+            <p:nvPr/>
+          </p:nvPicPr>
+          <p:blipFill>
+            <a:blip r:embed="rId2"/>
+            <a:stretch>
+              <a:fillRect/>
+            </a:stretch>
+          </p:blipFill>
+          <p:spPr>
+            <a:xfrm>
+              <a:off x="6674822" y="589311"/>
+              <a:ext cx="4671818" cy="1503257"/>
+            </a:xfrm>
+            <a:prstGeom prst="rect">
+              <a:avLst/>
+            </a:prstGeom>
+          </p:spPr>
+        </p:pic>
+        <p:pic>
+          <p:nvPicPr>
+            <p:cNvPr id="7" name="图片 6">
+              <a:extLst>
+                <a:ext uri="{FF2B5EF4-FFF2-40B4-BE49-F238E27FC236}">
+                  <a16:creationId xmlns:a16="http://schemas.microsoft.com/office/drawing/2014/main" id="{8F2B6C83-E39B-48AE-9C45-FC2B160AEC76}"/>
+                </a:ext>
+              </a:extLst>
+            </p:cNvPr>
+            <p:cNvPicPr>
+              <a:picLocks noChangeAspect="1"/>
+            </p:cNvPicPr>
+            <p:nvPr/>
+          </p:nvPicPr>
+          <p:blipFill>
+            <a:blip r:embed="rId3"/>
+            <a:stretch>
+              <a:fillRect/>
+            </a:stretch>
+          </p:blipFill>
+          <p:spPr>
+            <a:xfrm>
+              <a:off x="6674822" y="2402995"/>
+              <a:ext cx="4670066" cy="1358080"/>
+            </a:xfrm>
+            <a:prstGeom prst="rect">
+              <a:avLst/>
+            </a:prstGeom>
+          </p:spPr>
+        </p:pic>
+        <p:pic>
+          <p:nvPicPr>
+            <p:cNvPr id="8" name="图片 7">
+              <a:extLst>
+                <a:ext uri="{FF2B5EF4-FFF2-40B4-BE49-F238E27FC236}">
+                  <a16:creationId xmlns:a16="http://schemas.microsoft.com/office/drawing/2014/main" id="{45F4F0BE-6C5E-4BD0-A604-107411D9F0D2}"/>
+                </a:ext>
+              </a:extLst>
+            </p:cNvPr>
+            <p:cNvPicPr>
+              <a:picLocks noChangeAspect="1"/>
+            </p:cNvPicPr>
+            <p:nvPr/>
+          </p:nvPicPr>
+          <p:blipFill>
+            <a:blip r:embed="rId4"/>
+            <a:stretch>
+              <a:fillRect/>
+            </a:stretch>
+          </p:blipFill>
+          <p:spPr>
+            <a:xfrm>
+              <a:off x="449874" y="3082035"/>
+              <a:ext cx="4664848" cy="1296534"/>
+            </a:xfrm>
+            <a:prstGeom prst="rect">
+              <a:avLst/>
+            </a:prstGeom>
+          </p:spPr>
+        </p:pic>
+        <p:sp>
+          <p:nvSpPr>
+            <p:cNvPr id="9" name="文本框 8">
+              <a:extLst>
+                <a:ext uri="{FF2B5EF4-FFF2-40B4-BE49-F238E27FC236}">
+                  <a16:creationId xmlns:a16="http://schemas.microsoft.com/office/drawing/2014/main" id="{2B8425CB-3C66-4138-85CA-F3C4285B56AA}"/>
+                </a:ext>
+              </a:extLst>
+            </p:cNvPr>
+            <p:cNvSpPr txBox="1"/>
+            <p:nvPr/>
+          </p:nvSpPr>
+          <p:spPr>
+            <a:xfrm>
+              <a:off x="9238391" y="4699432"/>
+              <a:ext cx="861774" cy="1186961"/>
+            </a:xfrm>
+            <a:prstGeom prst="rect">
+              <a:avLst/>
+            </a:prstGeom>
+            <a:noFill/>
+          </p:spPr>
+          <p:txBody>
+            <a:bodyPr vert="eaVert" wrap="square" rtlCol="0">
+              <a:spAutoFit/>
+            </a:bodyPr>
+            <a:lstStyle/>
+            <a:p>
+              <a:r>
+                <a:rPr lang="en-US" altLang="zh-CN" sz="4400" dirty="0"/>
+                <a:t>……</a:t>
+              </a:r>
+              <a:endParaRPr lang="zh-CN" altLang="en-US" sz="4400" dirty="0"/>
+            </a:p>
+          </p:txBody>
+        </p:sp>
+        <p:sp>
+          <p:nvSpPr>
+            <p:cNvPr id="10" name="文本框 9">
+              <a:extLst>
+                <a:ext uri="{FF2B5EF4-FFF2-40B4-BE49-F238E27FC236}">
+                  <a16:creationId xmlns:a16="http://schemas.microsoft.com/office/drawing/2014/main" id="{E7A5B63C-B915-4045-94BE-2DC9C1598E77}"/>
+                </a:ext>
+              </a:extLst>
+            </p:cNvPr>
+            <p:cNvSpPr txBox="1"/>
+            <p:nvPr/>
+          </p:nvSpPr>
+          <p:spPr>
+            <a:xfrm>
+              <a:off x="9302280" y="971607"/>
+              <a:ext cx="505267" cy="369332"/>
+            </a:xfrm>
+            <a:prstGeom prst="rect">
+              <a:avLst/>
+            </a:prstGeom>
+            <a:noFill/>
+          </p:spPr>
+          <p:txBody>
+            <a:bodyPr wrap="none" rtlCol="0">
+              <a:spAutoFit/>
+            </a:bodyPr>
+            <a:lstStyle/>
+            <a:p>
+              <a:r>
+                <a:rPr lang="en-US" altLang="zh-CN" dirty="0"/>
+                <a:t>CM</a:t>
+              </a:r>
+            </a:p>
+          </p:txBody>
+        </p:sp>
+        <p:sp>
+          <p:nvSpPr>
+            <p:cNvPr id="11" name="文本框 10">
+              <a:extLst>
+                <a:ext uri="{FF2B5EF4-FFF2-40B4-BE49-F238E27FC236}">
+                  <a16:creationId xmlns:a16="http://schemas.microsoft.com/office/drawing/2014/main" id="{DD51C427-08F2-47A6-91BA-0C9FDB500CC1}"/>
+                </a:ext>
+              </a:extLst>
+            </p:cNvPr>
+            <p:cNvSpPr txBox="1"/>
+            <p:nvPr/>
+          </p:nvSpPr>
+          <p:spPr>
+            <a:xfrm>
+              <a:off x="9302280" y="2727620"/>
+              <a:ext cx="524503" cy="369332"/>
+            </a:xfrm>
+            <a:prstGeom prst="rect">
+              <a:avLst/>
+            </a:prstGeom>
+            <a:noFill/>
+          </p:spPr>
+          <p:txBody>
+            <a:bodyPr wrap="none" rtlCol="0">
+              <a:spAutoFit/>
+            </a:bodyPr>
+            <a:lstStyle/>
+            <a:p>
+              <a:r>
+                <a:rPr lang="en-US" altLang="zh-CN" dirty="0"/>
+                <a:t>DM</a:t>
+              </a:r>
+            </a:p>
+          </p:txBody>
+        </p:sp>
+        <p:cxnSp>
+          <p:nvCxnSpPr>
+            <p:cNvPr id="13" name="直接箭头连接符 12">
+              <a:extLst>
+                <a:ext uri="{FF2B5EF4-FFF2-40B4-BE49-F238E27FC236}">
+                  <a16:creationId xmlns:a16="http://schemas.microsoft.com/office/drawing/2014/main" id="{22017CFD-027A-4BF9-94BC-5C76E2D73300}"/>
+                </a:ext>
+              </a:extLst>
+            </p:cNvPr>
+            <p:cNvCxnSpPr>
+              <a:cxnSpLocks/>
+              <a:stCxn id="8" idx="3"/>
+              <a:endCxn id="6" idx="1"/>
+            </p:cNvCxnSpPr>
+            <p:nvPr/>
+          </p:nvCxnSpPr>
+          <p:spPr>
+            <a:xfrm flipV="1">
+              <a:off x="5114722" y="1340940"/>
+              <a:ext cx="1560100" cy="2389362"/>
+            </a:xfrm>
+            <a:prstGeom prst="straightConnector1">
+              <a:avLst/>
+            </a:prstGeom>
+            <a:ln w="38100">
+              <a:headEnd type="triangle"/>
+              <a:tailEnd type="triangle"/>
+            </a:ln>
+          </p:spPr>
+          <p:style>
+            <a:lnRef idx="1">
+              <a:schemeClr val="accent1"/>
+            </a:lnRef>
+            <a:fillRef idx="0">
+              <a:schemeClr val="accent1"/>
+            </a:fillRef>
+            <a:effectRef idx="0">
+              <a:schemeClr val="accent1"/>
+            </a:effectRef>
+            <a:fontRef idx="minor">
+              <a:schemeClr val="tx1"/>
+            </a:fontRef>
+          </p:style>
+        </p:cxnSp>
+        <p:cxnSp>
+          <p:nvCxnSpPr>
+            <p:cNvPr id="14" name="直接箭头连接符 13">
+              <a:extLst>
+                <a:ext uri="{FF2B5EF4-FFF2-40B4-BE49-F238E27FC236}">
+                  <a16:creationId xmlns:a16="http://schemas.microsoft.com/office/drawing/2014/main" id="{F431E477-70CC-4862-A851-059D2F17B450}"/>
+                </a:ext>
+              </a:extLst>
+            </p:cNvPr>
+            <p:cNvCxnSpPr>
+              <a:cxnSpLocks/>
+              <a:stCxn id="8" idx="3"/>
+              <a:endCxn id="7" idx="1"/>
+            </p:cNvCxnSpPr>
+            <p:nvPr/>
+          </p:nvCxnSpPr>
+          <p:spPr>
+            <a:xfrm flipV="1">
+              <a:off x="5114722" y="3082035"/>
+              <a:ext cx="1560100" cy="648267"/>
+            </a:xfrm>
+            <a:prstGeom prst="straightConnector1">
+              <a:avLst/>
+            </a:prstGeom>
+            <a:ln w="38100">
+              <a:headEnd type="triangle"/>
+              <a:tailEnd type="triangle"/>
+            </a:ln>
+          </p:spPr>
+          <p:style>
+            <a:lnRef idx="1">
+              <a:schemeClr val="accent1"/>
+            </a:lnRef>
+            <a:fillRef idx="0">
+              <a:schemeClr val="accent1"/>
+            </a:fillRef>
+            <a:effectRef idx="0">
+              <a:schemeClr val="accent1"/>
+            </a:effectRef>
+            <a:fontRef idx="minor">
+              <a:schemeClr val="tx1"/>
+            </a:fontRef>
+          </p:style>
+        </p:cxnSp>
+        <p:cxnSp>
+          <p:nvCxnSpPr>
+            <p:cNvPr id="18" name="直接箭头连接符 17">
+              <a:extLst>
+                <a:ext uri="{FF2B5EF4-FFF2-40B4-BE49-F238E27FC236}">
+                  <a16:creationId xmlns:a16="http://schemas.microsoft.com/office/drawing/2014/main" id="{876530E5-D5D4-4E64-AEE0-E3DC179FBEC0}"/>
+                </a:ext>
+              </a:extLst>
+            </p:cNvPr>
+            <p:cNvCxnSpPr>
+              <a:cxnSpLocks/>
+              <a:stCxn id="8" idx="3"/>
+            </p:cNvCxnSpPr>
+            <p:nvPr/>
+          </p:nvCxnSpPr>
+          <p:spPr>
+            <a:xfrm>
+              <a:off x="5114722" y="3730302"/>
+              <a:ext cx="1599140" cy="850491"/>
+            </a:xfrm>
+            <a:prstGeom prst="straightConnector1">
+              <a:avLst/>
+            </a:prstGeom>
+            <a:ln w="38100">
+              <a:headEnd type="triangle"/>
+              <a:tailEnd type="triangle"/>
+            </a:ln>
+          </p:spPr>
+          <p:style>
+            <a:lnRef idx="1">
+              <a:schemeClr val="accent1"/>
+            </a:lnRef>
+            <a:fillRef idx="0">
+              <a:schemeClr val="accent1"/>
+            </a:fillRef>
+            <a:effectRef idx="0">
+              <a:schemeClr val="accent1"/>
+            </a:effectRef>
+            <a:fontRef idx="minor">
+              <a:schemeClr val="tx1"/>
+            </a:fontRef>
+          </p:style>
+        </p:cxnSp>
+        <p:sp>
+          <p:nvSpPr>
+            <p:cNvPr id="22" name="文本框 21">
+              <a:extLst>
+                <a:ext uri="{FF2B5EF4-FFF2-40B4-BE49-F238E27FC236}">
+                  <a16:creationId xmlns:a16="http://schemas.microsoft.com/office/drawing/2014/main" id="{77666A35-76AA-468B-B5A2-3EC271D69B54}"/>
+                </a:ext>
+              </a:extLst>
+            </p:cNvPr>
+            <p:cNvSpPr txBox="1"/>
+            <p:nvPr/>
+          </p:nvSpPr>
+          <p:spPr>
+            <a:xfrm>
+              <a:off x="9302280" y="4211461"/>
+              <a:ext cx="494046" cy="369332"/>
+            </a:xfrm>
+            <a:prstGeom prst="rect">
+              <a:avLst/>
+            </a:prstGeom>
+            <a:noFill/>
+          </p:spPr>
+          <p:txBody>
+            <a:bodyPr wrap="none" rtlCol="0">
+              <a:spAutoFit/>
+            </a:bodyPr>
+            <a:lstStyle/>
+            <a:p>
+              <a:r>
+                <a:rPr lang="en-US" altLang="zh-CN" dirty="0"/>
+                <a:t>EM</a:t>
+              </a:r>
+            </a:p>
+          </p:txBody>
+        </p:sp>
+        <p:sp>
+          <p:nvSpPr>
+            <p:cNvPr id="23" name="文本框 22">
+              <a:extLst>
+                <a:ext uri="{FF2B5EF4-FFF2-40B4-BE49-F238E27FC236}">
+                  <a16:creationId xmlns:a16="http://schemas.microsoft.com/office/drawing/2014/main" id="{23E9ED3F-7A04-442F-A238-DE7CE1329DA3}"/>
+                </a:ext>
+              </a:extLst>
+            </p:cNvPr>
+            <p:cNvSpPr txBox="1"/>
+            <p:nvPr/>
+          </p:nvSpPr>
+          <p:spPr>
+            <a:xfrm>
+              <a:off x="5114722" y="5831166"/>
+              <a:ext cx="1560042" cy="369332"/>
+            </a:xfrm>
+            <a:prstGeom prst="rect">
+              <a:avLst/>
+            </a:prstGeom>
+            <a:noFill/>
+          </p:spPr>
+          <p:txBody>
+            <a:bodyPr wrap="none" rtlCol="0">
+              <a:spAutoFit/>
+            </a:bodyPr>
+            <a:lstStyle/>
+            <a:p>
+              <a:r>
+                <a:rPr lang="en-US" altLang="zh-CN" dirty="0"/>
+                <a:t>EMD</a:t>
+              </a:r>
+              <a:r>
+                <a:rPr lang="ja-JP" altLang="en-US" dirty="0"/>
+                <a:t>距離計算</a:t>
+              </a:r>
+              <a:endParaRPr lang="zh-CN" altLang="en-US" dirty="0"/>
+            </a:p>
+          </p:txBody>
+        </p:sp>
+        <p:sp>
+          <p:nvSpPr>
+            <p:cNvPr id="24" name="文本框 23">
+              <a:extLst>
+                <a:ext uri="{FF2B5EF4-FFF2-40B4-BE49-F238E27FC236}">
+                  <a16:creationId xmlns:a16="http://schemas.microsoft.com/office/drawing/2014/main" id="{CEA4EBED-E168-4DDB-B4EF-FBE82EAF2D8F}"/>
+                </a:ext>
+              </a:extLst>
+            </p:cNvPr>
+            <p:cNvSpPr txBox="1"/>
+            <p:nvPr/>
+          </p:nvSpPr>
+          <p:spPr>
+            <a:xfrm>
+              <a:off x="2020882" y="5831166"/>
+              <a:ext cx="1338828" cy="369332"/>
+            </a:xfrm>
+            <a:prstGeom prst="rect">
+              <a:avLst/>
+            </a:prstGeom>
+            <a:noFill/>
+          </p:spPr>
+          <p:txBody>
+            <a:bodyPr wrap="none" rtlCol="0">
+              <a:spAutoFit/>
+            </a:bodyPr>
+            <a:lstStyle/>
+            <a:p>
+              <a:r>
+                <a:rPr lang="ja-JP" altLang="en-US" dirty="0"/>
+                <a:t>商品色分布</a:t>
+              </a:r>
+              <a:endParaRPr lang="zh-CN" altLang="en-US" dirty="0"/>
+            </a:p>
+          </p:txBody>
+        </p:sp>
+        <p:sp>
+          <p:nvSpPr>
+            <p:cNvPr id="25" name="文本框 24">
+              <a:extLst>
+                <a:ext uri="{FF2B5EF4-FFF2-40B4-BE49-F238E27FC236}">
+                  <a16:creationId xmlns:a16="http://schemas.microsoft.com/office/drawing/2014/main" id="{563ACCC6-E362-4223-B12C-2BA9C3641196}"/>
+                </a:ext>
+              </a:extLst>
+            </p:cNvPr>
+            <p:cNvSpPr txBox="1"/>
+            <p:nvPr/>
+          </p:nvSpPr>
+          <p:spPr>
+            <a:xfrm>
+              <a:off x="7744843" y="5831223"/>
+              <a:ext cx="2492990" cy="369332"/>
+            </a:xfrm>
+            <a:prstGeom prst="rect">
+              <a:avLst/>
+            </a:prstGeom>
+            <a:noFill/>
+          </p:spPr>
+          <p:txBody>
+            <a:bodyPr wrap="none" rtlCol="0">
+              <a:spAutoFit/>
+            </a:bodyPr>
+            <a:lstStyle/>
+            <a:p>
+              <a:r>
+                <a:rPr lang="ja-JP" altLang="en-US" dirty="0"/>
+                <a:t>調性格の共感覚色分布</a:t>
+              </a:r>
+              <a:endParaRPr lang="zh-CN" altLang="en-US" dirty="0"/>
+            </a:p>
+          </p:txBody>
+        </p:sp>
+        <p:sp>
+          <p:nvSpPr>
+            <p:cNvPr id="26" name="矩形: 圆角 25">
+              <a:extLst>
+                <a:ext uri="{FF2B5EF4-FFF2-40B4-BE49-F238E27FC236}">
+                  <a16:creationId xmlns:a16="http://schemas.microsoft.com/office/drawing/2014/main" id="{17E0C92E-75E6-4EFC-A3C7-830BF70D3212}"/>
+                </a:ext>
+              </a:extLst>
+            </p:cNvPr>
+            <p:cNvSpPr/>
+            <p:nvPr/>
+          </p:nvSpPr>
+          <p:spPr>
+            <a:xfrm>
+              <a:off x="290146" y="2535621"/>
+              <a:ext cx="5029200" cy="2440825"/>
+            </a:xfrm>
+            <a:prstGeom prst="roundRect">
+              <a:avLst/>
+            </a:prstGeom>
+            <a:noFill/>
+            <a:ln w="28575"/>
+          </p:spPr>
+          <p:style>
+            <a:lnRef idx="2">
+              <a:schemeClr val="accent1">
+                <a:shade val="50000"/>
+              </a:schemeClr>
+            </a:lnRef>
+            <a:fillRef idx="1">
+              <a:schemeClr val="accent1"/>
+            </a:fillRef>
+            <a:effectRef idx="0">
+              <a:schemeClr val="accent1"/>
+            </a:effectRef>
+            <a:fontRef idx="minor">
+              <a:schemeClr val="lt1"/>
+            </a:fontRef>
+          </p:style>
+          <p:txBody>
+            <a:bodyPr rtlCol="0" anchor="ctr"/>
+            <a:lstStyle/>
+            <a:p>
+              <a:pPr algn="ctr"/>
+              <a:endParaRPr lang="zh-CN" altLang="en-US"/>
+            </a:p>
+          </p:txBody>
+        </p:sp>
+        <p:sp>
+          <p:nvSpPr>
+            <p:cNvPr id="27" name="矩形: 圆角 26">
+              <a:extLst>
+                <a:ext uri="{FF2B5EF4-FFF2-40B4-BE49-F238E27FC236}">
+                  <a16:creationId xmlns:a16="http://schemas.microsoft.com/office/drawing/2014/main" id="{99BFA61B-283C-42D2-9DA3-9B564F7EB446}"/>
+                </a:ext>
+              </a:extLst>
+            </p:cNvPr>
+            <p:cNvSpPr/>
+            <p:nvPr/>
+          </p:nvSpPr>
+          <p:spPr>
+            <a:xfrm>
+              <a:off x="6509238" y="330154"/>
+              <a:ext cx="5029200" cy="5420015"/>
+            </a:xfrm>
+            <a:prstGeom prst="roundRect">
+              <a:avLst/>
+            </a:prstGeom>
+            <a:noFill/>
+            <a:ln w="28575"/>
+          </p:spPr>
+          <p:style>
+            <a:lnRef idx="2">
+              <a:schemeClr val="accent1">
+                <a:shade val="50000"/>
+              </a:schemeClr>
+            </a:lnRef>
+            <a:fillRef idx="1">
+              <a:schemeClr val="accent1"/>
+            </a:fillRef>
+            <a:effectRef idx="0">
+              <a:schemeClr val="accent1"/>
+            </a:effectRef>
+            <a:fontRef idx="minor">
+              <a:schemeClr val="lt1"/>
+            </a:fontRef>
+          </p:style>
+          <p:txBody>
+            <a:bodyPr rtlCol="0" anchor="ctr"/>
+            <a:lstStyle/>
+            <a:p>
+              <a:pPr algn="ctr"/>
+              <a:endParaRPr lang="zh-CN" altLang="en-US"/>
+            </a:p>
+          </p:txBody>
+        </p:sp>
+      </p:grpSp>
     </p:spTree>
     <p:extLst>
       <p:ext uri="{BB962C8B-B14F-4D97-AF65-F5344CB8AC3E}">

--- a/ppt.pptx
+++ b/ppt.pptx
@@ -24,7 +24,8 @@
     <p:sldId id="268" r:id="rId18"/>
     <p:sldId id="288" r:id="rId19"/>
     <p:sldId id="290" r:id="rId20"/>
-    <p:sldId id="289" r:id="rId21"/>
+    <p:sldId id="291" r:id="rId21"/>
+    <p:sldId id="289" r:id="rId22"/>
   </p:sldIdLst>
   <p:sldSz cx="12192000" cy="6858000"/>
   <p:notesSz cx="6858000" cy="9144000"/>
@@ -264,7 +265,7 @@
           <a:p>
             <a:fld id="{D997B5FA-0921-464F-AAE1-844C04324D75}" type="datetimeFigureOut">
               <a:rPr lang="zh-CN" altLang="en-US" smtClean="0"/>
-              <a:t>2018/1/18</a:t>
+              <a:t>2018/1/24</a:t>
             </a:fld>
             <a:endParaRPr lang="zh-CN" altLang="en-US"/>
           </a:p>
@@ -427,7 +428,7 @@
           <a:p>
             <a:fld id="{D997B5FA-0921-464F-AAE1-844C04324D75}" type="datetimeFigureOut">
               <a:rPr lang="zh-CN" altLang="en-US" smtClean="0"/>
-              <a:t>2018/1/18</a:t>
+              <a:t>2018/1/24</a:t>
             </a:fld>
             <a:endParaRPr lang="zh-CN" altLang="en-US"/>
           </a:p>
@@ -600,7 +601,7 @@
           <a:p>
             <a:fld id="{D997B5FA-0921-464F-AAE1-844C04324D75}" type="datetimeFigureOut">
               <a:rPr lang="zh-CN" altLang="en-US" smtClean="0"/>
-              <a:t>2018/1/18</a:t>
+              <a:t>2018/1/24</a:t>
             </a:fld>
             <a:endParaRPr lang="zh-CN" altLang="en-US"/>
           </a:p>
@@ -763,7 +764,7 @@
           <a:p>
             <a:fld id="{D997B5FA-0921-464F-AAE1-844C04324D75}" type="datetimeFigureOut">
               <a:rPr lang="zh-CN" altLang="en-US" smtClean="0"/>
-              <a:t>2018/1/18</a:t>
+              <a:t>2018/1/24</a:t>
             </a:fld>
             <a:endParaRPr lang="zh-CN" altLang="en-US"/>
           </a:p>
@@ -1003,7 +1004,7 @@
           <a:p>
             <a:fld id="{D997B5FA-0921-464F-AAE1-844C04324D75}" type="datetimeFigureOut">
               <a:rPr lang="zh-CN" altLang="en-US" smtClean="0"/>
-              <a:t>2018/1/18</a:t>
+              <a:t>2018/1/24</a:t>
             </a:fld>
             <a:endParaRPr lang="zh-CN" altLang="en-US"/>
           </a:p>
@@ -1227,7 +1228,7 @@
           <a:p>
             <a:fld id="{D997B5FA-0921-464F-AAE1-844C04324D75}" type="datetimeFigureOut">
               <a:rPr lang="zh-CN" altLang="en-US" smtClean="0"/>
-              <a:t>2018/1/18</a:t>
+              <a:t>2018/1/24</a:t>
             </a:fld>
             <a:endParaRPr lang="zh-CN" altLang="en-US"/>
           </a:p>
@@ -1586,7 +1587,7 @@
           <a:p>
             <a:fld id="{D997B5FA-0921-464F-AAE1-844C04324D75}" type="datetimeFigureOut">
               <a:rPr lang="zh-CN" altLang="en-US" smtClean="0"/>
-              <a:t>2018/1/18</a:t>
+              <a:t>2018/1/24</a:t>
             </a:fld>
             <a:endParaRPr lang="zh-CN" altLang="en-US"/>
           </a:p>
@@ -1698,7 +1699,7 @@
           <a:p>
             <a:fld id="{D997B5FA-0921-464F-AAE1-844C04324D75}" type="datetimeFigureOut">
               <a:rPr lang="zh-CN" altLang="en-US" smtClean="0"/>
-              <a:t>2018/1/18</a:t>
+              <a:t>2018/1/24</a:t>
             </a:fld>
             <a:endParaRPr lang="zh-CN" altLang="en-US"/>
           </a:p>
@@ -1788,7 +1789,7 @@
           <a:p>
             <a:fld id="{D997B5FA-0921-464F-AAE1-844C04324D75}" type="datetimeFigureOut">
               <a:rPr lang="zh-CN" altLang="en-US" smtClean="0"/>
-              <a:t>2018/1/18</a:t>
+              <a:t>2018/1/24</a:t>
             </a:fld>
             <a:endParaRPr lang="zh-CN" altLang="en-US"/>
           </a:p>
@@ -2058,7 +2059,7 @@
           <a:p>
             <a:fld id="{D997B5FA-0921-464F-AAE1-844C04324D75}" type="datetimeFigureOut">
               <a:rPr lang="zh-CN" altLang="en-US" smtClean="0"/>
-              <a:t>2018/1/18</a:t>
+              <a:t>2018/1/24</a:t>
             </a:fld>
             <a:endParaRPr lang="zh-CN" altLang="en-US"/>
           </a:p>
@@ -2305,7 +2306,7 @@
           <a:p>
             <a:fld id="{D997B5FA-0921-464F-AAE1-844C04324D75}" type="datetimeFigureOut">
               <a:rPr lang="zh-CN" altLang="en-US" smtClean="0"/>
-              <a:t>2018/1/18</a:t>
+              <a:t>2018/1/24</a:t>
             </a:fld>
             <a:endParaRPr lang="zh-CN" altLang="en-US"/>
           </a:p>
@@ -2511,7 +2512,7 @@
           <a:p>
             <a:fld id="{D997B5FA-0921-464F-AAE1-844C04324D75}" type="datetimeFigureOut">
               <a:rPr lang="zh-CN" altLang="en-US" smtClean="0"/>
-              <a:t>2018/1/18</a:t>
+              <a:t>2018/1/24</a:t>
             </a:fld>
             <a:endParaRPr lang="zh-CN" altLang="en-US"/>
           </a:p>
@@ -6585,10 +6586,10 @@
       </p:grpSpPr>
       <p:pic>
         <p:nvPicPr>
-          <p:cNvPr id="11" name="图片 10">
+          <p:cNvPr id="24" name="图片 23">
             <a:extLst>
               <a:ext uri="{FF2B5EF4-FFF2-40B4-BE49-F238E27FC236}">
-                <a16:creationId xmlns:a16="http://schemas.microsoft.com/office/drawing/2014/main" id="{AD817B7E-CD4A-411B-A174-03EBD9EE4A25}"/>
+                <a16:creationId xmlns:a16="http://schemas.microsoft.com/office/drawing/2014/main" id="{9C38BF21-ACDE-4E2B-8EAE-E2D7ECB2A91D}"/>
               </a:ext>
             </a:extLst>
           </p:cNvPr>
@@ -6611,8 +6612,8 @@
         </p:blipFill>
         <p:spPr>
           <a:xfrm>
-            <a:off x="4438200" y="3288326"/>
-            <a:ext cx="4511522" cy="3383642"/>
+            <a:off x="0" y="0"/>
+            <a:ext cx="4511525" cy="3383644"/>
           </a:xfrm>
           <a:prstGeom prst="rect">
             <a:avLst/>
@@ -6621,10 +6622,10 @@
       </p:pic>
       <p:pic>
         <p:nvPicPr>
-          <p:cNvPr id="7" name="图片 6">
+          <p:cNvPr id="26" name="图片 25">
             <a:extLst>
               <a:ext uri="{FF2B5EF4-FFF2-40B4-BE49-F238E27FC236}">
-                <a16:creationId xmlns:a16="http://schemas.microsoft.com/office/drawing/2014/main" id="{CAEA608E-BC52-4C83-8374-652CEF658970}"/>
+                <a16:creationId xmlns:a16="http://schemas.microsoft.com/office/drawing/2014/main" id="{AFF4E357-DA66-43C7-87CF-86C186BD5D02}"/>
               </a:ext>
             </a:extLst>
           </p:cNvPr>
@@ -6647,7 +6648,7 @@
         </p:blipFill>
         <p:spPr>
           <a:xfrm>
-            <a:off x="4438198" y="45358"/>
+            <a:off x="4511525" y="0"/>
             <a:ext cx="4511525" cy="3383644"/>
           </a:xfrm>
           <a:prstGeom prst="rect">
@@ -6657,10 +6658,10 @@
       </p:pic>
       <p:pic>
         <p:nvPicPr>
-          <p:cNvPr id="9" name="图片 8">
+          <p:cNvPr id="28" name="图片 27">
             <a:extLst>
               <a:ext uri="{FF2B5EF4-FFF2-40B4-BE49-F238E27FC236}">
-                <a16:creationId xmlns:a16="http://schemas.microsoft.com/office/drawing/2014/main" id="{BB718581-5BC6-4E36-8CD3-95DFDCC42329}"/>
+                <a16:creationId xmlns:a16="http://schemas.microsoft.com/office/drawing/2014/main" id="{0A037CFF-A9C7-4872-8F4D-AB9AA73810A8}"/>
               </a:ext>
             </a:extLst>
           </p:cNvPr>
@@ -6683,7 +6684,7 @@
         </p:blipFill>
         <p:spPr>
           <a:xfrm>
-            <a:off x="208036" y="3288327"/>
+            <a:off x="0" y="3383644"/>
             <a:ext cx="4511525" cy="3383644"/>
           </a:xfrm>
           <a:prstGeom prst="rect">
@@ -6693,10 +6694,10 @@
       </p:pic>
       <p:pic>
         <p:nvPicPr>
-          <p:cNvPr id="5" name="图片 4">
+          <p:cNvPr id="30" name="图片 29">
             <a:extLst>
               <a:ext uri="{FF2B5EF4-FFF2-40B4-BE49-F238E27FC236}">
-                <a16:creationId xmlns:a16="http://schemas.microsoft.com/office/drawing/2014/main" id="{16D1402F-26F6-4267-9F8E-B488E61EF5DA}"/>
+                <a16:creationId xmlns:a16="http://schemas.microsoft.com/office/drawing/2014/main" id="{0CE63635-065C-414E-AE79-C5CA17639146}"/>
               </a:ext>
             </a:extLst>
           </p:cNvPr>
@@ -6719,8 +6720,8 @@
         </p:blipFill>
         <p:spPr>
           <a:xfrm>
-            <a:off x="208036" y="45357"/>
-            <a:ext cx="4511524" cy="3383643"/>
+            <a:off x="4511525" y="3383644"/>
+            <a:ext cx="4511525" cy="3383644"/>
           </a:xfrm>
           <a:prstGeom prst="rect">
             <a:avLst/>
@@ -6759,10 +6760,10 @@
       </p:grpSpPr>
       <p:pic>
         <p:nvPicPr>
-          <p:cNvPr id="10" name="图片 9">
+          <p:cNvPr id="5" name="图片 4">
             <a:extLst>
               <a:ext uri="{FF2B5EF4-FFF2-40B4-BE49-F238E27FC236}">
-                <a16:creationId xmlns:a16="http://schemas.microsoft.com/office/drawing/2014/main" id="{35423942-75E1-4121-B7D4-39D1F3856102}"/>
+                <a16:creationId xmlns:a16="http://schemas.microsoft.com/office/drawing/2014/main" id="{520DEE48-47D0-4EF5-8B87-DE0F6A0842A2}"/>
               </a:ext>
             </a:extLst>
           </p:cNvPr>
@@ -6785,8 +6786,8 @@
         </p:blipFill>
         <p:spPr>
           <a:xfrm>
-            <a:off x="324151" y="3429000"/>
-            <a:ext cx="4511524" cy="3383643"/>
+            <a:off x="0" y="0"/>
+            <a:ext cx="4511525" cy="3383644"/>
           </a:xfrm>
           <a:prstGeom prst="rect">
             <a:avLst/>
@@ -6795,10 +6796,10 @@
       </p:pic>
       <p:pic>
         <p:nvPicPr>
-          <p:cNvPr id="12" name="图片 11">
+          <p:cNvPr id="9" name="图片 8">
             <a:extLst>
               <a:ext uri="{FF2B5EF4-FFF2-40B4-BE49-F238E27FC236}">
-                <a16:creationId xmlns:a16="http://schemas.microsoft.com/office/drawing/2014/main" id="{2A73F454-80E8-4202-8D24-4AD82E5886F6}"/>
+                <a16:creationId xmlns:a16="http://schemas.microsoft.com/office/drawing/2014/main" id="{E30679E7-D099-4BBE-8C18-F74BAC095F3F}"/>
               </a:ext>
             </a:extLst>
           </p:cNvPr>
@@ -6821,8 +6822,8 @@
         </p:blipFill>
         <p:spPr>
           <a:xfrm>
-            <a:off x="4434114" y="3428999"/>
-            <a:ext cx="4511524" cy="3383643"/>
+            <a:off x="4511525" y="0"/>
+            <a:ext cx="4511525" cy="3383644"/>
           </a:xfrm>
           <a:prstGeom prst="rect">
             <a:avLst/>
@@ -6831,10 +6832,10 @@
       </p:pic>
       <p:pic>
         <p:nvPicPr>
-          <p:cNvPr id="6" name="图片 5">
+          <p:cNvPr id="13" name="图片 12">
             <a:extLst>
               <a:ext uri="{FF2B5EF4-FFF2-40B4-BE49-F238E27FC236}">
-                <a16:creationId xmlns:a16="http://schemas.microsoft.com/office/drawing/2014/main" id="{C18E9909-D565-4AD1-8E49-A287FD057AD2}"/>
+                <a16:creationId xmlns:a16="http://schemas.microsoft.com/office/drawing/2014/main" id="{A10C909B-67EE-476F-86F8-6999A201AFEF}"/>
               </a:ext>
             </a:extLst>
           </p:cNvPr>
@@ -6857,8 +6858,8 @@
         </p:blipFill>
         <p:spPr>
           <a:xfrm>
-            <a:off x="324151" y="208642"/>
-            <a:ext cx="4511524" cy="3383643"/>
+            <a:off x="0" y="3383644"/>
+            <a:ext cx="4511525" cy="3383644"/>
           </a:xfrm>
           <a:prstGeom prst="rect">
             <a:avLst/>
@@ -6867,10 +6868,10 @@
       </p:pic>
       <p:pic>
         <p:nvPicPr>
-          <p:cNvPr id="8" name="图片 7">
+          <p:cNvPr id="15" name="图片 14">
             <a:extLst>
               <a:ext uri="{FF2B5EF4-FFF2-40B4-BE49-F238E27FC236}">
-                <a16:creationId xmlns:a16="http://schemas.microsoft.com/office/drawing/2014/main" id="{EDEEF845-CE5D-4AE3-B8BE-B197D74C0B62}"/>
+                <a16:creationId xmlns:a16="http://schemas.microsoft.com/office/drawing/2014/main" id="{D159DA62-750C-4D28-888C-7FC02E3C1C6A}"/>
               </a:ext>
             </a:extLst>
           </p:cNvPr>
@@ -6893,8 +6894,8 @@
         </p:blipFill>
         <p:spPr>
           <a:xfrm>
-            <a:off x="4434114" y="208641"/>
-            <a:ext cx="4511524" cy="3383643"/>
+            <a:off x="4511525" y="3383644"/>
+            <a:ext cx="4511525" cy="3383644"/>
           </a:xfrm>
           <a:prstGeom prst="rect">
             <a:avLst/>
@@ -7909,6 +7910,108 @@
 </file>
 
 <file path=ppt/slides/slide20.xml><?xml version="1.0" encoding="utf-8"?>
+<p:sld xmlns:a="http://schemas.openxmlformats.org/drawingml/2006/main" xmlns:r="http://schemas.openxmlformats.org/officeDocument/2006/relationships" xmlns:p="http://schemas.openxmlformats.org/presentationml/2006/main">
+  <p:cSld>
+    <p:spTree>
+      <p:nvGrpSpPr>
+        <p:cNvPr id="1" name=""/>
+        <p:cNvGrpSpPr/>
+        <p:nvPr/>
+      </p:nvGrpSpPr>
+      <p:grpSpPr>
+        <a:xfrm>
+          <a:off x="0" y="0"/>
+          <a:ext cx="0" cy="0"/>
+          <a:chOff x="0" y="0"/>
+          <a:chExt cx="0" cy="0"/>
+        </a:xfrm>
+      </p:grpSpPr>
+      <p:pic>
+        <p:nvPicPr>
+          <p:cNvPr id="5" name="图片 4">
+            <a:extLst>
+              <a:ext uri="{FF2B5EF4-FFF2-40B4-BE49-F238E27FC236}">
+                <a16:creationId xmlns:a16="http://schemas.microsoft.com/office/drawing/2014/main" id="{362C4764-04AE-4B0A-A3BB-37FE6F11BDC2}"/>
+              </a:ext>
+            </a:extLst>
+          </p:cNvPr>
+          <p:cNvPicPr>
+            <a:picLocks noChangeAspect="1"/>
+          </p:cNvPicPr>
+          <p:nvPr/>
+        </p:nvPicPr>
+        <p:blipFill>
+          <a:blip r:embed="rId2">
+            <a:extLst>
+              <a:ext uri="{28A0092B-C50C-407E-A947-70E740481C1C}">
+                <a14:useLocalDpi xmlns:a14="http://schemas.microsoft.com/office/drawing/2010/main" val="0"/>
+              </a:ext>
+            </a:extLst>
+          </a:blip>
+          <a:stretch>
+            <a:fillRect/>
+          </a:stretch>
+        </p:blipFill>
+        <p:spPr>
+          <a:xfrm>
+            <a:off x="-1" y="3383644"/>
+            <a:ext cx="4511525" cy="3383644"/>
+          </a:xfrm>
+          <a:prstGeom prst="rect">
+            <a:avLst/>
+          </a:prstGeom>
+        </p:spPr>
+      </p:pic>
+      <p:pic>
+        <p:nvPicPr>
+          <p:cNvPr id="6" name="图片 5">
+            <a:extLst>
+              <a:ext uri="{FF2B5EF4-FFF2-40B4-BE49-F238E27FC236}">
+                <a16:creationId xmlns:a16="http://schemas.microsoft.com/office/drawing/2014/main" id="{B68FD3CB-6278-4AD1-8D31-19EE1B30D3DC}"/>
+              </a:ext>
+            </a:extLst>
+          </p:cNvPr>
+          <p:cNvPicPr>
+            <a:picLocks noChangeAspect="1"/>
+          </p:cNvPicPr>
+          <p:nvPr/>
+        </p:nvPicPr>
+        <p:blipFill>
+          <a:blip r:embed="rId3">
+            <a:extLst>
+              <a:ext uri="{28A0092B-C50C-407E-A947-70E740481C1C}">
+                <a14:useLocalDpi xmlns:a14="http://schemas.microsoft.com/office/drawing/2010/main" val="0"/>
+              </a:ext>
+            </a:extLst>
+          </a:blip>
+          <a:stretch>
+            <a:fillRect/>
+          </a:stretch>
+        </p:blipFill>
+        <p:spPr>
+          <a:xfrm>
+            <a:off x="0" y="0"/>
+            <a:ext cx="4511525" cy="3383644"/>
+          </a:xfrm>
+          <a:prstGeom prst="rect">
+            <a:avLst/>
+          </a:prstGeom>
+        </p:spPr>
+      </p:pic>
+    </p:spTree>
+    <p:extLst>
+      <p:ext uri="{BB962C8B-B14F-4D97-AF65-F5344CB8AC3E}">
+        <p14:creationId xmlns:p14="http://schemas.microsoft.com/office/powerpoint/2010/main" val="201125115"/>
+      </p:ext>
+    </p:extLst>
+  </p:cSld>
+  <p:clrMapOvr>
+    <a:masterClrMapping/>
+  </p:clrMapOvr>
+</p:sld>
+</file>
+
+<file path=ppt/slides/slide21.xml><?xml version="1.0" encoding="utf-8"?>
 <p:sld xmlns:a="http://schemas.openxmlformats.org/drawingml/2006/main" xmlns:r="http://schemas.openxmlformats.org/officeDocument/2006/relationships" xmlns:p="http://schemas.openxmlformats.org/presentationml/2006/main">
   <p:cSld>
     <p:spTree>

--- a/ppt.pptx
+++ b/ppt.pptx
@@ -265,7 +265,7 @@
           <a:p>
             <a:fld id="{D997B5FA-0921-464F-AAE1-844C04324D75}" type="datetimeFigureOut">
               <a:rPr lang="zh-CN" altLang="en-US" smtClean="0"/>
-              <a:t>2018/1/24</a:t>
+              <a:t>2018/1/28</a:t>
             </a:fld>
             <a:endParaRPr lang="zh-CN" altLang="en-US"/>
           </a:p>
@@ -428,7 +428,7 @@
           <a:p>
             <a:fld id="{D997B5FA-0921-464F-AAE1-844C04324D75}" type="datetimeFigureOut">
               <a:rPr lang="zh-CN" altLang="en-US" smtClean="0"/>
-              <a:t>2018/1/24</a:t>
+              <a:t>2018/1/28</a:t>
             </a:fld>
             <a:endParaRPr lang="zh-CN" altLang="en-US"/>
           </a:p>
@@ -601,7 +601,7 @@
           <a:p>
             <a:fld id="{D997B5FA-0921-464F-AAE1-844C04324D75}" type="datetimeFigureOut">
               <a:rPr lang="zh-CN" altLang="en-US" smtClean="0"/>
-              <a:t>2018/1/24</a:t>
+              <a:t>2018/1/28</a:t>
             </a:fld>
             <a:endParaRPr lang="zh-CN" altLang="en-US"/>
           </a:p>
@@ -764,7 +764,7 @@
           <a:p>
             <a:fld id="{D997B5FA-0921-464F-AAE1-844C04324D75}" type="datetimeFigureOut">
               <a:rPr lang="zh-CN" altLang="en-US" smtClean="0"/>
-              <a:t>2018/1/24</a:t>
+              <a:t>2018/1/28</a:t>
             </a:fld>
             <a:endParaRPr lang="zh-CN" altLang="en-US"/>
           </a:p>
@@ -1004,7 +1004,7 @@
           <a:p>
             <a:fld id="{D997B5FA-0921-464F-AAE1-844C04324D75}" type="datetimeFigureOut">
               <a:rPr lang="zh-CN" altLang="en-US" smtClean="0"/>
-              <a:t>2018/1/24</a:t>
+              <a:t>2018/1/28</a:t>
             </a:fld>
             <a:endParaRPr lang="zh-CN" altLang="en-US"/>
           </a:p>
@@ -1228,7 +1228,7 @@
           <a:p>
             <a:fld id="{D997B5FA-0921-464F-AAE1-844C04324D75}" type="datetimeFigureOut">
               <a:rPr lang="zh-CN" altLang="en-US" smtClean="0"/>
-              <a:t>2018/1/24</a:t>
+              <a:t>2018/1/28</a:t>
             </a:fld>
             <a:endParaRPr lang="zh-CN" altLang="en-US"/>
           </a:p>
@@ -1587,7 +1587,7 @@
           <a:p>
             <a:fld id="{D997B5FA-0921-464F-AAE1-844C04324D75}" type="datetimeFigureOut">
               <a:rPr lang="zh-CN" altLang="en-US" smtClean="0"/>
-              <a:t>2018/1/24</a:t>
+              <a:t>2018/1/28</a:t>
             </a:fld>
             <a:endParaRPr lang="zh-CN" altLang="en-US"/>
           </a:p>
@@ -1699,7 +1699,7 @@
           <a:p>
             <a:fld id="{D997B5FA-0921-464F-AAE1-844C04324D75}" type="datetimeFigureOut">
               <a:rPr lang="zh-CN" altLang="en-US" smtClean="0"/>
-              <a:t>2018/1/24</a:t>
+              <a:t>2018/1/28</a:t>
             </a:fld>
             <a:endParaRPr lang="zh-CN" altLang="en-US"/>
           </a:p>
@@ -1789,7 +1789,7 @@
           <a:p>
             <a:fld id="{D997B5FA-0921-464F-AAE1-844C04324D75}" type="datetimeFigureOut">
               <a:rPr lang="zh-CN" altLang="en-US" smtClean="0"/>
-              <a:t>2018/1/24</a:t>
+              <a:t>2018/1/28</a:t>
             </a:fld>
             <a:endParaRPr lang="zh-CN" altLang="en-US"/>
           </a:p>
@@ -2059,7 +2059,7 @@
           <a:p>
             <a:fld id="{D997B5FA-0921-464F-AAE1-844C04324D75}" type="datetimeFigureOut">
               <a:rPr lang="zh-CN" altLang="en-US" smtClean="0"/>
-              <a:t>2018/1/24</a:t>
+              <a:t>2018/1/28</a:t>
             </a:fld>
             <a:endParaRPr lang="zh-CN" altLang="en-US"/>
           </a:p>
@@ -2306,7 +2306,7 @@
           <a:p>
             <a:fld id="{D997B5FA-0921-464F-AAE1-844C04324D75}" type="datetimeFigureOut">
               <a:rPr lang="zh-CN" altLang="en-US" smtClean="0"/>
-              <a:t>2018/1/24</a:t>
+              <a:t>2018/1/28</a:t>
             </a:fld>
             <a:endParaRPr lang="zh-CN" altLang="en-US"/>
           </a:p>
@@ -2512,7 +2512,7 @@
           <a:p>
             <a:fld id="{D997B5FA-0921-464F-AAE1-844C04324D75}" type="datetimeFigureOut">
               <a:rPr lang="zh-CN" altLang="en-US" smtClean="0"/>
-              <a:t>2018/1/24</a:t>
+              <a:t>2018/1/28</a:t>
             </a:fld>
             <a:endParaRPr lang="zh-CN" altLang="en-US"/>
           </a:p>
@@ -6586,10 +6586,10 @@
       </p:grpSpPr>
       <p:pic>
         <p:nvPicPr>
-          <p:cNvPr id="24" name="图片 23">
+          <p:cNvPr id="3" name="图片 2">
             <a:extLst>
               <a:ext uri="{FF2B5EF4-FFF2-40B4-BE49-F238E27FC236}">
-                <a16:creationId xmlns:a16="http://schemas.microsoft.com/office/drawing/2014/main" id="{9C38BF21-ACDE-4E2B-8EAE-E2D7ECB2A91D}"/>
+                <a16:creationId xmlns:a16="http://schemas.microsoft.com/office/drawing/2014/main" id="{96C4BC0E-13E5-408E-97CE-9B1B36C6868A}"/>
               </a:ext>
             </a:extLst>
           </p:cNvPr>
@@ -6622,10 +6622,10 @@
       </p:pic>
       <p:pic>
         <p:nvPicPr>
-          <p:cNvPr id="26" name="图片 25">
+          <p:cNvPr id="5" name="图片 4">
             <a:extLst>
               <a:ext uri="{FF2B5EF4-FFF2-40B4-BE49-F238E27FC236}">
-                <a16:creationId xmlns:a16="http://schemas.microsoft.com/office/drawing/2014/main" id="{AFF4E357-DA66-43C7-87CF-86C186BD5D02}"/>
+                <a16:creationId xmlns:a16="http://schemas.microsoft.com/office/drawing/2014/main" id="{CA589299-1D4F-4F08-8C8D-DF3294D2D056}"/>
               </a:ext>
             </a:extLst>
           </p:cNvPr>
@@ -6658,10 +6658,10 @@
       </p:pic>
       <p:pic>
         <p:nvPicPr>
-          <p:cNvPr id="28" name="图片 27">
+          <p:cNvPr id="7" name="图片 6">
             <a:extLst>
               <a:ext uri="{FF2B5EF4-FFF2-40B4-BE49-F238E27FC236}">
-                <a16:creationId xmlns:a16="http://schemas.microsoft.com/office/drawing/2014/main" id="{0A037CFF-A9C7-4872-8F4D-AB9AA73810A8}"/>
+                <a16:creationId xmlns:a16="http://schemas.microsoft.com/office/drawing/2014/main" id="{D4DF3AEE-2456-46A4-82F3-5138C3913C41}"/>
               </a:ext>
             </a:extLst>
           </p:cNvPr>
@@ -6694,10 +6694,10 @@
       </p:pic>
       <p:pic>
         <p:nvPicPr>
-          <p:cNvPr id="30" name="图片 29">
+          <p:cNvPr id="9" name="图片 8">
             <a:extLst>
               <a:ext uri="{FF2B5EF4-FFF2-40B4-BE49-F238E27FC236}">
-                <a16:creationId xmlns:a16="http://schemas.microsoft.com/office/drawing/2014/main" id="{0CE63635-065C-414E-AE79-C5CA17639146}"/>
+                <a16:creationId xmlns:a16="http://schemas.microsoft.com/office/drawing/2014/main" id="{2A9E5BDE-F6A6-4A72-8D75-FF72F58F0FAF}"/>
               </a:ext>
             </a:extLst>
           </p:cNvPr>
@@ -6720,8 +6720,8 @@
         </p:blipFill>
         <p:spPr>
           <a:xfrm>
-            <a:off x="4511525" y="3383644"/>
-            <a:ext cx="4511525" cy="3383644"/>
+            <a:off x="4511524" y="3383643"/>
+            <a:ext cx="4511526" cy="3383645"/>
           </a:xfrm>
           <a:prstGeom prst="rect">
             <a:avLst/>
